--- a/Flutter/PPT/Slide.pptx
+++ b/Flutter/PPT/Slide.pptx
@@ -235,7 +235,7 @@
           <a:p>
             <a:fld id="{38EBF754-CDC4-4762-B81C-FDFA88BC1D35}" type="datetimeFigureOut">
               <a:rPr lang="en-US" smtClean="0"/>
-              <a:t>Sat</a:t>
+              <a:t>Sun</a:t>
             </a:fld>
             <a:endParaRPr lang="en-US"/>
           </a:p>
@@ -850,7 +850,7 @@
             <a:fld id="{1D8BD707-D9CF-40AE-B4C6-C98DA3205C09}" type="datetimeFigureOut">
               <a:rPr lang="en-US" smtClean="0"/>
               <a:pPr/>
-              <a:t>Fri</a:t>
+              <a:t>Sun</a:t>
             </a:fld>
             <a:endParaRPr lang="en-US"/>
           </a:p>
@@ -1015,7 +1015,7 @@
             <a:fld id="{1D8BD707-D9CF-40AE-B4C6-C98DA3205C09}" type="datetimeFigureOut">
               <a:rPr lang="en-US" smtClean="0"/>
               <a:pPr/>
-              <a:t>Fri</a:t>
+              <a:t>Sun</a:t>
             </a:fld>
             <a:endParaRPr lang="en-US"/>
           </a:p>
@@ -1190,7 +1190,7 @@
             <a:fld id="{1D8BD707-D9CF-40AE-B4C6-C98DA3205C09}" type="datetimeFigureOut">
               <a:rPr lang="en-US" smtClean="0"/>
               <a:pPr/>
-              <a:t>Fri</a:t>
+              <a:t>Sun</a:t>
             </a:fld>
             <a:endParaRPr lang="en-US"/>
           </a:p>
@@ -1355,7 +1355,7 @@
             <a:fld id="{1D8BD707-D9CF-40AE-B4C6-C98DA3205C09}" type="datetimeFigureOut">
               <a:rPr lang="en-US" smtClean="0"/>
               <a:pPr/>
-              <a:t>Fri</a:t>
+              <a:t>Sun</a:t>
             </a:fld>
             <a:endParaRPr lang="en-US"/>
           </a:p>
@@ -1597,7 +1597,7 @@
             <a:fld id="{1D8BD707-D9CF-40AE-B4C6-C98DA3205C09}" type="datetimeFigureOut">
               <a:rPr lang="en-US" smtClean="0"/>
               <a:pPr/>
-              <a:t>Fri</a:t>
+              <a:t>Sun</a:t>
             </a:fld>
             <a:endParaRPr lang="en-US"/>
           </a:p>
@@ -1879,7 +1879,7 @@
             <a:fld id="{1D8BD707-D9CF-40AE-B4C6-C98DA3205C09}" type="datetimeFigureOut">
               <a:rPr lang="en-US" smtClean="0"/>
               <a:pPr/>
-              <a:t>Fri</a:t>
+              <a:t>Sun</a:t>
             </a:fld>
             <a:endParaRPr lang="en-US"/>
           </a:p>
@@ -2295,7 +2295,7 @@
             <a:fld id="{1D8BD707-D9CF-40AE-B4C6-C98DA3205C09}" type="datetimeFigureOut">
               <a:rPr lang="en-US" smtClean="0"/>
               <a:pPr/>
-              <a:t>Fri</a:t>
+              <a:t>Sun</a:t>
             </a:fld>
             <a:endParaRPr lang="en-US"/>
           </a:p>
@@ -2409,7 +2409,7 @@
             <a:fld id="{1D8BD707-D9CF-40AE-B4C6-C98DA3205C09}" type="datetimeFigureOut">
               <a:rPr lang="en-US" smtClean="0"/>
               <a:pPr/>
-              <a:t>Fri</a:t>
+              <a:t>Sun</a:t>
             </a:fld>
             <a:endParaRPr lang="en-US"/>
           </a:p>
@@ -2501,7 +2501,7 @@
             <a:fld id="{1D8BD707-D9CF-40AE-B4C6-C98DA3205C09}" type="datetimeFigureOut">
               <a:rPr lang="en-US" smtClean="0"/>
               <a:pPr/>
-              <a:t>Fri</a:t>
+              <a:t>Sun</a:t>
             </a:fld>
             <a:endParaRPr lang="en-US"/>
           </a:p>
@@ -2773,7 +2773,7 @@
             <a:fld id="{1D8BD707-D9CF-40AE-B4C6-C98DA3205C09}" type="datetimeFigureOut">
               <a:rPr lang="en-US" smtClean="0"/>
               <a:pPr/>
-              <a:t>Fri</a:t>
+              <a:t>Sun</a:t>
             </a:fld>
             <a:endParaRPr lang="en-US"/>
           </a:p>
@@ -3022,7 +3022,7 @@
             <a:fld id="{1D8BD707-D9CF-40AE-B4C6-C98DA3205C09}" type="datetimeFigureOut">
               <a:rPr lang="en-US" smtClean="0"/>
               <a:pPr/>
-              <a:t>Fri</a:t>
+              <a:t>Sun</a:t>
             </a:fld>
             <a:endParaRPr lang="en-US"/>
           </a:p>
@@ -3239,7 +3239,7 @@
             <a:fld id="{1D8BD707-D9CF-40AE-B4C6-C98DA3205C09}" type="datetimeFigureOut">
               <a:rPr lang="en-US" smtClean="0"/>
               <a:pPr/>
-              <a:t>Fri</a:t>
+              <a:t>Sun</a:t>
             </a:fld>
             <a:endParaRPr lang="en-US"/>
           </a:p>

--- a/Flutter/PPT/Slide.pptx
+++ b/Flutter/PPT/Slide.pptx
@@ -5,7 +5,7 @@
     <p:sldMasterId id="2147483648" r:id="rId1"/>
   </p:sldMasterIdLst>
   <p:notesMasterIdLst>
-    <p:notesMasterId r:id="rId30"/>
+    <p:notesMasterId r:id="rId35"/>
   </p:notesMasterIdLst>
   <p:sldIdLst>
     <p:sldId id="256" r:id="rId2"/>
@@ -36,6 +36,11 @@
     <p:sldId id="296" r:id="rId27"/>
     <p:sldId id="297" r:id="rId28"/>
     <p:sldId id="298" r:id="rId29"/>
+    <p:sldId id="299" r:id="rId30"/>
+    <p:sldId id="300" r:id="rId31"/>
+    <p:sldId id="301" r:id="rId32"/>
+    <p:sldId id="302" r:id="rId33"/>
+    <p:sldId id="303" r:id="rId34"/>
   </p:sldIdLst>
   <p:sldSz cx="9144000" cy="5143500" type="screen16x9"/>
   <p:notesSz cx="6858000" cy="9144000"/>
@@ -235,7 +240,7 @@
           <a:p>
             <a:fld id="{38EBF754-CDC4-4762-B81C-FDFA88BC1D35}" type="datetimeFigureOut">
               <a:rPr lang="en-US" smtClean="0"/>
-              <a:t>Sun</a:t>
+              <a:t>Mon</a:t>
             </a:fld>
             <a:endParaRPr lang="en-US"/>
           </a:p>
@@ -670,6 +675,426 @@
 </p:notes>
 </file>
 
+<file path=ppt/notesSlides/notesSlide3.xml><?xml version="1.0" encoding="utf-8"?>
+<p:notes xmlns:a="http://schemas.openxmlformats.org/drawingml/2006/main" xmlns:r="http://schemas.openxmlformats.org/officeDocument/2006/relationships" xmlns:p="http://schemas.openxmlformats.org/presentationml/2006/main">
+  <p:cSld>
+    <p:spTree>
+      <p:nvGrpSpPr>
+        <p:cNvPr id="1" name=""/>
+        <p:cNvGrpSpPr/>
+        <p:nvPr/>
+      </p:nvGrpSpPr>
+      <p:grpSpPr>
+        <a:xfrm>
+          <a:off x="0" y="0"/>
+          <a:ext cx="0" cy="0"/>
+          <a:chOff x="0" y="0"/>
+          <a:chExt cx="0" cy="0"/>
+        </a:xfrm>
+      </p:grpSpPr>
+      <p:sp>
+        <p:nvSpPr>
+          <p:cNvPr id="2" name="Slide Image Placeholder 1"/>
+          <p:cNvSpPr>
+            <a:spLocks noGrp="1" noRot="1" noChangeAspect="1"/>
+          </p:cNvSpPr>
+          <p:nvPr>
+            <p:ph type="sldImg"/>
+          </p:nvPr>
+        </p:nvSpPr>
+        <p:spPr/>
+      </p:sp>
+      <p:sp>
+        <p:nvSpPr>
+          <p:cNvPr id="3" name="Notes Placeholder 2"/>
+          <p:cNvSpPr>
+            <a:spLocks noGrp="1"/>
+          </p:cNvSpPr>
+          <p:nvPr>
+            <p:ph type="body" idx="1"/>
+          </p:nvPr>
+        </p:nvSpPr>
+        <p:spPr/>
+        <p:txBody>
+          <a:bodyPr/>
+          <a:lstStyle/>
+          <a:p>
+            <a:endParaRPr lang="en-US" dirty="0"/>
+          </a:p>
+        </p:txBody>
+      </p:sp>
+      <p:sp>
+        <p:nvSpPr>
+          <p:cNvPr id="4" name="Slide Number Placeholder 3"/>
+          <p:cNvSpPr>
+            <a:spLocks noGrp="1"/>
+          </p:cNvSpPr>
+          <p:nvPr>
+            <p:ph type="sldNum" sz="quarter" idx="5"/>
+          </p:nvPr>
+        </p:nvSpPr>
+        <p:spPr/>
+        <p:txBody>
+          <a:bodyPr/>
+          <a:lstStyle/>
+          <a:p>
+            <a:fld id="{B3A417B2-A29D-48B9-A4A7-A6FB997901AB}" type="slidenum">
+              <a:rPr lang="en-US" smtClean="0"/>
+              <a:t>29</a:t>
+            </a:fld>
+            <a:endParaRPr lang="en-US"/>
+          </a:p>
+        </p:txBody>
+      </p:sp>
+    </p:spTree>
+    <p:extLst>
+      <p:ext uri="{BB962C8B-B14F-4D97-AF65-F5344CB8AC3E}">
+        <p14:creationId xmlns:p14="http://schemas.microsoft.com/office/powerpoint/2010/main" val="3634637307"/>
+      </p:ext>
+    </p:extLst>
+  </p:cSld>
+  <p:clrMapOvr>
+    <a:masterClrMapping/>
+  </p:clrMapOvr>
+</p:notes>
+</file>
+
+<file path=ppt/notesSlides/notesSlide4.xml><?xml version="1.0" encoding="utf-8"?>
+<p:notes xmlns:a="http://schemas.openxmlformats.org/drawingml/2006/main" xmlns:r="http://schemas.openxmlformats.org/officeDocument/2006/relationships" xmlns:p="http://schemas.openxmlformats.org/presentationml/2006/main">
+  <p:cSld>
+    <p:spTree>
+      <p:nvGrpSpPr>
+        <p:cNvPr id="1" name=""/>
+        <p:cNvGrpSpPr/>
+        <p:nvPr/>
+      </p:nvGrpSpPr>
+      <p:grpSpPr>
+        <a:xfrm>
+          <a:off x="0" y="0"/>
+          <a:ext cx="0" cy="0"/>
+          <a:chOff x="0" y="0"/>
+          <a:chExt cx="0" cy="0"/>
+        </a:xfrm>
+      </p:grpSpPr>
+      <p:sp>
+        <p:nvSpPr>
+          <p:cNvPr id="2" name="Slide Image Placeholder 1"/>
+          <p:cNvSpPr>
+            <a:spLocks noGrp="1" noRot="1" noChangeAspect="1"/>
+          </p:cNvSpPr>
+          <p:nvPr>
+            <p:ph type="sldImg"/>
+          </p:nvPr>
+        </p:nvSpPr>
+        <p:spPr/>
+      </p:sp>
+      <p:sp>
+        <p:nvSpPr>
+          <p:cNvPr id="3" name="Notes Placeholder 2"/>
+          <p:cNvSpPr>
+            <a:spLocks noGrp="1"/>
+          </p:cNvSpPr>
+          <p:nvPr>
+            <p:ph type="body" idx="1"/>
+          </p:nvPr>
+        </p:nvSpPr>
+        <p:spPr/>
+        <p:txBody>
+          <a:bodyPr/>
+          <a:lstStyle/>
+          <a:p>
+            <a:endParaRPr lang="en-US" dirty="0"/>
+          </a:p>
+        </p:txBody>
+      </p:sp>
+      <p:sp>
+        <p:nvSpPr>
+          <p:cNvPr id="4" name="Slide Number Placeholder 3"/>
+          <p:cNvSpPr>
+            <a:spLocks noGrp="1"/>
+          </p:cNvSpPr>
+          <p:nvPr>
+            <p:ph type="sldNum" sz="quarter" idx="5"/>
+          </p:nvPr>
+        </p:nvSpPr>
+        <p:spPr/>
+        <p:txBody>
+          <a:bodyPr/>
+          <a:lstStyle/>
+          <a:p>
+            <a:fld id="{B3A417B2-A29D-48B9-A4A7-A6FB997901AB}" type="slidenum">
+              <a:rPr lang="en-US" smtClean="0"/>
+              <a:t>30</a:t>
+            </a:fld>
+            <a:endParaRPr lang="en-US"/>
+          </a:p>
+        </p:txBody>
+      </p:sp>
+    </p:spTree>
+    <p:extLst>
+      <p:ext uri="{BB962C8B-B14F-4D97-AF65-F5344CB8AC3E}">
+        <p14:creationId xmlns:p14="http://schemas.microsoft.com/office/powerpoint/2010/main" val="3420955875"/>
+      </p:ext>
+    </p:extLst>
+  </p:cSld>
+  <p:clrMapOvr>
+    <a:masterClrMapping/>
+  </p:clrMapOvr>
+</p:notes>
+</file>
+
+<file path=ppt/notesSlides/notesSlide5.xml><?xml version="1.0" encoding="utf-8"?>
+<p:notes xmlns:a="http://schemas.openxmlformats.org/drawingml/2006/main" xmlns:r="http://schemas.openxmlformats.org/officeDocument/2006/relationships" xmlns:p="http://schemas.openxmlformats.org/presentationml/2006/main">
+  <p:cSld>
+    <p:spTree>
+      <p:nvGrpSpPr>
+        <p:cNvPr id="1" name=""/>
+        <p:cNvGrpSpPr/>
+        <p:nvPr/>
+      </p:nvGrpSpPr>
+      <p:grpSpPr>
+        <a:xfrm>
+          <a:off x="0" y="0"/>
+          <a:ext cx="0" cy="0"/>
+          <a:chOff x="0" y="0"/>
+          <a:chExt cx="0" cy="0"/>
+        </a:xfrm>
+      </p:grpSpPr>
+      <p:sp>
+        <p:nvSpPr>
+          <p:cNvPr id="2" name="Slide Image Placeholder 1"/>
+          <p:cNvSpPr>
+            <a:spLocks noGrp="1" noRot="1" noChangeAspect="1"/>
+          </p:cNvSpPr>
+          <p:nvPr>
+            <p:ph type="sldImg"/>
+          </p:nvPr>
+        </p:nvSpPr>
+        <p:spPr/>
+      </p:sp>
+      <p:sp>
+        <p:nvSpPr>
+          <p:cNvPr id="3" name="Notes Placeholder 2"/>
+          <p:cNvSpPr>
+            <a:spLocks noGrp="1"/>
+          </p:cNvSpPr>
+          <p:nvPr>
+            <p:ph type="body" idx="1"/>
+          </p:nvPr>
+        </p:nvSpPr>
+        <p:spPr/>
+        <p:txBody>
+          <a:bodyPr/>
+          <a:lstStyle/>
+          <a:p>
+            <a:endParaRPr lang="en-US" dirty="0"/>
+          </a:p>
+        </p:txBody>
+      </p:sp>
+      <p:sp>
+        <p:nvSpPr>
+          <p:cNvPr id="4" name="Slide Number Placeholder 3"/>
+          <p:cNvSpPr>
+            <a:spLocks noGrp="1"/>
+          </p:cNvSpPr>
+          <p:nvPr>
+            <p:ph type="sldNum" sz="quarter" idx="5"/>
+          </p:nvPr>
+        </p:nvSpPr>
+        <p:spPr/>
+        <p:txBody>
+          <a:bodyPr/>
+          <a:lstStyle/>
+          <a:p>
+            <a:fld id="{B3A417B2-A29D-48B9-A4A7-A6FB997901AB}" type="slidenum">
+              <a:rPr lang="en-US" smtClean="0"/>
+              <a:t>31</a:t>
+            </a:fld>
+            <a:endParaRPr lang="en-US"/>
+          </a:p>
+        </p:txBody>
+      </p:sp>
+    </p:spTree>
+    <p:extLst>
+      <p:ext uri="{BB962C8B-B14F-4D97-AF65-F5344CB8AC3E}">
+        <p14:creationId xmlns:p14="http://schemas.microsoft.com/office/powerpoint/2010/main" val="2621396516"/>
+      </p:ext>
+    </p:extLst>
+  </p:cSld>
+  <p:clrMapOvr>
+    <a:masterClrMapping/>
+  </p:clrMapOvr>
+</p:notes>
+</file>
+
+<file path=ppt/notesSlides/notesSlide6.xml><?xml version="1.0" encoding="utf-8"?>
+<p:notes xmlns:a="http://schemas.openxmlformats.org/drawingml/2006/main" xmlns:r="http://schemas.openxmlformats.org/officeDocument/2006/relationships" xmlns:p="http://schemas.openxmlformats.org/presentationml/2006/main">
+  <p:cSld>
+    <p:spTree>
+      <p:nvGrpSpPr>
+        <p:cNvPr id="1" name=""/>
+        <p:cNvGrpSpPr/>
+        <p:nvPr/>
+      </p:nvGrpSpPr>
+      <p:grpSpPr>
+        <a:xfrm>
+          <a:off x="0" y="0"/>
+          <a:ext cx="0" cy="0"/>
+          <a:chOff x="0" y="0"/>
+          <a:chExt cx="0" cy="0"/>
+        </a:xfrm>
+      </p:grpSpPr>
+      <p:sp>
+        <p:nvSpPr>
+          <p:cNvPr id="2" name="Slide Image Placeholder 1"/>
+          <p:cNvSpPr>
+            <a:spLocks noGrp="1" noRot="1" noChangeAspect="1"/>
+          </p:cNvSpPr>
+          <p:nvPr>
+            <p:ph type="sldImg"/>
+          </p:nvPr>
+        </p:nvSpPr>
+        <p:spPr/>
+      </p:sp>
+      <p:sp>
+        <p:nvSpPr>
+          <p:cNvPr id="3" name="Notes Placeholder 2"/>
+          <p:cNvSpPr>
+            <a:spLocks noGrp="1"/>
+          </p:cNvSpPr>
+          <p:nvPr>
+            <p:ph type="body" idx="1"/>
+          </p:nvPr>
+        </p:nvSpPr>
+        <p:spPr/>
+        <p:txBody>
+          <a:bodyPr/>
+          <a:lstStyle/>
+          <a:p>
+            <a:endParaRPr lang="en-US" dirty="0"/>
+          </a:p>
+        </p:txBody>
+      </p:sp>
+      <p:sp>
+        <p:nvSpPr>
+          <p:cNvPr id="4" name="Slide Number Placeholder 3"/>
+          <p:cNvSpPr>
+            <a:spLocks noGrp="1"/>
+          </p:cNvSpPr>
+          <p:nvPr>
+            <p:ph type="sldNum" sz="quarter" idx="5"/>
+          </p:nvPr>
+        </p:nvSpPr>
+        <p:spPr/>
+        <p:txBody>
+          <a:bodyPr/>
+          <a:lstStyle/>
+          <a:p>
+            <a:fld id="{B3A417B2-A29D-48B9-A4A7-A6FB997901AB}" type="slidenum">
+              <a:rPr lang="en-US" smtClean="0"/>
+              <a:t>32</a:t>
+            </a:fld>
+            <a:endParaRPr lang="en-US"/>
+          </a:p>
+        </p:txBody>
+      </p:sp>
+    </p:spTree>
+    <p:extLst>
+      <p:ext uri="{BB962C8B-B14F-4D97-AF65-F5344CB8AC3E}">
+        <p14:creationId xmlns:p14="http://schemas.microsoft.com/office/powerpoint/2010/main" val="2494422845"/>
+      </p:ext>
+    </p:extLst>
+  </p:cSld>
+  <p:clrMapOvr>
+    <a:masterClrMapping/>
+  </p:clrMapOvr>
+</p:notes>
+</file>
+
+<file path=ppt/notesSlides/notesSlide7.xml><?xml version="1.0" encoding="utf-8"?>
+<p:notes xmlns:a="http://schemas.openxmlformats.org/drawingml/2006/main" xmlns:r="http://schemas.openxmlformats.org/officeDocument/2006/relationships" xmlns:p="http://schemas.openxmlformats.org/presentationml/2006/main">
+  <p:cSld>
+    <p:spTree>
+      <p:nvGrpSpPr>
+        <p:cNvPr id="1" name=""/>
+        <p:cNvGrpSpPr/>
+        <p:nvPr/>
+      </p:nvGrpSpPr>
+      <p:grpSpPr>
+        <a:xfrm>
+          <a:off x="0" y="0"/>
+          <a:ext cx="0" cy="0"/>
+          <a:chOff x="0" y="0"/>
+          <a:chExt cx="0" cy="0"/>
+        </a:xfrm>
+      </p:grpSpPr>
+      <p:sp>
+        <p:nvSpPr>
+          <p:cNvPr id="2" name="Slide Image Placeholder 1"/>
+          <p:cNvSpPr>
+            <a:spLocks noGrp="1" noRot="1" noChangeAspect="1"/>
+          </p:cNvSpPr>
+          <p:nvPr>
+            <p:ph type="sldImg"/>
+          </p:nvPr>
+        </p:nvSpPr>
+        <p:spPr/>
+      </p:sp>
+      <p:sp>
+        <p:nvSpPr>
+          <p:cNvPr id="3" name="Notes Placeholder 2"/>
+          <p:cNvSpPr>
+            <a:spLocks noGrp="1"/>
+          </p:cNvSpPr>
+          <p:nvPr>
+            <p:ph type="body" idx="1"/>
+          </p:nvPr>
+        </p:nvSpPr>
+        <p:spPr/>
+        <p:txBody>
+          <a:bodyPr/>
+          <a:lstStyle/>
+          <a:p>
+            <a:endParaRPr lang="en-US" dirty="0"/>
+          </a:p>
+        </p:txBody>
+      </p:sp>
+      <p:sp>
+        <p:nvSpPr>
+          <p:cNvPr id="4" name="Slide Number Placeholder 3"/>
+          <p:cNvSpPr>
+            <a:spLocks noGrp="1"/>
+          </p:cNvSpPr>
+          <p:nvPr>
+            <p:ph type="sldNum" sz="quarter" idx="5"/>
+          </p:nvPr>
+        </p:nvSpPr>
+        <p:spPr/>
+        <p:txBody>
+          <a:bodyPr/>
+          <a:lstStyle/>
+          <a:p>
+            <a:fld id="{B3A417B2-A29D-48B9-A4A7-A6FB997901AB}" type="slidenum">
+              <a:rPr lang="en-US" smtClean="0"/>
+              <a:t>33</a:t>
+            </a:fld>
+            <a:endParaRPr lang="en-US"/>
+          </a:p>
+        </p:txBody>
+      </p:sp>
+    </p:spTree>
+    <p:extLst>
+      <p:ext uri="{BB962C8B-B14F-4D97-AF65-F5344CB8AC3E}">
+        <p14:creationId xmlns:p14="http://schemas.microsoft.com/office/powerpoint/2010/main" val="1281223300"/>
+      </p:ext>
+    </p:extLst>
+  </p:cSld>
+  <p:clrMapOvr>
+    <a:masterClrMapping/>
+  </p:clrMapOvr>
+</p:notes>
+</file>
+
 <file path=ppt/slideLayouts/slideLayout1.xml><?xml version="1.0" encoding="utf-8"?>
 <p:sldLayout xmlns:a="http://schemas.openxmlformats.org/drawingml/2006/main" xmlns:r="http://schemas.openxmlformats.org/officeDocument/2006/relationships" xmlns:p="http://schemas.openxmlformats.org/presentationml/2006/main" type="title" preserve="1">
   <p:cSld name="Title Slide">
@@ -850,7 +1275,7 @@
             <a:fld id="{1D8BD707-D9CF-40AE-B4C6-C98DA3205C09}" type="datetimeFigureOut">
               <a:rPr lang="en-US" smtClean="0"/>
               <a:pPr/>
-              <a:t>Sun</a:t>
+              <a:t>Mon</a:t>
             </a:fld>
             <a:endParaRPr lang="en-US"/>
           </a:p>
@@ -1015,7 +1440,7 @@
             <a:fld id="{1D8BD707-D9CF-40AE-B4C6-C98DA3205C09}" type="datetimeFigureOut">
               <a:rPr lang="en-US" smtClean="0"/>
               <a:pPr/>
-              <a:t>Sun</a:t>
+              <a:t>Mon</a:t>
             </a:fld>
             <a:endParaRPr lang="en-US"/>
           </a:p>
@@ -1190,7 +1615,7 @@
             <a:fld id="{1D8BD707-D9CF-40AE-B4C6-C98DA3205C09}" type="datetimeFigureOut">
               <a:rPr lang="en-US" smtClean="0"/>
               <a:pPr/>
-              <a:t>Sun</a:t>
+              <a:t>Mon</a:t>
             </a:fld>
             <a:endParaRPr lang="en-US"/>
           </a:p>
@@ -1355,7 +1780,7 @@
             <a:fld id="{1D8BD707-D9CF-40AE-B4C6-C98DA3205C09}" type="datetimeFigureOut">
               <a:rPr lang="en-US" smtClean="0"/>
               <a:pPr/>
-              <a:t>Sun</a:t>
+              <a:t>Mon</a:t>
             </a:fld>
             <a:endParaRPr lang="en-US"/>
           </a:p>
@@ -1597,7 +2022,7 @@
             <a:fld id="{1D8BD707-D9CF-40AE-B4C6-C98DA3205C09}" type="datetimeFigureOut">
               <a:rPr lang="en-US" smtClean="0"/>
               <a:pPr/>
-              <a:t>Sun</a:t>
+              <a:t>Mon</a:t>
             </a:fld>
             <a:endParaRPr lang="en-US"/>
           </a:p>
@@ -1879,7 +2304,7 @@
             <a:fld id="{1D8BD707-D9CF-40AE-B4C6-C98DA3205C09}" type="datetimeFigureOut">
               <a:rPr lang="en-US" smtClean="0"/>
               <a:pPr/>
-              <a:t>Sun</a:t>
+              <a:t>Mon</a:t>
             </a:fld>
             <a:endParaRPr lang="en-US"/>
           </a:p>
@@ -2295,7 +2720,7 @@
             <a:fld id="{1D8BD707-D9CF-40AE-B4C6-C98DA3205C09}" type="datetimeFigureOut">
               <a:rPr lang="en-US" smtClean="0"/>
               <a:pPr/>
-              <a:t>Sun</a:t>
+              <a:t>Mon</a:t>
             </a:fld>
             <a:endParaRPr lang="en-US"/>
           </a:p>
@@ -2409,7 +2834,7 @@
             <a:fld id="{1D8BD707-D9CF-40AE-B4C6-C98DA3205C09}" type="datetimeFigureOut">
               <a:rPr lang="en-US" smtClean="0"/>
               <a:pPr/>
-              <a:t>Sun</a:t>
+              <a:t>Mon</a:t>
             </a:fld>
             <a:endParaRPr lang="en-US"/>
           </a:p>
@@ -2501,7 +2926,7 @@
             <a:fld id="{1D8BD707-D9CF-40AE-B4C6-C98DA3205C09}" type="datetimeFigureOut">
               <a:rPr lang="en-US" smtClean="0"/>
               <a:pPr/>
-              <a:t>Sun</a:t>
+              <a:t>Mon</a:t>
             </a:fld>
             <a:endParaRPr lang="en-US"/>
           </a:p>
@@ -2773,7 +3198,7 @@
             <a:fld id="{1D8BD707-D9CF-40AE-B4C6-C98DA3205C09}" type="datetimeFigureOut">
               <a:rPr lang="en-US" smtClean="0"/>
               <a:pPr/>
-              <a:t>Sun</a:t>
+              <a:t>Mon</a:t>
             </a:fld>
             <a:endParaRPr lang="en-US"/>
           </a:p>
@@ -3022,7 +3447,7 @@
             <a:fld id="{1D8BD707-D9CF-40AE-B4C6-C98DA3205C09}" type="datetimeFigureOut">
               <a:rPr lang="en-US" smtClean="0"/>
               <a:pPr/>
-              <a:t>Sun</a:t>
+              <a:t>Mon</a:t>
             </a:fld>
             <a:endParaRPr lang="en-US"/>
           </a:p>
@@ -3239,7 +3664,7 @@
             <a:fld id="{1D8BD707-D9CF-40AE-B4C6-C98DA3205C09}" type="datetimeFigureOut">
               <a:rPr lang="en-US" smtClean="0"/>
               <a:pPr/>
-              <a:t>Sun</a:t>
+              <a:t>Mon</a:t>
             </a:fld>
             <a:endParaRPr lang="en-US"/>
           </a:p>
@@ -10529,7 +10954,7 @@
         <p:spPr>
           <a:xfrm>
             <a:off x="685800" y="133350"/>
-            <a:ext cx="1500732" cy="307777"/>
+            <a:ext cx="1300356" cy="307777"/>
           </a:xfrm>
           <a:prstGeom prst="rect">
             <a:avLst/>
@@ -10549,7 +10974,111 @@
                 <a:latin typeface="Roboto" panose="02000000000000000000" pitchFamily="2" charset="0"/>
                 <a:ea typeface="Roboto" panose="02000000000000000000" pitchFamily="2" charset="0"/>
               </a:rPr>
-              <a:t>Flutter List View</a:t>
+              <a:t>Flutter Button</a:t>
+            </a:r>
+          </a:p>
+        </p:txBody>
+      </p:sp>
+      <p:pic>
+        <p:nvPicPr>
+          <p:cNvPr id="4" name="Picture 3">
+            <a:extLst>
+              <a:ext uri="{FF2B5EF4-FFF2-40B4-BE49-F238E27FC236}">
+                <a16:creationId xmlns:a16="http://schemas.microsoft.com/office/drawing/2014/main" id="{41937AAE-ED1D-97B1-956C-52F3280CBB74}"/>
+              </a:ext>
+            </a:extLst>
+          </p:cNvPr>
+          <p:cNvPicPr>
+            <a:picLocks noChangeAspect="1"/>
+          </p:cNvPicPr>
+          <p:nvPr/>
+        </p:nvPicPr>
+        <p:blipFill>
+          <a:blip r:embed="rId4" cstate="print">
+            <a:extLst>
+              <a:ext uri="{28A0092B-C50C-407E-A947-70E740481C1C}">
+                <a14:useLocalDpi xmlns:a14="http://schemas.microsoft.com/office/drawing/2010/main" val="0"/>
+              </a:ext>
+            </a:extLst>
+          </a:blip>
+          <a:stretch>
+            <a:fillRect/>
+          </a:stretch>
+        </p:blipFill>
+        <p:spPr>
+          <a:xfrm>
+            <a:off x="381000" y="742950"/>
+            <a:ext cx="2114801" cy="3761526"/>
+          </a:xfrm>
+          <a:prstGeom prst="rect">
+            <a:avLst/>
+          </a:prstGeom>
+        </p:spPr>
+      </p:pic>
+      <p:sp>
+        <p:nvSpPr>
+          <p:cNvPr id="5" name="TextBox 4">
+            <a:extLst>
+              <a:ext uri="{FF2B5EF4-FFF2-40B4-BE49-F238E27FC236}">
+                <a16:creationId xmlns:a16="http://schemas.microsoft.com/office/drawing/2014/main" id="{4C95C56A-D984-5F7B-09AE-27F0B4CF4E99}"/>
+              </a:ext>
+            </a:extLst>
+          </p:cNvPr>
+          <p:cNvSpPr txBox="1"/>
+          <p:nvPr/>
+        </p:nvSpPr>
+        <p:spPr>
+          <a:xfrm>
+            <a:off x="2667000" y="728662"/>
+            <a:ext cx="2667000" cy="1028423"/>
+          </a:xfrm>
+          <a:prstGeom prst="rect">
+            <a:avLst/>
+          </a:prstGeom>
+          <a:noFill/>
+        </p:spPr>
+        <p:txBody>
+          <a:bodyPr wrap="square">
+            <a:spAutoFit/>
+          </a:bodyPr>
+          <a:lstStyle/>
+          <a:p>
+            <a:pPr marL="285750" indent="-285750">
+              <a:lnSpc>
+                <a:spcPct val="150000"/>
+              </a:lnSpc>
+              <a:buFont typeface="Arial" panose="020B0604020202020204" pitchFamily="34" charset="0"/>
+              <a:buChar char="•"/>
+            </a:pPr>
+            <a:r>
+              <a:rPr lang="en-US" sz="1400" dirty="0"/>
+              <a:t>Elevated Button</a:t>
+            </a:r>
+          </a:p>
+          <a:p>
+            <a:pPr marL="285750" indent="-285750">
+              <a:lnSpc>
+                <a:spcPct val="150000"/>
+              </a:lnSpc>
+              <a:buFont typeface="Arial" panose="020B0604020202020204" pitchFamily="34" charset="0"/>
+              <a:buChar char="•"/>
+            </a:pPr>
+            <a:r>
+              <a:rPr lang="en-US" sz="1400" dirty="0"/>
+              <a:t>Text Button</a:t>
+            </a:r>
+          </a:p>
+          <a:p>
+            <a:pPr marL="285750" indent="-285750">
+              <a:lnSpc>
+                <a:spcPct val="150000"/>
+              </a:lnSpc>
+              <a:buFont typeface="Arial" panose="020B0604020202020204" pitchFamily="34" charset="0"/>
+              <a:buChar char="•"/>
+            </a:pPr>
+            <a:r>
+              <a:rPr lang="en-US" sz="1400" dirty="0"/>
+              <a:t>Outline Button</a:t>
             </a:r>
           </a:p>
         </p:txBody>
@@ -10558,6 +11087,333 @@
     <p:extLst>
       <p:ext uri="{BB962C8B-B14F-4D97-AF65-F5344CB8AC3E}">
         <p14:creationId xmlns:p14="http://schemas.microsoft.com/office/powerpoint/2010/main" val="698644606"/>
+      </p:ext>
+    </p:extLst>
+  </p:cSld>
+  <p:clrMapOvr>
+    <a:masterClrMapping/>
+  </p:clrMapOvr>
+  <p:timing>
+    <p:tnLst>
+      <p:par>
+        <p:cTn id="1" dur="indefinite" restart="never" nodeType="tmRoot">
+          <p:childTnLst>
+            <p:seq concurrent="1" nextAc="seek">
+              <p:cTn id="2" dur="indefinite" nodeType="mainSeq">
+                <p:childTnLst>
+                  <p:par>
+                    <p:cTn id="3" fill="hold">
+                      <p:stCondLst>
+                        <p:cond delay="indefinite"/>
+                      </p:stCondLst>
+                      <p:childTnLst>
+                        <p:par>
+                          <p:cTn id="4" fill="hold">
+                            <p:stCondLst>
+                              <p:cond delay="0"/>
+                            </p:stCondLst>
+                            <p:childTnLst>
+                              <p:par>
+                                <p:cTn id="5" presetID="22" presetClass="entr" presetSubtype="4" fill="hold" nodeType="clickEffect">
+                                  <p:stCondLst>
+                                    <p:cond delay="0"/>
+                                  </p:stCondLst>
+                                  <p:childTnLst>
+                                    <p:set>
+                                      <p:cBhvr>
+                                        <p:cTn id="6" dur="1" fill="hold">
+                                          <p:stCondLst>
+                                            <p:cond delay="0"/>
+                                          </p:stCondLst>
+                                        </p:cTn>
+                                        <p:tgtEl>
+                                          <p:spTgt spid="5">
+                                            <p:txEl>
+                                              <p:pRg st="0" end="0"/>
+                                            </p:txEl>
+                                          </p:spTgt>
+                                        </p:tgtEl>
+                                        <p:attrNameLst>
+                                          <p:attrName>style.visibility</p:attrName>
+                                        </p:attrNameLst>
+                                      </p:cBhvr>
+                                      <p:to>
+                                        <p:strVal val="visible"/>
+                                      </p:to>
+                                    </p:set>
+                                    <p:animEffect transition="in" filter="wipe(down)">
+                                      <p:cBhvr>
+                                        <p:cTn id="7" dur="500"/>
+                                        <p:tgtEl>
+                                          <p:spTgt spid="5">
+                                            <p:txEl>
+                                              <p:pRg st="0" end="0"/>
+                                            </p:txEl>
+                                          </p:spTgt>
+                                        </p:tgtEl>
+                                      </p:cBhvr>
+                                    </p:animEffect>
+                                  </p:childTnLst>
+                                </p:cTn>
+                              </p:par>
+                            </p:childTnLst>
+                          </p:cTn>
+                        </p:par>
+                      </p:childTnLst>
+                    </p:cTn>
+                  </p:par>
+                  <p:par>
+                    <p:cTn id="8" fill="hold">
+                      <p:stCondLst>
+                        <p:cond delay="indefinite"/>
+                      </p:stCondLst>
+                      <p:childTnLst>
+                        <p:par>
+                          <p:cTn id="9" fill="hold">
+                            <p:stCondLst>
+                              <p:cond delay="0"/>
+                            </p:stCondLst>
+                            <p:childTnLst>
+                              <p:par>
+                                <p:cTn id="10" presetID="22" presetClass="entr" presetSubtype="4" fill="hold" nodeType="clickEffect">
+                                  <p:stCondLst>
+                                    <p:cond delay="0"/>
+                                  </p:stCondLst>
+                                  <p:childTnLst>
+                                    <p:set>
+                                      <p:cBhvr>
+                                        <p:cTn id="11" dur="1" fill="hold">
+                                          <p:stCondLst>
+                                            <p:cond delay="0"/>
+                                          </p:stCondLst>
+                                        </p:cTn>
+                                        <p:tgtEl>
+                                          <p:spTgt spid="5">
+                                            <p:txEl>
+                                              <p:pRg st="1" end="1"/>
+                                            </p:txEl>
+                                          </p:spTgt>
+                                        </p:tgtEl>
+                                        <p:attrNameLst>
+                                          <p:attrName>style.visibility</p:attrName>
+                                        </p:attrNameLst>
+                                      </p:cBhvr>
+                                      <p:to>
+                                        <p:strVal val="visible"/>
+                                      </p:to>
+                                    </p:set>
+                                    <p:animEffect transition="in" filter="wipe(down)">
+                                      <p:cBhvr>
+                                        <p:cTn id="12" dur="500"/>
+                                        <p:tgtEl>
+                                          <p:spTgt spid="5">
+                                            <p:txEl>
+                                              <p:pRg st="1" end="1"/>
+                                            </p:txEl>
+                                          </p:spTgt>
+                                        </p:tgtEl>
+                                      </p:cBhvr>
+                                    </p:animEffect>
+                                  </p:childTnLst>
+                                </p:cTn>
+                              </p:par>
+                            </p:childTnLst>
+                          </p:cTn>
+                        </p:par>
+                      </p:childTnLst>
+                    </p:cTn>
+                  </p:par>
+                  <p:par>
+                    <p:cTn id="13" fill="hold">
+                      <p:stCondLst>
+                        <p:cond delay="indefinite"/>
+                      </p:stCondLst>
+                      <p:childTnLst>
+                        <p:par>
+                          <p:cTn id="14" fill="hold">
+                            <p:stCondLst>
+                              <p:cond delay="0"/>
+                            </p:stCondLst>
+                            <p:childTnLst>
+                              <p:par>
+                                <p:cTn id="15" presetID="22" presetClass="entr" presetSubtype="4" fill="hold" nodeType="clickEffect">
+                                  <p:stCondLst>
+                                    <p:cond delay="0"/>
+                                  </p:stCondLst>
+                                  <p:childTnLst>
+                                    <p:set>
+                                      <p:cBhvr>
+                                        <p:cTn id="16" dur="1" fill="hold">
+                                          <p:stCondLst>
+                                            <p:cond delay="0"/>
+                                          </p:stCondLst>
+                                        </p:cTn>
+                                        <p:tgtEl>
+                                          <p:spTgt spid="5">
+                                            <p:txEl>
+                                              <p:pRg st="2" end="2"/>
+                                            </p:txEl>
+                                          </p:spTgt>
+                                        </p:tgtEl>
+                                        <p:attrNameLst>
+                                          <p:attrName>style.visibility</p:attrName>
+                                        </p:attrNameLst>
+                                      </p:cBhvr>
+                                      <p:to>
+                                        <p:strVal val="visible"/>
+                                      </p:to>
+                                    </p:set>
+                                    <p:animEffect transition="in" filter="wipe(down)">
+                                      <p:cBhvr>
+                                        <p:cTn id="17" dur="500"/>
+                                        <p:tgtEl>
+                                          <p:spTgt spid="5">
+                                            <p:txEl>
+                                              <p:pRg st="2" end="2"/>
+                                            </p:txEl>
+                                          </p:spTgt>
+                                        </p:tgtEl>
+                                      </p:cBhvr>
+                                    </p:animEffect>
+                                  </p:childTnLst>
+                                </p:cTn>
+                              </p:par>
+                            </p:childTnLst>
+                          </p:cTn>
+                        </p:par>
+                      </p:childTnLst>
+                    </p:cTn>
+                  </p:par>
+                </p:childTnLst>
+              </p:cTn>
+              <p:prevCondLst>
+                <p:cond evt="onPrev" delay="0">
+                  <p:tgtEl>
+                    <p:sldTgt/>
+                  </p:tgtEl>
+                </p:cond>
+              </p:prevCondLst>
+              <p:nextCondLst>
+                <p:cond evt="onNext" delay="0">
+                  <p:tgtEl>
+                    <p:sldTgt/>
+                  </p:tgtEl>
+                </p:cond>
+              </p:nextCondLst>
+            </p:seq>
+          </p:childTnLst>
+        </p:cTn>
+      </p:par>
+    </p:tnLst>
+  </p:timing>
+</p:sld>
+</file>
+
+<file path=ppt/slides/slide29.xml><?xml version="1.0" encoding="utf-8"?>
+<p:sld xmlns:a="http://schemas.openxmlformats.org/drawingml/2006/main" xmlns:r="http://schemas.openxmlformats.org/officeDocument/2006/relationships" xmlns:p="http://schemas.openxmlformats.org/presentationml/2006/main">
+  <p:cSld>
+    <p:bg>
+      <p:bgPr>
+        <a:blipFill dpi="0" rotWithShape="1">
+          <a:blip r:embed="rId3">
+            <a:lum/>
+          </a:blip>
+          <a:srcRect/>
+          <a:stretch>
+            <a:fillRect l="-1000" r="-1000"/>
+          </a:stretch>
+        </a:blipFill>
+        <a:effectLst/>
+      </p:bgPr>
+    </p:bg>
+    <p:spTree>
+      <p:nvGrpSpPr>
+        <p:cNvPr id="1" name=""/>
+        <p:cNvGrpSpPr/>
+        <p:nvPr/>
+      </p:nvGrpSpPr>
+      <p:grpSpPr>
+        <a:xfrm>
+          <a:off x="0" y="0"/>
+          <a:ext cx="0" cy="0"/>
+          <a:chOff x="0" y="0"/>
+          <a:chExt cx="0" cy="0"/>
+        </a:xfrm>
+      </p:grpSpPr>
+      <p:sp>
+        <p:nvSpPr>
+          <p:cNvPr id="3" name="Rectangle 2"/>
+          <p:cNvSpPr/>
+          <p:nvPr/>
+        </p:nvSpPr>
+        <p:spPr>
+          <a:xfrm>
+            <a:off x="685800" y="133350"/>
+            <a:ext cx="1135247" cy="307777"/>
+          </a:xfrm>
+          <a:prstGeom prst="rect">
+            <a:avLst/>
+          </a:prstGeom>
+        </p:spPr>
+        <p:txBody>
+          <a:bodyPr wrap="none">
+            <a:spAutoFit/>
+          </a:bodyPr>
+          <a:lstStyle/>
+          <a:p>
+            <a:r>
+              <a:rPr lang="en-US" sz="1400" b="1" dirty="0">
+                <a:solidFill>
+                  <a:srgbClr val="0070C0"/>
+                </a:solidFill>
+                <a:latin typeface="Roboto" panose="02000000000000000000" pitchFamily="2" charset="0"/>
+                <a:ea typeface="Roboto" panose="02000000000000000000" pitchFamily="2" charset="0"/>
+              </a:rPr>
+              <a:t>Alert Dialog</a:t>
+            </a:r>
+          </a:p>
+        </p:txBody>
+      </p:sp>
+      <p:pic>
+        <p:nvPicPr>
+          <p:cNvPr id="6" name="Picture 5">
+            <a:extLst>
+              <a:ext uri="{FF2B5EF4-FFF2-40B4-BE49-F238E27FC236}">
+                <a16:creationId xmlns:a16="http://schemas.microsoft.com/office/drawing/2014/main" id="{618A09A0-9AA3-412C-3A36-AE296A89CB10}"/>
+              </a:ext>
+            </a:extLst>
+          </p:cNvPr>
+          <p:cNvPicPr>
+            <a:picLocks noChangeAspect="1"/>
+          </p:cNvPicPr>
+          <p:nvPr/>
+        </p:nvPicPr>
+        <p:blipFill>
+          <a:blip r:embed="rId4" cstate="print">
+            <a:extLst>
+              <a:ext uri="{28A0092B-C50C-407E-A947-70E740481C1C}">
+                <a14:useLocalDpi xmlns:a14="http://schemas.microsoft.com/office/drawing/2010/main" val="0"/>
+              </a:ext>
+            </a:extLst>
+          </a:blip>
+          <a:stretch>
+            <a:fillRect/>
+          </a:stretch>
+        </p:blipFill>
+        <p:spPr>
+          <a:xfrm>
+            <a:off x="381000" y="895350"/>
+            <a:ext cx="2057400" cy="3659429"/>
+          </a:xfrm>
+          <a:prstGeom prst="rect">
+            <a:avLst/>
+          </a:prstGeom>
+        </p:spPr>
+      </p:pic>
+    </p:spTree>
+    <p:extLst>
+      <p:ext uri="{BB962C8B-B14F-4D97-AF65-F5344CB8AC3E}">
+        <p14:creationId xmlns:p14="http://schemas.microsoft.com/office/powerpoint/2010/main" val="222279978"/>
       </p:ext>
     </p:extLst>
   </p:cSld>
@@ -10755,6 +11611,1340 @@
       </p:par>
     </p:tnLst>
   </p:timing>
+</p:sld>
+</file>
+
+<file path=ppt/slides/slide30.xml><?xml version="1.0" encoding="utf-8"?>
+<p:sld xmlns:a="http://schemas.openxmlformats.org/drawingml/2006/main" xmlns:r="http://schemas.openxmlformats.org/officeDocument/2006/relationships" xmlns:p="http://schemas.openxmlformats.org/presentationml/2006/main">
+  <p:cSld>
+    <p:bg>
+      <p:bgPr>
+        <a:blipFill dpi="0" rotWithShape="1">
+          <a:blip r:embed="rId3">
+            <a:lum/>
+          </a:blip>
+          <a:srcRect/>
+          <a:stretch>
+            <a:fillRect l="-1000" r="-1000"/>
+          </a:stretch>
+        </a:blipFill>
+        <a:effectLst/>
+      </p:bgPr>
+    </p:bg>
+    <p:spTree>
+      <p:nvGrpSpPr>
+        <p:cNvPr id="1" name=""/>
+        <p:cNvGrpSpPr/>
+        <p:nvPr/>
+      </p:nvGrpSpPr>
+      <p:grpSpPr>
+        <a:xfrm>
+          <a:off x="0" y="0"/>
+          <a:ext cx="0" cy="0"/>
+          <a:chOff x="0" y="0"/>
+          <a:chExt cx="0" cy="0"/>
+        </a:xfrm>
+      </p:grpSpPr>
+      <p:sp>
+        <p:nvSpPr>
+          <p:cNvPr id="3" name="Rectangle 2"/>
+          <p:cNvSpPr/>
+          <p:nvPr/>
+        </p:nvSpPr>
+        <p:spPr>
+          <a:xfrm>
+            <a:off x="685800" y="133350"/>
+            <a:ext cx="1210588" cy="307777"/>
+          </a:xfrm>
+          <a:prstGeom prst="rect">
+            <a:avLst/>
+          </a:prstGeom>
+        </p:spPr>
+        <p:txBody>
+          <a:bodyPr wrap="none">
+            <a:spAutoFit/>
+          </a:bodyPr>
+          <a:lstStyle/>
+          <a:p>
+            <a:r>
+              <a:rPr lang="en-US" sz="1400" b="1" dirty="0">
+                <a:solidFill>
+                  <a:srgbClr val="0070C0"/>
+                </a:solidFill>
+                <a:latin typeface="Roboto" panose="02000000000000000000" pitchFamily="2" charset="0"/>
+                <a:ea typeface="Roboto" panose="02000000000000000000" pitchFamily="2" charset="0"/>
+              </a:rPr>
+              <a:t>Simple Form</a:t>
+            </a:r>
+          </a:p>
+        </p:txBody>
+      </p:sp>
+      <p:pic>
+        <p:nvPicPr>
+          <p:cNvPr id="4" name="Picture 3">
+            <a:extLst>
+              <a:ext uri="{FF2B5EF4-FFF2-40B4-BE49-F238E27FC236}">
+                <a16:creationId xmlns:a16="http://schemas.microsoft.com/office/drawing/2014/main" id="{3FDB99FC-7775-152A-2532-558FCE4A761A}"/>
+              </a:ext>
+            </a:extLst>
+          </p:cNvPr>
+          <p:cNvPicPr>
+            <a:picLocks noChangeAspect="1"/>
+          </p:cNvPicPr>
+          <p:nvPr/>
+        </p:nvPicPr>
+        <p:blipFill>
+          <a:blip r:embed="rId4" cstate="print">
+            <a:extLst>
+              <a:ext uri="{28A0092B-C50C-407E-A947-70E740481C1C}">
+                <a14:useLocalDpi xmlns:a14="http://schemas.microsoft.com/office/drawing/2010/main" val="0"/>
+              </a:ext>
+            </a:extLst>
+          </a:blip>
+          <a:stretch>
+            <a:fillRect/>
+          </a:stretch>
+        </p:blipFill>
+        <p:spPr>
+          <a:xfrm>
+            <a:off x="392742" y="786523"/>
+            <a:ext cx="2374603" cy="4223627"/>
+          </a:xfrm>
+          <a:prstGeom prst="rect">
+            <a:avLst/>
+          </a:prstGeom>
+        </p:spPr>
+      </p:pic>
+    </p:spTree>
+    <p:extLst>
+      <p:ext uri="{BB962C8B-B14F-4D97-AF65-F5344CB8AC3E}">
+        <p14:creationId xmlns:p14="http://schemas.microsoft.com/office/powerpoint/2010/main" val="3603161516"/>
+      </p:ext>
+    </p:extLst>
+  </p:cSld>
+  <p:clrMapOvr>
+    <a:masterClrMapping/>
+  </p:clrMapOvr>
+</p:sld>
+</file>
+
+<file path=ppt/slides/slide31.xml><?xml version="1.0" encoding="utf-8"?>
+<p:sld xmlns:a="http://schemas.openxmlformats.org/drawingml/2006/main" xmlns:r="http://schemas.openxmlformats.org/officeDocument/2006/relationships" xmlns:p="http://schemas.openxmlformats.org/presentationml/2006/main">
+  <p:cSld>
+    <p:bg>
+      <p:bgPr>
+        <a:blipFill dpi="0" rotWithShape="1">
+          <a:blip r:embed="rId3">
+            <a:lum/>
+          </a:blip>
+          <a:srcRect/>
+          <a:stretch>
+            <a:fillRect l="-1000" r="-1000"/>
+          </a:stretch>
+        </a:blipFill>
+        <a:effectLst/>
+      </p:bgPr>
+    </p:bg>
+    <p:spTree>
+      <p:nvGrpSpPr>
+        <p:cNvPr id="1" name=""/>
+        <p:cNvGrpSpPr/>
+        <p:nvPr/>
+      </p:nvGrpSpPr>
+      <p:grpSpPr>
+        <a:xfrm>
+          <a:off x="0" y="0"/>
+          <a:ext cx="0" cy="0"/>
+          <a:chOff x="0" y="0"/>
+          <a:chExt cx="0" cy="0"/>
+        </a:xfrm>
+      </p:grpSpPr>
+      <p:sp>
+        <p:nvSpPr>
+          <p:cNvPr id="3" name="Rectangle 2"/>
+          <p:cNvSpPr/>
+          <p:nvPr/>
+        </p:nvSpPr>
+        <p:spPr>
+          <a:xfrm>
+            <a:off x="685800" y="133350"/>
+            <a:ext cx="2536272" cy="307777"/>
+          </a:xfrm>
+          <a:prstGeom prst="rect">
+            <a:avLst/>
+          </a:prstGeom>
+        </p:spPr>
+        <p:txBody>
+          <a:bodyPr wrap="none">
+            <a:spAutoFit/>
+          </a:bodyPr>
+          <a:lstStyle/>
+          <a:p>
+            <a:r>
+              <a:rPr lang="en-US" sz="1400" b="1" dirty="0">
+                <a:solidFill>
+                  <a:srgbClr val="0070C0"/>
+                </a:solidFill>
+                <a:latin typeface="Roboto" panose="02000000000000000000" pitchFamily="2" charset="0"/>
+                <a:ea typeface="Roboto" panose="02000000000000000000" pitchFamily="2" charset="0"/>
+              </a:rPr>
+              <a:t>List View Builder From Array </a:t>
+            </a:r>
+          </a:p>
+        </p:txBody>
+      </p:sp>
+      <p:pic>
+        <p:nvPicPr>
+          <p:cNvPr id="5" name="Picture 4">
+            <a:extLst>
+              <a:ext uri="{FF2B5EF4-FFF2-40B4-BE49-F238E27FC236}">
+                <a16:creationId xmlns:a16="http://schemas.microsoft.com/office/drawing/2014/main" id="{770662F7-9D96-D8B8-A127-5CF4E1FCB2E3}"/>
+              </a:ext>
+            </a:extLst>
+          </p:cNvPr>
+          <p:cNvPicPr>
+            <a:picLocks noChangeAspect="1"/>
+          </p:cNvPicPr>
+          <p:nvPr/>
+        </p:nvPicPr>
+        <p:blipFill>
+          <a:blip r:embed="rId4" cstate="print">
+            <a:extLst>
+              <a:ext uri="{28A0092B-C50C-407E-A947-70E740481C1C}">
+                <a14:useLocalDpi xmlns:a14="http://schemas.microsoft.com/office/drawing/2010/main" val="0"/>
+              </a:ext>
+            </a:extLst>
+          </a:blip>
+          <a:stretch>
+            <a:fillRect/>
+          </a:stretch>
+        </p:blipFill>
+        <p:spPr>
+          <a:xfrm>
+            <a:off x="381000" y="750624"/>
+            <a:ext cx="2209800" cy="4233332"/>
+          </a:xfrm>
+          <a:prstGeom prst="rect">
+            <a:avLst/>
+          </a:prstGeom>
+        </p:spPr>
+      </p:pic>
+      <p:sp>
+        <p:nvSpPr>
+          <p:cNvPr id="8" name="TextBox 7">
+            <a:extLst>
+              <a:ext uri="{FF2B5EF4-FFF2-40B4-BE49-F238E27FC236}">
+                <a16:creationId xmlns:a16="http://schemas.microsoft.com/office/drawing/2014/main" id="{85280BAB-4788-5FCA-5012-F8415570676E}"/>
+              </a:ext>
+            </a:extLst>
+          </p:cNvPr>
+          <p:cNvSpPr txBox="1"/>
+          <p:nvPr/>
+        </p:nvSpPr>
+        <p:spPr>
+          <a:xfrm>
+            <a:off x="3124200" y="750624"/>
+            <a:ext cx="3810000" cy="1674754"/>
+          </a:xfrm>
+          <a:prstGeom prst="rect">
+            <a:avLst/>
+          </a:prstGeom>
+          <a:noFill/>
+        </p:spPr>
+        <p:txBody>
+          <a:bodyPr wrap="square">
+            <a:spAutoFit/>
+          </a:bodyPr>
+          <a:lstStyle/>
+          <a:p>
+            <a:pPr>
+              <a:lnSpc>
+                <a:spcPct val="150000"/>
+              </a:lnSpc>
+            </a:pPr>
+            <a:r>
+              <a:rPr lang="en-US" sz="1400" b="1" dirty="0"/>
+              <a:t>Step 01: </a:t>
+            </a:r>
+            <a:r>
+              <a:rPr lang="en-US" sz="1400" dirty="0"/>
+              <a:t>JSON Array</a:t>
+            </a:r>
+          </a:p>
+          <a:p>
+            <a:pPr>
+              <a:lnSpc>
+                <a:spcPct val="150000"/>
+              </a:lnSpc>
+            </a:pPr>
+            <a:r>
+              <a:rPr lang="en-US" sz="1400" b="1" dirty="0"/>
+              <a:t>Step 02: </a:t>
+            </a:r>
+            <a:r>
+              <a:rPr lang="en-US" sz="1400" dirty="0"/>
+              <a:t>List View Builder </a:t>
+            </a:r>
+          </a:p>
+          <a:p>
+            <a:pPr>
+              <a:lnSpc>
+                <a:spcPct val="150000"/>
+              </a:lnSpc>
+            </a:pPr>
+            <a:r>
+              <a:rPr lang="en-US" sz="1400" b="1" dirty="0"/>
+              <a:t>Step 03: </a:t>
+            </a:r>
+            <a:r>
+              <a:rPr lang="en-US" sz="1400" dirty="0"/>
+              <a:t>Gesture Detector</a:t>
+            </a:r>
+          </a:p>
+          <a:p>
+            <a:pPr>
+              <a:lnSpc>
+                <a:spcPct val="150000"/>
+              </a:lnSpc>
+            </a:pPr>
+            <a:r>
+              <a:rPr lang="en-US" sz="1400" b="1" dirty="0"/>
+              <a:t>Step 04:  </a:t>
+            </a:r>
+            <a:r>
+              <a:rPr lang="en-US" sz="1400" dirty="0"/>
+              <a:t>List Item </a:t>
+            </a:r>
+          </a:p>
+          <a:p>
+            <a:pPr>
+              <a:lnSpc>
+                <a:spcPct val="150000"/>
+              </a:lnSpc>
+            </a:pPr>
+            <a:r>
+              <a:rPr lang="en-US" sz="1400" b="1" dirty="0"/>
+              <a:t>Step 05: </a:t>
+            </a:r>
+            <a:r>
+              <a:rPr lang="en-US" sz="1400" dirty="0"/>
+              <a:t>List Item On Tap/On Press </a:t>
+            </a:r>
+          </a:p>
+        </p:txBody>
+      </p:sp>
+    </p:spTree>
+    <p:extLst>
+      <p:ext uri="{BB962C8B-B14F-4D97-AF65-F5344CB8AC3E}">
+        <p14:creationId xmlns:p14="http://schemas.microsoft.com/office/powerpoint/2010/main" val="1347493918"/>
+      </p:ext>
+    </p:extLst>
+  </p:cSld>
+  <p:clrMapOvr>
+    <a:masterClrMapping/>
+  </p:clrMapOvr>
+  <p:timing>
+    <p:tnLst>
+      <p:par>
+        <p:cTn id="1" dur="indefinite" restart="never" nodeType="tmRoot">
+          <p:childTnLst>
+            <p:seq concurrent="1" nextAc="seek">
+              <p:cTn id="2" dur="indefinite" nodeType="mainSeq">
+                <p:childTnLst>
+                  <p:par>
+                    <p:cTn id="3" fill="hold">
+                      <p:stCondLst>
+                        <p:cond delay="indefinite"/>
+                      </p:stCondLst>
+                      <p:childTnLst>
+                        <p:par>
+                          <p:cTn id="4" fill="hold">
+                            <p:stCondLst>
+                              <p:cond delay="0"/>
+                            </p:stCondLst>
+                            <p:childTnLst>
+                              <p:par>
+                                <p:cTn id="5" presetID="22" presetClass="entr" presetSubtype="4" fill="hold" nodeType="clickEffect">
+                                  <p:stCondLst>
+                                    <p:cond delay="0"/>
+                                  </p:stCondLst>
+                                  <p:childTnLst>
+                                    <p:set>
+                                      <p:cBhvr>
+                                        <p:cTn id="6" dur="1" fill="hold">
+                                          <p:stCondLst>
+                                            <p:cond delay="0"/>
+                                          </p:stCondLst>
+                                        </p:cTn>
+                                        <p:tgtEl>
+                                          <p:spTgt spid="8">
+                                            <p:txEl>
+                                              <p:pRg st="0" end="0"/>
+                                            </p:txEl>
+                                          </p:spTgt>
+                                        </p:tgtEl>
+                                        <p:attrNameLst>
+                                          <p:attrName>style.visibility</p:attrName>
+                                        </p:attrNameLst>
+                                      </p:cBhvr>
+                                      <p:to>
+                                        <p:strVal val="visible"/>
+                                      </p:to>
+                                    </p:set>
+                                    <p:animEffect transition="in" filter="wipe(down)">
+                                      <p:cBhvr>
+                                        <p:cTn id="7" dur="500"/>
+                                        <p:tgtEl>
+                                          <p:spTgt spid="8">
+                                            <p:txEl>
+                                              <p:pRg st="0" end="0"/>
+                                            </p:txEl>
+                                          </p:spTgt>
+                                        </p:tgtEl>
+                                      </p:cBhvr>
+                                    </p:animEffect>
+                                  </p:childTnLst>
+                                </p:cTn>
+                              </p:par>
+                            </p:childTnLst>
+                          </p:cTn>
+                        </p:par>
+                      </p:childTnLst>
+                    </p:cTn>
+                  </p:par>
+                  <p:par>
+                    <p:cTn id="8" fill="hold">
+                      <p:stCondLst>
+                        <p:cond delay="indefinite"/>
+                      </p:stCondLst>
+                      <p:childTnLst>
+                        <p:par>
+                          <p:cTn id="9" fill="hold">
+                            <p:stCondLst>
+                              <p:cond delay="0"/>
+                            </p:stCondLst>
+                            <p:childTnLst>
+                              <p:par>
+                                <p:cTn id="10" presetID="22" presetClass="entr" presetSubtype="4" fill="hold" nodeType="clickEffect">
+                                  <p:stCondLst>
+                                    <p:cond delay="0"/>
+                                  </p:stCondLst>
+                                  <p:childTnLst>
+                                    <p:set>
+                                      <p:cBhvr>
+                                        <p:cTn id="11" dur="1" fill="hold">
+                                          <p:stCondLst>
+                                            <p:cond delay="0"/>
+                                          </p:stCondLst>
+                                        </p:cTn>
+                                        <p:tgtEl>
+                                          <p:spTgt spid="8">
+                                            <p:txEl>
+                                              <p:pRg st="1" end="1"/>
+                                            </p:txEl>
+                                          </p:spTgt>
+                                        </p:tgtEl>
+                                        <p:attrNameLst>
+                                          <p:attrName>style.visibility</p:attrName>
+                                        </p:attrNameLst>
+                                      </p:cBhvr>
+                                      <p:to>
+                                        <p:strVal val="visible"/>
+                                      </p:to>
+                                    </p:set>
+                                    <p:animEffect transition="in" filter="wipe(down)">
+                                      <p:cBhvr>
+                                        <p:cTn id="12" dur="500"/>
+                                        <p:tgtEl>
+                                          <p:spTgt spid="8">
+                                            <p:txEl>
+                                              <p:pRg st="1" end="1"/>
+                                            </p:txEl>
+                                          </p:spTgt>
+                                        </p:tgtEl>
+                                      </p:cBhvr>
+                                    </p:animEffect>
+                                  </p:childTnLst>
+                                </p:cTn>
+                              </p:par>
+                            </p:childTnLst>
+                          </p:cTn>
+                        </p:par>
+                      </p:childTnLst>
+                    </p:cTn>
+                  </p:par>
+                  <p:par>
+                    <p:cTn id="13" fill="hold">
+                      <p:stCondLst>
+                        <p:cond delay="indefinite"/>
+                      </p:stCondLst>
+                      <p:childTnLst>
+                        <p:par>
+                          <p:cTn id="14" fill="hold">
+                            <p:stCondLst>
+                              <p:cond delay="0"/>
+                            </p:stCondLst>
+                            <p:childTnLst>
+                              <p:par>
+                                <p:cTn id="15" presetID="22" presetClass="entr" presetSubtype="4" fill="hold" nodeType="clickEffect">
+                                  <p:stCondLst>
+                                    <p:cond delay="0"/>
+                                  </p:stCondLst>
+                                  <p:childTnLst>
+                                    <p:set>
+                                      <p:cBhvr>
+                                        <p:cTn id="16" dur="1" fill="hold">
+                                          <p:stCondLst>
+                                            <p:cond delay="0"/>
+                                          </p:stCondLst>
+                                        </p:cTn>
+                                        <p:tgtEl>
+                                          <p:spTgt spid="8">
+                                            <p:txEl>
+                                              <p:pRg st="2" end="2"/>
+                                            </p:txEl>
+                                          </p:spTgt>
+                                        </p:tgtEl>
+                                        <p:attrNameLst>
+                                          <p:attrName>style.visibility</p:attrName>
+                                        </p:attrNameLst>
+                                      </p:cBhvr>
+                                      <p:to>
+                                        <p:strVal val="visible"/>
+                                      </p:to>
+                                    </p:set>
+                                    <p:animEffect transition="in" filter="wipe(down)">
+                                      <p:cBhvr>
+                                        <p:cTn id="17" dur="500"/>
+                                        <p:tgtEl>
+                                          <p:spTgt spid="8">
+                                            <p:txEl>
+                                              <p:pRg st="2" end="2"/>
+                                            </p:txEl>
+                                          </p:spTgt>
+                                        </p:tgtEl>
+                                      </p:cBhvr>
+                                    </p:animEffect>
+                                  </p:childTnLst>
+                                </p:cTn>
+                              </p:par>
+                            </p:childTnLst>
+                          </p:cTn>
+                        </p:par>
+                      </p:childTnLst>
+                    </p:cTn>
+                  </p:par>
+                  <p:par>
+                    <p:cTn id="18" fill="hold">
+                      <p:stCondLst>
+                        <p:cond delay="indefinite"/>
+                      </p:stCondLst>
+                      <p:childTnLst>
+                        <p:par>
+                          <p:cTn id="19" fill="hold">
+                            <p:stCondLst>
+                              <p:cond delay="0"/>
+                            </p:stCondLst>
+                            <p:childTnLst>
+                              <p:par>
+                                <p:cTn id="20" presetID="22" presetClass="entr" presetSubtype="4" fill="hold" nodeType="clickEffect">
+                                  <p:stCondLst>
+                                    <p:cond delay="0"/>
+                                  </p:stCondLst>
+                                  <p:childTnLst>
+                                    <p:set>
+                                      <p:cBhvr>
+                                        <p:cTn id="21" dur="1" fill="hold">
+                                          <p:stCondLst>
+                                            <p:cond delay="0"/>
+                                          </p:stCondLst>
+                                        </p:cTn>
+                                        <p:tgtEl>
+                                          <p:spTgt spid="8">
+                                            <p:txEl>
+                                              <p:pRg st="3" end="3"/>
+                                            </p:txEl>
+                                          </p:spTgt>
+                                        </p:tgtEl>
+                                        <p:attrNameLst>
+                                          <p:attrName>style.visibility</p:attrName>
+                                        </p:attrNameLst>
+                                      </p:cBhvr>
+                                      <p:to>
+                                        <p:strVal val="visible"/>
+                                      </p:to>
+                                    </p:set>
+                                    <p:animEffect transition="in" filter="wipe(down)">
+                                      <p:cBhvr>
+                                        <p:cTn id="22" dur="500"/>
+                                        <p:tgtEl>
+                                          <p:spTgt spid="8">
+                                            <p:txEl>
+                                              <p:pRg st="3" end="3"/>
+                                            </p:txEl>
+                                          </p:spTgt>
+                                        </p:tgtEl>
+                                      </p:cBhvr>
+                                    </p:animEffect>
+                                  </p:childTnLst>
+                                </p:cTn>
+                              </p:par>
+                            </p:childTnLst>
+                          </p:cTn>
+                        </p:par>
+                      </p:childTnLst>
+                    </p:cTn>
+                  </p:par>
+                  <p:par>
+                    <p:cTn id="23" fill="hold">
+                      <p:stCondLst>
+                        <p:cond delay="indefinite"/>
+                      </p:stCondLst>
+                      <p:childTnLst>
+                        <p:par>
+                          <p:cTn id="24" fill="hold">
+                            <p:stCondLst>
+                              <p:cond delay="0"/>
+                            </p:stCondLst>
+                            <p:childTnLst>
+                              <p:par>
+                                <p:cTn id="25" presetID="22" presetClass="entr" presetSubtype="4" fill="hold" nodeType="clickEffect">
+                                  <p:stCondLst>
+                                    <p:cond delay="0"/>
+                                  </p:stCondLst>
+                                  <p:childTnLst>
+                                    <p:set>
+                                      <p:cBhvr>
+                                        <p:cTn id="26" dur="1" fill="hold">
+                                          <p:stCondLst>
+                                            <p:cond delay="0"/>
+                                          </p:stCondLst>
+                                        </p:cTn>
+                                        <p:tgtEl>
+                                          <p:spTgt spid="8">
+                                            <p:txEl>
+                                              <p:pRg st="4" end="4"/>
+                                            </p:txEl>
+                                          </p:spTgt>
+                                        </p:tgtEl>
+                                        <p:attrNameLst>
+                                          <p:attrName>style.visibility</p:attrName>
+                                        </p:attrNameLst>
+                                      </p:cBhvr>
+                                      <p:to>
+                                        <p:strVal val="visible"/>
+                                      </p:to>
+                                    </p:set>
+                                    <p:animEffect transition="in" filter="wipe(down)">
+                                      <p:cBhvr>
+                                        <p:cTn id="27" dur="500"/>
+                                        <p:tgtEl>
+                                          <p:spTgt spid="8">
+                                            <p:txEl>
+                                              <p:pRg st="4" end="4"/>
+                                            </p:txEl>
+                                          </p:spTgt>
+                                        </p:tgtEl>
+                                      </p:cBhvr>
+                                    </p:animEffect>
+                                  </p:childTnLst>
+                                </p:cTn>
+                              </p:par>
+                            </p:childTnLst>
+                          </p:cTn>
+                        </p:par>
+                      </p:childTnLst>
+                    </p:cTn>
+                  </p:par>
+                </p:childTnLst>
+              </p:cTn>
+              <p:prevCondLst>
+                <p:cond evt="onPrev" delay="0">
+                  <p:tgtEl>
+                    <p:sldTgt/>
+                  </p:tgtEl>
+                </p:cond>
+              </p:prevCondLst>
+              <p:nextCondLst>
+                <p:cond evt="onNext" delay="0">
+                  <p:tgtEl>
+                    <p:sldTgt/>
+                  </p:tgtEl>
+                </p:cond>
+              </p:nextCondLst>
+            </p:seq>
+          </p:childTnLst>
+        </p:cTn>
+      </p:par>
+    </p:tnLst>
+  </p:timing>
+</p:sld>
+</file>
+
+<file path=ppt/slides/slide32.xml><?xml version="1.0" encoding="utf-8"?>
+<p:sld xmlns:a="http://schemas.openxmlformats.org/drawingml/2006/main" xmlns:r="http://schemas.openxmlformats.org/officeDocument/2006/relationships" xmlns:p="http://schemas.openxmlformats.org/presentationml/2006/main">
+  <p:cSld>
+    <p:bg>
+      <p:bgPr>
+        <a:blipFill dpi="0" rotWithShape="1">
+          <a:blip r:embed="rId3">
+            <a:lum/>
+          </a:blip>
+          <a:srcRect/>
+          <a:stretch>
+            <a:fillRect l="-1000" r="-1000"/>
+          </a:stretch>
+        </a:blipFill>
+        <a:effectLst/>
+      </p:bgPr>
+    </p:bg>
+    <p:spTree>
+      <p:nvGrpSpPr>
+        <p:cNvPr id="1" name=""/>
+        <p:cNvGrpSpPr/>
+        <p:nvPr/>
+      </p:nvGrpSpPr>
+      <p:grpSpPr>
+        <a:xfrm>
+          <a:off x="0" y="0"/>
+          <a:ext cx="0" cy="0"/>
+          <a:chOff x="0" y="0"/>
+          <a:chExt cx="0" cy="0"/>
+        </a:xfrm>
+      </p:grpSpPr>
+      <p:sp>
+        <p:nvSpPr>
+          <p:cNvPr id="3" name="Rectangle 2"/>
+          <p:cNvSpPr/>
+          <p:nvPr/>
+        </p:nvSpPr>
+        <p:spPr>
+          <a:xfrm>
+            <a:off x="685800" y="133350"/>
+            <a:ext cx="2618024" cy="307777"/>
+          </a:xfrm>
+          <a:prstGeom prst="rect">
+            <a:avLst/>
+          </a:prstGeom>
+        </p:spPr>
+        <p:txBody>
+          <a:bodyPr wrap="none">
+            <a:spAutoFit/>
+          </a:bodyPr>
+          <a:lstStyle/>
+          <a:p>
+            <a:r>
+              <a:rPr lang="en-US" sz="1400" b="1" dirty="0">
+                <a:solidFill>
+                  <a:srgbClr val="0070C0"/>
+                </a:solidFill>
+                <a:latin typeface="Roboto" panose="02000000000000000000" pitchFamily="2" charset="0"/>
+                <a:ea typeface="Roboto" panose="02000000000000000000" pitchFamily="2" charset="0"/>
+              </a:rPr>
+              <a:t>Grid  View Builder From Array </a:t>
+            </a:r>
+          </a:p>
+        </p:txBody>
+      </p:sp>
+      <p:sp>
+        <p:nvSpPr>
+          <p:cNvPr id="8" name="TextBox 7">
+            <a:extLst>
+              <a:ext uri="{FF2B5EF4-FFF2-40B4-BE49-F238E27FC236}">
+                <a16:creationId xmlns:a16="http://schemas.microsoft.com/office/drawing/2014/main" id="{85280BAB-4788-5FCA-5012-F8415570676E}"/>
+              </a:ext>
+            </a:extLst>
+          </p:cNvPr>
+          <p:cNvSpPr txBox="1"/>
+          <p:nvPr/>
+        </p:nvSpPr>
+        <p:spPr>
+          <a:xfrm>
+            <a:off x="3124200" y="750624"/>
+            <a:ext cx="3810000" cy="1674754"/>
+          </a:xfrm>
+          <a:prstGeom prst="rect">
+            <a:avLst/>
+          </a:prstGeom>
+          <a:noFill/>
+        </p:spPr>
+        <p:txBody>
+          <a:bodyPr wrap="square">
+            <a:spAutoFit/>
+          </a:bodyPr>
+          <a:lstStyle/>
+          <a:p>
+            <a:pPr>
+              <a:lnSpc>
+                <a:spcPct val="150000"/>
+              </a:lnSpc>
+            </a:pPr>
+            <a:r>
+              <a:rPr lang="en-US" sz="1400" b="1" dirty="0"/>
+              <a:t>Step 01: </a:t>
+            </a:r>
+            <a:r>
+              <a:rPr lang="en-US" sz="1400" dirty="0"/>
+              <a:t>JSON Array</a:t>
+            </a:r>
+          </a:p>
+          <a:p>
+            <a:pPr>
+              <a:lnSpc>
+                <a:spcPct val="150000"/>
+              </a:lnSpc>
+            </a:pPr>
+            <a:r>
+              <a:rPr lang="en-US" sz="1400" b="1" dirty="0"/>
+              <a:t>Step 02: </a:t>
+            </a:r>
+            <a:r>
+              <a:rPr lang="en-US" sz="1400" dirty="0"/>
+              <a:t>Grid View Builder </a:t>
+            </a:r>
+          </a:p>
+          <a:p>
+            <a:pPr>
+              <a:lnSpc>
+                <a:spcPct val="150000"/>
+              </a:lnSpc>
+            </a:pPr>
+            <a:r>
+              <a:rPr lang="en-US" sz="1400" b="1" dirty="0"/>
+              <a:t>Step 03: </a:t>
+            </a:r>
+            <a:r>
+              <a:rPr lang="en-US" sz="1400" dirty="0"/>
+              <a:t>Gesture Detector</a:t>
+            </a:r>
+          </a:p>
+          <a:p>
+            <a:pPr>
+              <a:lnSpc>
+                <a:spcPct val="150000"/>
+              </a:lnSpc>
+            </a:pPr>
+            <a:r>
+              <a:rPr lang="en-US" sz="1400" b="1" dirty="0"/>
+              <a:t>Step 04:  </a:t>
+            </a:r>
+            <a:r>
+              <a:rPr lang="en-US" sz="1400" dirty="0"/>
+              <a:t>Grid Item </a:t>
+            </a:r>
+          </a:p>
+          <a:p>
+            <a:pPr>
+              <a:lnSpc>
+                <a:spcPct val="150000"/>
+              </a:lnSpc>
+            </a:pPr>
+            <a:r>
+              <a:rPr lang="en-US" sz="1400" b="1" dirty="0"/>
+              <a:t>Step 05: </a:t>
+            </a:r>
+            <a:r>
+              <a:rPr lang="en-US" sz="1400" dirty="0"/>
+              <a:t>Grid Item On Tap/On Press </a:t>
+            </a:r>
+          </a:p>
+        </p:txBody>
+      </p:sp>
+      <p:pic>
+        <p:nvPicPr>
+          <p:cNvPr id="7" name="Picture 6">
+            <a:extLst>
+              <a:ext uri="{FF2B5EF4-FFF2-40B4-BE49-F238E27FC236}">
+                <a16:creationId xmlns:a16="http://schemas.microsoft.com/office/drawing/2014/main" id="{F5420F95-591C-6211-8269-36C47FECC2CF}"/>
+              </a:ext>
+            </a:extLst>
+          </p:cNvPr>
+          <p:cNvPicPr>
+            <a:picLocks noChangeAspect="1"/>
+          </p:cNvPicPr>
+          <p:nvPr/>
+        </p:nvPicPr>
+        <p:blipFill>
+          <a:blip r:embed="rId4" cstate="print">
+            <a:extLst>
+              <a:ext uri="{28A0092B-C50C-407E-A947-70E740481C1C}">
+                <a14:useLocalDpi xmlns:a14="http://schemas.microsoft.com/office/drawing/2010/main" val="0"/>
+              </a:ext>
+            </a:extLst>
+          </a:blip>
+          <a:stretch>
+            <a:fillRect/>
+          </a:stretch>
+        </p:blipFill>
+        <p:spPr>
+          <a:xfrm>
+            <a:off x="457200" y="666750"/>
+            <a:ext cx="1869475" cy="4154388"/>
+          </a:xfrm>
+          <a:prstGeom prst="rect">
+            <a:avLst/>
+          </a:prstGeom>
+        </p:spPr>
+      </p:pic>
+    </p:spTree>
+    <p:extLst>
+      <p:ext uri="{BB962C8B-B14F-4D97-AF65-F5344CB8AC3E}">
+        <p14:creationId xmlns:p14="http://schemas.microsoft.com/office/powerpoint/2010/main" val="1974946632"/>
+      </p:ext>
+    </p:extLst>
+  </p:cSld>
+  <p:clrMapOvr>
+    <a:masterClrMapping/>
+  </p:clrMapOvr>
+  <p:timing>
+    <p:tnLst>
+      <p:par>
+        <p:cTn id="1" dur="indefinite" restart="never" nodeType="tmRoot">
+          <p:childTnLst>
+            <p:seq concurrent="1" nextAc="seek">
+              <p:cTn id="2" dur="indefinite" nodeType="mainSeq">
+                <p:childTnLst>
+                  <p:par>
+                    <p:cTn id="3" fill="hold">
+                      <p:stCondLst>
+                        <p:cond delay="indefinite"/>
+                      </p:stCondLst>
+                      <p:childTnLst>
+                        <p:par>
+                          <p:cTn id="4" fill="hold">
+                            <p:stCondLst>
+                              <p:cond delay="0"/>
+                            </p:stCondLst>
+                            <p:childTnLst>
+                              <p:par>
+                                <p:cTn id="5" presetID="22" presetClass="entr" presetSubtype="4" fill="hold" nodeType="clickEffect">
+                                  <p:stCondLst>
+                                    <p:cond delay="0"/>
+                                  </p:stCondLst>
+                                  <p:childTnLst>
+                                    <p:set>
+                                      <p:cBhvr>
+                                        <p:cTn id="6" dur="1" fill="hold">
+                                          <p:stCondLst>
+                                            <p:cond delay="0"/>
+                                          </p:stCondLst>
+                                        </p:cTn>
+                                        <p:tgtEl>
+                                          <p:spTgt spid="8">
+                                            <p:txEl>
+                                              <p:pRg st="0" end="0"/>
+                                            </p:txEl>
+                                          </p:spTgt>
+                                        </p:tgtEl>
+                                        <p:attrNameLst>
+                                          <p:attrName>style.visibility</p:attrName>
+                                        </p:attrNameLst>
+                                      </p:cBhvr>
+                                      <p:to>
+                                        <p:strVal val="visible"/>
+                                      </p:to>
+                                    </p:set>
+                                    <p:animEffect transition="in" filter="wipe(down)">
+                                      <p:cBhvr>
+                                        <p:cTn id="7" dur="500"/>
+                                        <p:tgtEl>
+                                          <p:spTgt spid="8">
+                                            <p:txEl>
+                                              <p:pRg st="0" end="0"/>
+                                            </p:txEl>
+                                          </p:spTgt>
+                                        </p:tgtEl>
+                                      </p:cBhvr>
+                                    </p:animEffect>
+                                  </p:childTnLst>
+                                </p:cTn>
+                              </p:par>
+                            </p:childTnLst>
+                          </p:cTn>
+                        </p:par>
+                      </p:childTnLst>
+                    </p:cTn>
+                  </p:par>
+                  <p:par>
+                    <p:cTn id="8" fill="hold">
+                      <p:stCondLst>
+                        <p:cond delay="indefinite"/>
+                      </p:stCondLst>
+                      <p:childTnLst>
+                        <p:par>
+                          <p:cTn id="9" fill="hold">
+                            <p:stCondLst>
+                              <p:cond delay="0"/>
+                            </p:stCondLst>
+                            <p:childTnLst>
+                              <p:par>
+                                <p:cTn id="10" presetID="22" presetClass="entr" presetSubtype="4" fill="hold" nodeType="clickEffect">
+                                  <p:stCondLst>
+                                    <p:cond delay="0"/>
+                                  </p:stCondLst>
+                                  <p:childTnLst>
+                                    <p:set>
+                                      <p:cBhvr>
+                                        <p:cTn id="11" dur="1" fill="hold">
+                                          <p:stCondLst>
+                                            <p:cond delay="0"/>
+                                          </p:stCondLst>
+                                        </p:cTn>
+                                        <p:tgtEl>
+                                          <p:spTgt spid="8">
+                                            <p:txEl>
+                                              <p:pRg st="1" end="1"/>
+                                            </p:txEl>
+                                          </p:spTgt>
+                                        </p:tgtEl>
+                                        <p:attrNameLst>
+                                          <p:attrName>style.visibility</p:attrName>
+                                        </p:attrNameLst>
+                                      </p:cBhvr>
+                                      <p:to>
+                                        <p:strVal val="visible"/>
+                                      </p:to>
+                                    </p:set>
+                                    <p:animEffect transition="in" filter="wipe(down)">
+                                      <p:cBhvr>
+                                        <p:cTn id="12" dur="500"/>
+                                        <p:tgtEl>
+                                          <p:spTgt spid="8">
+                                            <p:txEl>
+                                              <p:pRg st="1" end="1"/>
+                                            </p:txEl>
+                                          </p:spTgt>
+                                        </p:tgtEl>
+                                      </p:cBhvr>
+                                    </p:animEffect>
+                                  </p:childTnLst>
+                                </p:cTn>
+                              </p:par>
+                            </p:childTnLst>
+                          </p:cTn>
+                        </p:par>
+                      </p:childTnLst>
+                    </p:cTn>
+                  </p:par>
+                  <p:par>
+                    <p:cTn id="13" fill="hold">
+                      <p:stCondLst>
+                        <p:cond delay="indefinite"/>
+                      </p:stCondLst>
+                      <p:childTnLst>
+                        <p:par>
+                          <p:cTn id="14" fill="hold">
+                            <p:stCondLst>
+                              <p:cond delay="0"/>
+                            </p:stCondLst>
+                            <p:childTnLst>
+                              <p:par>
+                                <p:cTn id="15" presetID="22" presetClass="entr" presetSubtype="4" fill="hold" nodeType="clickEffect">
+                                  <p:stCondLst>
+                                    <p:cond delay="0"/>
+                                  </p:stCondLst>
+                                  <p:childTnLst>
+                                    <p:set>
+                                      <p:cBhvr>
+                                        <p:cTn id="16" dur="1" fill="hold">
+                                          <p:stCondLst>
+                                            <p:cond delay="0"/>
+                                          </p:stCondLst>
+                                        </p:cTn>
+                                        <p:tgtEl>
+                                          <p:spTgt spid="8">
+                                            <p:txEl>
+                                              <p:pRg st="2" end="2"/>
+                                            </p:txEl>
+                                          </p:spTgt>
+                                        </p:tgtEl>
+                                        <p:attrNameLst>
+                                          <p:attrName>style.visibility</p:attrName>
+                                        </p:attrNameLst>
+                                      </p:cBhvr>
+                                      <p:to>
+                                        <p:strVal val="visible"/>
+                                      </p:to>
+                                    </p:set>
+                                    <p:animEffect transition="in" filter="wipe(down)">
+                                      <p:cBhvr>
+                                        <p:cTn id="17" dur="500"/>
+                                        <p:tgtEl>
+                                          <p:spTgt spid="8">
+                                            <p:txEl>
+                                              <p:pRg st="2" end="2"/>
+                                            </p:txEl>
+                                          </p:spTgt>
+                                        </p:tgtEl>
+                                      </p:cBhvr>
+                                    </p:animEffect>
+                                  </p:childTnLst>
+                                </p:cTn>
+                              </p:par>
+                            </p:childTnLst>
+                          </p:cTn>
+                        </p:par>
+                      </p:childTnLst>
+                    </p:cTn>
+                  </p:par>
+                  <p:par>
+                    <p:cTn id="18" fill="hold">
+                      <p:stCondLst>
+                        <p:cond delay="indefinite"/>
+                      </p:stCondLst>
+                      <p:childTnLst>
+                        <p:par>
+                          <p:cTn id="19" fill="hold">
+                            <p:stCondLst>
+                              <p:cond delay="0"/>
+                            </p:stCondLst>
+                            <p:childTnLst>
+                              <p:par>
+                                <p:cTn id="20" presetID="22" presetClass="entr" presetSubtype="4" fill="hold" nodeType="clickEffect">
+                                  <p:stCondLst>
+                                    <p:cond delay="0"/>
+                                  </p:stCondLst>
+                                  <p:childTnLst>
+                                    <p:set>
+                                      <p:cBhvr>
+                                        <p:cTn id="21" dur="1" fill="hold">
+                                          <p:stCondLst>
+                                            <p:cond delay="0"/>
+                                          </p:stCondLst>
+                                        </p:cTn>
+                                        <p:tgtEl>
+                                          <p:spTgt spid="8">
+                                            <p:txEl>
+                                              <p:pRg st="3" end="3"/>
+                                            </p:txEl>
+                                          </p:spTgt>
+                                        </p:tgtEl>
+                                        <p:attrNameLst>
+                                          <p:attrName>style.visibility</p:attrName>
+                                        </p:attrNameLst>
+                                      </p:cBhvr>
+                                      <p:to>
+                                        <p:strVal val="visible"/>
+                                      </p:to>
+                                    </p:set>
+                                    <p:animEffect transition="in" filter="wipe(down)">
+                                      <p:cBhvr>
+                                        <p:cTn id="22" dur="500"/>
+                                        <p:tgtEl>
+                                          <p:spTgt spid="8">
+                                            <p:txEl>
+                                              <p:pRg st="3" end="3"/>
+                                            </p:txEl>
+                                          </p:spTgt>
+                                        </p:tgtEl>
+                                      </p:cBhvr>
+                                    </p:animEffect>
+                                  </p:childTnLst>
+                                </p:cTn>
+                              </p:par>
+                            </p:childTnLst>
+                          </p:cTn>
+                        </p:par>
+                      </p:childTnLst>
+                    </p:cTn>
+                  </p:par>
+                  <p:par>
+                    <p:cTn id="23" fill="hold">
+                      <p:stCondLst>
+                        <p:cond delay="indefinite"/>
+                      </p:stCondLst>
+                      <p:childTnLst>
+                        <p:par>
+                          <p:cTn id="24" fill="hold">
+                            <p:stCondLst>
+                              <p:cond delay="0"/>
+                            </p:stCondLst>
+                            <p:childTnLst>
+                              <p:par>
+                                <p:cTn id="25" presetID="22" presetClass="entr" presetSubtype="4" fill="hold" nodeType="clickEffect">
+                                  <p:stCondLst>
+                                    <p:cond delay="0"/>
+                                  </p:stCondLst>
+                                  <p:childTnLst>
+                                    <p:set>
+                                      <p:cBhvr>
+                                        <p:cTn id="26" dur="1" fill="hold">
+                                          <p:stCondLst>
+                                            <p:cond delay="0"/>
+                                          </p:stCondLst>
+                                        </p:cTn>
+                                        <p:tgtEl>
+                                          <p:spTgt spid="8">
+                                            <p:txEl>
+                                              <p:pRg st="4" end="4"/>
+                                            </p:txEl>
+                                          </p:spTgt>
+                                        </p:tgtEl>
+                                        <p:attrNameLst>
+                                          <p:attrName>style.visibility</p:attrName>
+                                        </p:attrNameLst>
+                                      </p:cBhvr>
+                                      <p:to>
+                                        <p:strVal val="visible"/>
+                                      </p:to>
+                                    </p:set>
+                                    <p:animEffect transition="in" filter="wipe(down)">
+                                      <p:cBhvr>
+                                        <p:cTn id="27" dur="500"/>
+                                        <p:tgtEl>
+                                          <p:spTgt spid="8">
+                                            <p:txEl>
+                                              <p:pRg st="4" end="4"/>
+                                            </p:txEl>
+                                          </p:spTgt>
+                                        </p:tgtEl>
+                                      </p:cBhvr>
+                                    </p:animEffect>
+                                  </p:childTnLst>
+                                </p:cTn>
+                              </p:par>
+                            </p:childTnLst>
+                          </p:cTn>
+                        </p:par>
+                      </p:childTnLst>
+                    </p:cTn>
+                  </p:par>
+                </p:childTnLst>
+              </p:cTn>
+              <p:prevCondLst>
+                <p:cond evt="onPrev" delay="0">
+                  <p:tgtEl>
+                    <p:sldTgt/>
+                  </p:tgtEl>
+                </p:cond>
+              </p:prevCondLst>
+              <p:nextCondLst>
+                <p:cond evt="onNext" delay="0">
+                  <p:tgtEl>
+                    <p:sldTgt/>
+                  </p:tgtEl>
+                </p:cond>
+              </p:nextCondLst>
+            </p:seq>
+          </p:childTnLst>
+        </p:cTn>
+      </p:par>
+    </p:tnLst>
+  </p:timing>
+</p:sld>
+</file>
+
+<file path=ppt/slides/slide33.xml><?xml version="1.0" encoding="utf-8"?>
+<p:sld xmlns:a="http://schemas.openxmlformats.org/drawingml/2006/main" xmlns:r="http://schemas.openxmlformats.org/officeDocument/2006/relationships" xmlns:p="http://schemas.openxmlformats.org/presentationml/2006/main">
+  <p:cSld>
+    <p:bg>
+      <p:bgPr>
+        <a:blipFill dpi="0" rotWithShape="1">
+          <a:blip r:embed="rId3">
+            <a:lum/>
+          </a:blip>
+          <a:srcRect/>
+          <a:stretch>
+            <a:fillRect l="-1000" r="-1000"/>
+          </a:stretch>
+        </a:blipFill>
+        <a:effectLst/>
+      </p:bgPr>
+    </p:bg>
+    <p:spTree>
+      <p:nvGrpSpPr>
+        <p:cNvPr id="1" name=""/>
+        <p:cNvGrpSpPr/>
+        <p:nvPr/>
+      </p:nvGrpSpPr>
+      <p:grpSpPr>
+        <a:xfrm>
+          <a:off x="0" y="0"/>
+          <a:ext cx="0" cy="0"/>
+          <a:chOff x="0" y="0"/>
+          <a:chExt cx="0" cy="0"/>
+        </a:xfrm>
+      </p:grpSpPr>
+      <p:sp>
+        <p:nvSpPr>
+          <p:cNvPr id="3" name="Rectangle 2"/>
+          <p:cNvSpPr/>
+          <p:nvPr/>
+        </p:nvSpPr>
+        <p:spPr>
+          <a:xfrm>
+            <a:off x="685800" y="133350"/>
+            <a:ext cx="2561920" cy="307777"/>
+          </a:xfrm>
+          <a:prstGeom prst="rect">
+            <a:avLst/>
+          </a:prstGeom>
+        </p:spPr>
+        <p:txBody>
+          <a:bodyPr wrap="none">
+            <a:spAutoFit/>
+          </a:bodyPr>
+          <a:lstStyle/>
+          <a:p>
+            <a:r>
+              <a:rPr lang="en-US" sz="1400" b="1" dirty="0">
+                <a:solidFill>
+                  <a:srgbClr val="0070C0"/>
+                </a:solidFill>
+                <a:latin typeface="Roboto" panose="02000000000000000000" pitchFamily="2" charset="0"/>
+                <a:ea typeface="Roboto" panose="02000000000000000000" pitchFamily="2" charset="0"/>
+              </a:rPr>
+              <a:t>Tab Bar  / Activity/ Fragment </a:t>
+            </a:r>
+          </a:p>
+        </p:txBody>
+      </p:sp>
+      <p:pic>
+        <p:nvPicPr>
+          <p:cNvPr id="4" name="Picture 3">
+            <a:extLst>
+              <a:ext uri="{FF2B5EF4-FFF2-40B4-BE49-F238E27FC236}">
+                <a16:creationId xmlns:a16="http://schemas.microsoft.com/office/drawing/2014/main" id="{84666911-E526-542B-1294-6AC7FC76C70F}"/>
+              </a:ext>
+            </a:extLst>
+          </p:cNvPr>
+          <p:cNvPicPr>
+            <a:picLocks noChangeAspect="1"/>
+          </p:cNvPicPr>
+          <p:nvPr/>
+        </p:nvPicPr>
+        <p:blipFill>
+          <a:blip r:embed="rId4" cstate="print">
+            <a:extLst>
+              <a:ext uri="{28A0092B-C50C-407E-A947-70E740481C1C}">
+                <a14:useLocalDpi xmlns:a14="http://schemas.microsoft.com/office/drawing/2010/main" val="0"/>
+              </a:ext>
+            </a:extLst>
+          </a:blip>
+          <a:stretch>
+            <a:fillRect/>
+          </a:stretch>
+        </p:blipFill>
+        <p:spPr>
+          <a:xfrm>
+            <a:off x="381000" y="676274"/>
+            <a:ext cx="2286000" cy="4066031"/>
+          </a:xfrm>
+          <a:prstGeom prst="rect">
+            <a:avLst/>
+          </a:prstGeom>
+        </p:spPr>
+      </p:pic>
+    </p:spTree>
+    <p:extLst>
+      <p:ext uri="{BB962C8B-B14F-4D97-AF65-F5344CB8AC3E}">
+        <p14:creationId xmlns:p14="http://schemas.microsoft.com/office/powerpoint/2010/main" val="1211130888"/>
+      </p:ext>
+    </p:extLst>
+  </p:cSld>
+  <p:clrMapOvr>
+    <a:masterClrMapping/>
+  </p:clrMapOvr>
 </p:sld>
 </file>
 

--- a/Flutter/PPT/Slide.pptx
+++ b/Flutter/PPT/Slide.pptx
@@ -5,7 +5,7 @@
     <p:sldMasterId id="2147483648" r:id="rId1"/>
   </p:sldMasterIdLst>
   <p:notesMasterIdLst>
-    <p:notesMasterId r:id="rId35"/>
+    <p:notesMasterId r:id="rId40"/>
   </p:notesMasterIdLst>
   <p:sldIdLst>
     <p:sldId id="256" r:id="rId2"/>
@@ -41,6 +41,11 @@
     <p:sldId id="301" r:id="rId32"/>
     <p:sldId id="302" r:id="rId33"/>
     <p:sldId id="303" r:id="rId34"/>
+    <p:sldId id="304" r:id="rId35"/>
+    <p:sldId id="305" r:id="rId36"/>
+    <p:sldId id="306" r:id="rId37"/>
+    <p:sldId id="307" r:id="rId38"/>
+    <p:sldId id="308" r:id="rId39"/>
   </p:sldIdLst>
   <p:sldSz cx="9144000" cy="5143500" type="screen16x9"/>
   <p:notesSz cx="6858000" cy="9144000"/>
@@ -240,7 +245,7 @@
           <a:p>
             <a:fld id="{38EBF754-CDC4-4762-B81C-FDFA88BC1D35}" type="datetimeFigureOut">
               <a:rPr lang="en-US" smtClean="0"/>
-              <a:t>Mon</a:t>
+              <a:t>Thu</a:t>
             </a:fld>
             <a:endParaRPr lang="en-US"/>
           </a:p>
@@ -591,6 +596,258 @@
 </p:notes>
 </file>
 
+<file path=ppt/notesSlides/notesSlide10.xml><?xml version="1.0" encoding="utf-8"?>
+<p:notes xmlns:a="http://schemas.openxmlformats.org/drawingml/2006/main" xmlns:r="http://schemas.openxmlformats.org/officeDocument/2006/relationships" xmlns:p="http://schemas.openxmlformats.org/presentationml/2006/main">
+  <p:cSld>
+    <p:spTree>
+      <p:nvGrpSpPr>
+        <p:cNvPr id="1" name=""/>
+        <p:cNvGrpSpPr/>
+        <p:nvPr/>
+      </p:nvGrpSpPr>
+      <p:grpSpPr>
+        <a:xfrm>
+          <a:off x="0" y="0"/>
+          <a:ext cx="0" cy="0"/>
+          <a:chOff x="0" y="0"/>
+          <a:chExt cx="0" cy="0"/>
+        </a:xfrm>
+      </p:grpSpPr>
+      <p:sp>
+        <p:nvSpPr>
+          <p:cNvPr id="2" name="Slide Image Placeholder 1"/>
+          <p:cNvSpPr>
+            <a:spLocks noGrp="1" noRot="1" noChangeAspect="1"/>
+          </p:cNvSpPr>
+          <p:nvPr>
+            <p:ph type="sldImg"/>
+          </p:nvPr>
+        </p:nvSpPr>
+        <p:spPr/>
+      </p:sp>
+      <p:sp>
+        <p:nvSpPr>
+          <p:cNvPr id="3" name="Notes Placeholder 2"/>
+          <p:cNvSpPr>
+            <a:spLocks noGrp="1"/>
+          </p:cNvSpPr>
+          <p:nvPr>
+            <p:ph type="body" idx="1"/>
+          </p:nvPr>
+        </p:nvSpPr>
+        <p:spPr/>
+        <p:txBody>
+          <a:bodyPr/>
+          <a:lstStyle/>
+          <a:p>
+            <a:endParaRPr lang="en-US" dirty="0"/>
+          </a:p>
+        </p:txBody>
+      </p:sp>
+      <p:sp>
+        <p:nvSpPr>
+          <p:cNvPr id="4" name="Slide Number Placeholder 3"/>
+          <p:cNvSpPr>
+            <a:spLocks noGrp="1"/>
+          </p:cNvSpPr>
+          <p:nvPr>
+            <p:ph type="sldNum" sz="quarter" idx="5"/>
+          </p:nvPr>
+        </p:nvSpPr>
+        <p:spPr/>
+        <p:txBody>
+          <a:bodyPr/>
+          <a:lstStyle/>
+          <a:p>
+            <a:fld id="{B3A417B2-A29D-48B9-A4A7-A6FB997901AB}" type="slidenum">
+              <a:rPr lang="en-US" smtClean="0"/>
+              <a:t>36</a:t>
+            </a:fld>
+            <a:endParaRPr lang="en-US"/>
+          </a:p>
+        </p:txBody>
+      </p:sp>
+    </p:spTree>
+    <p:extLst>
+      <p:ext uri="{BB962C8B-B14F-4D97-AF65-F5344CB8AC3E}">
+        <p14:creationId xmlns:p14="http://schemas.microsoft.com/office/powerpoint/2010/main" val="4005338011"/>
+      </p:ext>
+    </p:extLst>
+  </p:cSld>
+  <p:clrMapOvr>
+    <a:masterClrMapping/>
+  </p:clrMapOvr>
+</p:notes>
+</file>
+
+<file path=ppt/notesSlides/notesSlide11.xml><?xml version="1.0" encoding="utf-8"?>
+<p:notes xmlns:a="http://schemas.openxmlformats.org/drawingml/2006/main" xmlns:r="http://schemas.openxmlformats.org/officeDocument/2006/relationships" xmlns:p="http://schemas.openxmlformats.org/presentationml/2006/main">
+  <p:cSld>
+    <p:spTree>
+      <p:nvGrpSpPr>
+        <p:cNvPr id="1" name=""/>
+        <p:cNvGrpSpPr/>
+        <p:nvPr/>
+      </p:nvGrpSpPr>
+      <p:grpSpPr>
+        <a:xfrm>
+          <a:off x="0" y="0"/>
+          <a:ext cx="0" cy="0"/>
+          <a:chOff x="0" y="0"/>
+          <a:chExt cx="0" cy="0"/>
+        </a:xfrm>
+      </p:grpSpPr>
+      <p:sp>
+        <p:nvSpPr>
+          <p:cNvPr id="2" name="Slide Image Placeholder 1"/>
+          <p:cNvSpPr>
+            <a:spLocks noGrp="1" noRot="1" noChangeAspect="1"/>
+          </p:cNvSpPr>
+          <p:nvPr>
+            <p:ph type="sldImg"/>
+          </p:nvPr>
+        </p:nvSpPr>
+        <p:spPr/>
+      </p:sp>
+      <p:sp>
+        <p:nvSpPr>
+          <p:cNvPr id="3" name="Notes Placeholder 2"/>
+          <p:cNvSpPr>
+            <a:spLocks noGrp="1"/>
+          </p:cNvSpPr>
+          <p:nvPr>
+            <p:ph type="body" idx="1"/>
+          </p:nvPr>
+        </p:nvSpPr>
+        <p:spPr/>
+        <p:txBody>
+          <a:bodyPr/>
+          <a:lstStyle/>
+          <a:p>
+            <a:endParaRPr lang="en-US" dirty="0"/>
+          </a:p>
+        </p:txBody>
+      </p:sp>
+      <p:sp>
+        <p:nvSpPr>
+          <p:cNvPr id="4" name="Slide Number Placeholder 3"/>
+          <p:cNvSpPr>
+            <a:spLocks noGrp="1"/>
+          </p:cNvSpPr>
+          <p:nvPr>
+            <p:ph type="sldNum" sz="quarter" idx="5"/>
+          </p:nvPr>
+        </p:nvSpPr>
+        <p:spPr/>
+        <p:txBody>
+          <a:bodyPr/>
+          <a:lstStyle/>
+          <a:p>
+            <a:fld id="{B3A417B2-A29D-48B9-A4A7-A6FB997901AB}" type="slidenum">
+              <a:rPr lang="en-US" smtClean="0"/>
+              <a:t>37</a:t>
+            </a:fld>
+            <a:endParaRPr lang="en-US"/>
+          </a:p>
+        </p:txBody>
+      </p:sp>
+    </p:spTree>
+    <p:extLst>
+      <p:ext uri="{BB962C8B-B14F-4D97-AF65-F5344CB8AC3E}">
+        <p14:creationId xmlns:p14="http://schemas.microsoft.com/office/powerpoint/2010/main" val="1751815791"/>
+      </p:ext>
+    </p:extLst>
+  </p:cSld>
+  <p:clrMapOvr>
+    <a:masterClrMapping/>
+  </p:clrMapOvr>
+</p:notes>
+</file>
+
+<file path=ppt/notesSlides/notesSlide12.xml><?xml version="1.0" encoding="utf-8"?>
+<p:notes xmlns:a="http://schemas.openxmlformats.org/drawingml/2006/main" xmlns:r="http://schemas.openxmlformats.org/officeDocument/2006/relationships" xmlns:p="http://schemas.openxmlformats.org/presentationml/2006/main">
+  <p:cSld>
+    <p:spTree>
+      <p:nvGrpSpPr>
+        <p:cNvPr id="1" name=""/>
+        <p:cNvGrpSpPr/>
+        <p:nvPr/>
+      </p:nvGrpSpPr>
+      <p:grpSpPr>
+        <a:xfrm>
+          <a:off x="0" y="0"/>
+          <a:ext cx="0" cy="0"/>
+          <a:chOff x="0" y="0"/>
+          <a:chExt cx="0" cy="0"/>
+        </a:xfrm>
+      </p:grpSpPr>
+      <p:sp>
+        <p:nvSpPr>
+          <p:cNvPr id="2" name="Slide Image Placeholder 1"/>
+          <p:cNvSpPr>
+            <a:spLocks noGrp="1" noRot="1" noChangeAspect="1"/>
+          </p:cNvSpPr>
+          <p:nvPr>
+            <p:ph type="sldImg"/>
+          </p:nvPr>
+        </p:nvSpPr>
+        <p:spPr/>
+      </p:sp>
+      <p:sp>
+        <p:nvSpPr>
+          <p:cNvPr id="3" name="Notes Placeholder 2"/>
+          <p:cNvSpPr>
+            <a:spLocks noGrp="1"/>
+          </p:cNvSpPr>
+          <p:nvPr>
+            <p:ph type="body" idx="1"/>
+          </p:nvPr>
+        </p:nvSpPr>
+        <p:spPr/>
+        <p:txBody>
+          <a:bodyPr/>
+          <a:lstStyle/>
+          <a:p>
+            <a:endParaRPr lang="en-US" dirty="0"/>
+          </a:p>
+        </p:txBody>
+      </p:sp>
+      <p:sp>
+        <p:nvSpPr>
+          <p:cNvPr id="4" name="Slide Number Placeholder 3"/>
+          <p:cNvSpPr>
+            <a:spLocks noGrp="1"/>
+          </p:cNvSpPr>
+          <p:nvPr>
+            <p:ph type="sldNum" sz="quarter" idx="5"/>
+          </p:nvPr>
+        </p:nvSpPr>
+        <p:spPr/>
+        <p:txBody>
+          <a:bodyPr/>
+          <a:lstStyle/>
+          <a:p>
+            <a:fld id="{B3A417B2-A29D-48B9-A4A7-A6FB997901AB}" type="slidenum">
+              <a:rPr lang="en-US" smtClean="0"/>
+              <a:t>38</a:t>
+            </a:fld>
+            <a:endParaRPr lang="en-US"/>
+          </a:p>
+        </p:txBody>
+      </p:sp>
+    </p:spTree>
+    <p:extLst>
+      <p:ext uri="{BB962C8B-B14F-4D97-AF65-F5344CB8AC3E}">
+        <p14:creationId xmlns:p14="http://schemas.microsoft.com/office/powerpoint/2010/main" val="728654822"/>
+      </p:ext>
+    </p:extLst>
+  </p:cSld>
+  <p:clrMapOvr>
+    <a:masterClrMapping/>
+  </p:clrMapOvr>
+</p:notes>
+</file>
+
 <file path=ppt/notesSlides/notesSlide2.xml><?xml version="1.0" encoding="utf-8"?>
 <p:notes xmlns:a="http://schemas.openxmlformats.org/drawingml/2006/main" xmlns:r="http://schemas.openxmlformats.org/officeDocument/2006/relationships" xmlns:p="http://schemas.openxmlformats.org/presentationml/2006/main">
   <p:cSld>
@@ -1086,6 +1343,174 @@
     <p:extLst>
       <p:ext uri="{BB962C8B-B14F-4D97-AF65-F5344CB8AC3E}">
         <p14:creationId xmlns:p14="http://schemas.microsoft.com/office/powerpoint/2010/main" val="1281223300"/>
+      </p:ext>
+    </p:extLst>
+  </p:cSld>
+  <p:clrMapOvr>
+    <a:masterClrMapping/>
+  </p:clrMapOvr>
+</p:notes>
+</file>
+
+<file path=ppt/notesSlides/notesSlide8.xml><?xml version="1.0" encoding="utf-8"?>
+<p:notes xmlns:a="http://schemas.openxmlformats.org/drawingml/2006/main" xmlns:r="http://schemas.openxmlformats.org/officeDocument/2006/relationships" xmlns:p="http://schemas.openxmlformats.org/presentationml/2006/main">
+  <p:cSld>
+    <p:spTree>
+      <p:nvGrpSpPr>
+        <p:cNvPr id="1" name=""/>
+        <p:cNvGrpSpPr/>
+        <p:nvPr/>
+      </p:nvGrpSpPr>
+      <p:grpSpPr>
+        <a:xfrm>
+          <a:off x="0" y="0"/>
+          <a:ext cx="0" cy="0"/>
+          <a:chOff x="0" y="0"/>
+          <a:chExt cx="0" cy="0"/>
+        </a:xfrm>
+      </p:grpSpPr>
+      <p:sp>
+        <p:nvSpPr>
+          <p:cNvPr id="2" name="Slide Image Placeholder 1"/>
+          <p:cNvSpPr>
+            <a:spLocks noGrp="1" noRot="1" noChangeAspect="1"/>
+          </p:cNvSpPr>
+          <p:nvPr>
+            <p:ph type="sldImg"/>
+          </p:nvPr>
+        </p:nvSpPr>
+        <p:spPr/>
+      </p:sp>
+      <p:sp>
+        <p:nvSpPr>
+          <p:cNvPr id="3" name="Notes Placeholder 2"/>
+          <p:cNvSpPr>
+            <a:spLocks noGrp="1"/>
+          </p:cNvSpPr>
+          <p:nvPr>
+            <p:ph type="body" idx="1"/>
+          </p:nvPr>
+        </p:nvSpPr>
+        <p:spPr/>
+        <p:txBody>
+          <a:bodyPr/>
+          <a:lstStyle/>
+          <a:p>
+            <a:endParaRPr lang="en-US" dirty="0"/>
+          </a:p>
+        </p:txBody>
+      </p:sp>
+      <p:sp>
+        <p:nvSpPr>
+          <p:cNvPr id="4" name="Slide Number Placeholder 3"/>
+          <p:cNvSpPr>
+            <a:spLocks noGrp="1"/>
+          </p:cNvSpPr>
+          <p:nvPr>
+            <p:ph type="sldNum" sz="quarter" idx="5"/>
+          </p:nvPr>
+        </p:nvSpPr>
+        <p:spPr/>
+        <p:txBody>
+          <a:bodyPr/>
+          <a:lstStyle/>
+          <a:p>
+            <a:fld id="{B3A417B2-A29D-48B9-A4A7-A6FB997901AB}" type="slidenum">
+              <a:rPr lang="en-US" smtClean="0"/>
+              <a:t>34</a:t>
+            </a:fld>
+            <a:endParaRPr lang="en-US"/>
+          </a:p>
+        </p:txBody>
+      </p:sp>
+    </p:spTree>
+    <p:extLst>
+      <p:ext uri="{BB962C8B-B14F-4D97-AF65-F5344CB8AC3E}">
+        <p14:creationId xmlns:p14="http://schemas.microsoft.com/office/powerpoint/2010/main" val="3394088190"/>
+      </p:ext>
+    </p:extLst>
+  </p:cSld>
+  <p:clrMapOvr>
+    <a:masterClrMapping/>
+  </p:clrMapOvr>
+</p:notes>
+</file>
+
+<file path=ppt/notesSlides/notesSlide9.xml><?xml version="1.0" encoding="utf-8"?>
+<p:notes xmlns:a="http://schemas.openxmlformats.org/drawingml/2006/main" xmlns:r="http://schemas.openxmlformats.org/officeDocument/2006/relationships" xmlns:p="http://schemas.openxmlformats.org/presentationml/2006/main">
+  <p:cSld>
+    <p:spTree>
+      <p:nvGrpSpPr>
+        <p:cNvPr id="1" name=""/>
+        <p:cNvGrpSpPr/>
+        <p:nvPr/>
+      </p:nvGrpSpPr>
+      <p:grpSpPr>
+        <a:xfrm>
+          <a:off x="0" y="0"/>
+          <a:ext cx="0" cy="0"/>
+          <a:chOff x="0" y="0"/>
+          <a:chExt cx="0" cy="0"/>
+        </a:xfrm>
+      </p:grpSpPr>
+      <p:sp>
+        <p:nvSpPr>
+          <p:cNvPr id="2" name="Slide Image Placeholder 1"/>
+          <p:cNvSpPr>
+            <a:spLocks noGrp="1" noRot="1" noChangeAspect="1"/>
+          </p:cNvSpPr>
+          <p:nvPr>
+            <p:ph type="sldImg"/>
+          </p:nvPr>
+        </p:nvSpPr>
+        <p:spPr/>
+      </p:sp>
+      <p:sp>
+        <p:nvSpPr>
+          <p:cNvPr id="3" name="Notes Placeholder 2"/>
+          <p:cNvSpPr>
+            <a:spLocks noGrp="1"/>
+          </p:cNvSpPr>
+          <p:nvPr>
+            <p:ph type="body" idx="1"/>
+          </p:nvPr>
+        </p:nvSpPr>
+        <p:spPr/>
+        <p:txBody>
+          <a:bodyPr/>
+          <a:lstStyle/>
+          <a:p>
+            <a:endParaRPr lang="en-US" dirty="0"/>
+          </a:p>
+        </p:txBody>
+      </p:sp>
+      <p:sp>
+        <p:nvSpPr>
+          <p:cNvPr id="4" name="Slide Number Placeholder 3"/>
+          <p:cNvSpPr>
+            <a:spLocks noGrp="1"/>
+          </p:cNvSpPr>
+          <p:nvPr>
+            <p:ph type="sldNum" sz="quarter" idx="5"/>
+          </p:nvPr>
+        </p:nvSpPr>
+        <p:spPr/>
+        <p:txBody>
+          <a:bodyPr/>
+          <a:lstStyle/>
+          <a:p>
+            <a:fld id="{B3A417B2-A29D-48B9-A4A7-A6FB997901AB}" type="slidenum">
+              <a:rPr lang="en-US" smtClean="0"/>
+              <a:t>35</a:t>
+            </a:fld>
+            <a:endParaRPr lang="en-US"/>
+          </a:p>
+        </p:txBody>
+      </p:sp>
+    </p:spTree>
+    <p:extLst>
+      <p:ext uri="{BB962C8B-B14F-4D97-AF65-F5344CB8AC3E}">
+        <p14:creationId xmlns:p14="http://schemas.microsoft.com/office/powerpoint/2010/main" val="2174565957"/>
       </p:ext>
     </p:extLst>
   </p:cSld>
@@ -1275,7 +1700,7 @@
             <a:fld id="{1D8BD707-D9CF-40AE-B4C6-C98DA3205C09}" type="datetimeFigureOut">
               <a:rPr lang="en-US" smtClean="0"/>
               <a:pPr/>
-              <a:t>Mon</a:t>
+              <a:t>Thu</a:t>
             </a:fld>
             <a:endParaRPr lang="en-US"/>
           </a:p>
@@ -1440,7 +1865,7 @@
             <a:fld id="{1D8BD707-D9CF-40AE-B4C6-C98DA3205C09}" type="datetimeFigureOut">
               <a:rPr lang="en-US" smtClean="0"/>
               <a:pPr/>
-              <a:t>Mon</a:t>
+              <a:t>Thu</a:t>
             </a:fld>
             <a:endParaRPr lang="en-US"/>
           </a:p>
@@ -1615,7 +2040,7 @@
             <a:fld id="{1D8BD707-D9CF-40AE-B4C6-C98DA3205C09}" type="datetimeFigureOut">
               <a:rPr lang="en-US" smtClean="0"/>
               <a:pPr/>
-              <a:t>Mon</a:t>
+              <a:t>Thu</a:t>
             </a:fld>
             <a:endParaRPr lang="en-US"/>
           </a:p>
@@ -1780,7 +2205,7 @@
             <a:fld id="{1D8BD707-D9CF-40AE-B4C6-C98DA3205C09}" type="datetimeFigureOut">
               <a:rPr lang="en-US" smtClean="0"/>
               <a:pPr/>
-              <a:t>Mon</a:t>
+              <a:t>Thu</a:t>
             </a:fld>
             <a:endParaRPr lang="en-US"/>
           </a:p>
@@ -2022,7 +2447,7 @@
             <a:fld id="{1D8BD707-D9CF-40AE-B4C6-C98DA3205C09}" type="datetimeFigureOut">
               <a:rPr lang="en-US" smtClean="0"/>
               <a:pPr/>
-              <a:t>Mon</a:t>
+              <a:t>Thu</a:t>
             </a:fld>
             <a:endParaRPr lang="en-US"/>
           </a:p>
@@ -2304,7 +2729,7 @@
             <a:fld id="{1D8BD707-D9CF-40AE-B4C6-C98DA3205C09}" type="datetimeFigureOut">
               <a:rPr lang="en-US" smtClean="0"/>
               <a:pPr/>
-              <a:t>Mon</a:t>
+              <a:t>Thu</a:t>
             </a:fld>
             <a:endParaRPr lang="en-US"/>
           </a:p>
@@ -2720,7 +3145,7 @@
             <a:fld id="{1D8BD707-D9CF-40AE-B4C6-C98DA3205C09}" type="datetimeFigureOut">
               <a:rPr lang="en-US" smtClean="0"/>
               <a:pPr/>
-              <a:t>Mon</a:t>
+              <a:t>Thu</a:t>
             </a:fld>
             <a:endParaRPr lang="en-US"/>
           </a:p>
@@ -2834,7 +3259,7 @@
             <a:fld id="{1D8BD707-D9CF-40AE-B4C6-C98DA3205C09}" type="datetimeFigureOut">
               <a:rPr lang="en-US" smtClean="0"/>
               <a:pPr/>
-              <a:t>Mon</a:t>
+              <a:t>Thu</a:t>
             </a:fld>
             <a:endParaRPr lang="en-US"/>
           </a:p>
@@ -2926,7 +3351,7 @@
             <a:fld id="{1D8BD707-D9CF-40AE-B4C6-C98DA3205C09}" type="datetimeFigureOut">
               <a:rPr lang="en-US" smtClean="0"/>
               <a:pPr/>
-              <a:t>Mon</a:t>
+              <a:t>Thu</a:t>
             </a:fld>
             <a:endParaRPr lang="en-US"/>
           </a:p>
@@ -3198,7 +3623,7 @@
             <a:fld id="{1D8BD707-D9CF-40AE-B4C6-C98DA3205C09}" type="datetimeFigureOut">
               <a:rPr lang="en-US" smtClean="0"/>
               <a:pPr/>
-              <a:t>Mon</a:t>
+              <a:t>Thu</a:t>
             </a:fld>
             <a:endParaRPr lang="en-US"/>
           </a:p>
@@ -3447,7 +3872,7 @@
             <a:fld id="{1D8BD707-D9CF-40AE-B4C6-C98DA3205C09}" type="datetimeFigureOut">
               <a:rPr lang="en-US" smtClean="0"/>
               <a:pPr/>
-              <a:t>Mon</a:t>
+              <a:t>Thu</a:t>
             </a:fld>
             <a:endParaRPr lang="en-US"/>
           </a:p>
@@ -3664,7 +4089,7 @@
             <a:fld id="{1D8BD707-D9CF-40AE-B4C6-C98DA3205C09}" type="datetimeFigureOut">
               <a:rPr lang="en-US" smtClean="0"/>
               <a:pPr/>
-              <a:t>Mon</a:t>
+              <a:t>Thu</a:t>
             </a:fld>
             <a:endParaRPr lang="en-US"/>
           </a:p>
@@ -12939,6 +13364,612 @@
     <p:extLst>
       <p:ext uri="{BB962C8B-B14F-4D97-AF65-F5344CB8AC3E}">
         <p14:creationId xmlns:p14="http://schemas.microsoft.com/office/powerpoint/2010/main" val="1211130888"/>
+      </p:ext>
+    </p:extLst>
+  </p:cSld>
+  <p:clrMapOvr>
+    <a:masterClrMapping/>
+  </p:clrMapOvr>
+</p:sld>
+</file>
+
+<file path=ppt/slides/slide34.xml><?xml version="1.0" encoding="utf-8"?>
+<p:sld xmlns:a="http://schemas.openxmlformats.org/drawingml/2006/main" xmlns:r="http://schemas.openxmlformats.org/officeDocument/2006/relationships" xmlns:p="http://schemas.openxmlformats.org/presentationml/2006/main">
+  <p:cSld>
+    <p:bg>
+      <p:bgPr>
+        <a:blipFill dpi="0" rotWithShape="1">
+          <a:blip r:embed="rId3">
+            <a:lum/>
+          </a:blip>
+          <a:srcRect/>
+          <a:stretch>
+            <a:fillRect l="-1000" r="-1000"/>
+          </a:stretch>
+        </a:blipFill>
+        <a:effectLst/>
+      </p:bgPr>
+    </p:bg>
+    <p:spTree>
+      <p:nvGrpSpPr>
+        <p:cNvPr id="1" name=""/>
+        <p:cNvGrpSpPr/>
+        <p:nvPr/>
+      </p:nvGrpSpPr>
+      <p:grpSpPr>
+        <a:xfrm>
+          <a:off x="0" y="0"/>
+          <a:ext cx="0" cy="0"/>
+          <a:chOff x="0" y="0"/>
+          <a:chExt cx="0" cy="0"/>
+        </a:xfrm>
+      </p:grpSpPr>
+      <p:sp>
+        <p:nvSpPr>
+          <p:cNvPr id="3" name="Rectangle 2"/>
+          <p:cNvSpPr/>
+          <p:nvPr/>
+        </p:nvSpPr>
+        <p:spPr>
+          <a:xfrm>
+            <a:off x="685800" y="133350"/>
+            <a:ext cx="1056700" cy="307777"/>
+          </a:xfrm>
+          <a:prstGeom prst="rect">
+            <a:avLst/>
+          </a:prstGeom>
+        </p:spPr>
+        <p:txBody>
+          <a:bodyPr wrap="none">
+            <a:spAutoFit/>
+          </a:bodyPr>
+          <a:lstStyle/>
+          <a:p>
+            <a:r>
+              <a:rPr lang="en-US" sz="1400" b="1" dirty="0">
+                <a:solidFill>
+                  <a:srgbClr val="0070C0"/>
+                </a:solidFill>
+                <a:latin typeface="Roboto" panose="02000000000000000000" pitchFamily="2" charset="0"/>
+                <a:ea typeface="Roboto" panose="02000000000000000000" pitchFamily="2" charset="0"/>
+              </a:rPr>
+              <a:t>Navigation</a:t>
+            </a:r>
+          </a:p>
+        </p:txBody>
+      </p:sp>
+      <p:pic>
+        <p:nvPicPr>
+          <p:cNvPr id="5" name="Picture 4">
+            <a:extLst>
+              <a:ext uri="{FF2B5EF4-FFF2-40B4-BE49-F238E27FC236}">
+                <a16:creationId xmlns:a16="http://schemas.microsoft.com/office/drawing/2014/main" id="{05D779F2-ECDC-B17A-D7D3-19CF556738FF}"/>
+              </a:ext>
+            </a:extLst>
+          </p:cNvPr>
+          <p:cNvPicPr>
+            <a:picLocks noChangeAspect="1"/>
+          </p:cNvPicPr>
+          <p:nvPr/>
+        </p:nvPicPr>
+        <p:blipFill>
+          <a:blip r:embed="rId4" cstate="print">
+            <a:extLst>
+              <a:ext uri="{28A0092B-C50C-407E-A947-70E740481C1C}">
+                <a14:useLocalDpi xmlns:a14="http://schemas.microsoft.com/office/drawing/2010/main" val="0"/>
+              </a:ext>
+            </a:extLst>
+          </a:blip>
+          <a:stretch>
+            <a:fillRect/>
+          </a:stretch>
+        </p:blipFill>
+        <p:spPr>
+          <a:xfrm>
+            <a:off x="2971800" y="895350"/>
+            <a:ext cx="1933057" cy="3924300"/>
+          </a:xfrm>
+          <a:prstGeom prst="rect">
+            <a:avLst/>
+          </a:prstGeom>
+        </p:spPr>
+      </p:pic>
+      <p:pic>
+        <p:nvPicPr>
+          <p:cNvPr id="7" name="Picture 6">
+            <a:extLst>
+              <a:ext uri="{FF2B5EF4-FFF2-40B4-BE49-F238E27FC236}">
+                <a16:creationId xmlns:a16="http://schemas.microsoft.com/office/drawing/2014/main" id="{FF7D91B3-017D-6603-AF9F-9871AC43A9E9}"/>
+              </a:ext>
+            </a:extLst>
+          </p:cNvPr>
+          <p:cNvPicPr>
+            <a:picLocks noChangeAspect="1"/>
+          </p:cNvPicPr>
+          <p:nvPr/>
+        </p:nvPicPr>
+        <p:blipFill>
+          <a:blip r:embed="rId5" cstate="print">
+            <a:extLst>
+              <a:ext uri="{28A0092B-C50C-407E-A947-70E740481C1C}">
+                <a14:useLocalDpi xmlns:a14="http://schemas.microsoft.com/office/drawing/2010/main" val="0"/>
+              </a:ext>
+            </a:extLst>
+          </a:blip>
+          <a:stretch>
+            <a:fillRect/>
+          </a:stretch>
+        </p:blipFill>
+        <p:spPr>
+          <a:xfrm>
+            <a:off x="514137" y="895350"/>
+            <a:ext cx="1933057" cy="3924300"/>
+          </a:xfrm>
+          <a:prstGeom prst="rect">
+            <a:avLst/>
+          </a:prstGeom>
+        </p:spPr>
+      </p:pic>
+    </p:spTree>
+    <p:extLst>
+      <p:ext uri="{BB962C8B-B14F-4D97-AF65-F5344CB8AC3E}">
+        <p14:creationId xmlns:p14="http://schemas.microsoft.com/office/powerpoint/2010/main" val="385891813"/>
+      </p:ext>
+    </p:extLst>
+  </p:cSld>
+  <p:clrMapOvr>
+    <a:masterClrMapping/>
+  </p:clrMapOvr>
+</p:sld>
+</file>
+
+<file path=ppt/slides/slide35.xml><?xml version="1.0" encoding="utf-8"?>
+<p:sld xmlns:a="http://schemas.openxmlformats.org/drawingml/2006/main" xmlns:r="http://schemas.openxmlformats.org/officeDocument/2006/relationships" xmlns:p="http://schemas.openxmlformats.org/presentationml/2006/main">
+  <p:cSld>
+    <p:bg>
+      <p:bgPr>
+        <a:blipFill dpi="0" rotWithShape="1">
+          <a:blip r:embed="rId3">
+            <a:lum/>
+          </a:blip>
+          <a:srcRect/>
+          <a:stretch>
+            <a:fillRect l="-1000" r="-1000"/>
+          </a:stretch>
+        </a:blipFill>
+        <a:effectLst/>
+      </p:bgPr>
+    </p:bg>
+    <p:spTree>
+      <p:nvGrpSpPr>
+        <p:cNvPr id="1" name=""/>
+        <p:cNvGrpSpPr/>
+        <p:nvPr/>
+      </p:nvGrpSpPr>
+      <p:grpSpPr>
+        <a:xfrm>
+          <a:off x="0" y="0"/>
+          <a:ext cx="0" cy="0"/>
+          <a:chOff x="0" y="0"/>
+          <a:chExt cx="0" cy="0"/>
+        </a:xfrm>
+      </p:grpSpPr>
+      <p:sp>
+        <p:nvSpPr>
+          <p:cNvPr id="3" name="Rectangle 2"/>
+          <p:cNvSpPr/>
+          <p:nvPr/>
+        </p:nvSpPr>
+        <p:spPr>
+          <a:xfrm>
+            <a:off x="685800" y="133350"/>
+            <a:ext cx="2244525" cy="307777"/>
+          </a:xfrm>
+          <a:prstGeom prst="rect">
+            <a:avLst/>
+          </a:prstGeom>
+        </p:spPr>
+        <p:txBody>
+          <a:bodyPr wrap="none">
+            <a:spAutoFit/>
+          </a:bodyPr>
+          <a:lstStyle/>
+          <a:p>
+            <a:r>
+              <a:rPr lang="en-US" sz="1400" b="1" dirty="0">
+                <a:solidFill>
+                  <a:srgbClr val="0070C0"/>
+                </a:solidFill>
+                <a:latin typeface="Roboto" panose="02000000000000000000" pitchFamily="2" charset="0"/>
+                <a:ea typeface="Roboto" panose="02000000000000000000" pitchFamily="2" charset="0"/>
+              </a:rPr>
+              <a:t>Working With Card Shape</a:t>
+            </a:r>
+          </a:p>
+        </p:txBody>
+      </p:sp>
+      <p:pic>
+        <p:nvPicPr>
+          <p:cNvPr id="4" name="Picture 3">
+            <a:extLst>
+              <a:ext uri="{FF2B5EF4-FFF2-40B4-BE49-F238E27FC236}">
+                <a16:creationId xmlns:a16="http://schemas.microsoft.com/office/drawing/2014/main" id="{1516477E-148A-EE26-D515-B9BA1710E7F9}"/>
+              </a:ext>
+            </a:extLst>
+          </p:cNvPr>
+          <p:cNvPicPr>
+            <a:picLocks noChangeAspect="1"/>
+          </p:cNvPicPr>
+          <p:nvPr/>
+        </p:nvPicPr>
+        <p:blipFill>
+          <a:blip r:embed="rId4" cstate="print">
+            <a:extLst>
+              <a:ext uri="{28A0092B-C50C-407E-A947-70E740481C1C}">
+                <a14:useLocalDpi xmlns:a14="http://schemas.microsoft.com/office/drawing/2010/main" val="0"/>
+              </a:ext>
+            </a:extLst>
+          </a:blip>
+          <a:stretch>
+            <a:fillRect/>
+          </a:stretch>
+        </p:blipFill>
+        <p:spPr>
+          <a:xfrm>
+            <a:off x="685799" y="816172"/>
+            <a:ext cx="1905001" cy="4104621"/>
+          </a:xfrm>
+          <a:prstGeom prst="rect">
+            <a:avLst/>
+          </a:prstGeom>
+        </p:spPr>
+      </p:pic>
+    </p:spTree>
+    <p:extLst>
+      <p:ext uri="{BB962C8B-B14F-4D97-AF65-F5344CB8AC3E}">
+        <p14:creationId xmlns:p14="http://schemas.microsoft.com/office/powerpoint/2010/main" val="433059744"/>
+      </p:ext>
+    </p:extLst>
+  </p:cSld>
+  <p:clrMapOvr>
+    <a:masterClrMapping/>
+  </p:clrMapOvr>
+</p:sld>
+</file>
+
+<file path=ppt/slides/slide36.xml><?xml version="1.0" encoding="utf-8"?>
+<p:sld xmlns:a="http://schemas.openxmlformats.org/drawingml/2006/main" xmlns:r="http://schemas.openxmlformats.org/officeDocument/2006/relationships" xmlns:p="http://schemas.openxmlformats.org/presentationml/2006/main">
+  <p:cSld>
+    <p:bg>
+      <p:bgPr>
+        <a:blipFill dpi="0" rotWithShape="1">
+          <a:blip r:embed="rId3">
+            <a:lum/>
+          </a:blip>
+          <a:srcRect/>
+          <a:stretch>
+            <a:fillRect l="-1000" r="-1000"/>
+          </a:stretch>
+        </a:blipFill>
+        <a:effectLst/>
+      </p:bgPr>
+    </p:bg>
+    <p:spTree>
+      <p:nvGrpSpPr>
+        <p:cNvPr id="1" name=""/>
+        <p:cNvGrpSpPr/>
+        <p:nvPr/>
+      </p:nvGrpSpPr>
+      <p:grpSpPr>
+        <a:xfrm>
+          <a:off x="0" y="0"/>
+          <a:ext cx="0" cy="0"/>
+          <a:chOff x="0" y="0"/>
+          <a:chExt cx="0" cy="0"/>
+        </a:xfrm>
+      </p:grpSpPr>
+      <p:sp>
+        <p:nvSpPr>
+          <p:cNvPr id="3" name="Rectangle 2"/>
+          <p:cNvSpPr/>
+          <p:nvPr/>
+        </p:nvSpPr>
+        <p:spPr>
+          <a:xfrm>
+            <a:off x="685800" y="133350"/>
+            <a:ext cx="2757486" cy="307777"/>
+          </a:xfrm>
+          <a:prstGeom prst="rect">
+            <a:avLst/>
+          </a:prstGeom>
+        </p:spPr>
+        <p:txBody>
+          <a:bodyPr wrap="none">
+            <a:spAutoFit/>
+          </a:bodyPr>
+          <a:lstStyle/>
+          <a:p>
+            <a:r>
+              <a:rPr lang="en-US" sz="1400" b="1" dirty="0">
+                <a:solidFill>
+                  <a:srgbClr val="0070C0"/>
+                </a:solidFill>
+                <a:latin typeface="Roboto" panose="02000000000000000000" pitchFamily="2" charset="0"/>
+                <a:ea typeface="Roboto" panose="02000000000000000000" pitchFamily="2" charset="0"/>
+              </a:rPr>
+              <a:t>Working With Circular progress </a:t>
+            </a:r>
+          </a:p>
+        </p:txBody>
+      </p:sp>
+      <p:pic>
+        <p:nvPicPr>
+          <p:cNvPr id="5" name="Picture 4">
+            <a:extLst>
+              <a:ext uri="{FF2B5EF4-FFF2-40B4-BE49-F238E27FC236}">
+                <a16:creationId xmlns:a16="http://schemas.microsoft.com/office/drawing/2014/main" id="{A6AD9895-2B9C-AAE2-BB3E-1A40E3614484}"/>
+              </a:ext>
+            </a:extLst>
+          </p:cNvPr>
+          <p:cNvPicPr>
+            <a:picLocks noChangeAspect="1"/>
+          </p:cNvPicPr>
+          <p:nvPr/>
+        </p:nvPicPr>
+        <p:blipFill>
+          <a:blip r:embed="rId4" cstate="print">
+            <a:extLst>
+              <a:ext uri="{28A0092B-C50C-407E-A947-70E740481C1C}">
+                <a14:useLocalDpi xmlns:a14="http://schemas.microsoft.com/office/drawing/2010/main" val="0"/>
+              </a:ext>
+            </a:extLst>
+          </a:blip>
+          <a:stretch>
+            <a:fillRect/>
+          </a:stretch>
+        </p:blipFill>
+        <p:spPr>
+          <a:xfrm>
+            <a:off x="533400" y="819150"/>
+            <a:ext cx="1713778" cy="3867150"/>
+          </a:xfrm>
+          <a:prstGeom prst="rect">
+            <a:avLst/>
+          </a:prstGeom>
+        </p:spPr>
+      </p:pic>
+    </p:spTree>
+    <p:extLst>
+      <p:ext uri="{BB962C8B-B14F-4D97-AF65-F5344CB8AC3E}">
+        <p14:creationId xmlns:p14="http://schemas.microsoft.com/office/powerpoint/2010/main" val="3689750521"/>
+      </p:ext>
+    </p:extLst>
+  </p:cSld>
+  <p:clrMapOvr>
+    <a:masterClrMapping/>
+  </p:clrMapOvr>
+</p:sld>
+</file>
+
+<file path=ppt/slides/slide37.xml><?xml version="1.0" encoding="utf-8"?>
+<p:sld xmlns:a="http://schemas.openxmlformats.org/drawingml/2006/main" xmlns:r="http://schemas.openxmlformats.org/officeDocument/2006/relationships" xmlns:p="http://schemas.openxmlformats.org/presentationml/2006/main">
+  <p:cSld>
+    <p:bg>
+      <p:bgPr>
+        <a:blipFill dpi="0" rotWithShape="1">
+          <a:blip r:embed="rId3">
+            <a:lum/>
+          </a:blip>
+          <a:srcRect/>
+          <a:stretch>
+            <a:fillRect l="-1000" r="-1000"/>
+          </a:stretch>
+        </a:blipFill>
+        <a:effectLst/>
+      </p:bgPr>
+    </p:bg>
+    <p:spTree>
+      <p:nvGrpSpPr>
+        <p:cNvPr id="1" name=""/>
+        <p:cNvGrpSpPr/>
+        <p:nvPr/>
+      </p:nvGrpSpPr>
+      <p:grpSpPr>
+        <a:xfrm>
+          <a:off x="0" y="0"/>
+          <a:ext cx="0" cy="0"/>
+          <a:chOff x="0" y="0"/>
+          <a:chExt cx="0" cy="0"/>
+        </a:xfrm>
+      </p:grpSpPr>
+      <p:sp>
+        <p:nvSpPr>
+          <p:cNvPr id="3" name="Rectangle 2"/>
+          <p:cNvSpPr/>
+          <p:nvPr/>
+        </p:nvSpPr>
+        <p:spPr>
+          <a:xfrm>
+            <a:off x="685800" y="133350"/>
+            <a:ext cx="2674130" cy="307777"/>
+          </a:xfrm>
+          <a:prstGeom prst="rect">
+            <a:avLst/>
+          </a:prstGeom>
+        </p:spPr>
+        <p:txBody>
+          <a:bodyPr wrap="none">
+            <a:spAutoFit/>
+          </a:bodyPr>
+          <a:lstStyle/>
+          <a:p>
+            <a:r>
+              <a:rPr lang="en-US" sz="1400" b="1" dirty="0">
+                <a:solidFill>
+                  <a:srgbClr val="0070C0"/>
+                </a:solidFill>
+                <a:latin typeface="Roboto" panose="02000000000000000000" pitchFamily="2" charset="0"/>
+                <a:ea typeface="Roboto" panose="02000000000000000000" pitchFamily="2" charset="0"/>
+              </a:rPr>
+              <a:t>Working With Linear  progress </a:t>
+            </a:r>
+          </a:p>
+        </p:txBody>
+      </p:sp>
+      <p:pic>
+        <p:nvPicPr>
+          <p:cNvPr id="4" name="Picture 3">
+            <a:extLst>
+              <a:ext uri="{FF2B5EF4-FFF2-40B4-BE49-F238E27FC236}">
+                <a16:creationId xmlns:a16="http://schemas.microsoft.com/office/drawing/2014/main" id="{08B9380D-623A-8501-15AA-8CF1496C211F}"/>
+              </a:ext>
+            </a:extLst>
+          </p:cNvPr>
+          <p:cNvPicPr>
+            <a:picLocks noChangeAspect="1"/>
+          </p:cNvPicPr>
+          <p:nvPr/>
+        </p:nvPicPr>
+        <p:blipFill>
+          <a:blip r:embed="rId4" cstate="print">
+            <a:extLst>
+              <a:ext uri="{28A0092B-C50C-407E-A947-70E740481C1C}">
+                <a14:useLocalDpi xmlns:a14="http://schemas.microsoft.com/office/drawing/2010/main" val="0"/>
+              </a:ext>
+            </a:extLst>
+          </a:blip>
+          <a:stretch>
+            <a:fillRect/>
+          </a:stretch>
+        </p:blipFill>
+        <p:spPr>
+          <a:xfrm>
+            <a:off x="533400" y="819150"/>
+            <a:ext cx="2023147" cy="3705514"/>
+          </a:xfrm>
+          <a:prstGeom prst="rect">
+            <a:avLst/>
+          </a:prstGeom>
+        </p:spPr>
+      </p:pic>
+    </p:spTree>
+    <p:extLst>
+      <p:ext uri="{BB962C8B-B14F-4D97-AF65-F5344CB8AC3E}">
+        <p14:creationId xmlns:p14="http://schemas.microsoft.com/office/powerpoint/2010/main" val="3047235237"/>
+      </p:ext>
+    </p:extLst>
+  </p:cSld>
+  <p:clrMapOvr>
+    <a:masterClrMapping/>
+  </p:clrMapOvr>
+</p:sld>
+</file>
+
+<file path=ppt/slides/slide38.xml><?xml version="1.0" encoding="utf-8"?>
+<p:sld xmlns:a="http://schemas.openxmlformats.org/drawingml/2006/main" xmlns:r="http://schemas.openxmlformats.org/officeDocument/2006/relationships" xmlns:p="http://schemas.openxmlformats.org/presentationml/2006/main">
+  <p:cSld>
+    <p:bg>
+      <p:bgPr>
+        <a:blipFill dpi="0" rotWithShape="1">
+          <a:blip r:embed="rId3">
+            <a:lum/>
+          </a:blip>
+          <a:srcRect/>
+          <a:stretch>
+            <a:fillRect l="-1000" r="-1000"/>
+          </a:stretch>
+        </a:blipFill>
+        <a:effectLst/>
+      </p:bgPr>
+    </p:bg>
+    <p:spTree>
+      <p:nvGrpSpPr>
+        <p:cNvPr id="1" name=""/>
+        <p:cNvGrpSpPr/>
+        <p:nvPr/>
+      </p:nvGrpSpPr>
+      <p:grpSpPr>
+        <a:xfrm>
+          <a:off x="0" y="0"/>
+          <a:ext cx="0" cy="0"/>
+          <a:chOff x="0" y="0"/>
+          <a:chExt cx="0" cy="0"/>
+        </a:xfrm>
+      </p:grpSpPr>
+      <p:sp>
+        <p:nvSpPr>
+          <p:cNvPr id="3" name="Rectangle 2"/>
+          <p:cNvSpPr/>
+          <p:nvPr/>
+        </p:nvSpPr>
+        <p:spPr>
+          <a:xfrm>
+            <a:off x="685800" y="133350"/>
+            <a:ext cx="1893467" cy="307777"/>
+          </a:xfrm>
+          <a:prstGeom prst="rect">
+            <a:avLst/>
+          </a:prstGeom>
+        </p:spPr>
+        <p:txBody>
+          <a:bodyPr wrap="none">
+            <a:spAutoFit/>
+          </a:bodyPr>
+          <a:lstStyle/>
+          <a:p>
+            <a:r>
+              <a:rPr lang="en-US" sz="1400" b="1" dirty="0">
+                <a:solidFill>
+                  <a:srgbClr val="0070C0"/>
+                </a:solidFill>
+                <a:latin typeface="Roboto" panose="02000000000000000000" pitchFamily="2" charset="0"/>
+                <a:ea typeface="Roboto" panose="02000000000000000000" pitchFamily="2" charset="0"/>
+              </a:rPr>
+              <a:t>Icons Class In Flutter</a:t>
+            </a:r>
+          </a:p>
+        </p:txBody>
+      </p:sp>
+      <p:pic>
+        <p:nvPicPr>
+          <p:cNvPr id="5" name="Picture 4">
+            <a:extLst>
+              <a:ext uri="{FF2B5EF4-FFF2-40B4-BE49-F238E27FC236}">
+                <a16:creationId xmlns:a16="http://schemas.microsoft.com/office/drawing/2014/main" id="{9E65409B-925D-39D7-8A28-CD9680904EE5}"/>
+              </a:ext>
+            </a:extLst>
+          </p:cNvPr>
+          <p:cNvPicPr>
+            <a:picLocks noChangeAspect="1"/>
+          </p:cNvPicPr>
+          <p:nvPr/>
+        </p:nvPicPr>
+        <p:blipFill>
+          <a:blip r:embed="rId4" cstate="print">
+            <a:extLst>
+              <a:ext uri="{28A0092B-C50C-407E-A947-70E740481C1C}">
+                <a14:useLocalDpi xmlns:a14="http://schemas.microsoft.com/office/drawing/2010/main" val="0"/>
+              </a:ext>
+            </a:extLst>
+          </a:blip>
+          <a:stretch>
+            <a:fillRect/>
+          </a:stretch>
+        </p:blipFill>
+        <p:spPr>
+          <a:xfrm>
+            <a:off x="533400" y="742950"/>
+            <a:ext cx="1713778" cy="3867150"/>
+          </a:xfrm>
+          <a:prstGeom prst="rect">
+            <a:avLst/>
+          </a:prstGeom>
+        </p:spPr>
+      </p:pic>
+    </p:spTree>
+    <p:extLst>
+      <p:ext uri="{BB962C8B-B14F-4D97-AF65-F5344CB8AC3E}">
+        <p14:creationId xmlns:p14="http://schemas.microsoft.com/office/powerpoint/2010/main" val="3939365581"/>
       </p:ext>
     </p:extLst>
   </p:cSld>

--- a/Flutter/PPT/Slide.pptx
+++ b/Flutter/PPT/Slide.pptx
@@ -5,7 +5,7 @@
     <p:sldMasterId id="2147483648" r:id="rId1"/>
   </p:sldMasterIdLst>
   <p:notesMasterIdLst>
-    <p:notesMasterId r:id="rId40"/>
+    <p:notesMasterId r:id="rId41"/>
   </p:notesMasterIdLst>
   <p:sldIdLst>
     <p:sldId id="256" r:id="rId2"/>
@@ -46,6 +46,7 @@
     <p:sldId id="306" r:id="rId37"/>
     <p:sldId id="307" r:id="rId38"/>
     <p:sldId id="308" r:id="rId39"/>
+    <p:sldId id="309" r:id="rId40"/>
   </p:sldIdLst>
   <p:sldSz cx="9144000" cy="5143500" type="screen16x9"/>
   <p:notesSz cx="6858000" cy="9144000"/>
@@ -245,7 +246,7 @@
           <a:p>
             <a:fld id="{38EBF754-CDC4-4762-B81C-FDFA88BC1D35}" type="datetimeFigureOut">
               <a:rPr lang="en-US" smtClean="0"/>
-              <a:t>Thu</a:t>
+              <a:t>11/19/2022</a:t>
             </a:fld>
             <a:endParaRPr lang="en-US"/>
           </a:p>
@@ -848,6 +849,90 @@
 </p:notes>
 </file>
 
+<file path=ppt/notesSlides/notesSlide13.xml><?xml version="1.0" encoding="utf-8"?>
+<p:notes xmlns:a="http://schemas.openxmlformats.org/drawingml/2006/main" xmlns:r="http://schemas.openxmlformats.org/officeDocument/2006/relationships" xmlns:p="http://schemas.openxmlformats.org/presentationml/2006/main">
+  <p:cSld>
+    <p:spTree>
+      <p:nvGrpSpPr>
+        <p:cNvPr id="1" name=""/>
+        <p:cNvGrpSpPr/>
+        <p:nvPr/>
+      </p:nvGrpSpPr>
+      <p:grpSpPr>
+        <a:xfrm>
+          <a:off x="0" y="0"/>
+          <a:ext cx="0" cy="0"/>
+          <a:chOff x="0" y="0"/>
+          <a:chExt cx="0" cy="0"/>
+        </a:xfrm>
+      </p:grpSpPr>
+      <p:sp>
+        <p:nvSpPr>
+          <p:cNvPr id="2" name="Slide Image Placeholder 1"/>
+          <p:cNvSpPr>
+            <a:spLocks noGrp="1" noRot="1" noChangeAspect="1"/>
+          </p:cNvSpPr>
+          <p:nvPr>
+            <p:ph type="sldImg"/>
+          </p:nvPr>
+        </p:nvSpPr>
+        <p:spPr/>
+      </p:sp>
+      <p:sp>
+        <p:nvSpPr>
+          <p:cNvPr id="3" name="Notes Placeholder 2"/>
+          <p:cNvSpPr>
+            <a:spLocks noGrp="1"/>
+          </p:cNvSpPr>
+          <p:nvPr>
+            <p:ph type="body" idx="1"/>
+          </p:nvPr>
+        </p:nvSpPr>
+        <p:spPr/>
+        <p:txBody>
+          <a:bodyPr/>
+          <a:lstStyle/>
+          <a:p>
+            <a:endParaRPr lang="en-US" dirty="0"/>
+          </a:p>
+        </p:txBody>
+      </p:sp>
+      <p:sp>
+        <p:nvSpPr>
+          <p:cNvPr id="4" name="Slide Number Placeholder 3"/>
+          <p:cNvSpPr>
+            <a:spLocks noGrp="1"/>
+          </p:cNvSpPr>
+          <p:nvPr>
+            <p:ph type="sldNum" sz="quarter" idx="5"/>
+          </p:nvPr>
+        </p:nvSpPr>
+        <p:spPr/>
+        <p:txBody>
+          <a:bodyPr/>
+          <a:lstStyle/>
+          <a:p>
+            <a:fld id="{B3A417B2-A29D-48B9-A4A7-A6FB997901AB}" type="slidenum">
+              <a:rPr lang="en-US" smtClean="0"/>
+              <a:t>39</a:t>
+            </a:fld>
+            <a:endParaRPr lang="en-US"/>
+          </a:p>
+        </p:txBody>
+      </p:sp>
+    </p:spTree>
+    <p:extLst>
+      <p:ext uri="{BB962C8B-B14F-4D97-AF65-F5344CB8AC3E}">
+        <p14:creationId xmlns:p14="http://schemas.microsoft.com/office/powerpoint/2010/main" val="3035479178"/>
+      </p:ext>
+    </p:extLst>
+  </p:cSld>
+  <p:clrMapOvr>
+    <a:masterClrMapping/>
+  </p:clrMapOvr>
+</p:notes>
+</file>
+
 <file path=ppt/notesSlides/notesSlide2.xml><?xml version="1.0" encoding="utf-8"?>
 <p:notes xmlns:a="http://schemas.openxmlformats.org/drawingml/2006/main" xmlns:r="http://schemas.openxmlformats.org/officeDocument/2006/relationships" xmlns:p="http://schemas.openxmlformats.org/presentationml/2006/main">
   <p:cSld>
@@ -1700,7 +1785,7 @@
             <a:fld id="{1D8BD707-D9CF-40AE-B4C6-C98DA3205C09}" type="datetimeFigureOut">
               <a:rPr lang="en-US" smtClean="0"/>
               <a:pPr/>
-              <a:t>Thu</a:t>
+              <a:t>11/19/2022</a:t>
             </a:fld>
             <a:endParaRPr lang="en-US"/>
           </a:p>
@@ -1865,7 +1950,7 @@
             <a:fld id="{1D8BD707-D9CF-40AE-B4C6-C98DA3205C09}" type="datetimeFigureOut">
               <a:rPr lang="en-US" smtClean="0"/>
               <a:pPr/>
-              <a:t>Thu</a:t>
+              <a:t>11/19/2022</a:t>
             </a:fld>
             <a:endParaRPr lang="en-US"/>
           </a:p>
@@ -2040,7 +2125,7 @@
             <a:fld id="{1D8BD707-D9CF-40AE-B4C6-C98DA3205C09}" type="datetimeFigureOut">
               <a:rPr lang="en-US" smtClean="0"/>
               <a:pPr/>
-              <a:t>Thu</a:t>
+              <a:t>11/19/2022</a:t>
             </a:fld>
             <a:endParaRPr lang="en-US"/>
           </a:p>
@@ -2205,7 +2290,7 @@
             <a:fld id="{1D8BD707-D9CF-40AE-B4C6-C98DA3205C09}" type="datetimeFigureOut">
               <a:rPr lang="en-US" smtClean="0"/>
               <a:pPr/>
-              <a:t>Thu</a:t>
+              <a:t>11/19/2022</a:t>
             </a:fld>
             <a:endParaRPr lang="en-US"/>
           </a:p>
@@ -2447,7 +2532,7 @@
             <a:fld id="{1D8BD707-D9CF-40AE-B4C6-C98DA3205C09}" type="datetimeFigureOut">
               <a:rPr lang="en-US" smtClean="0"/>
               <a:pPr/>
-              <a:t>Thu</a:t>
+              <a:t>11/19/2022</a:t>
             </a:fld>
             <a:endParaRPr lang="en-US"/>
           </a:p>
@@ -2729,7 +2814,7 @@
             <a:fld id="{1D8BD707-D9CF-40AE-B4C6-C98DA3205C09}" type="datetimeFigureOut">
               <a:rPr lang="en-US" smtClean="0"/>
               <a:pPr/>
-              <a:t>Thu</a:t>
+              <a:t>11/19/2022</a:t>
             </a:fld>
             <a:endParaRPr lang="en-US"/>
           </a:p>
@@ -3145,7 +3230,7 @@
             <a:fld id="{1D8BD707-D9CF-40AE-B4C6-C98DA3205C09}" type="datetimeFigureOut">
               <a:rPr lang="en-US" smtClean="0"/>
               <a:pPr/>
-              <a:t>Thu</a:t>
+              <a:t>11/19/2022</a:t>
             </a:fld>
             <a:endParaRPr lang="en-US"/>
           </a:p>
@@ -3259,7 +3344,7 @@
             <a:fld id="{1D8BD707-D9CF-40AE-B4C6-C98DA3205C09}" type="datetimeFigureOut">
               <a:rPr lang="en-US" smtClean="0"/>
               <a:pPr/>
-              <a:t>Thu</a:t>
+              <a:t>11/19/2022</a:t>
             </a:fld>
             <a:endParaRPr lang="en-US"/>
           </a:p>
@@ -3351,7 +3436,7 @@
             <a:fld id="{1D8BD707-D9CF-40AE-B4C6-C98DA3205C09}" type="datetimeFigureOut">
               <a:rPr lang="en-US" smtClean="0"/>
               <a:pPr/>
-              <a:t>Thu</a:t>
+              <a:t>11/19/2022</a:t>
             </a:fld>
             <a:endParaRPr lang="en-US"/>
           </a:p>
@@ -3623,7 +3708,7 @@
             <a:fld id="{1D8BD707-D9CF-40AE-B4C6-C98DA3205C09}" type="datetimeFigureOut">
               <a:rPr lang="en-US" smtClean="0"/>
               <a:pPr/>
-              <a:t>Thu</a:t>
+              <a:t>11/19/2022</a:t>
             </a:fld>
             <a:endParaRPr lang="en-US"/>
           </a:p>
@@ -3872,7 +3957,7 @@
             <a:fld id="{1D8BD707-D9CF-40AE-B4C6-C98DA3205C09}" type="datetimeFigureOut">
               <a:rPr lang="en-US" smtClean="0"/>
               <a:pPr/>
-              <a:t>Thu</a:t>
+              <a:t>11/19/2022</a:t>
             </a:fld>
             <a:endParaRPr lang="en-US"/>
           </a:p>
@@ -4089,7 +4174,7 @@
             <a:fld id="{1D8BD707-D9CF-40AE-B4C6-C98DA3205C09}" type="datetimeFigureOut">
               <a:rPr lang="en-US" smtClean="0"/>
               <a:pPr/>
-              <a:t>Thu</a:t>
+              <a:t>11/19/2022</a:t>
             </a:fld>
             <a:endParaRPr lang="en-US"/>
           </a:p>
@@ -4573,7 +4658,7 @@
           <p:cNvPr id="4" name="Picture 3">
             <a:extLst>
               <a:ext uri="{FF2B5EF4-FFF2-40B4-BE49-F238E27FC236}">
-                <a16:creationId xmlns:a16="http://schemas.microsoft.com/office/drawing/2014/main" id="{F717AD2B-8CBD-D15F-2B82-C04AB4107C06}"/>
+                <a16:creationId xmlns="" xmlns:a16="http://schemas.microsoft.com/office/drawing/2014/main" id="{F717AD2B-8CBD-D15F-2B82-C04AB4107C06}"/>
               </a:ext>
             </a:extLst>
           </p:cNvPr>
@@ -4603,7 +4688,7 @@
           <p:cNvPr id="7" name="TextBox 6">
             <a:extLst>
               <a:ext uri="{FF2B5EF4-FFF2-40B4-BE49-F238E27FC236}">
-                <a16:creationId xmlns:a16="http://schemas.microsoft.com/office/drawing/2014/main" id="{D5175723-71CB-419F-22D4-E782F927EABB}"/>
+                <a16:creationId xmlns="" xmlns:a16="http://schemas.microsoft.com/office/drawing/2014/main" id="{D5175723-71CB-419F-22D4-E782F927EABB}"/>
               </a:ext>
             </a:extLst>
           </p:cNvPr>
@@ -5117,7 +5202,7 @@
           <p:cNvPr id="4" name="Picture 3">
             <a:extLst>
               <a:ext uri="{FF2B5EF4-FFF2-40B4-BE49-F238E27FC236}">
-                <a16:creationId xmlns:a16="http://schemas.microsoft.com/office/drawing/2014/main" id="{F717AD2B-8CBD-D15F-2B82-C04AB4107C06}"/>
+                <a16:creationId xmlns="" xmlns:a16="http://schemas.microsoft.com/office/drawing/2014/main" id="{F717AD2B-8CBD-D15F-2B82-C04AB4107C06}"/>
               </a:ext>
             </a:extLst>
           </p:cNvPr>
@@ -5147,7 +5232,7 @@
           <p:cNvPr id="5" name="TextBox 4">
             <a:extLst>
               <a:ext uri="{FF2B5EF4-FFF2-40B4-BE49-F238E27FC236}">
-                <a16:creationId xmlns:a16="http://schemas.microsoft.com/office/drawing/2014/main" id="{E0376106-D0E3-FDF1-30DD-702D60BB3347}"/>
+                <a16:creationId xmlns="" xmlns:a16="http://schemas.microsoft.com/office/drawing/2014/main" id="{E0376106-D0E3-FDF1-30DD-702D60BB3347}"/>
               </a:ext>
             </a:extLst>
           </p:cNvPr>
@@ -5606,7 +5691,7 @@
           <p:cNvPr id="4" name="Picture 3">
             <a:extLst>
               <a:ext uri="{FF2B5EF4-FFF2-40B4-BE49-F238E27FC236}">
-                <a16:creationId xmlns:a16="http://schemas.microsoft.com/office/drawing/2014/main" id="{F717AD2B-8CBD-D15F-2B82-C04AB4107C06}"/>
+                <a16:creationId xmlns="" xmlns:a16="http://schemas.microsoft.com/office/drawing/2014/main" id="{F717AD2B-8CBD-D15F-2B82-C04AB4107C06}"/>
               </a:ext>
             </a:extLst>
           </p:cNvPr>
@@ -5636,7 +5721,7 @@
           <p:cNvPr id="5" name="TextBox 4">
             <a:extLst>
               <a:ext uri="{FF2B5EF4-FFF2-40B4-BE49-F238E27FC236}">
-                <a16:creationId xmlns:a16="http://schemas.microsoft.com/office/drawing/2014/main" id="{E0376106-D0E3-FDF1-30DD-702D60BB3347}"/>
+                <a16:creationId xmlns="" xmlns:a16="http://schemas.microsoft.com/office/drawing/2014/main" id="{E0376106-D0E3-FDF1-30DD-702D60BB3347}"/>
               </a:ext>
             </a:extLst>
           </p:cNvPr>
@@ -6151,7 +6236,7 @@
           <p:cNvPr id="4" name="Picture 3">
             <a:extLst>
               <a:ext uri="{FF2B5EF4-FFF2-40B4-BE49-F238E27FC236}">
-                <a16:creationId xmlns:a16="http://schemas.microsoft.com/office/drawing/2014/main" id="{F717AD2B-8CBD-D15F-2B82-C04AB4107C06}"/>
+                <a16:creationId xmlns="" xmlns:a16="http://schemas.microsoft.com/office/drawing/2014/main" id="{F717AD2B-8CBD-D15F-2B82-C04AB4107C06}"/>
               </a:ext>
             </a:extLst>
           </p:cNvPr>
@@ -6181,7 +6266,7 @@
           <p:cNvPr id="5" name="TextBox 4">
             <a:extLst>
               <a:ext uri="{FF2B5EF4-FFF2-40B4-BE49-F238E27FC236}">
-                <a16:creationId xmlns:a16="http://schemas.microsoft.com/office/drawing/2014/main" id="{E0376106-D0E3-FDF1-30DD-702D60BB3347}"/>
+                <a16:creationId xmlns="" xmlns:a16="http://schemas.microsoft.com/office/drawing/2014/main" id="{E0376106-D0E3-FDF1-30DD-702D60BB3347}"/>
               </a:ext>
             </a:extLst>
           </p:cNvPr>
@@ -6780,7 +6865,7 @@
           <p:cNvPr id="4" name="Picture 3">
             <a:extLst>
               <a:ext uri="{FF2B5EF4-FFF2-40B4-BE49-F238E27FC236}">
-                <a16:creationId xmlns:a16="http://schemas.microsoft.com/office/drawing/2014/main" id="{F717AD2B-8CBD-D15F-2B82-C04AB4107C06}"/>
+                <a16:creationId xmlns="" xmlns:a16="http://schemas.microsoft.com/office/drawing/2014/main" id="{F717AD2B-8CBD-D15F-2B82-C04AB4107C06}"/>
               </a:ext>
             </a:extLst>
           </p:cNvPr>
@@ -6810,7 +6895,7 @@
           <p:cNvPr id="5" name="TextBox 4">
             <a:extLst>
               <a:ext uri="{FF2B5EF4-FFF2-40B4-BE49-F238E27FC236}">
-                <a16:creationId xmlns:a16="http://schemas.microsoft.com/office/drawing/2014/main" id="{E0376106-D0E3-FDF1-30DD-702D60BB3347}"/>
+                <a16:creationId xmlns="" xmlns:a16="http://schemas.microsoft.com/office/drawing/2014/main" id="{E0376106-D0E3-FDF1-30DD-702D60BB3347}"/>
               </a:ext>
             </a:extLst>
           </p:cNvPr>
@@ -7192,7 +7277,7 @@
           <p:cNvPr id="12" name="Picture 11">
             <a:extLst>
               <a:ext uri="{FF2B5EF4-FFF2-40B4-BE49-F238E27FC236}">
-                <a16:creationId xmlns:a16="http://schemas.microsoft.com/office/drawing/2014/main" id="{6246B09D-98C1-98DD-BB33-9626C6B27FE7}"/>
+                <a16:creationId xmlns="" xmlns:a16="http://schemas.microsoft.com/office/drawing/2014/main" id="{6246B09D-98C1-98DD-BB33-9626C6B27FE7}"/>
               </a:ext>
             </a:extLst>
           </p:cNvPr>
@@ -7233,7 +7318,7 @@
           <p:cNvPr id="14" name="Picture 13">
             <a:extLst>
               <a:ext uri="{FF2B5EF4-FFF2-40B4-BE49-F238E27FC236}">
-                <a16:creationId xmlns:a16="http://schemas.microsoft.com/office/drawing/2014/main" id="{851B748B-AAE4-A6FD-F0F9-7B9AE2CF6768}"/>
+                <a16:creationId xmlns="" xmlns:a16="http://schemas.microsoft.com/office/drawing/2014/main" id="{851B748B-AAE4-A6FD-F0F9-7B9AE2CF6768}"/>
               </a:ext>
             </a:extLst>
           </p:cNvPr>
@@ -7274,7 +7359,7 @@
           <p:cNvPr id="16" name="Picture 15">
             <a:extLst>
               <a:ext uri="{FF2B5EF4-FFF2-40B4-BE49-F238E27FC236}">
-                <a16:creationId xmlns:a16="http://schemas.microsoft.com/office/drawing/2014/main" id="{7C5719E1-FDB3-4006-5534-3DD54FC66EE3}"/>
+                <a16:creationId xmlns="" xmlns:a16="http://schemas.microsoft.com/office/drawing/2014/main" id="{7C5719E1-FDB3-4006-5534-3DD54FC66EE3}"/>
               </a:ext>
             </a:extLst>
           </p:cNvPr>
@@ -7315,7 +7400,7 @@
           <p:cNvPr id="18" name="Picture 17">
             <a:extLst>
               <a:ext uri="{FF2B5EF4-FFF2-40B4-BE49-F238E27FC236}">
-                <a16:creationId xmlns:a16="http://schemas.microsoft.com/office/drawing/2014/main" id="{C035E3BA-7831-8D3B-31DF-F238D800AEE2}"/>
+                <a16:creationId xmlns="" xmlns:a16="http://schemas.microsoft.com/office/drawing/2014/main" id="{C035E3BA-7831-8D3B-31DF-F238D800AEE2}"/>
               </a:ext>
             </a:extLst>
           </p:cNvPr>
@@ -7356,7 +7441,7 @@
           <p:cNvPr id="20" name="Picture 19">
             <a:extLst>
               <a:ext uri="{FF2B5EF4-FFF2-40B4-BE49-F238E27FC236}">
-                <a16:creationId xmlns:a16="http://schemas.microsoft.com/office/drawing/2014/main" id="{EB3FF892-51CD-C245-3C4D-F8880565EFBA}"/>
+                <a16:creationId xmlns="" xmlns:a16="http://schemas.microsoft.com/office/drawing/2014/main" id="{EB3FF892-51CD-C245-3C4D-F8880565EFBA}"/>
               </a:ext>
             </a:extLst>
           </p:cNvPr>
@@ -7770,7 +7855,7 @@
           <p:cNvPr id="6" name="Picture 5">
             <a:extLst>
               <a:ext uri="{FF2B5EF4-FFF2-40B4-BE49-F238E27FC236}">
-                <a16:creationId xmlns:a16="http://schemas.microsoft.com/office/drawing/2014/main" id="{5708D172-EB47-5B8C-A647-330A4FE1D937}"/>
+                <a16:creationId xmlns="" xmlns:a16="http://schemas.microsoft.com/office/drawing/2014/main" id="{5708D172-EB47-5B8C-A647-330A4FE1D937}"/>
               </a:ext>
             </a:extLst>
           </p:cNvPr>
@@ -7806,7 +7891,7 @@
           <p:cNvPr id="8" name="Picture 7">
             <a:extLst>
               <a:ext uri="{FF2B5EF4-FFF2-40B4-BE49-F238E27FC236}">
-                <a16:creationId xmlns:a16="http://schemas.microsoft.com/office/drawing/2014/main" id="{5069D928-ECC4-A54F-1464-4482D5ED954A}"/>
+                <a16:creationId xmlns="" xmlns:a16="http://schemas.microsoft.com/office/drawing/2014/main" id="{5069D928-ECC4-A54F-1464-4482D5ED954A}"/>
               </a:ext>
             </a:extLst>
           </p:cNvPr>
@@ -7920,7 +8005,7 @@
           <p:cNvPr id="2" name="TextBox 1">
             <a:extLst>
               <a:ext uri="{FF2B5EF4-FFF2-40B4-BE49-F238E27FC236}">
-                <a16:creationId xmlns:a16="http://schemas.microsoft.com/office/drawing/2014/main" id="{33336A0E-48F4-D7C9-BA40-DCEE411852B3}"/>
+                <a16:creationId xmlns="" xmlns:a16="http://schemas.microsoft.com/office/drawing/2014/main" id="{33336A0E-48F4-D7C9-BA40-DCEE411852B3}"/>
               </a:ext>
             </a:extLst>
           </p:cNvPr>
@@ -7955,7 +8040,7 @@
           <p:cNvPr id="7" name="TextBox 6">
             <a:extLst>
               <a:ext uri="{FF2B5EF4-FFF2-40B4-BE49-F238E27FC236}">
-                <a16:creationId xmlns:a16="http://schemas.microsoft.com/office/drawing/2014/main" id="{2E1A672D-122B-387B-5CC2-E216A5F7F2DB}"/>
+                <a16:creationId xmlns="" xmlns:a16="http://schemas.microsoft.com/office/drawing/2014/main" id="{2E1A672D-122B-387B-5CC2-E216A5F7F2DB}"/>
               </a:ext>
             </a:extLst>
           </p:cNvPr>
@@ -8002,7 +8087,7 @@
           <p:cNvPr id="9" name="TextBox 8">
             <a:extLst>
               <a:ext uri="{FF2B5EF4-FFF2-40B4-BE49-F238E27FC236}">
-                <a16:creationId xmlns:a16="http://schemas.microsoft.com/office/drawing/2014/main" id="{08C73998-4E41-B4AA-C27B-3062D8A3E62F}"/>
+                <a16:creationId xmlns="" xmlns:a16="http://schemas.microsoft.com/office/drawing/2014/main" id="{08C73998-4E41-B4AA-C27B-3062D8A3E62F}"/>
               </a:ext>
             </a:extLst>
           </p:cNvPr>
@@ -8057,7 +8142,7 @@
           <p:cNvPr id="10" name="TextBox 9">
             <a:extLst>
               <a:ext uri="{FF2B5EF4-FFF2-40B4-BE49-F238E27FC236}">
-                <a16:creationId xmlns:a16="http://schemas.microsoft.com/office/drawing/2014/main" id="{CB4A2AB9-ACD2-632E-C300-D664C5B27276}"/>
+                <a16:creationId xmlns="" xmlns:a16="http://schemas.microsoft.com/office/drawing/2014/main" id="{CB4A2AB9-ACD2-632E-C300-D664C5B27276}"/>
               </a:ext>
             </a:extLst>
           </p:cNvPr>
@@ -8120,7 +8205,7 @@
           <p:cNvPr id="11" name="TextBox 10">
             <a:extLst>
               <a:ext uri="{FF2B5EF4-FFF2-40B4-BE49-F238E27FC236}">
-                <a16:creationId xmlns:a16="http://schemas.microsoft.com/office/drawing/2014/main" id="{5B370E78-DD83-4D33-7AB8-D6427C836F2E}"/>
+                <a16:creationId xmlns="" xmlns:a16="http://schemas.microsoft.com/office/drawing/2014/main" id="{5B370E78-DD83-4D33-7AB8-D6427C836F2E}"/>
               </a:ext>
             </a:extLst>
           </p:cNvPr>
@@ -8167,7 +8252,7 @@
           <p:cNvPr id="12" name="TextBox 11">
             <a:extLst>
               <a:ext uri="{FF2B5EF4-FFF2-40B4-BE49-F238E27FC236}">
-                <a16:creationId xmlns:a16="http://schemas.microsoft.com/office/drawing/2014/main" id="{150A7265-F50D-D7AA-B93D-24535B4ADA11}"/>
+                <a16:creationId xmlns="" xmlns:a16="http://schemas.microsoft.com/office/drawing/2014/main" id="{150A7265-F50D-D7AA-B93D-24535B4ADA11}"/>
               </a:ext>
             </a:extLst>
           </p:cNvPr>
@@ -8648,7 +8733,7 @@
           <p:cNvPr id="2" name="TextBox 1">
             <a:extLst>
               <a:ext uri="{FF2B5EF4-FFF2-40B4-BE49-F238E27FC236}">
-                <a16:creationId xmlns:a16="http://schemas.microsoft.com/office/drawing/2014/main" id="{33336A0E-48F4-D7C9-BA40-DCEE411852B3}"/>
+                <a16:creationId xmlns="" xmlns:a16="http://schemas.microsoft.com/office/drawing/2014/main" id="{33336A0E-48F4-D7C9-BA40-DCEE411852B3}"/>
               </a:ext>
             </a:extLst>
           </p:cNvPr>
@@ -8683,7 +8768,7 @@
           <p:cNvPr id="8" name="Picture 7">
             <a:extLst>
               <a:ext uri="{FF2B5EF4-FFF2-40B4-BE49-F238E27FC236}">
-                <a16:creationId xmlns:a16="http://schemas.microsoft.com/office/drawing/2014/main" id="{92F96B93-507C-18C0-DE88-7CF1B4BB794C}"/>
+                <a16:creationId xmlns="" xmlns:a16="http://schemas.microsoft.com/office/drawing/2014/main" id="{92F96B93-507C-18C0-DE88-7CF1B4BB794C}"/>
               </a:ext>
             </a:extLst>
           </p:cNvPr>
@@ -8956,7 +9041,7 @@
           <p:cNvPr id="2" name="TextBox 1">
             <a:extLst>
               <a:ext uri="{FF2B5EF4-FFF2-40B4-BE49-F238E27FC236}">
-                <a16:creationId xmlns:a16="http://schemas.microsoft.com/office/drawing/2014/main" id="{33336A0E-48F4-D7C9-BA40-DCEE411852B3}"/>
+                <a16:creationId xmlns="" xmlns:a16="http://schemas.microsoft.com/office/drawing/2014/main" id="{33336A0E-48F4-D7C9-BA40-DCEE411852B3}"/>
               </a:ext>
             </a:extLst>
           </p:cNvPr>
@@ -8995,7 +9080,7 @@
           <p:cNvPr id="7" name="TextBox 6">
             <a:extLst>
               <a:ext uri="{FF2B5EF4-FFF2-40B4-BE49-F238E27FC236}">
-                <a16:creationId xmlns:a16="http://schemas.microsoft.com/office/drawing/2014/main" id="{D7D063EC-DC90-CF1F-D867-4FB476E2290A}"/>
+                <a16:creationId xmlns="" xmlns:a16="http://schemas.microsoft.com/office/drawing/2014/main" id="{D7D063EC-DC90-CF1F-D867-4FB476E2290A}"/>
               </a:ext>
             </a:extLst>
           </p:cNvPr>
@@ -9145,7 +9230,7 @@
           <p:cNvPr id="10" name="Picture 9">
             <a:extLst>
               <a:ext uri="{FF2B5EF4-FFF2-40B4-BE49-F238E27FC236}">
-                <a16:creationId xmlns:a16="http://schemas.microsoft.com/office/drawing/2014/main" id="{022A4660-53DF-4858-97A0-334CA1733DC0}"/>
+                <a16:creationId xmlns="" xmlns:a16="http://schemas.microsoft.com/office/drawing/2014/main" id="{022A4660-53DF-4858-97A0-334CA1733DC0}"/>
               </a:ext>
             </a:extLst>
           </p:cNvPr>
@@ -9930,7 +10015,7 @@
           <p:cNvPr id="7" name="TextBox 6">
             <a:extLst>
               <a:ext uri="{FF2B5EF4-FFF2-40B4-BE49-F238E27FC236}">
-                <a16:creationId xmlns:a16="http://schemas.microsoft.com/office/drawing/2014/main" id="{D7D063EC-DC90-CF1F-D867-4FB476E2290A}"/>
+                <a16:creationId xmlns="" xmlns:a16="http://schemas.microsoft.com/office/drawing/2014/main" id="{D7D063EC-DC90-CF1F-D867-4FB476E2290A}"/>
               </a:ext>
             </a:extLst>
           </p:cNvPr>
@@ -9985,7 +10070,7 @@
           <p:cNvPr id="5" name="Picture 4">
             <a:extLst>
               <a:ext uri="{FF2B5EF4-FFF2-40B4-BE49-F238E27FC236}">
-                <a16:creationId xmlns:a16="http://schemas.microsoft.com/office/drawing/2014/main" id="{60376970-5DA4-BACA-103C-32835A7A07E7}"/>
+                <a16:creationId xmlns="" xmlns:a16="http://schemas.microsoft.com/office/drawing/2014/main" id="{60376970-5DA4-BACA-103C-32835A7A07E7}"/>
               </a:ext>
             </a:extLst>
           </p:cNvPr>
@@ -10251,7 +10336,7 @@
           <p:cNvPr id="7" name="TextBox 6">
             <a:extLst>
               <a:ext uri="{FF2B5EF4-FFF2-40B4-BE49-F238E27FC236}">
-                <a16:creationId xmlns:a16="http://schemas.microsoft.com/office/drawing/2014/main" id="{D7D063EC-DC90-CF1F-D867-4FB476E2290A}"/>
+                <a16:creationId xmlns="" xmlns:a16="http://schemas.microsoft.com/office/drawing/2014/main" id="{D7D063EC-DC90-CF1F-D867-4FB476E2290A}"/>
               </a:ext>
             </a:extLst>
           </p:cNvPr>
@@ -10319,7 +10404,7 @@
           <p:cNvPr id="4" name="Picture 3">
             <a:extLst>
               <a:ext uri="{FF2B5EF4-FFF2-40B4-BE49-F238E27FC236}">
-                <a16:creationId xmlns:a16="http://schemas.microsoft.com/office/drawing/2014/main" id="{D06DCC9F-8B06-83BC-FF3E-BAC5AB2064AB}"/>
+                <a16:creationId xmlns="" xmlns:a16="http://schemas.microsoft.com/office/drawing/2014/main" id="{D06DCC9F-8B06-83BC-FF3E-BAC5AB2064AB}"/>
               </a:ext>
             </a:extLst>
           </p:cNvPr>
@@ -10645,7 +10730,7 @@
           <p:cNvPr id="5" name="Picture 4">
             <a:extLst>
               <a:ext uri="{FF2B5EF4-FFF2-40B4-BE49-F238E27FC236}">
-                <a16:creationId xmlns:a16="http://schemas.microsoft.com/office/drawing/2014/main" id="{97C2BD1D-F1E8-021D-1A45-75E1ED111CA6}"/>
+                <a16:creationId xmlns="" xmlns:a16="http://schemas.microsoft.com/office/drawing/2014/main" id="{97C2BD1D-F1E8-021D-1A45-75E1ED111CA6}"/>
               </a:ext>
             </a:extLst>
           </p:cNvPr>
@@ -10759,7 +10844,7 @@
           <p:cNvPr id="4" name="Picture 3">
             <a:extLst>
               <a:ext uri="{FF2B5EF4-FFF2-40B4-BE49-F238E27FC236}">
-                <a16:creationId xmlns:a16="http://schemas.microsoft.com/office/drawing/2014/main" id="{79A97B1A-1DC6-EF75-866C-9D7AF6C2CB63}"/>
+                <a16:creationId xmlns="" xmlns:a16="http://schemas.microsoft.com/office/drawing/2014/main" id="{79A97B1A-1DC6-EF75-866C-9D7AF6C2CB63}"/>
               </a:ext>
             </a:extLst>
           </p:cNvPr>
@@ -10872,7 +10957,7 @@
           <p:cNvPr id="5" name="Picture 4">
             <a:extLst>
               <a:ext uri="{FF2B5EF4-FFF2-40B4-BE49-F238E27FC236}">
-                <a16:creationId xmlns:a16="http://schemas.microsoft.com/office/drawing/2014/main" id="{F7C982F1-4AB9-554F-2F70-41D2A04AF6C3}"/>
+                <a16:creationId xmlns="" xmlns:a16="http://schemas.microsoft.com/office/drawing/2014/main" id="{F7C982F1-4AB9-554F-2F70-41D2A04AF6C3}"/>
               </a:ext>
             </a:extLst>
           </p:cNvPr>
@@ -10980,7 +11065,7 @@
           <p:cNvPr id="4" name="Picture 3">
             <a:extLst>
               <a:ext uri="{FF2B5EF4-FFF2-40B4-BE49-F238E27FC236}">
-                <a16:creationId xmlns:a16="http://schemas.microsoft.com/office/drawing/2014/main" id="{3DBE506A-94AE-C268-3156-5A3B8F867F99}"/>
+                <a16:creationId xmlns="" xmlns:a16="http://schemas.microsoft.com/office/drawing/2014/main" id="{3DBE506A-94AE-C268-3156-5A3B8F867F99}"/>
               </a:ext>
             </a:extLst>
           </p:cNvPr>
@@ -11016,7 +11101,7 @@
           <p:cNvPr id="7" name="TextBox 6">
             <a:extLst>
               <a:ext uri="{FF2B5EF4-FFF2-40B4-BE49-F238E27FC236}">
-                <a16:creationId xmlns:a16="http://schemas.microsoft.com/office/drawing/2014/main" id="{EC22761B-80B8-2156-C448-780E921DCFEE}"/>
+                <a16:creationId xmlns="" xmlns:a16="http://schemas.microsoft.com/office/drawing/2014/main" id="{EC22761B-80B8-2156-C448-780E921DCFEE}"/>
               </a:ext>
             </a:extLst>
           </p:cNvPr>
@@ -11133,7 +11218,7 @@
           <p:cNvPr id="8" name="Picture 7">
             <a:extLst>
               <a:ext uri="{FF2B5EF4-FFF2-40B4-BE49-F238E27FC236}">
-                <a16:creationId xmlns:a16="http://schemas.microsoft.com/office/drawing/2014/main" id="{1E26BDB8-A578-38DB-FDEF-453F241AEBE1}"/>
+                <a16:creationId xmlns="" xmlns:a16="http://schemas.microsoft.com/office/drawing/2014/main" id="{1E26BDB8-A578-38DB-FDEF-453F241AEBE1}"/>
               </a:ext>
             </a:extLst>
           </p:cNvPr>
@@ -11163,7 +11248,7 @@
           <p:cNvPr id="10" name="Picture 9">
             <a:extLst>
               <a:ext uri="{FF2B5EF4-FFF2-40B4-BE49-F238E27FC236}">
-                <a16:creationId xmlns:a16="http://schemas.microsoft.com/office/drawing/2014/main" id="{1CAFA705-1F8D-7111-83BD-A270C1FCF533}"/>
+                <a16:creationId xmlns="" xmlns:a16="http://schemas.microsoft.com/office/drawing/2014/main" id="{1CAFA705-1F8D-7111-83BD-A270C1FCF533}"/>
               </a:ext>
             </a:extLst>
           </p:cNvPr>
@@ -11271,7 +11356,7 @@
           <p:cNvPr id="4" name="Picture 3">
             <a:extLst>
               <a:ext uri="{FF2B5EF4-FFF2-40B4-BE49-F238E27FC236}">
-                <a16:creationId xmlns:a16="http://schemas.microsoft.com/office/drawing/2014/main" id="{905C41C8-D0A6-5DA9-56FC-6301C841F1FE}"/>
+                <a16:creationId xmlns="" xmlns:a16="http://schemas.microsoft.com/office/drawing/2014/main" id="{905C41C8-D0A6-5DA9-56FC-6301C841F1FE}"/>
               </a:ext>
             </a:extLst>
           </p:cNvPr>
@@ -11301,7 +11386,7 @@
           <p:cNvPr id="6" name="Picture 5">
             <a:extLst>
               <a:ext uri="{FF2B5EF4-FFF2-40B4-BE49-F238E27FC236}">
-                <a16:creationId xmlns:a16="http://schemas.microsoft.com/office/drawing/2014/main" id="{4639EF87-777D-A9B4-7740-BEB565F2FF80}"/>
+                <a16:creationId xmlns="" xmlns:a16="http://schemas.microsoft.com/office/drawing/2014/main" id="{4639EF87-777D-A9B4-7740-BEB565F2FF80}"/>
               </a:ext>
             </a:extLst>
           </p:cNvPr>
@@ -11409,7 +11494,7 @@
           <p:cNvPr id="4" name="Picture 3">
             <a:extLst>
               <a:ext uri="{FF2B5EF4-FFF2-40B4-BE49-F238E27FC236}">
-                <a16:creationId xmlns:a16="http://schemas.microsoft.com/office/drawing/2014/main" id="{41937AAE-ED1D-97B1-956C-52F3280CBB74}"/>
+                <a16:creationId xmlns="" xmlns:a16="http://schemas.microsoft.com/office/drawing/2014/main" id="{41937AAE-ED1D-97B1-956C-52F3280CBB74}"/>
               </a:ext>
             </a:extLst>
           </p:cNvPr>
@@ -11445,7 +11530,7 @@
           <p:cNvPr id="5" name="TextBox 4">
             <a:extLst>
               <a:ext uri="{FF2B5EF4-FFF2-40B4-BE49-F238E27FC236}">
-                <a16:creationId xmlns:a16="http://schemas.microsoft.com/office/drawing/2014/main" id="{4C95C56A-D984-5F7B-09AE-27F0B4CF4E99}"/>
+                <a16:creationId xmlns="" xmlns:a16="http://schemas.microsoft.com/office/drawing/2014/main" id="{4C95C56A-D984-5F7B-09AE-27F0B4CF4E99}"/>
               </a:ext>
             </a:extLst>
           </p:cNvPr>
@@ -11804,7 +11889,7 @@
           <p:cNvPr id="6" name="Picture 5">
             <a:extLst>
               <a:ext uri="{FF2B5EF4-FFF2-40B4-BE49-F238E27FC236}">
-                <a16:creationId xmlns:a16="http://schemas.microsoft.com/office/drawing/2014/main" id="{618A09A0-9AA3-412C-3A36-AE296A89CB10}"/>
+                <a16:creationId xmlns="" xmlns:a16="http://schemas.microsoft.com/office/drawing/2014/main" id="{618A09A0-9AA3-412C-3A36-AE296A89CB10}"/>
               </a:ext>
             </a:extLst>
           </p:cNvPr>
@@ -12109,7 +12194,7 @@
           <p:cNvPr id="4" name="Picture 3">
             <a:extLst>
               <a:ext uri="{FF2B5EF4-FFF2-40B4-BE49-F238E27FC236}">
-                <a16:creationId xmlns:a16="http://schemas.microsoft.com/office/drawing/2014/main" id="{3FDB99FC-7775-152A-2532-558FCE4A761A}"/>
+                <a16:creationId xmlns="" xmlns:a16="http://schemas.microsoft.com/office/drawing/2014/main" id="{3FDB99FC-7775-152A-2532-558FCE4A761A}"/>
               </a:ext>
             </a:extLst>
           </p:cNvPr>
@@ -12223,7 +12308,7 @@
           <p:cNvPr id="5" name="Picture 4">
             <a:extLst>
               <a:ext uri="{FF2B5EF4-FFF2-40B4-BE49-F238E27FC236}">
-                <a16:creationId xmlns:a16="http://schemas.microsoft.com/office/drawing/2014/main" id="{770662F7-9D96-D8B8-A127-5CF4E1FCB2E3}"/>
+                <a16:creationId xmlns="" xmlns:a16="http://schemas.microsoft.com/office/drawing/2014/main" id="{770662F7-9D96-D8B8-A127-5CF4E1FCB2E3}"/>
               </a:ext>
             </a:extLst>
           </p:cNvPr>
@@ -12259,7 +12344,7 @@
           <p:cNvPr id="8" name="TextBox 7">
             <a:extLst>
               <a:ext uri="{FF2B5EF4-FFF2-40B4-BE49-F238E27FC236}">
-                <a16:creationId xmlns:a16="http://schemas.microsoft.com/office/drawing/2014/main" id="{85280BAB-4788-5FCA-5012-F8415570676E}"/>
+                <a16:creationId xmlns="" xmlns:a16="http://schemas.microsoft.com/office/drawing/2014/main" id="{85280BAB-4788-5FCA-5012-F8415570676E}"/>
               </a:ext>
             </a:extLst>
           </p:cNvPr>
@@ -12776,7 +12861,7 @@
           <p:cNvPr id="8" name="TextBox 7">
             <a:extLst>
               <a:ext uri="{FF2B5EF4-FFF2-40B4-BE49-F238E27FC236}">
-                <a16:creationId xmlns:a16="http://schemas.microsoft.com/office/drawing/2014/main" id="{85280BAB-4788-5FCA-5012-F8415570676E}"/>
+                <a16:creationId xmlns="" xmlns:a16="http://schemas.microsoft.com/office/drawing/2014/main" id="{85280BAB-4788-5FCA-5012-F8415570676E}"/>
               </a:ext>
             </a:extLst>
           </p:cNvPr>
@@ -12880,7 +12965,7 @@
           <p:cNvPr id="7" name="Picture 6">
             <a:extLst>
               <a:ext uri="{FF2B5EF4-FFF2-40B4-BE49-F238E27FC236}">
-                <a16:creationId xmlns:a16="http://schemas.microsoft.com/office/drawing/2014/main" id="{F5420F95-591C-6211-8269-36C47FECC2CF}"/>
+                <a16:creationId xmlns="" xmlns:a16="http://schemas.microsoft.com/office/drawing/2014/main" id="{F5420F95-591C-6211-8269-36C47FECC2CF}"/>
               </a:ext>
             </a:extLst>
           </p:cNvPr>
@@ -13329,7 +13414,7 @@
           <p:cNvPr id="4" name="Picture 3">
             <a:extLst>
               <a:ext uri="{FF2B5EF4-FFF2-40B4-BE49-F238E27FC236}">
-                <a16:creationId xmlns:a16="http://schemas.microsoft.com/office/drawing/2014/main" id="{84666911-E526-542B-1294-6AC7FC76C70F}"/>
+                <a16:creationId xmlns="" xmlns:a16="http://schemas.microsoft.com/office/drawing/2014/main" id="{84666911-E526-542B-1294-6AC7FC76C70F}"/>
               </a:ext>
             </a:extLst>
           </p:cNvPr>
@@ -13443,7 +13528,7 @@
           <p:cNvPr id="5" name="Picture 4">
             <a:extLst>
               <a:ext uri="{FF2B5EF4-FFF2-40B4-BE49-F238E27FC236}">
-                <a16:creationId xmlns:a16="http://schemas.microsoft.com/office/drawing/2014/main" id="{05D779F2-ECDC-B17A-D7D3-19CF556738FF}"/>
+                <a16:creationId xmlns="" xmlns:a16="http://schemas.microsoft.com/office/drawing/2014/main" id="{05D779F2-ECDC-B17A-D7D3-19CF556738FF}"/>
               </a:ext>
             </a:extLst>
           </p:cNvPr>
@@ -13479,7 +13564,7 @@
           <p:cNvPr id="7" name="Picture 6">
             <a:extLst>
               <a:ext uri="{FF2B5EF4-FFF2-40B4-BE49-F238E27FC236}">
-                <a16:creationId xmlns:a16="http://schemas.microsoft.com/office/drawing/2014/main" id="{FF7D91B3-017D-6603-AF9F-9871AC43A9E9}"/>
+                <a16:creationId xmlns="" xmlns:a16="http://schemas.microsoft.com/office/drawing/2014/main" id="{FF7D91B3-017D-6603-AF9F-9871AC43A9E9}"/>
               </a:ext>
             </a:extLst>
           </p:cNvPr>
@@ -13593,7 +13678,7 @@
           <p:cNvPr id="4" name="Picture 3">
             <a:extLst>
               <a:ext uri="{FF2B5EF4-FFF2-40B4-BE49-F238E27FC236}">
-                <a16:creationId xmlns:a16="http://schemas.microsoft.com/office/drawing/2014/main" id="{1516477E-148A-EE26-D515-B9BA1710E7F9}"/>
+                <a16:creationId xmlns="" xmlns:a16="http://schemas.microsoft.com/office/drawing/2014/main" id="{1516477E-148A-EE26-D515-B9BA1710E7F9}"/>
               </a:ext>
             </a:extLst>
           </p:cNvPr>
@@ -13707,7 +13792,7 @@
           <p:cNvPr id="5" name="Picture 4">
             <a:extLst>
               <a:ext uri="{FF2B5EF4-FFF2-40B4-BE49-F238E27FC236}">
-                <a16:creationId xmlns:a16="http://schemas.microsoft.com/office/drawing/2014/main" id="{A6AD9895-2B9C-AAE2-BB3E-1A40E3614484}"/>
+                <a16:creationId xmlns="" xmlns:a16="http://schemas.microsoft.com/office/drawing/2014/main" id="{A6AD9895-2B9C-AAE2-BB3E-1A40E3614484}"/>
               </a:ext>
             </a:extLst>
           </p:cNvPr>
@@ -13821,7 +13906,7 @@
           <p:cNvPr id="4" name="Picture 3">
             <a:extLst>
               <a:ext uri="{FF2B5EF4-FFF2-40B4-BE49-F238E27FC236}">
-                <a16:creationId xmlns:a16="http://schemas.microsoft.com/office/drawing/2014/main" id="{08B9380D-623A-8501-15AA-8CF1496C211F}"/>
+                <a16:creationId xmlns="" xmlns:a16="http://schemas.microsoft.com/office/drawing/2014/main" id="{08B9380D-623A-8501-15AA-8CF1496C211F}"/>
               </a:ext>
             </a:extLst>
           </p:cNvPr>
@@ -13935,7 +14020,7 @@
           <p:cNvPr id="5" name="Picture 4">
             <a:extLst>
               <a:ext uri="{FF2B5EF4-FFF2-40B4-BE49-F238E27FC236}">
-                <a16:creationId xmlns:a16="http://schemas.microsoft.com/office/drawing/2014/main" id="{9E65409B-925D-39D7-8A28-CD9680904EE5}"/>
+                <a16:creationId xmlns="" xmlns:a16="http://schemas.microsoft.com/office/drawing/2014/main" id="{9E65409B-925D-39D7-8A28-CD9680904EE5}"/>
               </a:ext>
             </a:extLst>
           </p:cNvPr>
@@ -13970,6 +14055,171 @@
     <p:extLst>
       <p:ext uri="{BB962C8B-B14F-4D97-AF65-F5344CB8AC3E}">
         <p14:creationId xmlns:p14="http://schemas.microsoft.com/office/powerpoint/2010/main" val="3939365581"/>
+      </p:ext>
+    </p:extLst>
+  </p:cSld>
+  <p:clrMapOvr>
+    <a:masterClrMapping/>
+  </p:clrMapOvr>
+</p:sld>
+</file>
+
+<file path=ppt/slides/slide39.xml><?xml version="1.0" encoding="utf-8"?>
+<p:sld xmlns:a="http://schemas.openxmlformats.org/drawingml/2006/main" xmlns:r="http://schemas.openxmlformats.org/officeDocument/2006/relationships" xmlns:p="http://schemas.openxmlformats.org/presentationml/2006/main">
+  <p:cSld>
+    <p:bg>
+      <p:bgPr>
+        <a:blipFill dpi="0" rotWithShape="1">
+          <a:blip r:embed="rId3">
+            <a:lum/>
+          </a:blip>
+          <a:srcRect/>
+          <a:stretch>
+            <a:fillRect l="-1000" r="-1000"/>
+          </a:stretch>
+        </a:blipFill>
+        <a:effectLst/>
+      </p:bgPr>
+    </p:bg>
+    <p:spTree>
+      <p:nvGrpSpPr>
+        <p:cNvPr id="1" name=""/>
+        <p:cNvGrpSpPr/>
+        <p:nvPr/>
+      </p:nvGrpSpPr>
+      <p:grpSpPr>
+        <a:xfrm>
+          <a:off x="0" y="0"/>
+          <a:ext cx="0" cy="0"/>
+          <a:chOff x="0" y="0"/>
+          <a:chExt cx="0" cy="0"/>
+        </a:xfrm>
+      </p:grpSpPr>
+      <p:sp>
+        <p:nvSpPr>
+          <p:cNvPr id="3" name="Rectangle 2"/>
+          <p:cNvSpPr/>
+          <p:nvPr/>
+        </p:nvSpPr>
+        <p:spPr>
+          <a:xfrm>
+            <a:off x="685800" y="133350"/>
+            <a:ext cx="3501280" cy="307777"/>
+          </a:xfrm>
+          <a:prstGeom prst="rect">
+            <a:avLst/>
+          </a:prstGeom>
+        </p:spPr>
+        <p:txBody>
+          <a:bodyPr wrap="none">
+            <a:spAutoFit/>
+          </a:bodyPr>
+          <a:lstStyle/>
+          <a:p>
+            <a:r>
+              <a:rPr lang="en-US" sz="1400" b="1" dirty="0" smtClean="0">
+                <a:solidFill>
+                  <a:srgbClr val="0070C0"/>
+                </a:solidFill>
+                <a:latin typeface="Roboto" panose="02000000000000000000" pitchFamily="2" charset="0"/>
+                <a:ea typeface="Roboto" panose="02000000000000000000" pitchFamily="2" charset="0"/>
+              </a:rPr>
+              <a:t>Flutter Blog List (My First Flutter Project)</a:t>
+            </a:r>
+            <a:endParaRPr lang="en-US" sz="1400" b="1" dirty="0">
+              <a:solidFill>
+                <a:srgbClr val="0070C0"/>
+              </a:solidFill>
+              <a:latin typeface="Roboto" panose="02000000000000000000" pitchFamily="2" charset="0"/>
+              <a:ea typeface="Roboto" panose="02000000000000000000" pitchFamily="2" charset="0"/>
+            </a:endParaRPr>
+          </a:p>
+        </p:txBody>
+      </p:sp>
+      <p:pic>
+        <p:nvPicPr>
+          <p:cNvPr id="2" name="Picture 1"/>
+          <p:cNvPicPr>
+            <a:picLocks noChangeAspect="1"/>
+          </p:cNvPicPr>
+          <p:nvPr/>
+        </p:nvPicPr>
+        <p:blipFill>
+          <a:blip r:embed="rId4" cstate="print">
+            <a:extLst>
+              <a:ext uri="{28A0092B-C50C-407E-A947-70E740481C1C}">
+                <a14:useLocalDpi xmlns:a14="http://schemas.microsoft.com/office/drawing/2010/main" val="0"/>
+              </a:ext>
+            </a:extLst>
+          </a:blip>
+          <a:stretch>
+            <a:fillRect/>
+          </a:stretch>
+        </p:blipFill>
+        <p:spPr>
+          <a:xfrm>
+            <a:off x="2514600" y="782747"/>
+            <a:ext cx="1828800" cy="3924974"/>
+          </a:xfrm>
+          <a:prstGeom prst="rect">
+            <a:avLst/>
+          </a:prstGeom>
+          <a:ln>
+            <a:noFill/>
+          </a:ln>
+          <a:effectLst>
+            <a:outerShdw blurRad="292100" dist="139700" dir="2700000" algn="tl" rotWithShape="0">
+              <a:srgbClr val="333333">
+                <a:alpha val="65000"/>
+              </a:srgbClr>
+            </a:outerShdw>
+          </a:effectLst>
+        </p:spPr>
+      </p:pic>
+      <p:pic>
+        <p:nvPicPr>
+          <p:cNvPr id="4" name="Picture 3"/>
+          <p:cNvPicPr>
+            <a:picLocks noChangeAspect="1"/>
+          </p:cNvPicPr>
+          <p:nvPr/>
+        </p:nvPicPr>
+        <p:blipFill>
+          <a:blip r:embed="rId5" cstate="print">
+            <a:extLst>
+              <a:ext uri="{28A0092B-C50C-407E-A947-70E740481C1C}">
+                <a14:useLocalDpi xmlns:a14="http://schemas.microsoft.com/office/drawing/2010/main" val="0"/>
+              </a:ext>
+            </a:extLst>
+          </a:blip>
+          <a:stretch>
+            <a:fillRect/>
+          </a:stretch>
+        </p:blipFill>
+        <p:spPr>
+          <a:xfrm>
+            <a:off x="304800" y="769140"/>
+            <a:ext cx="1772361" cy="3938581"/>
+          </a:xfrm>
+          <a:prstGeom prst="rect">
+            <a:avLst/>
+          </a:prstGeom>
+          <a:ln>
+            <a:noFill/>
+          </a:ln>
+          <a:effectLst>
+            <a:outerShdw blurRad="292100" dist="139700" dir="2700000" algn="tl" rotWithShape="0">
+              <a:srgbClr val="333333">
+                <a:alpha val="65000"/>
+              </a:srgbClr>
+            </a:outerShdw>
+          </a:effectLst>
+        </p:spPr>
+      </p:pic>
+    </p:spTree>
+    <p:extLst>
+      <p:ext uri="{BB962C8B-B14F-4D97-AF65-F5344CB8AC3E}">
+        <p14:creationId xmlns:p14="http://schemas.microsoft.com/office/powerpoint/2010/main" val="1786488463"/>
       </p:ext>
     </p:extLst>
   </p:cSld>
@@ -14345,7 +14595,7 @@
           <p:cNvPr id="4" name="Picture 3">
             <a:extLst>
               <a:ext uri="{FF2B5EF4-FFF2-40B4-BE49-F238E27FC236}">
-                <a16:creationId xmlns:a16="http://schemas.microsoft.com/office/drawing/2014/main" id="{3A60D467-9335-D260-C03A-BE9A10801B85}"/>
+                <a16:creationId xmlns="" xmlns:a16="http://schemas.microsoft.com/office/drawing/2014/main" id="{3A60D467-9335-D260-C03A-BE9A10801B85}"/>
               </a:ext>
             </a:extLst>
           </p:cNvPr>
@@ -14375,7 +14625,7 @@
           <p:cNvPr id="7" name="Picture 6">
             <a:extLst>
               <a:ext uri="{FF2B5EF4-FFF2-40B4-BE49-F238E27FC236}">
-                <a16:creationId xmlns:a16="http://schemas.microsoft.com/office/drawing/2014/main" id="{67D9C20A-4DA7-2386-01C3-0BBABFBA31C4}"/>
+                <a16:creationId xmlns="" xmlns:a16="http://schemas.microsoft.com/office/drawing/2014/main" id="{67D9C20A-4DA7-2386-01C3-0BBABFBA31C4}"/>
               </a:ext>
             </a:extLst>
           </p:cNvPr>
@@ -14618,7 +14868,7 @@
           <p:cNvPr id="5" name="Picture 4">
             <a:extLst>
               <a:ext uri="{FF2B5EF4-FFF2-40B4-BE49-F238E27FC236}">
-                <a16:creationId xmlns:a16="http://schemas.microsoft.com/office/drawing/2014/main" id="{653C8343-D5F6-5904-F4D0-B742B97D78A8}"/>
+                <a16:creationId xmlns="" xmlns:a16="http://schemas.microsoft.com/office/drawing/2014/main" id="{653C8343-D5F6-5904-F4D0-B742B97D78A8}"/>
               </a:ext>
             </a:extLst>
           </p:cNvPr>
@@ -14809,7 +15059,7 @@
           <p:cNvPr id="4" name="Picture 3">
             <a:extLst>
               <a:ext uri="{FF2B5EF4-FFF2-40B4-BE49-F238E27FC236}">
-                <a16:creationId xmlns:a16="http://schemas.microsoft.com/office/drawing/2014/main" id="{F717AD2B-8CBD-D15F-2B82-C04AB4107C06}"/>
+                <a16:creationId xmlns="" xmlns:a16="http://schemas.microsoft.com/office/drawing/2014/main" id="{F717AD2B-8CBD-D15F-2B82-C04AB4107C06}"/>
               </a:ext>
             </a:extLst>
           </p:cNvPr>
@@ -14839,7 +15089,7 @@
           <p:cNvPr id="7" name="TextBox 6">
             <a:extLst>
               <a:ext uri="{FF2B5EF4-FFF2-40B4-BE49-F238E27FC236}">
-                <a16:creationId xmlns:a16="http://schemas.microsoft.com/office/drawing/2014/main" id="{D5175723-71CB-419F-22D4-E782F927EABB}"/>
+                <a16:creationId xmlns="" xmlns:a16="http://schemas.microsoft.com/office/drawing/2014/main" id="{D5175723-71CB-419F-22D4-E782F927EABB}"/>
               </a:ext>
             </a:extLst>
           </p:cNvPr>
@@ -14952,7 +15202,7 @@
           <p:cNvPr id="8" name="TextBox 7">
             <a:extLst>
               <a:ext uri="{FF2B5EF4-FFF2-40B4-BE49-F238E27FC236}">
-                <a16:creationId xmlns:a16="http://schemas.microsoft.com/office/drawing/2014/main" id="{4F22F4DE-524C-33BC-37B4-FD21A97F55E8}"/>
+                <a16:creationId xmlns="" xmlns:a16="http://schemas.microsoft.com/office/drawing/2014/main" id="{4F22F4DE-524C-33BC-37B4-FD21A97F55E8}"/>
               </a:ext>
             </a:extLst>
           </p:cNvPr>
@@ -15848,7 +16098,7 @@
           <p:cNvPr id="4" name="Picture 3">
             <a:extLst>
               <a:ext uri="{FF2B5EF4-FFF2-40B4-BE49-F238E27FC236}">
-                <a16:creationId xmlns:a16="http://schemas.microsoft.com/office/drawing/2014/main" id="{F717AD2B-8CBD-D15F-2B82-C04AB4107C06}"/>
+                <a16:creationId xmlns="" xmlns:a16="http://schemas.microsoft.com/office/drawing/2014/main" id="{F717AD2B-8CBD-D15F-2B82-C04AB4107C06}"/>
               </a:ext>
             </a:extLst>
           </p:cNvPr>
@@ -15878,7 +16128,7 @@
           <p:cNvPr id="7" name="TextBox 6">
             <a:extLst>
               <a:ext uri="{FF2B5EF4-FFF2-40B4-BE49-F238E27FC236}">
-                <a16:creationId xmlns:a16="http://schemas.microsoft.com/office/drawing/2014/main" id="{D5175723-71CB-419F-22D4-E782F927EABB}"/>
+                <a16:creationId xmlns="" xmlns:a16="http://schemas.microsoft.com/office/drawing/2014/main" id="{D5175723-71CB-419F-22D4-E782F927EABB}"/>
               </a:ext>
             </a:extLst>
           </p:cNvPr>
@@ -16568,7 +16818,7 @@
           <p:cNvPr id="4" name="Picture 3">
             <a:extLst>
               <a:ext uri="{FF2B5EF4-FFF2-40B4-BE49-F238E27FC236}">
-                <a16:creationId xmlns:a16="http://schemas.microsoft.com/office/drawing/2014/main" id="{F717AD2B-8CBD-D15F-2B82-C04AB4107C06}"/>
+                <a16:creationId xmlns="" xmlns:a16="http://schemas.microsoft.com/office/drawing/2014/main" id="{F717AD2B-8CBD-D15F-2B82-C04AB4107C06}"/>
               </a:ext>
             </a:extLst>
           </p:cNvPr>
@@ -16598,7 +16848,7 @@
           <p:cNvPr id="7" name="TextBox 6">
             <a:extLst>
               <a:ext uri="{FF2B5EF4-FFF2-40B4-BE49-F238E27FC236}">
-                <a16:creationId xmlns:a16="http://schemas.microsoft.com/office/drawing/2014/main" id="{D5175723-71CB-419F-22D4-E782F927EABB}"/>
+                <a16:creationId xmlns="" xmlns:a16="http://schemas.microsoft.com/office/drawing/2014/main" id="{D5175723-71CB-419F-22D4-E782F927EABB}"/>
               </a:ext>
             </a:extLst>
           </p:cNvPr>

--- a/Flutter/PPT/Slide.pptx
+++ b/Flutter/PPT/Slide.pptx
@@ -246,7 +246,7 @@
           <a:p>
             <a:fld id="{38EBF754-CDC4-4762-B81C-FDFA88BC1D35}" type="datetimeFigureOut">
               <a:rPr lang="en-US" smtClean="0"/>
-              <a:t>11/19/2022</a:t>
+              <a:t>11/22/2022</a:t>
             </a:fld>
             <a:endParaRPr lang="en-US"/>
           </a:p>
@@ -1785,7 +1785,7 @@
             <a:fld id="{1D8BD707-D9CF-40AE-B4C6-C98DA3205C09}" type="datetimeFigureOut">
               <a:rPr lang="en-US" smtClean="0"/>
               <a:pPr/>
-              <a:t>11/19/2022</a:t>
+              <a:t>11/22/2022</a:t>
             </a:fld>
             <a:endParaRPr lang="en-US"/>
           </a:p>
@@ -1950,7 +1950,7 @@
             <a:fld id="{1D8BD707-D9CF-40AE-B4C6-C98DA3205C09}" type="datetimeFigureOut">
               <a:rPr lang="en-US" smtClean="0"/>
               <a:pPr/>
-              <a:t>11/19/2022</a:t>
+              <a:t>11/22/2022</a:t>
             </a:fld>
             <a:endParaRPr lang="en-US"/>
           </a:p>
@@ -2125,7 +2125,7 @@
             <a:fld id="{1D8BD707-D9CF-40AE-B4C6-C98DA3205C09}" type="datetimeFigureOut">
               <a:rPr lang="en-US" smtClean="0"/>
               <a:pPr/>
-              <a:t>11/19/2022</a:t>
+              <a:t>11/22/2022</a:t>
             </a:fld>
             <a:endParaRPr lang="en-US"/>
           </a:p>
@@ -2290,7 +2290,7 @@
             <a:fld id="{1D8BD707-D9CF-40AE-B4C6-C98DA3205C09}" type="datetimeFigureOut">
               <a:rPr lang="en-US" smtClean="0"/>
               <a:pPr/>
-              <a:t>11/19/2022</a:t>
+              <a:t>11/22/2022</a:t>
             </a:fld>
             <a:endParaRPr lang="en-US"/>
           </a:p>
@@ -2532,7 +2532,7 @@
             <a:fld id="{1D8BD707-D9CF-40AE-B4C6-C98DA3205C09}" type="datetimeFigureOut">
               <a:rPr lang="en-US" smtClean="0"/>
               <a:pPr/>
-              <a:t>11/19/2022</a:t>
+              <a:t>11/22/2022</a:t>
             </a:fld>
             <a:endParaRPr lang="en-US"/>
           </a:p>
@@ -2814,7 +2814,7 @@
             <a:fld id="{1D8BD707-D9CF-40AE-B4C6-C98DA3205C09}" type="datetimeFigureOut">
               <a:rPr lang="en-US" smtClean="0"/>
               <a:pPr/>
-              <a:t>11/19/2022</a:t>
+              <a:t>11/22/2022</a:t>
             </a:fld>
             <a:endParaRPr lang="en-US"/>
           </a:p>
@@ -3230,7 +3230,7 @@
             <a:fld id="{1D8BD707-D9CF-40AE-B4C6-C98DA3205C09}" type="datetimeFigureOut">
               <a:rPr lang="en-US" smtClean="0"/>
               <a:pPr/>
-              <a:t>11/19/2022</a:t>
+              <a:t>11/22/2022</a:t>
             </a:fld>
             <a:endParaRPr lang="en-US"/>
           </a:p>
@@ -3344,7 +3344,7 @@
             <a:fld id="{1D8BD707-D9CF-40AE-B4C6-C98DA3205C09}" type="datetimeFigureOut">
               <a:rPr lang="en-US" smtClean="0"/>
               <a:pPr/>
-              <a:t>11/19/2022</a:t>
+              <a:t>11/22/2022</a:t>
             </a:fld>
             <a:endParaRPr lang="en-US"/>
           </a:p>
@@ -3436,7 +3436,7 @@
             <a:fld id="{1D8BD707-D9CF-40AE-B4C6-C98DA3205C09}" type="datetimeFigureOut">
               <a:rPr lang="en-US" smtClean="0"/>
               <a:pPr/>
-              <a:t>11/19/2022</a:t>
+              <a:t>11/22/2022</a:t>
             </a:fld>
             <a:endParaRPr lang="en-US"/>
           </a:p>
@@ -3708,7 +3708,7 @@
             <a:fld id="{1D8BD707-D9CF-40AE-B4C6-C98DA3205C09}" type="datetimeFigureOut">
               <a:rPr lang="en-US" smtClean="0"/>
               <a:pPr/>
-              <a:t>11/19/2022</a:t>
+              <a:t>11/22/2022</a:t>
             </a:fld>
             <a:endParaRPr lang="en-US"/>
           </a:p>
@@ -3957,7 +3957,7 @@
             <a:fld id="{1D8BD707-D9CF-40AE-B4C6-C98DA3205C09}" type="datetimeFigureOut">
               <a:rPr lang="en-US" smtClean="0"/>
               <a:pPr/>
-              <a:t>11/19/2022</a:t>
+              <a:t>11/22/2022</a:t>
             </a:fld>
             <a:endParaRPr lang="en-US"/>
           </a:p>
@@ -4174,7 +4174,7 @@
             <a:fld id="{1D8BD707-D9CF-40AE-B4C6-C98DA3205C09}" type="datetimeFigureOut">
               <a:rPr lang="en-US" smtClean="0"/>
               <a:pPr/>
-              <a:t>11/19/2022</a:t>
+              <a:t>11/22/2022</a:t>
             </a:fld>
             <a:endParaRPr lang="en-US"/>
           </a:p>
@@ -4658,7 +4658,7 @@
           <p:cNvPr id="4" name="Picture 3">
             <a:extLst>
               <a:ext uri="{FF2B5EF4-FFF2-40B4-BE49-F238E27FC236}">
-                <a16:creationId xmlns="" xmlns:a16="http://schemas.microsoft.com/office/drawing/2014/main" id="{F717AD2B-8CBD-D15F-2B82-C04AB4107C06}"/>
+                <a16:creationId xmlns:a16="http://schemas.microsoft.com/office/drawing/2014/main" xmlns="" id="{F717AD2B-8CBD-D15F-2B82-C04AB4107C06}"/>
               </a:ext>
             </a:extLst>
           </p:cNvPr>
@@ -4688,7 +4688,7 @@
           <p:cNvPr id="7" name="TextBox 6">
             <a:extLst>
               <a:ext uri="{FF2B5EF4-FFF2-40B4-BE49-F238E27FC236}">
-                <a16:creationId xmlns="" xmlns:a16="http://schemas.microsoft.com/office/drawing/2014/main" id="{D5175723-71CB-419F-22D4-E782F927EABB}"/>
+                <a16:creationId xmlns:a16="http://schemas.microsoft.com/office/drawing/2014/main" xmlns="" id="{D5175723-71CB-419F-22D4-E782F927EABB}"/>
               </a:ext>
             </a:extLst>
           </p:cNvPr>
@@ -5202,7 +5202,7 @@
           <p:cNvPr id="4" name="Picture 3">
             <a:extLst>
               <a:ext uri="{FF2B5EF4-FFF2-40B4-BE49-F238E27FC236}">
-                <a16:creationId xmlns="" xmlns:a16="http://schemas.microsoft.com/office/drawing/2014/main" id="{F717AD2B-8CBD-D15F-2B82-C04AB4107C06}"/>
+                <a16:creationId xmlns:a16="http://schemas.microsoft.com/office/drawing/2014/main" xmlns="" id="{F717AD2B-8CBD-D15F-2B82-C04AB4107C06}"/>
               </a:ext>
             </a:extLst>
           </p:cNvPr>
@@ -5232,7 +5232,7 @@
           <p:cNvPr id="5" name="TextBox 4">
             <a:extLst>
               <a:ext uri="{FF2B5EF4-FFF2-40B4-BE49-F238E27FC236}">
-                <a16:creationId xmlns="" xmlns:a16="http://schemas.microsoft.com/office/drawing/2014/main" id="{E0376106-D0E3-FDF1-30DD-702D60BB3347}"/>
+                <a16:creationId xmlns:a16="http://schemas.microsoft.com/office/drawing/2014/main" xmlns="" id="{E0376106-D0E3-FDF1-30DD-702D60BB3347}"/>
               </a:ext>
             </a:extLst>
           </p:cNvPr>
@@ -5691,7 +5691,7 @@
           <p:cNvPr id="4" name="Picture 3">
             <a:extLst>
               <a:ext uri="{FF2B5EF4-FFF2-40B4-BE49-F238E27FC236}">
-                <a16:creationId xmlns="" xmlns:a16="http://schemas.microsoft.com/office/drawing/2014/main" id="{F717AD2B-8CBD-D15F-2B82-C04AB4107C06}"/>
+                <a16:creationId xmlns:a16="http://schemas.microsoft.com/office/drawing/2014/main" xmlns="" id="{F717AD2B-8CBD-D15F-2B82-C04AB4107C06}"/>
               </a:ext>
             </a:extLst>
           </p:cNvPr>
@@ -5721,7 +5721,7 @@
           <p:cNvPr id="5" name="TextBox 4">
             <a:extLst>
               <a:ext uri="{FF2B5EF4-FFF2-40B4-BE49-F238E27FC236}">
-                <a16:creationId xmlns="" xmlns:a16="http://schemas.microsoft.com/office/drawing/2014/main" id="{E0376106-D0E3-FDF1-30DD-702D60BB3347}"/>
+                <a16:creationId xmlns:a16="http://schemas.microsoft.com/office/drawing/2014/main" xmlns="" id="{E0376106-D0E3-FDF1-30DD-702D60BB3347}"/>
               </a:ext>
             </a:extLst>
           </p:cNvPr>
@@ -6236,7 +6236,7 @@
           <p:cNvPr id="4" name="Picture 3">
             <a:extLst>
               <a:ext uri="{FF2B5EF4-FFF2-40B4-BE49-F238E27FC236}">
-                <a16:creationId xmlns="" xmlns:a16="http://schemas.microsoft.com/office/drawing/2014/main" id="{F717AD2B-8CBD-D15F-2B82-C04AB4107C06}"/>
+                <a16:creationId xmlns:a16="http://schemas.microsoft.com/office/drawing/2014/main" xmlns="" id="{F717AD2B-8CBD-D15F-2B82-C04AB4107C06}"/>
               </a:ext>
             </a:extLst>
           </p:cNvPr>
@@ -6266,7 +6266,7 @@
           <p:cNvPr id="5" name="TextBox 4">
             <a:extLst>
               <a:ext uri="{FF2B5EF4-FFF2-40B4-BE49-F238E27FC236}">
-                <a16:creationId xmlns="" xmlns:a16="http://schemas.microsoft.com/office/drawing/2014/main" id="{E0376106-D0E3-FDF1-30DD-702D60BB3347}"/>
+                <a16:creationId xmlns:a16="http://schemas.microsoft.com/office/drawing/2014/main" xmlns="" id="{E0376106-D0E3-FDF1-30DD-702D60BB3347}"/>
               </a:ext>
             </a:extLst>
           </p:cNvPr>
@@ -6865,7 +6865,7 @@
           <p:cNvPr id="4" name="Picture 3">
             <a:extLst>
               <a:ext uri="{FF2B5EF4-FFF2-40B4-BE49-F238E27FC236}">
-                <a16:creationId xmlns="" xmlns:a16="http://schemas.microsoft.com/office/drawing/2014/main" id="{F717AD2B-8CBD-D15F-2B82-C04AB4107C06}"/>
+                <a16:creationId xmlns:a16="http://schemas.microsoft.com/office/drawing/2014/main" xmlns="" id="{F717AD2B-8CBD-D15F-2B82-C04AB4107C06}"/>
               </a:ext>
             </a:extLst>
           </p:cNvPr>
@@ -6895,7 +6895,7 @@
           <p:cNvPr id="5" name="TextBox 4">
             <a:extLst>
               <a:ext uri="{FF2B5EF4-FFF2-40B4-BE49-F238E27FC236}">
-                <a16:creationId xmlns="" xmlns:a16="http://schemas.microsoft.com/office/drawing/2014/main" id="{E0376106-D0E3-FDF1-30DD-702D60BB3347}"/>
+                <a16:creationId xmlns:a16="http://schemas.microsoft.com/office/drawing/2014/main" xmlns="" id="{E0376106-D0E3-FDF1-30DD-702D60BB3347}"/>
               </a:ext>
             </a:extLst>
           </p:cNvPr>
@@ -7277,7 +7277,7 @@
           <p:cNvPr id="12" name="Picture 11">
             <a:extLst>
               <a:ext uri="{FF2B5EF4-FFF2-40B4-BE49-F238E27FC236}">
-                <a16:creationId xmlns="" xmlns:a16="http://schemas.microsoft.com/office/drawing/2014/main" id="{6246B09D-98C1-98DD-BB33-9626C6B27FE7}"/>
+                <a16:creationId xmlns:a16="http://schemas.microsoft.com/office/drawing/2014/main" xmlns="" id="{6246B09D-98C1-98DD-BB33-9626C6B27FE7}"/>
               </a:ext>
             </a:extLst>
           </p:cNvPr>
@@ -7318,7 +7318,7 @@
           <p:cNvPr id="14" name="Picture 13">
             <a:extLst>
               <a:ext uri="{FF2B5EF4-FFF2-40B4-BE49-F238E27FC236}">
-                <a16:creationId xmlns="" xmlns:a16="http://schemas.microsoft.com/office/drawing/2014/main" id="{851B748B-AAE4-A6FD-F0F9-7B9AE2CF6768}"/>
+                <a16:creationId xmlns:a16="http://schemas.microsoft.com/office/drawing/2014/main" xmlns="" id="{851B748B-AAE4-A6FD-F0F9-7B9AE2CF6768}"/>
               </a:ext>
             </a:extLst>
           </p:cNvPr>
@@ -7359,7 +7359,7 @@
           <p:cNvPr id="16" name="Picture 15">
             <a:extLst>
               <a:ext uri="{FF2B5EF4-FFF2-40B4-BE49-F238E27FC236}">
-                <a16:creationId xmlns="" xmlns:a16="http://schemas.microsoft.com/office/drawing/2014/main" id="{7C5719E1-FDB3-4006-5534-3DD54FC66EE3}"/>
+                <a16:creationId xmlns:a16="http://schemas.microsoft.com/office/drawing/2014/main" xmlns="" id="{7C5719E1-FDB3-4006-5534-3DD54FC66EE3}"/>
               </a:ext>
             </a:extLst>
           </p:cNvPr>
@@ -7400,7 +7400,7 @@
           <p:cNvPr id="18" name="Picture 17">
             <a:extLst>
               <a:ext uri="{FF2B5EF4-FFF2-40B4-BE49-F238E27FC236}">
-                <a16:creationId xmlns="" xmlns:a16="http://schemas.microsoft.com/office/drawing/2014/main" id="{C035E3BA-7831-8D3B-31DF-F238D800AEE2}"/>
+                <a16:creationId xmlns:a16="http://schemas.microsoft.com/office/drawing/2014/main" xmlns="" id="{C035E3BA-7831-8D3B-31DF-F238D800AEE2}"/>
               </a:ext>
             </a:extLst>
           </p:cNvPr>
@@ -7441,7 +7441,7 @@
           <p:cNvPr id="20" name="Picture 19">
             <a:extLst>
               <a:ext uri="{FF2B5EF4-FFF2-40B4-BE49-F238E27FC236}">
-                <a16:creationId xmlns="" xmlns:a16="http://schemas.microsoft.com/office/drawing/2014/main" id="{EB3FF892-51CD-C245-3C4D-F8880565EFBA}"/>
+                <a16:creationId xmlns:a16="http://schemas.microsoft.com/office/drawing/2014/main" xmlns="" id="{EB3FF892-51CD-C245-3C4D-F8880565EFBA}"/>
               </a:ext>
             </a:extLst>
           </p:cNvPr>
@@ -7855,7 +7855,7 @@
           <p:cNvPr id="6" name="Picture 5">
             <a:extLst>
               <a:ext uri="{FF2B5EF4-FFF2-40B4-BE49-F238E27FC236}">
-                <a16:creationId xmlns="" xmlns:a16="http://schemas.microsoft.com/office/drawing/2014/main" id="{5708D172-EB47-5B8C-A647-330A4FE1D937}"/>
+                <a16:creationId xmlns:a16="http://schemas.microsoft.com/office/drawing/2014/main" xmlns="" id="{5708D172-EB47-5B8C-A647-330A4FE1D937}"/>
               </a:ext>
             </a:extLst>
           </p:cNvPr>
@@ -7891,7 +7891,7 @@
           <p:cNvPr id="8" name="Picture 7">
             <a:extLst>
               <a:ext uri="{FF2B5EF4-FFF2-40B4-BE49-F238E27FC236}">
-                <a16:creationId xmlns="" xmlns:a16="http://schemas.microsoft.com/office/drawing/2014/main" id="{5069D928-ECC4-A54F-1464-4482D5ED954A}"/>
+                <a16:creationId xmlns:a16="http://schemas.microsoft.com/office/drawing/2014/main" xmlns="" id="{5069D928-ECC4-A54F-1464-4482D5ED954A}"/>
               </a:ext>
             </a:extLst>
           </p:cNvPr>
@@ -8005,7 +8005,7 @@
           <p:cNvPr id="2" name="TextBox 1">
             <a:extLst>
               <a:ext uri="{FF2B5EF4-FFF2-40B4-BE49-F238E27FC236}">
-                <a16:creationId xmlns="" xmlns:a16="http://schemas.microsoft.com/office/drawing/2014/main" id="{33336A0E-48F4-D7C9-BA40-DCEE411852B3}"/>
+                <a16:creationId xmlns:a16="http://schemas.microsoft.com/office/drawing/2014/main" xmlns="" id="{33336A0E-48F4-D7C9-BA40-DCEE411852B3}"/>
               </a:ext>
             </a:extLst>
           </p:cNvPr>
@@ -8040,7 +8040,7 @@
           <p:cNvPr id="7" name="TextBox 6">
             <a:extLst>
               <a:ext uri="{FF2B5EF4-FFF2-40B4-BE49-F238E27FC236}">
-                <a16:creationId xmlns="" xmlns:a16="http://schemas.microsoft.com/office/drawing/2014/main" id="{2E1A672D-122B-387B-5CC2-E216A5F7F2DB}"/>
+                <a16:creationId xmlns:a16="http://schemas.microsoft.com/office/drawing/2014/main" xmlns="" id="{2E1A672D-122B-387B-5CC2-E216A5F7F2DB}"/>
               </a:ext>
             </a:extLst>
           </p:cNvPr>
@@ -8087,7 +8087,7 @@
           <p:cNvPr id="9" name="TextBox 8">
             <a:extLst>
               <a:ext uri="{FF2B5EF4-FFF2-40B4-BE49-F238E27FC236}">
-                <a16:creationId xmlns="" xmlns:a16="http://schemas.microsoft.com/office/drawing/2014/main" id="{08C73998-4E41-B4AA-C27B-3062D8A3E62F}"/>
+                <a16:creationId xmlns:a16="http://schemas.microsoft.com/office/drawing/2014/main" xmlns="" id="{08C73998-4E41-B4AA-C27B-3062D8A3E62F}"/>
               </a:ext>
             </a:extLst>
           </p:cNvPr>
@@ -8142,7 +8142,7 @@
           <p:cNvPr id="10" name="TextBox 9">
             <a:extLst>
               <a:ext uri="{FF2B5EF4-FFF2-40B4-BE49-F238E27FC236}">
-                <a16:creationId xmlns="" xmlns:a16="http://schemas.microsoft.com/office/drawing/2014/main" id="{CB4A2AB9-ACD2-632E-C300-D664C5B27276}"/>
+                <a16:creationId xmlns:a16="http://schemas.microsoft.com/office/drawing/2014/main" xmlns="" id="{CB4A2AB9-ACD2-632E-C300-D664C5B27276}"/>
               </a:ext>
             </a:extLst>
           </p:cNvPr>
@@ -8205,7 +8205,7 @@
           <p:cNvPr id="11" name="TextBox 10">
             <a:extLst>
               <a:ext uri="{FF2B5EF4-FFF2-40B4-BE49-F238E27FC236}">
-                <a16:creationId xmlns="" xmlns:a16="http://schemas.microsoft.com/office/drawing/2014/main" id="{5B370E78-DD83-4D33-7AB8-D6427C836F2E}"/>
+                <a16:creationId xmlns:a16="http://schemas.microsoft.com/office/drawing/2014/main" xmlns="" id="{5B370E78-DD83-4D33-7AB8-D6427C836F2E}"/>
               </a:ext>
             </a:extLst>
           </p:cNvPr>
@@ -8252,7 +8252,7 @@
           <p:cNvPr id="12" name="TextBox 11">
             <a:extLst>
               <a:ext uri="{FF2B5EF4-FFF2-40B4-BE49-F238E27FC236}">
-                <a16:creationId xmlns="" xmlns:a16="http://schemas.microsoft.com/office/drawing/2014/main" id="{150A7265-F50D-D7AA-B93D-24535B4ADA11}"/>
+                <a16:creationId xmlns:a16="http://schemas.microsoft.com/office/drawing/2014/main" xmlns="" id="{150A7265-F50D-D7AA-B93D-24535B4ADA11}"/>
               </a:ext>
             </a:extLst>
           </p:cNvPr>
@@ -8733,7 +8733,7 @@
           <p:cNvPr id="2" name="TextBox 1">
             <a:extLst>
               <a:ext uri="{FF2B5EF4-FFF2-40B4-BE49-F238E27FC236}">
-                <a16:creationId xmlns="" xmlns:a16="http://schemas.microsoft.com/office/drawing/2014/main" id="{33336A0E-48F4-D7C9-BA40-DCEE411852B3}"/>
+                <a16:creationId xmlns:a16="http://schemas.microsoft.com/office/drawing/2014/main" xmlns="" id="{33336A0E-48F4-D7C9-BA40-DCEE411852B3}"/>
               </a:ext>
             </a:extLst>
           </p:cNvPr>
@@ -8768,7 +8768,7 @@
           <p:cNvPr id="8" name="Picture 7">
             <a:extLst>
               <a:ext uri="{FF2B5EF4-FFF2-40B4-BE49-F238E27FC236}">
-                <a16:creationId xmlns="" xmlns:a16="http://schemas.microsoft.com/office/drawing/2014/main" id="{92F96B93-507C-18C0-DE88-7CF1B4BB794C}"/>
+                <a16:creationId xmlns:a16="http://schemas.microsoft.com/office/drawing/2014/main" xmlns="" id="{92F96B93-507C-18C0-DE88-7CF1B4BB794C}"/>
               </a:ext>
             </a:extLst>
           </p:cNvPr>
@@ -9041,7 +9041,7 @@
           <p:cNvPr id="2" name="TextBox 1">
             <a:extLst>
               <a:ext uri="{FF2B5EF4-FFF2-40B4-BE49-F238E27FC236}">
-                <a16:creationId xmlns="" xmlns:a16="http://schemas.microsoft.com/office/drawing/2014/main" id="{33336A0E-48F4-D7C9-BA40-DCEE411852B3}"/>
+                <a16:creationId xmlns:a16="http://schemas.microsoft.com/office/drawing/2014/main" xmlns="" id="{33336A0E-48F4-D7C9-BA40-DCEE411852B3}"/>
               </a:ext>
             </a:extLst>
           </p:cNvPr>
@@ -9080,7 +9080,7 @@
           <p:cNvPr id="7" name="TextBox 6">
             <a:extLst>
               <a:ext uri="{FF2B5EF4-FFF2-40B4-BE49-F238E27FC236}">
-                <a16:creationId xmlns="" xmlns:a16="http://schemas.microsoft.com/office/drawing/2014/main" id="{D7D063EC-DC90-CF1F-D867-4FB476E2290A}"/>
+                <a16:creationId xmlns:a16="http://schemas.microsoft.com/office/drawing/2014/main" xmlns="" id="{D7D063EC-DC90-CF1F-D867-4FB476E2290A}"/>
               </a:ext>
             </a:extLst>
           </p:cNvPr>
@@ -9230,7 +9230,7 @@
           <p:cNvPr id="10" name="Picture 9">
             <a:extLst>
               <a:ext uri="{FF2B5EF4-FFF2-40B4-BE49-F238E27FC236}">
-                <a16:creationId xmlns="" xmlns:a16="http://schemas.microsoft.com/office/drawing/2014/main" id="{022A4660-53DF-4858-97A0-334CA1733DC0}"/>
+                <a16:creationId xmlns:a16="http://schemas.microsoft.com/office/drawing/2014/main" xmlns="" id="{022A4660-53DF-4858-97A0-334CA1733DC0}"/>
               </a:ext>
             </a:extLst>
           </p:cNvPr>
@@ -10015,7 +10015,7 @@
           <p:cNvPr id="7" name="TextBox 6">
             <a:extLst>
               <a:ext uri="{FF2B5EF4-FFF2-40B4-BE49-F238E27FC236}">
-                <a16:creationId xmlns="" xmlns:a16="http://schemas.microsoft.com/office/drawing/2014/main" id="{D7D063EC-DC90-CF1F-D867-4FB476E2290A}"/>
+                <a16:creationId xmlns:a16="http://schemas.microsoft.com/office/drawing/2014/main" xmlns="" id="{D7D063EC-DC90-CF1F-D867-4FB476E2290A}"/>
               </a:ext>
             </a:extLst>
           </p:cNvPr>
@@ -10070,7 +10070,7 @@
           <p:cNvPr id="5" name="Picture 4">
             <a:extLst>
               <a:ext uri="{FF2B5EF4-FFF2-40B4-BE49-F238E27FC236}">
-                <a16:creationId xmlns="" xmlns:a16="http://schemas.microsoft.com/office/drawing/2014/main" id="{60376970-5DA4-BACA-103C-32835A7A07E7}"/>
+                <a16:creationId xmlns:a16="http://schemas.microsoft.com/office/drawing/2014/main" xmlns="" id="{60376970-5DA4-BACA-103C-32835A7A07E7}"/>
               </a:ext>
             </a:extLst>
           </p:cNvPr>
@@ -10336,7 +10336,7 @@
           <p:cNvPr id="7" name="TextBox 6">
             <a:extLst>
               <a:ext uri="{FF2B5EF4-FFF2-40B4-BE49-F238E27FC236}">
-                <a16:creationId xmlns="" xmlns:a16="http://schemas.microsoft.com/office/drawing/2014/main" id="{D7D063EC-DC90-CF1F-D867-4FB476E2290A}"/>
+                <a16:creationId xmlns:a16="http://schemas.microsoft.com/office/drawing/2014/main" xmlns="" id="{D7D063EC-DC90-CF1F-D867-4FB476E2290A}"/>
               </a:ext>
             </a:extLst>
           </p:cNvPr>
@@ -10404,7 +10404,7 @@
           <p:cNvPr id="4" name="Picture 3">
             <a:extLst>
               <a:ext uri="{FF2B5EF4-FFF2-40B4-BE49-F238E27FC236}">
-                <a16:creationId xmlns="" xmlns:a16="http://schemas.microsoft.com/office/drawing/2014/main" id="{D06DCC9F-8B06-83BC-FF3E-BAC5AB2064AB}"/>
+                <a16:creationId xmlns:a16="http://schemas.microsoft.com/office/drawing/2014/main" xmlns="" id="{D06DCC9F-8B06-83BC-FF3E-BAC5AB2064AB}"/>
               </a:ext>
             </a:extLst>
           </p:cNvPr>
@@ -10730,7 +10730,7 @@
           <p:cNvPr id="5" name="Picture 4">
             <a:extLst>
               <a:ext uri="{FF2B5EF4-FFF2-40B4-BE49-F238E27FC236}">
-                <a16:creationId xmlns="" xmlns:a16="http://schemas.microsoft.com/office/drawing/2014/main" id="{97C2BD1D-F1E8-021D-1A45-75E1ED111CA6}"/>
+                <a16:creationId xmlns:a16="http://schemas.microsoft.com/office/drawing/2014/main" xmlns="" id="{97C2BD1D-F1E8-021D-1A45-75E1ED111CA6}"/>
               </a:ext>
             </a:extLst>
           </p:cNvPr>
@@ -10844,7 +10844,7 @@
           <p:cNvPr id="4" name="Picture 3">
             <a:extLst>
               <a:ext uri="{FF2B5EF4-FFF2-40B4-BE49-F238E27FC236}">
-                <a16:creationId xmlns="" xmlns:a16="http://schemas.microsoft.com/office/drawing/2014/main" id="{79A97B1A-1DC6-EF75-866C-9D7AF6C2CB63}"/>
+                <a16:creationId xmlns:a16="http://schemas.microsoft.com/office/drawing/2014/main" xmlns="" id="{79A97B1A-1DC6-EF75-866C-9D7AF6C2CB63}"/>
               </a:ext>
             </a:extLst>
           </p:cNvPr>
@@ -10957,7 +10957,7 @@
           <p:cNvPr id="5" name="Picture 4">
             <a:extLst>
               <a:ext uri="{FF2B5EF4-FFF2-40B4-BE49-F238E27FC236}">
-                <a16:creationId xmlns="" xmlns:a16="http://schemas.microsoft.com/office/drawing/2014/main" id="{F7C982F1-4AB9-554F-2F70-41D2A04AF6C3}"/>
+                <a16:creationId xmlns:a16="http://schemas.microsoft.com/office/drawing/2014/main" xmlns="" id="{F7C982F1-4AB9-554F-2F70-41D2A04AF6C3}"/>
               </a:ext>
             </a:extLst>
           </p:cNvPr>
@@ -11065,7 +11065,7 @@
           <p:cNvPr id="4" name="Picture 3">
             <a:extLst>
               <a:ext uri="{FF2B5EF4-FFF2-40B4-BE49-F238E27FC236}">
-                <a16:creationId xmlns="" xmlns:a16="http://schemas.microsoft.com/office/drawing/2014/main" id="{3DBE506A-94AE-C268-3156-5A3B8F867F99}"/>
+                <a16:creationId xmlns:a16="http://schemas.microsoft.com/office/drawing/2014/main" xmlns="" id="{3DBE506A-94AE-C268-3156-5A3B8F867F99}"/>
               </a:ext>
             </a:extLst>
           </p:cNvPr>
@@ -11101,7 +11101,7 @@
           <p:cNvPr id="7" name="TextBox 6">
             <a:extLst>
               <a:ext uri="{FF2B5EF4-FFF2-40B4-BE49-F238E27FC236}">
-                <a16:creationId xmlns="" xmlns:a16="http://schemas.microsoft.com/office/drawing/2014/main" id="{EC22761B-80B8-2156-C448-780E921DCFEE}"/>
+                <a16:creationId xmlns:a16="http://schemas.microsoft.com/office/drawing/2014/main" xmlns="" id="{EC22761B-80B8-2156-C448-780E921DCFEE}"/>
               </a:ext>
             </a:extLst>
           </p:cNvPr>
@@ -11218,7 +11218,7 @@
           <p:cNvPr id="8" name="Picture 7">
             <a:extLst>
               <a:ext uri="{FF2B5EF4-FFF2-40B4-BE49-F238E27FC236}">
-                <a16:creationId xmlns="" xmlns:a16="http://schemas.microsoft.com/office/drawing/2014/main" id="{1E26BDB8-A578-38DB-FDEF-453F241AEBE1}"/>
+                <a16:creationId xmlns:a16="http://schemas.microsoft.com/office/drawing/2014/main" xmlns="" id="{1E26BDB8-A578-38DB-FDEF-453F241AEBE1}"/>
               </a:ext>
             </a:extLst>
           </p:cNvPr>
@@ -11248,7 +11248,7 @@
           <p:cNvPr id="10" name="Picture 9">
             <a:extLst>
               <a:ext uri="{FF2B5EF4-FFF2-40B4-BE49-F238E27FC236}">
-                <a16:creationId xmlns="" xmlns:a16="http://schemas.microsoft.com/office/drawing/2014/main" id="{1CAFA705-1F8D-7111-83BD-A270C1FCF533}"/>
+                <a16:creationId xmlns:a16="http://schemas.microsoft.com/office/drawing/2014/main" xmlns="" id="{1CAFA705-1F8D-7111-83BD-A270C1FCF533}"/>
               </a:ext>
             </a:extLst>
           </p:cNvPr>
@@ -11356,7 +11356,7 @@
           <p:cNvPr id="4" name="Picture 3">
             <a:extLst>
               <a:ext uri="{FF2B5EF4-FFF2-40B4-BE49-F238E27FC236}">
-                <a16:creationId xmlns="" xmlns:a16="http://schemas.microsoft.com/office/drawing/2014/main" id="{905C41C8-D0A6-5DA9-56FC-6301C841F1FE}"/>
+                <a16:creationId xmlns:a16="http://schemas.microsoft.com/office/drawing/2014/main" xmlns="" id="{905C41C8-D0A6-5DA9-56FC-6301C841F1FE}"/>
               </a:ext>
             </a:extLst>
           </p:cNvPr>
@@ -11386,7 +11386,7 @@
           <p:cNvPr id="6" name="Picture 5">
             <a:extLst>
               <a:ext uri="{FF2B5EF4-FFF2-40B4-BE49-F238E27FC236}">
-                <a16:creationId xmlns="" xmlns:a16="http://schemas.microsoft.com/office/drawing/2014/main" id="{4639EF87-777D-A9B4-7740-BEB565F2FF80}"/>
+                <a16:creationId xmlns:a16="http://schemas.microsoft.com/office/drawing/2014/main" xmlns="" id="{4639EF87-777D-A9B4-7740-BEB565F2FF80}"/>
               </a:ext>
             </a:extLst>
           </p:cNvPr>
@@ -11494,7 +11494,7 @@
           <p:cNvPr id="4" name="Picture 3">
             <a:extLst>
               <a:ext uri="{FF2B5EF4-FFF2-40B4-BE49-F238E27FC236}">
-                <a16:creationId xmlns="" xmlns:a16="http://schemas.microsoft.com/office/drawing/2014/main" id="{41937AAE-ED1D-97B1-956C-52F3280CBB74}"/>
+                <a16:creationId xmlns:a16="http://schemas.microsoft.com/office/drawing/2014/main" xmlns="" id="{41937AAE-ED1D-97B1-956C-52F3280CBB74}"/>
               </a:ext>
             </a:extLst>
           </p:cNvPr>
@@ -11530,7 +11530,7 @@
           <p:cNvPr id="5" name="TextBox 4">
             <a:extLst>
               <a:ext uri="{FF2B5EF4-FFF2-40B4-BE49-F238E27FC236}">
-                <a16:creationId xmlns="" xmlns:a16="http://schemas.microsoft.com/office/drawing/2014/main" id="{4C95C56A-D984-5F7B-09AE-27F0B4CF4E99}"/>
+                <a16:creationId xmlns:a16="http://schemas.microsoft.com/office/drawing/2014/main" xmlns="" id="{4C95C56A-D984-5F7B-09AE-27F0B4CF4E99}"/>
               </a:ext>
             </a:extLst>
           </p:cNvPr>
@@ -11889,7 +11889,7 @@
           <p:cNvPr id="6" name="Picture 5">
             <a:extLst>
               <a:ext uri="{FF2B5EF4-FFF2-40B4-BE49-F238E27FC236}">
-                <a16:creationId xmlns="" xmlns:a16="http://schemas.microsoft.com/office/drawing/2014/main" id="{618A09A0-9AA3-412C-3A36-AE296A89CB10}"/>
+                <a16:creationId xmlns:a16="http://schemas.microsoft.com/office/drawing/2014/main" xmlns="" id="{618A09A0-9AA3-412C-3A36-AE296A89CB10}"/>
               </a:ext>
             </a:extLst>
           </p:cNvPr>
@@ -12194,7 +12194,7 @@
           <p:cNvPr id="4" name="Picture 3">
             <a:extLst>
               <a:ext uri="{FF2B5EF4-FFF2-40B4-BE49-F238E27FC236}">
-                <a16:creationId xmlns="" xmlns:a16="http://schemas.microsoft.com/office/drawing/2014/main" id="{3FDB99FC-7775-152A-2532-558FCE4A761A}"/>
+                <a16:creationId xmlns:a16="http://schemas.microsoft.com/office/drawing/2014/main" xmlns="" id="{3FDB99FC-7775-152A-2532-558FCE4A761A}"/>
               </a:ext>
             </a:extLst>
           </p:cNvPr>
@@ -12308,7 +12308,7 @@
           <p:cNvPr id="5" name="Picture 4">
             <a:extLst>
               <a:ext uri="{FF2B5EF4-FFF2-40B4-BE49-F238E27FC236}">
-                <a16:creationId xmlns="" xmlns:a16="http://schemas.microsoft.com/office/drawing/2014/main" id="{770662F7-9D96-D8B8-A127-5CF4E1FCB2E3}"/>
+                <a16:creationId xmlns:a16="http://schemas.microsoft.com/office/drawing/2014/main" xmlns="" id="{770662F7-9D96-D8B8-A127-5CF4E1FCB2E3}"/>
               </a:ext>
             </a:extLst>
           </p:cNvPr>
@@ -12344,7 +12344,7 @@
           <p:cNvPr id="8" name="TextBox 7">
             <a:extLst>
               <a:ext uri="{FF2B5EF4-FFF2-40B4-BE49-F238E27FC236}">
-                <a16:creationId xmlns="" xmlns:a16="http://schemas.microsoft.com/office/drawing/2014/main" id="{85280BAB-4788-5FCA-5012-F8415570676E}"/>
+                <a16:creationId xmlns:a16="http://schemas.microsoft.com/office/drawing/2014/main" xmlns="" id="{85280BAB-4788-5FCA-5012-F8415570676E}"/>
               </a:ext>
             </a:extLst>
           </p:cNvPr>
@@ -12861,7 +12861,7 @@
           <p:cNvPr id="8" name="TextBox 7">
             <a:extLst>
               <a:ext uri="{FF2B5EF4-FFF2-40B4-BE49-F238E27FC236}">
-                <a16:creationId xmlns="" xmlns:a16="http://schemas.microsoft.com/office/drawing/2014/main" id="{85280BAB-4788-5FCA-5012-F8415570676E}"/>
+                <a16:creationId xmlns:a16="http://schemas.microsoft.com/office/drawing/2014/main" xmlns="" id="{85280BAB-4788-5FCA-5012-F8415570676E}"/>
               </a:ext>
             </a:extLst>
           </p:cNvPr>
@@ -12965,7 +12965,7 @@
           <p:cNvPr id="7" name="Picture 6">
             <a:extLst>
               <a:ext uri="{FF2B5EF4-FFF2-40B4-BE49-F238E27FC236}">
-                <a16:creationId xmlns="" xmlns:a16="http://schemas.microsoft.com/office/drawing/2014/main" id="{F5420F95-591C-6211-8269-36C47FECC2CF}"/>
+                <a16:creationId xmlns:a16="http://schemas.microsoft.com/office/drawing/2014/main" xmlns="" id="{F5420F95-591C-6211-8269-36C47FECC2CF}"/>
               </a:ext>
             </a:extLst>
           </p:cNvPr>
@@ -13414,7 +13414,7 @@
           <p:cNvPr id="4" name="Picture 3">
             <a:extLst>
               <a:ext uri="{FF2B5EF4-FFF2-40B4-BE49-F238E27FC236}">
-                <a16:creationId xmlns="" xmlns:a16="http://schemas.microsoft.com/office/drawing/2014/main" id="{84666911-E526-542B-1294-6AC7FC76C70F}"/>
+                <a16:creationId xmlns:a16="http://schemas.microsoft.com/office/drawing/2014/main" xmlns="" id="{84666911-E526-542B-1294-6AC7FC76C70F}"/>
               </a:ext>
             </a:extLst>
           </p:cNvPr>
@@ -13528,7 +13528,7 @@
           <p:cNvPr id="5" name="Picture 4">
             <a:extLst>
               <a:ext uri="{FF2B5EF4-FFF2-40B4-BE49-F238E27FC236}">
-                <a16:creationId xmlns="" xmlns:a16="http://schemas.microsoft.com/office/drawing/2014/main" id="{05D779F2-ECDC-B17A-D7D3-19CF556738FF}"/>
+                <a16:creationId xmlns:a16="http://schemas.microsoft.com/office/drawing/2014/main" xmlns="" id="{05D779F2-ECDC-B17A-D7D3-19CF556738FF}"/>
               </a:ext>
             </a:extLst>
           </p:cNvPr>
@@ -13564,7 +13564,7 @@
           <p:cNvPr id="7" name="Picture 6">
             <a:extLst>
               <a:ext uri="{FF2B5EF4-FFF2-40B4-BE49-F238E27FC236}">
-                <a16:creationId xmlns="" xmlns:a16="http://schemas.microsoft.com/office/drawing/2014/main" id="{FF7D91B3-017D-6603-AF9F-9871AC43A9E9}"/>
+                <a16:creationId xmlns:a16="http://schemas.microsoft.com/office/drawing/2014/main" xmlns="" id="{FF7D91B3-017D-6603-AF9F-9871AC43A9E9}"/>
               </a:ext>
             </a:extLst>
           </p:cNvPr>
@@ -13678,7 +13678,7 @@
           <p:cNvPr id="4" name="Picture 3">
             <a:extLst>
               <a:ext uri="{FF2B5EF4-FFF2-40B4-BE49-F238E27FC236}">
-                <a16:creationId xmlns="" xmlns:a16="http://schemas.microsoft.com/office/drawing/2014/main" id="{1516477E-148A-EE26-D515-B9BA1710E7F9}"/>
+                <a16:creationId xmlns:a16="http://schemas.microsoft.com/office/drawing/2014/main" xmlns="" id="{1516477E-148A-EE26-D515-B9BA1710E7F9}"/>
               </a:ext>
             </a:extLst>
           </p:cNvPr>
@@ -13792,7 +13792,7 @@
           <p:cNvPr id="5" name="Picture 4">
             <a:extLst>
               <a:ext uri="{FF2B5EF4-FFF2-40B4-BE49-F238E27FC236}">
-                <a16:creationId xmlns="" xmlns:a16="http://schemas.microsoft.com/office/drawing/2014/main" id="{A6AD9895-2B9C-AAE2-BB3E-1A40E3614484}"/>
+                <a16:creationId xmlns:a16="http://schemas.microsoft.com/office/drawing/2014/main" xmlns="" id="{A6AD9895-2B9C-AAE2-BB3E-1A40E3614484}"/>
               </a:ext>
             </a:extLst>
           </p:cNvPr>
@@ -13906,7 +13906,7 @@
           <p:cNvPr id="4" name="Picture 3">
             <a:extLst>
               <a:ext uri="{FF2B5EF4-FFF2-40B4-BE49-F238E27FC236}">
-                <a16:creationId xmlns="" xmlns:a16="http://schemas.microsoft.com/office/drawing/2014/main" id="{08B9380D-623A-8501-15AA-8CF1496C211F}"/>
+                <a16:creationId xmlns:a16="http://schemas.microsoft.com/office/drawing/2014/main" xmlns="" id="{08B9380D-623A-8501-15AA-8CF1496C211F}"/>
               </a:ext>
             </a:extLst>
           </p:cNvPr>
@@ -14020,7 +14020,7 @@
           <p:cNvPr id="5" name="Picture 4">
             <a:extLst>
               <a:ext uri="{FF2B5EF4-FFF2-40B4-BE49-F238E27FC236}">
-                <a16:creationId xmlns="" xmlns:a16="http://schemas.microsoft.com/office/drawing/2014/main" id="{9E65409B-925D-39D7-8A28-CD9680904EE5}"/>
+                <a16:creationId xmlns:a16="http://schemas.microsoft.com/office/drawing/2014/main" xmlns="" id="{9E65409B-925D-39D7-8A28-CD9680904EE5}"/>
               </a:ext>
             </a:extLst>
           </p:cNvPr>
@@ -14595,7 +14595,7 @@
           <p:cNvPr id="4" name="Picture 3">
             <a:extLst>
               <a:ext uri="{FF2B5EF4-FFF2-40B4-BE49-F238E27FC236}">
-                <a16:creationId xmlns="" xmlns:a16="http://schemas.microsoft.com/office/drawing/2014/main" id="{3A60D467-9335-D260-C03A-BE9A10801B85}"/>
+                <a16:creationId xmlns:a16="http://schemas.microsoft.com/office/drawing/2014/main" xmlns="" id="{3A60D467-9335-D260-C03A-BE9A10801B85}"/>
               </a:ext>
             </a:extLst>
           </p:cNvPr>
@@ -14625,7 +14625,7 @@
           <p:cNvPr id="7" name="Picture 6">
             <a:extLst>
               <a:ext uri="{FF2B5EF4-FFF2-40B4-BE49-F238E27FC236}">
-                <a16:creationId xmlns="" xmlns:a16="http://schemas.microsoft.com/office/drawing/2014/main" id="{67D9C20A-4DA7-2386-01C3-0BBABFBA31C4}"/>
+                <a16:creationId xmlns:a16="http://schemas.microsoft.com/office/drawing/2014/main" xmlns="" id="{67D9C20A-4DA7-2386-01C3-0BBABFBA31C4}"/>
               </a:ext>
             </a:extLst>
           </p:cNvPr>
@@ -14868,7 +14868,7 @@
           <p:cNvPr id="5" name="Picture 4">
             <a:extLst>
               <a:ext uri="{FF2B5EF4-FFF2-40B4-BE49-F238E27FC236}">
-                <a16:creationId xmlns="" xmlns:a16="http://schemas.microsoft.com/office/drawing/2014/main" id="{653C8343-D5F6-5904-F4D0-B742B97D78A8}"/>
+                <a16:creationId xmlns:a16="http://schemas.microsoft.com/office/drawing/2014/main" xmlns="" id="{653C8343-D5F6-5904-F4D0-B742B97D78A8}"/>
               </a:ext>
             </a:extLst>
           </p:cNvPr>
@@ -15059,7 +15059,7 @@
           <p:cNvPr id="4" name="Picture 3">
             <a:extLst>
               <a:ext uri="{FF2B5EF4-FFF2-40B4-BE49-F238E27FC236}">
-                <a16:creationId xmlns="" xmlns:a16="http://schemas.microsoft.com/office/drawing/2014/main" id="{F717AD2B-8CBD-D15F-2B82-C04AB4107C06}"/>
+                <a16:creationId xmlns:a16="http://schemas.microsoft.com/office/drawing/2014/main" xmlns="" id="{F717AD2B-8CBD-D15F-2B82-C04AB4107C06}"/>
               </a:ext>
             </a:extLst>
           </p:cNvPr>
@@ -15089,7 +15089,7 @@
           <p:cNvPr id="7" name="TextBox 6">
             <a:extLst>
               <a:ext uri="{FF2B5EF4-FFF2-40B4-BE49-F238E27FC236}">
-                <a16:creationId xmlns="" xmlns:a16="http://schemas.microsoft.com/office/drawing/2014/main" id="{D5175723-71CB-419F-22D4-E782F927EABB}"/>
+                <a16:creationId xmlns:a16="http://schemas.microsoft.com/office/drawing/2014/main" xmlns="" id="{D5175723-71CB-419F-22D4-E782F927EABB}"/>
               </a:ext>
             </a:extLst>
           </p:cNvPr>
@@ -15202,7 +15202,7 @@
           <p:cNvPr id="8" name="TextBox 7">
             <a:extLst>
               <a:ext uri="{FF2B5EF4-FFF2-40B4-BE49-F238E27FC236}">
-                <a16:creationId xmlns="" xmlns:a16="http://schemas.microsoft.com/office/drawing/2014/main" id="{4F22F4DE-524C-33BC-37B4-FD21A97F55E8}"/>
+                <a16:creationId xmlns:a16="http://schemas.microsoft.com/office/drawing/2014/main" xmlns="" id="{4F22F4DE-524C-33BC-37B4-FD21A97F55E8}"/>
               </a:ext>
             </a:extLst>
           </p:cNvPr>
@@ -16098,7 +16098,7 @@
           <p:cNvPr id="4" name="Picture 3">
             <a:extLst>
               <a:ext uri="{FF2B5EF4-FFF2-40B4-BE49-F238E27FC236}">
-                <a16:creationId xmlns="" xmlns:a16="http://schemas.microsoft.com/office/drawing/2014/main" id="{F717AD2B-8CBD-D15F-2B82-C04AB4107C06}"/>
+                <a16:creationId xmlns:a16="http://schemas.microsoft.com/office/drawing/2014/main" xmlns="" id="{F717AD2B-8CBD-D15F-2B82-C04AB4107C06}"/>
               </a:ext>
             </a:extLst>
           </p:cNvPr>
@@ -16128,7 +16128,7 @@
           <p:cNvPr id="7" name="TextBox 6">
             <a:extLst>
               <a:ext uri="{FF2B5EF4-FFF2-40B4-BE49-F238E27FC236}">
-                <a16:creationId xmlns="" xmlns:a16="http://schemas.microsoft.com/office/drawing/2014/main" id="{D5175723-71CB-419F-22D4-E782F927EABB}"/>
+                <a16:creationId xmlns:a16="http://schemas.microsoft.com/office/drawing/2014/main" xmlns="" id="{D5175723-71CB-419F-22D4-E782F927EABB}"/>
               </a:ext>
             </a:extLst>
           </p:cNvPr>
@@ -16818,7 +16818,7 @@
           <p:cNvPr id="4" name="Picture 3">
             <a:extLst>
               <a:ext uri="{FF2B5EF4-FFF2-40B4-BE49-F238E27FC236}">
-                <a16:creationId xmlns="" xmlns:a16="http://schemas.microsoft.com/office/drawing/2014/main" id="{F717AD2B-8CBD-D15F-2B82-C04AB4107C06}"/>
+                <a16:creationId xmlns:a16="http://schemas.microsoft.com/office/drawing/2014/main" xmlns="" id="{F717AD2B-8CBD-D15F-2B82-C04AB4107C06}"/>
               </a:ext>
             </a:extLst>
           </p:cNvPr>
@@ -16848,7 +16848,7 @@
           <p:cNvPr id="7" name="TextBox 6">
             <a:extLst>
               <a:ext uri="{FF2B5EF4-FFF2-40B4-BE49-F238E27FC236}">
-                <a16:creationId xmlns="" xmlns:a16="http://schemas.microsoft.com/office/drawing/2014/main" id="{D5175723-71CB-419F-22D4-E782F927EABB}"/>
+                <a16:creationId xmlns:a16="http://schemas.microsoft.com/office/drawing/2014/main" xmlns="" id="{D5175723-71CB-419F-22D4-E782F927EABB}"/>
               </a:ext>
             </a:extLst>
           </p:cNvPr>

--- a/Flutter/PPT/Slide.pptx
+++ b/Flutter/PPT/Slide.pptx
@@ -5,7 +5,7 @@
     <p:sldMasterId id="2147483648" r:id="rId1"/>
   </p:sldMasterIdLst>
   <p:notesMasterIdLst>
-    <p:notesMasterId r:id="rId41"/>
+    <p:notesMasterId r:id="rId47"/>
   </p:notesMasterIdLst>
   <p:sldIdLst>
     <p:sldId id="256" r:id="rId2"/>
@@ -47,6 +47,12 @@
     <p:sldId id="307" r:id="rId38"/>
     <p:sldId id="308" r:id="rId39"/>
     <p:sldId id="309" r:id="rId40"/>
+    <p:sldId id="310" r:id="rId41"/>
+    <p:sldId id="311" r:id="rId42"/>
+    <p:sldId id="312" r:id="rId43"/>
+    <p:sldId id="313" r:id="rId44"/>
+    <p:sldId id="314" r:id="rId45"/>
+    <p:sldId id="315" r:id="rId46"/>
   </p:sldIdLst>
   <p:sldSz cx="9144000" cy="5143500" type="screen16x9"/>
   <p:notesSz cx="6858000" cy="9144000"/>
@@ -246,7 +252,7 @@
           <a:p>
             <a:fld id="{38EBF754-CDC4-4762-B81C-FDFA88BC1D35}" type="datetimeFigureOut">
               <a:rPr lang="en-US" smtClean="0"/>
-              <a:t>11/22/2022</a:t>
+              <a:t>12/2/2022</a:t>
             </a:fld>
             <a:endParaRPr lang="en-US"/>
           </a:p>
@@ -923,7 +929,511 @@
     </p:spTree>
     <p:extLst>
       <p:ext uri="{BB962C8B-B14F-4D97-AF65-F5344CB8AC3E}">
-        <p14:creationId xmlns:p14="http://schemas.microsoft.com/office/powerpoint/2010/main" val="3035479178"/>
+        <p14:creationId xmlns:p14="http://schemas.microsoft.com/office/powerpoint/2010/main" val="1808857681"/>
+      </p:ext>
+    </p:extLst>
+  </p:cSld>
+  <p:clrMapOvr>
+    <a:masterClrMapping/>
+  </p:clrMapOvr>
+</p:notes>
+</file>
+
+<file path=ppt/notesSlides/notesSlide14.xml><?xml version="1.0" encoding="utf-8"?>
+<p:notes xmlns:a="http://schemas.openxmlformats.org/drawingml/2006/main" xmlns:r="http://schemas.openxmlformats.org/officeDocument/2006/relationships" xmlns:p="http://schemas.openxmlformats.org/presentationml/2006/main">
+  <p:cSld>
+    <p:spTree>
+      <p:nvGrpSpPr>
+        <p:cNvPr id="1" name=""/>
+        <p:cNvGrpSpPr/>
+        <p:nvPr/>
+      </p:nvGrpSpPr>
+      <p:grpSpPr>
+        <a:xfrm>
+          <a:off x="0" y="0"/>
+          <a:ext cx="0" cy="0"/>
+          <a:chOff x="0" y="0"/>
+          <a:chExt cx="0" cy="0"/>
+        </a:xfrm>
+      </p:grpSpPr>
+      <p:sp>
+        <p:nvSpPr>
+          <p:cNvPr id="2" name="Slide Image Placeholder 1"/>
+          <p:cNvSpPr>
+            <a:spLocks noGrp="1" noRot="1" noChangeAspect="1"/>
+          </p:cNvSpPr>
+          <p:nvPr>
+            <p:ph type="sldImg"/>
+          </p:nvPr>
+        </p:nvSpPr>
+        <p:spPr/>
+      </p:sp>
+      <p:sp>
+        <p:nvSpPr>
+          <p:cNvPr id="3" name="Notes Placeholder 2"/>
+          <p:cNvSpPr>
+            <a:spLocks noGrp="1"/>
+          </p:cNvSpPr>
+          <p:nvPr>
+            <p:ph type="body" idx="1"/>
+          </p:nvPr>
+        </p:nvSpPr>
+        <p:spPr/>
+        <p:txBody>
+          <a:bodyPr/>
+          <a:lstStyle/>
+          <a:p>
+            <a:endParaRPr lang="en-US" dirty="0"/>
+          </a:p>
+        </p:txBody>
+      </p:sp>
+      <p:sp>
+        <p:nvSpPr>
+          <p:cNvPr id="4" name="Slide Number Placeholder 3"/>
+          <p:cNvSpPr>
+            <a:spLocks noGrp="1"/>
+          </p:cNvSpPr>
+          <p:nvPr>
+            <p:ph type="sldNum" sz="quarter" idx="5"/>
+          </p:nvPr>
+        </p:nvSpPr>
+        <p:spPr/>
+        <p:txBody>
+          <a:bodyPr/>
+          <a:lstStyle/>
+          <a:p>
+            <a:fld id="{B3A417B2-A29D-48B9-A4A7-A6FB997901AB}" type="slidenum">
+              <a:rPr lang="en-US" smtClean="0"/>
+              <a:t>40</a:t>
+            </a:fld>
+            <a:endParaRPr lang="en-US"/>
+          </a:p>
+        </p:txBody>
+      </p:sp>
+    </p:spTree>
+    <p:extLst>
+      <p:ext uri="{BB962C8B-B14F-4D97-AF65-F5344CB8AC3E}">
+        <p14:creationId xmlns:p14="http://schemas.microsoft.com/office/powerpoint/2010/main" val="3158188700"/>
+      </p:ext>
+    </p:extLst>
+  </p:cSld>
+  <p:clrMapOvr>
+    <a:masterClrMapping/>
+  </p:clrMapOvr>
+</p:notes>
+</file>
+
+<file path=ppt/notesSlides/notesSlide15.xml><?xml version="1.0" encoding="utf-8"?>
+<p:notes xmlns:a="http://schemas.openxmlformats.org/drawingml/2006/main" xmlns:r="http://schemas.openxmlformats.org/officeDocument/2006/relationships" xmlns:p="http://schemas.openxmlformats.org/presentationml/2006/main">
+  <p:cSld>
+    <p:spTree>
+      <p:nvGrpSpPr>
+        <p:cNvPr id="1" name=""/>
+        <p:cNvGrpSpPr/>
+        <p:nvPr/>
+      </p:nvGrpSpPr>
+      <p:grpSpPr>
+        <a:xfrm>
+          <a:off x="0" y="0"/>
+          <a:ext cx="0" cy="0"/>
+          <a:chOff x="0" y="0"/>
+          <a:chExt cx="0" cy="0"/>
+        </a:xfrm>
+      </p:grpSpPr>
+      <p:sp>
+        <p:nvSpPr>
+          <p:cNvPr id="2" name="Slide Image Placeholder 1"/>
+          <p:cNvSpPr>
+            <a:spLocks noGrp="1" noRot="1" noChangeAspect="1"/>
+          </p:cNvSpPr>
+          <p:nvPr>
+            <p:ph type="sldImg"/>
+          </p:nvPr>
+        </p:nvSpPr>
+        <p:spPr/>
+      </p:sp>
+      <p:sp>
+        <p:nvSpPr>
+          <p:cNvPr id="3" name="Notes Placeholder 2"/>
+          <p:cNvSpPr>
+            <a:spLocks noGrp="1"/>
+          </p:cNvSpPr>
+          <p:nvPr>
+            <p:ph type="body" idx="1"/>
+          </p:nvPr>
+        </p:nvSpPr>
+        <p:spPr/>
+        <p:txBody>
+          <a:bodyPr/>
+          <a:lstStyle/>
+          <a:p>
+            <a:endParaRPr lang="en-US" dirty="0"/>
+          </a:p>
+        </p:txBody>
+      </p:sp>
+      <p:sp>
+        <p:nvSpPr>
+          <p:cNvPr id="4" name="Slide Number Placeholder 3"/>
+          <p:cNvSpPr>
+            <a:spLocks noGrp="1"/>
+          </p:cNvSpPr>
+          <p:nvPr>
+            <p:ph type="sldNum" sz="quarter" idx="5"/>
+          </p:nvPr>
+        </p:nvSpPr>
+        <p:spPr/>
+        <p:txBody>
+          <a:bodyPr/>
+          <a:lstStyle/>
+          <a:p>
+            <a:fld id="{B3A417B2-A29D-48B9-A4A7-A6FB997901AB}" type="slidenum">
+              <a:rPr lang="en-US" smtClean="0"/>
+              <a:t>41</a:t>
+            </a:fld>
+            <a:endParaRPr lang="en-US"/>
+          </a:p>
+        </p:txBody>
+      </p:sp>
+    </p:spTree>
+    <p:extLst>
+      <p:ext uri="{BB962C8B-B14F-4D97-AF65-F5344CB8AC3E}">
+        <p14:creationId xmlns:p14="http://schemas.microsoft.com/office/powerpoint/2010/main" val="232543307"/>
+      </p:ext>
+    </p:extLst>
+  </p:cSld>
+  <p:clrMapOvr>
+    <a:masterClrMapping/>
+  </p:clrMapOvr>
+</p:notes>
+</file>
+
+<file path=ppt/notesSlides/notesSlide16.xml><?xml version="1.0" encoding="utf-8"?>
+<p:notes xmlns:a="http://schemas.openxmlformats.org/drawingml/2006/main" xmlns:r="http://schemas.openxmlformats.org/officeDocument/2006/relationships" xmlns:p="http://schemas.openxmlformats.org/presentationml/2006/main">
+  <p:cSld>
+    <p:spTree>
+      <p:nvGrpSpPr>
+        <p:cNvPr id="1" name=""/>
+        <p:cNvGrpSpPr/>
+        <p:nvPr/>
+      </p:nvGrpSpPr>
+      <p:grpSpPr>
+        <a:xfrm>
+          <a:off x="0" y="0"/>
+          <a:ext cx="0" cy="0"/>
+          <a:chOff x="0" y="0"/>
+          <a:chExt cx="0" cy="0"/>
+        </a:xfrm>
+      </p:grpSpPr>
+      <p:sp>
+        <p:nvSpPr>
+          <p:cNvPr id="2" name="Slide Image Placeholder 1"/>
+          <p:cNvSpPr>
+            <a:spLocks noGrp="1" noRot="1" noChangeAspect="1"/>
+          </p:cNvSpPr>
+          <p:nvPr>
+            <p:ph type="sldImg"/>
+          </p:nvPr>
+        </p:nvSpPr>
+        <p:spPr/>
+      </p:sp>
+      <p:sp>
+        <p:nvSpPr>
+          <p:cNvPr id="3" name="Notes Placeholder 2"/>
+          <p:cNvSpPr>
+            <a:spLocks noGrp="1"/>
+          </p:cNvSpPr>
+          <p:nvPr>
+            <p:ph type="body" idx="1"/>
+          </p:nvPr>
+        </p:nvSpPr>
+        <p:spPr/>
+        <p:txBody>
+          <a:bodyPr/>
+          <a:lstStyle/>
+          <a:p>
+            <a:endParaRPr lang="en-US" dirty="0"/>
+          </a:p>
+        </p:txBody>
+      </p:sp>
+      <p:sp>
+        <p:nvSpPr>
+          <p:cNvPr id="4" name="Slide Number Placeholder 3"/>
+          <p:cNvSpPr>
+            <a:spLocks noGrp="1"/>
+          </p:cNvSpPr>
+          <p:nvPr>
+            <p:ph type="sldNum" sz="quarter" idx="5"/>
+          </p:nvPr>
+        </p:nvSpPr>
+        <p:spPr/>
+        <p:txBody>
+          <a:bodyPr/>
+          <a:lstStyle/>
+          <a:p>
+            <a:fld id="{B3A417B2-A29D-48B9-A4A7-A6FB997901AB}" type="slidenum">
+              <a:rPr lang="en-US" smtClean="0"/>
+              <a:t>42</a:t>
+            </a:fld>
+            <a:endParaRPr lang="en-US"/>
+          </a:p>
+        </p:txBody>
+      </p:sp>
+    </p:spTree>
+    <p:extLst>
+      <p:ext uri="{BB962C8B-B14F-4D97-AF65-F5344CB8AC3E}">
+        <p14:creationId xmlns:p14="http://schemas.microsoft.com/office/powerpoint/2010/main" val="1710903636"/>
+      </p:ext>
+    </p:extLst>
+  </p:cSld>
+  <p:clrMapOvr>
+    <a:masterClrMapping/>
+  </p:clrMapOvr>
+</p:notes>
+</file>
+
+<file path=ppt/notesSlides/notesSlide17.xml><?xml version="1.0" encoding="utf-8"?>
+<p:notes xmlns:a="http://schemas.openxmlformats.org/drawingml/2006/main" xmlns:r="http://schemas.openxmlformats.org/officeDocument/2006/relationships" xmlns:p="http://schemas.openxmlformats.org/presentationml/2006/main">
+  <p:cSld>
+    <p:spTree>
+      <p:nvGrpSpPr>
+        <p:cNvPr id="1" name=""/>
+        <p:cNvGrpSpPr/>
+        <p:nvPr/>
+      </p:nvGrpSpPr>
+      <p:grpSpPr>
+        <a:xfrm>
+          <a:off x="0" y="0"/>
+          <a:ext cx="0" cy="0"/>
+          <a:chOff x="0" y="0"/>
+          <a:chExt cx="0" cy="0"/>
+        </a:xfrm>
+      </p:grpSpPr>
+      <p:sp>
+        <p:nvSpPr>
+          <p:cNvPr id="2" name="Slide Image Placeholder 1"/>
+          <p:cNvSpPr>
+            <a:spLocks noGrp="1" noRot="1" noChangeAspect="1"/>
+          </p:cNvSpPr>
+          <p:nvPr>
+            <p:ph type="sldImg"/>
+          </p:nvPr>
+        </p:nvSpPr>
+        <p:spPr/>
+      </p:sp>
+      <p:sp>
+        <p:nvSpPr>
+          <p:cNvPr id="3" name="Notes Placeholder 2"/>
+          <p:cNvSpPr>
+            <a:spLocks noGrp="1"/>
+          </p:cNvSpPr>
+          <p:nvPr>
+            <p:ph type="body" idx="1"/>
+          </p:nvPr>
+        </p:nvSpPr>
+        <p:spPr/>
+        <p:txBody>
+          <a:bodyPr/>
+          <a:lstStyle/>
+          <a:p>
+            <a:endParaRPr lang="en-US" dirty="0"/>
+          </a:p>
+        </p:txBody>
+      </p:sp>
+      <p:sp>
+        <p:nvSpPr>
+          <p:cNvPr id="4" name="Slide Number Placeholder 3"/>
+          <p:cNvSpPr>
+            <a:spLocks noGrp="1"/>
+          </p:cNvSpPr>
+          <p:nvPr>
+            <p:ph type="sldNum" sz="quarter" idx="5"/>
+          </p:nvPr>
+        </p:nvSpPr>
+        <p:spPr/>
+        <p:txBody>
+          <a:bodyPr/>
+          <a:lstStyle/>
+          <a:p>
+            <a:fld id="{B3A417B2-A29D-48B9-A4A7-A6FB997901AB}" type="slidenum">
+              <a:rPr lang="en-US" smtClean="0"/>
+              <a:t>43</a:t>
+            </a:fld>
+            <a:endParaRPr lang="en-US"/>
+          </a:p>
+        </p:txBody>
+      </p:sp>
+    </p:spTree>
+    <p:extLst>
+      <p:ext uri="{BB962C8B-B14F-4D97-AF65-F5344CB8AC3E}">
+        <p14:creationId xmlns:p14="http://schemas.microsoft.com/office/powerpoint/2010/main" val="28147158"/>
+      </p:ext>
+    </p:extLst>
+  </p:cSld>
+  <p:clrMapOvr>
+    <a:masterClrMapping/>
+  </p:clrMapOvr>
+</p:notes>
+</file>
+
+<file path=ppt/notesSlides/notesSlide18.xml><?xml version="1.0" encoding="utf-8"?>
+<p:notes xmlns:a="http://schemas.openxmlformats.org/drawingml/2006/main" xmlns:r="http://schemas.openxmlformats.org/officeDocument/2006/relationships" xmlns:p="http://schemas.openxmlformats.org/presentationml/2006/main">
+  <p:cSld>
+    <p:spTree>
+      <p:nvGrpSpPr>
+        <p:cNvPr id="1" name=""/>
+        <p:cNvGrpSpPr/>
+        <p:nvPr/>
+      </p:nvGrpSpPr>
+      <p:grpSpPr>
+        <a:xfrm>
+          <a:off x="0" y="0"/>
+          <a:ext cx="0" cy="0"/>
+          <a:chOff x="0" y="0"/>
+          <a:chExt cx="0" cy="0"/>
+        </a:xfrm>
+      </p:grpSpPr>
+      <p:sp>
+        <p:nvSpPr>
+          <p:cNvPr id="2" name="Slide Image Placeholder 1"/>
+          <p:cNvSpPr>
+            <a:spLocks noGrp="1" noRot="1" noChangeAspect="1"/>
+          </p:cNvSpPr>
+          <p:nvPr>
+            <p:ph type="sldImg"/>
+          </p:nvPr>
+        </p:nvSpPr>
+        <p:spPr/>
+      </p:sp>
+      <p:sp>
+        <p:nvSpPr>
+          <p:cNvPr id="3" name="Notes Placeholder 2"/>
+          <p:cNvSpPr>
+            <a:spLocks noGrp="1"/>
+          </p:cNvSpPr>
+          <p:nvPr>
+            <p:ph type="body" idx="1"/>
+          </p:nvPr>
+        </p:nvSpPr>
+        <p:spPr/>
+        <p:txBody>
+          <a:bodyPr/>
+          <a:lstStyle/>
+          <a:p>
+            <a:endParaRPr lang="en-US" dirty="0"/>
+          </a:p>
+        </p:txBody>
+      </p:sp>
+      <p:sp>
+        <p:nvSpPr>
+          <p:cNvPr id="4" name="Slide Number Placeholder 3"/>
+          <p:cNvSpPr>
+            <a:spLocks noGrp="1"/>
+          </p:cNvSpPr>
+          <p:nvPr>
+            <p:ph type="sldNum" sz="quarter" idx="5"/>
+          </p:nvPr>
+        </p:nvSpPr>
+        <p:spPr/>
+        <p:txBody>
+          <a:bodyPr/>
+          <a:lstStyle/>
+          <a:p>
+            <a:fld id="{B3A417B2-A29D-48B9-A4A7-A6FB997901AB}" type="slidenum">
+              <a:rPr lang="en-US" smtClean="0"/>
+              <a:t>44</a:t>
+            </a:fld>
+            <a:endParaRPr lang="en-US"/>
+          </a:p>
+        </p:txBody>
+      </p:sp>
+    </p:spTree>
+    <p:extLst>
+      <p:ext uri="{BB962C8B-B14F-4D97-AF65-F5344CB8AC3E}">
+        <p14:creationId xmlns:p14="http://schemas.microsoft.com/office/powerpoint/2010/main" val="1477467950"/>
+      </p:ext>
+    </p:extLst>
+  </p:cSld>
+  <p:clrMapOvr>
+    <a:masterClrMapping/>
+  </p:clrMapOvr>
+</p:notes>
+</file>
+
+<file path=ppt/notesSlides/notesSlide19.xml><?xml version="1.0" encoding="utf-8"?>
+<p:notes xmlns:a="http://schemas.openxmlformats.org/drawingml/2006/main" xmlns:r="http://schemas.openxmlformats.org/officeDocument/2006/relationships" xmlns:p="http://schemas.openxmlformats.org/presentationml/2006/main">
+  <p:cSld>
+    <p:spTree>
+      <p:nvGrpSpPr>
+        <p:cNvPr id="1" name=""/>
+        <p:cNvGrpSpPr/>
+        <p:nvPr/>
+      </p:nvGrpSpPr>
+      <p:grpSpPr>
+        <a:xfrm>
+          <a:off x="0" y="0"/>
+          <a:ext cx="0" cy="0"/>
+          <a:chOff x="0" y="0"/>
+          <a:chExt cx="0" cy="0"/>
+        </a:xfrm>
+      </p:grpSpPr>
+      <p:sp>
+        <p:nvSpPr>
+          <p:cNvPr id="2" name="Slide Image Placeholder 1"/>
+          <p:cNvSpPr>
+            <a:spLocks noGrp="1" noRot="1" noChangeAspect="1"/>
+          </p:cNvSpPr>
+          <p:nvPr>
+            <p:ph type="sldImg"/>
+          </p:nvPr>
+        </p:nvSpPr>
+        <p:spPr/>
+      </p:sp>
+      <p:sp>
+        <p:nvSpPr>
+          <p:cNvPr id="3" name="Notes Placeholder 2"/>
+          <p:cNvSpPr>
+            <a:spLocks noGrp="1"/>
+          </p:cNvSpPr>
+          <p:nvPr>
+            <p:ph type="body" idx="1"/>
+          </p:nvPr>
+        </p:nvSpPr>
+        <p:spPr/>
+        <p:txBody>
+          <a:bodyPr/>
+          <a:lstStyle/>
+          <a:p>
+            <a:endParaRPr lang="en-US" dirty="0"/>
+          </a:p>
+        </p:txBody>
+      </p:sp>
+      <p:sp>
+        <p:nvSpPr>
+          <p:cNvPr id="4" name="Slide Number Placeholder 3"/>
+          <p:cNvSpPr>
+            <a:spLocks noGrp="1"/>
+          </p:cNvSpPr>
+          <p:nvPr>
+            <p:ph type="sldNum" sz="quarter" idx="5"/>
+          </p:nvPr>
+        </p:nvSpPr>
+        <p:spPr/>
+        <p:txBody>
+          <a:bodyPr/>
+          <a:lstStyle/>
+          <a:p>
+            <a:fld id="{B3A417B2-A29D-48B9-A4A7-A6FB997901AB}" type="slidenum">
+              <a:rPr lang="en-US" smtClean="0"/>
+              <a:t>45</a:t>
+            </a:fld>
+            <a:endParaRPr lang="en-US"/>
+          </a:p>
+        </p:txBody>
+      </p:sp>
+    </p:spTree>
+    <p:extLst>
+      <p:ext uri="{BB962C8B-B14F-4D97-AF65-F5344CB8AC3E}">
+        <p14:creationId xmlns:p14="http://schemas.microsoft.com/office/powerpoint/2010/main" val="1706726178"/>
       </p:ext>
     </p:extLst>
   </p:cSld>
@@ -1785,7 +2295,7 @@
             <a:fld id="{1D8BD707-D9CF-40AE-B4C6-C98DA3205C09}" type="datetimeFigureOut">
               <a:rPr lang="en-US" smtClean="0"/>
               <a:pPr/>
-              <a:t>11/22/2022</a:t>
+              <a:t>12/2/2022</a:t>
             </a:fld>
             <a:endParaRPr lang="en-US"/>
           </a:p>
@@ -1950,7 +2460,7 @@
             <a:fld id="{1D8BD707-D9CF-40AE-B4C6-C98DA3205C09}" type="datetimeFigureOut">
               <a:rPr lang="en-US" smtClean="0"/>
               <a:pPr/>
-              <a:t>11/22/2022</a:t>
+              <a:t>12/2/2022</a:t>
             </a:fld>
             <a:endParaRPr lang="en-US"/>
           </a:p>
@@ -2125,7 +2635,7 @@
             <a:fld id="{1D8BD707-D9CF-40AE-B4C6-C98DA3205C09}" type="datetimeFigureOut">
               <a:rPr lang="en-US" smtClean="0"/>
               <a:pPr/>
-              <a:t>11/22/2022</a:t>
+              <a:t>12/2/2022</a:t>
             </a:fld>
             <a:endParaRPr lang="en-US"/>
           </a:p>
@@ -2290,7 +2800,7 @@
             <a:fld id="{1D8BD707-D9CF-40AE-B4C6-C98DA3205C09}" type="datetimeFigureOut">
               <a:rPr lang="en-US" smtClean="0"/>
               <a:pPr/>
-              <a:t>11/22/2022</a:t>
+              <a:t>12/2/2022</a:t>
             </a:fld>
             <a:endParaRPr lang="en-US"/>
           </a:p>
@@ -2532,7 +3042,7 @@
             <a:fld id="{1D8BD707-D9CF-40AE-B4C6-C98DA3205C09}" type="datetimeFigureOut">
               <a:rPr lang="en-US" smtClean="0"/>
               <a:pPr/>
-              <a:t>11/22/2022</a:t>
+              <a:t>12/2/2022</a:t>
             </a:fld>
             <a:endParaRPr lang="en-US"/>
           </a:p>
@@ -2814,7 +3324,7 @@
             <a:fld id="{1D8BD707-D9CF-40AE-B4C6-C98DA3205C09}" type="datetimeFigureOut">
               <a:rPr lang="en-US" smtClean="0"/>
               <a:pPr/>
-              <a:t>11/22/2022</a:t>
+              <a:t>12/2/2022</a:t>
             </a:fld>
             <a:endParaRPr lang="en-US"/>
           </a:p>
@@ -3230,7 +3740,7 @@
             <a:fld id="{1D8BD707-D9CF-40AE-B4C6-C98DA3205C09}" type="datetimeFigureOut">
               <a:rPr lang="en-US" smtClean="0"/>
               <a:pPr/>
-              <a:t>11/22/2022</a:t>
+              <a:t>12/2/2022</a:t>
             </a:fld>
             <a:endParaRPr lang="en-US"/>
           </a:p>
@@ -3344,7 +3854,7 @@
             <a:fld id="{1D8BD707-D9CF-40AE-B4C6-C98DA3205C09}" type="datetimeFigureOut">
               <a:rPr lang="en-US" smtClean="0"/>
               <a:pPr/>
-              <a:t>11/22/2022</a:t>
+              <a:t>12/2/2022</a:t>
             </a:fld>
             <a:endParaRPr lang="en-US"/>
           </a:p>
@@ -3436,7 +3946,7 @@
             <a:fld id="{1D8BD707-D9CF-40AE-B4C6-C98DA3205C09}" type="datetimeFigureOut">
               <a:rPr lang="en-US" smtClean="0"/>
               <a:pPr/>
-              <a:t>11/22/2022</a:t>
+              <a:t>12/2/2022</a:t>
             </a:fld>
             <a:endParaRPr lang="en-US"/>
           </a:p>
@@ -3708,7 +4218,7 @@
             <a:fld id="{1D8BD707-D9CF-40AE-B4C6-C98DA3205C09}" type="datetimeFigureOut">
               <a:rPr lang="en-US" smtClean="0"/>
               <a:pPr/>
-              <a:t>11/22/2022</a:t>
+              <a:t>12/2/2022</a:t>
             </a:fld>
             <a:endParaRPr lang="en-US"/>
           </a:p>
@@ -3957,7 +4467,7 @@
             <a:fld id="{1D8BD707-D9CF-40AE-B4C6-C98DA3205C09}" type="datetimeFigureOut">
               <a:rPr lang="en-US" smtClean="0"/>
               <a:pPr/>
-              <a:t>11/22/2022</a:t>
+              <a:t>12/2/2022</a:t>
             </a:fld>
             <a:endParaRPr lang="en-US"/>
           </a:p>
@@ -4174,7 +4684,7 @@
             <a:fld id="{1D8BD707-D9CF-40AE-B4C6-C98DA3205C09}" type="datetimeFigureOut">
               <a:rPr lang="en-US" smtClean="0"/>
               <a:pPr/>
-              <a:t>11/22/2022</a:t>
+              <a:t>12/2/2022</a:t>
             </a:fld>
             <a:endParaRPr lang="en-US"/>
           </a:p>
@@ -14104,7 +14614,7 @@
         <p:spPr>
           <a:xfrm>
             <a:off x="685800" y="133350"/>
-            <a:ext cx="3501280" cy="307777"/>
+            <a:ext cx="2047355" cy="307777"/>
           </a:xfrm>
           <a:prstGeom prst="rect">
             <a:avLst/>
@@ -14124,7 +14634,7 @@
                 <a:latin typeface="Roboto" panose="02000000000000000000" pitchFamily="2" charset="0"/>
                 <a:ea typeface="Roboto" panose="02000000000000000000" pitchFamily="2" charset="0"/>
               </a:rPr>
-              <a:t>Flutter Blog List (My First Flutter Project)</a:t>
+              <a:t>Responsive &amp; Adaptive</a:t>
             </a:r>
             <a:endParaRPr lang="en-US" sz="1400" b="1" dirty="0">
               <a:solidFill>
@@ -14136,16 +14646,212 @@
           </a:p>
         </p:txBody>
       </p:sp>
+      <p:sp>
+        <p:nvSpPr>
+          <p:cNvPr id="2" name="Rectangle 1"/>
+          <p:cNvSpPr/>
+          <p:nvPr/>
+        </p:nvSpPr>
+        <p:spPr>
+          <a:xfrm>
+            <a:off x="152400" y="666750"/>
+            <a:ext cx="8839200" cy="1169551"/>
+          </a:xfrm>
+          <a:prstGeom prst="rect">
+            <a:avLst/>
+          </a:prstGeom>
+        </p:spPr>
+        <p:txBody>
+          <a:bodyPr wrap="square">
+            <a:spAutoFit/>
+          </a:bodyPr>
+          <a:lstStyle/>
+          <a:p>
+            <a:r>
+              <a:rPr lang="en-US" sz="1600" b="1" u="sng" dirty="0">
+                <a:latin typeface="Roboto" panose="02000000000000000000" pitchFamily="2" charset="0"/>
+                <a:ea typeface="Roboto" panose="02000000000000000000" pitchFamily="2" charset="0"/>
+              </a:rPr>
+              <a:t>Why</a:t>
+            </a:r>
+            <a:r>
+              <a:rPr lang="en-US" sz="1600" b="1" u="sng" dirty="0" smtClean="0">
+                <a:latin typeface="Roboto" panose="02000000000000000000" pitchFamily="2" charset="0"/>
+                <a:ea typeface="Roboto" panose="02000000000000000000" pitchFamily="2" charset="0"/>
+              </a:rPr>
+              <a:t>?</a:t>
+            </a:r>
+            <a:endParaRPr lang="en-US" sz="1600" b="1" u="sng" dirty="0">
+              <a:latin typeface="Roboto" panose="02000000000000000000" pitchFamily="2" charset="0"/>
+              <a:ea typeface="Roboto" panose="02000000000000000000" pitchFamily="2" charset="0"/>
+            </a:endParaRPr>
+          </a:p>
+          <a:p>
+            <a:pPr marL="171450" indent="-171450">
+              <a:lnSpc>
+                <a:spcPct val="150000"/>
+              </a:lnSpc>
+              <a:buFont typeface="Arial" panose="020B0604020202020204" pitchFamily="34" charset="0"/>
+              <a:buChar char="•"/>
+            </a:pPr>
+            <a:r>
+              <a:rPr lang="en-US" sz="1200" dirty="0">
+                <a:latin typeface="Roboto" panose="02000000000000000000" pitchFamily="2" charset="0"/>
+                <a:ea typeface="Roboto" panose="02000000000000000000" pitchFamily="2" charset="0"/>
+              </a:rPr>
+              <a:t>It is impossible to keep in mind all devices, client may use for the </a:t>
+            </a:r>
+            <a:r>
+              <a:rPr lang="en-US" sz="1200" dirty="0" smtClean="0">
+                <a:latin typeface="Roboto" panose="02000000000000000000" pitchFamily="2" charset="0"/>
+                <a:ea typeface="Roboto" panose="02000000000000000000" pitchFamily="2" charset="0"/>
+              </a:rPr>
+              <a:t>application using.</a:t>
+            </a:r>
+            <a:endParaRPr lang="en-US" sz="1200" dirty="0">
+              <a:latin typeface="Roboto" panose="02000000000000000000" pitchFamily="2" charset="0"/>
+              <a:ea typeface="Roboto" panose="02000000000000000000" pitchFamily="2" charset="0"/>
+            </a:endParaRPr>
+          </a:p>
+          <a:p>
+            <a:pPr marL="171450" indent="-171450">
+              <a:lnSpc>
+                <a:spcPct val="150000"/>
+              </a:lnSpc>
+              <a:buFont typeface="Arial" panose="020B0604020202020204" pitchFamily="34" charset="0"/>
+              <a:buChar char="•"/>
+            </a:pPr>
+            <a:r>
+              <a:rPr lang="en-US" sz="1200" dirty="0">
+                <a:latin typeface="Roboto" panose="02000000000000000000" pitchFamily="2" charset="0"/>
+                <a:ea typeface="Roboto" panose="02000000000000000000" pitchFamily="2" charset="0"/>
+              </a:rPr>
+              <a:t>Adaptive </a:t>
+            </a:r>
+            <a:r>
+              <a:rPr lang="en-US" sz="1200" dirty="0" smtClean="0">
+                <a:latin typeface="Roboto" panose="02000000000000000000" pitchFamily="2" charset="0"/>
+                <a:ea typeface="Roboto" panose="02000000000000000000" pitchFamily="2" charset="0"/>
+              </a:rPr>
+              <a:t>design </a:t>
+            </a:r>
+            <a:r>
+              <a:rPr lang="en-US" sz="1200" dirty="0">
+                <a:latin typeface="Roboto" panose="02000000000000000000" pitchFamily="2" charset="0"/>
+                <a:ea typeface="Roboto" panose="02000000000000000000" pitchFamily="2" charset="0"/>
+              </a:rPr>
+              <a:t>and responsive </a:t>
+            </a:r>
+            <a:r>
+              <a:rPr lang="en-US" sz="1200" dirty="0" smtClean="0">
+                <a:latin typeface="Roboto" panose="02000000000000000000" pitchFamily="2" charset="0"/>
+                <a:ea typeface="Roboto" panose="02000000000000000000" pitchFamily="2" charset="0"/>
+              </a:rPr>
+              <a:t>design </a:t>
+            </a:r>
+            <a:r>
+              <a:rPr lang="en-US" sz="1200" dirty="0">
+                <a:latin typeface="Roboto" panose="02000000000000000000" pitchFamily="2" charset="0"/>
+                <a:ea typeface="Roboto" panose="02000000000000000000" pitchFamily="2" charset="0"/>
+              </a:rPr>
+              <a:t>were created to avoid the </a:t>
+            </a:r>
+            <a:r>
+              <a:rPr lang="en-US" sz="1200" dirty="0" smtClean="0">
+                <a:latin typeface="Roboto" panose="02000000000000000000" pitchFamily="2" charset="0"/>
+                <a:ea typeface="Roboto" panose="02000000000000000000" pitchFamily="2" charset="0"/>
+              </a:rPr>
+              <a:t>classification.</a:t>
+            </a:r>
+            <a:endParaRPr lang="en-US" sz="1200" dirty="0">
+              <a:latin typeface="Roboto" panose="02000000000000000000" pitchFamily="2" charset="0"/>
+              <a:ea typeface="Roboto" panose="02000000000000000000" pitchFamily="2" charset="0"/>
+            </a:endParaRPr>
+          </a:p>
+          <a:p>
+            <a:pPr marL="171450" indent="-171450">
+              <a:lnSpc>
+                <a:spcPct val="150000"/>
+              </a:lnSpc>
+              <a:buFont typeface="Arial" panose="020B0604020202020204" pitchFamily="34" charset="0"/>
+              <a:buChar char="•"/>
+            </a:pPr>
+            <a:r>
+              <a:rPr lang="en-US" sz="1200" dirty="0">
+                <a:latin typeface="Roboto" panose="02000000000000000000" pitchFamily="2" charset="0"/>
+                <a:ea typeface="Roboto" panose="02000000000000000000" pitchFamily="2" charset="0"/>
+              </a:rPr>
+              <a:t>Actually, </a:t>
+            </a:r>
+            <a:r>
+              <a:rPr lang="en-US" sz="1200" dirty="0" smtClean="0">
+                <a:latin typeface="Roboto" panose="02000000000000000000" pitchFamily="2" charset="0"/>
+                <a:ea typeface="Roboto" panose="02000000000000000000" pitchFamily="2" charset="0"/>
+              </a:rPr>
+              <a:t>AD </a:t>
+            </a:r>
+            <a:r>
+              <a:rPr lang="en-US" sz="1200" dirty="0">
+                <a:latin typeface="Roboto" panose="02000000000000000000" pitchFamily="2" charset="0"/>
+                <a:ea typeface="Roboto" panose="02000000000000000000" pitchFamily="2" charset="0"/>
+              </a:rPr>
+              <a:t>(adaptive </a:t>
+            </a:r>
+            <a:r>
+              <a:rPr lang="en-US" sz="1200" dirty="0" smtClean="0">
+                <a:latin typeface="Roboto" panose="02000000000000000000" pitchFamily="2" charset="0"/>
+                <a:ea typeface="Roboto" panose="02000000000000000000" pitchFamily="2" charset="0"/>
+              </a:rPr>
+              <a:t>design</a:t>
+            </a:r>
+            <a:r>
+              <a:rPr lang="en-US" sz="1200" dirty="0">
+                <a:latin typeface="Roboto" panose="02000000000000000000" pitchFamily="2" charset="0"/>
+                <a:ea typeface="Roboto" panose="02000000000000000000" pitchFamily="2" charset="0"/>
+              </a:rPr>
+              <a:t>) and </a:t>
+            </a:r>
+            <a:r>
+              <a:rPr lang="en-US" sz="1200" dirty="0" smtClean="0">
+                <a:latin typeface="Roboto" panose="02000000000000000000" pitchFamily="2" charset="0"/>
+                <a:ea typeface="Roboto" panose="02000000000000000000" pitchFamily="2" charset="0"/>
+              </a:rPr>
+              <a:t>RD </a:t>
+            </a:r>
+            <a:r>
+              <a:rPr lang="en-US" sz="1200" dirty="0">
+                <a:latin typeface="Roboto" panose="02000000000000000000" pitchFamily="2" charset="0"/>
+                <a:ea typeface="Roboto" panose="02000000000000000000" pitchFamily="2" charset="0"/>
+              </a:rPr>
+              <a:t>(responsive </a:t>
+            </a:r>
+            <a:r>
+              <a:rPr lang="en-US" sz="1200" dirty="0" smtClean="0">
+                <a:latin typeface="Roboto" panose="02000000000000000000" pitchFamily="2" charset="0"/>
+                <a:ea typeface="Roboto" panose="02000000000000000000" pitchFamily="2" charset="0"/>
+              </a:rPr>
+              <a:t>design</a:t>
+            </a:r>
+            <a:r>
+              <a:rPr lang="en-US" sz="1200" dirty="0">
+                <a:latin typeface="Roboto" panose="02000000000000000000" pitchFamily="2" charset="0"/>
+                <a:ea typeface="Roboto" panose="02000000000000000000" pitchFamily="2" charset="0"/>
+              </a:rPr>
+              <a:t>) solve the same tasks but in different ways.</a:t>
+            </a:r>
+          </a:p>
+        </p:txBody>
+      </p:sp>
       <p:pic>
         <p:nvPicPr>
-          <p:cNvPr id="2" name="Picture 1"/>
+          <p:cNvPr id="4" name="Picture 3"/>
           <p:cNvPicPr>
             <a:picLocks noChangeAspect="1"/>
           </p:cNvPicPr>
           <p:nvPr/>
         </p:nvPicPr>
         <p:blipFill>
-          <a:blip r:embed="rId4" cstate="print">
+          <a:blip r:embed="rId4">
             <a:extLst>
               <a:ext uri="{28A0092B-C50C-407E-A947-70E740481C1C}">
                 <a14:useLocalDpi xmlns:a14="http://schemas.microsoft.com/office/drawing/2010/main" val="0"/>
@@ -14158,74 +14864,237 @@
         </p:blipFill>
         <p:spPr>
           <a:xfrm>
-            <a:off x="2514600" y="782747"/>
-            <a:ext cx="1828800" cy="3924974"/>
+            <a:off x="228600" y="1962150"/>
+            <a:ext cx="4786792" cy="2971800"/>
           </a:xfrm>
           <a:prstGeom prst="rect">
             <a:avLst/>
           </a:prstGeom>
-          <a:ln>
-            <a:noFill/>
-          </a:ln>
-          <a:effectLst>
-            <a:outerShdw blurRad="292100" dist="139700" dir="2700000" algn="tl" rotWithShape="0">
-              <a:srgbClr val="333333">
-                <a:alpha val="65000"/>
-              </a:srgbClr>
-            </a:outerShdw>
-          </a:effectLst>
-        </p:spPr>
-      </p:pic>
-      <p:pic>
-        <p:nvPicPr>
-          <p:cNvPr id="4" name="Picture 3"/>
-          <p:cNvPicPr>
-            <a:picLocks noChangeAspect="1"/>
-          </p:cNvPicPr>
-          <p:nvPr/>
-        </p:nvPicPr>
-        <p:blipFill>
-          <a:blip r:embed="rId5" cstate="print">
-            <a:extLst>
-              <a:ext uri="{28A0092B-C50C-407E-A947-70E740481C1C}">
-                <a14:useLocalDpi xmlns:a14="http://schemas.microsoft.com/office/drawing/2010/main" val="0"/>
-              </a:ext>
-            </a:extLst>
-          </a:blip>
-          <a:stretch>
-            <a:fillRect/>
-          </a:stretch>
-        </p:blipFill>
-        <p:spPr>
-          <a:xfrm>
-            <a:off x="304800" y="769140"/>
-            <a:ext cx="1772361" cy="3938581"/>
-          </a:xfrm>
-          <a:prstGeom prst="rect">
-            <a:avLst/>
-          </a:prstGeom>
-          <a:ln>
-            <a:noFill/>
-          </a:ln>
-          <a:effectLst>
-            <a:outerShdw blurRad="292100" dist="139700" dir="2700000" algn="tl" rotWithShape="0">
-              <a:srgbClr val="333333">
-                <a:alpha val="65000"/>
-              </a:srgbClr>
-            </a:outerShdw>
-          </a:effectLst>
         </p:spPr>
       </p:pic>
     </p:spTree>
     <p:extLst>
       <p:ext uri="{BB962C8B-B14F-4D97-AF65-F5344CB8AC3E}">
-        <p14:creationId xmlns:p14="http://schemas.microsoft.com/office/powerpoint/2010/main" val="1786488463"/>
+        <p14:creationId xmlns:p14="http://schemas.microsoft.com/office/powerpoint/2010/main" val="2448791932"/>
       </p:ext>
     </p:extLst>
   </p:cSld>
   <p:clrMapOvr>
     <a:masterClrMapping/>
   </p:clrMapOvr>
+  <p:timing>
+    <p:tnLst>
+      <p:par>
+        <p:cTn id="1" dur="indefinite" restart="never" nodeType="tmRoot">
+          <p:childTnLst>
+            <p:seq concurrent="1" nextAc="seek">
+              <p:cTn id="2" dur="indefinite" nodeType="mainSeq">
+                <p:childTnLst>
+                  <p:par>
+                    <p:cTn id="3" fill="hold">
+                      <p:stCondLst>
+                        <p:cond delay="indefinite"/>
+                      </p:stCondLst>
+                      <p:childTnLst>
+                        <p:par>
+                          <p:cTn id="4" fill="hold">
+                            <p:stCondLst>
+                              <p:cond delay="0"/>
+                            </p:stCondLst>
+                            <p:childTnLst>
+                              <p:par>
+                                <p:cTn id="5" presetID="22" presetClass="entr" presetSubtype="4" fill="hold" nodeType="clickEffect">
+                                  <p:stCondLst>
+                                    <p:cond delay="0"/>
+                                  </p:stCondLst>
+                                  <p:childTnLst>
+                                    <p:set>
+                                      <p:cBhvr>
+                                        <p:cTn id="6" dur="1" fill="hold">
+                                          <p:stCondLst>
+                                            <p:cond delay="0"/>
+                                          </p:stCondLst>
+                                        </p:cTn>
+                                        <p:tgtEl>
+                                          <p:spTgt spid="2">
+                                            <p:txEl>
+                                              <p:pRg st="1" end="1"/>
+                                            </p:txEl>
+                                          </p:spTgt>
+                                        </p:tgtEl>
+                                        <p:attrNameLst>
+                                          <p:attrName>style.visibility</p:attrName>
+                                        </p:attrNameLst>
+                                      </p:cBhvr>
+                                      <p:to>
+                                        <p:strVal val="visible"/>
+                                      </p:to>
+                                    </p:set>
+                                    <p:animEffect transition="in" filter="wipe(down)">
+                                      <p:cBhvr>
+                                        <p:cTn id="7" dur="500"/>
+                                        <p:tgtEl>
+                                          <p:spTgt spid="2">
+                                            <p:txEl>
+                                              <p:pRg st="1" end="1"/>
+                                            </p:txEl>
+                                          </p:spTgt>
+                                        </p:tgtEl>
+                                      </p:cBhvr>
+                                    </p:animEffect>
+                                  </p:childTnLst>
+                                </p:cTn>
+                              </p:par>
+                            </p:childTnLst>
+                          </p:cTn>
+                        </p:par>
+                      </p:childTnLst>
+                    </p:cTn>
+                  </p:par>
+                  <p:par>
+                    <p:cTn id="8" fill="hold">
+                      <p:stCondLst>
+                        <p:cond delay="indefinite"/>
+                      </p:stCondLst>
+                      <p:childTnLst>
+                        <p:par>
+                          <p:cTn id="9" fill="hold">
+                            <p:stCondLst>
+                              <p:cond delay="0"/>
+                            </p:stCondLst>
+                            <p:childTnLst>
+                              <p:par>
+                                <p:cTn id="10" presetID="22" presetClass="entr" presetSubtype="4" fill="hold" nodeType="clickEffect">
+                                  <p:stCondLst>
+                                    <p:cond delay="0"/>
+                                  </p:stCondLst>
+                                  <p:childTnLst>
+                                    <p:set>
+                                      <p:cBhvr>
+                                        <p:cTn id="11" dur="1" fill="hold">
+                                          <p:stCondLst>
+                                            <p:cond delay="0"/>
+                                          </p:stCondLst>
+                                        </p:cTn>
+                                        <p:tgtEl>
+                                          <p:spTgt spid="2">
+                                            <p:txEl>
+                                              <p:pRg st="2" end="2"/>
+                                            </p:txEl>
+                                          </p:spTgt>
+                                        </p:tgtEl>
+                                        <p:attrNameLst>
+                                          <p:attrName>style.visibility</p:attrName>
+                                        </p:attrNameLst>
+                                      </p:cBhvr>
+                                      <p:to>
+                                        <p:strVal val="visible"/>
+                                      </p:to>
+                                    </p:set>
+                                    <p:animEffect transition="in" filter="wipe(down)">
+                                      <p:cBhvr>
+                                        <p:cTn id="12" dur="500"/>
+                                        <p:tgtEl>
+                                          <p:spTgt spid="2">
+                                            <p:txEl>
+                                              <p:pRg st="2" end="2"/>
+                                            </p:txEl>
+                                          </p:spTgt>
+                                        </p:tgtEl>
+                                      </p:cBhvr>
+                                    </p:animEffect>
+                                  </p:childTnLst>
+                                </p:cTn>
+                              </p:par>
+                            </p:childTnLst>
+                          </p:cTn>
+                        </p:par>
+                      </p:childTnLst>
+                    </p:cTn>
+                  </p:par>
+                  <p:par>
+                    <p:cTn id="13" fill="hold">
+                      <p:stCondLst>
+                        <p:cond delay="indefinite"/>
+                      </p:stCondLst>
+                      <p:childTnLst>
+                        <p:par>
+                          <p:cTn id="14" fill="hold">
+                            <p:stCondLst>
+                              <p:cond delay="0"/>
+                            </p:stCondLst>
+                            <p:childTnLst>
+                              <p:par>
+                                <p:cTn id="15" presetID="22" presetClass="entr" presetSubtype="4" fill="hold" nodeType="clickEffect">
+                                  <p:stCondLst>
+                                    <p:cond delay="0"/>
+                                  </p:stCondLst>
+                                  <p:childTnLst>
+                                    <p:set>
+                                      <p:cBhvr>
+                                        <p:cTn id="16" dur="1" fill="hold">
+                                          <p:stCondLst>
+                                            <p:cond delay="0"/>
+                                          </p:stCondLst>
+                                        </p:cTn>
+                                        <p:tgtEl>
+                                          <p:spTgt spid="2">
+                                            <p:txEl>
+                                              <p:pRg st="3" end="3"/>
+                                            </p:txEl>
+                                          </p:spTgt>
+                                        </p:tgtEl>
+                                        <p:attrNameLst>
+                                          <p:attrName>style.visibility</p:attrName>
+                                        </p:attrNameLst>
+                                      </p:cBhvr>
+                                      <p:to>
+                                        <p:strVal val="visible"/>
+                                      </p:to>
+                                    </p:set>
+                                    <p:animEffect transition="in" filter="wipe(down)">
+                                      <p:cBhvr>
+                                        <p:cTn id="17" dur="500"/>
+                                        <p:tgtEl>
+                                          <p:spTgt spid="2">
+                                            <p:txEl>
+                                              <p:pRg st="3" end="3"/>
+                                            </p:txEl>
+                                          </p:spTgt>
+                                        </p:tgtEl>
+                                      </p:cBhvr>
+                                    </p:animEffect>
+                                  </p:childTnLst>
+                                </p:cTn>
+                              </p:par>
+                            </p:childTnLst>
+                          </p:cTn>
+                        </p:par>
+                      </p:childTnLst>
+                    </p:cTn>
+                  </p:par>
+                </p:childTnLst>
+              </p:cTn>
+              <p:prevCondLst>
+                <p:cond evt="onPrev" delay="0">
+                  <p:tgtEl>
+                    <p:sldTgt/>
+                  </p:tgtEl>
+                </p:cond>
+              </p:prevCondLst>
+              <p:nextCondLst>
+                <p:cond evt="onNext" delay="0">
+                  <p:tgtEl>
+                    <p:sldTgt/>
+                  </p:tgtEl>
+                </p:cond>
+              </p:nextCondLst>
+            </p:seq>
+          </p:childTnLst>
+        </p:cTn>
+      </p:par>
+    </p:tnLst>
+  </p:timing>
 </p:sld>
 </file>
 
@@ -14521,6 +15390,2070 @@
     <p:bldLst>
       <p:bldP spid="6" grpId="0"/>
     </p:bldLst>
+  </p:timing>
+</p:sld>
+</file>
+
+<file path=ppt/slides/slide40.xml><?xml version="1.0" encoding="utf-8"?>
+<p:sld xmlns:a="http://schemas.openxmlformats.org/drawingml/2006/main" xmlns:r="http://schemas.openxmlformats.org/officeDocument/2006/relationships" xmlns:p="http://schemas.openxmlformats.org/presentationml/2006/main">
+  <p:cSld>
+    <p:bg>
+      <p:bgPr>
+        <a:blipFill dpi="0" rotWithShape="1">
+          <a:blip r:embed="rId3">
+            <a:lum/>
+          </a:blip>
+          <a:srcRect/>
+          <a:stretch>
+            <a:fillRect l="-1000" r="-1000"/>
+          </a:stretch>
+        </a:blipFill>
+        <a:effectLst/>
+      </p:bgPr>
+    </p:bg>
+    <p:spTree>
+      <p:nvGrpSpPr>
+        <p:cNvPr id="1" name=""/>
+        <p:cNvGrpSpPr/>
+        <p:nvPr/>
+      </p:nvGrpSpPr>
+      <p:grpSpPr>
+        <a:xfrm>
+          <a:off x="0" y="0"/>
+          <a:ext cx="0" cy="0"/>
+          <a:chOff x="0" y="0"/>
+          <a:chExt cx="0" cy="0"/>
+        </a:xfrm>
+      </p:grpSpPr>
+      <p:sp>
+        <p:nvSpPr>
+          <p:cNvPr id="3" name="Rectangle 2"/>
+          <p:cNvSpPr/>
+          <p:nvPr/>
+        </p:nvSpPr>
+        <p:spPr>
+          <a:xfrm>
+            <a:off x="685800" y="133350"/>
+            <a:ext cx="2113079" cy="307777"/>
+          </a:xfrm>
+          <a:prstGeom prst="rect">
+            <a:avLst/>
+          </a:prstGeom>
+        </p:spPr>
+        <p:txBody>
+          <a:bodyPr wrap="none">
+            <a:spAutoFit/>
+          </a:bodyPr>
+          <a:lstStyle/>
+          <a:p>
+            <a:r>
+              <a:rPr lang="en-US" sz="1400" b="1" dirty="0" smtClean="0">
+                <a:solidFill>
+                  <a:srgbClr val="0070C0"/>
+                </a:solidFill>
+                <a:latin typeface="Roboto" panose="02000000000000000000" pitchFamily="2" charset="0"/>
+                <a:ea typeface="Roboto" panose="02000000000000000000" pitchFamily="2" charset="0"/>
+              </a:rPr>
+              <a:t>Responsive vs Adaptive</a:t>
+            </a:r>
+            <a:endParaRPr lang="en-US" sz="1400" b="1" dirty="0">
+              <a:solidFill>
+                <a:srgbClr val="0070C0"/>
+              </a:solidFill>
+              <a:latin typeface="Roboto" panose="02000000000000000000" pitchFamily="2" charset="0"/>
+              <a:ea typeface="Roboto" panose="02000000000000000000" pitchFamily="2" charset="0"/>
+            </a:endParaRPr>
+          </a:p>
+        </p:txBody>
+      </p:sp>
+      <p:pic>
+        <p:nvPicPr>
+          <p:cNvPr id="5" name="Picture 4"/>
+          <p:cNvPicPr>
+            <a:picLocks noChangeAspect="1"/>
+          </p:cNvPicPr>
+          <p:nvPr/>
+        </p:nvPicPr>
+        <p:blipFill>
+          <a:blip r:embed="rId4">
+            <a:extLst>
+              <a:ext uri="{28A0092B-C50C-407E-A947-70E740481C1C}">
+                <a14:useLocalDpi xmlns:a14="http://schemas.microsoft.com/office/drawing/2010/main" val="0"/>
+              </a:ext>
+            </a:extLst>
+          </a:blip>
+          <a:stretch>
+            <a:fillRect/>
+          </a:stretch>
+        </p:blipFill>
+        <p:spPr>
+          <a:xfrm>
+            <a:off x="381000" y="742949"/>
+            <a:ext cx="5486400" cy="3964781"/>
+          </a:xfrm>
+          <a:prstGeom prst="rect">
+            <a:avLst/>
+          </a:prstGeom>
+        </p:spPr>
+      </p:pic>
+    </p:spTree>
+    <p:extLst>
+      <p:ext uri="{BB962C8B-B14F-4D97-AF65-F5344CB8AC3E}">
+        <p14:creationId xmlns:p14="http://schemas.microsoft.com/office/powerpoint/2010/main" val="3568992597"/>
+      </p:ext>
+    </p:extLst>
+  </p:cSld>
+  <p:clrMapOvr>
+    <a:masterClrMapping/>
+  </p:clrMapOvr>
+  <p:timing>
+    <p:tnLst>
+      <p:par>
+        <p:cTn id="1" dur="indefinite" restart="never" nodeType="tmRoot"/>
+      </p:par>
+    </p:tnLst>
+  </p:timing>
+</p:sld>
+</file>
+
+<file path=ppt/slides/slide41.xml><?xml version="1.0" encoding="utf-8"?>
+<p:sld xmlns:a="http://schemas.openxmlformats.org/drawingml/2006/main" xmlns:r="http://schemas.openxmlformats.org/officeDocument/2006/relationships" xmlns:p="http://schemas.openxmlformats.org/presentationml/2006/main">
+  <p:cSld>
+    <p:bg>
+      <p:bgPr>
+        <a:blipFill dpi="0" rotWithShape="1">
+          <a:blip r:embed="rId3">
+            <a:lum/>
+          </a:blip>
+          <a:srcRect/>
+          <a:stretch>
+            <a:fillRect l="-1000" r="-1000"/>
+          </a:stretch>
+        </a:blipFill>
+        <a:effectLst/>
+      </p:bgPr>
+    </p:bg>
+    <p:spTree>
+      <p:nvGrpSpPr>
+        <p:cNvPr id="1" name=""/>
+        <p:cNvGrpSpPr/>
+        <p:nvPr/>
+      </p:nvGrpSpPr>
+      <p:grpSpPr>
+        <a:xfrm>
+          <a:off x="0" y="0"/>
+          <a:ext cx="0" cy="0"/>
+          <a:chOff x="0" y="0"/>
+          <a:chExt cx="0" cy="0"/>
+        </a:xfrm>
+      </p:grpSpPr>
+      <p:sp>
+        <p:nvSpPr>
+          <p:cNvPr id="3" name="Rectangle 2"/>
+          <p:cNvSpPr/>
+          <p:nvPr/>
+        </p:nvSpPr>
+        <p:spPr>
+          <a:xfrm>
+            <a:off x="685800" y="133350"/>
+            <a:ext cx="3897221" cy="307777"/>
+          </a:xfrm>
+          <a:prstGeom prst="rect">
+            <a:avLst/>
+          </a:prstGeom>
+        </p:spPr>
+        <p:txBody>
+          <a:bodyPr wrap="none">
+            <a:spAutoFit/>
+          </a:bodyPr>
+          <a:lstStyle/>
+          <a:p>
+            <a:r>
+              <a:rPr lang="en-US" sz="1400" b="1" dirty="0" smtClean="0">
+                <a:solidFill>
+                  <a:srgbClr val="0070C0"/>
+                </a:solidFill>
+                <a:latin typeface="Roboto" panose="02000000000000000000" pitchFamily="2" charset="0"/>
+                <a:ea typeface="Roboto" panose="02000000000000000000" pitchFamily="2" charset="0"/>
+              </a:rPr>
+              <a:t>Responsive &amp; Adaptive For Flutter Application</a:t>
+            </a:r>
+            <a:endParaRPr lang="en-US" sz="1400" b="1" dirty="0">
+              <a:solidFill>
+                <a:srgbClr val="0070C0"/>
+              </a:solidFill>
+              <a:latin typeface="Roboto" panose="02000000000000000000" pitchFamily="2" charset="0"/>
+              <a:ea typeface="Roboto" panose="02000000000000000000" pitchFamily="2" charset="0"/>
+            </a:endParaRPr>
+          </a:p>
+        </p:txBody>
+      </p:sp>
+      <p:sp>
+        <p:nvSpPr>
+          <p:cNvPr id="2" name="Rectangle 1"/>
+          <p:cNvSpPr/>
+          <p:nvPr/>
+        </p:nvSpPr>
+        <p:spPr>
+          <a:xfrm>
+            <a:off x="228600" y="819150"/>
+            <a:ext cx="8686800" cy="861774"/>
+          </a:xfrm>
+          <a:prstGeom prst="rect">
+            <a:avLst/>
+          </a:prstGeom>
+        </p:spPr>
+        <p:txBody>
+          <a:bodyPr wrap="square">
+            <a:spAutoFit/>
+          </a:bodyPr>
+          <a:lstStyle/>
+          <a:p>
+            <a:r>
+              <a:rPr lang="en-US" sz="1400" b="1" u="sng" dirty="0">
+                <a:latin typeface="Roboto" panose="02000000000000000000" pitchFamily="2" charset="0"/>
+                <a:ea typeface="Roboto" panose="02000000000000000000" pitchFamily="2" charset="0"/>
+              </a:rPr>
+              <a:t>Why?</a:t>
+            </a:r>
+          </a:p>
+          <a:p>
+            <a:pPr marL="171450" indent="-171450">
+              <a:lnSpc>
+                <a:spcPct val="150000"/>
+              </a:lnSpc>
+              <a:buFont typeface="Arial" panose="020B0604020202020204" pitchFamily="34" charset="0"/>
+              <a:buChar char="•"/>
+            </a:pPr>
+            <a:r>
+              <a:rPr lang="en-US" sz="1200" dirty="0" smtClean="0">
+                <a:latin typeface="Roboto" panose="02000000000000000000" pitchFamily="2" charset="0"/>
+                <a:ea typeface="Roboto" panose="02000000000000000000" pitchFamily="2" charset="0"/>
+              </a:rPr>
+              <a:t>To </a:t>
+            </a:r>
+            <a:r>
+              <a:rPr lang="en-US" sz="1200" dirty="0">
+                <a:latin typeface="Roboto" panose="02000000000000000000" pitchFamily="2" charset="0"/>
+                <a:ea typeface="Roboto" panose="02000000000000000000" pitchFamily="2" charset="0"/>
+              </a:rPr>
+              <a:t>take the maximum advantages from Flutter </a:t>
+            </a:r>
+          </a:p>
+          <a:p>
+            <a:pPr marL="171450" indent="-171450">
+              <a:lnSpc>
+                <a:spcPct val="150000"/>
+              </a:lnSpc>
+              <a:buFont typeface="Arial" panose="020B0604020202020204" pitchFamily="34" charset="0"/>
+              <a:buChar char="•"/>
+            </a:pPr>
+            <a:r>
+              <a:rPr lang="en-US" sz="1200" dirty="0" smtClean="0">
+                <a:latin typeface="Roboto" panose="02000000000000000000" pitchFamily="2" charset="0"/>
+                <a:ea typeface="Roboto" panose="02000000000000000000" pitchFamily="2" charset="0"/>
+              </a:rPr>
+              <a:t>To </a:t>
+            </a:r>
+            <a:r>
+              <a:rPr lang="en-US" sz="1200" dirty="0">
+                <a:latin typeface="Roboto" panose="02000000000000000000" pitchFamily="2" charset="0"/>
+                <a:ea typeface="Roboto" panose="02000000000000000000" pitchFamily="2" charset="0"/>
+              </a:rPr>
+              <a:t>enable your </a:t>
+            </a:r>
+            <a:r>
+              <a:rPr lang="en-US" sz="1200" dirty="0" smtClean="0">
+                <a:latin typeface="Roboto" panose="02000000000000000000" pitchFamily="2" charset="0"/>
+                <a:ea typeface="Roboto" panose="02000000000000000000" pitchFamily="2" charset="0"/>
+              </a:rPr>
+              <a:t>application </a:t>
+            </a:r>
+            <a:r>
+              <a:rPr lang="en-US" sz="1200" dirty="0">
+                <a:latin typeface="Roboto" panose="02000000000000000000" pitchFamily="2" charset="0"/>
+                <a:ea typeface="Roboto" panose="02000000000000000000" pitchFamily="2" charset="0"/>
+              </a:rPr>
+              <a:t>in different size device with web &amp; desktop too. </a:t>
+            </a:r>
+          </a:p>
+        </p:txBody>
+      </p:sp>
+      <p:sp>
+        <p:nvSpPr>
+          <p:cNvPr id="4" name="Rectangle 3"/>
+          <p:cNvSpPr/>
+          <p:nvPr/>
+        </p:nvSpPr>
+        <p:spPr>
+          <a:xfrm>
+            <a:off x="228600" y="1809750"/>
+            <a:ext cx="4572000" cy="3046988"/>
+          </a:xfrm>
+          <a:prstGeom prst="rect">
+            <a:avLst/>
+          </a:prstGeom>
+        </p:spPr>
+        <p:txBody>
+          <a:bodyPr>
+            <a:spAutoFit/>
+          </a:bodyPr>
+          <a:lstStyle/>
+          <a:p>
+            <a:r>
+              <a:rPr lang="en-US" sz="1200" b="1" u="sng" dirty="0">
+                <a:latin typeface="Roboto" panose="02000000000000000000" pitchFamily="2" charset="0"/>
+                <a:ea typeface="Roboto" panose="02000000000000000000" pitchFamily="2" charset="0"/>
+              </a:rPr>
+              <a:t>Widgets &amp; Packages</a:t>
+            </a:r>
+            <a:r>
+              <a:rPr lang="en-US" sz="1200" b="1" u="sng" dirty="0" smtClean="0">
+                <a:latin typeface="Roboto" panose="02000000000000000000" pitchFamily="2" charset="0"/>
+                <a:ea typeface="Roboto" panose="02000000000000000000" pitchFamily="2" charset="0"/>
+              </a:rPr>
+              <a:t>:</a:t>
+            </a:r>
+            <a:endParaRPr lang="en-US" sz="1200" b="1" u="sng" dirty="0">
+              <a:latin typeface="Roboto" panose="02000000000000000000" pitchFamily="2" charset="0"/>
+              <a:ea typeface="Roboto" panose="02000000000000000000" pitchFamily="2" charset="0"/>
+            </a:endParaRPr>
+          </a:p>
+          <a:p>
+            <a:pPr marL="171450" indent="-171450">
+              <a:lnSpc>
+                <a:spcPct val="150000"/>
+              </a:lnSpc>
+              <a:buFont typeface="Arial" panose="020B0604020202020204" pitchFamily="34" charset="0"/>
+              <a:buChar char="•"/>
+            </a:pPr>
+            <a:r>
+              <a:rPr lang="en-US" sz="1200" dirty="0" smtClean="0">
+                <a:latin typeface="Roboto" panose="02000000000000000000" pitchFamily="2" charset="0"/>
+                <a:ea typeface="Roboto" panose="02000000000000000000" pitchFamily="2" charset="0"/>
+              </a:rPr>
+              <a:t>Fractionally Sized Box</a:t>
+            </a:r>
+            <a:endParaRPr lang="en-US" sz="1200" dirty="0">
+              <a:latin typeface="Roboto" panose="02000000000000000000" pitchFamily="2" charset="0"/>
+              <a:ea typeface="Roboto" panose="02000000000000000000" pitchFamily="2" charset="0"/>
+            </a:endParaRPr>
+          </a:p>
+          <a:p>
+            <a:pPr marL="171450" indent="-171450">
+              <a:lnSpc>
+                <a:spcPct val="150000"/>
+              </a:lnSpc>
+              <a:buFont typeface="Arial" panose="020B0604020202020204" pitchFamily="34" charset="0"/>
+              <a:buChar char="•"/>
+            </a:pPr>
+            <a:r>
+              <a:rPr lang="en-US" sz="1200" dirty="0" smtClean="0">
+                <a:latin typeface="Roboto" panose="02000000000000000000" pitchFamily="2" charset="0"/>
+                <a:ea typeface="Roboto" panose="02000000000000000000" pitchFamily="2" charset="0"/>
+              </a:rPr>
+              <a:t>Media Query</a:t>
+            </a:r>
+            <a:endParaRPr lang="en-US" sz="1200" dirty="0">
+              <a:latin typeface="Roboto" panose="02000000000000000000" pitchFamily="2" charset="0"/>
+              <a:ea typeface="Roboto" panose="02000000000000000000" pitchFamily="2" charset="0"/>
+            </a:endParaRPr>
+          </a:p>
+          <a:p>
+            <a:pPr marL="171450" indent="-171450">
+              <a:lnSpc>
+                <a:spcPct val="150000"/>
+              </a:lnSpc>
+              <a:buFont typeface="Arial" panose="020B0604020202020204" pitchFamily="34" charset="0"/>
+              <a:buChar char="•"/>
+            </a:pPr>
+            <a:r>
+              <a:rPr lang="en-US" sz="1200" dirty="0" smtClean="0">
+                <a:latin typeface="Roboto" panose="02000000000000000000" pitchFamily="2" charset="0"/>
+                <a:ea typeface="Roboto" panose="02000000000000000000" pitchFamily="2" charset="0"/>
+              </a:rPr>
+              <a:t>Expanded </a:t>
+            </a:r>
+          </a:p>
+          <a:p>
+            <a:pPr marL="171450" indent="-171450">
+              <a:lnSpc>
+                <a:spcPct val="150000"/>
+              </a:lnSpc>
+              <a:buFont typeface="Arial" panose="020B0604020202020204" pitchFamily="34" charset="0"/>
+              <a:buChar char="•"/>
+            </a:pPr>
+            <a:r>
+              <a:rPr lang="en-US" sz="1200" dirty="0" smtClean="0">
+                <a:latin typeface="Roboto" panose="02000000000000000000" pitchFamily="2" charset="0"/>
+                <a:ea typeface="Roboto" panose="02000000000000000000" pitchFamily="2" charset="0"/>
+              </a:rPr>
+              <a:t>Aspect Ratio</a:t>
+            </a:r>
+          </a:p>
+          <a:p>
+            <a:pPr marL="171450" indent="-171450">
+              <a:lnSpc>
+                <a:spcPct val="150000"/>
+              </a:lnSpc>
+              <a:buFont typeface="Arial" panose="020B0604020202020204" pitchFamily="34" charset="0"/>
+              <a:buChar char="•"/>
+            </a:pPr>
+            <a:r>
+              <a:rPr lang="en-US" sz="1200" dirty="0" smtClean="0">
+                <a:latin typeface="Roboto" panose="02000000000000000000" pitchFamily="2" charset="0"/>
+                <a:ea typeface="Roboto" panose="02000000000000000000" pitchFamily="2" charset="0"/>
+              </a:rPr>
+              <a:t>Fitted Box</a:t>
+            </a:r>
+          </a:p>
+          <a:p>
+            <a:pPr marL="171450" indent="-171450">
+              <a:lnSpc>
+                <a:spcPct val="150000"/>
+              </a:lnSpc>
+              <a:buFont typeface="Arial" panose="020B0604020202020204" pitchFamily="34" charset="0"/>
+              <a:buChar char="•"/>
+            </a:pPr>
+            <a:r>
+              <a:rPr lang="en-US" sz="1200" dirty="0" smtClean="0">
+                <a:latin typeface="Roboto" panose="02000000000000000000" pitchFamily="2" charset="0"/>
+                <a:ea typeface="Roboto" panose="02000000000000000000" pitchFamily="2" charset="0"/>
+              </a:rPr>
+              <a:t>Layout Builder</a:t>
+            </a:r>
+            <a:endParaRPr lang="en-US" sz="1200" dirty="0">
+              <a:latin typeface="Roboto" panose="02000000000000000000" pitchFamily="2" charset="0"/>
+              <a:ea typeface="Roboto" panose="02000000000000000000" pitchFamily="2" charset="0"/>
+            </a:endParaRPr>
+          </a:p>
+          <a:p>
+            <a:pPr marL="171450" indent="-171450">
+              <a:lnSpc>
+                <a:spcPct val="150000"/>
+              </a:lnSpc>
+              <a:buFont typeface="Arial" panose="020B0604020202020204" pitchFamily="34" charset="0"/>
+              <a:buChar char="•"/>
+            </a:pPr>
+            <a:r>
+              <a:rPr lang="en-US" sz="1200" dirty="0" smtClean="0">
+                <a:latin typeface="Roboto" panose="02000000000000000000" pitchFamily="2" charset="0"/>
+                <a:ea typeface="Roboto" panose="02000000000000000000" pitchFamily="2" charset="0"/>
+              </a:rPr>
+              <a:t>Responsive grid</a:t>
+            </a:r>
+          </a:p>
+          <a:p>
+            <a:pPr marL="171450" indent="-171450">
+              <a:lnSpc>
+                <a:spcPct val="150000"/>
+              </a:lnSpc>
+              <a:buFont typeface="Arial" panose="020B0604020202020204" pitchFamily="34" charset="0"/>
+              <a:buChar char="•"/>
+            </a:pPr>
+            <a:r>
+              <a:rPr lang="en-US" sz="1200" dirty="0" smtClean="0">
+                <a:latin typeface="Roboto" panose="02000000000000000000" pitchFamily="2" charset="0"/>
+                <a:ea typeface="Roboto" panose="02000000000000000000" pitchFamily="2" charset="0"/>
+              </a:rPr>
+              <a:t>Column Row</a:t>
+            </a:r>
+          </a:p>
+          <a:p>
+            <a:pPr marL="171450" indent="-171450">
+              <a:lnSpc>
+                <a:spcPct val="150000"/>
+              </a:lnSpc>
+              <a:buFont typeface="Arial" panose="020B0604020202020204" pitchFamily="34" charset="0"/>
+              <a:buChar char="•"/>
+            </a:pPr>
+            <a:r>
+              <a:rPr lang="en-US" sz="1200" dirty="0" smtClean="0">
+                <a:latin typeface="Roboto" panose="02000000000000000000" pitchFamily="2" charset="0"/>
+                <a:ea typeface="Roboto" panose="02000000000000000000" pitchFamily="2" charset="0"/>
+              </a:rPr>
+              <a:t>Responsive Framework</a:t>
+            </a:r>
+          </a:p>
+          <a:p>
+            <a:pPr marL="171450" indent="-171450">
+              <a:lnSpc>
+                <a:spcPct val="150000"/>
+              </a:lnSpc>
+              <a:buFont typeface="Arial" panose="020B0604020202020204" pitchFamily="34" charset="0"/>
+              <a:buChar char="•"/>
+            </a:pPr>
+            <a:r>
+              <a:rPr lang="en-US" sz="1200" dirty="0" smtClean="0">
+                <a:latin typeface="Roboto" panose="02000000000000000000" pitchFamily="2" charset="0"/>
+                <a:ea typeface="Roboto" panose="02000000000000000000" pitchFamily="2" charset="0"/>
+              </a:rPr>
+              <a:t>Scroll View  </a:t>
+            </a:r>
+            <a:endParaRPr lang="en-US" sz="1200" dirty="0">
+              <a:latin typeface="Roboto" panose="02000000000000000000" pitchFamily="2" charset="0"/>
+              <a:ea typeface="Roboto" panose="02000000000000000000" pitchFamily="2" charset="0"/>
+            </a:endParaRPr>
+          </a:p>
+        </p:txBody>
+      </p:sp>
+    </p:spTree>
+    <p:extLst>
+      <p:ext uri="{BB962C8B-B14F-4D97-AF65-F5344CB8AC3E}">
+        <p14:creationId xmlns:p14="http://schemas.microsoft.com/office/powerpoint/2010/main" val="890140199"/>
+      </p:ext>
+    </p:extLst>
+  </p:cSld>
+  <p:clrMapOvr>
+    <a:masterClrMapping/>
+  </p:clrMapOvr>
+  <p:timing>
+    <p:tnLst>
+      <p:par>
+        <p:cTn id="1" dur="indefinite" restart="never" nodeType="tmRoot">
+          <p:childTnLst>
+            <p:seq concurrent="1" nextAc="seek">
+              <p:cTn id="2" dur="indefinite" nodeType="mainSeq">
+                <p:childTnLst>
+                  <p:par>
+                    <p:cTn id="3" fill="hold">
+                      <p:stCondLst>
+                        <p:cond delay="indefinite"/>
+                      </p:stCondLst>
+                      <p:childTnLst>
+                        <p:par>
+                          <p:cTn id="4" fill="hold">
+                            <p:stCondLst>
+                              <p:cond delay="0"/>
+                            </p:stCondLst>
+                            <p:childTnLst>
+                              <p:par>
+                                <p:cTn id="5" presetID="22" presetClass="entr" presetSubtype="4" fill="hold" nodeType="clickEffect">
+                                  <p:stCondLst>
+                                    <p:cond delay="0"/>
+                                  </p:stCondLst>
+                                  <p:childTnLst>
+                                    <p:set>
+                                      <p:cBhvr>
+                                        <p:cTn id="6" dur="1" fill="hold">
+                                          <p:stCondLst>
+                                            <p:cond delay="0"/>
+                                          </p:stCondLst>
+                                        </p:cTn>
+                                        <p:tgtEl>
+                                          <p:spTgt spid="2">
+                                            <p:txEl>
+                                              <p:pRg st="1" end="1"/>
+                                            </p:txEl>
+                                          </p:spTgt>
+                                        </p:tgtEl>
+                                        <p:attrNameLst>
+                                          <p:attrName>style.visibility</p:attrName>
+                                        </p:attrNameLst>
+                                      </p:cBhvr>
+                                      <p:to>
+                                        <p:strVal val="visible"/>
+                                      </p:to>
+                                    </p:set>
+                                    <p:animEffect transition="in" filter="wipe(down)">
+                                      <p:cBhvr>
+                                        <p:cTn id="7" dur="500"/>
+                                        <p:tgtEl>
+                                          <p:spTgt spid="2">
+                                            <p:txEl>
+                                              <p:pRg st="1" end="1"/>
+                                            </p:txEl>
+                                          </p:spTgt>
+                                        </p:tgtEl>
+                                      </p:cBhvr>
+                                    </p:animEffect>
+                                  </p:childTnLst>
+                                </p:cTn>
+                              </p:par>
+                            </p:childTnLst>
+                          </p:cTn>
+                        </p:par>
+                      </p:childTnLst>
+                    </p:cTn>
+                  </p:par>
+                  <p:par>
+                    <p:cTn id="8" fill="hold">
+                      <p:stCondLst>
+                        <p:cond delay="indefinite"/>
+                      </p:stCondLst>
+                      <p:childTnLst>
+                        <p:par>
+                          <p:cTn id="9" fill="hold">
+                            <p:stCondLst>
+                              <p:cond delay="0"/>
+                            </p:stCondLst>
+                            <p:childTnLst>
+                              <p:par>
+                                <p:cTn id="10" presetID="22" presetClass="entr" presetSubtype="4" fill="hold" nodeType="clickEffect">
+                                  <p:stCondLst>
+                                    <p:cond delay="0"/>
+                                  </p:stCondLst>
+                                  <p:childTnLst>
+                                    <p:set>
+                                      <p:cBhvr>
+                                        <p:cTn id="11" dur="1" fill="hold">
+                                          <p:stCondLst>
+                                            <p:cond delay="0"/>
+                                          </p:stCondLst>
+                                        </p:cTn>
+                                        <p:tgtEl>
+                                          <p:spTgt spid="2">
+                                            <p:txEl>
+                                              <p:pRg st="2" end="2"/>
+                                            </p:txEl>
+                                          </p:spTgt>
+                                        </p:tgtEl>
+                                        <p:attrNameLst>
+                                          <p:attrName>style.visibility</p:attrName>
+                                        </p:attrNameLst>
+                                      </p:cBhvr>
+                                      <p:to>
+                                        <p:strVal val="visible"/>
+                                      </p:to>
+                                    </p:set>
+                                    <p:animEffect transition="in" filter="wipe(down)">
+                                      <p:cBhvr>
+                                        <p:cTn id="12" dur="500"/>
+                                        <p:tgtEl>
+                                          <p:spTgt spid="2">
+                                            <p:txEl>
+                                              <p:pRg st="2" end="2"/>
+                                            </p:txEl>
+                                          </p:spTgt>
+                                        </p:tgtEl>
+                                      </p:cBhvr>
+                                    </p:animEffect>
+                                  </p:childTnLst>
+                                </p:cTn>
+                              </p:par>
+                            </p:childTnLst>
+                          </p:cTn>
+                        </p:par>
+                      </p:childTnLst>
+                    </p:cTn>
+                  </p:par>
+                  <p:par>
+                    <p:cTn id="13" fill="hold">
+                      <p:stCondLst>
+                        <p:cond delay="indefinite"/>
+                      </p:stCondLst>
+                      <p:childTnLst>
+                        <p:par>
+                          <p:cTn id="14" fill="hold">
+                            <p:stCondLst>
+                              <p:cond delay="0"/>
+                            </p:stCondLst>
+                            <p:childTnLst>
+                              <p:par>
+                                <p:cTn id="15" presetID="22" presetClass="entr" presetSubtype="4" fill="hold" nodeType="clickEffect">
+                                  <p:stCondLst>
+                                    <p:cond delay="0"/>
+                                  </p:stCondLst>
+                                  <p:childTnLst>
+                                    <p:set>
+                                      <p:cBhvr>
+                                        <p:cTn id="16" dur="1" fill="hold">
+                                          <p:stCondLst>
+                                            <p:cond delay="0"/>
+                                          </p:stCondLst>
+                                        </p:cTn>
+                                        <p:tgtEl>
+                                          <p:spTgt spid="4">
+                                            <p:txEl>
+                                              <p:pRg st="0" end="0"/>
+                                            </p:txEl>
+                                          </p:spTgt>
+                                        </p:tgtEl>
+                                        <p:attrNameLst>
+                                          <p:attrName>style.visibility</p:attrName>
+                                        </p:attrNameLst>
+                                      </p:cBhvr>
+                                      <p:to>
+                                        <p:strVal val="visible"/>
+                                      </p:to>
+                                    </p:set>
+                                    <p:animEffect transition="in" filter="wipe(down)">
+                                      <p:cBhvr>
+                                        <p:cTn id="17" dur="500"/>
+                                        <p:tgtEl>
+                                          <p:spTgt spid="4">
+                                            <p:txEl>
+                                              <p:pRg st="0" end="0"/>
+                                            </p:txEl>
+                                          </p:spTgt>
+                                        </p:tgtEl>
+                                      </p:cBhvr>
+                                    </p:animEffect>
+                                  </p:childTnLst>
+                                </p:cTn>
+                              </p:par>
+                            </p:childTnLst>
+                          </p:cTn>
+                        </p:par>
+                      </p:childTnLst>
+                    </p:cTn>
+                  </p:par>
+                  <p:par>
+                    <p:cTn id="18" fill="hold">
+                      <p:stCondLst>
+                        <p:cond delay="indefinite"/>
+                      </p:stCondLst>
+                      <p:childTnLst>
+                        <p:par>
+                          <p:cTn id="19" fill="hold">
+                            <p:stCondLst>
+                              <p:cond delay="0"/>
+                            </p:stCondLst>
+                            <p:childTnLst>
+                              <p:par>
+                                <p:cTn id="20" presetID="22" presetClass="entr" presetSubtype="4" fill="hold" nodeType="clickEffect">
+                                  <p:stCondLst>
+                                    <p:cond delay="0"/>
+                                  </p:stCondLst>
+                                  <p:childTnLst>
+                                    <p:set>
+                                      <p:cBhvr>
+                                        <p:cTn id="21" dur="1" fill="hold">
+                                          <p:stCondLst>
+                                            <p:cond delay="0"/>
+                                          </p:stCondLst>
+                                        </p:cTn>
+                                        <p:tgtEl>
+                                          <p:spTgt spid="4">
+                                            <p:txEl>
+                                              <p:pRg st="1" end="1"/>
+                                            </p:txEl>
+                                          </p:spTgt>
+                                        </p:tgtEl>
+                                        <p:attrNameLst>
+                                          <p:attrName>style.visibility</p:attrName>
+                                        </p:attrNameLst>
+                                      </p:cBhvr>
+                                      <p:to>
+                                        <p:strVal val="visible"/>
+                                      </p:to>
+                                    </p:set>
+                                    <p:animEffect transition="in" filter="wipe(down)">
+                                      <p:cBhvr>
+                                        <p:cTn id="22" dur="500"/>
+                                        <p:tgtEl>
+                                          <p:spTgt spid="4">
+                                            <p:txEl>
+                                              <p:pRg st="1" end="1"/>
+                                            </p:txEl>
+                                          </p:spTgt>
+                                        </p:tgtEl>
+                                      </p:cBhvr>
+                                    </p:animEffect>
+                                  </p:childTnLst>
+                                </p:cTn>
+                              </p:par>
+                            </p:childTnLst>
+                          </p:cTn>
+                        </p:par>
+                      </p:childTnLst>
+                    </p:cTn>
+                  </p:par>
+                  <p:par>
+                    <p:cTn id="23" fill="hold">
+                      <p:stCondLst>
+                        <p:cond delay="indefinite"/>
+                      </p:stCondLst>
+                      <p:childTnLst>
+                        <p:par>
+                          <p:cTn id="24" fill="hold">
+                            <p:stCondLst>
+                              <p:cond delay="0"/>
+                            </p:stCondLst>
+                            <p:childTnLst>
+                              <p:par>
+                                <p:cTn id="25" presetID="22" presetClass="entr" presetSubtype="4" fill="hold" nodeType="clickEffect">
+                                  <p:stCondLst>
+                                    <p:cond delay="0"/>
+                                  </p:stCondLst>
+                                  <p:childTnLst>
+                                    <p:set>
+                                      <p:cBhvr>
+                                        <p:cTn id="26" dur="1" fill="hold">
+                                          <p:stCondLst>
+                                            <p:cond delay="0"/>
+                                          </p:stCondLst>
+                                        </p:cTn>
+                                        <p:tgtEl>
+                                          <p:spTgt spid="4">
+                                            <p:txEl>
+                                              <p:pRg st="2" end="2"/>
+                                            </p:txEl>
+                                          </p:spTgt>
+                                        </p:tgtEl>
+                                        <p:attrNameLst>
+                                          <p:attrName>style.visibility</p:attrName>
+                                        </p:attrNameLst>
+                                      </p:cBhvr>
+                                      <p:to>
+                                        <p:strVal val="visible"/>
+                                      </p:to>
+                                    </p:set>
+                                    <p:animEffect transition="in" filter="wipe(down)">
+                                      <p:cBhvr>
+                                        <p:cTn id="27" dur="500"/>
+                                        <p:tgtEl>
+                                          <p:spTgt spid="4">
+                                            <p:txEl>
+                                              <p:pRg st="2" end="2"/>
+                                            </p:txEl>
+                                          </p:spTgt>
+                                        </p:tgtEl>
+                                      </p:cBhvr>
+                                    </p:animEffect>
+                                  </p:childTnLst>
+                                </p:cTn>
+                              </p:par>
+                            </p:childTnLst>
+                          </p:cTn>
+                        </p:par>
+                      </p:childTnLst>
+                    </p:cTn>
+                  </p:par>
+                  <p:par>
+                    <p:cTn id="28" fill="hold">
+                      <p:stCondLst>
+                        <p:cond delay="indefinite"/>
+                      </p:stCondLst>
+                      <p:childTnLst>
+                        <p:par>
+                          <p:cTn id="29" fill="hold">
+                            <p:stCondLst>
+                              <p:cond delay="0"/>
+                            </p:stCondLst>
+                            <p:childTnLst>
+                              <p:par>
+                                <p:cTn id="30" presetID="22" presetClass="entr" presetSubtype="4" fill="hold" nodeType="clickEffect">
+                                  <p:stCondLst>
+                                    <p:cond delay="0"/>
+                                  </p:stCondLst>
+                                  <p:childTnLst>
+                                    <p:set>
+                                      <p:cBhvr>
+                                        <p:cTn id="31" dur="1" fill="hold">
+                                          <p:stCondLst>
+                                            <p:cond delay="0"/>
+                                          </p:stCondLst>
+                                        </p:cTn>
+                                        <p:tgtEl>
+                                          <p:spTgt spid="4">
+                                            <p:txEl>
+                                              <p:pRg st="3" end="3"/>
+                                            </p:txEl>
+                                          </p:spTgt>
+                                        </p:tgtEl>
+                                        <p:attrNameLst>
+                                          <p:attrName>style.visibility</p:attrName>
+                                        </p:attrNameLst>
+                                      </p:cBhvr>
+                                      <p:to>
+                                        <p:strVal val="visible"/>
+                                      </p:to>
+                                    </p:set>
+                                    <p:animEffect transition="in" filter="wipe(down)">
+                                      <p:cBhvr>
+                                        <p:cTn id="32" dur="500"/>
+                                        <p:tgtEl>
+                                          <p:spTgt spid="4">
+                                            <p:txEl>
+                                              <p:pRg st="3" end="3"/>
+                                            </p:txEl>
+                                          </p:spTgt>
+                                        </p:tgtEl>
+                                      </p:cBhvr>
+                                    </p:animEffect>
+                                  </p:childTnLst>
+                                </p:cTn>
+                              </p:par>
+                            </p:childTnLst>
+                          </p:cTn>
+                        </p:par>
+                      </p:childTnLst>
+                    </p:cTn>
+                  </p:par>
+                  <p:par>
+                    <p:cTn id="33" fill="hold">
+                      <p:stCondLst>
+                        <p:cond delay="indefinite"/>
+                      </p:stCondLst>
+                      <p:childTnLst>
+                        <p:par>
+                          <p:cTn id="34" fill="hold">
+                            <p:stCondLst>
+                              <p:cond delay="0"/>
+                            </p:stCondLst>
+                            <p:childTnLst>
+                              <p:par>
+                                <p:cTn id="35" presetID="22" presetClass="entr" presetSubtype="4" fill="hold" nodeType="clickEffect">
+                                  <p:stCondLst>
+                                    <p:cond delay="0"/>
+                                  </p:stCondLst>
+                                  <p:childTnLst>
+                                    <p:set>
+                                      <p:cBhvr>
+                                        <p:cTn id="36" dur="1" fill="hold">
+                                          <p:stCondLst>
+                                            <p:cond delay="0"/>
+                                          </p:stCondLst>
+                                        </p:cTn>
+                                        <p:tgtEl>
+                                          <p:spTgt spid="4">
+                                            <p:txEl>
+                                              <p:pRg st="4" end="4"/>
+                                            </p:txEl>
+                                          </p:spTgt>
+                                        </p:tgtEl>
+                                        <p:attrNameLst>
+                                          <p:attrName>style.visibility</p:attrName>
+                                        </p:attrNameLst>
+                                      </p:cBhvr>
+                                      <p:to>
+                                        <p:strVal val="visible"/>
+                                      </p:to>
+                                    </p:set>
+                                    <p:animEffect transition="in" filter="wipe(down)">
+                                      <p:cBhvr>
+                                        <p:cTn id="37" dur="500"/>
+                                        <p:tgtEl>
+                                          <p:spTgt spid="4">
+                                            <p:txEl>
+                                              <p:pRg st="4" end="4"/>
+                                            </p:txEl>
+                                          </p:spTgt>
+                                        </p:tgtEl>
+                                      </p:cBhvr>
+                                    </p:animEffect>
+                                  </p:childTnLst>
+                                </p:cTn>
+                              </p:par>
+                            </p:childTnLst>
+                          </p:cTn>
+                        </p:par>
+                      </p:childTnLst>
+                    </p:cTn>
+                  </p:par>
+                  <p:par>
+                    <p:cTn id="38" fill="hold">
+                      <p:stCondLst>
+                        <p:cond delay="indefinite"/>
+                      </p:stCondLst>
+                      <p:childTnLst>
+                        <p:par>
+                          <p:cTn id="39" fill="hold">
+                            <p:stCondLst>
+                              <p:cond delay="0"/>
+                            </p:stCondLst>
+                            <p:childTnLst>
+                              <p:par>
+                                <p:cTn id="40" presetID="22" presetClass="entr" presetSubtype="4" fill="hold" nodeType="clickEffect">
+                                  <p:stCondLst>
+                                    <p:cond delay="0"/>
+                                  </p:stCondLst>
+                                  <p:childTnLst>
+                                    <p:set>
+                                      <p:cBhvr>
+                                        <p:cTn id="41" dur="1" fill="hold">
+                                          <p:stCondLst>
+                                            <p:cond delay="0"/>
+                                          </p:stCondLst>
+                                        </p:cTn>
+                                        <p:tgtEl>
+                                          <p:spTgt spid="4">
+                                            <p:txEl>
+                                              <p:pRg st="5" end="5"/>
+                                            </p:txEl>
+                                          </p:spTgt>
+                                        </p:tgtEl>
+                                        <p:attrNameLst>
+                                          <p:attrName>style.visibility</p:attrName>
+                                        </p:attrNameLst>
+                                      </p:cBhvr>
+                                      <p:to>
+                                        <p:strVal val="visible"/>
+                                      </p:to>
+                                    </p:set>
+                                    <p:animEffect transition="in" filter="wipe(down)">
+                                      <p:cBhvr>
+                                        <p:cTn id="42" dur="500"/>
+                                        <p:tgtEl>
+                                          <p:spTgt spid="4">
+                                            <p:txEl>
+                                              <p:pRg st="5" end="5"/>
+                                            </p:txEl>
+                                          </p:spTgt>
+                                        </p:tgtEl>
+                                      </p:cBhvr>
+                                    </p:animEffect>
+                                  </p:childTnLst>
+                                </p:cTn>
+                              </p:par>
+                            </p:childTnLst>
+                          </p:cTn>
+                        </p:par>
+                      </p:childTnLst>
+                    </p:cTn>
+                  </p:par>
+                  <p:par>
+                    <p:cTn id="43" fill="hold">
+                      <p:stCondLst>
+                        <p:cond delay="indefinite"/>
+                      </p:stCondLst>
+                      <p:childTnLst>
+                        <p:par>
+                          <p:cTn id="44" fill="hold">
+                            <p:stCondLst>
+                              <p:cond delay="0"/>
+                            </p:stCondLst>
+                            <p:childTnLst>
+                              <p:par>
+                                <p:cTn id="45" presetID="22" presetClass="entr" presetSubtype="4" fill="hold" nodeType="clickEffect">
+                                  <p:stCondLst>
+                                    <p:cond delay="0"/>
+                                  </p:stCondLst>
+                                  <p:childTnLst>
+                                    <p:set>
+                                      <p:cBhvr>
+                                        <p:cTn id="46" dur="1" fill="hold">
+                                          <p:stCondLst>
+                                            <p:cond delay="0"/>
+                                          </p:stCondLst>
+                                        </p:cTn>
+                                        <p:tgtEl>
+                                          <p:spTgt spid="4">
+                                            <p:txEl>
+                                              <p:pRg st="6" end="6"/>
+                                            </p:txEl>
+                                          </p:spTgt>
+                                        </p:tgtEl>
+                                        <p:attrNameLst>
+                                          <p:attrName>style.visibility</p:attrName>
+                                        </p:attrNameLst>
+                                      </p:cBhvr>
+                                      <p:to>
+                                        <p:strVal val="visible"/>
+                                      </p:to>
+                                    </p:set>
+                                    <p:animEffect transition="in" filter="wipe(down)">
+                                      <p:cBhvr>
+                                        <p:cTn id="47" dur="500"/>
+                                        <p:tgtEl>
+                                          <p:spTgt spid="4">
+                                            <p:txEl>
+                                              <p:pRg st="6" end="6"/>
+                                            </p:txEl>
+                                          </p:spTgt>
+                                        </p:tgtEl>
+                                      </p:cBhvr>
+                                    </p:animEffect>
+                                  </p:childTnLst>
+                                </p:cTn>
+                              </p:par>
+                            </p:childTnLst>
+                          </p:cTn>
+                        </p:par>
+                      </p:childTnLst>
+                    </p:cTn>
+                  </p:par>
+                  <p:par>
+                    <p:cTn id="48" fill="hold">
+                      <p:stCondLst>
+                        <p:cond delay="indefinite"/>
+                      </p:stCondLst>
+                      <p:childTnLst>
+                        <p:par>
+                          <p:cTn id="49" fill="hold">
+                            <p:stCondLst>
+                              <p:cond delay="0"/>
+                            </p:stCondLst>
+                            <p:childTnLst>
+                              <p:par>
+                                <p:cTn id="50" presetID="22" presetClass="entr" presetSubtype="4" fill="hold" nodeType="clickEffect">
+                                  <p:stCondLst>
+                                    <p:cond delay="0"/>
+                                  </p:stCondLst>
+                                  <p:childTnLst>
+                                    <p:set>
+                                      <p:cBhvr>
+                                        <p:cTn id="51" dur="1" fill="hold">
+                                          <p:stCondLst>
+                                            <p:cond delay="0"/>
+                                          </p:stCondLst>
+                                        </p:cTn>
+                                        <p:tgtEl>
+                                          <p:spTgt spid="4">
+                                            <p:txEl>
+                                              <p:pRg st="7" end="7"/>
+                                            </p:txEl>
+                                          </p:spTgt>
+                                        </p:tgtEl>
+                                        <p:attrNameLst>
+                                          <p:attrName>style.visibility</p:attrName>
+                                        </p:attrNameLst>
+                                      </p:cBhvr>
+                                      <p:to>
+                                        <p:strVal val="visible"/>
+                                      </p:to>
+                                    </p:set>
+                                    <p:animEffect transition="in" filter="wipe(down)">
+                                      <p:cBhvr>
+                                        <p:cTn id="52" dur="500"/>
+                                        <p:tgtEl>
+                                          <p:spTgt spid="4">
+                                            <p:txEl>
+                                              <p:pRg st="7" end="7"/>
+                                            </p:txEl>
+                                          </p:spTgt>
+                                        </p:tgtEl>
+                                      </p:cBhvr>
+                                    </p:animEffect>
+                                  </p:childTnLst>
+                                </p:cTn>
+                              </p:par>
+                            </p:childTnLst>
+                          </p:cTn>
+                        </p:par>
+                      </p:childTnLst>
+                    </p:cTn>
+                  </p:par>
+                  <p:par>
+                    <p:cTn id="53" fill="hold">
+                      <p:stCondLst>
+                        <p:cond delay="indefinite"/>
+                      </p:stCondLst>
+                      <p:childTnLst>
+                        <p:par>
+                          <p:cTn id="54" fill="hold">
+                            <p:stCondLst>
+                              <p:cond delay="0"/>
+                            </p:stCondLst>
+                            <p:childTnLst>
+                              <p:par>
+                                <p:cTn id="55" presetID="22" presetClass="entr" presetSubtype="4" fill="hold" nodeType="clickEffect">
+                                  <p:stCondLst>
+                                    <p:cond delay="0"/>
+                                  </p:stCondLst>
+                                  <p:childTnLst>
+                                    <p:set>
+                                      <p:cBhvr>
+                                        <p:cTn id="56" dur="1" fill="hold">
+                                          <p:stCondLst>
+                                            <p:cond delay="0"/>
+                                          </p:stCondLst>
+                                        </p:cTn>
+                                        <p:tgtEl>
+                                          <p:spTgt spid="4">
+                                            <p:txEl>
+                                              <p:pRg st="8" end="8"/>
+                                            </p:txEl>
+                                          </p:spTgt>
+                                        </p:tgtEl>
+                                        <p:attrNameLst>
+                                          <p:attrName>style.visibility</p:attrName>
+                                        </p:attrNameLst>
+                                      </p:cBhvr>
+                                      <p:to>
+                                        <p:strVal val="visible"/>
+                                      </p:to>
+                                    </p:set>
+                                    <p:animEffect transition="in" filter="wipe(down)">
+                                      <p:cBhvr>
+                                        <p:cTn id="57" dur="500"/>
+                                        <p:tgtEl>
+                                          <p:spTgt spid="4">
+                                            <p:txEl>
+                                              <p:pRg st="8" end="8"/>
+                                            </p:txEl>
+                                          </p:spTgt>
+                                        </p:tgtEl>
+                                      </p:cBhvr>
+                                    </p:animEffect>
+                                  </p:childTnLst>
+                                </p:cTn>
+                              </p:par>
+                            </p:childTnLst>
+                          </p:cTn>
+                        </p:par>
+                      </p:childTnLst>
+                    </p:cTn>
+                  </p:par>
+                  <p:par>
+                    <p:cTn id="58" fill="hold">
+                      <p:stCondLst>
+                        <p:cond delay="indefinite"/>
+                      </p:stCondLst>
+                      <p:childTnLst>
+                        <p:par>
+                          <p:cTn id="59" fill="hold">
+                            <p:stCondLst>
+                              <p:cond delay="0"/>
+                            </p:stCondLst>
+                            <p:childTnLst>
+                              <p:par>
+                                <p:cTn id="60" presetID="22" presetClass="entr" presetSubtype="4" fill="hold" nodeType="clickEffect">
+                                  <p:stCondLst>
+                                    <p:cond delay="0"/>
+                                  </p:stCondLst>
+                                  <p:childTnLst>
+                                    <p:set>
+                                      <p:cBhvr>
+                                        <p:cTn id="61" dur="1" fill="hold">
+                                          <p:stCondLst>
+                                            <p:cond delay="0"/>
+                                          </p:stCondLst>
+                                        </p:cTn>
+                                        <p:tgtEl>
+                                          <p:spTgt spid="4">
+                                            <p:txEl>
+                                              <p:pRg st="9" end="9"/>
+                                            </p:txEl>
+                                          </p:spTgt>
+                                        </p:tgtEl>
+                                        <p:attrNameLst>
+                                          <p:attrName>style.visibility</p:attrName>
+                                        </p:attrNameLst>
+                                      </p:cBhvr>
+                                      <p:to>
+                                        <p:strVal val="visible"/>
+                                      </p:to>
+                                    </p:set>
+                                    <p:animEffect transition="in" filter="wipe(down)">
+                                      <p:cBhvr>
+                                        <p:cTn id="62" dur="500"/>
+                                        <p:tgtEl>
+                                          <p:spTgt spid="4">
+                                            <p:txEl>
+                                              <p:pRg st="9" end="9"/>
+                                            </p:txEl>
+                                          </p:spTgt>
+                                        </p:tgtEl>
+                                      </p:cBhvr>
+                                    </p:animEffect>
+                                  </p:childTnLst>
+                                </p:cTn>
+                              </p:par>
+                            </p:childTnLst>
+                          </p:cTn>
+                        </p:par>
+                      </p:childTnLst>
+                    </p:cTn>
+                  </p:par>
+                  <p:par>
+                    <p:cTn id="63" fill="hold">
+                      <p:stCondLst>
+                        <p:cond delay="indefinite"/>
+                      </p:stCondLst>
+                      <p:childTnLst>
+                        <p:par>
+                          <p:cTn id="64" fill="hold">
+                            <p:stCondLst>
+                              <p:cond delay="0"/>
+                            </p:stCondLst>
+                            <p:childTnLst>
+                              <p:par>
+                                <p:cTn id="65" presetID="22" presetClass="entr" presetSubtype="4" fill="hold" nodeType="clickEffect">
+                                  <p:stCondLst>
+                                    <p:cond delay="0"/>
+                                  </p:stCondLst>
+                                  <p:childTnLst>
+                                    <p:set>
+                                      <p:cBhvr>
+                                        <p:cTn id="66" dur="1" fill="hold">
+                                          <p:stCondLst>
+                                            <p:cond delay="0"/>
+                                          </p:stCondLst>
+                                        </p:cTn>
+                                        <p:tgtEl>
+                                          <p:spTgt spid="4">
+                                            <p:txEl>
+                                              <p:pRg st="10" end="10"/>
+                                            </p:txEl>
+                                          </p:spTgt>
+                                        </p:tgtEl>
+                                        <p:attrNameLst>
+                                          <p:attrName>style.visibility</p:attrName>
+                                        </p:attrNameLst>
+                                      </p:cBhvr>
+                                      <p:to>
+                                        <p:strVal val="visible"/>
+                                      </p:to>
+                                    </p:set>
+                                    <p:animEffect transition="in" filter="wipe(down)">
+                                      <p:cBhvr>
+                                        <p:cTn id="67" dur="500"/>
+                                        <p:tgtEl>
+                                          <p:spTgt spid="4">
+                                            <p:txEl>
+                                              <p:pRg st="10" end="10"/>
+                                            </p:txEl>
+                                          </p:spTgt>
+                                        </p:tgtEl>
+                                      </p:cBhvr>
+                                    </p:animEffect>
+                                  </p:childTnLst>
+                                </p:cTn>
+                              </p:par>
+                            </p:childTnLst>
+                          </p:cTn>
+                        </p:par>
+                      </p:childTnLst>
+                    </p:cTn>
+                  </p:par>
+                </p:childTnLst>
+              </p:cTn>
+              <p:prevCondLst>
+                <p:cond evt="onPrev" delay="0">
+                  <p:tgtEl>
+                    <p:sldTgt/>
+                  </p:tgtEl>
+                </p:cond>
+              </p:prevCondLst>
+              <p:nextCondLst>
+                <p:cond evt="onNext" delay="0">
+                  <p:tgtEl>
+                    <p:sldTgt/>
+                  </p:tgtEl>
+                </p:cond>
+              </p:nextCondLst>
+            </p:seq>
+          </p:childTnLst>
+        </p:cTn>
+      </p:par>
+    </p:tnLst>
+  </p:timing>
+</p:sld>
+</file>
+
+<file path=ppt/slides/slide42.xml><?xml version="1.0" encoding="utf-8"?>
+<p:sld xmlns:a="http://schemas.openxmlformats.org/drawingml/2006/main" xmlns:r="http://schemas.openxmlformats.org/officeDocument/2006/relationships" xmlns:p="http://schemas.openxmlformats.org/presentationml/2006/main">
+  <p:cSld>
+    <p:bg>
+      <p:bgPr>
+        <a:blipFill dpi="0" rotWithShape="1">
+          <a:blip r:embed="rId3">
+            <a:lum/>
+          </a:blip>
+          <a:srcRect/>
+          <a:stretch>
+            <a:fillRect l="-1000" r="-1000"/>
+          </a:stretch>
+        </a:blipFill>
+        <a:effectLst/>
+      </p:bgPr>
+    </p:bg>
+    <p:spTree>
+      <p:nvGrpSpPr>
+        <p:cNvPr id="1" name=""/>
+        <p:cNvGrpSpPr/>
+        <p:nvPr/>
+      </p:nvGrpSpPr>
+      <p:grpSpPr>
+        <a:xfrm>
+          <a:off x="0" y="0"/>
+          <a:ext cx="0" cy="0"/>
+          <a:chOff x="0" y="0"/>
+          <a:chExt cx="0" cy="0"/>
+        </a:xfrm>
+      </p:grpSpPr>
+      <p:sp>
+        <p:nvSpPr>
+          <p:cNvPr id="3" name="Rectangle 2"/>
+          <p:cNvSpPr/>
+          <p:nvPr/>
+        </p:nvSpPr>
+        <p:spPr>
+          <a:xfrm>
+            <a:off x="685800" y="133350"/>
+            <a:ext cx="1215397" cy="307777"/>
+          </a:xfrm>
+          <a:prstGeom prst="rect">
+            <a:avLst/>
+          </a:prstGeom>
+        </p:spPr>
+        <p:txBody>
+          <a:bodyPr wrap="none">
+            <a:spAutoFit/>
+          </a:bodyPr>
+          <a:lstStyle/>
+          <a:p>
+            <a:r>
+              <a:rPr lang="en-US" sz="1400" b="1" dirty="0">
+                <a:solidFill>
+                  <a:srgbClr val="0070C0"/>
+                </a:solidFill>
+                <a:latin typeface="Roboto" panose="02000000000000000000" pitchFamily="2" charset="0"/>
+                <a:ea typeface="Roboto" panose="02000000000000000000" pitchFamily="2" charset="0"/>
+              </a:rPr>
+              <a:t>Aspect Ratio</a:t>
+            </a:r>
+          </a:p>
+        </p:txBody>
+      </p:sp>
+      <p:sp>
+        <p:nvSpPr>
+          <p:cNvPr id="2" name="Rectangle 1"/>
+          <p:cNvSpPr/>
+          <p:nvPr/>
+        </p:nvSpPr>
+        <p:spPr>
+          <a:xfrm>
+            <a:off x="228600" y="819150"/>
+            <a:ext cx="8686800" cy="1200329"/>
+          </a:xfrm>
+          <a:prstGeom prst="rect">
+            <a:avLst/>
+          </a:prstGeom>
+        </p:spPr>
+        <p:txBody>
+          <a:bodyPr wrap="square">
+            <a:spAutoFit/>
+          </a:bodyPr>
+          <a:lstStyle/>
+          <a:p>
+            <a:pPr marL="171450" indent="-171450">
+              <a:lnSpc>
+                <a:spcPct val="150000"/>
+              </a:lnSpc>
+              <a:buFont typeface="Arial" panose="020B0604020202020204" pitchFamily="34" charset="0"/>
+              <a:buChar char="•"/>
+            </a:pPr>
+            <a:r>
+              <a:rPr lang="en-US" sz="1200" dirty="0"/>
+              <a:t>A widget that attempts to size the child to a specific aspect </a:t>
+            </a:r>
+            <a:r>
+              <a:rPr lang="en-US" sz="1200" dirty="0" smtClean="0"/>
+              <a:t>ratio</a:t>
+            </a:r>
+          </a:p>
+          <a:p>
+            <a:pPr marL="171450" indent="-171450">
+              <a:lnSpc>
+                <a:spcPct val="150000"/>
+              </a:lnSpc>
+              <a:buFont typeface="Arial" panose="020B0604020202020204" pitchFamily="34" charset="0"/>
+              <a:buChar char="•"/>
+            </a:pPr>
+            <a:r>
+              <a:rPr lang="en-US" sz="1200" dirty="0"/>
+              <a:t>The widget first tries the largest width permitted by the layout constraints</a:t>
+            </a:r>
+            <a:r>
+              <a:rPr lang="en-US" sz="1200" dirty="0" smtClean="0"/>
+              <a:t>.</a:t>
+            </a:r>
+          </a:p>
+          <a:p>
+            <a:pPr marL="171450" indent="-171450">
+              <a:lnSpc>
+                <a:spcPct val="150000"/>
+              </a:lnSpc>
+              <a:buFont typeface="Arial" panose="020B0604020202020204" pitchFamily="34" charset="0"/>
+              <a:buChar char="•"/>
+            </a:pPr>
+            <a:r>
+              <a:rPr lang="en-US" sz="1200" dirty="0"/>
+              <a:t>The height of the widget is determined by applying the given aspect ratio to the width </a:t>
+            </a:r>
+          </a:p>
+          <a:p>
+            <a:pPr marL="171450" indent="-171450">
+              <a:lnSpc>
+                <a:spcPct val="150000"/>
+              </a:lnSpc>
+              <a:buFont typeface="Arial" panose="020B0604020202020204" pitchFamily="34" charset="0"/>
+              <a:buChar char="•"/>
+            </a:pPr>
+            <a:endParaRPr lang="en-US" sz="1200" dirty="0">
+              <a:latin typeface="Roboto" panose="02000000000000000000" pitchFamily="2" charset="0"/>
+              <a:ea typeface="Roboto" panose="02000000000000000000" pitchFamily="2" charset="0"/>
+            </a:endParaRPr>
+          </a:p>
+        </p:txBody>
+      </p:sp>
+      <p:pic>
+        <p:nvPicPr>
+          <p:cNvPr id="5" name="Picture 4"/>
+          <p:cNvPicPr>
+            <a:picLocks noChangeAspect="1"/>
+          </p:cNvPicPr>
+          <p:nvPr/>
+        </p:nvPicPr>
+        <p:blipFill>
+          <a:blip r:embed="rId4"/>
+          <a:stretch>
+            <a:fillRect/>
+          </a:stretch>
+        </p:blipFill>
+        <p:spPr>
+          <a:xfrm>
+            <a:off x="304800" y="1885950"/>
+            <a:ext cx="3745397" cy="2998827"/>
+          </a:xfrm>
+          <a:prstGeom prst="rect">
+            <a:avLst/>
+          </a:prstGeom>
+        </p:spPr>
+      </p:pic>
+    </p:spTree>
+    <p:extLst>
+      <p:ext uri="{BB962C8B-B14F-4D97-AF65-F5344CB8AC3E}">
+        <p14:creationId xmlns:p14="http://schemas.microsoft.com/office/powerpoint/2010/main" val="3296449057"/>
+      </p:ext>
+    </p:extLst>
+  </p:cSld>
+  <p:clrMapOvr>
+    <a:masterClrMapping/>
+  </p:clrMapOvr>
+  <p:timing>
+    <p:tnLst>
+      <p:par>
+        <p:cTn id="1" dur="indefinite" restart="never" nodeType="tmRoot"/>
+      </p:par>
+    </p:tnLst>
+  </p:timing>
+</p:sld>
+</file>
+
+<file path=ppt/slides/slide43.xml><?xml version="1.0" encoding="utf-8"?>
+<p:sld xmlns:a="http://schemas.openxmlformats.org/drawingml/2006/main" xmlns:r="http://schemas.openxmlformats.org/officeDocument/2006/relationships" xmlns:p="http://schemas.openxmlformats.org/presentationml/2006/main">
+  <p:cSld>
+    <p:bg>
+      <p:bgPr>
+        <a:blipFill dpi="0" rotWithShape="1">
+          <a:blip r:embed="rId3">
+            <a:lum/>
+          </a:blip>
+          <a:srcRect/>
+          <a:stretch>
+            <a:fillRect l="-1000" r="-1000"/>
+          </a:stretch>
+        </a:blipFill>
+        <a:effectLst/>
+      </p:bgPr>
+    </p:bg>
+    <p:spTree>
+      <p:nvGrpSpPr>
+        <p:cNvPr id="1" name=""/>
+        <p:cNvGrpSpPr/>
+        <p:nvPr/>
+      </p:nvGrpSpPr>
+      <p:grpSpPr>
+        <a:xfrm>
+          <a:off x="0" y="0"/>
+          <a:ext cx="0" cy="0"/>
+          <a:chOff x="0" y="0"/>
+          <a:chExt cx="0" cy="0"/>
+        </a:xfrm>
+      </p:grpSpPr>
+      <p:sp>
+        <p:nvSpPr>
+          <p:cNvPr id="3" name="Rectangle 2"/>
+          <p:cNvSpPr/>
+          <p:nvPr/>
+        </p:nvSpPr>
+        <p:spPr>
+          <a:xfrm>
+            <a:off x="685800" y="133350"/>
+            <a:ext cx="1975221" cy="307777"/>
+          </a:xfrm>
+          <a:prstGeom prst="rect">
+            <a:avLst/>
+          </a:prstGeom>
+        </p:spPr>
+        <p:txBody>
+          <a:bodyPr wrap="none">
+            <a:spAutoFit/>
+          </a:bodyPr>
+          <a:lstStyle/>
+          <a:p>
+            <a:r>
+              <a:rPr lang="en-US" sz="1400" b="1" dirty="0" smtClean="0">
+                <a:solidFill>
+                  <a:srgbClr val="0070C0"/>
+                </a:solidFill>
+                <a:latin typeface="Roboto" panose="02000000000000000000" pitchFamily="2" charset="0"/>
+                <a:ea typeface="Roboto" panose="02000000000000000000" pitchFamily="2" charset="0"/>
+              </a:rPr>
+              <a:t>Fractionally Sized Box</a:t>
+            </a:r>
+            <a:endParaRPr lang="en-US" sz="1400" b="1" dirty="0">
+              <a:solidFill>
+                <a:srgbClr val="0070C0"/>
+              </a:solidFill>
+              <a:latin typeface="Roboto" panose="02000000000000000000" pitchFamily="2" charset="0"/>
+              <a:ea typeface="Roboto" panose="02000000000000000000" pitchFamily="2" charset="0"/>
+            </a:endParaRPr>
+          </a:p>
+        </p:txBody>
+      </p:sp>
+      <p:sp>
+        <p:nvSpPr>
+          <p:cNvPr id="2" name="Rectangle 1"/>
+          <p:cNvSpPr/>
+          <p:nvPr/>
+        </p:nvSpPr>
+        <p:spPr>
+          <a:xfrm>
+            <a:off x="228600" y="746777"/>
+            <a:ext cx="8686800" cy="340734"/>
+          </a:xfrm>
+          <a:prstGeom prst="rect">
+            <a:avLst/>
+          </a:prstGeom>
+        </p:spPr>
+        <p:txBody>
+          <a:bodyPr wrap="square">
+            <a:spAutoFit/>
+          </a:bodyPr>
+          <a:lstStyle/>
+          <a:p>
+            <a:pPr marL="171450" indent="-171450">
+              <a:lnSpc>
+                <a:spcPct val="150000"/>
+              </a:lnSpc>
+              <a:buFont typeface="Arial" panose="020B0604020202020204" pitchFamily="34" charset="0"/>
+              <a:buChar char="•"/>
+            </a:pPr>
+            <a:r>
+              <a:rPr lang="en-US" sz="1200" dirty="0"/>
+              <a:t>A widget that sizes its child to a fraction of the total available space</a:t>
+            </a:r>
+            <a:r>
+              <a:rPr lang="en-US" sz="1200" dirty="0" smtClean="0"/>
+              <a:t>.</a:t>
+            </a:r>
+          </a:p>
+        </p:txBody>
+      </p:sp>
+      <p:pic>
+        <p:nvPicPr>
+          <p:cNvPr id="4" name="Picture 3"/>
+          <p:cNvPicPr>
+            <a:picLocks noChangeAspect="1"/>
+          </p:cNvPicPr>
+          <p:nvPr/>
+        </p:nvPicPr>
+        <p:blipFill>
+          <a:blip r:embed="rId4"/>
+          <a:stretch>
+            <a:fillRect/>
+          </a:stretch>
+        </p:blipFill>
+        <p:spPr>
+          <a:xfrm>
+            <a:off x="457200" y="1276350"/>
+            <a:ext cx="1475333" cy="2724150"/>
+          </a:xfrm>
+          <a:prstGeom prst="rect">
+            <a:avLst/>
+          </a:prstGeom>
+        </p:spPr>
+      </p:pic>
+      <p:pic>
+        <p:nvPicPr>
+          <p:cNvPr id="6" name="Picture 5"/>
+          <p:cNvPicPr>
+            <a:picLocks noChangeAspect="1"/>
+          </p:cNvPicPr>
+          <p:nvPr/>
+        </p:nvPicPr>
+        <p:blipFill>
+          <a:blip r:embed="rId5"/>
+          <a:stretch>
+            <a:fillRect/>
+          </a:stretch>
+        </p:blipFill>
+        <p:spPr>
+          <a:xfrm>
+            <a:off x="2057400" y="1276350"/>
+            <a:ext cx="3352800" cy="2740498"/>
+          </a:xfrm>
+          <a:prstGeom prst="rect">
+            <a:avLst/>
+          </a:prstGeom>
+        </p:spPr>
+      </p:pic>
+    </p:spTree>
+    <p:extLst>
+      <p:ext uri="{BB962C8B-B14F-4D97-AF65-F5344CB8AC3E}">
+        <p14:creationId xmlns:p14="http://schemas.microsoft.com/office/powerpoint/2010/main" val="2570489735"/>
+      </p:ext>
+    </p:extLst>
+  </p:cSld>
+  <p:clrMapOvr>
+    <a:masterClrMapping/>
+  </p:clrMapOvr>
+  <p:timing>
+    <p:tnLst>
+      <p:par>
+        <p:cTn id="1" dur="indefinite" restart="never" nodeType="tmRoot"/>
+      </p:par>
+    </p:tnLst>
+  </p:timing>
+</p:sld>
+</file>
+
+<file path=ppt/slides/slide44.xml><?xml version="1.0" encoding="utf-8"?>
+<p:sld xmlns:a="http://schemas.openxmlformats.org/drawingml/2006/main" xmlns:r="http://schemas.openxmlformats.org/officeDocument/2006/relationships" xmlns:p="http://schemas.openxmlformats.org/presentationml/2006/main">
+  <p:cSld>
+    <p:bg>
+      <p:bgPr>
+        <a:blipFill dpi="0" rotWithShape="1">
+          <a:blip r:embed="rId3">
+            <a:lum/>
+          </a:blip>
+          <a:srcRect/>
+          <a:stretch>
+            <a:fillRect l="-1000" r="-1000"/>
+          </a:stretch>
+        </a:blipFill>
+        <a:effectLst/>
+      </p:bgPr>
+    </p:bg>
+    <p:spTree>
+      <p:nvGrpSpPr>
+        <p:cNvPr id="1" name=""/>
+        <p:cNvGrpSpPr/>
+        <p:nvPr/>
+      </p:nvGrpSpPr>
+      <p:grpSpPr>
+        <a:xfrm>
+          <a:off x="0" y="0"/>
+          <a:ext cx="0" cy="0"/>
+          <a:chOff x="0" y="0"/>
+          <a:chExt cx="0" cy="0"/>
+        </a:xfrm>
+      </p:grpSpPr>
+      <p:sp>
+        <p:nvSpPr>
+          <p:cNvPr id="3" name="Rectangle 2"/>
+          <p:cNvSpPr/>
+          <p:nvPr/>
+        </p:nvSpPr>
+        <p:spPr>
+          <a:xfrm>
+            <a:off x="685800" y="133350"/>
+            <a:ext cx="1975221" cy="307777"/>
+          </a:xfrm>
+          <a:prstGeom prst="rect">
+            <a:avLst/>
+          </a:prstGeom>
+        </p:spPr>
+        <p:txBody>
+          <a:bodyPr wrap="none">
+            <a:spAutoFit/>
+          </a:bodyPr>
+          <a:lstStyle/>
+          <a:p>
+            <a:r>
+              <a:rPr lang="en-US" sz="1400" b="1" dirty="0" smtClean="0">
+                <a:solidFill>
+                  <a:srgbClr val="0070C0"/>
+                </a:solidFill>
+                <a:latin typeface="Roboto" panose="02000000000000000000" pitchFamily="2" charset="0"/>
+                <a:ea typeface="Roboto" panose="02000000000000000000" pitchFamily="2" charset="0"/>
+              </a:rPr>
+              <a:t>Fractionally Sized Box</a:t>
+            </a:r>
+            <a:endParaRPr lang="en-US" sz="1400" b="1" dirty="0">
+              <a:solidFill>
+                <a:srgbClr val="0070C0"/>
+              </a:solidFill>
+              <a:latin typeface="Roboto" panose="02000000000000000000" pitchFamily="2" charset="0"/>
+              <a:ea typeface="Roboto" panose="02000000000000000000" pitchFamily="2" charset="0"/>
+            </a:endParaRPr>
+          </a:p>
+        </p:txBody>
+      </p:sp>
+      <p:sp>
+        <p:nvSpPr>
+          <p:cNvPr id="2" name="Rectangle 1"/>
+          <p:cNvSpPr/>
+          <p:nvPr/>
+        </p:nvSpPr>
+        <p:spPr>
+          <a:xfrm>
+            <a:off x="228600" y="746777"/>
+            <a:ext cx="8686800" cy="340734"/>
+          </a:xfrm>
+          <a:prstGeom prst="rect">
+            <a:avLst/>
+          </a:prstGeom>
+        </p:spPr>
+        <p:txBody>
+          <a:bodyPr wrap="square">
+            <a:spAutoFit/>
+          </a:bodyPr>
+          <a:lstStyle/>
+          <a:p>
+            <a:pPr marL="171450" indent="-171450">
+              <a:lnSpc>
+                <a:spcPct val="150000"/>
+              </a:lnSpc>
+              <a:buFont typeface="Arial" panose="020B0604020202020204" pitchFamily="34" charset="0"/>
+              <a:buChar char="•"/>
+            </a:pPr>
+            <a:r>
+              <a:rPr lang="en-US" sz="1200" dirty="0"/>
+              <a:t>A widget that sizes its child to a fraction of the total available space</a:t>
+            </a:r>
+            <a:r>
+              <a:rPr lang="en-US" sz="1200" dirty="0" smtClean="0"/>
+              <a:t>.</a:t>
+            </a:r>
+          </a:p>
+        </p:txBody>
+      </p:sp>
+      <p:pic>
+        <p:nvPicPr>
+          <p:cNvPr id="4" name="Picture 3"/>
+          <p:cNvPicPr>
+            <a:picLocks noChangeAspect="1"/>
+          </p:cNvPicPr>
+          <p:nvPr/>
+        </p:nvPicPr>
+        <p:blipFill>
+          <a:blip r:embed="rId4"/>
+          <a:stretch>
+            <a:fillRect/>
+          </a:stretch>
+        </p:blipFill>
+        <p:spPr>
+          <a:xfrm>
+            <a:off x="457200" y="1276350"/>
+            <a:ext cx="1475333" cy="2724150"/>
+          </a:xfrm>
+          <a:prstGeom prst="rect">
+            <a:avLst/>
+          </a:prstGeom>
+        </p:spPr>
+      </p:pic>
+      <p:pic>
+        <p:nvPicPr>
+          <p:cNvPr id="6" name="Picture 5"/>
+          <p:cNvPicPr>
+            <a:picLocks noChangeAspect="1"/>
+          </p:cNvPicPr>
+          <p:nvPr/>
+        </p:nvPicPr>
+        <p:blipFill>
+          <a:blip r:embed="rId5"/>
+          <a:stretch>
+            <a:fillRect/>
+          </a:stretch>
+        </p:blipFill>
+        <p:spPr>
+          <a:xfrm>
+            <a:off x="2057400" y="1276350"/>
+            <a:ext cx="3352800" cy="2740498"/>
+          </a:xfrm>
+          <a:prstGeom prst="rect">
+            <a:avLst/>
+          </a:prstGeom>
+        </p:spPr>
+      </p:pic>
+    </p:spTree>
+    <p:extLst>
+      <p:ext uri="{BB962C8B-B14F-4D97-AF65-F5344CB8AC3E}">
+        <p14:creationId xmlns:p14="http://schemas.microsoft.com/office/powerpoint/2010/main" val="2519226103"/>
+      </p:ext>
+    </p:extLst>
+  </p:cSld>
+  <p:clrMapOvr>
+    <a:masterClrMapping/>
+  </p:clrMapOvr>
+  <p:timing>
+    <p:tnLst>
+      <p:par>
+        <p:cTn id="1" dur="indefinite" restart="never" nodeType="tmRoot"/>
+      </p:par>
+    </p:tnLst>
+  </p:timing>
+</p:sld>
+</file>
+
+<file path=ppt/slides/slide45.xml><?xml version="1.0" encoding="utf-8"?>
+<p:sld xmlns:a="http://schemas.openxmlformats.org/drawingml/2006/main" xmlns:r="http://schemas.openxmlformats.org/officeDocument/2006/relationships" xmlns:p="http://schemas.openxmlformats.org/presentationml/2006/main">
+  <p:cSld>
+    <p:bg>
+      <p:bgPr>
+        <a:blipFill dpi="0" rotWithShape="1">
+          <a:blip r:embed="rId3">
+            <a:lum/>
+          </a:blip>
+          <a:srcRect/>
+          <a:stretch>
+            <a:fillRect l="-1000" r="-1000"/>
+          </a:stretch>
+        </a:blipFill>
+        <a:effectLst/>
+      </p:bgPr>
+    </p:bg>
+    <p:spTree>
+      <p:nvGrpSpPr>
+        <p:cNvPr id="1" name=""/>
+        <p:cNvGrpSpPr/>
+        <p:nvPr/>
+      </p:nvGrpSpPr>
+      <p:grpSpPr>
+        <a:xfrm>
+          <a:off x="0" y="0"/>
+          <a:ext cx="0" cy="0"/>
+          <a:chOff x="0" y="0"/>
+          <a:chExt cx="0" cy="0"/>
+        </a:xfrm>
+      </p:grpSpPr>
+      <p:sp>
+        <p:nvSpPr>
+          <p:cNvPr id="3" name="Rectangle 2"/>
+          <p:cNvSpPr/>
+          <p:nvPr/>
+        </p:nvSpPr>
+        <p:spPr>
+          <a:xfrm>
+            <a:off x="685800" y="133350"/>
+            <a:ext cx="1351652" cy="307777"/>
+          </a:xfrm>
+          <a:prstGeom prst="rect">
+            <a:avLst/>
+          </a:prstGeom>
+        </p:spPr>
+        <p:txBody>
+          <a:bodyPr wrap="none">
+            <a:spAutoFit/>
+          </a:bodyPr>
+          <a:lstStyle/>
+          <a:p>
+            <a:r>
+              <a:rPr lang="en-US" sz="1400" b="1" dirty="0" smtClean="0">
+                <a:solidFill>
+                  <a:srgbClr val="0070C0"/>
+                </a:solidFill>
+                <a:latin typeface="Roboto" panose="02000000000000000000" pitchFamily="2" charset="0"/>
+                <a:ea typeface="Roboto" panose="02000000000000000000" pitchFamily="2" charset="0"/>
+              </a:rPr>
+              <a:t>Layout Builder</a:t>
+            </a:r>
+            <a:endParaRPr lang="en-US" sz="1400" b="1" dirty="0">
+              <a:solidFill>
+                <a:srgbClr val="0070C0"/>
+              </a:solidFill>
+              <a:latin typeface="Roboto" panose="02000000000000000000" pitchFamily="2" charset="0"/>
+              <a:ea typeface="Roboto" panose="02000000000000000000" pitchFamily="2" charset="0"/>
+            </a:endParaRPr>
+          </a:p>
+        </p:txBody>
+      </p:sp>
+      <p:sp>
+        <p:nvSpPr>
+          <p:cNvPr id="2" name="Rectangle 1"/>
+          <p:cNvSpPr/>
+          <p:nvPr/>
+        </p:nvSpPr>
+        <p:spPr>
+          <a:xfrm>
+            <a:off x="228600" y="746777"/>
+            <a:ext cx="8686800" cy="340734"/>
+          </a:xfrm>
+          <a:prstGeom prst="rect">
+            <a:avLst/>
+          </a:prstGeom>
+        </p:spPr>
+        <p:txBody>
+          <a:bodyPr wrap="square">
+            <a:spAutoFit/>
+          </a:bodyPr>
+          <a:lstStyle/>
+          <a:p>
+            <a:pPr marL="171450" indent="-171450">
+              <a:lnSpc>
+                <a:spcPct val="150000"/>
+              </a:lnSpc>
+              <a:buFont typeface="Arial" panose="020B0604020202020204" pitchFamily="34" charset="0"/>
+              <a:buChar char="•"/>
+            </a:pPr>
+            <a:r>
+              <a:rPr lang="en-US" sz="1200" dirty="0"/>
+              <a:t>Builds a widget tree that can depend on the parent widget's size</a:t>
+            </a:r>
+            <a:endParaRPr lang="en-US" sz="1200" dirty="0" smtClean="0"/>
+          </a:p>
+        </p:txBody>
+      </p:sp>
+      <p:pic>
+        <p:nvPicPr>
+          <p:cNvPr id="8" name="Picture 7"/>
+          <p:cNvPicPr>
+            <a:picLocks noChangeAspect="1"/>
+          </p:cNvPicPr>
+          <p:nvPr/>
+        </p:nvPicPr>
+        <p:blipFill>
+          <a:blip r:embed="rId4"/>
+          <a:stretch>
+            <a:fillRect/>
+          </a:stretch>
+        </p:blipFill>
+        <p:spPr>
+          <a:xfrm>
+            <a:off x="4114800" y="1135493"/>
+            <a:ext cx="1967132" cy="3409950"/>
+          </a:xfrm>
+          <a:prstGeom prst="rect">
+            <a:avLst/>
+          </a:prstGeom>
+        </p:spPr>
+      </p:pic>
+      <p:pic>
+        <p:nvPicPr>
+          <p:cNvPr id="9" name="Picture 8"/>
+          <p:cNvPicPr>
+            <a:picLocks noChangeAspect="1"/>
+          </p:cNvPicPr>
+          <p:nvPr/>
+        </p:nvPicPr>
+        <p:blipFill>
+          <a:blip r:embed="rId5"/>
+          <a:stretch>
+            <a:fillRect/>
+          </a:stretch>
+        </p:blipFill>
+        <p:spPr>
+          <a:xfrm>
+            <a:off x="381000" y="1123950"/>
+            <a:ext cx="3505200" cy="3421493"/>
+          </a:xfrm>
+          <a:prstGeom prst="rect">
+            <a:avLst/>
+          </a:prstGeom>
+        </p:spPr>
+      </p:pic>
+    </p:spTree>
+    <p:extLst>
+      <p:ext uri="{BB962C8B-B14F-4D97-AF65-F5344CB8AC3E}">
+        <p14:creationId xmlns:p14="http://schemas.microsoft.com/office/powerpoint/2010/main" val="1883880183"/>
+      </p:ext>
+    </p:extLst>
+  </p:cSld>
+  <p:clrMapOvr>
+    <a:masterClrMapping/>
+  </p:clrMapOvr>
+  <p:timing>
+    <p:tnLst>
+      <p:par>
+        <p:cTn id="1" dur="indefinite" restart="never" nodeType="tmRoot"/>
+      </p:par>
+    </p:tnLst>
   </p:timing>
 </p:sld>
 </file>

--- a/Flutter/PPT/Slide.pptx
+++ b/Flutter/PPT/Slide.pptx
@@ -5,7 +5,7 @@
     <p:sldMasterId id="2147483648" r:id="rId1"/>
   </p:sldMasterIdLst>
   <p:notesMasterIdLst>
-    <p:notesMasterId r:id="rId47"/>
+    <p:notesMasterId r:id="rId46"/>
   </p:notesMasterIdLst>
   <p:sldIdLst>
     <p:sldId id="256" r:id="rId2"/>
@@ -51,8 +51,7 @@
     <p:sldId id="311" r:id="rId42"/>
     <p:sldId id="312" r:id="rId43"/>
     <p:sldId id="313" r:id="rId44"/>
-    <p:sldId id="314" r:id="rId45"/>
-    <p:sldId id="315" r:id="rId46"/>
+    <p:sldId id="315" r:id="rId45"/>
   </p:sldIdLst>
   <p:sldSz cx="9144000" cy="5143500" type="screen16x9"/>
   <p:notesSz cx="6858000" cy="9144000"/>
@@ -252,7 +251,7 @@
           <a:p>
             <a:fld id="{38EBF754-CDC4-4762-B81C-FDFA88BC1D35}" type="datetimeFigureOut">
               <a:rPr lang="en-US" smtClean="0"/>
-              <a:t>12/2/2022</a:t>
+              <a:t>Fri</a:t>
             </a:fld>
             <a:endParaRPr lang="en-US"/>
           </a:p>
@@ -1349,90 +1348,6 @@
     </p:spTree>
     <p:extLst>
       <p:ext uri="{BB962C8B-B14F-4D97-AF65-F5344CB8AC3E}">
-        <p14:creationId xmlns:p14="http://schemas.microsoft.com/office/powerpoint/2010/main" val="1477467950"/>
-      </p:ext>
-    </p:extLst>
-  </p:cSld>
-  <p:clrMapOvr>
-    <a:masterClrMapping/>
-  </p:clrMapOvr>
-</p:notes>
-</file>
-
-<file path=ppt/notesSlides/notesSlide19.xml><?xml version="1.0" encoding="utf-8"?>
-<p:notes xmlns:a="http://schemas.openxmlformats.org/drawingml/2006/main" xmlns:r="http://schemas.openxmlformats.org/officeDocument/2006/relationships" xmlns:p="http://schemas.openxmlformats.org/presentationml/2006/main">
-  <p:cSld>
-    <p:spTree>
-      <p:nvGrpSpPr>
-        <p:cNvPr id="1" name=""/>
-        <p:cNvGrpSpPr/>
-        <p:nvPr/>
-      </p:nvGrpSpPr>
-      <p:grpSpPr>
-        <a:xfrm>
-          <a:off x="0" y="0"/>
-          <a:ext cx="0" cy="0"/>
-          <a:chOff x="0" y="0"/>
-          <a:chExt cx="0" cy="0"/>
-        </a:xfrm>
-      </p:grpSpPr>
-      <p:sp>
-        <p:nvSpPr>
-          <p:cNvPr id="2" name="Slide Image Placeholder 1"/>
-          <p:cNvSpPr>
-            <a:spLocks noGrp="1" noRot="1" noChangeAspect="1"/>
-          </p:cNvSpPr>
-          <p:nvPr>
-            <p:ph type="sldImg"/>
-          </p:nvPr>
-        </p:nvSpPr>
-        <p:spPr/>
-      </p:sp>
-      <p:sp>
-        <p:nvSpPr>
-          <p:cNvPr id="3" name="Notes Placeholder 2"/>
-          <p:cNvSpPr>
-            <a:spLocks noGrp="1"/>
-          </p:cNvSpPr>
-          <p:nvPr>
-            <p:ph type="body" idx="1"/>
-          </p:nvPr>
-        </p:nvSpPr>
-        <p:spPr/>
-        <p:txBody>
-          <a:bodyPr/>
-          <a:lstStyle/>
-          <a:p>
-            <a:endParaRPr lang="en-US" dirty="0"/>
-          </a:p>
-        </p:txBody>
-      </p:sp>
-      <p:sp>
-        <p:nvSpPr>
-          <p:cNvPr id="4" name="Slide Number Placeholder 3"/>
-          <p:cNvSpPr>
-            <a:spLocks noGrp="1"/>
-          </p:cNvSpPr>
-          <p:nvPr>
-            <p:ph type="sldNum" sz="quarter" idx="5"/>
-          </p:nvPr>
-        </p:nvSpPr>
-        <p:spPr/>
-        <p:txBody>
-          <a:bodyPr/>
-          <a:lstStyle/>
-          <a:p>
-            <a:fld id="{B3A417B2-A29D-48B9-A4A7-A6FB997901AB}" type="slidenum">
-              <a:rPr lang="en-US" smtClean="0"/>
-              <a:t>45</a:t>
-            </a:fld>
-            <a:endParaRPr lang="en-US"/>
-          </a:p>
-        </p:txBody>
-      </p:sp>
-    </p:spTree>
-    <p:extLst>
-      <p:ext uri="{BB962C8B-B14F-4D97-AF65-F5344CB8AC3E}">
         <p14:creationId xmlns:p14="http://schemas.microsoft.com/office/powerpoint/2010/main" val="1706726178"/>
       </p:ext>
     </p:extLst>
@@ -2295,7 +2210,7 @@
             <a:fld id="{1D8BD707-D9CF-40AE-B4C6-C98DA3205C09}" type="datetimeFigureOut">
               <a:rPr lang="en-US" smtClean="0"/>
               <a:pPr/>
-              <a:t>12/2/2022</a:t>
+              <a:t>Fri</a:t>
             </a:fld>
             <a:endParaRPr lang="en-US"/>
           </a:p>
@@ -2460,7 +2375,7 @@
             <a:fld id="{1D8BD707-D9CF-40AE-B4C6-C98DA3205C09}" type="datetimeFigureOut">
               <a:rPr lang="en-US" smtClean="0"/>
               <a:pPr/>
-              <a:t>12/2/2022</a:t>
+              <a:t>Fri</a:t>
             </a:fld>
             <a:endParaRPr lang="en-US"/>
           </a:p>
@@ -2635,7 +2550,7 @@
             <a:fld id="{1D8BD707-D9CF-40AE-B4C6-C98DA3205C09}" type="datetimeFigureOut">
               <a:rPr lang="en-US" smtClean="0"/>
               <a:pPr/>
-              <a:t>12/2/2022</a:t>
+              <a:t>Fri</a:t>
             </a:fld>
             <a:endParaRPr lang="en-US"/>
           </a:p>
@@ -2800,7 +2715,7 @@
             <a:fld id="{1D8BD707-D9CF-40AE-B4C6-C98DA3205C09}" type="datetimeFigureOut">
               <a:rPr lang="en-US" smtClean="0"/>
               <a:pPr/>
-              <a:t>12/2/2022</a:t>
+              <a:t>Fri</a:t>
             </a:fld>
             <a:endParaRPr lang="en-US"/>
           </a:p>
@@ -3042,7 +2957,7 @@
             <a:fld id="{1D8BD707-D9CF-40AE-B4C6-C98DA3205C09}" type="datetimeFigureOut">
               <a:rPr lang="en-US" smtClean="0"/>
               <a:pPr/>
-              <a:t>12/2/2022</a:t>
+              <a:t>Fri</a:t>
             </a:fld>
             <a:endParaRPr lang="en-US"/>
           </a:p>
@@ -3324,7 +3239,7 @@
             <a:fld id="{1D8BD707-D9CF-40AE-B4C6-C98DA3205C09}" type="datetimeFigureOut">
               <a:rPr lang="en-US" smtClean="0"/>
               <a:pPr/>
-              <a:t>12/2/2022</a:t>
+              <a:t>Fri</a:t>
             </a:fld>
             <a:endParaRPr lang="en-US"/>
           </a:p>
@@ -3740,7 +3655,7 @@
             <a:fld id="{1D8BD707-D9CF-40AE-B4C6-C98DA3205C09}" type="datetimeFigureOut">
               <a:rPr lang="en-US" smtClean="0"/>
               <a:pPr/>
-              <a:t>12/2/2022</a:t>
+              <a:t>Fri</a:t>
             </a:fld>
             <a:endParaRPr lang="en-US"/>
           </a:p>
@@ -3854,7 +3769,7 @@
             <a:fld id="{1D8BD707-D9CF-40AE-B4C6-C98DA3205C09}" type="datetimeFigureOut">
               <a:rPr lang="en-US" smtClean="0"/>
               <a:pPr/>
-              <a:t>12/2/2022</a:t>
+              <a:t>Fri</a:t>
             </a:fld>
             <a:endParaRPr lang="en-US"/>
           </a:p>
@@ -3946,7 +3861,7 @@
             <a:fld id="{1D8BD707-D9CF-40AE-B4C6-C98DA3205C09}" type="datetimeFigureOut">
               <a:rPr lang="en-US" smtClean="0"/>
               <a:pPr/>
-              <a:t>12/2/2022</a:t>
+              <a:t>Fri</a:t>
             </a:fld>
             <a:endParaRPr lang="en-US"/>
           </a:p>
@@ -4218,7 +4133,7 @@
             <a:fld id="{1D8BD707-D9CF-40AE-B4C6-C98DA3205C09}" type="datetimeFigureOut">
               <a:rPr lang="en-US" smtClean="0"/>
               <a:pPr/>
-              <a:t>12/2/2022</a:t>
+              <a:t>Fri</a:t>
             </a:fld>
             <a:endParaRPr lang="en-US"/>
           </a:p>
@@ -4467,7 +4382,7 @@
             <a:fld id="{1D8BD707-D9CF-40AE-B4C6-C98DA3205C09}" type="datetimeFigureOut">
               <a:rPr lang="en-US" smtClean="0"/>
               <a:pPr/>
-              <a:t>12/2/2022</a:t>
+              <a:t>Fri</a:t>
             </a:fld>
             <a:endParaRPr lang="en-US"/>
           </a:p>
@@ -4684,7 +4599,7 @@
             <a:fld id="{1D8BD707-D9CF-40AE-B4C6-C98DA3205C09}" type="datetimeFigureOut">
               <a:rPr lang="en-US" smtClean="0"/>
               <a:pPr/>
-              <a:t>12/2/2022</a:t>
+              <a:t>Fri</a:t>
             </a:fld>
             <a:endParaRPr lang="en-US"/>
           </a:p>
@@ -5168,7 +5083,7 @@
           <p:cNvPr id="4" name="Picture 3">
             <a:extLst>
               <a:ext uri="{FF2B5EF4-FFF2-40B4-BE49-F238E27FC236}">
-                <a16:creationId xmlns:a16="http://schemas.microsoft.com/office/drawing/2014/main" xmlns="" id="{F717AD2B-8CBD-D15F-2B82-C04AB4107C06}"/>
+                <a16:creationId xmlns:a16="http://schemas.microsoft.com/office/drawing/2014/main" id="{F717AD2B-8CBD-D15F-2B82-C04AB4107C06}"/>
               </a:ext>
             </a:extLst>
           </p:cNvPr>
@@ -5198,7 +5113,7 @@
           <p:cNvPr id="7" name="TextBox 6">
             <a:extLst>
               <a:ext uri="{FF2B5EF4-FFF2-40B4-BE49-F238E27FC236}">
-                <a16:creationId xmlns:a16="http://schemas.microsoft.com/office/drawing/2014/main" xmlns="" id="{D5175723-71CB-419F-22D4-E782F927EABB}"/>
+                <a16:creationId xmlns:a16="http://schemas.microsoft.com/office/drawing/2014/main" id="{D5175723-71CB-419F-22D4-E782F927EABB}"/>
               </a:ext>
             </a:extLst>
           </p:cNvPr>
@@ -5712,7 +5627,7 @@
           <p:cNvPr id="4" name="Picture 3">
             <a:extLst>
               <a:ext uri="{FF2B5EF4-FFF2-40B4-BE49-F238E27FC236}">
-                <a16:creationId xmlns:a16="http://schemas.microsoft.com/office/drawing/2014/main" xmlns="" id="{F717AD2B-8CBD-D15F-2B82-C04AB4107C06}"/>
+                <a16:creationId xmlns:a16="http://schemas.microsoft.com/office/drawing/2014/main" id="{F717AD2B-8CBD-D15F-2B82-C04AB4107C06}"/>
               </a:ext>
             </a:extLst>
           </p:cNvPr>
@@ -5742,7 +5657,7 @@
           <p:cNvPr id="5" name="TextBox 4">
             <a:extLst>
               <a:ext uri="{FF2B5EF4-FFF2-40B4-BE49-F238E27FC236}">
-                <a16:creationId xmlns:a16="http://schemas.microsoft.com/office/drawing/2014/main" xmlns="" id="{E0376106-D0E3-FDF1-30DD-702D60BB3347}"/>
+                <a16:creationId xmlns:a16="http://schemas.microsoft.com/office/drawing/2014/main" id="{E0376106-D0E3-FDF1-30DD-702D60BB3347}"/>
               </a:ext>
             </a:extLst>
           </p:cNvPr>
@@ -6201,7 +6116,7 @@
           <p:cNvPr id="4" name="Picture 3">
             <a:extLst>
               <a:ext uri="{FF2B5EF4-FFF2-40B4-BE49-F238E27FC236}">
-                <a16:creationId xmlns:a16="http://schemas.microsoft.com/office/drawing/2014/main" xmlns="" id="{F717AD2B-8CBD-D15F-2B82-C04AB4107C06}"/>
+                <a16:creationId xmlns:a16="http://schemas.microsoft.com/office/drawing/2014/main" id="{F717AD2B-8CBD-D15F-2B82-C04AB4107C06}"/>
               </a:ext>
             </a:extLst>
           </p:cNvPr>
@@ -6231,7 +6146,7 @@
           <p:cNvPr id="5" name="TextBox 4">
             <a:extLst>
               <a:ext uri="{FF2B5EF4-FFF2-40B4-BE49-F238E27FC236}">
-                <a16:creationId xmlns:a16="http://schemas.microsoft.com/office/drawing/2014/main" xmlns="" id="{E0376106-D0E3-FDF1-30DD-702D60BB3347}"/>
+                <a16:creationId xmlns:a16="http://schemas.microsoft.com/office/drawing/2014/main" id="{E0376106-D0E3-FDF1-30DD-702D60BB3347}"/>
               </a:ext>
             </a:extLst>
           </p:cNvPr>
@@ -6746,7 +6661,7 @@
           <p:cNvPr id="4" name="Picture 3">
             <a:extLst>
               <a:ext uri="{FF2B5EF4-FFF2-40B4-BE49-F238E27FC236}">
-                <a16:creationId xmlns:a16="http://schemas.microsoft.com/office/drawing/2014/main" xmlns="" id="{F717AD2B-8CBD-D15F-2B82-C04AB4107C06}"/>
+                <a16:creationId xmlns:a16="http://schemas.microsoft.com/office/drawing/2014/main" id="{F717AD2B-8CBD-D15F-2B82-C04AB4107C06}"/>
               </a:ext>
             </a:extLst>
           </p:cNvPr>
@@ -6776,7 +6691,7 @@
           <p:cNvPr id="5" name="TextBox 4">
             <a:extLst>
               <a:ext uri="{FF2B5EF4-FFF2-40B4-BE49-F238E27FC236}">
-                <a16:creationId xmlns:a16="http://schemas.microsoft.com/office/drawing/2014/main" xmlns="" id="{E0376106-D0E3-FDF1-30DD-702D60BB3347}"/>
+                <a16:creationId xmlns:a16="http://schemas.microsoft.com/office/drawing/2014/main" id="{E0376106-D0E3-FDF1-30DD-702D60BB3347}"/>
               </a:ext>
             </a:extLst>
           </p:cNvPr>
@@ -7375,7 +7290,7 @@
           <p:cNvPr id="4" name="Picture 3">
             <a:extLst>
               <a:ext uri="{FF2B5EF4-FFF2-40B4-BE49-F238E27FC236}">
-                <a16:creationId xmlns:a16="http://schemas.microsoft.com/office/drawing/2014/main" xmlns="" id="{F717AD2B-8CBD-D15F-2B82-C04AB4107C06}"/>
+                <a16:creationId xmlns:a16="http://schemas.microsoft.com/office/drawing/2014/main" id="{F717AD2B-8CBD-D15F-2B82-C04AB4107C06}"/>
               </a:ext>
             </a:extLst>
           </p:cNvPr>
@@ -7405,7 +7320,7 @@
           <p:cNvPr id="5" name="TextBox 4">
             <a:extLst>
               <a:ext uri="{FF2B5EF4-FFF2-40B4-BE49-F238E27FC236}">
-                <a16:creationId xmlns:a16="http://schemas.microsoft.com/office/drawing/2014/main" xmlns="" id="{E0376106-D0E3-FDF1-30DD-702D60BB3347}"/>
+                <a16:creationId xmlns:a16="http://schemas.microsoft.com/office/drawing/2014/main" id="{E0376106-D0E3-FDF1-30DD-702D60BB3347}"/>
               </a:ext>
             </a:extLst>
           </p:cNvPr>
@@ -7787,7 +7702,7 @@
           <p:cNvPr id="12" name="Picture 11">
             <a:extLst>
               <a:ext uri="{FF2B5EF4-FFF2-40B4-BE49-F238E27FC236}">
-                <a16:creationId xmlns:a16="http://schemas.microsoft.com/office/drawing/2014/main" xmlns="" id="{6246B09D-98C1-98DD-BB33-9626C6B27FE7}"/>
+                <a16:creationId xmlns:a16="http://schemas.microsoft.com/office/drawing/2014/main" id="{6246B09D-98C1-98DD-BB33-9626C6B27FE7}"/>
               </a:ext>
             </a:extLst>
           </p:cNvPr>
@@ -7828,7 +7743,7 @@
           <p:cNvPr id="14" name="Picture 13">
             <a:extLst>
               <a:ext uri="{FF2B5EF4-FFF2-40B4-BE49-F238E27FC236}">
-                <a16:creationId xmlns:a16="http://schemas.microsoft.com/office/drawing/2014/main" xmlns="" id="{851B748B-AAE4-A6FD-F0F9-7B9AE2CF6768}"/>
+                <a16:creationId xmlns:a16="http://schemas.microsoft.com/office/drawing/2014/main" id="{851B748B-AAE4-A6FD-F0F9-7B9AE2CF6768}"/>
               </a:ext>
             </a:extLst>
           </p:cNvPr>
@@ -7869,7 +7784,7 @@
           <p:cNvPr id="16" name="Picture 15">
             <a:extLst>
               <a:ext uri="{FF2B5EF4-FFF2-40B4-BE49-F238E27FC236}">
-                <a16:creationId xmlns:a16="http://schemas.microsoft.com/office/drawing/2014/main" xmlns="" id="{7C5719E1-FDB3-4006-5534-3DD54FC66EE3}"/>
+                <a16:creationId xmlns:a16="http://schemas.microsoft.com/office/drawing/2014/main" id="{7C5719E1-FDB3-4006-5534-3DD54FC66EE3}"/>
               </a:ext>
             </a:extLst>
           </p:cNvPr>
@@ -7910,7 +7825,7 @@
           <p:cNvPr id="18" name="Picture 17">
             <a:extLst>
               <a:ext uri="{FF2B5EF4-FFF2-40B4-BE49-F238E27FC236}">
-                <a16:creationId xmlns:a16="http://schemas.microsoft.com/office/drawing/2014/main" xmlns="" id="{C035E3BA-7831-8D3B-31DF-F238D800AEE2}"/>
+                <a16:creationId xmlns:a16="http://schemas.microsoft.com/office/drawing/2014/main" id="{C035E3BA-7831-8D3B-31DF-F238D800AEE2}"/>
               </a:ext>
             </a:extLst>
           </p:cNvPr>
@@ -7951,7 +7866,7 @@
           <p:cNvPr id="20" name="Picture 19">
             <a:extLst>
               <a:ext uri="{FF2B5EF4-FFF2-40B4-BE49-F238E27FC236}">
-                <a16:creationId xmlns:a16="http://schemas.microsoft.com/office/drawing/2014/main" xmlns="" id="{EB3FF892-51CD-C245-3C4D-F8880565EFBA}"/>
+                <a16:creationId xmlns:a16="http://schemas.microsoft.com/office/drawing/2014/main" id="{EB3FF892-51CD-C245-3C4D-F8880565EFBA}"/>
               </a:ext>
             </a:extLst>
           </p:cNvPr>
@@ -8365,7 +8280,7 @@
           <p:cNvPr id="6" name="Picture 5">
             <a:extLst>
               <a:ext uri="{FF2B5EF4-FFF2-40B4-BE49-F238E27FC236}">
-                <a16:creationId xmlns:a16="http://schemas.microsoft.com/office/drawing/2014/main" xmlns="" id="{5708D172-EB47-5B8C-A647-330A4FE1D937}"/>
+                <a16:creationId xmlns:a16="http://schemas.microsoft.com/office/drawing/2014/main" id="{5708D172-EB47-5B8C-A647-330A4FE1D937}"/>
               </a:ext>
             </a:extLst>
           </p:cNvPr>
@@ -8401,7 +8316,7 @@
           <p:cNvPr id="8" name="Picture 7">
             <a:extLst>
               <a:ext uri="{FF2B5EF4-FFF2-40B4-BE49-F238E27FC236}">
-                <a16:creationId xmlns:a16="http://schemas.microsoft.com/office/drawing/2014/main" xmlns="" id="{5069D928-ECC4-A54F-1464-4482D5ED954A}"/>
+                <a16:creationId xmlns:a16="http://schemas.microsoft.com/office/drawing/2014/main" id="{5069D928-ECC4-A54F-1464-4482D5ED954A}"/>
               </a:ext>
             </a:extLst>
           </p:cNvPr>
@@ -8515,7 +8430,7 @@
           <p:cNvPr id="2" name="TextBox 1">
             <a:extLst>
               <a:ext uri="{FF2B5EF4-FFF2-40B4-BE49-F238E27FC236}">
-                <a16:creationId xmlns:a16="http://schemas.microsoft.com/office/drawing/2014/main" xmlns="" id="{33336A0E-48F4-D7C9-BA40-DCEE411852B3}"/>
+                <a16:creationId xmlns:a16="http://schemas.microsoft.com/office/drawing/2014/main" id="{33336A0E-48F4-D7C9-BA40-DCEE411852B3}"/>
               </a:ext>
             </a:extLst>
           </p:cNvPr>
@@ -8550,7 +8465,7 @@
           <p:cNvPr id="7" name="TextBox 6">
             <a:extLst>
               <a:ext uri="{FF2B5EF4-FFF2-40B4-BE49-F238E27FC236}">
-                <a16:creationId xmlns:a16="http://schemas.microsoft.com/office/drawing/2014/main" xmlns="" id="{2E1A672D-122B-387B-5CC2-E216A5F7F2DB}"/>
+                <a16:creationId xmlns:a16="http://schemas.microsoft.com/office/drawing/2014/main" id="{2E1A672D-122B-387B-5CC2-E216A5F7F2DB}"/>
               </a:ext>
             </a:extLst>
           </p:cNvPr>
@@ -8597,7 +8512,7 @@
           <p:cNvPr id="9" name="TextBox 8">
             <a:extLst>
               <a:ext uri="{FF2B5EF4-FFF2-40B4-BE49-F238E27FC236}">
-                <a16:creationId xmlns:a16="http://schemas.microsoft.com/office/drawing/2014/main" xmlns="" id="{08C73998-4E41-B4AA-C27B-3062D8A3E62F}"/>
+                <a16:creationId xmlns:a16="http://schemas.microsoft.com/office/drawing/2014/main" id="{08C73998-4E41-B4AA-C27B-3062D8A3E62F}"/>
               </a:ext>
             </a:extLst>
           </p:cNvPr>
@@ -8652,7 +8567,7 @@
           <p:cNvPr id="10" name="TextBox 9">
             <a:extLst>
               <a:ext uri="{FF2B5EF4-FFF2-40B4-BE49-F238E27FC236}">
-                <a16:creationId xmlns:a16="http://schemas.microsoft.com/office/drawing/2014/main" xmlns="" id="{CB4A2AB9-ACD2-632E-C300-D664C5B27276}"/>
+                <a16:creationId xmlns:a16="http://schemas.microsoft.com/office/drawing/2014/main" id="{CB4A2AB9-ACD2-632E-C300-D664C5B27276}"/>
               </a:ext>
             </a:extLst>
           </p:cNvPr>
@@ -8715,7 +8630,7 @@
           <p:cNvPr id="11" name="TextBox 10">
             <a:extLst>
               <a:ext uri="{FF2B5EF4-FFF2-40B4-BE49-F238E27FC236}">
-                <a16:creationId xmlns:a16="http://schemas.microsoft.com/office/drawing/2014/main" xmlns="" id="{5B370E78-DD83-4D33-7AB8-D6427C836F2E}"/>
+                <a16:creationId xmlns:a16="http://schemas.microsoft.com/office/drawing/2014/main" id="{5B370E78-DD83-4D33-7AB8-D6427C836F2E}"/>
               </a:ext>
             </a:extLst>
           </p:cNvPr>
@@ -8762,7 +8677,7 @@
           <p:cNvPr id="12" name="TextBox 11">
             <a:extLst>
               <a:ext uri="{FF2B5EF4-FFF2-40B4-BE49-F238E27FC236}">
-                <a16:creationId xmlns:a16="http://schemas.microsoft.com/office/drawing/2014/main" xmlns="" id="{150A7265-F50D-D7AA-B93D-24535B4ADA11}"/>
+                <a16:creationId xmlns:a16="http://schemas.microsoft.com/office/drawing/2014/main" id="{150A7265-F50D-D7AA-B93D-24535B4ADA11}"/>
               </a:ext>
             </a:extLst>
           </p:cNvPr>
@@ -9243,7 +9158,7 @@
           <p:cNvPr id="2" name="TextBox 1">
             <a:extLst>
               <a:ext uri="{FF2B5EF4-FFF2-40B4-BE49-F238E27FC236}">
-                <a16:creationId xmlns:a16="http://schemas.microsoft.com/office/drawing/2014/main" xmlns="" id="{33336A0E-48F4-D7C9-BA40-DCEE411852B3}"/>
+                <a16:creationId xmlns:a16="http://schemas.microsoft.com/office/drawing/2014/main" id="{33336A0E-48F4-D7C9-BA40-DCEE411852B3}"/>
               </a:ext>
             </a:extLst>
           </p:cNvPr>
@@ -9278,7 +9193,7 @@
           <p:cNvPr id="8" name="Picture 7">
             <a:extLst>
               <a:ext uri="{FF2B5EF4-FFF2-40B4-BE49-F238E27FC236}">
-                <a16:creationId xmlns:a16="http://schemas.microsoft.com/office/drawing/2014/main" xmlns="" id="{92F96B93-507C-18C0-DE88-7CF1B4BB794C}"/>
+                <a16:creationId xmlns:a16="http://schemas.microsoft.com/office/drawing/2014/main" id="{92F96B93-507C-18C0-DE88-7CF1B4BB794C}"/>
               </a:ext>
             </a:extLst>
           </p:cNvPr>
@@ -9551,7 +9466,7 @@
           <p:cNvPr id="2" name="TextBox 1">
             <a:extLst>
               <a:ext uri="{FF2B5EF4-FFF2-40B4-BE49-F238E27FC236}">
-                <a16:creationId xmlns:a16="http://schemas.microsoft.com/office/drawing/2014/main" xmlns="" id="{33336A0E-48F4-D7C9-BA40-DCEE411852B3}"/>
+                <a16:creationId xmlns:a16="http://schemas.microsoft.com/office/drawing/2014/main" id="{33336A0E-48F4-D7C9-BA40-DCEE411852B3}"/>
               </a:ext>
             </a:extLst>
           </p:cNvPr>
@@ -9590,7 +9505,7 @@
           <p:cNvPr id="7" name="TextBox 6">
             <a:extLst>
               <a:ext uri="{FF2B5EF4-FFF2-40B4-BE49-F238E27FC236}">
-                <a16:creationId xmlns:a16="http://schemas.microsoft.com/office/drawing/2014/main" xmlns="" id="{D7D063EC-DC90-CF1F-D867-4FB476E2290A}"/>
+                <a16:creationId xmlns:a16="http://schemas.microsoft.com/office/drawing/2014/main" id="{D7D063EC-DC90-CF1F-D867-4FB476E2290A}"/>
               </a:ext>
             </a:extLst>
           </p:cNvPr>
@@ -9740,7 +9655,7 @@
           <p:cNvPr id="10" name="Picture 9">
             <a:extLst>
               <a:ext uri="{FF2B5EF4-FFF2-40B4-BE49-F238E27FC236}">
-                <a16:creationId xmlns:a16="http://schemas.microsoft.com/office/drawing/2014/main" xmlns="" id="{022A4660-53DF-4858-97A0-334CA1733DC0}"/>
+                <a16:creationId xmlns:a16="http://schemas.microsoft.com/office/drawing/2014/main" id="{022A4660-53DF-4858-97A0-334CA1733DC0}"/>
               </a:ext>
             </a:extLst>
           </p:cNvPr>
@@ -10525,7 +10440,7 @@
           <p:cNvPr id="7" name="TextBox 6">
             <a:extLst>
               <a:ext uri="{FF2B5EF4-FFF2-40B4-BE49-F238E27FC236}">
-                <a16:creationId xmlns:a16="http://schemas.microsoft.com/office/drawing/2014/main" xmlns="" id="{D7D063EC-DC90-CF1F-D867-4FB476E2290A}"/>
+                <a16:creationId xmlns:a16="http://schemas.microsoft.com/office/drawing/2014/main" id="{D7D063EC-DC90-CF1F-D867-4FB476E2290A}"/>
               </a:ext>
             </a:extLst>
           </p:cNvPr>
@@ -10580,7 +10495,7 @@
           <p:cNvPr id="5" name="Picture 4">
             <a:extLst>
               <a:ext uri="{FF2B5EF4-FFF2-40B4-BE49-F238E27FC236}">
-                <a16:creationId xmlns:a16="http://schemas.microsoft.com/office/drawing/2014/main" xmlns="" id="{60376970-5DA4-BACA-103C-32835A7A07E7}"/>
+                <a16:creationId xmlns:a16="http://schemas.microsoft.com/office/drawing/2014/main" id="{60376970-5DA4-BACA-103C-32835A7A07E7}"/>
               </a:ext>
             </a:extLst>
           </p:cNvPr>
@@ -10846,7 +10761,7 @@
           <p:cNvPr id="7" name="TextBox 6">
             <a:extLst>
               <a:ext uri="{FF2B5EF4-FFF2-40B4-BE49-F238E27FC236}">
-                <a16:creationId xmlns:a16="http://schemas.microsoft.com/office/drawing/2014/main" xmlns="" id="{D7D063EC-DC90-CF1F-D867-4FB476E2290A}"/>
+                <a16:creationId xmlns:a16="http://schemas.microsoft.com/office/drawing/2014/main" id="{D7D063EC-DC90-CF1F-D867-4FB476E2290A}"/>
               </a:ext>
             </a:extLst>
           </p:cNvPr>
@@ -10914,7 +10829,7 @@
           <p:cNvPr id="4" name="Picture 3">
             <a:extLst>
               <a:ext uri="{FF2B5EF4-FFF2-40B4-BE49-F238E27FC236}">
-                <a16:creationId xmlns:a16="http://schemas.microsoft.com/office/drawing/2014/main" xmlns="" id="{D06DCC9F-8B06-83BC-FF3E-BAC5AB2064AB}"/>
+                <a16:creationId xmlns:a16="http://schemas.microsoft.com/office/drawing/2014/main" id="{D06DCC9F-8B06-83BC-FF3E-BAC5AB2064AB}"/>
               </a:ext>
             </a:extLst>
           </p:cNvPr>
@@ -11240,7 +11155,7 @@
           <p:cNvPr id="5" name="Picture 4">
             <a:extLst>
               <a:ext uri="{FF2B5EF4-FFF2-40B4-BE49-F238E27FC236}">
-                <a16:creationId xmlns:a16="http://schemas.microsoft.com/office/drawing/2014/main" xmlns="" id="{97C2BD1D-F1E8-021D-1A45-75E1ED111CA6}"/>
+                <a16:creationId xmlns:a16="http://schemas.microsoft.com/office/drawing/2014/main" id="{97C2BD1D-F1E8-021D-1A45-75E1ED111CA6}"/>
               </a:ext>
             </a:extLst>
           </p:cNvPr>
@@ -11354,7 +11269,7 @@
           <p:cNvPr id="4" name="Picture 3">
             <a:extLst>
               <a:ext uri="{FF2B5EF4-FFF2-40B4-BE49-F238E27FC236}">
-                <a16:creationId xmlns:a16="http://schemas.microsoft.com/office/drawing/2014/main" xmlns="" id="{79A97B1A-1DC6-EF75-866C-9D7AF6C2CB63}"/>
+                <a16:creationId xmlns:a16="http://schemas.microsoft.com/office/drawing/2014/main" id="{79A97B1A-1DC6-EF75-866C-9D7AF6C2CB63}"/>
               </a:ext>
             </a:extLst>
           </p:cNvPr>
@@ -11467,7 +11382,7 @@
           <p:cNvPr id="5" name="Picture 4">
             <a:extLst>
               <a:ext uri="{FF2B5EF4-FFF2-40B4-BE49-F238E27FC236}">
-                <a16:creationId xmlns:a16="http://schemas.microsoft.com/office/drawing/2014/main" xmlns="" id="{F7C982F1-4AB9-554F-2F70-41D2A04AF6C3}"/>
+                <a16:creationId xmlns:a16="http://schemas.microsoft.com/office/drawing/2014/main" id="{F7C982F1-4AB9-554F-2F70-41D2A04AF6C3}"/>
               </a:ext>
             </a:extLst>
           </p:cNvPr>
@@ -11575,7 +11490,7 @@
           <p:cNvPr id="4" name="Picture 3">
             <a:extLst>
               <a:ext uri="{FF2B5EF4-FFF2-40B4-BE49-F238E27FC236}">
-                <a16:creationId xmlns:a16="http://schemas.microsoft.com/office/drawing/2014/main" xmlns="" id="{3DBE506A-94AE-C268-3156-5A3B8F867F99}"/>
+                <a16:creationId xmlns:a16="http://schemas.microsoft.com/office/drawing/2014/main" id="{3DBE506A-94AE-C268-3156-5A3B8F867F99}"/>
               </a:ext>
             </a:extLst>
           </p:cNvPr>
@@ -11611,7 +11526,7 @@
           <p:cNvPr id="7" name="TextBox 6">
             <a:extLst>
               <a:ext uri="{FF2B5EF4-FFF2-40B4-BE49-F238E27FC236}">
-                <a16:creationId xmlns:a16="http://schemas.microsoft.com/office/drawing/2014/main" xmlns="" id="{EC22761B-80B8-2156-C448-780E921DCFEE}"/>
+                <a16:creationId xmlns:a16="http://schemas.microsoft.com/office/drawing/2014/main" id="{EC22761B-80B8-2156-C448-780E921DCFEE}"/>
               </a:ext>
             </a:extLst>
           </p:cNvPr>
@@ -11728,7 +11643,7 @@
           <p:cNvPr id="8" name="Picture 7">
             <a:extLst>
               <a:ext uri="{FF2B5EF4-FFF2-40B4-BE49-F238E27FC236}">
-                <a16:creationId xmlns:a16="http://schemas.microsoft.com/office/drawing/2014/main" xmlns="" id="{1E26BDB8-A578-38DB-FDEF-453F241AEBE1}"/>
+                <a16:creationId xmlns:a16="http://schemas.microsoft.com/office/drawing/2014/main" id="{1E26BDB8-A578-38DB-FDEF-453F241AEBE1}"/>
               </a:ext>
             </a:extLst>
           </p:cNvPr>
@@ -11758,7 +11673,7 @@
           <p:cNvPr id="10" name="Picture 9">
             <a:extLst>
               <a:ext uri="{FF2B5EF4-FFF2-40B4-BE49-F238E27FC236}">
-                <a16:creationId xmlns:a16="http://schemas.microsoft.com/office/drawing/2014/main" xmlns="" id="{1CAFA705-1F8D-7111-83BD-A270C1FCF533}"/>
+                <a16:creationId xmlns:a16="http://schemas.microsoft.com/office/drawing/2014/main" id="{1CAFA705-1F8D-7111-83BD-A270C1FCF533}"/>
               </a:ext>
             </a:extLst>
           </p:cNvPr>
@@ -11866,7 +11781,7 @@
           <p:cNvPr id="4" name="Picture 3">
             <a:extLst>
               <a:ext uri="{FF2B5EF4-FFF2-40B4-BE49-F238E27FC236}">
-                <a16:creationId xmlns:a16="http://schemas.microsoft.com/office/drawing/2014/main" xmlns="" id="{905C41C8-D0A6-5DA9-56FC-6301C841F1FE}"/>
+                <a16:creationId xmlns:a16="http://schemas.microsoft.com/office/drawing/2014/main" id="{905C41C8-D0A6-5DA9-56FC-6301C841F1FE}"/>
               </a:ext>
             </a:extLst>
           </p:cNvPr>
@@ -11896,7 +11811,7 @@
           <p:cNvPr id="6" name="Picture 5">
             <a:extLst>
               <a:ext uri="{FF2B5EF4-FFF2-40B4-BE49-F238E27FC236}">
-                <a16:creationId xmlns:a16="http://schemas.microsoft.com/office/drawing/2014/main" xmlns="" id="{4639EF87-777D-A9B4-7740-BEB565F2FF80}"/>
+                <a16:creationId xmlns:a16="http://schemas.microsoft.com/office/drawing/2014/main" id="{4639EF87-777D-A9B4-7740-BEB565F2FF80}"/>
               </a:ext>
             </a:extLst>
           </p:cNvPr>
@@ -12004,7 +11919,7 @@
           <p:cNvPr id="4" name="Picture 3">
             <a:extLst>
               <a:ext uri="{FF2B5EF4-FFF2-40B4-BE49-F238E27FC236}">
-                <a16:creationId xmlns:a16="http://schemas.microsoft.com/office/drawing/2014/main" xmlns="" id="{41937AAE-ED1D-97B1-956C-52F3280CBB74}"/>
+                <a16:creationId xmlns:a16="http://schemas.microsoft.com/office/drawing/2014/main" id="{41937AAE-ED1D-97B1-956C-52F3280CBB74}"/>
               </a:ext>
             </a:extLst>
           </p:cNvPr>
@@ -12040,7 +11955,7 @@
           <p:cNvPr id="5" name="TextBox 4">
             <a:extLst>
               <a:ext uri="{FF2B5EF4-FFF2-40B4-BE49-F238E27FC236}">
-                <a16:creationId xmlns:a16="http://schemas.microsoft.com/office/drawing/2014/main" xmlns="" id="{4C95C56A-D984-5F7B-09AE-27F0B4CF4E99}"/>
+                <a16:creationId xmlns:a16="http://schemas.microsoft.com/office/drawing/2014/main" id="{4C95C56A-D984-5F7B-09AE-27F0B4CF4E99}"/>
               </a:ext>
             </a:extLst>
           </p:cNvPr>
@@ -12399,7 +12314,7 @@
           <p:cNvPr id="6" name="Picture 5">
             <a:extLst>
               <a:ext uri="{FF2B5EF4-FFF2-40B4-BE49-F238E27FC236}">
-                <a16:creationId xmlns:a16="http://schemas.microsoft.com/office/drawing/2014/main" xmlns="" id="{618A09A0-9AA3-412C-3A36-AE296A89CB10}"/>
+                <a16:creationId xmlns:a16="http://schemas.microsoft.com/office/drawing/2014/main" id="{618A09A0-9AA3-412C-3A36-AE296A89CB10}"/>
               </a:ext>
             </a:extLst>
           </p:cNvPr>
@@ -12704,7 +12619,7 @@
           <p:cNvPr id="4" name="Picture 3">
             <a:extLst>
               <a:ext uri="{FF2B5EF4-FFF2-40B4-BE49-F238E27FC236}">
-                <a16:creationId xmlns:a16="http://schemas.microsoft.com/office/drawing/2014/main" xmlns="" id="{3FDB99FC-7775-152A-2532-558FCE4A761A}"/>
+                <a16:creationId xmlns:a16="http://schemas.microsoft.com/office/drawing/2014/main" id="{3FDB99FC-7775-152A-2532-558FCE4A761A}"/>
               </a:ext>
             </a:extLst>
           </p:cNvPr>
@@ -12818,7 +12733,7 @@
           <p:cNvPr id="5" name="Picture 4">
             <a:extLst>
               <a:ext uri="{FF2B5EF4-FFF2-40B4-BE49-F238E27FC236}">
-                <a16:creationId xmlns:a16="http://schemas.microsoft.com/office/drawing/2014/main" xmlns="" id="{770662F7-9D96-D8B8-A127-5CF4E1FCB2E3}"/>
+                <a16:creationId xmlns:a16="http://schemas.microsoft.com/office/drawing/2014/main" id="{770662F7-9D96-D8B8-A127-5CF4E1FCB2E3}"/>
               </a:ext>
             </a:extLst>
           </p:cNvPr>
@@ -12854,7 +12769,7 @@
           <p:cNvPr id="8" name="TextBox 7">
             <a:extLst>
               <a:ext uri="{FF2B5EF4-FFF2-40B4-BE49-F238E27FC236}">
-                <a16:creationId xmlns:a16="http://schemas.microsoft.com/office/drawing/2014/main" xmlns="" id="{85280BAB-4788-5FCA-5012-F8415570676E}"/>
+                <a16:creationId xmlns:a16="http://schemas.microsoft.com/office/drawing/2014/main" id="{85280BAB-4788-5FCA-5012-F8415570676E}"/>
               </a:ext>
             </a:extLst>
           </p:cNvPr>
@@ -13371,7 +13286,7 @@
           <p:cNvPr id="8" name="TextBox 7">
             <a:extLst>
               <a:ext uri="{FF2B5EF4-FFF2-40B4-BE49-F238E27FC236}">
-                <a16:creationId xmlns:a16="http://schemas.microsoft.com/office/drawing/2014/main" xmlns="" id="{85280BAB-4788-5FCA-5012-F8415570676E}"/>
+                <a16:creationId xmlns:a16="http://schemas.microsoft.com/office/drawing/2014/main" id="{85280BAB-4788-5FCA-5012-F8415570676E}"/>
               </a:ext>
             </a:extLst>
           </p:cNvPr>
@@ -13475,7 +13390,7 @@
           <p:cNvPr id="7" name="Picture 6">
             <a:extLst>
               <a:ext uri="{FF2B5EF4-FFF2-40B4-BE49-F238E27FC236}">
-                <a16:creationId xmlns:a16="http://schemas.microsoft.com/office/drawing/2014/main" xmlns="" id="{F5420F95-591C-6211-8269-36C47FECC2CF}"/>
+                <a16:creationId xmlns:a16="http://schemas.microsoft.com/office/drawing/2014/main" id="{F5420F95-591C-6211-8269-36C47FECC2CF}"/>
               </a:ext>
             </a:extLst>
           </p:cNvPr>
@@ -13924,7 +13839,7 @@
           <p:cNvPr id="4" name="Picture 3">
             <a:extLst>
               <a:ext uri="{FF2B5EF4-FFF2-40B4-BE49-F238E27FC236}">
-                <a16:creationId xmlns:a16="http://schemas.microsoft.com/office/drawing/2014/main" xmlns="" id="{84666911-E526-542B-1294-6AC7FC76C70F}"/>
+                <a16:creationId xmlns:a16="http://schemas.microsoft.com/office/drawing/2014/main" id="{84666911-E526-542B-1294-6AC7FC76C70F}"/>
               </a:ext>
             </a:extLst>
           </p:cNvPr>
@@ -14038,7 +13953,7 @@
           <p:cNvPr id="5" name="Picture 4">
             <a:extLst>
               <a:ext uri="{FF2B5EF4-FFF2-40B4-BE49-F238E27FC236}">
-                <a16:creationId xmlns:a16="http://schemas.microsoft.com/office/drawing/2014/main" xmlns="" id="{05D779F2-ECDC-B17A-D7D3-19CF556738FF}"/>
+                <a16:creationId xmlns:a16="http://schemas.microsoft.com/office/drawing/2014/main" id="{05D779F2-ECDC-B17A-D7D3-19CF556738FF}"/>
               </a:ext>
             </a:extLst>
           </p:cNvPr>
@@ -14074,7 +13989,7 @@
           <p:cNvPr id="7" name="Picture 6">
             <a:extLst>
               <a:ext uri="{FF2B5EF4-FFF2-40B4-BE49-F238E27FC236}">
-                <a16:creationId xmlns:a16="http://schemas.microsoft.com/office/drawing/2014/main" xmlns="" id="{FF7D91B3-017D-6603-AF9F-9871AC43A9E9}"/>
+                <a16:creationId xmlns:a16="http://schemas.microsoft.com/office/drawing/2014/main" id="{FF7D91B3-017D-6603-AF9F-9871AC43A9E9}"/>
               </a:ext>
             </a:extLst>
           </p:cNvPr>
@@ -14188,7 +14103,7 @@
           <p:cNvPr id="4" name="Picture 3">
             <a:extLst>
               <a:ext uri="{FF2B5EF4-FFF2-40B4-BE49-F238E27FC236}">
-                <a16:creationId xmlns:a16="http://schemas.microsoft.com/office/drawing/2014/main" xmlns="" id="{1516477E-148A-EE26-D515-B9BA1710E7F9}"/>
+                <a16:creationId xmlns:a16="http://schemas.microsoft.com/office/drawing/2014/main" id="{1516477E-148A-EE26-D515-B9BA1710E7F9}"/>
               </a:ext>
             </a:extLst>
           </p:cNvPr>
@@ -14302,7 +14217,7 @@
           <p:cNvPr id="5" name="Picture 4">
             <a:extLst>
               <a:ext uri="{FF2B5EF4-FFF2-40B4-BE49-F238E27FC236}">
-                <a16:creationId xmlns:a16="http://schemas.microsoft.com/office/drawing/2014/main" xmlns="" id="{A6AD9895-2B9C-AAE2-BB3E-1A40E3614484}"/>
+                <a16:creationId xmlns:a16="http://schemas.microsoft.com/office/drawing/2014/main" id="{A6AD9895-2B9C-AAE2-BB3E-1A40E3614484}"/>
               </a:ext>
             </a:extLst>
           </p:cNvPr>
@@ -14416,7 +14331,7 @@
           <p:cNvPr id="4" name="Picture 3">
             <a:extLst>
               <a:ext uri="{FF2B5EF4-FFF2-40B4-BE49-F238E27FC236}">
-                <a16:creationId xmlns:a16="http://schemas.microsoft.com/office/drawing/2014/main" xmlns="" id="{08B9380D-623A-8501-15AA-8CF1496C211F}"/>
+                <a16:creationId xmlns:a16="http://schemas.microsoft.com/office/drawing/2014/main" id="{08B9380D-623A-8501-15AA-8CF1496C211F}"/>
               </a:ext>
             </a:extLst>
           </p:cNvPr>
@@ -14530,7 +14445,7 @@
           <p:cNvPr id="5" name="Picture 4">
             <a:extLst>
               <a:ext uri="{FF2B5EF4-FFF2-40B4-BE49-F238E27FC236}">
-                <a16:creationId xmlns:a16="http://schemas.microsoft.com/office/drawing/2014/main" xmlns="" id="{9E65409B-925D-39D7-8A28-CD9680904EE5}"/>
+                <a16:creationId xmlns:a16="http://schemas.microsoft.com/office/drawing/2014/main" id="{9E65409B-925D-39D7-8A28-CD9680904EE5}"/>
               </a:ext>
             </a:extLst>
           </p:cNvPr>
@@ -14627,7 +14542,7 @@
           <a:lstStyle/>
           <a:p>
             <a:r>
-              <a:rPr lang="en-US" sz="1400" b="1" dirty="0" smtClean="0">
+              <a:rPr lang="en-US" sz="1400" b="1" dirty="0">
                 <a:solidFill>
                   <a:srgbClr val="0070C0"/>
                 </a:solidFill>
@@ -14636,13 +14551,6 @@
               </a:rPr>
               <a:t>Responsive &amp; Adaptive</a:t>
             </a:r>
-            <a:endParaRPr lang="en-US" sz="1400" b="1" dirty="0">
-              <a:solidFill>
-                <a:srgbClr val="0070C0"/>
-              </a:solidFill>
-              <a:latin typeface="Roboto" panose="02000000000000000000" pitchFamily="2" charset="0"/>
-              <a:ea typeface="Roboto" panose="02000000000000000000" pitchFamily="2" charset="0"/>
-            </a:endParaRPr>
           </a:p>
         </p:txBody>
       </p:sp>
@@ -14672,19 +14580,8 @@
                 <a:latin typeface="Roboto" panose="02000000000000000000" pitchFamily="2" charset="0"/>
                 <a:ea typeface="Roboto" panose="02000000000000000000" pitchFamily="2" charset="0"/>
               </a:rPr>
-              <a:t>Why</a:t>
-            </a:r>
-            <a:r>
-              <a:rPr lang="en-US" sz="1600" b="1" u="sng" dirty="0" smtClean="0">
-                <a:latin typeface="Roboto" panose="02000000000000000000" pitchFamily="2" charset="0"/>
-                <a:ea typeface="Roboto" panose="02000000000000000000" pitchFamily="2" charset="0"/>
-              </a:rPr>
-              <a:t>?</a:t>
-            </a:r>
-            <a:endParaRPr lang="en-US" sz="1600" b="1" u="sng" dirty="0">
-              <a:latin typeface="Roboto" panose="02000000000000000000" pitchFamily="2" charset="0"/>
-              <a:ea typeface="Roboto" panose="02000000000000000000" pitchFamily="2" charset="0"/>
-            </a:endParaRPr>
+              <a:t>Why?</a:t>
+            </a:r>
           </a:p>
           <a:p>
             <a:pPr marL="171450" indent="-171450">
@@ -14699,19 +14596,8 @@
                 <a:latin typeface="Roboto" panose="02000000000000000000" pitchFamily="2" charset="0"/>
                 <a:ea typeface="Roboto" panose="02000000000000000000" pitchFamily="2" charset="0"/>
               </a:rPr>
-              <a:t>It is impossible to keep in mind all devices, client may use for the </a:t>
-            </a:r>
-            <a:r>
-              <a:rPr lang="en-US" sz="1200" dirty="0" smtClean="0">
-                <a:latin typeface="Roboto" panose="02000000000000000000" pitchFamily="2" charset="0"/>
-                <a:ea typeface="Roboto" panose="02000000000000000000" pitchFamily="2" charset="0"/>
-              </a:rPr>
-              <a:t>application using.</a:t>
-            </a:r>
-            <a:endParaRPr lang="en-US" sz="1200" dirty="0">
-              <a:latin typeface="Roboto" panose="02000000000000000000" pitchFamily="2" charset="0"/>
-              <a:ea typeface="Roboto" panose="02000000000000000000" pitchFamily="2" charset="0"/>
-            </a:endParaRPr>
+              <a:t>It is impossible to keep in mind all devices, client may use for the application using.</a:t>
+            </a:r>
           </a:p>
           <a:p>
             <a:pPr marL="171450" indent="-171450">
@@ -14726,47 +14612,8 @@
                 <a:latin typeface="Roboto" panose="02000000000000000000" pitchFamily="2" charset="0"/>
                 <a:ea typeface="Roboto" panose="02000000000000000000" pitchFamily="2" charset="0"/>
               </a:rPr>
-              <a:t>Adaptive </a:t>
-            </a:r>
-            <a:r>
-              <a:rPr lang="en-US" sz="1200" dirty="0" smtClean="0">
-                <a:latin typeface="Roboto" panose="02000000000000000000" pitchFamily="2" charset="0"/>
-                <a:ea typeface="Roboto" panose="02000000000000000000" pitchFamily="2" charset="0"/>
-              </a:rPr>
-              <a:t>design </a:t>
-            </a:r>
-            <a:r>
-              <a:rPr lang="en-US" sz="1200" dirty="0">
-                <a:latin typeface="Roboto" panose="02000000000000000000" pitchFamily="2" charset="0"/>
-                <a:ea typeface="Roboto" panose="02000000000000000000" pitchFamily="2" charset="0"/>
-              </a:rPr>
-              <a:t>and responsive </a:t>
-            </a:r>
-            <a:r>
-              <a:rPr lang="en-US" sz="1200" dirty="0" smtClean="0">
-                <a:latin typeface="Roboto" panose="02000000000000000000" pitchFamily="2" charset="0"/>
-                <a:ea typeface="Roboto" panose="02000000000000000000" pitchFamily="2" charset="0"/>
-              </a:rPr>
-              <a:t>design </a:t>
-            </a:r>
-            <a:r>
-              <a:rPr lang="en-US" sz="1200" dirty="0">
-                <a:latin typeface="Roboto" panose="02000000000000000000" pitchFamily="2" charset="0"/>
-                <a:ea typeface="Roboto" panose="02000000000000000000" pitchFamily="2" charset="0"/>
-              </a:rPr>
-              <a:t>were created to avoid the </a:t>
-            </a:r>
-            <a:r>
-              <a:rPr lang="en-US" sz="1200" dirty="0" smtClean="0">
-                <a:latin typeface="Roboto" panose="02000000000000000000" pitchFamily="2" charset="0"/>
-                <a:ea typeface="Roboto" panose="02000000000000000000" pitchFamily="2" charset="0"/>
-              </a:rPr>
-              <a:t>classification.</a:t>
-            </a:r>
-            <a:endParaRPr lang="en-US" sz="1200" dirty="0">
-              <a:latin typeface="Roboto" panose="02000000000000000000" pitchFamily="2" charset="0"/>
-              <a:ea typeface="Roboto" panose="02000000000000000000" pitchFamily="2" charset="0"/>
-            </a:endParaRPr>
+              <a:t>Adaptive design and responsive design were created to avoid the classification.</a:t>
+            </a:r>
           </a:p>
           <a:p>
             <a:pPr marL="171450" indent="-171450">
@@ -14781,63 +14628,7 @@
                 <a:latin typeface="Roboto" panose="02000000000000000000" pitchFamily="2" charset="0"/>
                 <a:ea typeface="Roboto" panose="02000000000000000000" pitchFamily="2" charset="0"/>
               </a:rPr>
-              <a:t>Actually, </a:t>
-            </a:r>
-            <a:r>
-              <a:rPr lang="en-US" sz="1200" dirty="0" smtClean="0">
-                <a:latin typeface="Roboto" panose="02000000000000000000" pitchFamily="2" charset="0"/>
-                <a:ea typeface="Roboto" panose="02000000000000000000" pitchFamily="2" charset="0"/>
-              </a:rPr>
-              <a:t>AD </a:t>
-            </a:r>
-            <a:r>
-              <a:rPr lang="en-US" sz="1200" dirty="0">
-                <a:latin typeface="Roboto" panose="02000000000000000000" pitchFamily="2" charset="0"/>
-                <a:ea typeface="Roboto" panose="02000000000000000000" pitchFamily="2" charset="0"/>
-              </a:rPr>
-              <a:t>(adaptive </a:t>
-            </a:r>
-            <a:r>
-              <a:rPr lang="en-US" sz="1200" dirty="0" smtClean="0">
-                <a:latin typeface="Roboto" panose="02000000000000000000" pitchFamily="2" charset="0"/>
-                <a:ea typeface="Roboto" panose="02000000000000000000" pitchFamily="2" charset="0"/>
-              </a:rPr>
-              <a:t>design</a:t>
-            </a:r>
-            <a:r>
-              <a:rPr lang="en-US" sz="1200" dirty="0">
-                <a:latin typeface="Roboto" panose="02000000000000000000" pitchFamily="2" charset="0"/>
-                <a:ea typeface="Roboto" panose="02000000000000000000" pitchFamily="2" charset="0"/>
-              </a:rPr>
-              <a:t>) and </a:t>
-            </a:r>
-            <a:r>
-              <a:rPr lang="en-US" sz="1200" dirty="0" smtClean="0">
-                <a:latin typeface="Roboto" panose="02000000000000000000" pitchFamily="2" charset="0"/>
-                <a:ea typeface="Roboto" panose="02000000000000000000" pitchFamily="2" charset="0"/>
-              </a:rPr>
-              <a:t>RD </a:t>
-            </a:r>
-            <a:r>
-              <a:rPr lang="en-US" sz="1200" dirty="0">
-                <a:latin typeface="Roboto" panose="02000000000000000000" pitchFamily="2" charset="0"/>
-                <a:ea typeface="Roboto" panose="02000000000000000000" pitchFamily="2" charset="0"/>
-              </a:rPr>
-              <a:t>(responsive </a:t>
-            </a:r>
-            <a:r>
-              <a:rPr lang="en-US" sz="1200" dirty="0" smtClean="0">
-                <a:latin typeface="Roboto" panose="02000000000000000000" pitchFamily="2" charset="0"/>
-                <a:ea typeface="Roboto" panose="02000000000000000000" pitchFamily="2" charset="0"/>
-              </a:rPr>
-              <a:t>design</a:t>
-            </a:r>
-            <a:r>
-              <a:rPr lang="en-US" sz="1200" dirty="0">
-                <a:latin typeface="Roboto" panose="02000000000000000000" pitchFamily="2" charset="0"/>
-                <a:ea typeface="Roboto" panose="02000000000000000000" pitchFamily="2" charset="0"/>
-              </a:rPr>
-              <a:t>) solve the same tasks but in different ways.</a:t>
+              <a:t>Actually, AD (adaptive design) and RD (responsive design) solve the same tasks but in different ways.</a:t>
             </a:r>
           </a:p>
         </p:txBody>
@@ -15447,7 +15238,7 @@
           <a:lstStyle/>
           <a:p>
             <a:r>
-              <a:rPr lang="en-US" sz="1400" b="1" dirty="0" smtClean="0">
+              <a:rPr lang="en-US" sz="1400" b="1" dirty="0">
                 <a:solidFill>
                   <a:srgbClr val="0070C0"/>
                 </a:solidFill>
@@ -15456,13 +15247,6 @@
               </a:rPr>
               <a:t>Responsive vs Adaptive</a:t>
             </a:r>
-            <a:endParaRPr lang="en-US" sz="1400" b="1" dirty="0">
-              <a:solidFill>
-                <a:srgbClr val="0070C0"/>
-              </a:solidFill>
-              <a:latin typeface="Roboto" panose="02000000000000000000" pitchFamily="2" charset="0"/>
-              <a:ea typeface="Roboto" panose="02000000000000000000" pitchFamily="2" charset="0"/>
-            </a:endParaRPr>
           </a:p>
         </p:txBody>
       </p:sp>
@@ -15506,13 +15290,6 @@
   <p:clrMapOvr>
     <a:masterClrMapping/>
   </p:clrMapOvr>
-  <p:timing>
-    <p:tnLst>
-      <p:par>
-        <p:cTn id="1" dur="indefinite" restart="never" nodeType="tmRoot"/>
-      </p:par>
-    </p:tnLst>
-  </p:timing>
 </p:sld>
 </file>
 
@@ -15569,7 +15346,7 @@
           <a:lstStyle/>
           <a:p>
             <a:r>
-              <a:rPr lang="en-US" sz="1400" b="1" dirty="0" smtClean="0">
+              <a:rPr lang="en-US" sz="1400" b="1" dirty="0">
                 <a:solidFill>
                   <a:srgbClr val="0070C0"/>
                 </a:solidFill>
@@ -15578,13 +15355,6 @@
               </a:rPr>
               <a:t>Responsive &amp; Adaptive For Flutter Application</a:t>
             </a:r>
-            <a:endParaRPr lang="en-US" sz="1400" b="1" dirty="0">
-              <a:solidFill>
-                <a:srgbClr val="0070C0"/>
-              </a:solidFill>
-              <a:latin typeface="Roboto" panose="02000000000000000000" pitchFamily="2" charset="0"/>
-              <a:ea typeface="Roboto" panose="02000000000000000000" pitchFamily="2" charset="0"/>
-            </a:endParaRPr>
           </a:p>
         </p:txBody>
       </p:sp>
@@ -15626,18 +15396,11 @@
               <a:buChar char="•"/>
             </a:pPr>
             <a:r>
-              <a:rPr lang="en-US" sz="1200" dirty="0" smtClean="0">
-                <a:latin typeface="Roboto" panose="02000000000000000000" pitchFamily="2" charset="0"/>
-                <a:ea typeface="Roboto" panose="02000000000000000000" pitchFamily="2" charset="0"/>
-              </a:rPr>
-              <a:t>To </a:t>
-            </a:r>
-            <a:r>
               <a:rPr lang="en-US" sz="1200" dirty="0">
                 <a:latin typeface="Roboto" panose="02000000000000000000" pitchFamily="2" charset="0"/>
                 <a:ea typeface="Roboto" panose="02000000000000000000" pitchFamily="2" charset="0"/>
               </a:rPr>
-              <a:t>take the maximum advantages from Flutter </a:t>
+              <a:t>To take the maximum advantages from Flutter </a:t>
             </a:r>
           </a:p>
           <a:p>
@@ -15649,32 +15412,11 @@
               <a:buChar char="•"/>
             </a:pPr>
             <a:r>
-              <a:rPr lang="en-US" sz="1200" dirty="0" smtClean="0">
-                <a:latin typeface="Roboto" panose="02000000000000000000" pitchFamily="2" charset="0"/>
-                <a:ea typeface="Roboto" panose="02000000000000000000" pitchFamily="2" charset="0"/>
-              </a:rPr>
-              <a:t>To </a:t>
-            </a:r>
-            <a:r>
               <a:rPr lang="en-US" sz="1200" dirty="0">
                 <a:latin typeface="Roboto" panose="02000000000000000000" pitchFamily="2" charset="0"/>
                 <a:ea typeface="Roboto" panose="02000000000000000000" pitchFamily="2" charset="0"/>
               </a:rPr>
-              <a:t>enable your </a:t>
-            </a:r>
-            <a:r>
-              <a:rPr lang="en-US" sz="1200" dirty="0" smtClean="0">
-                <a:latin typeface="Roboto" panose="02000000000000000000" pitchFamily="2" charset="0"/>
-                <a:ea typeface="Roboto" panose="02000000000000000000" pitchFamily="2" charset="0"/>
-              </a:rPr>
-              <a:t>application </a:t>
-            </a:r>
-            <a:r>
-              <a:rPr lang="en-US" sz="1200" dirty="0">
-                <a:latin typeface="Roboto" panose="02000000000000000000" pitchFamily="2" charset="0"/>
-                <a:ea typeface="Roboto" panose="02000000000000000000" pitchFamily="2" charset="0"/>
-              </a:rPr>
-              <a:t>in different size device with web &amp; desktop too. </a:t>
+              <a:t>To enable your application in different size device with web &amp; desktop too. </a:t>
             </a:r>
           </a:p>
         </p:txBody>
@@ -15705,19 +15447,8 @@
                 <a:latin typeface="Roboto" panose="02000000000000000000" pitchFamily="2" charset="0"/>
                 <a:ea typeface="Roboto" panose="02000000000000000000" pitchFamily="2" charset="0"/>
               </a:rPr>
-              <a:t>Widgets &amp; Packages</a:t>
-            </a:r>
-            <a:r>
-              <a:rPr lang="en-US" sz="1200" b="1" u="sng" dirty="0" smtClean="0">
-                <a:latin typeface="Roboto" panose="02000000000000000000" pitchFamily="2" charset="0"/>
-                <a:ea typeface="Roboto" panose="02000000000000000000" pitchFamily="2" charset="0"/>
-              </a:rPr>
-              <a:t>:</a:t>
-            </a:r>
-            <a:endParaRPr lang="en-US" sz="1200" b="1" u="sng" dirty="0">
-              <a:latin typeface="Roboto" panose="02000000000000000000" pitchFamily="2" charset="0"/>
-              <a:ea typeface="Roboto" panose="02000000000000000000" pitchFamily="2" charset="0"/>
-            </a:endParaRPr>
+              <a:t>Widgets &amp; Packages:</a:t>
+            </a:r>
           </a:p>
           <a:p>
             <a:pPr marL="171450" indent="-171450">
@@ -15728,16 +15459,12 @@
               <a:buChar char="•"/>
             </a:pPr>
             <a:r>
-              <a:rPr lang="en-US" sz="1200" dirty="0" smtClean="0">
+              <a:rPr lang="en-US" sz="1200" dirty="0">
                 <a:latin typeface="Roboto" panose="02000000000000000000" pitchFamily="2" charset="0"/>
                 <a:ea typeface="Roboto" panose="02000000000000000000" pitchFamily="2" charset="0"/>
               </a:rPr>
               <a:t>Fractionally Sized Box</a:t>
             </a:r>
-            <a:endParaRPr lang="en-US" sz="1200" dirty="0">
-              <a:latin typeface="Roboto" panose="02000000000000000000" pitchFamily="2" charset="0"/>
-              <a:ea typeface="Roboto" panose="02000000000000000000" pitchFamily="2" charset="0"/>
-            </a:endParaRPr>
           </a:p>
           <a:p>
             <a:pPr marL="171450" indent="-171450">
@@ -15748,16 +15475,12 @@
               <a:buChar char="•"/>
             </a:pPr>
             <a:r>
-              <a:rPr lang="en-US" sz="1200" dirty="0" smtClean="0">
+              <a:rPr lang="en-US" sz="1200" dirty="0">
                 <a:latin typeface="Roboto" panose="02000000000000000000" pitchFamily="2" charset="0"/>
                 <a:ea typeface="Roboto" panose="02000000000000000000" pitchFamily="2" charset="0"/>
               </a:rPr>
               <a:t>Media Query</a:t>
             </a:r>
-            <a:endParaRPr lang="en-US" sz="1200" dirty="0">
-              <a:latin typeface="Roboto" panose="02000000000000000000" pitchFamily="2" charset="0"/>
-              <a:ea typeface="Roboto" panose="02000000000000000000" pitchFamily="2" charset="0"/>
-            </a:endParaRPr>
           </a:p>
           <a:p>
             <a:pPr marL="171450" indent="-171450">
@@ -15768,7 +15491,7 @@
               <a:buChar char="•"/>
             </a:pPr>
             <a:r>
-              <a:rPr lang="en-US" sz="1200" dirty="0" smtClean="0">
+              <a:rPr lang="en-US" sz="1200" dirty="0">
                 <a:latin typeface="Roboto" panose="02000000000000000000" pitchFamily="2" charset="0"/>
                 <a:ea typeface="Roboto" panose="02000000000000000000" pitchFamily="2" charset="0"/>
               </a:rPr>
@@ -15784,7 +15507,7 @@
               <a:buChar char="•"/>
             </a:pPr>
             <a:r>
-              <a:rPr lang="en-US" sz="1200" dirty="0" smtClean="0">
+              <a:rPr lang="en-US" sz="1200" dirty="0">
                 <a:latin typeface="Roboto" panose="02000000000000000000" pitchFamily="2" charset="0"/>
                 <a:ea typeface="Roboto" panose="02000000000000000000" pitchFamily="2" charset="0"/>
               </a:rPr>
@@ -15800,7 +15523,7 @@
               <a:buChar char="•"/>
             </a:pPr>
             <a:r>
-              <a:rPr lang="en-US" sz="1200" dirty="0" smtClean="0">
+              <a:rPr lang="en-US" sz="1200" dirty="0">
                 <a:latin typeface="Roboto" panose="02000000000000000000" pitchFamily="2" charset="0"/>
                 <a:ea typeface="Roboto" panose="02000000000000000000" pitchFamily="2" charset="0"/>
               </a:rPr>
@@ -15816,16 +15539,12 @@
               <a:buChar char="•"/>
             </a:pPr>
             <a:r>
-              <a:rPr lang="en-US" sz="1200" dirty="0" smtClean="0">
+              <a:rPr lang="en-US" sz="1200" dirty="0">
                 <a:latin typeface="Roboto" panose="02000000000000000000" pitchFamily="2" charset="0"/>
                 <a:ea typeface="Roboto" panose="02000000000000000000" pitchFamily="2" charset="0"/>
               </a:rPr>
               <a:t>Layout Builder</a:t>
             </a:r>
-            <a:endParaRPr lang="en-US" sz="1200" dirty="0">
-              <a:latin typeface="Roboto" panose="02000000000000000000" pitchFamily="2" charset="0"/>
-              <a:ea typeface="Roboto" panose="02000000000000000000" pitchFamily="2" charset="0"/>
-            </a:endParaRPr>
           </a:p>
           <a:p>
             <a:pPr marL="171450" indent="-171450">
@@ -15836,7 +15555,7 @@
               <a:buChar char="•"/>
             </a:pPr>
             <a:r>
-              <a:rPr lang="en-US" sz="1200" dirty="0" smtClean="0">
+              <a:rPr lang="en-US" sz="1200" dirty="0">
                 <a:latin typeface="Roboto" panose="02000000000000000000" pitchFamily="2" charset="0"/>
                 <a:ea typeface="Roboto" panose="02000000000000000000" pitchFamily="2" charset="0"/>
               </a:rPr>
@@ -15852,7 +15571,7 @@
               <a:buChar char="•"/>
             </a:pPr>
             <a:r>
-              <a:rPr lang="en-US" sz="1200" dirty="0" smtClean="0">
+              <a:rPr lang="en-US" sz="1200" dirty="0">
                 <a:latin typeface="Roboto" panose="02000000000000000000" pitchFamily="2" charset="0"/>
                 <a:ea typeface="Roboto" panose="02000000000000000000" pitchFamily="2" charset="0"/>
               </a:rPr>
@@ -15868,7 +15587,7 @@
               <a:buChar char="•"/>
             </a:pPr>
             <a:r>
-              <a:rPr lang="en-US" sz="1200" dirty="0" smtClean="0">
+              <a:rPr lang="en-US" sz="1200" dirty="0">
                 <a:latin typeface="Roboto" panose="02000000000000000000" pitchFamily="2" charset="0"/>
                 <a:ea typeface="Roboto" panose="02000000000000000000" pitchFamily="2" charset="0"/>
               </a:rPr>
@@ -15884,16 +15603,12 @@
               <a:buChar char="•"/>
             </a:pPr>
             <a:r>
-              <a:rPr lang="en-US" sz="1200" dirty="0" smtClean="0">
+              <a:rPr lang="en-US" sz="1200" dirty="0">
                 <a:latin typeface="Roboto" panose="02000000000000000000" pitchFamily="2" charset="0"/>
                 <a:ea typeface="Roboto" panose="02000000000000000000" pitchFamily="2" charset="0"/>
               </a:rPr>
               <a:t>Scroll View  </a:t>
             </a:r>
-            <a:endParaRPr lang="en-US" sz="1200" dirty="0">
-              <a:latin typeface="Roboto" panose="02000000000000000000" pitchFamily="2" charset="0"/>
-              <a:ea typeface="Roboto" panose="02000000000000000000" pitchFamily="2" charset="0"/>
-            </a:endParaRPr>
           </a:p>
         </p:txBody>
       </p:sp>
@@ -16828,11 +16543,7 @@
             </a:pPr>
             <a:r>
               <a:rPr lang="en-US" sz="1200" dirty="0"/>
-              <a:t>A widget that attempts to size the child to a specific aspect </a:t>
-            </a:r>
-            <a:r>
-              <a:rPr lang="en-US" sz="1200" dirty="0" smtClean="0"/>
-              <a:t>ratio</a:t>
+              <a:t>A widget that attempts to size the child to a specific aspect ratio</a:t>
             </a:r>
           </a:p>
           <a:p>
@@ -16845,11 +16556,7 @@
             </a:pPr>
             <a:r>
               <a:rPr lang="en-US" sz="1200" dirty="0"/>
-              <a:t>The widget first tries the largest width permitted by the layout constraints</a:t>
-            </a:r>
-            <a:r>
-              <a:rPr lang="en-US" sz="1200" dirty="0" smtClean="0"/>
-              <a:t>.</a:t>
+              <a:t>The widget first tries the largest width permitted by the layout constraints.</a:t>
             </a:r>
           </a:p>
           <a:p>
@@ -16914,13 +16621,6 @@
   <p:clrMapOvr>
     <a:masterClrMapping/>
   </p:clrMapOvr>
-  <p:timing>
-    <p:tnLst>
-      <p:par>
-        <p:cTn id="1" dur="indefinite" restart="never" nodeType="tmRoot"/>
-      </p:par>
-    </p:tnLst>
-  </p:timing>
 </p:sld>
 </file>
 
@@ -16977,7 +16677,7 @@
           <a:lstStyle/>
           <a:p>
             <a:r>
-              <a:rPr lang="en-US" sz="1400" b="1" dirty="0" smtClean="0">
+              <a:rPr lang="en-US" sz="1400" b="1" dirty="0">
                 <a:solidFill>
                   <a:srgbClr val="0070C0"/>
                 </a:solidFill>
@@ -16986,13 +16686,6 @@
               </a:rPr>
               <a:t>Fractionally Sized Box</a:t>
             </a:r>
-            <a:endParaRPr lang="en-US" sz="1400" b="1" dirty="0">
-              <a:solidFill>
-                <a:srgbClr val="0070C0"/>
-              </a:solidFill>
-              <a:latin typeface="Roboto" panose="02000000000000000000" pitchFamily="2" charset="0"/>
-              <a:ea typeface="Roboto" panose="02000000000000000000" pitchFamily="2" charset="0"/>
-            </a:endParaRPr>
           </a:p>
         </p:txBody>
       </p:sp>
@@ -17026,11 +16719,7 @@
             </a:pPr>
             <a:r>
               <a:rPr lang="en-US" sz="1200" dirty="0"/>
-              <a:t>A widget that sizes its child to a fraction of the total available space</a:t>
-            </a:r>
-            <a:r>
-              <a:rPr lang="en-US" sz="1200" dirty="0" smtClean="0"/>
-              <a:t>.</a:t>
+              <a:t>A widget that sizes its child to a fraction of the total available space.</a:t>
             </a:r>
           </a:p>
         </p:txBody>
@@ -17093,196 +16782,10 @@
   <p:clrMapOvr>
     <a:masterClrMapping/>
   </p:clrMapOvr>
-  <p:timing>
-    <p:tnLst>
-      <p:par>
-        <p:cTn id="1" dur="indefinite" restart="never" nodeType="tmRoot"/>
-      </p:par>
-    </p:tnLst>
-  </p:timing>
 </p:sld>
 </file>
 
 <file path=ppt/slides/slide44.xml><?xml version="1.0" encoding="utf-8"?>
-<p:sld xmlns:a="http://schemas.openxmlformats.org/drawingml/2006/main" xmlns:r="http://schemas.openxmlformats.org/officeDocument/2006/relationships" xmlns:p="http://schemas.openxmlformats.org/presentationml/2006/main">
-  <p:cSld>
-    <p:bg>
-      <p:bgPr>
-        <a:blipFill dpi="0" rotWithShape="1">
-          <a:blip r:embed="rId3">
-            <a:lum/>
-          </a:blip>
-          <a:srcRect/>
-          <a:stretch>
-            <a:fillRect l="-1000" r="-1000"/>
-          </a:stretch>
-        </a:blipFill>
-        <a:effectLst/>
-      </p:bgPr>
-    </p:bg>
-    <p:spTree>
-      <p:nvGrpSpPr>
-        <p:cNvPr id="1" name=""/>
-        <p:cNvGrpSpPr/>
-        <p:nvPr/>
-      </p:nvGrpSpPr>
-      <p:grpSpPr>
-        <a:xfrm>
-          <a:off x="0" y="0"/>
-          <a:ext cx="0" cy="0"/>
-          <a:chOff x="0" y="0"/>
-          <a:chExt cx="0" cy="0"/>
-        </a:xfrm>
-      </p:grpSpPr>
-      <p:sp>
-        <p:nvSpPr>
-          <p:cNvPr id="3" name="Rectangle 2"/>
-          <p:cNvSpPr/>
-          <p:nvPr/>
-        </p:nvSpPr>
-        <p:spPr>
-          <a:xfrm>
-            <a:off x="685800" y="133350"/>
-            <a:ext cx="1975221" cy="307777"/>
-          </a:xfrm>
-          <a:prstGeom prst="rect">
-            <a:avLst/>
-          </a:prstGeom>
-        </p:spPr>
-        <p:txBody>
-          <a:bodyPr wrap="none">
-            <a:spAutoFit/>
-          </a:bodyPr>
-          <a:lstStyle/>
-          <a:p>
-            <a:r>
-              <a:rPr lang="en-US" sz="1400" b="1" dirty="0" smtClean="0">
-                <a:solidFill>
-                  <a:srgbClr val="0070C0"/>
-                </a:solidFill>
-                <a:latin typeface="Roboto" panose="02000000000000000000" pitchFamily="2" charset="0"/>
-                <a:ea typeface="Roboto" panose="02000000000000000000" pitchFamily="2" charset="0"/>
-              </a:rPr>
-              <a:t>Fractionally Sized Box</a:t>
-            </a:r>
-            <a:endParaRPr lang="en-US" sz="1400" b="1" dirty="0">
-              <a:solidFill>
-                <a:srgbClr val="0070C0"/>
-              </a:solidFill>
-              <a:latin typeface="Roboto" panose="02000000000000000000" pitchFamily="2" charset="0"/>
-              <a:ea typeface="Roboto" panose="02000000000000000000" pitchFamily="2" charset="0"/>
-            </a:endParaRPr>
-          </a:p>
-        </p:txBody>
-      </p:sp>
-      <p:sp>
-        <p:nvSpPr>
-          <p:cNvPr id="2" name="Rectangle 1"/>
-          <p:cNvSpPr/>
-          <p:nvPr/>
-        </p:nvSpPr>
-        <p:spPr>
-          <a:xfrm>
-            <a:off x="228600" y="746777"/>
-            <a:ext cx="8686800" cy="340734"/>
-          </a:xfrm>
-          <a:prstGeom prst="rect">
-            <a:avLst/>
-          </a:prstGeom>
-        </p:spPr>
-        <p:txBody>
-          <a:bodyPr wrap="square">
-            <a:spAutoFit/>
-          </a:bodyPr>
-          <a:lstStyle/>
-          <a:p>
-            <a:pPr marL="171450" indent="-171450">
-              <a:lnSpc>
-                <a:spcPct val="150000"/>
-              </a:lnSpc>
-              <a:buFont typeface="Arial" panose="020B0604020202020204" pitchFamily="34" charset="0"/>
-              <a:buChar char="•"/>
-            </a:pPr>
-            <a:r>
-              <a:rPr lang="en-US" sz="1200" dirty="0"/>
-              <a:t>A widget that sizes its child to a fraction of the total available space</a:t>
-            </a:r>
-            <a:r>
-              <a:rPr lang="en-US" sz="1200" dirty="0" smtClean="0"/>
-              <a:t>.</a:t>
-            </a:r>
-          </a:p>
-        </p:txBody>
-      </p:sp>
-      <p:pic>
-        <p:nvPicPr>
-          <p:cNvPr id="4" name="Picture 3"/>
-          <p:cNvPicPr>
-            <a:picLocks noChangeAspect="1"/>
-          </p:cNvPicPr>
-          <p:nvPr/>
-        </p:nvPicPr>
-        <p:blipFill>
-          <a:blip r:embed="rId4"/>
-          <a:stretch>
-            <a:fillRect/>
-          </a:stretch>
-        </p:blipFill>
-        <p:spPr>
-          <a:xfrm>
-            <a:off x="457200" y="1276350"/>
-            <a:ext cx="1475333" cy="2724150"/>
-          </a:xfrm>
-          <a:prstGeom prst="rect">
-            <a:avLst/>
-          </a:prstGeom>
-        </p:spPr>
-      </p:pic>
-      <p:pic>
-        <p:nvPicPr>
-          <p:cNvPr id="6" name="Picture 5"/>
-          <p:cNvPicPr>
-            <a:picLocks noChangeAspect="1"/>
-          </p:cNvPicPr>
-          <p:nvPr/>
-        </p:nvPicPr>
-        <p:blipFill>
-          <a:blip r:embed="rId5"/>
-          <a:stretch>
-            <a:fillRect/>
-          </a:stretch>
-        </p:blipFill>
-        <p:spPr>
-          <a:xfrm>
-            <a:off x="2057400" y="1276350"/>
-            <a:ext cx="3352800" cy="2740498"/>
-          </a:xfrm>
-          <a:prstGeom prst="rect">
-            <a:avLst/>
-          </a:prstGeom>
-        </p:spPr>
-      </p:pic>
-    </p:spTree>
-    <p:extLst>
-      <p:ext uri="{BB962C8B-B14F-4D97-AF65-F5344CB8AC3E}">
-        <p14:creationId xmlns:p14="http://schemas.microsoft.com/office/powerpoint/2010/main" val="2519226103"/>
-      </p:ext>
-    </p:extLst>
-  </p:cSld>
-  <p:clrMapOvr>
-    <a:masterClrMapping/>
-  </p:clrMapOvr>
-  <p:timing>
-    <p:tnLst>
-      <p:par>
-        <p:cTn id="1" dur="indefinite" restart="never" nodeType="tmRoot"/>
-      </p:par>
-    </p:tnLst>
-  </p:timing>
-</p:sld>
-</file>
-
-<file path=ppt/slides/slide45.xml><?xml version="1.0" encoding="utf-8"?>
 <p:sld xmlns:a="http://schemas.openxmlformats.org/drawingml/2006/main" xmlns:r="http://schemas.openxmlformats.org/officeDocument/2006/relationships" xmlns:p="http://schemas.openxmlformats.org/presentationml/2006/main">
   <p:cSld>
     <p:bg>
@@ -17335,7 +16838,7 @@
           <a:lstStyle/>
           <a:p>
             <a:r>
-              <a:rPr lang="en-US" sz="1400" b="1" dirty="0" smtClean="0">
+              <a:rPr lang="en-US" sz="1400" b="1" dirty="0">
                 <a:solidFill>
                   <a:srgbClr val="0070C0"/>
                 </a:solidFill>
@@ -17344,13 +16847,6 @@
               </a:rPr>
               <a:t>Layout Builder</a:t>
             </a:r>
-            <a:endParaRPr lang="en-US" sz="1400" b="1" dirty="0">
-              <a:solidFill>
-                <a:srgbClr val="0070C0"/>
-              </a:solidFill>
-              <a:latin typeface="Roboto" panose="02000000000000000000" pitchFamily="2" charset="0"/>
-              <a:ea typeface="Roboto" panose="02000000000000000000" pitchFamily="2" charset="0"/>
-            </a:endParaRPr>
           </a:p>
         </p:txBody>
       </p:sp>
@@ -17386,7 +16882,6 @@
               <a:rPr lang="en-US" sz="1200" dirty="0"/>
               <a:t>Builds a widget tree that can depend on the parent widget's size</a:t>
             </a:r>
-            <a:endParaRPr lang="en-US" sz="1200" dirty="0" smtClean="0"/>
           </a:p>
         </p:txBody>
       </p:sp>
@@ -17448,13 +16943,6 @@
   <p:clrMapOvr>
     <a:masterClrMapping/>
   </p:clrMapOvr>
-  <p:timing>
-    <p:tnLst>
-      <p:par>
-        <p:cTn id="1" dur="indefinite" restart="never" nodeType="tmRoot"/>
-      </p:par>
-    </p:tnLst>
-  </p:timing>
 </p:sld>
 </file>
 
@@ -17528,7 +17016,7 @@
           <p:cNvPr id="4" name="Picture 3">
             <a:extLst>
               <a:ext uri="{FF2B5EF4-FFF2-40B4-BE49-F238E27FC236}">
-                <a16:creationId xmlns:a16="http://schemas.microsoft.com/office/drawing/2014/main" xmlns="" id="{3A60D467-9335-D260-C03A-BE9A10801B85}"/>
+                <a16:creationId xmlns:a16="http://schemas.microsoft.com/office/drawing/2014/main" id="{3A60D467-9335-D260-C03A-BE9A10801B85}"/>
               </a:ext>
             </a:extLst>
           </p:cNvPr>
@@ -17558,7 +17046,7 @@
           <p:cNvPr id="7" name="Picture 6">
             <a:extLst>
               <a:ext uri="{FF2B5EF4-FFF2-40B4-BE49-F238E27FC236}">
-                <a16:creationId xmlns:a16="http://schemas.microsoft.com/office/drawing/2014/main" xmlns="" id="{67D9C20A-4DA7-2386-01C3-0BBABFBA31C4}"/>
+                <a16:creationId xmlns:a16="http://schemas.microsoft.com/office/drawing/2014/main" id="{67D9C20A-4DA7-2386-01C3-0BBABFBA31C4}"/>
               </a:ext>
             </a:extLst>
           </p:cNvPr>
@@ -17801,7 +17289,7 @@
           <p:cNvPr id="5" name="Picture 4">
             <a:extLst>
               <a:ext uri="{FF2B5EF4-FFF2-40B4-BE49-F238E27FC236}">
-                <a16:creationId xmlns:a16="http://schemas.microsoft.com/office/drawing/2014/main" xmlns="" id="{653C8343-D5F6-5904-F4D0-B742B97D78A8}"/>
+                <a16:creationId xmlns:a16="http://schemas.microsoft.com/office/drawing/2014/main" id="{653C8343-D5F6-5904-F4D0-B742B97D78A8}"/>
               </a:ext>
             </a:extLst>
           </p:cNvPr>
@@ -17992,7 +17480,7 @@
           <p:cNvPr id="4" name="Picture 3">
             <a:extLst>
               <a:ext uri="{FF2B5EF4-FFF2-40B4-BE49-F238E27FC236}">
-                <a16:creationId xmlns:a16="http://schemas.microsoft.com/office/drawing/2014/main" xmlns="" id="{F717AD2B-8CBD-D15F-2B82-C04AB4107C06}"/>
+                <a16:creationId xmlns:a16="http://schemas.microsoft.com/office/drawing/2014/main" id="{F717AD2B-8CBD-D15F-2B82-C04AB4107C06}"/>
               </a:ext>
             </a:extLst>
           </p:cNvPr>
@@ -18022,7 +17510,7 @@
           <p:cNvPr id="7" name="TextBox 6">
             <a:extLst>
               <a:ext uri="{FF2B5EF4-FFF2-40B4-BE49-F238E27FC236}">
-                <a16:creationId xmlns:a16="http://schemas.microsoft.com/office/drawing/2014/main" xmlns="" id="{D5175723-71CB-419F-22D4-E782F927EABB}"/>
+                <a16:creationId xmlns:a16="http://schemas.microsoft.com/office/drawing/2014/main" id="{D5175723-71CB-419F-22D4-E782F927EABB}"/>
               </a:ext>
             </a:extLst>
           </p:cNvPr>
@@ -18135,7 +17623,7 @@
           <p:cNvPr id="8" name="TextBox 7">
             <a:extLst>
               <a:ext uri="{FF2B5EF4-FFF2-40B4-BE49-F238E27FC236}">
-                <a16:creationId xmlns:a16="http://schemas.microsoft.com/office/drawing/2014/main" xmlns="" id="{4F22F4DE-524C-33BC-37B4-FD21A97F55E8}"/>
+                <a16:creationId xmlns:a16="http://schemas.microsoft.com/office/drawing/2014/main" id="{4F22F4DE-524C-33BC-37B4-FD21A97F55E8}"/>
               </a:ext>
             </a:extLst>
           </p:cNvPr>
@@ -19031,7 +18519,7 @@
           <p:cNvPr id="4" name="Picture 3">
             <a:extLst>
               <a:ext uri="{FF2B5EF4-FFF2-40B4-BE49-F238E27FC236}">
-                <a16:creationId xmlns:a16="http://schemas.microsoft.com/office/drawing/2014/main" xmlns="" id="{F717AD2B-8CBD-D15F-2B82-C04AB4107C06}"/>
+                <a16:creationId xmlns:a16="http://schemas.microsoft.com/office/drawing/2014/main" id="{F717AD2B-8CBD-D15F-2B82-C04AB4107C06}"/>
               </a:ext>
             </a:extLst>
           </p:cNvPr>
@@ -19061,7 +18549,7 @@
           <p:cNvPr id="7" name="TextBox 6">
             <a:extLst>
               <a:ext uri="{FF2B5EF4-FFF2-40B4-BE49-F238E27FC236}">
-                <a16:creationId xmlns:a16="http://schemas.microsoft.com/office/drawing/2014/main" xmlns="" id="{D5175723-71CB-419F-22D4-E782F927EABB}"/>
+                <a16:creationId xmlns:a16="http://schemas.microsoft.com/office/drawing/2014/main" id="{D5175723-71CB-419F-22D4-E782F927EABB}"/>
               </a:ext>
             </a:extLst>
           </p:cNvPr>
@@ -19751,7 +19239,7 @@
           <p:cNvPr id="4" name="Picture 3">
             <a:extLst>
               <a:ext uri="{FF2B5EF4-FFF2-40B4-BE49-F238E27FC236}">
-                <a16:creationId xmlns:a16="http://schemas.microsoft.com/office/drawing/2014/main" xmlns="" id="{F717AD2B-8CBD-D15F-2B82-C04AB4107C06}"/>
+                <a16:creationId xmlns:a16="http://schemas.microsoft.com/office/drawing/2014/main" id="{F717AD2B-8CBD-D15F-2B82-C04AB4107C06}"/>
               </a:ext>
             </a:extLst>
           </p:cNvPr>
@@ -19781,7 +19269,7 @@
           <p:cNvPr id="7" name="TextBox 6">
             <a:extLst>
               <a:ext uri="{FF2B5EF4-FFF2-40B4-BE49-F238E27FC236}">
-                <a16:creationId xmlns:a16="http://schemas.microsoft.com/office/drawing/2014/main" xmlns="" id="{D5175723-71CB-419F-22D4-E782F927EABB}"/>
+                <a16:creationId xmlns:a16="http://schemas.microsoft.com/office/drawing/2014/main" id="{D5175723-71CB-419F-22D4-E782F927EABB}"/>
               </a:ext>
             </a:extLst>
           </p:cNvPr>

--- a/Flutter/PPT/Slide.pptx
+++ b/Flutter/PPT/Slide.pptx
@@ -5,7 +5,7 @@
     <p:sldMasterId id="2147483648" r:id="rId1"/>
   </p:sldMasterIdLst>
   <p:notesMasterIdLst>
-    <p:notesMasterId r:id="rId46"/>
+    <p:notesMasterId r:id="rId50"/>
   </p:notesMasterIdLst>
   <p:sldIdLst>
     <p:sldId id="256" r:id="rId2"/>
@@ -52,6 +52,10 @@
     <p:sldId id="312" r:id="rId43"/>
     <p:sldId id="313" r:id="rId44"/>
     <p:sldId id="315" r:id="rId45"/>
+    <p:sldId id="316" r:id="rId46"/>
+    <p:sldId id="317" r:id="rId47"/>
+    <p:sldId id="318" r:id="rId48"/>
+    <p:sldId id="319" r:id="rId49"/>
   </p:sldIdLst>
   <p:sldSz cx="9144000" cy="5143500" type="screen16x9"/>
   <p:notesSz cx="6858000" cy="9144000"/>
@@ -251,7 +255,7 @@
           <a:p>
             <a:fld id="{38EBF754-CDC4-4762-B81C-FDFA88BC1D35}" type="datetimeFigureOut">
               <a:rPr lang="en-US" smtClean="0"/>
-              <a:t>Fri</a:t>
+              <a:t>Sat</a:t>
             </a:fld>
             <a:endParaRPr lang="en-US"/>
           </a:p>
@@ -1358,6 +1362,90 @@
 </p:notes>
 </file>
 
+<file path=ppt/notesSlides/notesSlide19.xml><?xml version="1.0" encoding="utf-8"?>
+<p:notes xmlns:a="http://schemas.openxmlformats.org/drawingml/2006/main" xmlns:r="http://schemas.openxmlformats.org/officeDocument/2006/relationships" xmlns:p="http://schemas.openxmlformats.org/presentationml/2006/main">
+  <p:cSld>
+    <p:spTree>
+      <p:nvGrpSpPr>
+        <p:cNvPr id="1" name=""/>
+        <p:cNvGrpSpPr/>
+        <p:nvPr/>
+      </p:nvGrpSpPr>
+      <p:grpSpPr>
+        <a:xfrm>
+          <a:off x="0" y="0"/>
+          <a:ext cx="0" cy="0"/>
+          <a:chOff x="0" y="0"/>
+          <a:chExt cx="0" cy="0"/>
+        </a:xfrm>
+      </p:grpSpPr>
+      <p:sp>
+        <p:nvSpPr>
+          <p:cNvPr id="2" name="Slide Image Placeholder 1"/>
+          <p:cNvSpPr>
+            <a:spLocks noGrp="1" noRot="1" noChangeAspect="1"/>
+          </p:cNvSpPr>
+          <p:nvPr>
+            <p:ph type="sldImg"/>
+          </p:nvPr>
+        </p:nvSpPr>
+        <p:spPr/>
+      </p:sp>
+      <p:sp>
+        <p:nvSpPr>
+          <p:cNvPr id="3" name="Notes Placeholder 2"/>
+          <p:cNvSpPr>
+            <a:spLocks noGrp="1"/>
+          </p:cNvSpPr>
+          <p:nvPr>
+            <p:ph type="body" idx="1"/>
+          </p:nvPr>
+        </p:nvSpPr>
+        <p:spPr/>
+        <p:txBody>
+          <a:bodyPr/>
+          <a:lstStyle/>
+          <a:p>
+            <a:endParaRPr lang="en-US" dirty="0"/>
+          </a:p>
+        </p:txBody>
+      </p:sp>
+      <p:sp>
+        <p:nvSpPr>
+          <p:cNvPr id="4" name="Slide Number Placeholder 3"/>
+          <p:cNvSpPr>
+            <a:spLocks noGrp="1"/>
+          </p:cNvSpPr>
+          <p:nvPr>
+            <p:ph type="sldNum" sz="quarter" idx="5"/>
+          </p:nvPr>
+        </p:nvSpPr>
+        <p:spPr/>
+        <p:txBody>
+          <a:bodyPr/>
+          <a:lstStyle/>
+          <a:p>
+            <a:fld id="{B3A417B2-A29D-48B9-A4A7-A6FB997901AB}" type="slidenum">
+              <a:rPr lang="en-US" smtClean="0"/>
+              <a:t>45</a:t>
+            </a:fld>
+            <a:endParaRPr lang="en-US"/>
+          </a:p>
+        </p:txBody>
+      </p:sp>
+    </p:spTree>
+    <p:extLst>
+      <p:ext uri="{BB962C8B-B14F-4D97-AF65-F5344CB8AC3E}">
+        <p14:creationId xmlns:p14="http://schemas.microsoft.com/office/powerpoint/2010/main" val="1430755443"/>
+      </p:ext>
+    </p:extLst>
+  </p:cSld>
+  <p:clrMapOvr>
+    <a:masterClrMapping/>
+  </p:clrMapOvr>
+</p:notes>
+</file>
+
 <file path=ppt/notesSlides/notesSlide2.xml><?xml version="1.0" encoding="utf-8"?>
 <p:notes xmlns:a="http://schemas.openxmlformats.org/drawingml/2006/main" xmlns:r="http://schemas.openxmlformats.org/officeDocument/2006/relationships" xmlns:p="http://schemas.openxmlformats.org/presentationml/2006/main">
   <p:cSld>
@@ -1433,6 +1521,258 @@
     <p:extLst>
       <p:ext uri="{BB962C8B-B14F-4D97-AF65-F5344CB8AC3E}">
         <p14:creationId xmlns:p14="http://schemas.microsoft.com/office/powerpoint/2010/main" val="2287110778"/>
+      </p:ext>
+    </p:extLst>
+  </p:cSld>
+  <p:clrMapOvr>
+    <a:masterClrMapping/>
+  </p:clrMapOvr>
+</p:notes>
+</file>
+
+<file path=ppt/notesSlides/notesSlide20.xml><?xml version="1.0" encoding="utf-8"?>
+<p:notes xmlns:a="http://schemas.openxmlformats.org/drawingml/2006/main" xmlns:r="http://schemas.openxmlformats.org/officeDocument/2006/relationships" xmlns:p="http://schemas.openxmlformats.org/presentationml/2006/main">
+  <p:cSld>
+    <p:spTree>
+      <p:nvGrpSpPr>
+        <p:cNvPr id="1" name=""/>
+        <p:cNvGrpSpPr/>
+        <p:nvPr/>
+      </p:nvGrpSpPr>
+      <p:grpSpPr>
+        <a:xfrm>
+          <a:off x="0" y="0"/>
+          <a:ext cx="0" cy="0"/>
+          <a:chOff x="0" y="0"/>
+          <a:chExt cx="0" cy="0"/>
+        </a:xfrm>
+      </p:grpSpPr>
+      <p:sp>
+        <p:nvSpPr>
+          <p:cNvPr id="2" name="Slide Image Placeholder 1"/>
+          <p:cNvSpPr>
+            <a:spLocks noGrp="1" noRot="1" noChangeAspect="1"/>
+          </p:cNvSpPr>
+          <p:nvPr>
+            <p:ph type="sldImg"/>
+          </p:nvPr>
+        </p:nvSpPr>
+        <p:spPr/>
+      </p:sp>
+      <p:sp>
+        <p:nvSpPr>
+          <p:cNvPr id="3" name="Notes Placeholder 2"/>
+          <p:cNvSpPr>
+            <a:spLocks noGrp="1"/>
+          </p:cNvSpPr>
+          <p:nvPr>
+            <p:ph type="body" idx="1"/>
+          </p:nvPr>
+        </p:nvSpPr>
+        <p:spPr/>
+        <p:txBody>
+          <a:bodyPr/>
+          <a:lstStyle/>
+          <a:p>
+            <a:endParaRPr lang="en-US" dirty="0"/>
+          </a:p>
+        </p:txBody>
+      </p:sp>
+      <p:sp>
+        <p:nvSpPr>
+          <p:cNvPr id="4" name="Slide Number Placeholder 3"/>
+          <p:cNvSpPr>
+            <a:spLocks noGrp="1"/>
+          </p:cNvSpPr>
+          <p:nvPr>
+            <p:ph type="sldNum" sz="quarter" idx="5"/>
+          </p:nvPr>
+        </p:nvSpPr>
+        <p:spPr/>
+        <p:txBody>
+          <a:bodyPr/>
+          <a:lstStyle/>
+          <a:p>
+            <a:fld id="{B3A417B2-A29D-48B9-A4A7-A6FB997901AB}" type="slidenum">
+              <a:rPr lang="en-US" smtClean="0"/>
+              <a:t>46</a:t>
+            </a:fld>
+            <a:endParaRPr lang="en-US"/>
+          </a:p>
+        </p:txBody>
+      </p:sp>
+    </p:spTree>
+    <p:extLst>
+      <p:ext uri="{BB962C8B-B14F-4D97-AF65-F5344CB8AC3E}">
+        <p14:creationId xmlns:p14="http://schemas.microsoft.com/office/powerpoint/2010/main" val="3286891564"/>
+      </p:ext>
+    </p:extLst>
+  </p:cSld>
+  <p:clrMapOvr>
+    <a:masterClrMapping/>
+  </p:clrMapOvr>
+</p:notes>
+</file>
+
+<file path=ppt/notesSlides/notesSlide21.xml><?xml version="1.0" encoding="utf-8"?>
+<p:notes xmlns:a="http://schemas.openxmlformats.org/drawingml/2006/main" xmlns:r="http://schemas.openxmlformats.org/officeDocument/2006/relationships" xmlns:p="http://schemas.openxmlformats.org/presentationml/2006/main">
+  <p:cSld>
+    <p:spTree>
+      <p:nvGrpSpPr>
+        <p:cNvPr id="1" name=""/>
+        <p:cNvGrpSpPr/>
+        <p:nvPr/>
+      </p:nvGrpSpPr>
+      <p:grpSpPr>
+        <a:xfrm>
+          <a:off x="0" y="0"/>
+          <a:ext cx="0" cy="0"/>
+          <a:chOff x="0" y="0"/>
+          <a:chExt cx="0" cy="0"/>
+        </a:xfrm>
+      </p:grpSpPr>
+      <p:sp>
+        <p:nvSpPr>
+          <p:cNvPr id="2" name="Slide Image Placeholder 1"/>
+          <p:cNvSpPr>
+            <a:spLocks noGrp="1" noRot="1" noChangeAspect="1"/>
+          </p:cNvSpPr>
+          <p:nvPr>
+            <p:ph type="sldImg"/>
+          </p:nvPr>
+        </p:nvSpPr>
+        <p:spPr/>
+      </p:sp>
+      <p:sp>
+        <p:nvSpPr>
+          <p:cNvPr id="3" name="Notes Placeholder 2"/>
+          <p:cNvSpPr>
+            <a:spLocks noGrp="1"/>
+          </p:cNvSpPr>
+          <p:nvPr>
+            <p:ph type="body" idx="1"/>
+          </p:nvPr>
+        </p:nvSpPr>
+        <p:spPr/>
+        <p:txBody>
+          <a:bodyPr/>
+          <a:lstStyle/>
+          <a:p>
+            <a:endParaRPr lang="en-US" dirty="0"/>
+          </a:p>
+        </p:txBody>
+      </p:sp>
+      <p:sp>
+        <p:nvSpPr>
+          <p:cNvPr id="4" name="Slide Number Placeholder 3"/>
+          <p:cNvSpPr>
+            <a:spLocks noGrp="1"/>
+          </p:cNvSpPr>
+          <p:nvPr>
+            <p:ph type="sldNum" sz="quarter" idx="5"/>
+          </p:nvPr>
+        </p:nvSpPr>
+        <p:spPr/>
+        <p:txBody>
+          <a:bodyPr/>
+          <a:lstStyle/>
+          <a:p>
+            <a:fld id="{B3A417B2-A29D-48B9-A4A7-A6FB997901AB}" type="slidenum">
+              <a:rPr lang="en-US" smtClean="0"/>
+              <a:t>47</a:t>
+            </a:fld>
+            <a:endParaRPr lang="en-US"/>
+          </a:p>
+        </p:txBody>
+      </p:sp>
+    </p:spTree>
+    <p:extLst>
+      <p:ext uri="{BB962C8B-B14F-4D97-AF65-F5344CB8AC3E}">
+        <p14:creationId xmlns:p14="http://schemas.microsoft.com/office/powerpoint/2010/main" val="4287427018"/>
+      </p:ext>
+    </p:extLst>
+  </p:cSld>
+  <p:clrMapOvr>
+    <a:masterClrMapping/>
+  </p:clrMapOvr>
+</p:notes>
+</file>
+
+<file path=ppt/notesSlides/notesSlide22.xml><?xml version="1.0" encoding="utf-8"?>
+<p:notes xmlns:a="http://schemas.openxmlformats.org/drawingml/2006/main" xmlns:r="http://schemas.openxmlformats.org/officeDocument/2006/relationships" xmlns:p="http://schemas.openxmlformats.org/presentationml/2006/main">
+  <p:cSld>
+    <p:spTree>
+      <p:nvGrpSpPr>
+        <p:cNvPr id="1" name=""/>
+        <p:cNvGrpSpPr/>
+        <p:nvPr/>
+      </p:nvGrpSpPr>
+      <p:grpSpPr>
+        <a:xfrm>
+          <a:off x="0" y="0"/>
+          <a:ext cx="0" cy="0"/>
+          <a:chOff x="0" y="0"/>
+          <a:chExt cx="0" cy="0"/>
+        </a:xfrm>
+      </p:grpSpPr>
+      <p:sp>
+        <p:nvSpPr>
+          <p:cNvPr id="2" name="Slide Image Placeholder 1"/>
+          <p:cNvSpPr>
+            <a:spLocks noGrp="1" noRot="1" noChangeAspect="1"/>
+          </p:cNvSpPr>
+          <p:nvPr>
+            <p:ph type="sldImg"/>
+          </p:nvPr>
+        </p:nvSpPr>
+        <p:spPr/>
+      </p:sp>
+      <p:sp>
+        <p:nvSpPr>
+          <p:cNvPr id="3" name="Notes Placeholder 2"/>
+          <p:cNvSpPr>
+            <a:spLocks noGrp="1"/>
+          </p:cNvSpPr>
+          <p:nvPr>
+            <p:ph type="body" idx="1"/>
+          </p:nvPr>
+        </p:nvSpPr>
+        <p:spPr/>
+        <p:txBody>
+          <a:bodyPr/>
+          <a:lstStyle/>
+          <a:p>
+            <a:endParaRPr lang="en-US" dirty="0"/>
+          </a:p>
+        </p:txBody>
+      </p:sp>
+      <p:sp>
+        <p:nvSpPr>
+          <p:cNvPr id="4" name="Slide Number Placeholder 3"/>
+          <p:cNvSpPr>
+            <a:spLocks noGrp="1"/>
+          </p:cNvSpPr>
+          <p:nvPr>
+            <p:ph type="sldNum" sz="quarter" idx="5"/>
+          </p:nvPr>
+        </p:nvSpPr>
+        <p:spPr/>
+        <p:txBody>
+          <a:bodyPr/>
+          <a:lstStyle/>
+          <a:p>
+            <a:fld id="{B3A417B2-A29D-48B9-A4A7-A6FB997901AB}" type="slidenum">
+              <a:rPr lang="en-US" smtClean="0"/>
+              <a:t>48</a:t>
+            </a:fld>
+            <a:endParaRPr lang="en-US"/>
+          </a:p>
+        </p:txBody>
+      </p:sp>
+    </p:spTree>
+    <p:extLst>
+      <p:ext uri="{BB962C8B-B14F-4D97-AF65-F5344CB8AC3E}">
+        <p14:creationId xmlns:p14="http://schemas.microsoft.com/office/powerpoint/2010/main" val="3822915401"/>
       </p:ext>
     </p:extLst>
   </p:cSld>
@@ -2210,7 +2550,7 @@
             <a:fld id="{1D8BD707-D9CF-40AE-B4C6-C98DA3205C09}" type="datetimeFigureOut">
               <a:rPr lang="en-US" smtClean="0"/>
               <a:pPr/>
-              <a:t>Fri</a:t>
+              <a:t>Sat</a:t>
             </a:fld>
             <a:endParaRPr lang="en-US"/>
           </a:p>
@@ -2375,7 +2715,7 @@
             <a:fld id="{1D8BD707-D9CF-40AE-B4C6-C98DA3205C09}" type="datetimeFigureOut">
               <a:rPr lang="en-US" smtClean="0"/>
               <a:pPr/>
-              <a:t>Fri</a:t>
+              <a:t>Sat</a:t>
             </a:fld>
             <a:endParaRPr lang="en-US"/>
           </a:p>
@@ -2550,7 +2890,7 @@
             <a:fld id="{1D8BD707-D9CF-40AE-B4C6-C98DA3205C09}" type="datetimeFigureOut">
               <a:rPr lang="en-US" smtClean="0"/>
               <a:pPr/>
-              <a:t>Fri</a:t>
+              <a:t>Sat</a:t>
             </a:fld>
             <a:endParaRPr lang="en-US"/>
           </a:p>
@@ -2715,7 +3055,7 @@
             <a:fld id="{1D8BD707-D9CF-40AE-B4C6-C98DA3205C09}" type="datetimeFigureOut">
               <a:rPr lang="en-US" smtClean="0"/>
               <a:pPr/>
-              <a:t>Fri</a:t>
+              <a:t>Sat</a:t>
             </a:fld>
             <a:endParaRPr lang="en-US"/>
           </a:p>
@@ -2957,7 +3297,7 @@
             <a:fld id="{1D8BD707-D9CF-40AE-B4C6-C98DA3205C09}" type="datetimeFigureOut">
               <a:rPr lang="en-US" smtClean="0"/>
               <a:pPr/>
-              <a:t>Fri</a:t>
+              <a:t>Sat</a:t>
             </a:fld>
             <a:endParaRPr lang="en-US"/>
           </a:p>
@@ -3239,7 +3579,7 @@
             <a:fld id="{1D8BD707-D9CF-40AE-B4C6-C98DA3205C09}" type="datetimeFigureOut">
               <a:rPr lang="en-US" smtClean="0"/>
               <a:pPr/>
-              <a:t>Fri</a:t>
+              <a:t>Sat</a:t>
             </a:fld>
             <a:endParaRPr lang="en-US"/>
           </a:p>
@@ -3655,7 +3995,7 @@
             <a:fld id="{1D8BD707-D9CF-40AE-B4C6-C98DA3205C09}" type="datetimeFigureOut">
               <a:rPr lang="en-US" smtClean="0"/>
               <a:pPr/>
-              <a:t>Fri</a:t>
+              <a:t>Sat</a:t>
             </a:fld>
             <a:endParaRPr lang="en-US"/>
           </a:p>
@@ -3769,7 +4109,7 @@
             <a:fld id="{1D8BD707-D9CF-40AE-B4C6-C98DA3205C09}" type="datetimeFigureOut">
               <a:rPr lang="en-US" smtClean="0"/>
               <a:pPr/>
-              <a:t>Fri</a:t>
+              <a:t>Sat</a:t>
             </a:fld>
             <a:endParaRPr lang="en-US"/>
           </a:p>
@@ -3861,7 +4201,7 @@
             <a:fld id="{1D8BD707-D9CF-40AE-B4C6-C98DA3205C09}" type="datetimeFigureOut">
               <a:rPr lang="en-US" smtClean="0"/>
               <a:pPr/>
-              <a:t>Fri</a:t>
+              <a:t>Sat</a:t>
             </a:fld>
             <a:endParaRPr lang="en-US"/>
           </a:p>
@@ -4133,7 +4473,7 @@
             <a:fld id="{1D8BD707-D9CF-40AE-B4C6-C98DA3205C09}" type="datetimeFigureOut">
               <a:rPr lang="en-US" smtClean="0"/>
               <a:pPr/>
-              <a:t>Fri</a:t>
+              <a:t>Sat</a:t>
             </a:fld>
             <a:endParaRPr lang="en-US"/>
           </a:p>
@@ -4382,7 +4722,7 @@
             <a:fld id="{1D8BD707-D9CF-40AE-B4C6-C98DA3205C09}" type="datetimeFigureOut">
               <a:rPr lang="en-US" smtClean="0"/>
               <a:pPr/>
-              <a:t>Fri</a:t>
+              <a:t>Sat</a:t>
             </a:fld>
             <a:endParaRPr lang="en-US"/>
           </a:p>
@@ -4599,7 +4939,7 @@
             <a:fld id="{1D8BD707-D9CF-40AE-B4C6-C98DA3205C09}" type="datetimeFigureOut">
               <a:rPr lang="en-US" smtClean="0"/>
               <a:pPr/>
-              <a:t>Fri</a:t>
+              <a:t>Sat</a:t>
             </a:fld>
             <a:endParaRPr lang="en-US"/>
           </a:p>
@@ -15459,7 +15799,7 @@
               <a:buChar char="•"/>
             </a:pPr>
             <a:r>
-              <a:rPr lang="en-US" sz="1200" dirty="0">
+              <a:rPr lang="en-US" sz="1200" b="1" dirty="0">
                 <a:latin typeface="Roboto" panose="02000000000000000000" pitchFamily="2" charset="0"/>
                 <a:ea typeface="Roboto" panose="02000000000000000000" pitchFamily="2" charset="0"/>
               </a:rPr>
@@ -15475,7 +15815,7 @@
               <a:buChar char="•"/>
             </a:pPr>
             <a:r>
-              <a:rPr lang="en-US" sz="1200" dirty="0">
+              <a:rPr lang="en-US" sz="1200" b="1" dirty="0">
                 <a:latin typeface="Roboto" panose="02000000000000000000" pitchFamily="2" charset="0"/>
                 <a:ea typeface="Roboto" panose="02000000000000000000" pitchFamily="2" charset="0"/>
               </a:rPr>
@@ -15491,11 +15831,18 @@
               <a:buChar char="•"/>
             </a:pPr>
             <a:r>
+              <a:rPr lang="en-US" sz="1200" b="1" dirty="0">
+                <a:latin typeface="Roboto" panose="02000000000000000000" pitchFamily="2" charset="0"/>
+                <a:ea typeface="Roboto" panose="02000000000000000000" pitchFamily="2" charset="0"/>
+              </a:rPr>
+              <a:t>Expanded</a:t>
+            </a:r>
+            <a:r>
               <a:rPr lang="en-US" sz="1200" dirty="0">
                 <a:latin typeface="Roboto" panose="02000000000000000000" pitchFamily="2" charset="0"/>
                 <a:ea typeface="Roboto" panose="02000000000000000000" pitchFamily="2" charset="0"/>
               </a:rPr>
-              <a:t>Expanded </a:t>
+              <a:t> </a:t>
             </a:r>
           </a:p>
           <a:p>
@@ -15507,7 +15854,7 @@
               <a:buChar char="•"/>
             </a:pPr>
             <a:r>
-              <a:rPr lang="en-US" sz="1200" dirty="0">
+              <a:rPr lang="en-US" sz="1200" b="1" dirty="0">
                 <a:latin typeface="Roboto" panose="02000000000000000000" pitchFamily="2" charset="0"/>
                 <a:ea typeface="Roboto" panose="02000000000000000000" pitchFamily="2" charset="0"/>
               </a:rPr>
@@ -15523,7 +15870,7 @@
               <a:buChar char="•"/>
             </a:pPr>
             <a:r>
-              <a:rPr lang="en-US" sz="1200" dirty="0">
+              <a:rPr lang="en-US" sz="1200" b="1" dirty="0">
                 <a:latin typeface="Roboto" panose="02000000000000000000" pitchFamily="2" charset="0"/>
                 <a:ea typeface="Roboto" panose="02000000000000000000" pitchFamily="2" charset="0"/>
               </a:rPr>
@@ -15539,7 +15886,7 @@
               <a:buChar char="•"/>
             </a:pPr>
             <a:r>
-              <a:rPr lang="en-US" sz="1200" dirty="0">
+              <a:rPr lang="en-US" sz="1200" b="1" dirty="0">
                 <a:latin typeface="Roboto" panose="02000000000000000000" pitchFamily="2" charset="0"/>
                 <a:ea typeface="Roboto" panose="02000000000000000000" pitchFamily="2" charset="0"/>
               </a:rPr>
@@ -15571,7 +15918,7 @@
               <a:buChar char="•"/>
             </a:pPr>
             <a:r>
-              <a:rPr lang="en-US" sz="1200" dirty="0">
+              <a:rPr lang="en-US" sz="1200" b="1" dirty="0">
                 <a:latin typeface="Roboto" panose="02000000000000000000" pitchFamily="2" charset="0"/>
                 <a:ea typeface="Roboto" panose="02000000000000000000" pitchFamily="2" charset="0"/>
               </a:rPr>
@@ -15603,7 +15950,7 @@
               <a:buChar char="•"/>
             </a:pPr>
             <a:r>
-              <a:rPr lang="en-US" sz="1200" dirty="0">
+              <a:rPr lang="en-US" sz="1200" b="1" dirty="0">
                 <a:latin typeface="Roboto" panose="02000000000000000000" pitchFamily="2" charset="0"/>
                 <a:ea typeface="Roboto" panose="02000000000000000000" pitchFamily="2" charset="0"/>
               </a:rPr>
@@ -16937,6 +17284,534 @@
     <p:extLst>
       <p:ext uri="{BB962C8B-B14F-4D97-AF65-F5344CB8AC3E}">
         <p14:creationId xmlns:p14="http://schemas.microsoft.com/office/powerpoint/2010/main" val="1883880183"/>
+      </p:ext>
+    </p:extLst>
+  </p:cSld>
+  <p:clrMapOvr>
+    <a:masterClrMapping/>
+  </p:clrMapOvr>
+</p:sld>
+</file>
+
+<file path=ppt/slides/slide45.xml><?xml version="1.0" encoding="utf-8"?>
+<p:sld xmlns:a="http://schemas.openxmlformats.org/drawingml/2006/main" xmlns:r="http://schemas.openxmlformats.org/officeDocument/2006/relationships" xmlns:p="http://schemas.openxmlformats.org/presentationml/2006/main">
+  <p:cSld>
+    <p:bg>
+      <p:bgPr>
+        <a:blipFill dpi="0" rotWithShape="1">
+          <a:blip r:embed="rId3">
+            <a:lum/>
+          </a:blip>
+          <a:srcRect/>
+          <a:stretch>
+            <a:fillRect l="-1000" r="-1000"/>
+          </a:stretch>
+        </a:blipFill>
+        <a:effectLst/>
+      </p:bgPr>
+    </p:bg>
+    <p:spTree>
+      <p:nvGrpSpPr>
+        <p:cNvPr id="1" name=""/>
+        <p:cNvGrpSpPr/>
+        <p:nvPr/>
+      </p:nvGrpSpPr>
+      <p:grpSpPr>
+        <a:xfrm>
+          <a:off x="0" y="0"/>
+          <a:ext cx="0" cy="0"/>
+          <a:chOff x="0" y="0"/>
+          <a:chExt cx="0" cy="0"/>
+        </a:xfrm>
+      </p:grpSpPr>
+      <p:sp>
+        <p:nvSpPr>
+          <p:cNvPr id="3" name="Rectangle 2"/>
+          <p:cNvSpPr/>
+          <p:nvPr/>
+        </p:nvSpPr>
+        <p:spPr>
+          <a:xfrm>
+            <a:off x="685800" y="133350"/>
+            <a:ext cx="1090363" cy="307777"/>
+          </a:xfrm>
+          <a:prstGeom prst="rect">
+            <a:avLst/>
+          </a:prstGeom>
+        </p:spPr>
+        <p:txBody>
+          <a:bodyPr wrap="none">
+            <a:spAutoFit/>
+          </a:bodyPr>
+          <a:lstStyle/>
+          <a:p>
+            <a:r>
+              <a:rPr lang="en-US" sz="1400" b="1" dirty="0">
+                <a:solidFill>
+                  <a:srgbClr val="0070C0"/>
+                </a:solidFill>
+                <a:latin typeface="Roboto" panose="02000000000000000000" pitchFamily="2" charset="0"/>
+                <a:ea typeface="Roboto" panose="02000000000000000000" pitchFamily="2" charset="0"/>
+              </a:rPr>
+              <a:t>Scroll View</a:t>
+            </a:r>
+          </a:p>
+        </p:txBody>
+      </p:sp>
+      <p:pic>
+        <p:nvPicPr>
+          <p:cNvPr id="5" name="Picture 4">
+            <a:extLst>
+              <a:ext uri="{FF2B5EF4-FFF2-40B4-BE49-F238E27FC236}">
+                <a16:creationId xmlns:a16="http://schemas.microsoft.com/office/drawing/2014/main" id="{1AF394B3-AE3D-92C4-4F49-6938ECF5C951}"/>
+              </a:ext>
+            </a:extLst>
+          </p:cNvPr>
+          <p:cNvPicPr>
+            <a:picLocks noChangeAspect="1"/>
+          </p:cNvPicPr>
+          <p:nvPr/>
+        </p:nvPicPr>
+        <p:blipFill>
+          <a:blip r:embed="rId4">
+            <a:extLst>
+              <a:ext uri="{28A0092B-C50C-407E-A947-70E740481C1C}">
+                <a14:useLocalDpi xmlns:a14="http://schemas.microsoft.com/office/drawing/2010/main" val="0"/>
+              </a:ext>
+            </a:extLst>
+          </a:blip>
+          <a:stretch>
+            <a:fillRect/>
+          </a:stretch>
+        </p:blipFill>
+        <p:spPr>
+          <a:xfrm>
+            <a:off x="228600" y="683419"/>
+            <a:ext cx="3791223" cy="4098131"/>
+          </a:xfrm>
+          <a:prstGeom prst="rect">
+            <a:avLst/>
+          </a:prstGeom>
+        </p:spPr>
+      </p:pic>
+    </p:spTree>
+    <p:extLst>
+      <p:ext uri="{BB962C8B-B14F-4D97-AF65-F5344CB8AC3E}">
+        <p14:creationId xmlns:p14="http://schemas.microsoft.com/office/powerpoint/2010/main" val="162355129"/>
+      </p:ext>
+    </p:extLst>
+  </p:cSld>
+  <p:clrMapOvr>
+    <a:masterClrMapping/>
+  </p:clrMapOvr>
+</p:sld>
+</file>
+
+<file path=ppt/slides/slide46.xml><?xml version="1.0" encoding="utf-8"?>
+<p:sld xmlns:a="http://schemas.openxmlformats.org/drawingml/2006/main" xmlns:r="http://schemas.openxmlformats.org/officeDocument/2006/relationships" xmlns:p="http://schemas.openxmlformats.org/presentationml/2006/main">
+  <p:cSld>
+    <p:bg>
+      <p:bgPr>
+        <a:blipFill dpi="0" rotWithShape="1">
+          <a:blip r:embed="rId3">
+            <a:lum/>
+          </a:blip>
+          <a:srcRect/>
+          <a:stretch>
+            <a:fillRect l="-1000" r="-1000"/>
+          </a:stretch>
+        </a:blipFill>
+        <a:effectLst/>
+      </p:bgPr>
+    </p:bg>
+    <p:spTree>
+      <p:nvGrpSpPr>
+        <p:cNvPr id="1" name=""/>
+        <p:cNvGrpSpPr/>
+        <p:nvPr/>
+      </p:nvGrpSpPr>
+      <p:grpSpPr>
+        <a:xfrm>
+          <a:off x="0" y="0"/>
+          <a:ext cx="0" cy="0"/>
+          <a:chOff x="0" y="0"/>
+          <a:chExt cx="0" cy="0"/>
+        </a:xfrm>
+      </p:grpSpPr>
+      <p:sp>
+        <p:nvSpPr>
+          <p:cNvPr id="3" name="Rectangle 2"/>
+          <p:cNvSpPr/>
+          <p:nvPr/>
+        </p:nvSpPr>
+        <p:spPr>
+          <a:xfrm>
+            <a:off x="685800" y="133350"/>
+            <a:ext cx="1903085" cy="307777"/>
+          </a:xfrm>
+          <a:prstGeom prst="rect">
+            <a:avLst/>
+          </a:prstGeom>
+        </p:spPr>
+        <p:txBody>
+          <a:bodyPr wrap="none">
+            <a:spAutoFit/>
+          </a:bodyPr>
+          <a:lstStyle/>
+          <a:p>
+            <a:r>
+              <a:rPr lang="en-US" sz="1400" b="1" dirty="0">
+                <a:solidFill>
+                  <a:srgbClr val="0070C0"/>
+                </a:solidFill>
+                <a:latin typeface="Roboto" panose="02000000000000000000" pitchFamily="2" charset="0"/>
+                <a:ea typeface="Roboto" panose="02000000000000000000" pitchFamily="2" charset="0"/>
+              </a:rPr>
+              <a:t>Expanded &amp; Flexible  </a:t>
+            </a:r>
+          </a:p>
+        </p:txBody>
+      </p:sp>
+      <p:pic>
+        <p:nvPicPr>
+          <p:cNvPr id="4" name="Picture 3">
+            <a:extLst>
+              <a:ext uri="{FF2B5EF4-FFF2-40B4-BE49-F238E27FC236}">
+                <a16:creationId xmlns:a16="http://schemas.microsoft.com/office/drawing/2014/main" id="{5FB41018-5DE1-556E-C57C-E2FB4C283DFC}"/>
+              </a:ext>
+            </a:extLst>
+          </p:cNvPr>
+          <p:cNvPicPr>
+            <a:picLocks noChangeAspect="1"/>
+          </p:cNvPicPr>
+          <p:nvPr/>
+        </p:nvPicPr>
+        <p:blipFill>
+          <a:blip r:embed="rId4">
+            <a:extLst>
+              <a:ext uri="{28A0092B-C50C-407E-A947-70E740481C1C}">
+                <a14:useLocalDpi xmlns:a14="http://schemas.microsoft.com/office/drawing/2010/main" val="0"/>
+              </a:ext>
+            </a:extLst>
+          </a:blip>
+          <a:stretch>
+            <a:fillRect/>
+          </a:stretch>
+        </p:blipFill>
+        <p:spPr>
+          <a:xfrm>
+            <a:off x="3962400" y="721519"/>
+            <a:ext cx="2199312" cy="3914775"/>
+          </a:xfrm>
+          <a:prstGeom prst="rect">
+            <a:avLst/>
+          </a:prstGeom>
+        </p:spPr>
+      </p:pic>
+      <p:pic>
+        <p:nvPicPr>
+          <p:cNvPr id="7" name="Picture 6">
+            <a:extLst>
+              <a:ext uri="{FF2B5EF4-FFF2-40B4-BE49-F238E27FC236}">
+                <a16:creationId xmlns:a16="http://schemas.microsoft.com/office/drawing/2014/main" id="{32B8EF49-736C-11D1-217C-2488A5D34A07}"/>
+              </a:ext>
+            </a:extLst>
+          </p:cNvPr>
+          <p:cNvPicPr>
+            <a:picLocks noChangeAspect="1"/>
+          </p:cNvPicPr>
+          <p:nvPr/>
+        </p:nvPicPr>
+        <p:blipFill>
+          <a:blip r:embed="rId5">
+            <a:extLst>
+              <a:ext uri="{28A0092B-C50C-407E-A947-70E740481C1C}">
+                <a14:useLocalDpi xmlns:a14="http://schemas.microsoft.com/office/drawing/2010/main" val="0"/>
+              </a:ext>
+            </a:extLst>
+          </a:blip>
+          <a:stretch>
+            <a:fillRect/>
+          </a:stretch>
+        </p:blipFill>
+        <p:spPr>
+          <a:xfrm>
+            <a:off x="6396413" y="742950"/>
+            <a:ext cx="2366586" cy="4212523"/>
+          </a:xfrm>
+          <a:prstGeom prst="rect">
+            <a:avLst/>
+          </a:prstGeom>
+        </p:spPr>
+      </p:pic>
+      <p:pic>
+        <p:nvPicPr>
+          <p:cNvPr id="9" name="Picture 8">
+            <a:extLst>
+              <a:ext uri="{FF2B5EF4-FFF2-40B4-BE49-F238E27FC236}">
+                <a16:creationId xmlns:a16="http://schemas.microsoft.com/office/drawing/2014/main" id="{1FB53741-C6E1-50E2-5033-8AF050E31A40}"/>
+              </a:ext>
+            </a:extLst>
+          </p:cNvPr>
+          <p:cNvPicPr>
+            <a:picLocks noChangeAspect="1"/>
+          </p:cNvPicPr>
+          <p:nvPr/>
+        </p:nvPicPr>
+        <p:blipFill>
+          <a:blip r:embed="rId6" cstate="print">
+            <a:extLst>
+              <a:ext uri="{28A0092B-C50C-407E-A947-70E740481C1C}">
+                <a14:useLocalDpi xmlns:a14="http://schemas.microsoft.com/office/drawing/2010/main" val="0"/>
+              </a:ext>
+            </a:extLst>
+          </a:blip>
+          <a:stretch>
+            <a:fillRect/>
+          </a:stretch>
+        </p:blipFill>
+        <p:spPr>
+          <a:xfrm>
+            <a:off x="381000" y="1311112"/>
+            <a:ext cx="3047999" cy="1946438"/>
+          </a:xfrm>
+          <a:prstGeom prst="rect">
+            <a:avLst/>
+          </a:prstGeom>
+        </p:spPr>
+      </p:pic>
+    </p:spTree>
+    <p:extLst>
+      <p:ext uri="{BB962C8B-B14F-4D97-AF65-F5344CB8AC3E}">
+        <p14:creationId xmlns:p14="http://schemas.microsoft.com/office/powerpoint/2010/main" val="405522065"/>
+      </p:ext>
+    </p:extLst>
+  </p:cSld>
+  <p:clrMapOvr>
+    <a:masterClrMapping/>
+  </p:clrMapOvr>
+</p:sld>
+</file>
+
+<file path=ppt/slides/slide47.xml><?xml version="1.0" encoding="utf-8"?>
+<p:sld xmlns:a="http://schemas.openxmlformats.org/drawingml/2006/main" xmlns:r="http://schemas.openxmlformats.org/officeDocument/2006/relationships" xmlns:p="http://schemas.openxmlformats.org/presentationml/2006/main">
+  <p:cSld>
+    <p:bg>
+      <p:bgPr>
+        <a:blipFill dpi="0" rotWithShape="1">
+          <a:blip r:embed="rId3">
+            <a:lum/>
+          </a:blip>
+          <a:srcRect/>
+          <a:stretch>
+            <a:fillRect l="-1000" r="-1000"/>
+          </a:stretch>
+        </a:blipFill>
+        <a:effectLst/>
+      </p:bgPr>
+    </p:bg>
+    <p:spTree>
+      <p:nvGrpSpPr>
+        <p:cNvPr id="1" name=""/>
+        <p:cNvGrpSpPr/>
+        <p:nvPr/>
+      </p:nvGrpSpPr>
+      <p:grpSpPr>
+        <a:xfrm>
+          <a:off x="0" y="0"/>
+          <a:ext cx="0" cy="0"/>
+          <a:chOff x="0" y="0"/>
+          <a:chExt cx="0" cy="0"/>
+        </a:xfrm>
+      </p:grpSpPr>
+      <p:sp>
+        <p:nvSpPr>
+          <p:cNvPr id="3" name="Rectangle 2"/>
+          <p:cNvSpPr/>
+          <p:nvPr/>
+        </p:nvSpPr>
+        <p:spPr>
+          <a:xfrm>
+            <a:off x="685800" y="133350"/>
+            <a:ext cx="1252266" cy="307777"/>
+          </a:xfrm>
+          <a:prstGeom prst="rect">
+            <a:avLst/>
+          </a:prstGeom>
+        </p:spPr>
+        <p:txBody>
+          <a:bodyPr wrap="none">
+            <a:spAutoFit/>
+          </a:bodyPr>
+          <a:lstStyle/>
+          <a:p>
+            <a:r>
+              <a:rPr lang="en-US" sz="1400" b="1" dirty="0">
+                <a:solidFill>
+                  <a:srgbClr val="0070C0"/>
+                </a:solidFill>
+                <a:latin typeface="Roboto" panose="02000000000000000000" pitchFamily="2" charset="0"/>
+                <a:ea typeface="Roboto" panose="02000000000000000000" pitchFamily="2" charset="0"/>
+              </a:rPr>
+              <a:t>Media Query </a:t>
+            </a:r>
+          </a:p>
+        </p:txBody>
+      </p:sp>
+      <p:pic>
+        <p:nvPicPr>
+          <p:cNvPr id="5" name="Picture 4">
+            <a:extLst>
+              <a:ext uri="{FF2B5EF4-FFF2-40B4-BE49-F238E27FC236}">
+                <a16:creationId xmlns:a16="http://schemas.microsoft.com/office/drawing/2014/main" id="{93D74D93-F51C-FE12-F3F5-FB1760BA7A14}"/>
+              </a:ext>
+            </a:extLst>
+          </p:cNvPr>
+          <p:cNvPicPr>
+            <a:picLocks noChangeAspect="1"/>
+          </p:cNvPicPr>
+          <p:nvPr/>
+        </p:nvPicPr>
+        <p:blipFill>
+          <a:blip r:embed="rId4">
+            <a:extLst>
+              <a:ext uri="{28A0092B-C50C-407E-A947-70E740481C1C}">
+                <a14:useLocalDpi xmlns:a14="http://schemas.microsoft.com/office/drawing/2010/main" val="0"/>
+              </a:ext>
+            </a:extLst>
+          </a:blip>
+          <a:stretch>
+            <a:fillRect/>
+          </a:stretch>
+        </p:blipFill>
+        <p:spPr>
+          <a:xfrm>
+            <a:off x="671512" y="742950"/>
+            <a:ext cx="6198167" cy="3962400"/>
+          </a:xfrm>
+          <a:prstGeom prst="rect">
+            <a:avLst/>
+          </a:prstGeom>
+        </p:spPr>
+      </p:pic>
+    </p:spTree>
+    <p:extLst>
+      <p:ext uri="{BB962C8B-B14F-4D97-AF65-F5344CB8AC3E}">
+        <p14:creationId xmlns:p14="http://schemas.microsoft.com/office/powerpoint/2010/main" val="819432097"/>
+      </p:ext>
+    </p:extLst>
+  </p:cSld>
+  <p:clrMapOvr>
+    <a:masterClrMapping/>
+  </p:clrMapOvr>
+</p:sld>
+</file>
+
+<file path=ppt/slides/slide48.xml><?xml version="1.0" encoding="utf-8"?>
+<p:sld xmlns:a="http://schemas.openxmlformats.org/drawingml/2006/main" xmlns:r="http://schemas.openxmlformats.org/officeDocument/2006/relationships" xmlns:p="http://schemas.openxmlformats.org/presentationml/2006/main">
+  <p:cSld>
+    <p:bg>
+      <p:bgPr>
+        <a:blipFill dpi="0" rotWithShape="1">
+          <a:blip r:embed="rId3">
+            <a:lum/>
+          </a:blip>
+          <a:srcRect/>
+          <a:stretch>
+            <a:fillRect l="-1000" r="-1000"/>
+          </a:stretch>
+        </a:blipFill>
+        <a:effectLst/>
+      </p:bgPr>
+    </p:bg>
+    <p:spTree>
+      <p:nvGrpSpPr>
+        <p:cNvPr id="1" name=""/>
+        <p:cNvGrpSpPr/>
+        <p:nvPr/>
+      </p:nvGrpSpPr>
+      <p:grpSpPr>
+        <a:xfrm>
+          <a:off x="0" y="0"/>
+          <a:ext cx="0" cy="0"/>
+          <a:chOff x="0" y="0"/>
+          <a:chExt cx="0" cy="0"/>
+        </a:xfrm>
+      </p:grpSpPr>
+      <p:sp>
+        <p:nvSpPr>
+          <p:cNvPr id="3" name="Rectangle 2"/>
+          <p:cNvSpPr/>
+          <p:nvPr/>
+        </p:nvSpPr>
+        <p:spPr>
+          <a:xfrm>
+            <a:off x="685800" y="133350"/>
+            <a:ext cx="1252266" cy="307777"/>
+          </a:xfrm>
+          <a:prstGeom prst="rect">
+            <a:avLst/>
+          </a:prstGeom>
+        </p:spPr>
+        <p:txBody>
+          <a:bodyPr wrap="none">
+            <a:spAutoFit/>
+          </a:bodyPr>
+          <a:lstStyle/>
+          <a:p>
+            <a:r>
+              <a:rPr lang="en-US" sz="1400" b="1" dirty="0">
+                <a:solidFill>
+                  <a:srgbClr val="0070C0"/>
+                </a:solidFill>
+                <a:latin typeface="Roboto" panose="02000000000000000000" pitchFamily="2" charset="0"/>
+                <a:ea typeface="Roboto" panose="02000000000000000000" pitchFamily="2" charset="0"/>
+              </a:rPr>
+              <a:t>Media Query </a:t>
+            </a:r>
+          </a:p>
+        </p:txBody>
+      </p:sp>
+      <p:pic>
+        <p:nvPicPr>
+          <p:cNvPr id="5" name="Picture 4">
+            <a:extLst>
+              <a:ext uri="{FF2B5EF4-FFF2-40B4-BE49-F238E27FC236}">
+                <a16:creationId xmlns:a16="http://schemas.microsoft.com/office/drawing/2014/main" id="{93D74D93-F51C-FE12-F3F5-FB1760BA7A14}"/>
+              </a:ext>
+            </a:extLst>
+          </p:cNvPr>
+          <p:cNvPicPr>
+            <a:picLocks noChangeAspect="1"/>
+          </p:cNvPicPr>
+          <p:nvPr/>
+        </p:nvPicPr>
+        <p:blipFill>
+          <a:blip r:embed="rId4">
+            <a:extLst>
+              <a:ext uri="{28A0092B-C50C-407E-A947-70E740481C1C}">
+                <a14:useLocalDpi xmlns:a14="http://schemas.microsoft.com/office/drawing/2010/main" val="0"/>
+              </a:ext>
+            </a:extLst>
+          </a:blip>
+          <a:stretch>
+            <a:fillRect/>
+          </a:stretch>
+        </p:blipFill>
+        <p:spPr>
+          <a:xfrm>
+            <a:off x="671512" y="742950"/>
+            <a:ext cx="6198167" cy="3962400"/>
+          </a:xfrm>
+          <a:prstGeom prst="rect">
+            <a:avLst/>
+          </a:prstGeom>
+        </p:spPr>
+      </p:pic>
+    </p:spTree>
+    <p:extLst>
+      <p:ext uri="{BB962C8B-B14F-4D97-AF65-F5344CB8AC3E}">
+        <p14:creationId xmlns:p14="http://schemas.microsoft.com/office/powerpoint/2010/main" val="3295972004"/>
       </p:ext>
     </p:extLst>
   </p:cSld>

--- a/Flutter/PPT/Slide.pptx
+++ b/Flutter/PPT/Slide.pptx
@@ -255,7 +255,7 @@
           <a:p>
             <a:fld id="{38EBF754-CDC4-4762-B81C-FDFA88BC1D35}" type="datetimeFigureOut">
               <a:rPr lang="en-US" smtClean="0"/>
-              <a:t>Sat</a:t>
+              <a:t>Sun</a:t>
             </a:fld>
             <a:endParaRPr lang="en-US"/>
           </a:p>
@@ -2550,7 +2550,7 @@
             <a:fld id="{1D8BD707-D9CF-40AE-B4C6-C98DA3205C09}" type="datetimeFigureOut">
               <a:rPr lang="en-US" smtClean="0"/>
               <a:pPr/>
-              <a:t>Sat</a:t>
+              <a:t>Sun</a:t>
             </a:fld>
             <a:endParaRPr lang="en-US"/>
           </a:p>
@@ -2715,7 +2715,7 @@
             <a:fld id="{1D8BD707-D9CF-40AE-B4C6-C98DA3205C09}" type="datetimeFigureOut">
               <a:rPr lang="en-US" smtClean="0"/>
               <a:pPr/>
-              <a:t>Sat</a:t>
+              <a:t>Sun</a:t>
             </a:fld>
             <a:endParaRPr lang="en-US"/>
           </a:p>
@@ -2890,7 +2890,7 @@
             <a:fld id="{1D8BD707-D9CF-40AE-B4C6-C98DA3205C09}" type="datetimeFigureOut">
               <a:rPr lang="en-US" smtClean="0"/>
               <a:pPr/>
-              <a:t>Sat</a:t>
+              <a:t>Sun</a:t>
             </a:fld>
             <a:endParaRPr lang="en-US"/>
           </a:p>
@@ -3055,7 +3055,7 @@
             <a:fld id="{1D8BD707-D9CF-40AE-B4C6-C98DA3205C09}" type="datetimeFigureOut">
               <a:rPr lang="en-US" smtClean="0"/>
               <a:pPr/>
-              <a:t>Sat</a:t>
+              <a:t>Sun</a:t>
             </a:fld>
             <a:endParaRPr lang="en-US"/>
           </a:p>
@@ -3297,7 +3297,7 @@
             <a:fld id="{1D8BD707-D9CF-40AE-B4C6-C98DA3205C09}" type="datetimeFigureOut">
               <a:rPr lang="en-US" smtClean="0"/>
               <a:pPr/>
-              <a:t>Sat</a:t>
+              <a:t>Sun</a:t>
             </a:fld>
             <a:endParaRPr lang="en-US"/>
           </a:p>
@@ -3579,7 +3579,7 @@
             <a:fld id="{1D8BD707-D9CF-40AE-B4C6-C98DA3205C09}" type="datetimeFigureOut">
               <a:rPr lang="en-US" smtClean="0"/>
               <a:pPr/>
-              <a:t>Sat</a:t>
+              <a:t>Sun</a:t>
             </a:fld>
             <a:endParaRPr lang="en-US"/>
           </a:p>
@@ -3995,7 +3995,7 @@
             <a:fld id="{1D8BD707-D9CF-40AE-B4C6-C98DA3205C09}" type="datetimeFigureOut">
               <a:rPr lang="en-US" smtClean="0"/>
               <a:pPr/>
-              <a:t>Sat</a:t>
+              <a:t>Sun</a:t>
             </a:fld>
             <a:endParaRPr lang="en-US"/>
           </a:p>
@@ -4109,7 +4109,7 @@
             <a:fld id="{1D8BD707-D9CF-40AE-B4C6-C98DA3205C09}" type="datetimeFigureOut">
               <a:rPr lang="en-US" smtClean="0"/>
               <a:pPr/>
-              <a:t>Sat</a:t>
+              <a:t>Sun</a:t>
             </a:fld>
             <a:endParaRPr lang="en-US"/>
           </a:p>
@@ -4201,7 +4201,7 @@
             <a:fld id="{1D8BD707-D9CF-40AE-B4C6-C98DA3205C09}" type="datetimeFigureOut">
               <a:rPr lang="en-US" smtClean="0"/>
               <a:pPr/>
-              <a:t>Sat</a:t>
+              <a:t>Sun</a:t>
             </a:fld>
             <a:endParaRPr lang="en-US"/>
           </a:p>
@@ -4473,7 +4473,7 @@
             <a:fld id="{1D8BD707-D9CF-40AE-B4C6-C98DA3205C09}" type="datetimeFigureOut">
               <a:rPr lang="en-US" smtClean="0"/>
               <a:pPr/>
-              <a:t>Sat</a:t>
+              <a:t>Sun</a:t>
             </a:fld>
             <a:endParaRPr lang="en-US"/>
           </a:p>
@@ -4722,7 +4722,7 @@
             <a:fld id="{1D8BD707-D9CF-40AE-B4C6-C98DA3205C09}" type="datetimeFigureOut">
               <a:rPr lang="en-US" smtClean="0"/>
               <a:pPr/>
-              <a:t>Sat</a:t>
+              <a:t>Sun</a:t>
             </a:fld>
             <a:endParaRPr lang="en-US"/>
           </a:p>
@@ -4939,7 +4939,7 @@
             <a:fld id="{1D8BD707-D9CF-40AE-B4C6-C98DA3205C09}" type="datetimeFigureOut">
               <a:rPr lang="en-US" smtClean="0"/>
               <a:pPr/>
-              <a:t>Sat</a:t>
+              <a:t>Sun</a:t>
             </a:fld>
             <a:endParaRPr lang="en-US"/>
           </a:p>
@@ -17747,7 +17747,7 @@
         <p:spPr>
           <a:xfrm>
             <a:off x="685800" y="133350"/>
-            <a:ext cx="1252266" cy="307777"/>
+            <a:ext cx="1503938" cy="307777"/>
           </a:xfrm>
           <a:prstGeom prst="rect">
             <a:avLst/>
@@ -17767,17 +17767,17 @@
                 <a:latin typeface="Roboto" panose="02000000000000000000" pitchFamily="2" charset="0"/>
                 <a:ea typeface="Roboto" panose="02000000000000000000" pitchFamily="2" charset="0"/>
               </a:rPr>
-              <a:t>Media Query </a:t>
+              <a:t>Responsive Grid</a:t>
             </a:r>
           </a:p>
         </p:txBody>
       </p:sp>
       <p:pic>
         <p:nvPicPr>
-          <p:cNvPr id="5" name="Picture 4">
+          <p:cNvPr id="4" name="Picture 3">
             <a:extLst>
               <a:ext uri="{FF2B5EF4-FFF2-40B4-BE49-F238E27FC236}">
-                <a16:creationId xmlns:a16="http://schemas.microsoft.com/office/drawing/2014/main" id="{93D74D93-F51C-FE12-F3F5-FB1760BA7A14}"/>
+                <a16:creationId xmlns:a16="http://schemas.microsoft.com/office/drawing/2014/main" id="{816404E5-6BED-E74F-ACAC-15CF2F35594D}"/>
               </a:ext>
             </a:extLst>
           </p:cNvPr>
@@ -17800,8 +17800,8 @@
         </p:blipFill>
         <p:spPr>
           <a:xfrm>
-            <a:off x="671512" y="742950"/>
-            <a:ext cx="6198167" cy="3962400"/>
+            <a:off x="228600" y="677323"/>
+            <a:ext cx="8229600" cy="4368546"/>
           </a:xfrm>
           <a:prstGeom prst="rect">
             <a:avLst/>

--- a/Flutter/PPT/Slide.pptx
+++ b/Flutter/PPT/Slide.pptx
@@ -5,7 +5,7 @@
     <p:sldMasterId id="2147483648" r:id="rId1"/>
   </p:sldMasterIdLst>
   <p:notesMasterIdLst>
-    <p:notesMasterId r:id="rId50"/>
+    <p:notesMasterId r:id="rId57"/>
   </p:notesMasterIdLst>
   <p:sldIdLst>
     <p:sldId id="256" r:id="rId2"/>
@@ -56,6 +56,13 @@
     <p:sldId id="317" r:id="rId47"/>
     <p:sldId id="318" r:id="rId48"/>
     <p:sldId id="319" r:id="rId49"/>
+    <p:sldId id="320" r:id="rId50"/>
+    <p:sldId id="321" r:id="rId51"/>
+    <p:sldId id="322" r:id="rId52"/>
+    <p:sldId id="324" r:id="rId53"/>
+    <p:sldId id="325" r:id="rId54"/>
+    <p:sldId id="326" r:id="rId55"/>
+    <p:sldId id="327" r:id="rId56"/>
   </p:sldIdLst>
   <p:sldSz cx="9144000" cy="5143500" type="screen16x9"/>
   <p:notesSz cx="6858000" cy="9144000"/>
@@ -255,7 +262,7 @@
           <a:p>
             <a:fld id="{38EBF754-CDC4-4762-B81C-FDFA88BC1D35}" type="datetimeFigureOut">
               <a:rPr lang="en-US" smtClean="0"/>
-              <a:t>Sun</a:t>
+              <a:t>Mon</a:t>
             </a:fld>
             <a:endParaRPr lang="en-US"/>
           </a:p>
@@ -1782,6 +1789,594 @@
 </p:notes>
 </file>
 
+<file path=ppt/notesSlides/notesSlide23.xml><?xml version="1.0" encoding="utf-8"?>
+<p:notes xmlns:a="http://schemas.openxmlformats.org/drawingml/2006/main" xmlns:r="http://schemas.openxmlformats.org/officeDocument/2006/relationships" xmlns:p="http://schemas.openxmlformats.org/presentationml/2006/main">
+  <p:cSld>
+    <p:spTree>
+      <p:nvGrpSpPr>
+        <p:cNvPr id="1" name=""/>
+        <p:cNvGrpSpPr/>
+        <p:nvPr/>
+      </p:nvGrpSpPr>
+      <p:grpSpPr>
+        <a:xfrm>
+          <a:off x="0" y="0"/>
+          <a:ext cx="0" cy="0"/>
+          <a:chOff x="0" y="0"/>
+          <a:chExt cx="0" cy="0"/>
+        </a:xfrm>
+      </p:grpSpPr>
+      <p:sp>
+        <p:nvSpPr>
+          <p:cNvPr id="2" name="Slide Image Placeholder 1"/>
+          <p:cNvSpPr>
+            <a:spLocks noGrp="1" noRot="1" noChangeAspect="1"/>
+          </p:cNvSpPr>
+          <p:nvPr>
+            <p:ph type="sldImg"/>
+          </p:nvPr>
+        </p:nvSpPr>
+        <p:spPr/>
+      </p:sp>
+      <p:sp>
+        <p:nvSpPr>
+          <p:cNvPr id="3" name="Notes Placeholder 2"/>
+          <p:cNvSpPr>
+            <a:spLocks noGrp="1"/>
+          </p:cNvSpPr>
+          <p:nvPr>
+            <p:ph type="body" idx="1"/>
+          </p:nvPr>
+        </p:nvSpPr>
+        <p:spPr/>
+        <p:txBody>
+          <a:bodyPr/>
+          <a:lstStyle/>
+          <a:p>
+            <a:endParaRPr lang="en-US" dirty="0"/>
+          </a:p>
+        </p:txBody>
+      </p:sp>
+      <p:sp>
+        <p:nvSpPr>
+          <p:cNvPr id="4" name="Slide Number Placeholder 3"/>
+          <p:cNvSpPr>
+            <a:spLocks noGrp="1"/>
+          </p:cNvSpPr>
+          <p:nvPr>
+            <p:ph type="sldNum" sz="quarter" idx="5"/>
+          </p:nvPr>
+        </p:nvSpPr>
+        <p:spPr/>
+        <p:txBody>
+          <a:bodyPr/>
+          <a:lstStyle/>
+          <a:p>
+            <a:fld id="{B3A417B2-A29D-48B9-A4A7-A6FB997901AB}" type="slidenum">
+              <a:rPr lang="en-US" smtClean="0"/>
+              <a:t>49</a:t>
+            </a:fld>
+            <a:endParaRPr lang="en-US"/>
+          </a:p>
+        </p:txBody>
+      </p:sp>
+    </p:spTree>
+    <p:extLst>
+      <p:ext uri="{BB962C8B-B14F-4D97-AF65-F5344CB8AC3E}">
+        <p14:creationId xmlns:p14="http://schemas.microsoft.com/office/powerpoint/2010/main" val="2434054304"/>
+      </p:ext>
+    </p:extLst>
+  </p:cSld>
+  <p:clrMapOvr>
+    <a:masterClrMapping/>
+  </p:clrMapOvr>
+</p:notes>
+</file>
+
+<file path=ppt/notesSlides/notesSlide24.xml><?xml version="1.0" encoding="utf-8"?>
+<p:notes xmlns:a="http://schemas.openxmlformats.org/drawingml/2006/main" xmlns:r="http://schemas.openxmlformats.org/officeDocument/2006/relationships" xmlns:p="http://schemas.openxmlformats.org/presentationml/2006/main">
+  <p:cSld>
+    <p:spTree>
+      <p:nvGrpSpPr>
+        <p:cNvPr id="1" name=""/>
+        <p:cNvGrpSpPr/>
+        <p:nvPr/>
+      </p:nvGrpSpPr>
+      <p:grpSpPr>
+        <a:xfrm>
+          <a:off x="0" y="0"/>
+          <a:ext cx="0" cy="0"/>
+          <a:chOff x="0" y="0"/>
+          <a:chExt cx="0" cy="0"/>
+        </a:xfrm>
+      </p:grpSpPr>
+      <p:sp>
+        <p:nvSpPr>
+          <p:cNvPr id="2" name="Slide Image Placeholder 1"/>
+          <p:cNvSpPr>
+            <a:spLocks noGrp="1" noRot="1" noChangeAspect="1"/>
+          </p:cNvSpPr>
+          <p:nvPr>
+            <p:ph type="sldImg"/>
+          </p:nvPr>
+        </p:nvSpPr>
+        <p:spPr/>
+      </p:sp>
+      <p:sp>
+        <p:nvSpPr>
+          <p:cNvPr id="3" name="Notes Placeholder 2"/>
+          <p:cNvSpPr>
+            <a:spLocks noGrp="1"/>
+          </p:cNvSpPr>
+          <p:nvPr>
+            <p:ph type="body" idx="1"/>
+          </p:nvPr>
+        </p:nvSpPr>
+        <p:spPr/>
+        <p:txBody>
+          <a:bodyPr/>
+          <a:lstStyle/>
+          <a:p>
+            <a:endParaRPr lang="en-US" dirty="0"/>
+          </a:p>
+        </p:txBody>
+      </p:sp>
+      <p:sp>
+        <p:nvSpPr>
+          <p:cNvPr id="4" name="Slide Number Placeholder 3"/>
+          <p:cNvSpPr>
+            <a:spLocks noGrp="1"/>
+          </p:cNvSpPr>
+          <p:nvPr>
+            <p:ph type="sldNum" sz="quarter" idx="5"/>
+          </p:nvPr>
+        </p:nvSpPr>
+        <p:spPr/>
+        <p:txBody>
+          <a:bodyPr/>
+          <a:lstStyle/>
+          <a:p>
+            <a:fld id="{B3A417B2-A29D-48B9-A4A7-A6FB997901AB}" type="slidenum">
+              <a:rPr lang="en-US" smtClean="0"/>
+              <a:t>50</a:t>
+            </a:fld>
+            <a:endParaRPr lang="en-US"/>
+          </a:p>
+        </p:txBody>
+      </p:sp>
+    </p:spTree>
+    <p:extLst>
+      <p:ext uri="{BB962C8B-B14F-4D97-AF65-F5344CB8AC3E}">
+        <p14:creationId xmlns:p14="http://schemas.microsoft.com/office/powerpoint/2010/main" val="772839447"/>
+      </p:ext>
+    </p:extLst>
+  </p:cSld>
+  <p:clrMapOvr>
+    <a:masterClrMapping/>
+  </p:clrMapOvr>
+</p:notes>
+</file>
+
+<file path=ppt/notesSlides/notesSlide25.xml><?xml version="1.0" encoding="utf-8"?>
+<p:notes xmlns:a="http://schemas.openxmlformats.org/drawingml/2006/main" xmlns:r="http://schemas.openxmlformats.org/officeDocument/2006/relationships" xmlns:p="http://schemas.openxmlformats.org/presentationml/2006/main">
+  <p:cSld>
+    <p:spTree>
+      <p:nvGrpSpPr>
+        <p:cNvPr id="1" name=""/>
+        <p:cNvGrpSpPr/>
+        <p:nvPr/>
+      </p:nvGrpSpPr>
+      <p:grpSpPr>
+        <a:xfrm>
+          <a:off x="0" y="0"/>
+          <a:ext cx="0" cy="0"/>
+          <a:chOff x="0" y="0"/>
+          <a:chExt cx="0" cy="0"/>
+        </a:xfrm>
+      </p:grpSpPr>
+      <p:sp>
+        <p:nvSpPr>
+          <p:cNvPr id="2" name="Slide Image Placeholder 1"/>
+          <p:cNvSpPr>
+            <a:spLocks noGrp="1" noRot="1" noChangeAspect="1"/>
+          </p:cNvSpPr>
+          <p:nvPr>
+            <p:ph type="sldImg"/>
+          </p:nvPr>
+        </p:nvSpPr>
+        <p:spPr/>
+      </p:sp>
+      <p:sp>
+        <p:nvSpPr>
+          <p:cNvPr id="3" name="Notes Placeholder 2"/>
+          <p:cNvSpPr>
+            <a:spLocks noGrp="1"/>
+          </p:cNvSpPr>
+          <p:nvPr>
+            <p:ph type="body" idx="1"/>
+          </p:nvPr>
+        </p:nvSpPr>
+        <p:spPr/>
+        <p:txBody>
+          <a:bodyPr/>
+          <a:lstStyle/>
+          <a:p>
+            <a:endParaRPr lang="en-US" dirty="0"/>
+          </a:p>
+        </p:txBody>
+      </p:sp>
+      <p:sp>
+        <p:nvSpPr>
+          <p:cNvPr id="4" name="Slide Number Placeholder 3"/>
+          <p:cNvSpPr>
+            <a:spLocks noGrp="1"/>
+          </p:cNvSpPr>
+          <p:nvPr>
+            <p:ph type="sldNum" sz="quarter" idx="5"/>
+          </p:nvPr>
+        </p:nvSpPr>
+        <p:spPr/>
+        <p:txBody>
+          <a:bodyPr/>
+          <a:lstStyle/>
+          <a:p>
+            <a:fld id="{B3A417B2-A29D-48B9-A4A7-A6FB997901AB}" type="slidenum">
+              <a:rPr lang="en-US" smtClean="0"/>
+              <a:t>51</a:t>
+            </a:fld>
+            <a:endParaRPr lang="en-US"/>
+          </a:p>
+        </p:txBody>
+      </p:sp>
+    </p:spTree>
+    <p:extLst>
+      <p:ext uri="{BB962C8B-B14F-4D97-AF65-F5344CB8AC3E}">
+        <p14:creationId xmlns:p14="http://schemas.microsoft.com/office/powerpoint/2010/main" val="3366802569"/>
+      </p:ext>
+    </p:extLst>
+  </p:cSld>
+  <p:clrMapOvr>
+    <a:masterClrMapping/>
+  </p:clrMapOvr>
+</p:notes>
+</file>
+
+<file path=ppt/notesSlides/notesSlide26.xml><?xml version="1.0" encoding="utf-8"?>
+<p:notes xmlns:a="http://schemas.openxmlformats.org/drawingml/2006/main" xmlns:r="http://schemas.openxmlformats.org/officeDocument/2006/relationships" xmlns:p="http://schemas.openxmlformats.org/presentationml/2006/main">
+  <p:cSld>
+    <p:spTree>
+      <p:nvGrpSpPr>
+        <p:cNvPr id="1" name=""/>
+        <p:cNvGrpSpPr/>
+        <p:nvPr/>
+      </p:nvGrpSpPr>
+      <p:grpSpPr>
+        <a:xfrm>
+          <a:off x="0" y="0"/>
+          <a:ext cx="0" cy="0"/>
+          <a:chOff x="0" y="0"/>
+          <a:chExt cx="0" cy="0"/>
+        </a:xfrm>
+      </p:grpSpPr>
+      <p:sp>
+        <p:nvSpPr>
+          <p:cNvPr id="2" name="Slide Image Placeholder 1"/>
+          <p:cNvSpPr>
+            <a:spLocks noGrp="1" noRot="1" noChangeAspect="1"/>
+          </p:cNvSpPr>
+          <p:nvPr>
+            <p:ph type="sldImg"/>
+          </p:nvPr>
+        </p:nvSpPr>
+        <p:spPr/>
+      </p:sp>
+      <p:sp>
+        <p:nvSpPr>
+          <p:cNvPr id="3" name="Notes Placeholder 2"/>
+          <p:cNvSpPr>
+            <a:spLocks noGrp="1"/>
+          </p:cNvSpPr>
+          <p:nvPr>
+            <p:ph type="body" idx="1"/>
+          </p:nvPr>
+        </p:nvSpPr>
+        <p:spPr/>
+        <p:txBody>
+          <a:bodyPr/>
+          <a:lstStyle/>
+          <a:p>
+            <a:endParaRPr lang="en-US" dirty="0"/>
+          </a:p>
+        </p:txBody>
+      </p:sp>
+      <p:sp>
+        <p:nvSpPr>
+          <p:cNvPr id="4" name="Slide Number Placeholder 3"/>
+          <p:cNvSpPr>
+            <a:spLocks noGrp="1"/>
+          </p:cNvSpPr>
+          <p:nvPr>
+            <p:ph type="sldNum" sz="quarter" idx="5"/>
+          </p:nvPr>
+        </p:nvSpPr>
+        <p:spPr/>
+        <p:txBody>
+          <a:bodyPr/>
+          <a:lstStyle/>
+          <a:p>
+            <a:fld id="{B3A417B2-A29D-48B9-A4A7-A6FB997901AB}" type="slidenum">
+              <a:rPr lang="en-US" smtClean="0"/>
+              <a:t>52</a:t>
+            </a:fld>
+            <a:endParaRPr lang="en-US"/>
+          </a:p>
+        </p:txBody>
+      </p:sp>
+    </p:spTree>
+    <p:extLst>
+      <p:ext uri="{BB962C8B-B14F-4D97-AF65-F5344CB8AC3E}">
+        <p14:creationId xmlns:p14="http://schemas.microsoft.com/office/powerpoint/2010/main" val="3766749095"/>
+      </p:ext>
+    </p:extLst>
+  </p:cSld>
+  <p:clrMapOvr>
+    <a:masterClrMapping/>
+  </p:clrMapOvr>
+</p:notes>
+</file>
+
+<file path=ppt/notesSlides/notesSlide27.xml><?xml version="1.0" encoding="utf-8"?>
+<p:notes xmlns:a="http://schemas.openxmlformats.org/drawingml/2006/main" xmlns:r="http://schemas.openxmlformats.org/officeDocument/2006/relationships" xmlns:p="http://schemas.openxmlformats.org/presentationml/2006/main">
+  <p:cSld>
+    <p:spTree>
+      <p:nvGrpSpPr>
+        <p:cNvPr id="1" name=""/>
+        <p:cNvGrpSpPr/>
+        <p:nvPr/>
+      </p:nvGrpSpPr>
+      <p:grpSpPr>
+        <a:xfrm>
+          <a:off x="0" y="0"/>
+          <a:ext cx="0" cy="0"/>
+          <a:chOff x="0" y="0"/>
+          <a:chExt cx="0" cy="0"/>
+        </a:xfrm>
+      </p:grpSpPr>
+      <p:sp>
+        <p:nvSpPr>
+          <p:cNvPr id="2" name="Slide Image Placeholder 1"/>
+          <p:cNvSpPr>
+            <a:spLocks noGrp="1" noRot="1" noChangeAspect="1"/>
+          </p:cNvSpPr>
+          <p:nvPr>
+            <p:ph type="sldImg"/>
+          </p:nvPr>
+        </p:nvSpPr>
+        <p:spPr/>
+      </p:sp>
+      <p:sp>
+        <p:nvSpPr>
+          <p:cNvPr id="3" name="Notes Placeholder 2"/>
+          <p:cNvSpPr>
+            <a:spLocks noGrp="1"/>
+          </p:cNvSpPr>
+          <p:nvPr>
+            <p:ph type="body" idx="1"/>
+          </p:nvPr>
+        </p:nvSpPr>
+        <p:spPr/>
+        <p:txBody>
+          <a:bodyPr/>
+          <a:lstStyle/>
+          <a:p>
+            <a:endParaRPr lang="en-US" dirty="0"/>
+          </a:p>
+        </p:txBody>
+      </p:sp>
+      <p:sp>
+        <p:nvSpPr>
+          <p:cNvPr id="4" name="Slide Number Placeholder 3"/>
+          <p:cNvSpPr>
+            <a:spLocks noGrp="1"/>
+          </p:cNvSpPr>
+          <p:nvPr>
+            <p:ph type="sldNum" sz="quarter" idx="5"/>
+          </p:nvPr>
+        </p:nvSpPr>
+        <p:spPr/>
+        <p:txBody>
+          <a:bodyPr/>
+          <a:lstStyle/>
+          <a:p>
+            <a:fld id="{B3A417B2-A29D-48B9-A4A7-A6FB997901AB}" type="slidenum">
+              <a:rPr lang="en-US" smtClean="0"/>
+              <a:t>53</a:t>
+            </a:fld>
+            <a:endParaRPr lang="en-US"/>
+          </a:p>
+        </p:txBody>
+      </p:sp>
+    </p:spTree>
+    <p:extLst>
+      <p:ext uri="{BB962C8B-B14F-4D97-AF65-F5344CB8AC3E}">
+        <p14:creationId xmlns:p14="http://schemas.microsoft.com/office/powerpoint/2010/main" val="2563821384"/>
+      </p:ext>
+    </p:extLst>
+  </p:cSld>
+  <p:clrMapOvr>
+    <a:masterClrMapping/>
+  </p:clrMapOvr>
+</p:notes>
+</file>
+
+<file path=ppt/notesSlides/notesSlide28.xml><?xml version="1.0" encoding="utf-8"?>
+<p:notes xmlns:a="http://schemas.openxmlformats.org/drawingml/2006/main" xmlns:r="http://schemas.openxmlformats.org/officeDocument/2006/relationships" xmlns:p="http://schemas.openxmlformats.org/presentationml/2006/main">
+  <p:cSld>
+    <p:spTree>
+      <p:nvGrpSpPr>
+        <p:cNvPr id="1" name=""/>
+        <p:cNvGrpSpPr/>
+        <p:nvPr/>
+      </p:nvGrpSpPr>
+      <p:grpSpPr>
+        <a:xfrm>
+          <a:off x="0" y="0"/>
+          <a:ext cx="0" cy="0"/>
+          <a:chOff x="0" y="0"/>
+          <a:chExt cx="0" cy="0"/>
+        </a:xfrm>
+      </p:grpSpPr>
+      <p:sp>
+        <p:nvSpPr>
+          <p:cNvPr id="2" name="Slide Image Placeholder 1"/>
+          <p:cNvSpPr>
+            <a:spLocks noGrp="1" noRot="1" noChangeAspect="1"/>
+          </p:cNvSpPr>
+          <p:nvPr>
+            <p:ph type="sldImg"/>
+          </p:nvPr>
+        </p:nvSpPr>
+        <p:spPr/>
+      </p:sp>
+      <p:sp>
+        <p:nvSpPr>
+          <p:cNvPr id="3" name="Notes Placeholder 2"/>
+          <p:cNvSpPr>
+            <a:spLocks noGrp="1"/>
+          </p:cNvSpPr>
+          <p:nvPr>
+            <p:ph type="body" idx="1"/>
+          </p:nvPr>
+        </p:nvSpPr>
+        <p:spPr/>
+        <p:txBody>
+          <a:bodyPr/>
+          <a:lstStyle/>
+          <a:p>
+            <a:endParaRPr lang="en-US" dirty="0"/>
+          </a:p>
+        </p:txBody>
+      </p:sp>
+      <p:sp>
+        <p:nvSpPr>
+          <p:cNvPr id="4" name="Slide Number Placeholder 3"/>
+          <p:cNvSpPr>
+            <a:spLocks noGrp="1"/>
+          </p:cNvSpPr>
+          <p:nvPr>
+            <p:ph type="sldNum" sz="quarter" idx="5"/>
+          </p:nvPr>
+        </p:nvSpPr>
+        <p:spPr/>
+        <p:txBody>
+          <a:bodyPr/>
+          <a:lstStyle/>
+          <a:p>
+            <a:fld id="{B3A417B2-A29D-48B9-A4A7-A6FB997901AB}" type="slidenum">
+              <a:rPr lang="en-US" smtClean="0"/>
+              <a:t>54</a:t>
+            </a:fld>
+            <a:endParaRPr lang="en-US"/>
+          </a:p>
+        </p:txBody>
+      </p:sp>
+    </p:spTree>
+    <p:extLst>
+      <p:ext uri="{BB962C8B-B14F-4D97-AF65-F5344CB8AC3E}">
+        <p14:creationId xmlns:p14="http://schemas.microsoft.com/office/powerpoint/2010/main" val="4018084357"/>
+      </p:ext>
+    </p:extLst>
+  </p:cSld>
+  <p:clrMapOvr>
+    <a:masterClrMapping/>
+  </p:clrMapOvr>
+</p:notes>
+</file>
+
+<file path=ppt/notesSlides/notesSlide29.xml><?xml version="1.0" encoding="utf-8"?>
+<p:notes xmlns:a="http://schemas.openxmlformats.org/drawingml/2006/main" xmlns:r="http://schemas.openxmlformats.org/officeDocument/2006/relationships" xmlns:p="http://schemas.openxmlformats.org/presentationml/2006/main">
+  <p:cSld>
+    <p:spTree>
+      <p:nvGrpSpPr>
+        <p:cNvPr id="1" name=""/>
+        <p:cNvGrpSpPr/>
+        <p:nvPr/>
+      </p:nvGrpSpPr>
+      <p:grpSpPr>
+        <a:xfrm>
+          <a:off x="0" y="0"/>
+          <a:ext cx="0" cy="0"/>
+          <a:chOff x="0" y="0"/>
+          <a:chExt cx="0" cy="0"/>
+        </a:xfrm>
+      </p:grpSpPr>
+      <p:sp>
+        <p:nvSpPr>
+          <p:cNvPr id="2" name="Slide Image Placeholder 1"/>
+          <p:cNvSpPr>
+            <a:spLocks noGrp="1" noRot="1" noChangeAspect="1"/>
+          </p:cNvSpPr>
+          <p:nvPr>
+            <p:ph type="sldImg"/>
+          </p:nvPr>
+        </p:nvSpPr>
+        <p:spPr/>
+      </p:sp>
+      <p:sp>
+        <p:nvSpPr>
+          <p:cNvPr id="3" name="Notes Placeholder 2"/>
+          <p:cNvSpPr>
+            <a:spLocks noGrp="1"/>
+          </p:cNvSpPr>
+          <p:nvPr>
+            <p:ph type="body" idx="1"/>
+          </p:nvPr>
+        </p:nvSpPr>
+        <p:spPr/>
+        <p:txBody>
+          <a:bodyPr/>
+          <a:lstStyle/>
+          <a:p>
+            <a:endParaRPr lang="en-US" dirty="0"/>
+          </a:p>
+        </p:txBody>
+      </p:sp>
+      <p:sp>
+        <p:nvSpPr>
+          <p:cNvPr id="4" name="Slide Number Placeholder 3"/>
+          <p:cNvSpPr>
+            <a:spLocks noGrp="1"/>
+          </p:cNvSpPr>
+          <p:nvPr>
+            <p:ph type="sldNum" sz="quarter" idx="5"/>
+          </p:nvPr>
+        </p:nvSpPr>
+        <p:spPr/>
+        <p:txBody>
+          <a:bodyPr/>
+          <a:lstStyle/>
+          <a:p>
+            <a:fld id="{B3A417B2-A29D-48B9-A4A7-A6FB997901AB}" type="slidenum">
+              <a:rPr lang="en-US" smtClean="0"/>
+              <a:t>55</a:t>
+            </a:fld>
+            <a:endParaRPr lang="en-US"/>
+          </a:p>
+        </p:txBody>
+      </p:sp>
+    </p:spTree>
+    <p:extLst>
+      <p:ext uri="{BB962C8B-B14F-4D97-AF65-F5344CB8AC3E}">
+        <p14:creationId xmlns:p14="http://schemas.microsoft.com/office/powerpoint/2010/main" val="2727317315"/>
+      </p:ext>
+    </p:extLst>
+  </p:cSld>
+  <p:clrMapOvr>
+    <a:masterClrMapping/>
+  </p:clrMapOvr>
+</p:notes>
+</file>
+
 <file path=ppt/notesSlides/notesSlide3.xml><?xml version="1.0" encoding="utf-8"?>
 <p:notes xmlns:a="http://schemas.openxmlformats.org/drawingml/2006/main" xmlns:r="http://schemas.openxmlformats.org/officeDocument/2006/relationships" xmlns:p="http://schemas.openxmlformats.org/presentationml/2006/main">
   <p:cSld>
@@ -2550,7 +3145,7 @@
             <a:fld id="{1D8BD707-D9CF-40AE-B4C6-C98DA3205C09}" type="datetimeFigureOut">
               <a:rPr lang="en-US" smtClean="0"/>
               <a:pPr/>
-              <a:t>Sun</a:t>
+              <a:t>Mon</a:t>
             </a:fld>
             <a:endParaRPr lang="en-US"/>
           </a:p>
@@ -2715,7 +3310,7 @@
             <a:fld id="{1D8BD707-D9CF-40AE-B4C6-C98DA3205C09}" type="datetimeFigureOut">
               <a:rPr lang="en-US" smtClean="0"/>
               <a:pPr/>
-              <a:t>Sun</a:t>
+              <a:t>Mon</a:t>
             </a:fld>
             <a:endParaRPr lang="en-US"/>
           </a:p>
@@ -2890,7 +3485,7 @@
             <a:fld id="{1D8BD707-D9CF-40AE-B4C6-C98DA3205C09}" type="datetimeFigureOut">
               <a:rPr lang="en-US" smtClean="0"/>
               <a:pPr/>
-              <a:t>Sun</a:t>
+              <a:t>Mon</a:t>
             </a:fld>
             <a:endParaRPr lang="en-US"/>
           </a:p>
@@ -3055,7 +3650,7 @@
             <a:fld id="{1D8BD707-D9CF-40AE-B4C6-C98DA3205C09}" type="datetimeFigureOut">
               <a:rPr lang="en-US" smtClean="0"/>
               <a:pPr/>
-              <a:t>Sun</a:t>
+              <a:t>Mon</a:t>
             </a:fld>
             <a:endParaRPr lang="en-US"/>
           </a:p>
@@ -3297,7 +3892,7 @@
             <a:fld id="{1D8BD707-D9CF-40AE-B4C6-C98DA3205C09}" type="datetimeFigureOut">
               <a:rPr lang="en-US" smtClean="0"/>
               <a:pPr/>
-              <a:t>Sun</a:t>
+              <a:t>Mon</a:t>
             </a:fld>
             <a:endParaRPr lang="en-US"/>
           </a:p>
@@ -3579,7 +4174,7 @@
             <a:fld id="{1D8BD707-D9CF-40AE-B4C6-C98DA3205C09}" type="datetimeFigureOut">
               <a:rPr lang="en-US" smtClean="0"/>
               <a:pPr/>
-              <a:t>Sun</a:t>
+              <a:t>Mon</a:t>
             </a:fld>
             <a:endParaRPr lang="en-US"/>
           </a:p>
@@ -3995,7 +4590,7 @@
             <a:fld id="{1D8BD707-D9CF-40AE-B4C6-C98DA3205C09}" type="datetimeFigureOut">
               <a:rPr lang="en-US" smtClean="0"/>
               <a:pPr/>
-              <a:t>Sun</a:t>
+              <a:t>Mon</a:t>
             </a:fld>
             <a:endParaRPr lang="en-US"/>
           </a:p>
@@ -4109,7 +4704,7 @@
             <a:fld id="{1D8BD707-D9CF-40AE-B4C6-C98DA3205C09}" type="datetimeFigureOut">
               <a:rPr lang="en-US" smtClean="0"/>
               <a:pPr/>
-              <a:t>Sun</a:t>
+              <a:t>Mon</a:t>
             </a:fld>
             <a:endParaRPr lang="en-US"/>
           </a:p>
@@ -4201,7 +4796,7 @@
             <a:fld id="{1D8BD707-D9CF-40AE-B4C6-C98DA3205C09}" type="datetimeFigureOut">
               <a:rPr lang="en-US" smtClean="0"/>
               <a:pPr/>
-              <a:t>Sun</a:t>
+              <a:t>Mon</a:t>
             </a:fld>
             <a:endParaRPr lang="en-US"/>
           </a:p>
@@ -4473,7 +5068,7 @@
             <a:fld id="{1D8BD707-D9CF-40AE-B4C6-C98DA3205C09}" type="datetimeFigureOut">
               <a:rPr lang="en-US" smtClean="0"/>
               <a:pPr/>
-              <a:t>Sun</a:t>
+              <a:t>Mon</a:t>
             </a:fld>
             <a:endParaRPr lang="en-US"/>
           </a:p>
@@ -4722,7 +5317,7 @@
             <a:fld id="{1D8BD707-D9CF-40AE-B4C6-C98DA3205C09}" type="datetimeFigureOut">
               <a:rPr lang="en-US" smtClean="0"/>
               <a:pPr/>
-              <a:t>Sun</a:t>
+              <a:t>Mon</a:t>
             </a:fld>
             <a:endParaRPr lang="en-US"/>
           </a:p>
@@ -4939,7 +5534,7 @@
             <a:fld id="{1D8BD707-D9CF-40AE-B4C6-C98DA3205C09}" type="datetimeFigureOut">
               <a:rPr lang="en-US" smtClean="0"/>
               <a:pPr/>
-              <a:t>Sun</a:t>
+              <a:t>Mon</a:t>
             </a:fld>
             <a:endParaRPr lang="en-US"/>
           </a:p>
@@ -17821,6 +18416,306 @@
 </p:sld>
 </file>
 
+<file path=ppt/slides/slide49.xml><?xml version="1.0" encoding="utf-8"?>
+<p:sld xmlns:a="http://schemas.openxmlformats.org/drawingml/2006/main" xmlns:r="http://schemas.openxmlformats.org/officeDocument/2006/relationships" xmlns:p="http://schemas.openxmlformats.org/presentationml/2006/main">
+  <p:cSld>
+    <p:bg>
+      <p:bgPr>
+        <a:blipFill dpi="0" rotWithShape="1">
+          <a:blip r:embed="rId3">
+            <a:lum/>
+          </a:blip>
+          <a:srcRect/>
+          <a:stretch>
+            <a:fillRect l="-1000" r="-1000"/>
+          </a:stretch>
+        </a:blipFill>
+        <a:effectLst/>
+      </p:bgPr>
+    </p:bg>
+    <p:spTree>
+      <p:nvGrpSpPr>
+        <p:cNvPr id="1" name=""/>
+        <p:cNvGrpSpPr/>
+        <p:nvPr/>
+      </p:nvGrpSpPr>
+      <p:grpSpPr>
+        <a:xfrm>
+          <a:off x="0" y="0"/>
+          <a:ext cx="0" cy="0"/>
+          <a:chOff x="0" y="0"/>
+          <a:chExt cx="0" cy="0"/>
+        </a:xfrm>
+      </p:grpSpPr>
+      <p:sp>
+        <p:nvSpPr>
+          <p:cNvPr id="3" name="Rectangle 2"/>
+          <p:cNvSpPr/>
+          <p:nvPr/>
+        </p:nvSpPr>
+        <p:spPr>
+          <a:xfrm>
+            <a:off x="685800" y="133350"/>
+            <a:ext cx="611065" cy="307777"/>
+          </a:xfrm>
+          <a:prstGeom prst="rect">
+            <a:avLst/>
+          </a:prstGeom>
+        </p:spPr>
+        <p:txBody>
+          <a:bodyPr wrap="none">
+            <a:spAutoFit/>
+          </a:bodyPr>
+          <a:lstStyle/>
+          <a:p>
+            <a:r>
+              <a:rPr lang="en-US" sz="1400" b="1" dirty="0">
+                <a:solidFill>
+                  <a:srgbClr val="0070C0"/>
+                </a:solidFill>
+                <a:latin typeface="Roboto" panose="02000000000000000000" pitchFamily="2" charset="0"/>
+                <a:ea typeface="Roboto" panose="02000000000000000000" pitchFamily="2" charset="0"/>
+              </a:rPr>
+              <a:t>State</a:t>
+            </a:r>
+          </a:p>
+        </p:txBody>
+      </p:sp>
+      <p:sp>
+        <p:nvSpPr>
+          <p:cNvPr id="5" name="TextBox 4">
+            <a:extLst>
+              <a:ext uri="{FF2B5EF4-FFF2-40B4-BE49-F238E27FC236}">
+                <a16:creationId xmlns:a16="http://schemas.microsoft.com/office/drawing/2014/main" id="{4E8D93C3-540D-3372-1181-A2DCB717FB24}"/>
+              </a:ext>
+            </a:extLst>
+          </p:cNvPr>
+          <p:cNvSpPr txBox="1"/>
+          <p:nvPr/>
+        </p:nvSpPr>
+        <p:spPr>
+          <a:xfrm>
+            <a:off x="381000" y="742950"/>
+            <a:ext cx="8077200" cy="1036181"/>
+          </a:xfrm>
+          <a:prstGeom prst="rect">
+            <a:avLst/>
+          </a:prstGeom>
+          <a:noFill/>
+        </p:spPr>
+        <p:txBody>
+          <a:bodyPr wrap="square">
+            <a:spAutoFit/>
+          </a:bodyPr>
+          <a:lstStyle/>
+          <a:p>
+            <a:r>
+              <a:rPr lang="en-US" sz="1600" b="1" dirty="0">
+                <a:latin typeface="Roboto" panose="02000000000000000000" pitchFamily="2" charset="0"/>
+                <a:ea typeface="Roboto" panose="02000000000000000000" pitchFamily="2" charset="0"/>
+              </a:rPr>
+              <a:t>What is state: </a:t>
+            </a:r>
+          </a:p>
+          <a:p>
+            <a:pPr marL="285750" indent="-285750">
+              <a:lnSpc>
+                <a:spcPct val="150000"/>
+              </a:lnSpc>
+              <a:buFont typeface="Arial" panose="020B0604020202020204" pitchFamily="34" charset="0"/>
+              <a:buChar char="•"/>
+            </a:pPr>
+            <a:r>
+              <a:rPr lang="en-US" sz="1600" dirty="0">
+                <a:latin typeface="Roboto" panose="02000000000000000000" pitchFamily="2" charset="0"/>
+                <a:ea typeface="Roboto" panose="02000000000000000000" pitchFamily="2" charset="0"/>
+              </a:rPr>
+              <a:t>Anything that exists in the memory of the app while the app is running.</a:t>
+            </a:r>
+          </a:p>
+          <a:p>
+            <a:pPr marL="285750" indent="-285750">
+              <a:lnSpc>
+                <a:spcPct val="150000"/>
+              </a:lnSpc>
+              <a:buFont typeface="Arial" panose="020B0604020202020204" pitchFamily="34" charset="0"/>
+              <a:buChar char="•"/>
+            </a:pPr>
+            <a:r>
+              <a:rPr lang="en-US" sz="1600" dirty="0">
+                <a:latin typeface="Roboto" panose="02000000000000000000" pitchFamily="2" charset="0"/>
+                <a:ea typeface="Roboto" panose="02000000000000000000" pitchFamily="2" charset="0"/>
+              </a:rPr>
+              <a:t>When state values change, view update automatically </a:t>
+            </a:r>
+          </a:p>
+        </p:txBody>
+      </p:sp>
+    </p:spTree>
+    <p:extLst>
+      <p:ext uri="{BB962C8B-B14F-4D97-AF65-F5344CB8AC3E}">
+        <p14:creationId xmlns:p14="http://schemas.microsoft.com/office/powerpoint/2010/main" val="3737689399"/>
+      </p:ext>
+    </p:extLst>
+  </p:cSld>
+  <p:clrMapOvr>
+    <a:masterClrMapping/>
+  </p:clrMapOvr>
+  <p:timing>
+    <p:tnLst>
+      <p:par>
+        <p:cTn id="1" dur="indefinite" restart="never" nodeType="tmRoot">
+          <p:childTnLst>
+            <p:seq concurrent="1" nextAc="seek">
+              <p:cTn id="2" dur="indefinite" nodeType="mainSeq">
+                <p:childTnLst>
+                  <p:par>
+                    <p:cTn id="3" fill="hold">
+                      <p:stCondLst>
+                        <p:cond delay="indefinite"/>
+                      </p:stCondLst>
+                      <p:childTnLst>
+                        <p:par>
+                          <p:cTn id="4" fill="hold">
+                            <p:stCondLst>
+                              <p:cond delay="0"/>
+                            </p:stCondLst>
+                            <p:childTnLst>
+                              <p:par>
+                                <p:cTn id="5" presetID="22" presetClass="entr" presetSubtype="4" fill="hold" nodeType="clickEffect">
+                                  <p:stCondLst>
+                                    <p:cond delay="0"/>
+                                  </p:stCondLst>
+                                  <p:childTnLst>
+                                    <p:set>
+                                      <p:cBhvr>
+                                        <p:cTn id="6" dur="1" fill="hold">
+                                          <p:stCondLst>
+                                            <p:cond delay="0"/>
+                                          </p:stCondLst>
+                                        </p:cTn>
+                                        <p:tgtEl>
+                                          <p:spTgt spid="5">
+                                            <p:txEl>
+                                              <p:pRg st="1" end="1"/>
+                                            </p:txEl>
+                                          </p:spTgt>
+                                        </p:tgtEl>
+                                        <p:attrNameLst>
+                                          <p:attrName>style.visibility</p:attrName>
+                                        </p:attrNameLst>
+                                      </p:cBhvr>
+                                      <p:to>
+                                        <p:strVal val="visible"/>
+                                      </p:to>
+                                    </p:set>
+                                    <p:animEffect transition="in" filter="wipe(down)">
+                                      <p:cBhvr>
+                                        <p:cTn id="7" dur="500"/>
+                                        <p:tgtEl>
+                                          <p:spTgt spid="5">
+                                            <p:txEl>
+                                              <p:pRg st="1" end="1"/>
+                                            </p:txEl>
+                                          </p:spTgt>
+                                        </p:tgtEl>
+                                      </p:cBhvr>
+                                    </p:animEffect>
+                                  </p:childTnLst>
+                                </p:cTn>
+                              </p:par>
+                            </p:childTnLst>
+                          </p:cTn>
+                        </p:par>
+                      </p:childTnLst>
+                    </p:cTn>
+                  </p:par>
+                  <p:par>
+                    <p:cTn id="8" fill="hold">
+                      <p:stCondLst>
+                        <p:cond delay="indefinite"/>
+                      </p:stCondLst>
+                      <p:childTnLst>
+                        <p:par>
+                          <p:cTn id="9" fill="hold">
+                            <p:stCondLst>
+                              <p:cond delay="0"/>
+                            </p:stCondLst>
+                            <p:childTnLst>
+                              <p:par>
+                                <p:cTn id="10" presetID="22" presetClass="entr" presetSubtype="4" fill="hold" nodeType="clickEffect">
+                                  <p:stCondLst>
+                                    <p:cond delay="0"/>
+                                  </p:stCondLst>
+                                  <p:childTnLst>
+                                    <p:set>
+                                      <p:cBhvr>
+                                        <p:cTn id="11" dur="1" fill="hold">
+                                          <p:stCondLst>
+                                            <p:cond delay="0"/>
+                                          </p:stCondLst>
+                                        </p:cTn>
+                                        <p:tgtEl>
+                                          <p:spTgt spid="5">
+                                            <p:txEl>
+                                              <p:pRg st="2" end="2"/>
+                                            </p:txEl>
+                                          </p:spTgt>
+                                        </p:tgtEl>
+                                        <p:attrNameLst>
+                                          <p:attrName>style.visibility</p:attrName>
+                                        </p:attrNameLst>
+                                      </p:cBhvr>
+                                      <p:to>
+                                        <p:strVal val="visible"/>
+                                      </p:to>
+                                    </p:set>
+                                    <p:animEffect transition="in" filter="wipe(down)">
+                                      <p:cBhvr>
+                                        <p:cTn id="12" dur="500"/>
+                                        <p:tgtEl>
+                                          <p:spTgt spid="5">
+                                            <p:txEl>
+                                              <p:pRg st="2" end="2"/>
+                                            </p:txEl>
+                                          </p:spTgt>
+                                        </p:tgtEl>
+                                      </p:cBhvr>
+                                    </p:animEffect>
+                                  </p:childTnLst>
+                                </p:cTn>
+                              </p:par>
+                            </p:childTnLst>
+                          </p:cTn>
+                        </p:par>
+                      </p:childTnLst>
+                    </p:cTn>
+                  </p:par>
+                </p:childTnLst>
+              </p:cTn>
+              <p:prevCondLst>
+                <p:cond evt="onPrev" delay="0">
+                  <p:tgtEl>
+                    <p:sldTgt/>
+                  </p:tgtEl>
+                </p:cond>
+              </p:prevCondLst>
+              <p:nextCondLst>
+                <p:cond evt="onNext" delay="0">
+                  <p:tgtEl>
+                    <p:sldTgt/>
+                  </p:tgtEl>
+                </p:cond>
+              </p:nextCondLst>
+            </p:seq>
+          </p:childTnLst>
+        </p:cTn>
+      </p:par>
+    </p:tnLst>
+  </p:timing>
+</p:sld>
+</file>
+
 <file path=ppt/slides/slide5.xml><?xml version="1.0" encoding="utf-8"?>
 <p:sld xmlns:a="http://schemas.openxmlformats.org/drawingml/2006/main" xmlns:r="http://schemas.openxmlformats.org/officeDocument/2006/relationships" xmlns:p="http://schemas.openxmlformats.org/presentationml/2006/main">
   <p:cSld>
@@ -18091,6 +18986,970 @@
       </p:par>
     </p:tnLst>
   </p:timing>
+</p:sld>
+</file>
+
+<file path=ppt/slides/slide50.xml><?xml version="1.0" encoding="utf-8"?>
+<p:sld xmlns:a="http://schemas.openxmlformats.org/drawingml/2006/main" xmlns:r="http://schemas.openxmlformats.org/officeDocument/2006/relationships" xmlns:p="http://schemas.openxmlformats.org/presentationml/2006/main">
+  <p:cSld>
+    <p:bg>
+      <p:bgPr>
+        <a:blipFill dpi="0" rotWithShape="1">
+          <a:blip r:embed="rId3">
+            <a:lum/>
+          </a:blip>
+          <a:srcRect/>
+          <a:stretch>
+            <a:fillRect l="-1000" r="-1000"/>
+          </a:stretch>
+        </a:blipFill>
+        <a:effectLst/>
+      </p:bgPr>
+    </p:bg>
+    <p:spTree>
+      <p:nvGrpSpPr>
+        <p:cNvPr id="1" name=""/>
+        <p:cNvGrpSpPr/>
+        <p:nvPr/>
+      </p:nvGrpSpPr>
+      <p:grpSpPr>
+        <a:xfrm>
+          <a:off x="0" y="0"/>
+          <a:ext cx="0" cy="0"/>
+          <a:chOff x="0" y="0"/>
+          <a:chExt cx="0" cy="0"/>
+        </a:xfrm>
+      </p:grpSpPr>
+      <p:sp>
+        <p:nvSpPr>
+          <p:cNvPr id="3" name="Rectangle 2"/>
+          <p:cNvSpPr/>
+          <p:nvPr/>
+        </p:nvSpPr>
+        <p:spPr>
+          <a:xfrm>
+            <a:off x="685800" y="133350"/>
+            <a:ext cx="1883849" cy="307777"/>
+          </a:xfrm>
+          <a:prstGeom prst="rect">
+            <a:avLst/>
+          </a:prstGeom>
+        </p:spPr>
+        <p:txBody>
+          <a:bodyPr wrap="none">
+            <a:spAutoFit/>
+          </a:bodyPr>
+          <a:lstStyle/>
+          <a:p>
+            <a:r>
+              <a:rPr lang="en-US" sz="1400" b="1" dirty="0">
+                <a:solidFill>
+                  <a:srgbClr val="0070C0"/>
+                </a:solidFill>
+                <a:latin typeface="Roboto" panose="02000000000000000000" pitchFamily="2" charset="0"/>
+                <a:ea typeface="Roboto" panose="02000000000000000000" pitchFamily="2" charset="0"/>
+              </a:rPr>
+              <a:t>Stateless &amp; Stateful </a:t>
+            </a:r>
+          </a:p>
+        </p:txBody>
+      </p:sp>
+      <p:pic>
+        <p:nvPicPr>
+          <p:cNvPr id="4" name="Picture 3">
+            <a:extLst>
+              <a:ext uri="{FF2B5EF4-FFF2-40B4-BE49-F238E27FC236}">
+                <a16:creationId xmlns:a16="http://schemas.microsoft.com/office/drawing/2014/main" id="{3FFE0E28-8C1C-3AD7-AE8C-7AF3FAA1EC25}"/>
+              </a:ext>
+            </a:extLst>
+          </p:cNvPr>
+          <p:cNvPicPr>
+            <a:picLocks noChangeAspect="1"/>
+          </p:cNvPicPr>
+          <p:nvPr/>
+        </p:nvPicPr>
+        <p:blipFill>
+          <a:blip r:embed="rId4">
+            <a:extLst>
+              <a:ext uri="{28A0092B-C50C-407E-A947-70E740481C1C}">
+                <a14:useLocalDpi xmlns:a14="http://schemas.microsoft.com/office/drawing/2010/main" val="0"/>
+              </a:ext>
+            </a:extLst>
+          </a:blip>
+          <a:stretch>
+            <a:fillRect/>
+          </a:stretch>
+        </p:blipFill>
+        <p:spPr>
+          <a:xfrm>
+            <a:off x="228600" y="819151"/>
+            <a:ext cx="8229600" cy="3858810"/>
+          </a:xfrm>
+          <a:prstGeom prst="rect">
+            <a:avLst/>
+          </a:prstGeom>
+        </p:spPr>
+      </p:pic>
+    </p:spTree>
+    <p:extLst>
+      <p:ext uri="{BB962C8B-B14F-4D97-AF65-F5344CB8AC3E}">
+        <p14:creationId xmlns:p14="http://schemas.microsoft.com/office/powerpoint/2010/main" val="422109249"/>
+      </p:ext>
+    </p:extLst>
+  </p:cSld>
+  <p:clrMapOvr>
+    <a:masterClrMapping/>
+  </p:clrMapOvr>
+  <p:timing>
+    <p:tnLst>
+      <p:par>
+        <p:cTn id="1" dur="indefinite" restart="never" nodeType="tmRoot">
+          <p:childTnLst>
+            <p:seq concurrent="1" nextAc="seek">
+              <p:cTn id="2" dur="indefinite" nodeType="mainSeq">
+                <p:childTnLst>
+                  <p:par>
+                    <p:cTn id="3" fill="hold">
+                      <p:stCondLst>
+                        <p:cond delay="indefinite"/>
+                      </p:stCondLst>
+                      <p:childTnLst>
+                        <p:par>
+                          <p:cTn id="4" fill="hold">
+                            <p:stCondLst>
+                              <p:cond delay="0"/>
+                            </p:stCondLst>
+                            <p:childTnLst>
+                              <p:par>
+                                <p:cTn id="5" presetID="22" presetClass="entr" presetSubtype="4" fill="hold" nodeType="clickEffect">
+                                  <p:stCondLst>
+                                    <p:cond delay="0"/>
+                                  </p:stCondLst>
+                                  <p:childTnLst>
+                                    <p:set>
+                                      <p:cBhvr>
+                                        <p:cTn id="6" dur="1" fill="hold">
+                                          <p:stCondLst>
+                                            <p:cond delay="0"/>
+                                          </p:stCondLst>
+                                        </p:cTn>
+                                        <p:tgtEl>
+                                          <p:spTgt spid="4"/>
+                                        </p:tgtEl>
+                                        <p:attrNameLst>
+                                          <p:attrName>style.visibility</p:attrName>
+                                        </p:attrNameLst>
+                                      </p:cBhvr>
+                                      <p:to>
+                                        <p:strVal val="visible"/>
+                                      </p:to>
+                                    </p:set>
+                                    <p:animEffect transition="in" filter="wipe(down)">
+                                      <p:cBhvr>
+                                        <p:cTn id="7" dur="500"/>
+                                        <p:tgtEl>
+                                          <p:spTgt spid="4"/>
+                                        </p:tgtEl>
+                                      </p:cBhvr>
+                                    </p:animEffect>
+                                  </p:childTnLst>
+                                </p:cTn>
+                              </p:par>
+                            </p:childTnLst>
+                          </p:cTn>
+                        </p:par>
+                      </p:childTnLst>
+                    </p:cTn>
+                  </p:par>
+                </p:childTnLst>
+              </p:cTn>
+              <p:prevCondLst>
+                <p:cond evt="onPrev" delay="0">
+                  <p:tgtEl>
+                    <p:sldTgt/>
+                  </p:tgtEl>
+                </p:cond>
+              </p:prevCondLst>
+              <p:nextCondLst>
+                <p:cond evt="onNext" delay="0">
+                  <p:tgtEl>
+                    <p:sldTgt/>
+                  </p:tgtEl>
+                </p:cond>
+              </p:nextCondLst>
+            </p:seq>
+          </p:childTnLst>
+        </p:cTn>
+      </p:par>
+    </p:tnLst>
+  </p:timing>
+</p:sld>
+</file>
+
+<file path=ppt/slides/slide51.xml><?xml version="1.0" encoding="utf-8"?>
+<p:sld xmlns:a="http://schemas.openxmlformats.org/drawingml/2006/main" xmlns:r="http://schemas.openxmlformats.org/officeDocument/2006/relationships" xmlns:p="http://schemas.openxmlformats.org/presentationml/2006/main">
+  <p:cSld>
+    <p:bg>
+      <p:bgPr>
+        <a:blipFill dpi="0" rotWithShape="1">
+          <a:blip r:embed="rId3">
+            <a:lum/>
+          </a:blip>
+          <a:srcRect/>
+          <a:stretch>
+            <a:fillRect l="-1000" r="-1000"/>
+          </a:stretch>
+        </a:blipFill>
+        <a:effectLst/>
+      </p:bgPr>
+    </p:bg>
+    <p:spTree>
+      <p:nvGrpSpPr>
+        <p:cNvPr id="1" name=""/>
+        <p:cNvGrpSpPr/>
+        <p:nvPr/>
+      </p:nvGrpSpPr>
+      <p:grpSpPr>
+        <a:xfrm>
+          <a:off x="0" y="0"/>
+          <a:ext cx="0" cy="0"/>
+          <a:chOff x="0" y="0"/>
+          <a:chExt cx="0" cy="0"/>
+        </a:xfrm>
+      </p:grpSpPr>
+      <p:sp>
+        <p:nvSpPr>
+          <p:cNvPr id="3" name="Rectangle 2"/>
+          <p:cNvSpPr/>
+          <p:nvPr/>
+        </p:nvSpPr>
+        <p:spPr>
+          <a:xfrm>
+            <a:off x="685800" y="133350"/>
+            <a:ext cx="1883849" cy="307777"/>
+          </a:xfrm>
+          <a:prstGeom prst="rect">
+            <a:avLst/>
+          </a:prstGeom>
+        </p:spPr>
+        <p:txBody>
+          <a:bodyPr wrap="none">
+            <a:spAutoFit/>
+          </a:bodyPr>
+          <a:lstStyle/>
+          <a:p>
+            <a:r>
+              <a:rPr lang="en-US" sz="1400" b="1" dirty="0">
+                <a:solidFill>
+                  <a:srgbClr val="0070C0"/>
+                </a:solidFill>
+                <a:latin typeface="Roboto" panose="02000000000000000000" pitchFamily="2" charset="0"/>
+                <a:ea typeface="Roboto" panose="02000000000000000000" pitchFamily="2" charset="0"/>
+              </a:rPr>
+              <a:t>Stateless &amp; Stateful </a:t>
+            </a:r>
+          </a:p>
+        </p:txBody>
+      </p:sp>
+      <p:pic>
+        <p:nvPicPr>
+          <p:cNvPr id="5" name="Picture 4">
+            <a:extLst>
+              <a:ext uri="{FF2B5EF4-FFF2-40B4-BE49-F238E27FC236}">
+                <a16:creationId xmlns:a16="http://schemas.microsoft.com/office/drawing/2014/main" id="{6F0A7594-E459-EA82-AFA9-90AFE17C5207}"/>
+              </a:ext>
+            </a:extLst>
+          </p:cNvPr>
+          <p:cNvPicPr>
+            <a:picLocks noChangeAspect="1"/>
+          </p:cNvPicPr>
+          <p:nvPr/>
+        </p:nvPicPr>
+        <p:blipFill rotWithShape="1">
+          <a:blip r:embed="rId4">
+            <a:extLst>
+              <a:ext uri="{28A0092B-C50C-407E-A947-70E740481C1C}">
+                <a14:useLocalDpi xmlns:a14="http://schemas.microsoft.com/office/drawing/2010/main" val="0"/>
+              </a:ext>
+            </a:extLst>
+          </a:blip>
+          <a:srcRect b="8892"/>
+          <a:stretch/>
+        </p:blipFill>
+        <p:spPr>
+          <a:xfrm>
+            <a:off x="685800" y="819150"/>
+            <a:ext cx="7162800" cy="3581400"/>
+          </a:xfrm>
+          <a:prstGeom prst="rect">
+            <a:avLst/>
+          </a:prstGeom>
+        </p:spPr>
+      </p:pic>
+    </p:spTree>
+    <p:extLst>
+      <p:ext uri="{BB962C8B-B14F-4D97-AF65-F5344CB8AC3E}">
+        <p14:creationId xmlns:p14="http://schemas.microsoft.com/office/powerpoint/2010/main" val="1630698354"/>
+      </p:ext>
+    </p:extLst>
+  </p:cSld>
+  <p:clrMapOvr>
+    <a:masterClrMapping/>
+  </p:clrMapOvr>
+  <p:timing>
+    <p:tnLst>
+      <p:par>
+        <p:cTn id="1" dur="indefinite" restart="never" nodeType="tmRoot">
+          <p:childTnLst>
+            <p:seq concurrent="1" nextAc="seek">
+              <p:cTn id="2" dur="indefinite" nodeType="mainSeq">
+                <p:childTnLst>
+                  <p:par>
+                    <p:cTn id="3" fill="hold">
+                      <p:stCondLst>
+                        <p:cond delay="indefinite"/>
+                      </p:stCondLst>
+                      <p:childTnLst>
+                        <p:par>
+                          <p:cTn id="4" fill="hold">
+                            <p:stCondLst>
+                              <p:cond delay="0"/>
+                            </p:stCondLst>
+                            <p:childTnLst>
+                              <p:par>
+                                <p:cTn id="5" presetID="22" presetClass="entr" presetSubtype="4" fill="hold" nodeType="clickEffect">
+                                  <p:stCondLst>
+                                    <p:cond delay="0"/>
+                                  </p:stCondLst>
+                                  <p:childTnLst>
+                                    <p:set>
+                                      <p:cBhvr>
+                                        <p:cTn id="6" dur="1" fill="hold">
+                                          <p:stCondLst>
+                                            <p:cond delay="0"/>
+                                          </p:stCondLst>
+                                        </p:cTn>
+                                        <p:tgtEl>
+                                          <p:spTgt spid="5"/>
+                                        </p:tgtEl>
+                                        <p:attrNameLst>
+                                          <p:attrName>style.visibility</p:attrName>
+                                        </p:attrNameLst>
+                                      </p:cBhvr>
+                                      <p:to>
+                                        <p:strVal val="visible"/>
+                                      </p:to>
+                                    </p:set>
+                                    <p:animEffect transition="in" filter="wipe(down)">
+                                      <p:cBhvr>
+                                        <p:cTn id="7" dur="500"/>
+                                        <p:tgtEl>
+                                          <p:spTgt spid="5"/>
+                                        </p:tgtEl>
+                                      </p:cBhvr>
+                                    </p:animEffect>
+                                  </p:childTnLst>
+                                </p:cTn>
+                              </p:par>
+                            </p:childTnLst>
+                          </p:cTn>
+                        </p:par>
+                      </p:childTnLst>
+                    </p:cTn>
+                  </p:par>
+                </p:childTnLst>
+              </p:cTn>
+              <p:prevCondLst>
+                <p:cond evt="onPrev" delay="0">
+                  <p:tgtEl>
+                    <p:sldTgt/>
+                  </p:tgtEl>
+                </p:cond>
+              </p:prevCondLst>
+              <p:nextCondLst>
+                <p:cond evt="onNext" delay="0">
+                  <p:tgtEl>
+                    <p:sldTgt/>
+                  </p:tgtEl>
+                </p:cond>
+              </p:nextCondLst>
+            </p:seq>
+          </p:childTnLst>
+        </p:cTn>
+      </p:par>
+    </p:tnLst>
+  </p:timing>
+</p:sld>
+</file>
+
+<file path=ppt/slides/slide52.xml><?xml version="1.0" encoding="utf-8"?>
+<p:sld xmlns:a="http://schemas.openxmlformats.org/drawingml/2006/main" xmlns:r="http://schemas.openxmlformats.org/officeDocument/2006/relationships" xmlns:p="http://schemas.openxmlformats.org/presentationml/2006/main">
+  <p:cSld>
+    <p:bg>
+      <p:bgPr>
+        <a:blipFill dpi="0" rotWithShape="1">
+          <a:blip r:embed="rId3">
+            <a:lum/>
+          </a:blip>
+          <a:srcRect/>
+          <a:stretch>
+            <a:fillRect l="-1000" r="-1000"/>
+          </a:stretch>
+        </a:blipFill>
+        <a:effectLst/>
+      </p:bgPr>
+    </p:bg>
+    <p:spTree>
+      <p:nvGrpSpPr>
+        <p:cNvPr id="1" name=""/>
+        <p:cNvGrpSpPr/>
+        <p:nvPr/>
+      </p:nvGrpSpPr>
+      <p:grpSpPr>
+        <a:xfrm>
+          <a:off x="0" y="0"/>
+          <a:ext cx="0" cy="0"/>
+          <a:chOff x="0" y="0"/>
+          <a:chExt cx="0" cy="0"/>
+        </a:xfrm>
+      </p:grpSpPr>
+      <p:sp>
+        <p:nvSpPr>
+          <p:cNvPr id="3" name="Rectangle 2"/>
+          <p:cNvSpPr/>
+          <p:nvPr/>
+        </p:nvSpPr>
+        <p:spPr>
+          <a:xfrm>
+            <a:off x="685800" y="133350"/>
+            <a:ext cx="2443298" cy="307777"/>
+          </a:xfrm>
+          <a:prstGeom prst="rect">
+            <a:avLst/>
+          </a:prstGeom>
+        </p:spPr>
+        <p:txBody>
+          <a:bodyPr wrap="none">
+            <a:spAutoFit/>
+          </a:bodyPr>
+          <a:lstStyle/>
+          <a:p>
+            <a:r>
+              <a:rPr lang="en-US" sz="1400" b="1" dirty="0">
+                <a:solidFill>
+                  <a:srgbClr val="0070C0"/>
+                </a:solidFill>
+                <a:latin typeface="Roboto" panose="02000000000000000000" pitchFamily="2" charset="0"/>
+                <a:ea typeface="Roboto" panose="02000000000000000000" pitchFamily="2" charset="0"/>
+              </a:rPr>
+              <a:t>How Stateful Widget Works </a:t>
+            </a:r>
+          </a:p>
+        </p:txBody>
+      </p:sp>
+      <p:pic>
+        <p:nvPicPr>
+          <p:cNvPr id="4" name="Picture 3">
+            <a:extLst>
+              <a:ext uri="{FF2B5EF4-FFF2-40B4-BE49-F238E27FC236}">
+                <a16:creationId xmlns:a16="http://schemas.microsoft.com/office/drawing/2014/main" id="{08D8472E-6583-52E3-1AE0-C60F758D0D66}"/>
+              </a:ext>
+            </a:extLst>
+          </p:cNvPr>
+          <p:cNvPicPr>
+            <a:picLocks noChangeAspect="1"/>
+          </p:cNvPicPr>
+          <p:nvPr/>
+        </p:nvPicPr>
+        <p:blipFill rotWithShape="1">
+          <a:blip r:embed="rId4">
+            <a:extLst>
+              <a:ext uri="{28A0092B-C50C-407E-A947-70E740481C1C}">
+                <a14:useLocalDpi xmlns:a14="http://schemas.microsoft.com/office/drawing/2010/main" val="0"/>
+              </a:ext>
+            </a:extLst>
+          </a:blip>
+          <a:srcRect b="11308"/>
+          <a:stretch/>
+        </p:blipFill>
+        <p:spPr>
+          <a:xfrm>
+            <a:off x="457200" y="895350"/>
+            <a:ext cx="7905750" cy="2999668"/>
+          </a:xfrm>
+          <a:prstGeom prst="rect">
+            <a:avLst/>
+          </a:prstGeom>
+        </p:spPr>
+      </p:pic>
+    </p:spTree>
+    <p:extLst>
+      <p:ext uri="{BB962C8B-B14F-4D97-AF65-F5344CB8AC3E}">
+        <p14:creationId xmlns:p14="http://schemas.microsoft.com/office/powerpoint/2010/main" val="784481096"/>
+      </p:ext>
+    </p:extLst>
+  </p:cSld>
+  <p:clrMapOvr>
+    <a:masterClrMapping/>
+  </p:clrMapOvr>
+  <p:timing>
+    <p:tnLst>
+      <p:par>
+        <p:cTn id="1" dur="indefinite" restart="never" nodeType="tmRoot">
+          <p:childTnLst>
+            <p:seq concurrent="1" nextAc="seek">
+              <p:cTn id="2" dur="indefinite" nodeType="mainSeq">
+                <p:childTnLst>
+                  <p:par>
+                    <p:cTn id="3" fill="hold">
+                      <p:stCondLst>
+                        <p:cond delay="indefinite"/>
+                      </p:stCondLst>
+                      <p:childTnLst>
+                        <p:par>
+                          <p:cTn id="4" fill="hold">
+                            <p:stCondLst>
+                              <p:cond delay="0"/>
+                            </p:stCondLst>
+                            <p:childTnLst>
+                              <p:par>
+                                <p:cTn id="5" presetID="22" presetClass="entr" presetSubtype="4" fill="hold" nodeType="clickEffect">
+                                  <p:stCondLst>
+                                    <p:cond delay="0"/>
+                                  </p:stCondLst>
+                                  <p:childTnLst>
+                                    <p:set>
+                                      <p:cBhvr>
+                                        <p:cTn id="6" dur="1" fill="hold">
+                                          <p:stCondLst>
+                                            <p:cond delay="0"/>
+                                          </p:stCondLst>
+                                        </p:cTn>
+                                        <p:tgtEl>
+                                          <p:spTgt spid="4"/>
+                                        </p:tgtEl>
+                                        <p:attrNameLst>
+                                          <p:attrName>style.visibility</p:attrName>
+                                        </p:attrNameLst>
+                                      </p:cBhvr>
+                                      <p:to>
+                                        <p:strVal val="visible"/>
+                                      </p:to>
+                                    </p:set>
+                                    <p:animEffect transition="in" filter="wipe(down)">
+                                      <p:cBhvr>
+                                        <p:cTn id="7" dur="500"/>
+                                        <p:tgtEl>
+                                          <p:spTgt spid="4"/>
+                                        </p:tgtEl>
+                                      </p:cBhvr>
+                                    </p:animEffect>
+                                  </p:childTnLst>
+                                </p:cTn>
+                              </p:par>
+                            </p:childTnLst>
+                          </p:cTn>
+                        </p:par>
+                      </p:childTnLst>
+                    </p:cTn>
+                  </p:par>
+                </p:childTnLst>
+              </p:cTn>
+              <p:prevCondLst>
+                <p:cond evt="onPrev" delay="0">
+                  <p:tgtEl>
+                    <p:sldTgt/>
+                  </p:tgtEl>
+                </p:cond>
+              </p:prevCondLst>
+              <p:nextCondLst>
+                <p:cond evt="onNext" delay="0">
+                  <p:tgtEl>
+                    <p:sldTgt/>
+                  </p:tgtEl>
+                </p:cond>
+              </p:nextCondLst>
+            </p:seq>
+          </p:childTnLst>
+        </p:cTn>
+      </p:par>
+    </p:tnLst>
+  </p:timing>
+</p:sld>
+</file>
+
+<file path=ppt/slides/slide53.xml><?xml version="1.0" encoding="utf-8"?>
+<p:sld xmlns:a="http://schemas.openxmlformats.org/drawingml/2006/main" xmlns:r="http://schemas.openxmlformats.org/officeDocument/2006/relationships" xmlns:p="http://schemas.openxmlformats.org/presentationml/2006/main">
+  <p:cSld>
+    <p:bg>
+      <p:bgPr>
+        <a:blipFill dpi="0" rotWithShape="1">
+          <a:blip r:embed="rId3">
+            <a:lum/>
+          </a:blip>
+          <a:srcRect/>
+          <a:stretch>
+            <a:fillRect l="-1000" r="-1000"/>
+          </a:stretch>
+        </a:blipFill>
+        <a:effectLst/>
+      </p:bgPr>
+    </p:bg>
+    <p:spTree>
+      <p:nvGrpSpPr>
+        <p:cNvPr id="1" name=""/>
+        <p:cNvGrpSpPr/>
+        <p:nvPr/>
+      </p:nvGrpSpPr>
+      <p:grpSpPr>
+        <a:xfrm>
+          <a:off x="0" y="0"/>
+          <a:ext cx="0" cy="0"/>
+          <a:chOff x="0" y="0"/>
+          <a:chExt cx="0" cy="0"/>
+        </a:xfrm>
+      </p:grpSpPr>
+      <p:sp>
+        <p:nvSpPr>
+          <p:cNvPr id="3" name="Rectangle 2"/>
+          <p:cNvSpPr/>
+          <p:nvPr/>
+        </p:nvSpPr>
+        <p:spPr>
+          <a:xfrm>
+            <a:off x="685800" y="133350"/>
+            <a:ext cx="2443298" cy="307777"/>
+          </a:xfrm>
+          <a:prstGeom prst="rect">
+            <a:avLst/>
+          </a:prstGeom>
+        </p:spPr>
+        <p:txBody>
+          <a:bodyPr wrap="none">
+            <a:spAutoFit/>
+          </a:bodyPr>
+          <a:lstStyle/>
+          <a:p>
+            <a:r>
+              <a:rPr lang="en-US" sz="1400" b="1" dirty="0">
+                <a:solidFill>
+                  <a:srgbClr val="0070C0"/>
+                </a:solidFill>
+                <a:latin typeface="Roboto" panose="02000000000000000000" pitchFamily="2" charset="0"/>
+                <a:ea typeface="Roboto" panose="02000000000000000000" pitchFamily="2" charset="0"/>
+              </a:rPr>
+              <a:t>How Stateful Widget Works </a:t>
+            </a:r>
+          </a:p>
+        </p:txBody>
+      </p:sp>
+      <p:pic>
+        <p:nvPicPr>
+          <p:cNvPr id="5" name="Picture 4">
+            <a:extLst>
+              <a:ext uri="{FF2B5EF4-FFF2-40B4-BE49-F238E27FC236}">
+                <a16:creationId xmlns:a16="http://schemas.microsoft.com/office/drawing/2014/main" id="{C805F50E-95DD-2CC7-FD26-D2F4EDCCB43F}"/>
+              </a:ext>
+            </a:extLst>
+          </p:cNvPr>
+          <p:cNvPicPr>
+            <a:picLocks noChangeAspect="1"/>
+          </p:cNvPicPr>
+          <p:nvPr/>
+        </p:nvPicPr>
+        <p:blipFill rotWithShape="1">
+          <a:blip r:embed="rId4" cstate="print">
+            <a:extLst>
+              <a:ext uri="{28A0092B-C50C-407E-A947-70E740481C1C}">
+                <a14:useLocalDpi xmlns:a14="http://schemas.microsoft.com/office/drawing/2010/main" val="0"/>
+              </a:ext>
+            </a:extLst>
+          </a:blip>
+          <a:srcRect l="1905" t="5666" r="953" b="5666"/>
+          <a:stretch/>
+        </p:blipFill>
+        <p:spPr>
+          <a:xfrm>
+            <a:off x="533400" y="1162050"/>
+            <a:ext cx="7988300" cy="2819400"/>
+          </a:xfrm>
+          <a:prstGeom prst="rect">
+            <a:avLst/>
+          </a:prstGeom>
+        </p:spPr>
+      </p:pic>
+    </p:spTree>
+    <p:extLst>
+      <p:ext uri="{BB962C8B-B14F-4D97-AF65-F5344CB8AC3E}">
+        <p14:creationId xmlns:p14="http://schemas.microsoft.com/office/powerpoint/2010/main" val="1523302348"/>
+      </p:ext>
+    </p:extLst>
+  </p:cSld>
+  <p:clrMapOvr>
+    <a:masterClrMapping/>
+  </p:clrMapOvr>
+</p:sld>
+</file>
+
+<file path=ppt/slides/slide54.xml><?xml version="1.0" encoding="utf-8"?>
+<p:sld xmlns:a="http://schemas.openxmlformats.org/drawingml/2006/main" xmlns:r="http://schemas.openxmlformats.org/officeDocument/2006/relationships" xmlns:p="http://schemas.openxmlformats.org/presentationml/2006/main">
+  <p:cSld>
+    <p:bg>
+      <p:bgPr>
+        <a:blipFill dpi="0" rotWithShape="1">
+          <a:blip r:embed="rId3">
+            <a:lum/>
+          </a:blip>
+          <a:srcRect/>
+          <a:stretch>
+            <a:fillRect l="-1000" r="-1000"/>
+          </a:stretch>
+        </a:blipFill>
+        <a:effectLst/>
+      </p:bgPr>
+    </p:bg>
+    <p:spTree>
+      <p:nvGrpSpPr>
+        <p:cNvPr id="1" name=""/>
+        <p:cNvGrpSpPr/>
+        <p:nvPr/>
+      </p:nvGrpSpPr>
+      <p:grpSpPr>
+        <a:xfrm>
+          <a:off x="0" y="0"/>
+          <a:ext cx="0" cy="0"/>
+          <a:chOff x="0" y="0"/>
+          <a:chExt cx="0" cy="0"/>
+        </a:xfrm>
+      </p:grpSpPr>
+      <p:sp>
+        <p:nvSpPr>
+          <p:cNvPr id="3" name="Rectangle 2"/>
+          <p:cNvSpPr/>
+          <p:nvPr/>
+        </p:nvSpPr>
+        <p:spPr>
+          <a:xfrm>
+            <a:off x="685800" y="133350"/>
+            <a:ext cx="3201517" cy="307777"/>
+          </a:xfrm>
+          <a:prstGeom prst="rect">
+            <a:avLst/>
+          </a:prstGeom>
+        </p:spPr>
+        <p:txBody>
+          <a:bodyPr wrap="none">
+            <a:spAutoFit/>
+          </a:bodyPr>
+          <a:lstStyle/>
+          <a:p>
+            <a:r>
+              <a:rPr lang="en-US" sz="1400" b="1" dirty="0">
+                <a:solidFill>
+                  <a:srgbClr val="0070C0"/>
+                </a:solidFill>
+                <a:latin typeface="Roboto" panose="02000000000000000000" pitchFamily="2" charset="0"/>
+                <a:ea typeface="Roboto" panose="02000000000000000000" pitchFamily="2" charset="0"/>
+              </a:rPr>
+              <a:t>Lets Create Our First Stateful Widget </a:t>
+            </a:r>
+          </a:p>
+        </p:txBody>
+      </p:sp>
+      <p:pic>
+        <p:nvPicPr>
+          <p:cNvPr id="5" name="Picture 4">
+            <a:extLst>
+              <a:ext uri="{FF2B5EF4-FFF2-40B4-BE49-F238E27FC236}">
+                <a16:creationId xmlns:a16="http://schemas.microsoft.com/office/drawing/2014/main" id="{C805F50E-95DD-2CC7-FD26-D2F4EDCCB43F}"/>
+              </a:ext>
+            </a:extLst>
+          </p:cNvPr>
+          <p:cNvPicPr>
+            <a:picLocks noChangeAspect="1"/>
+          </p:cNvPicPr>
+          <p:nvPr/>
+        </p:nvPicPr>
+        <p:blipFill rotWithShape="1">
+          <a:blip r:embed="rId4" cstate="print">
+            <a:extLst>
+              <a:ext uri="{28A0092B-C50C-407E-A947-70E740481C1C}">
+                <a14:useLocalDpi xmlns:a14="http://schemas.microsoft.com/office/drawing/2010/main" val="0"/>
+              </a:ext>
+            </a:extLst>
+          </a:blip>
+          <a:srcRect l="1905" t="5666" r="953" b="5666"/>
+          <a:stretch/>
+        </p:blipFill>
+        <p:spPr>
+          <a:xfrm>
+            <a:off x="533400" y="1162050"/>
+            <a:ext cx="7988300" cy="2819400"/>
+          </a:xfrm>
+          <a:prstGeom prst="rect">
+            <a:avLst/>
+          </a:prstGeom>
+        </p:spPr>
+      </p:pic>
+    </p:spTree>
+    <p:extLst>
+      <p:ext uri="{BB962C8B-B14F-4D97-AF65-F5344CB8AC3E}">
+        <p14:creationId xmlns:p14="http://schemas.microsoft.com/office/powerpoint/2010/main" val="520492906"/>
+      </p:ext>
+    </p:extLst>
+  </p:cSld>
+  <p:clrMapOvr>
+    <a:masterClrMapping/>
+  </p:clrMapOvr>
+</p:sld>
+</file>
+
+<file path=ppt/slides/slide55.xml><?xml version="1.0" encoding="utf-8"?>
+<p:sld xmlns:a="http://schemas.openxmlformats.org/drawingml/2006/main" xmlns:r="http://schemas.openxmlformats.org/officeDocument/2006/relationships" xmlns:p="http://schemas.openxmlformats.org/presentationml/2006/main">
+  <p:cSld>
+    <p:bg>
+      <p:bgPr>
+        <a:blipFill dpi="0" rotWithShape="1">
+          <a:blip r:embed="rId3">
+            <a:lum/>
+          </a:blip>
+          <a:srcRect/>
+          <a:stretch>
+            <a:fillRect l="-1000" r="-1000"/>
+          </a:stretch>
+        </a:blipFill>
+        <a:effectLst/>
+      </p:bgPr>
+    </p:bg>
+    <p:spTree>
+      <p:nvGrpSpPr>
+        <p:cNvPr id="1" name=""/>
+        <p:cNvGrpSpPr/>
+        <p:nvPr/>
+      </p:nvGrpSpPr>
+      <p:grpSpPr>
+        <a:xfrm>
+          <a:off x="0" y="0"/>
+          <a:ext cx="0" cy="0"/>
+          <a:chOff x="0" y="0"/>
+          <a:chExt cx="0" cy="0"/>
+        </a:xfrm>
+      </p:grpSpPr>
+      <p:sp>
+        <p:nvSpPr>
+          <p:cNvPr id="3" name="Rectangle 2"/>
+          <p:cNvSpPr/>
+          <p:nvPr/>
+        </p:nvSpPr>
+        <p:spPr>
+          <a:xfrm>
+            <a:off x="685800" y="133350"/>
+            <a:ext cx="2335896" cy="307777"/>
+          </a:xfrm>
+          <a:prstGeom prst="rect">
+            <a:avLst/>
+          </a:prstGeom>
+        </p:spPr>
+        <p:txBody>
+          <a:bodyPr wrap="none">
+            <a:spAutoFit/>
+          </a:bodyPr>
+          <a:lstStyle/>
+          <a:p>
+            <a:r>
+              <a:rPr lang="en-US" sz="1400" b="1" dirty="0">
+                <a:solidFill>
+                  <a:srgbClr val="0070C0"/>
+                </a:solidFill>
+                <a:latin typeface="Roboto" panose="02000000000000000000" pitchFamily="2" charset="0"/>
+                <a:ea typeface="Roboto" panose="02000000000000000000" pitchFamily="2" charset="0"/>
+              </a:rPr>
+              <a:t>Lets Create A Counter App</a:t>
+            </a:r>
+          </a:p>
+        </p:txBody>
+      </p:sp>
+      <p:pic>
+        <p:nvPicPr>
+          <p:cNvPr id="4" name="Picture 3">
+            <a:extLst>
+              <a:ext uri="{FF2B5EF4-FFF2-40B4-BE49-F238E27FC236}">
+                <a16:creationId xmlns:a16="http://schemas.microsoft.com/office/drawing/2014/main" id="{CB096ED8-BB29-6E71-A1B5-8411551C180B}"/>
+              </a:ext>
+            </a:extLst>
+          </p:cNvPr>
+          <p:cNvPicPr>
+            <a:picLocks noChangeAspect="1"/>
+          </p:cNvPicPr>
+          <p:nvPr/>
+        </p:nvPicPr>
+        <p:blipFill rotWithShape="1">
+          <a:blip r:embed="rId4">
+            <a:extLst>
+              <a:ext uri="{28A0092B-C50C-407E-A947-70E740481C1C}">
+                <a14:useLocalDpi xmlns:a14="http://schemas.microsoft.com/office/drawing/2010/main" val="0"/>
+              </a:ext>
+            </a:extLst>
+          </a:blip>
+          <a:srcRect b="11860"/>
+          <a:stretch/>
+        </p:blipFill>
+        <p:spPr>
+          <a:xfrm>
+            <a:off x="3127752" y="1581150"/>
+            <a:ext cx="5254248" cy="1981199"/>
+          </a:xfrm>
+          <a:prstGeom prst="rect">
+            <a:avLst/>
+          </a:prstGeom>
+        </p:spPr>
+      </p:pic>
+      <p:pic>
+        <p:nvPicPr>
+          <p:cNvPr id="7" name="Picture 6">
+            <a:extLst>
+              <a:ext uri="{FF2B5EF4-FFF2-40B4-BE49-F238E27FC236}">
+                <a16:creationId xmlns:a16="http://schemas.microsoft.com/office/drawing/2014/main" id="{62C21280-F40D-3ED0-805E-21B9AAD3BDFA}"/>
+              </a:ext>
+            </a:extLst>
+          </p:cNvPr>
+          <p:cNvPicPr>
+            <a:picLocks noChangeAspect="1"/>
+          </p:cNvPicPr>
+          <p:nvPr/>
+        </p:nvPicPr>
+        <p:blipFill>
+          <a:blip r:embed="rId5" cstate="print">
+            <a:extLst>
+              <a:ext uri="{28A0092B-C50C-407E-A947-70E740481C1C}">
+                <a14:useLocalDpi xmlns:a14="http://schemas.microsoft.com/office/drawing/2010/main" val="0"/>
+              </a:ext>
+            </a:extLst>
+          </a:blip>
+          <a:stretch>
+            <a:fillRect/>
+          </a:stretch>
+        </p:blipFill>
+        <p:spPr>
+          <a:xfrm>
+            <a:off x="669131" y="819150"/>
+            <a:ext cx="2022440" cy="3867150"/>
+          </a:xfrm>
+          <a:prstGeom prst="rect">
+            <a:avLst/>
+          </a:prstGeom>
+        </p:spPr>
+      </p:pic>
+    </p:spTree>
+    <p:extLst>
+      <p:ext uri="{BB962C8B-B14F-4D97-AF65-F5344CB8AC3E}">
+        <p14:creationId xmlns:p14="http://schemas.microsoft.com/office/powerpoint/2010/main" val="3042473990"/>
+      </p:ext>
+    </p:extLst>
+  </p:cSld>
+  <p:clrMapOvr>
+    <a:masterClrMapping/>
+  </p:clrMapOvr>
 </p:sld>
 </file>
 

--- a/Flutter/PPT/Slide.pptx
+++ b/Flutter/PPT/Slide.pptx
@@ -5,7 +5,7 @@
     <p:sldMasterId id="2147483648" r:id="rId1"/>
   </p:sldMasterIdLst>
   <p:notesMasterIdLst>
-    <p:notesMasterId r:id="rId57"/>
+    <p:notesMasterId r:id="rId67"/>
   </p:notesMasterIdLst>
   <p:sldIdLst>
     <p:sldId id="256" r:id="rId2"/>
@@ -56,13 +56,23 @@
     <p:sldId id="317" r:id="rId47"/>
     <p:sldId id="318" r:id="rId48"/>
     <p:sldId id="319" r:id="rId49"/>
-    <p:sldId id="320" r:id="rId50"/>
-    <p:sldId id="321" r:id="rId51"/>
-    <p:sldId id="322" r:id="rId52"/>
-    <p:sldId id="324" r:id="rId53"/>
-    <p:sldId id="325" r:id="rId54"/>
-    <p:sldId id="326" r:id="rId55"/>
-    <p:sldId id="327" r:id="rId56"/>
+    <p:sldId id="329" r:id="rId50"/>
+    <p:sldId id="320" r:id="rId51"/>
+    <p:sldId id="328" r:id="rId52"/>
+    <p:sldId id="321" r:id="rId53"/>
+    <p:sldId id="322" r:id="rId54"/>
+    <p:sldId id="324" r:id="rId55"/>
+    <p:sldId id="325" r:id="rId56"/>
+    <p:sldId id="326" r:id="rId57"/>
+    <p:sldId id="330" r:id="rId58"/>
+    <p:sldId id="331" r:id="rId59"/>
+    <p:sldId id="332" r:id="rId60"/>
+    <p:sldId id="333" r:id="rId61"/>
+    <p:sldId id="334" r:id="rId62"/>
+    <p:sldId id="335" r:id="rId63"/>
+    <p:sldId id="327" r:id="rId64"/>
+    <p:sldId id="336" r:id="rId65"/>
+    <p:sldId id="337" r:id="rId66"/>
   </p:sldIdLst>
   <p:sldSz cx="9144000" cy="5143500" type="screen16x9"/>
   <p:notesSz cx="6858000" cy="9144000"/>
@@ -262,7 +272,7 @@
           <a:p>
             <a:fld id="{38EBF754-CDC4-4762-B81C-FDFA88BC1D35}" type="datetimeFigureOut">
               <a:rPr lang="en-US" smtClean="0"/>
-              <a:t>Mon</a:t>
+              <a:t>Tue</a:t>
             </a:fld>
             <a:endParaRPr lang="en-US"/>
           </a:p>
@@ -1863,7 +1873,7 @@
     </p:spTree>
     <p:extLst>
       <p:ext uri="{BB962C8B-B14F-4D97-AF65-F5344CB8AC3E}">
-        <p14:creationId xmlns:p14="http://schemas.microsoft.com/office/powerpoint/2010/main" val="2434054304"/>
+        <p14:creationId xmlns:p14="http://schemas.microsoft.com/office/powerpoint/2010/main" val="787291833"/>
       </p:ext>
     </p:extLst>
   </p:cSld>
@@ -1947,7 +1957,7 @@
     </p:spTree>
     <p:extLst>
       <p:ext uri="{BB962C8B-B14F-4D97-AF65-F5344CB8AC3E}">
-        <p14:creationId xmlns:p14="http://schemas.microsoft.com/office/powerpoint/2010/main" val="772839447"/>
+        <p14:creationId xmlns:p14="http://schemas.microsoft.com/office/powerpoint/2010/main" val="2434054304"/>
       </p:ext>
     </p:extLst>
   </p:cSld>
@@ -2031,7 +2041,7 @@
     </p:spTree>
     <p:extLst>
       <p:ext uri="{BB962C8B-B14F-4D97-AF65-F5344CB8AC3E}">
-        <p14:creationId xmlns:p14="http://schemas.microsoft.com/office/powerpoint/2010/main" val="3366802569"/>
+        <p14:creationId xmlns:p14="http://schemas.microsoft.com/office/powerpoint/2010/main" val="2725135191"/>
       </p:ext>
     </p:extLst>
   </p:cSld>
@@ -2115,7 +2125,7 @@
     </p:spTree>
     <p:extLst>
       <p:ext uri="{BB962C8B-B14F-4D97-AF65-F5344CB8AC3E}">
-        <p14:creationId xmlns:p14="http://schemas.microsoft.com/office/powerpoint/2010/main" val="3766749095"/>
+        <p14:creationId xmlns:p14="http://schemas.microsoft.com/office/powerpoint/2010/main" val="772839447"/>
       </p:ext>
     </p:extLst>
   </p:cSld>
@@ -2199,7 +2209,7 @@
     </p:spTree>
     <p:extLst>
       <p:ext uri="{BB962C8B-B14F-4D97-AF65-F5344CB8AC3E}">
-        <p14:creationId xmlns:p14="http://schemas.microsoft.com/office/powerpoint/2010/main" val="2563821384"/>
+        <p14:creationId xmlns:p14="http://schemas.microsoft.com/office/powerpoint/2010/main" val="3366802569"/>
       </p:ext>
     </p:extLst>
   </p:cSld>
@@ -2283,7 +2293,7 @@
     </p:spTree>
     <p:extLst>
       <p:ext uri="{BB962C8B-B14F-4D97-AF65-F5344CB8AC3E}">
-        <p14:creationId xmlns:p14="http://schemas.microsoft.com/office/powerpoint/2010/main" val="4018084357"/>
+        <p14:creationId xmlns:p14="http://schemas.microsoft.com/office/powerpoint/2010/main" val="3766749095"/>
       </p:ext>
     </p:extLst>
   </p:cSld>
@@ -2367,7 +2377,7 @@
     </p:spTree>
     <p:extLst>
       <p:ext uri="{BB962C8B-B14F-4D97-AF65-F5344CB8AC3E}">
-        <p14:creationId xmlns:p14="http://schemas.microsoft.com/office/powerpoint/2010/main" val="2727317315"/>
+        <p14:creationId xmlns:p14="http://schemas.microsoft.com/office/powerpoint/2010/main" val="2563821384"/>
       </p:ext>
     </p:extLst>
   </p:cSld>
@@ -2452,6 +2462,846 @@
     <p:extLst>
       <p:ext uri="{BB962C8B-B14F-4D97-AF65-F5344CB8AC3E}">
         <p14:creationId xmlns:p14="http://schemas.microsoft.com/office/powerpoint/2010/main" val="3634637307"/>
+      </p:ext>
+    </p:extLst>
+  </p:cSld>
+  <p:clrMapOvr>
+    <a:masterClrMapping/>
+  </p:clrMapOvr>
+</p:notes>
+</file>
+
+<file path=ppt/notesSlides/notesSlide30.xml><?xml version="1.0" encoding="utf-8"?>
+<p:notes xmlns:a="http://schemas.openxmlformats.org/drawingml/2006/main" xmlns:r="http://schemas.openxmlformats.org/officeDocument/2006/relationships" xmlns:p="http://schemas.openxmlformats.org/presentationml/2006/main">
+  <p:cSld>
+    <p:spTree>
+      <p:nvGrpSpPr>
+        <p:cNvPr id="1" name=""/>
+        <p:cNvGrpSpPr/>
+        <p:nvPr/>
+      </p:nvGrpSpPr>
+      <p:grpSpPr>
+        <a:xfrm>
+          <a:off x="0" y="0"/>
+          <a:ext cx="0" cy="0"/>
+          <a:chOff x="0" y="0"/>
+          <a:chExt cx="0" cy="0"/>
+        </a:xfrm>
+      </p:grpSpPr>
+      <p:sp>
+        <p:nvSpPr>
+          <p:cNvPr id="2" name="Slide Image Placeholder 1"/>
+          <p:cNvSpPr>
+            <a:spLocks noGrp="1" noRot="1" noChangeAspect="1"/>
+          </p:cNvSpPr>
+          <p:nvPr>
+            <p:ph type="sldImg"/>
+          </p:nvPr>
+        </p:nvSpPr>
+        <p:spPr/>
+      </p:sp>
+      <p:sp>
+        <p:nvSpPr>
+          <p:cNvPr id="3" name="Notes Placeholder 2"/>
+          <p:cNvSpPr>
+            <a:spLocks noGrp="1"/>
+          </p:cNvSpPr>
+          <p:nvPr>
+            <p:ph type="body" idx="1"/>
+          </p:nvPr>
+        </p:nvSpPr>
+        <p:spPr/>
+        <p:txBody>
+          <a:bodyPr/>
+          <a:lstStyle/>
+          <a:p>
+            <a:endParaRPr lang="en-US" dirty="0"/>
+          </a:p>
+        </p:txBody>
+      </p:sp>
+      <p:sp>
+        <p:nvSpPr>
+          <p:cNvPr id="4" name="Slide Number Placeholder 3"/>
+          <p:cNvSpPr>
+            <a:spLocks noGrp="1"/>
+          </p:cNvSpPr>
+          <p:nvPr>
+            <p:ph type="sldNum" sz="quarter" idx="5"/>
+          </p:nvPr>
+        </p:nvSpPr>
+        <p:spPr/>
+        <p:txBody>
+          <a:bodyPr/>
+          <a:lstStyle/>
+          <a:p>
+            <a:fld id="{B3A417B2-A29D-48B9-A4A7-A6FB997901AB}" type="slidenum">
+              <a:rPr lang="en-US" smtClean="0"/>
+              <a:t>56</a:t>
+            </a:fld>
+            <a:endParaRPr lang="en-US"/>
+          </a:p>
+        </p:txBody>
+      </p:sp>
+    </p:spTree>
+    <p:extLst>
+      <p:ext uri="{BB962C8B-B14F-4D97-AF65-F5344CB8AC3E}">
+        <p14:creationId xmlns:p14="http://schemas.microsoft.com/office/powerpoint/2010/main" val="4018084357"/>
+      </p:ext>
+    </p:extLst>
+  </p:cSld>
+  <p:clrMapOvr>
+    <a:masterClrMapping/>
+  </p:clrMapOvr>
+</p:notes>
+</file>
+
+<file path=ppt/notesSlides/notesSlide31.xml><?xml version="1.0" encoding="utf-8"?>
+<p:notes xmlns:a="http://schemas.openxmlformats.org/drawingml/2006/main" xmlns:r="http://schemas.openxmlformats.org/officeDocument/2006/relationships" xmlns:p="http://schemas.openxmlformats.org/presentationml/2006/main">
+  <p:cSld>
+    <p:spTree>
+      <p:nvGrpSpPr>
+        <p:cNvPr id="1" name=""/>
+        <p:cNvGrpSpPr/>
+        <p:nvPr/>
+      </p:nvGrpSpPr>
+      <p:grpSpPr>
+        <a:xfrm>
+          <a:off x="0" y="0"/>
+          <a:ext cx="0" cy="0"/>
+          <a:chOff x="0" y="0"/>
+          <a:chExt cx="0" cy="0"/>
+        </a:xfrm>
+      </p:grpSpPr>
+      <p:sp>
+        <p:nvSpPr>
+          <p:cNvPr id="2" name="Slide Image Placeholder 1"/>
+          <p:cNvSpPr>
+            <a:spLocks noGrp="1" noRot="1" noChangeAspect="1"/>
+          </p:cNvSpPr>
+          <p:nvPr>
+            <p:ph type="sldImg"/>
+          </p:nvPr>
+        </p:nvSpPr>
+        <p:spPr/>
+      </p:sp>
+      <p:sp>
+        <p:nvSpPr>
+          <p:cNvPr id="3" name="Notes Placeholder 2"/>
+          <p:cNvSpPr>
+            <a:spLocks noGrp="1"/>
+          </p:cNvSpPr>
+          <p:nvPr>
+            <p:ph type="body" idx="1"/>
+          </p:nvPr>
+        </p:nvSpPr>
+        <p:spPr/>
+        <p:txBody>
+          <a:bodyPr/>
+          <a:lstStyle/>
+          <a:p>
+            <a:endParaRPr lang="en-US" dirty="0"/>
+          </a:p>
+        </p:txBody>
+      </p:sp>
+      <p:sp>
+        <p:nvSpPr>
+          <p:cNvPr id="4" name="Slide Number Placeholder 3"/>
+          <p:cNvSpPr>
+            <a:spLocks noGrp="1"/>
+          </p:cNvSpPr>
+          <p:nvPr>
+            <p:ph type="sldNum" sz="quarter" idx="5"/>
+          </p:nvPr>
+        </p:nvSpPr>
+        <p:spPr/>
+        <p:txBody>
+          <a:bodyPr/>
+          <a:lstStyle/>
+          <a:p>
+            <a:fld id="{B3A417B2-A29D-48B9-A4A7-A6FB997901AB}" type="slidenum">
+              <a:rPr lang="en-US" smtClean="0"/>
+              <a:t>57</a:t>
+            </a:fld>
+            <a:endParaRPr lang="en-US"/>
+          </a:p>
+        </p:txBody>
+      </p:sp>
+    </p:spTree>
+    <p:extLst>
+      <p:ext uri="{BB962C8B-B14F-4D97-AF65-F5344CB8AC3E}">
+        <p14:creationId xmlns:p14="http://schemas.microsoft.com/office/powerpoint/2010/main" val="3103331190"/>
+      </p:ext>
+    </p:extLst>
+  </p:cSld>
+  <p:clrMapOvr>
+    <a:masterClrMapping/>
+  </p:clrMapOvr>
+</p:notes>
+</file>
+
+<file path=ppt/notesSlides/notesSlide32.xml><?xml version="1.0" encoding="utf-8"?>
+<p:notes xmlns:a="http://schemas.openxmlformats.org/drawingml/2006/main" xmlns:r="http://schemas.openxmlformats.org/officeDocument/2006/relationships" xmlns:p="http://schemas.openxmlformats.org/presentationml/2006/main">
+  <p:cSld>
+    <p:spTree>
+      <p:nvGrpSpPr>
+        <p:cNvPr id="1" name=""/>
+        <p:cNvGrpSpPr/>
+        <p:nvPr/>
+      </p:nvGrpSpPr>
+      <p:grpSpPr>
+        <a:xfrm>
+          <a:off x="0" y="0"/>
+          <a:ext cx="0" cy="0"/>
+          <a:chOff x="0" y="0"/>
+          <a:chExt cx="0" cy="0"/>
+        </a:xfrm>
+      </p:grpSpPr>
+      <p:sp>
+        <p:nvSpPr>
+          <p:cNvPr id="2" name="Slide Image Placeholder 1"/>
+          <p:cNvSpPr>
+            <a:spLocks noGrp="1" noRot="1" noChangeAspect="1"/>
+          </p:cNvSpPr>
+          <p:nvPr>
+            <p:ph type="sldImg"/>
+          </p:nvPr>
+        </p:nvSpPr>
+        <p:spPr/>
+      </p:sp>
+      <p:sp>
+        <p:nvSpPr>
+          <p:cNvPr id="3" name="Notes Placeholder 2"/>
+          <p:cNvSpPr>
+            <a:spLocks noGrp="1"/>
+          </p:cNvSpPr>
+          <p:nvPr>
+            <p:ph type="body" idx="1"/>
+          </p:nvPr>
+        </p:nvSpPr>
+        <p:spPr/>
+        <p:txBody>
+          <a:bodyPr/>
+          <a:lstStyle/>
+          <a:p>
+            <a:endParaRPr lang="en-US" dirty="0"/>
+          </a:p>
+        </p:txBody>
+      </p:sp>
+      <p:sp>
+        <p:nvSpPr>
+          <p:cNvPr id="4" name="Slide Number Placeholder 3"/>
+          <p:cNvSpPr>
+            <a:spLocks noGrp="1"/>
+          </p:cNvSpPr>
+          <p:nvPr>
+            <p:ph type="sldNum" sz="quarter" idx="5"/>
+          </p:nvPr>
+        </p:nvSpPr>
+        <p:spPr/>
+        <p:txBody>
+          <a:bodyPr/>
+          <a:lstStyle/>
+          <a:p>
+            <a:fld id="{B3A417B2-A29D-48B9-A4A7-A6FB997901AB}" type="slidenum">
+              <a:rPr lang="en-US" smtClean="0"/>
+              <a:t>58</a:t>
+            </a:fld>
+            <a:endParaRPr lang="en-US"/>
+          </a:p>
+        </p:txBody>
+      </p:sp>
+    </p:spTree>
+    <p:extLst>
+      <p:ext uri="{BB962C8B-B14F-4D97-AF65-F5344CB8AC3E}">
+        <p14:creationId xmlns:p14="http://schemas.microsoft.com/office/powerpoint/2010/main" val="1807869998"/>
+      </p:ext>
+    </p:extLst>
+  </p:cSld>
+  <p:clrMapOvr>
+    <a:masterClrMapping/>
+  </p:clrMapOvr>
+</p:notes>
+</file>
+
+<file path=ppt/notesSlides/notesSlide33.xml><?xml version="1.0" encoding="utf-8"?>
+<p:notes xmlns:a="http://schemas.openxmlformats.org/drawingml/2006/main" xmlns:r="http://schemas.openxmlformats.org/officeDocument/2006/relationships" xmlns:p="http://schemas.openxmlformats.org/presentationml/2006/main">
+  <p:cSld>
+    <p:spTree>
+      <p:nvGrpSpPr>
+        <p:cNvPr id="1" name=""/>
+        <p:cNvGrpSpPr/>
+        <p:nvPr/>
+      </p:nvGrpSpPr>
+      <p:grpSpPr>
+        <a:xfrm>
+          <a:off x="0" y="0"/>
+          <a:ext cx="0" cy="0"/>
+          <a:chOff x="0" y="0"/>
+          <a:chExt cx="0" cy="0"/>
+        </a:xfrm>
+      </p:grpSpPr>
+      <p:sp>
+        <p:nvSpPr>
+          <p:cNvPr id="2" name="Slide Image Placeholder 1"/>
+          <p:cNvSpPr>
+            <a:spLocks noGrp="1" noRot="1" noChangeAspect="1"/>
+          </p:cNvSpPr>
+          <p:nvPr>
+            <p:ph type="sldImg"/>
+          </p:nvPr>
+        </p:nvSpPr>
+        <p:spPr/>
+      </p:sp>
+      <p:sp>
+        <p:nvSpPr>
+          <p:cNvPr id="3" name="Notes Placeholder 2"/>
+          <p:cNvSpPr>
+            <a:spLocks noGrp="1"/>
+          </p:cNvSpPr>
+          <p:nvPr>
+            <p:ph type="body" idx="1"/>
+          </p:nvPr>
+        </p:nvSpPr>
+        <p:spPr/>
+        <p:txBody>
+          <a:bodyPr/>
+          <a:lstStyle/>
+          <a:p>
+            <a:endParaRPr lang="en-US" dirty="0"/>
+          </a:p>
+        </p:txBody>
+      </p:sp>
+      <p:sp>
+        <p:nvSpPr>
+          <p:cNvPr id="4" name="Slide Number Placeholder 3"/>
+          <p:cNvSpPr>
+            <a:spLocks noGrp="1"/>
+          </p:cNvSpPr>
+          <p:nvPr>
+            <p:ph type="sldNum" sz="quarter" idx="5"/>
+          </p:nvPr>
+        </p:nvSpPr>
+        <p:spPr/>
+        <p:txBody>
+          <a:bodyPr/>
+          <a:lstStyle/>
+          <a:p>
+            <a:fld id="{B3A417B2-A29D-48B9-A4A7-A6FB997901AB}" type="slidenum">
+              <a:rPr lang="en-US" smtClean="0"/>
+              <a:t>59</a:t>
+            </a:fld>
+            <a:endParaRPr lang="en-US"/>
+          </a:p>
+        </p:txBody>
+      </p:sp>
+    </p:spTree>
+    <p:extLst>
+      <p:ext uri="{BB962C8B-B14F-4D97-AF65-F5344CB8AC3E}">
+        <p14:creationId xmlns:p14="http://schemas.microsoft.com/office/powerpoint/2010/main" val="1962245138"/>
+      </p:ext>
+    </p:extLst>
+  </p:cSld>
+  <p:clrMapOvr>
+    <a:masterClrMapping/>
+  </p:clrMapOvr>
+</p:notes>
+</file>
+
+<file path=ppt/notesSlides/notesSlide34.xml><?xml version="1.0" encoding="utf-8"?>
+<p:notes xmlns:a="http://schemas.openxmlformats.org/drawingml/2006/main" xmlns:r="http://schemas.openxmlformats.org/officeDocument/2006/relationships" xmlns:p="http://schemas.openxmlformats.org/presentationml/2006/main">
+  <p:cSld>
+    <p:spTree>
+      <p:nvGrpSpPr>
+        <p:cNvPr id="1" name=""/>
+        <p:cNvGrpSpPr/>
+        <p:nvPr/>
+      </p:nvGrpSpPr>
+      <p:grpSpPr>
+        <a:xfrm>
+          <a:off x="0" y="0"/>
+          <a:ext cx="0" cy="0"/>
+          <a:chOff x="0" y="0"/>
+          <a:chExt cx="0" cy="0"/>
+        </a:xfrm>
+      </p:grpSpPr>
+      <p:sp>
+        <p:nvSpPr>
+          <p:cNvPr id="2" name="Slide Image Placeholder 1"/>
+          <p:cNvSpPr>
+            <a:spLocks noGrp="1" noRot="1" noChangeAspect="1"/>
+          </p:cNvSpPr>
+          <p:nvPr>
+            <p:ph type="sldImg"/>
+          </p:nvPr>
+        </p:nvSpPr>
+        <p:spPr/>
+      </p:sp>
+      <p:sp>
+        <p:nvSpPr>
+          <p:cNvPr id="3" name="Notes Placeholder 2"/>
+          <p:cNvSpPr>
+            <a:spLocks noGrp="1"/>
+          </p:cNvSpPr>
+          <p:nvPr>
+            <p:ph type="body" idx="1"/>
+          </p:nvPr>
+        </p:nvSpPr>
+        <p:spPr/>
+        <p:txBody>
+          <a:bodyPr/>
+          <a:lstStyle/>
+          <a:p>
+            <a:endParaRPr lang="en-US" dirty="0"/>
+          </a:p>
+        </p:txBody>
+      </p:sp>
+      <p:sp>
+        <p:nvSpPr>
+          <p:cNvPr id="4" name="Slide Number Placeholder 3"/>
+          <p:cNvSpPr>
+            <a:spLocks noGrp="1"/>
+          </p:cNvSpPr>
+          <p:nvPr>
+            <p:ph type="sldNum" sz="quarter" idx="5"/>
+          </p:nvPr>
+        </p:nvSpPr>
+        <p:spPr/>
+        <p:txBody>
+          <a:bodyPr/>
+          <a:lstStyle/>
+          <a:p>
+            <a:fld id="{B3A417B2-A29D-48B9-A4A7-A6FB997901AB}" type="slidenum">
+              <a:rPr lang="en-US" smtClean="0"/>
+              <a:t>60</a:t>
+            </a:fld>
+            <a:endParaRPr lang="en-US"/>
+          </a:p>
+        </p:txBody>
+      </p:sp>
+    </p:spTree>
+    <p:extLst>
+      <p:ext uri="{BB962C8B-B14F-4D97-AF65-F5344CB8AC3E}">
+        <p14:creationId xmlns:p14="http://schemas.microsoft.com/office/powerpoint/2010/main" val="1239332222"/>
+      </p:ext>
+    </p:extLst>
+  </p:cSld>
+  <p:clrMapOvr>
+    <a:masterClrMapping/>
+  </p:clrMapOvr>
+</p:notes>
+</file>
+
+<file path=ppt/notesSlides/notesSlide35.xml><?xml version="1.0" encoding="utf-8"?>
+<p:notes xmlns:a="http://schemas.openxmlformats.org/drawingml/2006/main" xmlns:r="http://schemas.openxmlformats.org/officeDocument/2006/relationships" xmlns:p="http://schemas.openxmlformats.org/presentationml/2006/main">
+  <p:cSld>
+    <p:spTree>
+      <p:nvGrpSpPr>
+        <p:cNvPr id="1" name=""/>
+        <p:cNvGrpSpPr/>
+        <p:nvPr/>
+      </p:nvGrpSpPr>
+      <p:grpSpPr>
+        <a:xfrm>
+          <a:off x="0" y="0"/>
+          <a:ext cx="0" cy="0"/>
+          <a:chOff x="0" y="0"/>
+          <a:chExt cx="0" cy="0"/>
+        </a:xfrm>
+      </p:grpSpPr>
+      <p:sp>
+        <p:nvSpPr>
+          <p:cNvPr id="2" name="Slide Image Placeholder 1"/>
+          <p:cNvSpPr>
+            <a:spLocks noGrp="1" noRot="1" noChangeAspect="1"/>
+          </p:cNvSpPr>
+          <p:nvPr>
+            <p:ph type="sldImg"/>
+          </p:nvPr>
+        </p:nvSpPr>
+        <p:spPr/>
+      </p:sp>
+      <p:sp>
+        <p:nvSpPr>
+          <p:cNvPr id="3" name="Notes Placeholder 2"/>
+          <p:cNvSpPr>
+            <a:spLocks noGrp="1"/>
+          </p:cNvSpPr>
+          <p:nvPr>
+            <p:ph type="body" idx="1"/>
+          </p:nvPr>
+        </p:nvSpPr>
+        <p:spPr/>
+        <p:txBody>
+          <a:bodyPr/>
+          <a:lstStyle/>
+          <a:p>
+            <a:endParaRPr lang="en-US" dirty="0"/>
+          </a:p>
+        </p:txBody>
+      </p:sp>
+      <p:sp>
+        <p:nvSpPr>
+          <p:cNvPr id="4" name="Slide Number Placeholder 3"/>
+          <p:cNvSpPr>
+            <a:spLocks noGrp="1"/>
+          </p:cNvSpPr>
+          <p:nvPr>
+            <p:ph type="sldNum" sz="quarter" idx="5"/>
+          </p:nvPr>
+        </p:nvSpPr>
+        <p:spPr/>
+        <p:txBody>
+          <a:bodyPr/>
+          <a:lstStyle/>
+          <a:p>
+            <a:fld id="{B3A417B2-A29D-48B9-A4A7-A6FB997901AB}" type="slidenum">
+              <a:rPr lang="en-US" smtClean="0"/>
+              <a:t>61</a:t>
+            </a:fld>
+            <a:endParaRPr lang="en-US"/>
+          </a:p>
+        </p:txBody>
+      </p:sp>
+    </p:spTree>
+    <p:extLst>
+      <p:ext uri="{BB962C8B-B14F-4D97-AF65-F5344CB8AC3E}">
+        <p14:creationId xmlns:p14="http://schemas.microsoft.com/office/powerpoint/2010/main" val="426467185"/>
+      </p:ext>
+    </p:extLst>
+  </p:cSld>
+  <p:clrMapOvr>
+    <a:masterClrMapping/>
+  </p:clrMapOvr>
+</p:notes>
+</file>
+
+<file path=ppt/notesSlides/notesSlide36.xml><?xml version="1.0" encoding="utf-8"?>
+<p:notes xmlns:a="http://schemas.openxmlformats.org/drawingml/2006/main" xmlns:r="http://schemas.openxmlformats.org/officeDocument/2006/relationships" xmlns:p="http://schemas.openxmlformats.org/presentationml/2006/main">
+  <p:cSld>
+    <p:spTree>
+      <p:nvGrpSpPr>
+        <p:cNvPr id="1" name=""/>
+        <p:cNvGrpSpPr/>
+        <p:nvPr/>
+      </p:nvGrpSpPr>
+      <p:grpSpPr>
+        <a:xfrm>
+          <a:off x="0" y="0"/>
+          <a:ext cx="0" cy="0"/>
+          <a:chOff x="0" y="0"/>
+          <a:chExt cx="0" cy="0"/>
+        </a:xfrm>
+      </p:grpSpPr>
+      <p:sp>
+        <p:nvSpPr>
+          <p:cNvPr id="2" name="Slide Image Placeholder 1"/>
+          <p:cNvSpPr>
+            <a:spLocks noGrp="1" noRot="1" noChangeAspect="1"/>
+          </p:cNvSpPr>
+          <p:nvPr>
+            <p:ph type="sldImg"/>
+          </p:nvPr>
+        </p:nvSpPr>
+        <p:spPr/>
+      </p:sp>
+      <p:sp>
+        <p:nvSpPr>
+          <p:cNvPr id="3" name="Notes Placeholder 2"/>
+          <p:cNvSpPr>
+            <a:spLocks noGrp="1"/>
+          </p:cNvSpPr>
+          <p:nvPr>
+            <p:ph type="body" idx="1"/>
+          </p:nvPr>
+        </p:nvSpPr>
+        <p:spPr/>
+        <p:txBody>
+          <a:bodyPr/>
+          <a:lstStyle/>
+          <a:p>
+            <a:endParaRPr lang="en-US" dirty="0"/>
+          </a:p>
+        </p:txBody>
+      </p:sp>
+      <p:sp>
+        <p:nvSpPr>
+          <p:cNvPr id="4" name="Slide Number Placeholder 3"/>
+          <p:cNvSpPr>
+            <a:spLocks noGrp="1"/>
+          </p:cNvSpPr>
+          <p:nvPr>
+            <p:ph type="sldNum" sz="quarter" idx="5"/>
+          </p:nvPr>
+        </p:nvSpPr>
+        <p:spPr/>
+        <p:txBody>
+          <a:bodyPr/>
+          <a:lstStyle/>
+          <a:p>
+            <a:fld id="{B3A417B2-A29D-48B9-A4A7-A6FB997901AB}" type="slidenum">
+              <a:rPr lang="en-US" smtClean="0"/>
+              <a:t>62</a:t>
+            </a:fld>
+            <a:endParaRPr lang="en-US"/>
+          </a:p>
+        </p:txBody>
+      </p:sp>
+    </p:spTree>
+    <p:extLst>
+      <p:ext uri="{BB962C8B-B14F-4D97-AF65-F5344CB8AC3E}">
+        <p14:creationId xmlns:p14="http://schemas.microsoft.com/office/powerpoint/2010/main" val="3468149312"/>
+      </p:ext>
+    </p:extLst>
+  </p:cSld>
+  <p:clrMapOvr>
+    <a:masterClrMapping/>
+  </p:clrMapOvr>
+</p:notes>
+</file>
+
+<file path=ppt/notesSlides/notesSlide37.xml><?xml version="1.0" encoding="utf-8"?>
+<p:notes xmlns:a="http://schemas.openxmlformats.org/drawingml/2006/main" xmlns:r="http://schemas.openxmlformats.org/officeDocument/2006/relationships" xmlns:p="http://schemas.openxmlformats.org/presentationml/2006/main">
+  <p:cSld>
+    <p:spTree>
+      <p:nvGrpSpPr>
+        <p:cNvPr id="1" name=""/>
+        <p:cNvGrpSpPr/>
+        <p:nvPr/>
+      </p:nvGrpSpPr>
+      <p:grpSpPr>
+        <a:xfrm>
+          <a:off x="0" y="0"/>
+          <a:ext cx="0" cy="0"/>
+          <a:chOff x="0" y="0"/>
+          <a:chExt cx="0" cy="0"/>
+        </a:xfrm>
+      </p:grpSpPr>
+      <p:sp>
+        <p:nvSpPr>
+          <p:cNvPr id="2" name="Slide Image Placeholder 1"/>
+          <p:cNvSpPr>
+            <a:spLocks noGrp="1" noRot="1" noChangeAspect="1"/>
+          </p:cNvSpPr>
+          <p:nvPr>
+            <p:ph type="sldImg"/>
+          </p:nvPr>
+        </p:nvSpPr>
+        <p:spPr/>
+      </p:sp>
+      <p:sp>
+        <p:nvSpPr>
+          <p:cNvPr id="3" name="Notes Placeholder 2"/>
+          <p:cNvSpPr>
+            <a:spLocks noGrp="1"/>
+          </p:cNvSpPr>
+          <p:nvPr>
+            <p:ph type="body" idx="1"/>
+          </p:nvPr>
+        </p:nvSpPr>
+        <p:spPr/>
+        <p:txBody>
+          <a:bodyPr/>
+          <a:lstStyle/>
+          <a:p>
+            <a:endParaRPr lang="en-US" dirty="0"/>
+          </a:p>
+        </p:txBody>
+      </p:sp>
+      <p:sp>
+        <p:nvSpPr>
+          <p:cNvPr id="4" name="Slide Number Placeholder 3"/>
+          <p:cNvSpPr>
+            <a:spLocks noGrp="1"/>
+          </p:cNvSpPr>
+          <p:nvPr>
+            <p:ph type="sldNum" sz="quarter" idx="5"/>
+          </p:nvPr>
+        </p:nvSpPr>
+        <p:spPr/>
+        <p:txBody>
+          <a:bodyPr/>
+          <a:lstStyle/>
+          <a:p>
+            <a:fld id="{B3A417B2-A29D-48B9-A4A7-A6FB997901AB}" type="slidenum">
+              <a:rPr lang="en-US" smtClean="0"/>
+              <a:t>63</a:t>
+            </a:fld>
+            <a:endParaRPr lang="en-US"/>
+          </a:p>
+        </p:txBody>
+      </p:sp>
+    </p:spTree>
+    <p:extLst>
+      <p:ext uri="{BB962C8B-B14F-4D97-AF65-F5344CB8AC3E}">
+        <p14:creationId xmlns:p14="http://schemas.microsoft.com/office/powerpoint/2010/main" val="2727317315"/>
+      </p:ext>
+    </p:extLst>
+  </p:cSld>
+  <p:clrMapOvr>
+    <a:masterClrMapping/>
+  </p:clrMapOvr>
+</p:notes>
+</file>
+
+<file path=ppt/notesSlides/notesSlide38.xml><?xml version="1.0" encoding="utf-8"?>
+<p:notes xmlns:a="http://schemas.openxmlformats.org/drawingml/2006/main" xmlns:r="http://schemas.openxmlformats.org/officeDocument/2006/relationships" xmlns:p="http://schemas.openxmlformats.org/presentationml/2006/main">
+  <p:cSld>
+    <p:spTree>
+      <p:nvGrpSpPr>
+        <p:cNvPr id="1" name=""/>
+        <p:cNvGrpSpPr/>
+        <p:nvPr/>
+      </p:nvGrpSpPr>
+      <p:grpSpPr>
+        <a:xfrm>
+          <a:off x="0" y="0"/>
+          <a:ext cx="0" cy="0"/>
+          <a:chOff x="0" y="0"/>
+          <a:chExt cx="0" cy="0"/>
+        </a:xfrm>
+      </p:grpSpPr>
+      <p:sp>
+        <p:nvSpPr>
+          <p:cNvPr id="2" name="Slide Image Placeholder 1"/>
+          <p:cNvSpPr>
+            <a:spLocks noGrp="1" noRot="1" noChangeAspect="1"/>
+          </p:cNvSpPr>
+          <p:nvPr>
+            <p:ph type="sldImg"/>
+          </p:nvPr>
+        </p:nvSpPr>
+        <p:spPr/>
+      </p:sp>
+      <p:sp>
+        <p:nvSpPr>
+          <p:cNvPr id="3" name="Notes Placeholder 2"/>
+          <p:cNvSpPr>
+            <a:spLocks noGrp="1"/>
+          </p:cNvSpPr>
+          <p:nvPr>
+            <p:ph type="body" idx="1"/>
+          </p:nvPr>
+        </p:nvSpPr>
+        <p:spPr/>
+        <p:txBody>
+          <a:bodyPr/>
+          <a:lstStyle/>
+          <a:p>
+            <a:endParaRPr lang="en-US" dirty="0"/>
+          </a:p>
+        </p:txBody>
+      </p:sp>
+      <p:sp>
+        <p:nvSpPr>
+          <p:cNvPr id="4" name="Slide Number Placeholder 3"/>
+          <p:cNvSpPr>
+            <a:spLocks noGrp="1"/>
+          </p:cNvSpPr>
+          <p:nvPr>
+            <p:ph type="sldNum" sz="quarter" idx="5"/>
+          </p:nvPr>
+        </p:nvSpPr>
+        <p:spPr/>
+        <p:txBody>
+          <a:bodyPr/>
+          <a:lstStyle/>
+          <a:p>
+            <a:fld id="{B3A417B2-A29D-48B9-A4A7-A6FB997901AB}" type="slidenum">
+              <a:rPr lang="en-US" smtClean="0"/>
+              <a:t>64</a:t>
+            </a:fld>
+            <a:endParaRPr lang="en-US"/>
+          </a:p>
+        </p:txBody>
+      </p:sp>
+    </p:spTree>
+    <p:extLst>
+      <p:ext uri="{BB962C8B-B14F-4D97-AF65-F5344CB8AC3E}">
+        <p14:creationId xmlns:p14="http://schemas.microsoft.com/office/powerpoint/2010/main" val="2612782532"/>
+      </p:ext>
+    </p:extLst>
+  </p:cSld>
+  <p:clrMapOvr>
+    <a:masterClrMapping/>
+  </p:clrMapOvr>
+</p:notes>
+</file>
+
+<file path=ppt/notesSlides/notesSlide39.xml><?xml version="1.0" encoding="utf-8"?>
+<p:notes xmlns:a="http://schemas.openxmlformats.org/drawingml/2006/main" xmlns:r="http://schemas.openxmlformats.org/officeDocument/2006/relationships" xmlns:p="http://schemas.openxmlformats.org/presentationml/2006/main">
+  <p:cSld>
+    <p:spTree>
+      <p:nvGrpSpPr>
+        <p:cNvPr id="1" name=""/>
+        <p:cNvGrpSpPr/>
+        <p:nvPr/>
+      </p:nvGrpSpPr>
+      <p:grpSpPr>
+        <a:xfrm>
+          <a:off x="0" y="0"/>
+          <a:ext cx="0" cy="0"/>
+          <a:chOff x="0" y="0"/>
+          <a:chExt cx="0" cy="0"/>
+        </a:xfrm>
+      </p:grpSpPr>
+      <p:sp>
+        <p:nvSpPr>
+          <p:cNvPr id="2" name="Slide Image Placeholder 1"/>
+          <p:cNvSpPr>
+            <a:spLocks noGrp="1" noRot="1" noChangeAspect="1"/>
+          </p:cNvSpPr>
+          <p:nvPr>
+            <p:ph type="sldImg"/>
+          </p:nvPr>
+        </p:nvSpPr>
+        <p:spPr/>
+      </p:sp>
+      <p:sp>
+        <p:nvSpPr>
+          <p:cNvPr id="3" name="Notes Placeholder 2"/>
+          <p:cNvSpPr>
+            <a:spLocks noGrp="1"/>
+          </p:cNvSpPr>
+          <p:nvPr>
+            <p:ph type="body" idx="1"/>
+          </p:nvPr>
+        </p:nvSpPr>
+        <p:spPr/>
+        <p:txBody>
+          <a:bodyPr/>
+          <a:lstStyle/>
+          <a:p>
+            <a:endParaRPr lang="en-US" dirty="0"/>
+          </a:p>
+        </p:txBody>
+      </p:sp>
+      <p:sp>
+        <p:nvSpPr>
+          <p:cNvPr id="4" name="Slide Number Placeholder 3"/>
+          <p:cNvSpPr>
+            <a:spLocks noGrp="1"/>
+          </p:cNvSpPr>
+          <p:nvPr>
+            <p:ph type="sldNum" sz="quarter" idx="5"/>
+          </p:nvPr>
+        </p:nvSpPr>
+        <p:spPr/>
+        <p:txBody>
+          <a:bodyPr/>
+          <a:lstStyle/>
+          <a:p>
+            <a:fld id="{B3A417B2-A29D-48B9-A4A7-A6FB997901AB}" type="slidenum">
+              <a:rPr lang="en-US" smtClean="0"/>
+              <a:t>65</a:t>
+            </a:fld>
+            <a:endParaRPr lang="en-US"/>
+          </a:p>
+        </p:txBody>
+      </p:sp>
+    </p:spTree>
+    <p:extLst>
+      <p:ext uri="{BB962C8B-B14F-4D97-AF65-F5344CB8AC3E}">
+        <p14:creationId xmlns:p14="http://schemas.microsoft.com/office/powerpoint/2010/main" val="1753140219"/>
       </p:ext>
     </p:extLst>
   </p:cSld>
@@ -3145,7 +3995,7 @@
             <a:fld id="{1D8BD707-D9CF-40AE-B4C6-C98DA3205C09}" type="datetimeFigureOut">
               <a:rPr lang="en-US" smtClean="0"/>
               <a:pPr/>
-              <a:t>Mon</a:t>
+              <a:t>Tue</a:t>
             </a:fld>
             <a:endParaRPr lang="en-US"/>
           </a:p>
@@ -3310,7 +4160,7 @@
             <a:fld id="{1D8BD707-D9CF-40AE-B4C6-C98DA3205C09}" type="datetimeFigureOut">
               <a:rPr lang="en-US" smtClean="0"/>
               <a:pPr/>
-              <a:t>Mon</a:t>
+              <a:t>Tue</a:t>
             </a:fld>
             <a:endParaRPr lang="en-US"/>
           </a:p>
@@ -3485,7 +4335,7 @@
             <a:fld id="{1D8BD707-D9CF-40AE-B4C6-C98DA3205C09}" type="datetimeFigureOut">
               <a:rPr lang="en-US" smtClean="0"/>
               <a:pPr/>
-              <a:t>Mon</a:t>
+              <a:t>Tue</a:t>
             </a:fld>
             <a:endParaRPr lang="en-US"/>
           </a:p>
@@ -3650,7 +4500,7 @@
             <a:fld id="{1D8BD707-D9CF-40AE-B4C6-C98DA3205C09}" type="datetimeFigureOut">
               <a:rPr lang="en-US" smtClean="0"/>
               <a:pPr/>
-              <a:t>Mon</a:t>
+              <a:t>Tue</a:t>
             </a:fld>
             <a:endParaRPr lang="en-US"/>
           </a:p>
@@ -3892,7 +4742,7 @@
             <a:fld id="{1D8BD707-D9CF-40AE-B4C6-C98DA3205C09}" type="datetimeFigureOut">
               <a:rPr lang="en-US" smtClean="0"/>
               <a:pPr/>
-              <a:t>Mon</a:t>
+              <a:t>Tue</a:t>
             </a:fld>
             <a:endParaRPr lang="en-US"/>
           </a:p>
@@ -4174,7 +5024,7 @@
             <a:fld id="{1D8BD707-D9CF-40AE-B4C6-C98DA3205C09}" type="datetimeFigureOut">
               <a:rPr lang="en-US" smtClean="0"/>
               <a:pPr/>
-              <a:t>Mon</a:t>
+              <a:t>Tue</a:t>
             </a:fld>
             <a:endParaRPr lang="en-US"/>
           </a:p>
@@ -4590,7 +5440,7 @@
             <a:fld id="{1D8BD707-D9CF-40AE-B4C6-C98DA3205C09}" type="datetimeFigureOut">
               <a:rPr lang="en-US" smtClean="0"/>
               <a:pPr/>
-              <a:t>Mon</a:t>
+              <a:t>Tue</a:t>
             </a:fld>
             <a:endParaRPr lang="en-US"/>
           </a:p>
@@ -4704,7 +5554,7 @@
             <a:fld id="{1D8BD707-D9CF-40AE-B4C6-C98DA3205C09}" type="datetimeFigureOut">
               <a:rPr lang="en-US" smtClean="0"/>
               <a:pPr/>
-              <a:t>Mon</a:t>
+              <a:t>Tue</a:t>
             </a:fld>
             <a:endParaRPr lang="en-US"/>
           </a:p>
@@ -4796,7 +5646,7 @@
             <a:fld id="{1D8BD707-D9CF-40AE-B4C6-C98DA3205C09}" type="datetimeFigureOut">
               <a:rPr lang="en-US" smtClean="0"/>
               <a:pPr/>
-              <a:t>Mon</a:t>
+              <a:t>Tue</a:t>
             </a:fld>
             <a:endParaRPr lang="en-US"/>
           </a:p>
@@ -5068,7 +5918,7 @@
             <a:fld id="{1D8BD707-D9CF-40AE-B4C6-C98DA3205C09}" type="datetimeFigureOut">
               <a:rPr lang="en-US" smtClean="0"/>
               <a:pPr/>
-              <a:t>Mon</a:t>
+              <a:t>Tue</a:t>
             </a:fld>
             <a:endParaRPr lang="en-US"/>
           </a:p>
@@ -5317,7 +6167,7 @@
             <a:fld id="{1D8BD707-D9CF-40AE-B4C6-C98DA3205C09}" type="datetimeFigureOut">
               <a:rPr lang="en-US" smtClean="0"/>
               <a:pPr/>
-              <a:t>Mon</a:t>
+              <a:t>Tue</a:t>
             </a:fld>
             <a:endParaRPr lang="en-US"/>
           </a:p>
@@ -5534,7 +6384,7 @@
             <a:fld id="{1D8BD707-D9CF-40AE-B4C6-C98DA3205C09}" type="datetimeFigureOut">
               <a:rPr lang="en-US" smtClean="0"/>
               <a:pPr/>
-              <a:t>Mon</a:t>
+              <a:t>Tue</a:t>
             </a:fld>
             <a:endParaRPr lang="en-US"/>
           </a:p>
@@ -18456,7 +19306,7 @@
         <p:spPr>
           <a:xfrm>
             <a:off x="685800" y="133350"/>
-            <a:ext cx="611065" cy="307777"/>
+            <a:ext cx="1481496" cy="307777"/>
           </a:xfrm>
           <a:prstGeom prst="rect">
             <a:avLst/>
@@ -18476,85 +19326,45 @@
                 <a:latin typeface="Roboto" panose="02000000000000000000" pitchFamily="2" charset="0"/>
                 <a:ea typeface="Roboto" panose="02000000000000000000" pitchFamily="2" charset="0"/>
               </a:rPr>
-              <a:t>State</a:t>
+              <a:t>Stateful Widget </a:t>
             </a:r>
           </a:p>
         </p:txBody>
       </p:sp>
-      <p:sp>
-        <p:nvSpPr>
-          <p:cNvPr id="5" name="TextBox 4">
+      <p:pic>
+        <p:nvPicPr>
+          <p:cNvPr id="5" name="Picture 4">
             <a:extLst>
               <a:ext uri="{FF2B5EF4-FFF2-40B4-BE49-F238E27FC236}">
-                <a16:creationId xmlns:a16="http://schemas.microsoft.com/office/drawing/2014/main" id="{4E8D93C3-540D-3372-1181-A2DCB717FB24}"/>
+                <a16:creationId xmlns:a16="http://schemas.microsoft.com/office/drawing/2014/main" id="{D955F809-7A23-8733-0061-03016707C59B}"/>
               </a:ext>
             </a:extLst>
           </p:cNvPr>
-          <p:cNvSpPr txBox="1"/>
+          <p:cNvPicPr>
+            <a:picLocks noChangeAspect="1"/>
+          </p:cNvPicPr>
           <p:nvPr/>
-        </p:nvSpPr>
+        </p:nvPicPr>
+        <p:blipFill>
+          <a:blip r:embed="rId4"/>
+          <a:stretch>
+            <a:fillRect/>
+          </a:stretch>
+        </p:blipFill>
         <p:spPr>
           <a:xfrm>
-            <a:off x="381000" y="742950"/>
-            <a:ext cx="8077200" cy="1036181"/>
+            <a:off x="533400" y="971550"/>
+            <a:ext cx="3619585" cy="3276600"/>
           </a:xfrm>
           <a:prstGeom prst="rect">
             <a:avLst/>
           </a:prstGeom>
-          <a:noFill/>
         </p:spPr>
-        <p:txBody>
-          <a:bodyPr wrap="square">
-            <a:spAutoFit/>
-          </a:bodyPr>
-          <a:lstStyle/>
-          <a:p>
-            <a:r>
-              <a:rPr lang="en-US" sz="1600" b="1" dirty="0">
-                <a:latin typeface="Roboto" panose="02000000000000000000" pitchFamily="2" charset="0"/>
-                <a:ea typeface="Roboto" panose="02000000000000000000" pitchFamily="2" charset="0"/>
-              </a:rPr>
-              <a:t>What is state: </a:t>
-            </a:r>
-          </a:p>
-          <a:p>
-            <a:pPr marL="285750" indent="-285750">
-              <a:lnSpc>
-                <a:spcPct val="150000"/>
-              </a:lnSpc>
-              <a:buFont typeface="Arial" panose="020B0604020202020204" pitchFamily="34" charset="0"/>
-              <a:buChar char="•"/>
-            </a:pPr>
-            <a:r>
-              <a:rPr lang="en-US" sz="1600" dirty="0">
-                <a:latin typeface="Roboto" panose="02000000000000000000" pitchFamily="2" charset="0"/>
-                <a:ea typeface="Roboto" panose="02000000000000000000" pitchFamily="2" charset="0"/>
-              </a:rPr>
-              <a:t>Anything that exists in the memory of the app while the app is running.</a:t>
-            </a:r>
-          </a:p>
-          <a:p>
-            <a:pPr marL="285750" indent="-285750">
-              <a:lnSpc>
-                <a:spcPct val="150000"/>
-              </a:lnSpc>
-              <a:buFont typeface="Arial" panose="020B0604020202020204" pitchFamily="34" charset="0"/>
-              <a:buChar char="•"/>
-            </a:pPr>
-            <a:r>
-              <a:rPr lang="en-US" sz="1600" dirty="0">
-                <a:latin typeface="Roboto" panose="02000000000000000000" pitchFamily="2" charset="0"/>
-                <a:ea typeface="Roboto" panose="02000000000000000000" pitchFamily="2" charset="0"/>
-              </a:rPr>
-              <a:t>When state values change, view update automatically </a:t>
-            </a:r>
-          </a:p>
-        </p:txBody>
-      </p:sp>
+      </p:pic>
     </p:spTree>
     <p:extLst>
       <p:ext uri="{BB962C8B-B14F-4D97-AF65-F5344CB8AC3E}">
-        <p14:creationId xmlns:p14="http://schemas.microsoft.com/office/powerpoint/2010/main" val="3737689399"/>
+        <p14:creationId xmlns:p14="http://schemas.microsoft.com/office/powerpoint/2010/main" val="1168409816"/>
       </p:ext>
     </p:extLst>
   </p:cSld>
@@ -18595,11 +19405,7 @@
                                           </p:stCondLst>
                                         </p:cTn>
                                         <p:tgtEl>
-                                          <p:spTgt spid="5">
-                                            <p:txEl>
-                                              <p:pRg st="1" end="1"/>
-                                            </p:txEl>
-                                          </p:spTgt>
+                                          <p:spTgt spid="5"/>
                                         </p:tgtEl>
                                         <p:attrNameLst>
                                           <p:attrName>style.visibility</p:attrName>
@@ -18613,72 +19419,7 @@
                                       <p:cBhvr>
                                         <p:cTn id="7" dur="500"/>
                                         <p:tgtEl>
-                                          <p:spTgt spid="5">
-                                            <p:txEl>
-                                              <p:pRg st="1" end="1"/>
-                                            </p:txEl>
-                                          </p:spTgt>
-                                        </p:tgtEl>
-                                      </p:cBhvr>
-                                    </p:animEffect>
-                                  </p:childTnLst>
-                                </p:cTn>
-                              </p:par>
-                            </p:childTnLst>
-                          </p:cTn>
-                        </p:par>
-                      </p:childTnLst>
-                    </p:cTn>
-                  </p:par>
-                  <p:par>
-                    <p:cTn id="8" fill="hold">
-                      <p:stCondLst>
-                        <p:cond delay="indefinite"/>
-                      </p:stCondLst>
-                      <p:childTnLst>
-                        <p:par>
-                          <p:cTn id="9" fill="hold">
-                            <p:stCondLst>
-                              <p:cond delay="0"/>
-                            </p:stCondLst>
-                            <p:childTnLst>
-                              <p:par>
-                                <p:cTn id="10" presetID="22" presetClass="entr" presetSubtype="4" fill="hold" nodeType="clickEffect">
-                                  <p:stCondLst>
-                                    <p:cond delay="0"/>
-                                  </p:stCondLst>
-                                  <p:childTnLst>
-                                    <p:set>
-                                      <p:cBhvr>
-                                        <p:cTn id="11" dur="1" fill="hold">
-                                          <p:stCondLst>
-                                            <p:cond delay="0"/>
-                                          </p:stCondLst>
-                                        </p:cTn>
-                                        <p:tgtEl>
-                                          <p:spTgt spid="5">
-                                            <p:txEl>
-                                              <p:pRg st="2" end="2"/>
-                                            </p:txEl>
-                                          </p:spTgt>
-                                        </p:tgtEl>
-                                        <p:attrNameLst>
-                                          <p:attrName>style.visibility</p:attrName>
-                                        </p:attrNameLst>
-                                      </p:cBhvr>
-                                      <p:to>
-                                        <p:strVal val="visible"/>
-                                      </p:to>
-                                    </p:set>
-                                    <p:animEffect transition="in" filter="wipe(down)">
-                                      <p:cBhvr>
-                                        <p:cTn id="12" dur="500"/>
-                                        <p:tgtEl>
-                                          <p:spTgt spid="5">
-                                            <p:txEl>
-                                              <p:pRg st="2" end="2"/>
-                                            </p:txEl>
-                                          </p:spTgt>
+                                          <p:spTgt spid="5"/>
                                         </p:tgtEl>
                                       </p:cBhvr>
                                     </p:animEffect>
@@ -19029,6 +19770,1328 @@
         <p:spPr>
           <a:xfrm>
             <a:off x="685800" y="133350"/>
+            <a:ext cx="611065" cy="307777"/>
+          </a:xfrm>
+          <a:prstGeom prst="rect">
+            <a:avLst/>
+          </a:prstGeom>
+        </p:spPr>
+        <p:txBody>
+          <a:bodyPr wrap="none">
+            <a:spAutoFit/>
+          </a:bodyPr>
+          <a:lstStyle/>
+          <a:p>
+            <a:r>
+              <a:rPr lang="en-US" sz="1400" b="1" dirty="0">
+                <a:solidFill>
+                  <a:srgbClr val="0070C0"/>
+                </a:solidFill>
+                <a:latin typeface="Roboto" panose="02000000000000000000" pitchFamily="2" charset="0"/>
+                <a:ea typeface="Roboto" panose="02000000000000000000" pitchFamily="2" charset="0"/>
+              </a:rPr>
+              <a:t>State</a:t>
+            </a:r>
+          </a:p>
+        </p:txBody>
+      </p:sp>
+      <p:grpSp>
+        <p:nvGrpSpPr>
+          <p:cNvPr id="15" name="Group 14">
+            <a:extLst>
+              <a:ext uri="{FF2B5EF4-FFF2-40B4-BE49-F238E27FC236}">
+                <a16:creationId xmlns:a16="http://schemas.microsoft.com/office/drawing/2014/main" id="{025D4CAE-8954-BF27-ED52-A64A294DAC78}"/>
+              </a:ext>
+            </a:extLst>
+          </p:cNvPr>
+          <p:cNvGrpSpPr/>
+          <p:nvPr/>
+        </p:nvGrpSpPr>
+        <p:grpSpPr>
+          <a:xfrm>
+            <a:off x="533400" y="1428750"/>
+            <a:ext cx="2735399" cy="2036538"/>
+            <a:chOff x="533400" y="1428750"/>
+            <a:chExt cx="2735399" cy="2036538"/>
+          </a:xfrm>
+        </p:grpSpPr>
+        <p:sp>
+          <p:nvSpPr>
+            <p:cNvPr id="10" name="Rectangle 9">
+              <a:extLst>
+                <a:ext uri="{FF2B5EF4-FFF2-40B4-BE49-F238E27FC236}">
+                  <a16:creationId xmlns:a16="http://schemas.microsoft.com/office/drawing/2014/main" id="{067C39AB-C7DC-AE80-0A78-144C30B64B34}"/>
+                </a:ext>
+              </a:extLst>
+            </p:cNvPr>
+            <p:cNvSpPr/>
+            <p:nvPr/>
+          </p:nvSpPr>
+          <p:spPr>
+            <a:xfrm>
+              <a:off x="533400" y="1428750"/>
+              <a:ext cx="2735399" cy="2036538"/>
+            </a:xfrm>
+            <a:prstGeom prst="rect">
+              <a:avLst/>
+            </a:prstGeom>
+            <a:noFill/>
+          </p:spPr>
+          <p:style>
+            <a:lnRef idx="2">
+              <a:schemeClr val="accent1">
+                <a:shade val="50000"/>
+              </a:schemeClr>
+            </a:lnRef>
+            <a:fillRef idx="1">
+              <a:schemeClr val="accent1"/>
+            </a:fillRef>
+            <a:effectRef idx="0">
+              <a:schemeClr val="accent1"/>
+            </a:effectRef>
+            <a:fontRef idx="minor">
+              <a:schemeClr val="lt1"/>
+            </a:fontRef>
+          </p:style>
+          <p:txBody>
+            <a:bodyPr rtlCol="0" anchor="ctr"/>
+            <a:lstStyle/>
+            <a:p>
+              <a:pPr algn="ctr"/>
+              <a:endParaRPr lang="en-US"/>
+            </a:p>
+          </p:txBody>
+        </p:sp>
+        <p:pic>
+          <p:nvPicPr>
+            <p:cNvPr id="9" name="Picture 8">
+              <a:extLst>
+                <a:ext uri="{FF2B5EF4-FFF2-40B4-BE49-F238E27FC236}">
+                  <a16:creationId xmlns:a16="http://schemas.microsoft.com/office/drawing/2014/main" id="{66620AEE-B860-E5B0-7F70-10EEDF83901A}"/>
+                </a:ext>
+              </a:extLst>
+            </p:cNvPr>
+            <p:cNvPicPr>
+              <a:picLocks noChangeAspect="1"/>
+            </p:cNvPicPr>
+            <p:nvPr/>
+          </p:nvPicPr>
+          <p:blipFill>
+            <a:blip r:embed="rId4">
+              <a:extLst>
+                <a:ext uri="{28A0092B-C50C-407E-A947-70E740481C1C}">
+                  <a14:useLocalDpi xmlns:a14="http://schemas.microsoft.com/office/drawing/2010/main" val="0"/>
+                </a:ext>
+              </a:extLst>
+            </a:blip>
+            <a:stretch>
+              <a:fillRect/>
+            </a:stretch>
+          </p:blipFill>
+          <p:spPr>
+            <a:xfrm>
+              <a:off x="818442" y="1518295"/>
+              <a:ext cx="2278347" cy="1857448"/>
+            </a:xfrm>
+            <a:prstGeom prst="rect">
+              <a:avLst/>
+            </a:prstGeom>
+          </p:spPr>
+        </p:pic>
+      </p:grpSp>
+      <p:grpSp>
+        <p:nvGrpSpPr>
+          <p:cNvPr id="16" name="Group 15">
+            <a:extLst>
+              <a:ext uri="{FF2B5EF4-FFF2-40B4-BE49-F238E27FC236}">
+                <a16:creationId xmlns:a16="http://schemas.microsoft.com/office/drawing/2014/main" id="{17DA453E-DB67-6FDF-A883-B37C56EBD52F}"/>
+              </a:ext>
+            </a:extLst>
+          </p:cNvPr>
+          <p:cNvGrpSpPr/>
+          <p:nvPr/>
+        </p:nvGrpSpPr>
+        <p:grpSpPr>
+          <a:xfrm>
+            <a:off x="3373758" y="1428750"/>
+            <a:ext cx="2735399" cy="2036539"/>
+            <a:chOff x="3373758" y="1428750"/>
+            <a:chExt cx="2735399" cy="2036539"/>
+          </a:xfrm>
+        </p:grpSpPr>
+        <p:pic>
+          <p:nvPicPr>
+            <p:cNvPr id="7" name="Picture 6">
+              <a:extLst>
+                <a:ext uri="{FF2B5EF4-FFF2-40B4-BE49-F238E27FC236}">
+                  <a16:creationId xmlns:a16="http://schemas.microsoft.com/office/drawing/2014/main" id="{5ADD6B69-6EE6-CB91-9279-C54131D6B236}"/>
+                </a:ext>
+              </a:extLst>
+            </p:cNvPr>
+            <p:cNvPicPr>
+              <a:picLocks noChangeAspect="1"/>
+            </p:cNvPicPr>
+            <p:nvPr/>
+          </p:nvPicPr>
+          <p:blipFill>
+            <a:blip r:embed="rId5" cstate="print">
+              <a:extLst>
+                <a:ext uri="{28A0092B-C50C-407E-A947-70E740481C1C}">
+                  <a14:useLocalDpi xmlns:a14="http://schemas.microsoft.com/office/drawing/2010/main" val="0"/>
+                </a:ext>
+              </a:extLst>
+            </a:blip>
+            <a:stretch>
+              <a:fillRect/>
+            </a:stretch>
+          </p:blipFill>
+          <p:spPr>
+            <a:xfrm>
+              <a:off x="3397977" y="1428750"/>
+              <a:ext cx="2711179" cy="2036539"/>
+            </a:xfrm>
+            <a:prstGeom prst="rect">
+              <a:avLst/>
+            </a:prstGeom>
+          </p:spPr>
+        </p:pic>
+        <p:sp>
+          <p:nvSpPr>
+            <p:cNvPr id="13" name="Rectangle 12">
+              <a:extLst>
+                <a:ext uri="{FF2B5EF4-FFF2-40B4-BE49-F238E27FC236}">
+                  <a16:creationId xmlns:a16="http://schemas.microsoft.com/office/drawing/2014/main" id="{4881E675-2DEC-772C-6D68-3095B83DCF1F}"/>
+                </a:ext>
+              </a:extLst>
+            </p:cNvPr>
+            <p:cNvSpPr/>
+            <p:nvPr/>
+          </p:nvSpPr>
+          <p:spPr>
+            <a:xfrm>
+              <a:off x="3373758" y="1428750"/>
+              <a:ext cx="2735399" cy="2036538"/>
+            </a:xfrm>
+            <a:prstGeom prst="rect">
+              <a:avLst/>
+            </a:prstGeom>
+            <a:noFill/>
+          </p:spPr>
+          <p:style>
+            <a:lnRef idx="2">
+              <a:schemeClr val="accent1">
+                <a:shade val="50000"/>
+              </a:schemeClr>
+            </a:lnRef>
+            <a:fillRef idx="1">
+              <a:schemeClr val="accent1"/>
+            </a:fillRef>
+            <a:effectRef idx="0">
+              <a:schemeClr val="accent1"/>
+            </a:effectRef>
+            <a:fontRef idx="minor">
+              <a:schemeClr val="lt1"/>
+            </a:fontRef>
+          </p:style>
+          <p:txBody>
+            <a:bodyPr rtlCol="0" anchor="ctr"/>
+            <a:lstStyle/>
+            <a:p>
+              <a:pPr algn="ctr"/>
+              <a:endParaRPr lang="en-US"/>
+            </a:p>
+          </p:txBody>
+        </p:sp>
+      </p:grpSp>
+      <p:sp>
+        <p:nvSpPr>
+          <p:cNvPr id="17" name="TextBox 16">
+            <a:extLst>
+              <a:ext uri="{FF2B5EF4-FFF2-40B4-BE49-F238E27FC236}">
+                <a16:creationId xmlns:a16="http://schemas.microsoft.com/office/drawing/2014/main" id="{2D58EC4C-C850-23E1-B70C-79E12CB88261}"/>
+              </a:ext>
+            </a:extLst>
+          </p:cNvPr>
+          <p:cNvSpPr txBox="1"/>
+          <p:nvPr/>
+        </p:nvSpPr>
+        <p:spPr>
+          <a:xfrm>
+            <a:off x="6450465" y="1352550"/>
+            <a:ext cx="1884618" cy="2339102"/>
+          </a:xfrm>
+          <a:prstGeom prst="rect">
+            <a:avLst/>
+          </a:prstGeom>
+          <a:noFill/>
+        </p:spPr>
+        <p:txBody>
+          <a:bodyPr wrap="none" rtlCol="0">
+            <a:spAutoFit/>
+          </a:bodyPr>
+          <a:lstStyle/>
+          <a:p>
+            <a:pPr marL="285750" indent="-285750">
+              <a:buFont typeface="Arial" panose="020B0604020202020204" pitchFamily="34" charset="0"/>
+              <a:buChar char="•"/>
+            </a:pPr>
+            <a:r>
+              <a:rPr lang="en-US" sz="1600" dirty="0"/>
+              <a:t>First Gear</a:t>
+            </a:r>
+          </a:p>
+          <a:p>
+            <a:pPr marL="285750" indent="-285750">
+              <a:buFont typeface="Arial" panose="020B0604020202020204" pitchFamily="34" charset="0"/>
+              <a:buChar char="•"/>
+            </a:pPr>
+            <a:r>
+              <a:rPr lang="en-US" sz="1600" dirty="0"/>
+              <a:t>Pickup Increase</a:t>
+            </a:r>
+          </a:p>
+          <a:p>
+            <a:pPr marL="285750" indent="-285750">
+              <a:buFont typeface="Arial" panose="020B0604020202020204" pitchFamily="34" charset="0"/>
+              <a:buChar char="•"/>
+            </a:pPr>
+            <a:r>
+              <a:rPr lang="en-US" sz="1600" dirty="0"/>
+              <a:t>Second Gear </a:t>
+            </a:r>
+          </a:p>
+          <a:p>
+            <a:pPr marL="285750" indent="-285750">
+              <a:buFont typeface="Arial" panose="020B0604020202020204" pitchFamily="34" charset="0"/>
+              <a:buChar char="•"/>
+            </a:pPr>
+            <a:r>
+              <a:rPr lang="en-US" sz="1600" dirty="0"/>
+              <a:t>Pickup Increase </a:t>
+            </a:r>
+          </a:p>
+          <a:p>
+            <a:pPr marL="285750" indent="-285750">
+              <a:buFont typeface="Arial" panose="020B0604020202020204" pitchFamily="34" charset="0"/>
+              <a:buChar char="•"/>
+            </a:pPr>
+            <a:r>
+              <a:rPr lang="en-US" sz="1600" dirty="0"/>
+              <a:t>Third Gear </a:t>
+            </a:r>
+          </a:p>
+          <a:p>
+            <a:pPr marL="285750" indent="-285750">
+              <a:buFont typeface="Arial" panose="020B0604020202020204" pitchFamily="34" charset="0"/>
+              <a:buChar char="•"/>
+            </a:pPr>
+            <a:r>
+              <a:rPr lang="en-US" sz="1600" dirty="0"/>
+              <a:t>Forth Gear</a:t>
+            </a:r>
+          </a:p>
+          <a:p>
+            <a:pPr marL="285750" indent="-285750">
+              <a:buFont typeface="Arial" panose="020B0604020202020204" pitchFamily="34" charset="0"/>
+              <a:buChar char="•"/>
+            </a:pPr>
+            <a:r>
+              <a:rPr lang="en-US" sz="1600" dirty="0"/>
+              <a:t>Gear Shift Down </a:t>
+            </a:r>
+          </a:p>
+          <a:p>
+            <a:pPr marL="285750" indent="-285750">
+              <a:buFont typeface="Arial" panose="020B0604020202020204" pitchFamily="34" charset="0"/>
+              <a:buChar char="•"/>
+            </a:pPr>
+            <a:r>
+              <a:rPr lang="en-US" sz="1600" dirty="0"/>
+              <a:t>Pickup Decrease </a:t>
+            </a:r>
+          </a:p>
+          <a:p>
+            <a:endParaRPr lang="en-US" dirty="0"/>
+          </a:p>
+        </p:txBody>
+      </p:sp>
+    </p:spTree>
+    <p:extLst>
+      <p:ext uri="{BB962C8B-B14F-4D97-AF65-F5344CB8AC3E}">
+        <p14:creationId xmlns:p14="http://schemas.microsoft.com/office/powerpoint/2010/main" val="3737689399"/>
+      </p:ext>
+    </p:extLst>
+  </p:cSld>
+  <p:clrMapOvr>
+    <a:masterClrMapping/>
+  </p:clrMapOvr>
+  <p:timing>
+    <p:tnLst>
+      <p:par>
+        <p:cTn id="1" dur="indefinite" restart="never" nodeType="tmRoot">
+          <p:childTnLst>
+            <p:seq concurrent="1" nextAc="seek">
+              <p:cTn id="2" dur="indefinite" nodeType="mainSeq">
+                <p:childTnLst>
+                  <p:par>
+                    <p:cTn id="3" fill="hold">
+                      <p:stCondLst>
+                        <p:cond delay="indefinite"/>
+                      </p:stCondLst>
+                      <p:childTnLst>
+                        <p:par>
+                          <p:cTn id="4" fill="hold">
+                            <p:stCondLst>
+                              <p:cond delay="0"/>
+                            </p:stCondLst>
+                            <p:childTnLst>
+                              <p:par>
+                                <p:cTn id="5" presetID="22" presetClass="entr" presetSubtype="4" fill="hold" nodeType="clickEffect">
+                                  <p:stCondLst>
+                                    <p:cond delay="0"/>
+                                  </p:stCondLst>
+                                  <p:childTnLst>
+                                    <p:set>
+                                      <p:cBhvr>
+                                        <p:cTn id="6" dur="1" fill="hold">
+                                          <p:stCondLst>
+                                            <p:cond delay="0"/>
+                                          </p:stCondLst>
+                                        </p:cTn>
+                                        <p:tgtEl>
+                                          <p:spTgt spid="15"/>
+                                        </p:tgtEl>
+                                        <p:attrNameLst>
+                                          <p:attrName>style.visibility</p:attrName>
+                                        </p:attrNameLst>
+                                      </p:cBhvr>
+                                      <p:to>
+                                        <p:strVal val="visible"/>
+                                      </p:to>
+                                    </p:set>
+                                    <p:animEffect transition="in" filter="wipe(down)">
+                                      <p:cBhvr>
+                                        <p:cTn id="7" dur="500"/>
+                                        <p:tgtEl>
+                                          <p:spTgt spid="15"/>
+                                        </p:tgtEl>
+                                      </p:cBhvr>
+                                    </p:animEffect>
+                                  </p:childTnLst>
+                                </p:cTn>
+                              </p:par>
+                            </p:childTnLst>
+                          </p:cTn>
+                        </p:par>
+                      </p:childTnLst>
+                    </p:cTn>
+                  </p:par>
+                  <p:par>
+                    <p:cTn id="8" fill="hold">
+                      <p:stCondLst>
+                        <p:cond delay="indefinite"/>
+                      </p:stCondLst>
+                      <p:childTnLst>
+                        <p:par>
+                          <p:cTn id="9" fill="hold">
+                            <p:stCondLst>
+                              <p:cond delay="0"/>
+                            </p:stCondLst>
+                            <p:childTnLst>
+                              <p:par>
+                                <p:cTn id="10" presetID="22" presetClass="entr" presetSubtype="4" fill="hold" nodeType="clickEffect">
+                                  <p:stCondLst>
+                                    <p:cond delay="0"/>
+                                  </p:stCondLst>
+                                  <p:childTnLst>
+                                    <p:set>
+                                      <p:cBhvr>
+                                        <p:cTn id="11" dur="1" fill="hold">
+                                          <p:stCondLst>
+                                            <p:cond delay="0"/>
+                                          </p:stCondLst>
+                                        </p:cTn>
+                                        <p:tgtEl>
+                                          <p:spTgt spid="16"/>
+                                        </p:tgtEl>
+                                        <p:attrNameLst>
+                                          <p:attrName>style.visibility</p:attrName>
+                                        </p:attrNameLst>
+                                      </p:cBhvr>
+                                      <p:to>
+                                        <p:strVal val="visible"/>
+                                      </p:to>
+                                    </p:set>
+                                    <p:animEffect transition="in" filter="wipe(down)">
+                                      <p:cBhvr>
+                                        <p:cTn id="12" dur="500"/>
+                                        <p:tgtEl>
+                                          <p:spTgt spid="16"/>
+                                        </p:tgtEl>
+                                      </p:cBhvr>
+                                    </p:animEffect>
+                                  </p:childTnLst>
+                                </p:cTn>
+                              </p:par>
+                            </p:childTnLst>
+                          </p:cTn>
+                        </p:par>
+                      </p:childTnLst>
+                    </p:cTn>
+                  </p:par>
+                  <p:par>
+                    <p:cTn id="13" fill="hold">
+                      <p:stCondLst>
+                        <p:cond delay="indefinite"/>
+                      </p:stCondLst>
+                      <p:childTnLst>
+                        <p:par>
+                          <p:cTn id="14" fill="hold">
+                            <p:stCondLst>
+                              <p:cond delay="0"/>
+                            </p:stCondLst>
+                            <p:childTnLst>
+                              <p:par>
+                                <p:cTn id="15" presetID="22" presetClass="entr" presetSubtype="4" fill="hold" nodeType="clickEffect">
+                                  <p:stCondLst>
+                                    <p:cond delay="0"/>
+                                  </p:stCondLst>
+                                  <p:childTnLst>
+                                    <p:set>
+                                      <p:cBhvr>
+                                        <p:cTn id="16" dur="1" fill="hold">
+                                          <p:stCondLst>
+                                            <p:cond delay="0"/>
+                                          </p:stCondLst>
+                                        </p:cTn>
+                                        <p:tgtEl>
+                                          <p:spTgt spid="17">
+                                            <p:txEl>
+                                              <p:pRg st="0" end="0"/>
+                                            </p:txEl>
+                                          </p:spTgt>
+                                        </p:tgtEl>
+                                        <p:attrNameLst>
+                                          <p:attrName>style.visibility</p:attrName>
+                                        </p:attrNameLst>
+                                      </p:cBhvr>
+                                      <p:to>
+                                        <p:strVal val="visible"/>
+                                      </p:to>
+                                    </p:set>
+                                    <p:animEffect transition="in" filter="wipe(down)">
+                                      <p:cBhvr>
+                                        <p:cTn id="17" dur="500"/>
+                                        <p:tgtEl>
+                                          <p:spTgt spid="17">
+                                            <p:txEl>
+                                              <p:pRg st="0" end="0"/>
+                                            </p:txEl>
+                                          </p:spTgt>
+                                        </p:tgtEl>
+                                      </p:cBhvr>
+                                    </p:animEffect>
+                                  </p:childTnLst>
+                                </p:cTn>
+                              </p:par>
+                            </p:childTnLst>
+                          </p:cTn>
+                        </p:par>
+                      </p:childTnLst>
+                    </p:cTn>
+                  </p:par>
+                  <p:par>
+                    <p:cTn id="18" fill="hold">
+                      <p:stCondLst>
+                        <p:cond delay="indefinite"/>
+                      </p:stCondLst>
+                      <p:childTnLst>
+                        <p:par>
+                          <p:cTn id="19" fill="hold">
+                            <p:stCondLst>
+                              <p:cond delay="0"/>
+                            </p:stCondLst>
+                            <p:childTnLst>
+                              <p:par>
+                                <p:cTn id="20" presetID="22" presetClass="entr" presetSubtype="4" fill="hold" nodeType="clickEffect">
+                                  <p:stCondLst>
+                                    <p:cond delay="0"/>
+                                  </p:stCondLst>
+                                  <p:childTnLst>
+                                    <p:set>
+                                      <p:cBhvr>
+                                        <p:cTn id="21" dur="1" fill="hold">
+                                          <p:stCondLst>
+                                            <p:cond delay="0"/>
+                                          </p:stCondLst>
+                                        </p:cTn>
+                                        <p:tgtEl>
+                                          <p:spTgt spid="17">
+                                            <p:txEl>
+                                              <p:pRg st="1" end="1"/>
+                                            </p:txEl>
+                                          </p:spTgt>
+                                        </p:tgtEl>
+                                        <p:attrNameLst>
+                                          <p:attrName>style.visibility</p:attrName>
+                                        </p:attrNameLst>
+                                      </p:cBhvr>
+                                      <p:to>
+                                        <p:strVal val="visible"/>
+                                      </p:to>
+                                    </p:set>
+                                    <p:animEffect transition="in" filter="wipe(down)">
+                                      <p:cBhvr>
+                                        <p:cTn id="22" dur="500"/>
+                                        <p:tgtEl>
+                                          <p:spTgt spid="17">
+                                            <p:txEl>
+                                              <p:pRg st="1" end="1"/>
+                                            </p:txEl>
+                                          </p:spTgt>
+                                        </p:tgtEl>
+                                      </p:cBhvr>
+                                    </p:animEffect>
+                                  </p:childTnLst>
+                                </p:cTn>
+                              </p:par>
+                            </p:childTnLst>
+                          </p:cTn>
+                        </p:par>
+                      </p:childTnLst>
+                    </p:cTn>
+                  </p:par>
+                  <p:par>
+                    <p:cTn id="23" fill="hold">
+                      <p:stCondLst>
+                        <p:cond delay="indefinite"/>
+                      </p:stCondLst>
+                      <p:childTnLst>
+                        <p:par>
+                          <p:cTn id="24" fill="hold">
+                            <p:stCondLst>
+                              <p:cond delay="0"/>
+                            </p:stCondLst>
+                            <p:childTnLst>
+                              <p:par>
+                                <p:cTn id="25" presetID="22" presetClass="entr" presetSubtype="4" fill="hold" nodeType="clickEffect">
+                                  <p:stCondLst>
+                                    <p:cond delay="0"/>
+                                  </p:stCondLst>
+                                  <p:childTnLst>
+                                    <p:set>
+                                      <p:cBhvr>
+                                        <p:cTn id="26" dur="1" fill="hold">
+                                          <p:stCondLst>
+                                            <p:cond delay="0"/>
+                                          </p:stCondLst>
+                                        </p:cTn>
+                                        <p:tgtEl>
+                                          <p:spTgt spid="17">
+                                            <p:txEl>
+                                              <p:pRg st="2" end="2"/>
+                                            </p:txEl>
+                                          </p:spTgt>
+                                        </p:tgtEl>
+                                        <p:attrNameLst>
+                                          <p:attrName>style.visibility</p:attrName>
+                                        </p:attrNameLst>
+                                      </p:cBhvr>
+                                      <p:to>
+                                        <p:strVal val="visible"/>
+                                      </p:to>
+                                    </p:set>
+                                    <p:animEffect transition="in" filter="wipe(down)">
+                                      <p:cBhvr>
+                                        <p:cTn id="27" dur="500"/>
+                                        <p:tgtEl>
+                                          <p:spTgt spid="17">
+                                            <p:txEl>
+                                              <p:pRg st="2" end="2"/>
+                                            </p:txEl>
+                                          </p:spTgt>
+                                        </p:tgtEl>
+                                      </p:cBhvr>
+                                    </p:animEffect>
+                                  </p:childTnLst>
+                                </p:cTn>
+                              </p:par>
+                            </p:childTnLst>
+                          </p:cTn>
+                        </p:par>
+                      </p:childTnLst>
+                    </p:cTn>
+                  </p:par>
+                  <p:par>
+                    <p:cTn id="28" fill="hold">
+                      <p:stCondLst>
+                        <p:cond delay="indefinite"/>
+                      </p:stCondLst>
+                      <p:childTnLst>
+                        <p:par>
+                          <p:cTn id="29" fill="hold">
+                            <p:stCondLst>
+                              <p:cond delay="0"/>
+                            </p:stCondLst>
+                            <p:childTnLst>
+                              <p:par>
+                                <p:cTn id="30" presetID="22" presetClass="entr" presetSubtype="4" fill="hold" nodeType="clickEffect">
+                                  <p:stCondLst>
+                                    <p:cond delay="0"/>
+                                  </p:stCondLst>
+                                  <p:childTnLst>
+                                    <p:set>
+                                      <p:cBhvr>
+                                        <p:cTn id="31" dur="1" fill="hold">
+                                          <p:stCondLst>
+                                            <p:cond delay="0"/>
+                                          </p:stCondLst>
+                                        </p:cTn>
+                                        <p:tgtEl>
+                                          <p:spTgt spid="17">
+                                            <p:txEl>
+                                              <p:pRg st="3" end="3"/>
+                                            </p:txEl>
+                                          </p:spTgt>
+                                        </p:tgtEl>
+                                        <p:attrNameLst>
+                                          <p:attrName>style.visibility</p:attrName>
+                                        </p:attrNameLst>
+                                      </p:cBhvr>
+                                      <p:to>
+                                        <p:strVal val="visible"/>
+                                      </p:to>
+                                    </p:set>
+                                    <p:animEffect transition="in" filter="wipe(down)">
+                                      <p:cBhvr>
+                                        <p:cTn id="32" dur="500"/>
+                                        <p:tgtEl>
+                                          <p:spTgt spid="17">
+                                            <p:txEl>
+                                              <p:pRg st="3" end="3"/>
+                                            </p:txEl>
+                                          </p:spTgt>
+                                        </p:tgtEl>
+                                      </p:cBhvr>
+                                    </p:animEffect>
+                                  </p:childTnLst>
+                                </p:cTn>
+                              </p:par>
+                            </p:childTnLst>
+                          </p:cTn>
+                        </p:par>
+                      </p:childTnLst>
+                    </p:cTn>
+                  </p:par>
+                  <p:par>
+                    <p:cTn id="33" fill="hold">
+                      <p:stCondLst>
+                        <p:cond delay="indefinite"/>
+                      </p:stCondLst>
+                      <p:childTnLst>
+                        <p:par>
+                          <p:cTn id="34" fill="hold">
+                            <p:stCondLst>
+                              <p:cond delay="0"/>
+                            </p:stCondLst>
+                            <p:childTnLst>
+                              <p:par>
+                                <p:cTn id="35" presetID="22" presetClass="entr" presetSubtype="4" fill="hold" nodeType="clickEffect">
+                                  <p:stCondLst>
+                                    <p:cond delay="0"/>
+                                  </p:stCondLst>
+                                  <p:childTnLst>
+                                    <p:set>
+                                      <p:cBhvr>
+                                        <p:cTn id="36" dur="1" fill="hold">
+                                          <p:stCondLst>
+                                            <p:cond delay="0"/>
+                                          </p:stCondLst>
+                                        </p:cTn>
+                                        <p:tgtEl>
+                                          <p:spTgt spid="17">
+                                            <p:txEl>
+                                              <p:pRg st="4" end="4"/>
+                                            </p:txEl>
+                                          </p:spTgt>
+                                        </p:tgtEl>
+                                        <p:attrNameLst>
+                                          <p:attrName>style.visibility</p:attrName>
+                                        </p:attrNameLst>
+                                      </p:cBhvr>
+                                      <p:to>
+                                        <p:strVal val="visible"/>
+                                      </p:to>
+                                    </p:set>
+                                    <p:animEffect transition="in" filter="wipe(down)">
+                                      <p:cBhvr>
+                                        <p:cTn id="37" dur="500"/>
+                                        <p:tgtEl>
+                                          <p:spTgt spid="17">
+                                            <p:txEl>
+                                              <p:pRg st="4" end="4"/>
+                                            </p:txEl>
+                                          </p:spTgt>
+                                        </p:tgtEl>
+                                      </p:cBhvr>
+                                    </p:animEffect>
+                                  </p:childTnLst>
+                                </p:cTn>
+                              </p:par>
+                            </p:childTnLst>
+                          </p:cTn>
+                        </p:par>
+                      </p:childTnLst>
+                    </p:cTn>
+                  </p:par>
+                  <p:par>
+                    <p:cTn id="38" fill="hold">
+                      <p:stCondLst>
+                        <p:cond delay="indefinite"/>
+                      </p:stCondLst>
+                      <p:childTnLst>
+                        <p:par>
+                          <p:cTn id="39" fill="hold">
+                            <p:stCondLst>
+                              <p:cond delay="0"/>
+                            </p:stCondLst>
+                            <p:childTnLst>
+                              <p:par>
+                                <p:cTn id="40" presetID="22" presetClass="entr" presetSubtype="4" fill="hold" nodeType="clickEffect">
+                                  <p:stCondLst>
+                                    <p:cond delay="0"/>
+                                  </p:stCondLst>
+                                  <p:childTnLst>
+                                    <p:set>
+                                      <p:cBhvr>
+                                        <p:cTn id="41" dur="1" fill="hold">
+                                          <p:stCondLst>
+                                            <p:cond delay="0"/>
+                                          </p:stCondLst>
+                                        </p:cTn>
+                                        <p:tgtEl>
+                                          <p:spTgt spid="17">
+                                            <p:txEl>
+                                              <p:pRg st="5" end="5"/>
+                                            </p:txEl>
+                                          </p:spTgt>
+                                        </p:tgtEl>
+                                        <p:attrNameLst>
+                                          <p:attrName>style.visibility</p:attrName>
+                                        </p:attrNameLst>
+                                      </p:cBhvr>
+                                      <p:to>
+                                        <p:strVal val="visible"/>
+                                      </p:to>
+                                    </p:set>
+                                    <p:animEffect transition="in" filter="wipe(down)">
+                                      <p:cBhvr>
+                                        <p:cTn id="42" dur="500"/>
+                                        <p:tgtEl>
+                                          <p:spTgt spid="17">
+                                            <p:txEl>
+                                              <p:pRg st="5" end="5"/>
+                                            </p:txEl>
+                                          </p:spTgt>
+                                        </p:tgtEl>
+                                      </p:cBhvr>
+                                    </p:animEffect>
+                                  </p:childTnLst>
+                                </p:cTn>
+                              </p:par>
+                            </p:childTnLst>
+                          </p:cTn>
+                        </p:par>
+                      </p:childTnLst>
+                    </p:cTn>
+                  </p:par>
+                  <p:par>
+                    <p:cTn id="43" fill="hold">
+                      <p:stCondLst>
+                        <p:cond delay="indefinite"/>
+                      </p:stCondLst>
+                      <p:childTnLst>
+                        <p:par>
+                          <p:cTn id="44" fill="hold">
+                            <p:stCondLst>
+                              <p:cond delay="0"/>
+                            </p:stCondLst>
+                            <p:childTnLst>
+                              <p:par>
+                                <p:cTn id="45" presetID="22" presetClass="entr" presetSubtype="4" fill="hold" nodeType="clickEffect">
+                                  <p:stCondLst>
+                                    <p:cond delay="0"/>
+                                  </p:stCondLst>
+                                  <p:childTnLst>
+                                    <p:set>
+                                      <p:cBhvr>
+                                        <p:cTn id="46" dur="1" fill="hold">
+                                          <p:stCondLst>
+                                            <p:cond delay="0"/>
+                                          </p:stCondLst>
+                                        </p:cTn>
+                                        <p:tgtEl>
+                                          <p:spTgt spid="17">
+                                            <p:txEl>
+                                              <p:pRg st="6" end="6"/>
+                                            </p:txEl>
+                                          </p:spTgt>
+                                        </p:tgtEl>
+                                        <p:attrNameLst>
+                                          <p:attrName>style.visibility</p:attrName>
+                                        </p:attrNameLst>
+                                      </p:cBhvr>
+                                      <p:to>
+                                        <p:strVal val="visible"/>
+                                      </p:to>
+                                    </p:set>
+                                    <p:animEffect transition="in" filter="wipe(down)">
+                                      <p:cBhvr>
+                                        <p:cTn id="47" dur="500"/>
+                                        <p:tgtEl>
+                                          <p:spTgt spid="17">
+                                            <p:txEl>
+                                              <p:pRg st="6" end="6"/>
+                                            </p:txEl>
+                                          </p:spTgt>
+                                        </p:tgtEl>
+                                      </p:cBhvr>
+                                    </p:animEffect>
+                                  </p:childTnLst>
+                                </p:cTn>
+                              </p:par>
+                            </p:childTnLst>
+                          </p:cTn>
+                        </p:par>
+                      </p:childTnLst>
+                    </p:cTn>
+                  </p:par>
+                  <p:par>
+                    <p:cTn id="48" fill="hold">
+                      <p:stCondLst>
+                        <p:cond delay="indefinite"/>
+                      </p:stCondLst>
+                      <p:childTnLst>
+                        <p:par>
+                          <p:cTn id="49" fill="hold">
+                            <p:stCondLst>
+                              <p:cond delay="0"/>
+                            </p:stCondLst>
+                            <p:childTnLst>
+                              <p:par>
+                                <p:cTn id="50" presetID="22" presetClass="entr" presetSubtype="4" fill="hold" nodeType="clickEffect">
+                                  <p:stCondLst>
+                                    <p:cond delay="0"/>
+                                  </p:stCondLst>
+                                  <p:childTnLst>
+                                    <p:set>
+                                      <p:cBhvr>
+                                        <p:cTn id="51" dur="1" fill="hold">
+                                          <p:stCondLst>
+                                            <p:cond delay="0"/>
+                                          </p:stCondLst>
+                                        </p:cTn>
+                                        <p:tgtEl>
+                                          <p:spTgt spid="17">
+                                            <p:txEl>
+                                              <p:pRg st="7" end="7"/>
+                                            </p:txEl>
+                                          </p:spTgt>
+                                        </p:tgtEl>
+                                        <p:attrNameLst>
+                                          <p:attrName>style.visibility</p:attrName>
+                                        </p:attrNameLst>
+                                      </p:cBhvr>
+                                      <p:to>
+                                        <p:strVal val="visible"/>
+                                      </p:to>
+                                    </p:set>
+                                    <p:animEffect transition="in" filter="wipe(down)">
+                                      <p:cBhvr>
+                                        <p:cTn id="52" dur="500"/>
+                                        <p:tgtEl>
+                                          <p:spTgt spid="17">
+                                            <p:txEl>
+                                              <p:pRg st="7" end="7"/>
+                                            </p:txEl>
+                                          </p:spTgt>
+                                        </p:tgtEl>
+                                      </p:cBhvr>
+                                    </p:animEffect>
+                                  </p:childTnLst>
+                                </p:cTn>
+                              </p:par>
+                            </p:childTnLst>
+                          </p:cTn>
+                        </p:par>
+                      </p:childTnLst>
+                    </p:cTn>
+                  </p:par>
+                </p:childTnLst>
+              </p:cTn>
+              <p:prevCondLst>
+                <p:cond evt="onPrev" delay="0">
+                  <p:tgtEl>
+                    <p:sldTgt/>
+                  </p:tgtEl>
+                </p:cond>
+              </p:prevCondLst>
+              <p:nextCondLst>
+                <p:cond evt="onNext" delay="0">
+                  <p:tgtEl>
+                    <p:sldTgt/>
+                  </p:tgtEl>
+                </p:cond>
+              </p:nextCondLst>
+            </p:seq>
+          </p:childTnLst>
+        </p:cTn>
+      </p:par>
+    </p:tnLst>
+  </p:timing>
+</p:sld>
+</file>
+
+<file path=ppt/slides/slide51.xml><?xml version="1.0" encoding="utf-8"?>
+<p:sld xmlns:a="http://schemas.openxmlformats.org/drawingml/2006/main" xmlns:r="http://schemas.openxmlformats.org/officeDocument/2006/relationships" xmlns:p="http://schemas.openxmlformats.org/presentationml/2006/main">
+  <p:cSld>
+    <p:bg>
+      <p:bgPr>
+        <a:blipFill dpi="0" rotWithShape="1">
+          <a:blip r:embed="rId3">
+            <a:lum/>
+          </a:blip>
+          <a:srcRect/>
+          <a:stretch>
+            <a:fillRect l="-1000" r="-1000"/>
+          </a:stretch>
+        </a:blipFill>
+        <a:effectLst/>
+      </p:bgPr>
+    </p:bg>
+    <p:spTree>
+      <p:nvGrpSpPr>
+        <p:cNvPr id="1" name=""/>
+        <p:cNvGrpSpPr/>
+        <p:nvPr/>
+      </p:nvGrpSpPr>
+      <p:grpSpPr>
+        <a:xfrm>
+          <a:off x="0" y="0"/>
+          <a:ext cx="0" cy="0"/>
+          <a:chOff x="0" y="0"/>
+          <a:chExt cx="0" cy="0"/>
+        </a:xfrm>
+      </p:grpSpPr>
+      <p:sp>
+        <p:nvSpPr>
+          <p:cNvPr id="3" name="Rectangle 2"/>
+          <p:cNvSpPr/>
+          <p:nvPr/>
+        </p:nvSpPr>
+        <p:spPr>
+          <a:xfrm>
+            <a:off x="685800" y="133350"/>
+            <a:ext cx="611065" cy="307777"/>
+          </a:xfrm>
+          <a:prstGeom prst="rect">
+            <a:avLst/>
+          </a:prstGeom>
+        </p:spPr>
+        <p:txBody>
+          <a:bodyPr wrap="none">
+            <a:spAutoFit/>
+          </a:bodyPr>
+          <a:lstStyle/>
+          <a:p>
+            <a:r>
+              <a:rPr lang="en-US" sz="1400" b="1" dirty="0">
+                <a:solidFill>
+                  <a:srgbClr val="0070C0"/>
+                </a:solidFill>
+                <a:latin typeface="Roboto" panose="02000000000000000000" pitchFamily="2" charset="0"/>
+                <a:ea typeface="Roboto" panose="02000000000000000000" pitchFamily="2" charset="0"/>
+              </a:rPr>
+              <a:t>State</a:t>
+            </a:r>
+          </a:p>
+        </p:txBody>
+      </p:sp>
+      <p:sp>
+        <p:nvSpPr>
+          <p:cNvPr id="5" name="TextBox 4">
+            <a:extLst>
+              <a:ext uri="{FF2B5EF4-FFF2-40B4-BE49-F238E27FC236}">
+                <a16:creationId xmlns:a16="http://schemas.microsoft.com/office/drawing/2014/main" id="{4E8D93C3-540D-3372-1181-A2DCB717FB24}"/>
+              </a:ext>
+            </a:extLst>
+          </p:cNvPr>
+          <p:cNvSpPr txBox="1"/>
+          <p:nvPr/>
+        </p:nvSpPr>
+        <p:spPr>
+          <a:xfrm>
+            <a:off x="381000" y="742950"/>
+            <a:ext cx="8077200" cy="1036181"/>
+          </a:xfrm>
+          <a:prstGeom prst="rect">
+            <a:avLst/>
+          </a:prstGeom>
+          <a:noFill/>
+        </p:spPr>
+        <p:txBody>
+          <a:bodyPr wrap="square">
+            <a:spAutoFit/>
+          </a:bodyPr>
+          <a:lstStyle/>
+          <a:p>
+            <a:r>
+              <a:rPr lang="en-US" sz="1600" b="1" dirty="0">
+                <a:latin typeface="Roboto" panose="02000000000000000000" pitchFamily="2" charset="0"/>
+                <a:ea typeface="Roboto" panose="02000000000000000000" pitchFamily="2" charset="0"/>
+              </a:rPr>
+              <a:t>What is state: </a:t>
+            </a:r>
+          </a:p>
+          <a:p>
+            <a:pPr marL="285750" indent="-285750">
+              <a:lnSpc>
+                <a:spcPct val="150000"/>
+              </a:lnSpc>
+              <a:buFont typeface="Arial" panose="020B0604020202020204" pitchFamily="34" charset="0"/>
+              <a:buChar char="•"/>
+            </a:pPr>
+            <a:r>
+              <a:rPr lang="en-US" sz="1600" dirty="0">
+                <a:latin typeface="Roboto" panose="02000000000000000000" pitchFamily="2" charset="0"/>
+                <a:ea typeface="Roboto" panose="02000000000000000000" pitchFamily="2" charset="0"/>
+              </a:rPr>
+              <a:t>Anything that exists in the memory of the app while the app is running.</a:t>
+            </a:r>
+          </a:p>
+          <a:p>
+            <a:pPr marL="285750" indent="-285750">
+              <a:lnSpc>
+                <a:spcPct val="150000"/>
+              </a:lnSpc>
+              <a:buFont typeface="Arial" panose="020B0604020202020204" pitchFamily="34" charset="0"/>
+              <a:buChar char="•"/>
+            </a:pPr>
+            <a:r>
+              <a:rPr lang="en-US" sz="1600" dirty="0">
+                <a:latin typeface="Roboto" panose="02000000000000000000" pitchFamily="2" charset="0"/>
+                <a:ea typeface="Roboto" panose="02000000000000000000" pitchFamily="2" charset="0"/>
+              </a:rPr>
+              <a:t>When state values change, view update automatically </a:t>
+            </a:r>
+          </a:p>
+        </p:txBody>
+      </p:sp>
+    </p:spTree>
+    <p:extLst>
+      <p:ext uri="{BB962C8B-B14F-4D97-AF65-F5344CB8AC3E}">
+        <p14:creationId xmlns:p14="http://schemas.microsoft.com/office/powerpoint/2010/main" val="547605079"/>
+      </p:ext>
+    </p:extLst>
+  </p:cSld>
+  <p:clrMapOvr>
+    <a:masterClrMapping/>
+  </p:clrMapOvr>
+  <p:timing>
+    <p:tnLst>
+      <p:par>
+        <p:cTn id="1" dur="indefinite" restart="never" nodeType="tmRoot">
+          <p:childTnLst>
+            <p:seq concurrent="1" nextAc="seek">
+              <p:cTn id="2" dur="indefinite" nodeType="mainSeq">
+                <p:childTnLst>
+                  <p:par>
+                    <p:cTn id="3" fill="hold">
+                      <p:stCondLst>
+                        <p:cond delay="indefinite"/>
+                      </p:stCondLst>
+                      <p:childTnLst>
+                        <p:par>
+                          <p:cTn id="4" fill="hold">
+                            <p:stCondLst>
+                              <p:cond delay="0"/>
+                            </p:stCondLst>
+                            <p:childTnLst>
+                              <p:par>
+                                <p:cTn id="5" presetID="22" presetClass="entr" presetSubtype="4" fill="hold" nodeType="clickEffect">
+                                  <p:stCondLst>
+                                    <p:cond delay="0"/>
+                                  </p:stCondLst>
+                                  <p:childTnLst>
+                                    <p:set>
+                                      <p:cBhvr>
+                                        <p:cTn id="6" dur="1" fill="hold">
+                                          <p:stCondLst>
+                                            <p:cond delay="0"/>
+                                          </p:stCondLst>
+                                        </p:cTn>
+                                        <p:tgtEl>
+                                          <p:spTgt spid="5">
+                                            <p:txEl>
+                                              <p:pRg st="1" end="1"/>
+                                            </p:txEl>
+                                          </p:spTgt>
+                                        </p:tgtEl>
+                                        <p:attrNameLst>
+                                          <p:attrName>style.visibility</p:attrName>
+                                        </p:attrNameLst>
+                                      </p:cBhvr>
+                                      <p:to>
+                                        <p:strVal val="visible"/>
+                                      </p:to>
+                                    </p:set>
+                                    <p:animEffect transition="in" filter="wipe(down)">
+                                      <p:cBhvr>
+                                        <p:cTn id="7" dur="500"/>
+                                        <p:tgtEl>
+                                          <p:spTgt spid="5">
+                                            <p:txEl>
+                                              <p:pRg st="1" end="1"/>
+                                            </p:txEl>
+                                          </p:spTgt>
+                                        </p:tgtEl>
+                                      </p:cBhvr>
+                                    </p:animEffect>
+                                  </p:childTnLst>
+                                </p:cTn>
+                              </p:par>
+                            </p:childTnLst>
+                          </p:cTn>
+                        </p:par>
+                      </p:childTnLst>
+                    </p:cTn>
+                  </p:par>
+                  <p:par>
+                    <p:cTn id="8" fill="hold">
+                      <p:stCondLst>
+                        <p:cond delay="indefinite"/>
+                      </p:stCondLst>
+                      <p:childTnLst>
+                        <p:par>
+                          <p:cTn id="9" fill="hold">
+                            <p:stCondLst>
+                              <p:cond delay="0"/>
+                            </p:stCondLst>
+                            <p:childTnLst>
+                              <p:par>
+                                <p:cTn id="10" presetID="22" presetClass="entr" presetSubtype="4" fill="hold" nodeType="clickEffect">
+                                  <p:stCondLst>
+                                    <p:cond delay="0"/>
+                                  </p:stCondLst>
+                                  <p:childTnLst>
+                                    <p:set>
+                                      <p:cBhvr>
+                                        <p:cTn id="11" dur="1" fill="hold">
+                                          <p:stCondLst>
+                                            <p:cond delay="0"/>
+                                          </p:stCondLst>
+                                        </p:cTn>
+                                        <p:tgtEl>
+                                          <p:spTgt spid="5">
+                                            <p:txEl>
+                                              <p:pRg st="2" end="2"/>
+                                            </p:txEl>
+                                          </p:spTgt>
+                                        </p:tgtEl>
+                                        <p:attrNameLst>
+                                          <p:attrName>style.visibility</p:attrName>
+                                        </p:attrNameLst>
+                                      </p:cBhvr>
+                                      <p:to>
+                                        <p:strVal val="visible"/>
+                                      </p:to>
+                                    </p:set>
+                                    <p:animEffect transition="in" filter="wipe(down)">
+                                      <p:cBhvr>
+                                        <p:cTn id="12" dur="500"/>
+                                        <p:tgtEl>
+                                          <p:spTgt spid="5">
+                                            <p:txEl>
+                                              <p:pRg st="2" end="2"/>
+                                            </p:txEl>
+                                          </p:spTgt>
+                                        </p:tgtEl>
+                                      </p:cBhvr>
+                                    </p:animEffect>
+                                  </p:childTnLst>
+                                </p:cTn>
+                              </p:par>
+                            </p:childTnLst>
+                          </p:cTn>
+                        </p:par>
+                      </p:childTnLst>
+                    </p:cTn>
+                  </p:par>
+                </p:childTnLst>
+              </p:cTn>
+              <p:prevCondLst>
+                <p:cond evt="onPrev" delay="0">
+                  <p:tgtEl>
+                    <p:sldTgt/>
+                  </p:tgtEl>
+                </p:cond>
+              </p:prevCondLst>
+              <p:nextCondLst>
+                <p:cond evt="onNext" delay="0">
+                  <p:tgtEl>
+                    <p:sldTgt/>
+                  </p:tgtEl>
+                </p:cond>
+              </p:nextCondLst>
+            </p:seq>
+          </p:childTnLst>
+        </p:cTn>
+      </p:par>
+    </p:tnLst>
+  </p:timing>
+</p:sld>
+</file>
+
+<file path=ppt/slides/slide52.xml><?xml version="1.0" encoding="utf-8"?>
+<p:sld xmlns:a="http://schemas.openxmlformats.org/drawingml/2006/main" xmlns:r="http://schemas.openxmlformats.org/officeDocument/2006/relationships" xmlns:p="http://schemas.openxmlformats.org/presentationml/2006/main">
+  <p:cSld>
+    <p:bg>
+      <p:bgPr>
+        <a:blipFill dpi="0" rotWithShape="1">
+          <a:blip r:embed="rId3">
+            <a:lum/>
+          </a:blip>
+          <a:srcRect/>
+          <a:stretch>
+            <a:fillRect l="-1000" r="-1000"/>
+          </a:stretch>
+        </a:blipFill>
+        <a:effectLst/>
+      </p:bgPr>
+    </p:bg>
+    <p:spTree>
+      <p:nvGrpSpPr>
+        <p:cNvPr id="1" name=""/>
+        <p:cNvGrpSpPr/>
+        <p:nvPr/>
+      </p:nvGrpSpPr>
+      <p:grpSpPr>
+        <a:xfrm>
+          <a:off x="0" y="0"/>
+          <a:ext cx="0" cy="0"/>
+          <a:chOff x="0" y="0"/>
+          <a:chExt cx="0" cy="0"/>
+        </a:xfrm>
+      </p:grpSpPr>
+      <p:sp>
+        <p:nvSpPr>
+          <p:cNvPr id="3" name="Rectangle 2"/>
+          <p:cNvSpPr/>
+          <p:nvPr/>
+        </p:nvSpPr>
+        <p:spPr>
+          <a:xfrm>
+            <a:off x="685800" y="133350"/>
             <a:ext cx="1883849" cy="307777"/>
           </a:xfrm>
           <a:prstGeom prst="rect">
@@ -19186,7 +21249,7 @@
 </p:sld>
 </file>
 
-<file path=ppt/slides/slide51.xml><?xml version="1.0" encoding="utf-8"?>
+<file path=ppt/slides/slide53.xml><?xml version="1.0" encoding="utf-8"?>
 <p:sld xmlns:a="http://schemas.openxmlformats.org/drawingml/2006/main" xmlns:r="http://schemas.openxmlformats.org/officeDocument/2006/relationships" xmlns:p="http://schemas.openxmlformats.org/presentationml/2006/main">
   <p:cSld>
     <p:bg>
@@ -19382,7 +21445,7 @@
 </p:sld>
 </file>
 
-<file path=ppt/slides/slide52.xml><?xml version="1.0" encoding="utf-8"?>
+<file path=ppt/slides/slide54.xml><?xml version="1.0" encoding="utf-8"?>
 <p:sld xmlns:a="http://schemas.openxmlformats.org/drawingml/2006/main" xmlns:r="http://schemas.openxmlformats.org/officeDocument/2006/relationships" xmlns:p="http://schemas.openxmlformats.org/presentationml/2006/main">
   <p:cSld>
     <p:bg>
@@ -19578,7 +21641,7 @@
 </p:sld>
 </file>
 
-<file path=ppt/slides/slide53.xml><?xml version="1.0" encoding="utf-8"?>
+<file path=ppt/slides/slide55.xml><?xml version="1.0" encoding="utf-8"?>
 <p:sld xmlns:a="http://schemas.openxmlformats.org/drawingml/2006/main" xmlns:r="http://schemas.openxmlformats.org/officeDocument/2006/relationships" xmlns:p="http://schemas.openxmlformats.org/presentationml/2006/main">
   <p:cSld>
     <p:bg>
@@ -19691,7 +21754,7 @@
 </p:sld>
 </file>
 
-<file path=ppt/slides/slide54.xml><?xml version="1.0" encoding="utf-8"?>
+<file path=ppt/slides/slide56.xml><?xml version="1.0" encoding="utf-8"?>
 <p:sld xmlns:a="http://schemas.openxmlformats.org/drawingml/2006/main" xmlns:r="http://schemas.openxmlformats.org/officeDocument/2006/relationships" xmlns:p="http://schemas.openxmlformats.org/presentationml/2006/main">
   <p:cSld>
     <p:bg>
@@ -19804,7 +21867,7 @@
 </p:sld>
 </file>
 
-<file path=ppt/slides/slide55.xml><?xml version="1.0" encoding="utf-8"?>
+<file path=ppt/slides/slide57.xml><?xml version="1.0" encoding="utf-8"?>
 <p:sld xmlns:a="http://schemas.openxmlformats.org/drawingml/2006/main" xmlns:r="http://schemas.openxmlformats.org/officeDocument/2006/relationships" xmlns:p="http://schemas.openxmlformats.org/presentationml/2006/main">
   <p:cSld>
     <p:bg>
@@ -19844,7 +21907,7 @@
         <p:spPr>
           <a:xfrm>
             <a:off x="685800" y="133350"/>
-            <a:ext cx="2335896" cy="307777"/>
+            <a:ext cx="2185214" cy="307777"/>
           </a:xfrm>
           <a:prstGeom prst="rect">
             <a:avLst/>
@@ -19864,86 +21927,627 @@
                 <a:latin typeface="Roboto" panose="02000000000000000000" pitchFamily="2" charset="0"/>
                 <a:ea typeface="Roboto" panose="02000000000000000000" pitchFamily="2" charset="0"/>
               </a:rPr>
-              <a:t>Lets Create A Counter App</a:t>
+              <a:t>State Lifecycle methods </a:t>
             </a:r>
           </a:p>
         </p:txBody>
       </p:sp>
-      <p:pic>
-        <p:nvPicPr>
-          <p:cNvPr id="4" name="Picture 3">
+      <p:sp>
+        <p:nvSpPr>
+          <p:cNvPr id="4" name="TextBox 3">
             <a:extLst>
               <a:ext uri="{FF2B5EF4-FFF2-40B4-BE49-F238E27FC236}">
-                <a16:creationId xmlns:a16="http://schemas.microsoft.com/office/drawing/2014/main" id="{CB096ED8-BB29-6E71-A1B5-8411551C180B}"/>
+                <a16:creationId xmlns:a16="http://schemas.microsoft.com/office/drawing/2014/main" id="{70D32D1E-932B-167B-9082-DA7013F1DC2C}"/>
               </a:ext>
             </a:extLst>
           </p:cNvPr>
-          <p:cNvPicPr>
-            <a:picLocks noChangeAspect="1"/>
-          </p:cNvPicPr>
+          <p:cNvSpPr txBox="1"/>
           <p:nvPr/>
-        </p:nvPicPr>
-        <p:blipFill rotWithShape="1">
-          <a:blip r:embed="rId4">
-            <a:extLst>
-              <a:ext uri="{28A0092B-C50C-407E-A947-70E740481C1C}">
-                <a14:useLocalDpi xmlns:a14="http://schemas.microsoft.com/office/drawing/2010/main" val="0"/>
-              </a:ext>
-            </a:extLst>
-          </a:blip>
-          <a:srcRect b="11860"/>
-          <a:stretch/>
-        </p:blipFill>
+        </p:nvSpPr>
         <p:spPr>
           <a:xfrm>
-            <a:off x="3127752" y="1581150"/>
-            <a:ext cx="5254248" cy="1981199"/>
+            <a:off x="381000" y="742950"/>
+            <a:ext cx="7010400" cy="1159292"/>
+          </a:xfrm>
+          <a:prstGeom prst="rect">
+            <a:avLst/>
+          </a:prstGeom>
+          <a:noFill/>
+        </p:spPr>
+        <p:txBody>
+          <a:bodyPr wrap="square">
+            <a:spAutoFit/>
+          </a:bodyPr>
+          <a:lstStyle/>
+          <a:p>
+            <a:pPr marL="285750" indent="-285750">
+              <a:lnSpc>
+                <a:spcPct val="150000"/>
+              </a:lnSpc>
+              <a:buFont typeface="Arial" panose="020B0604020202020204" pitchFamily="34" charset="0"/>
+              <a:buChar char="•"/>
+            </a:pPr>
+            <a:r>
+              <a:rPr lang="en-US" sz="1600" dirty="0">
+                <a:latin typeface="Roboto" panose="02000000000000000000" pitchFamily="2" charset="0"/>
+                <a:ea typeface="Roboto" panose="02000000000000000000" pitchFamily="2" charset="0"/>
+              </a:rPr>
+              <a:t>The Stateful widget is mutable</a:t>
+            </a:r>
+          </a:p>
+          <a:p>
+            <a:pPr marL="285750" indent="-285750">
+              <a:lnSpc>
+                <a:spcPct val="150000"/>
+              </a:lnSpc>
+              <a:buFont typeface="Arial" panose="020B0604020202020204" pitchFamily="34" charset="0"/>
+              <a:buChar char="•"/>
+            </a:pPr>
+            <a:r>
+              <a:rPr lang="en-US" sz="1600" dirty="0">
+                <a:latin typeface="Roboto" panose="02000000000000000000" pitchFamily="2" charset="0"/>
+                <a:ea typeface="Roboto" panose="02000000000000000000" pitchFamily="2" charset="0"/>
+              </a:rPr>
+              <a:t>It can be change multiple times within its lifetime.</a:t>
+            </a:r>
+          </a:p>
+          <a:p>
+            <a:pPr marL="285750" indent="-285750">
+              <a:lnSpc>
+                <a:spcPct val="150000"/>
+              </a:lnSpc>
+              <a:buFont typeface="Arial" panose="020B0604020202020204" pitchFamily="34" charset="0"/>
+              <a:buChar char="•"/>
+            </a:pPr>
+            <a:r>
+              <a:rPr lang="en-US" sz="1600" dirty="0">
+                <a:latin typeface="Roboto" panose="02000000000000000000" pitchFamily="2" charset="0"/>
+                <a:ea typeface="Roboto" panose="02000000000000000000" pitchFamily="2" charset="0"/>
+              </a:rPr>
+              <a:t>So we need to understand it's lifecycle </a:t>
+            </a:r>
+          </a:p>
+        </p:txBody>
+      </p:sp>
+    </p:spTree>
+    <p:extLst>
+      <p:ext uri="{BB962C8B-B14F-4D97-AF65-F5344CB8AC3E}">
+        <p14:creationId xmlns:p14="http://schemas.microsoft.com/office/powerpoint/2010/main" val="771467176"/>
+      </p:ext>
+    </p:extLst>
+  </p:cSld>
+  <p:clrMapOvr>
+    <a:masterClrMapping/>
+  </p:clrMapOvr>
+  <p:timing>
+    <p:tnLst>
+      <p:par>
+        <p:cTn id="1" dur="indefinite" restart="never" nodeType="tmRoot">
+          <p:childTnLst>
+            <p:seq concurrent="1" nextAc="seek">
+              <p:cTn id="2" dur="indefinite" nodeType="mainSeq">
+                <p:childTnLst>
+                  <p:par>
+                    <p:cTn id="3" fill="hold">
+                      <p:stCondLst>
+                        <p:cond delay="indefinite"/>
+                      </p:stCondLst>
+                      <p:childTnLst>
+                        <p:par>
+                          <p:cTn id="4" fill="hold">
+                            <p:stCondLst>
+                              <p:cond delay="0"/>
+                            </p:stCondLst>
+                            <p:childTnLst>
+                              <p:par>
+                                <p:cTn id="5" presetID="22" presetClass="entr" presetSubtype="4" fill="hold" nodeType="clickEffect">
+                                  <p:stCondLst>
+                                    <p:cond delay="0"/>
+                                  </p:stCondLst>
+                                  <p:childTnLst>
+                                    <p:set>
+                                      <p:cBhvr>
+                                        <p:cTn id="6" dur="1" fill="hold">
+                                          <p:stCondLst>
+                                            <p:cond delay="0"/>
+                                          </p:stCondLst>
+                                        </p:cTn>
+                                        <p:tgtEl>
+                                          <p:spTgt spid="4">
+                                            <p:txEl>
+                                              <p:pRg st="0" end="0"/>
+                                            </p:txEl>
+                                          </p:spTgt>
+                                        </p:tgtEl>
+                                        <p:attrNameLst>
+                                          <p:attrName>style.visibility</p:attrName>
+                                        </p:attrNameLst>
+                                      </p:cBhvr>
+                                      <p:to>
+                                        <p:strVal val="visible"/>
+                                      </p:to>
+                                    </p:set>
+                                    <p:animEffect transition="in" filter="wipe(down)">
+                                      <p:cBhvr>
+                                        <p:cTn id="7" dur="500"/>
+                                        <p:tgtEl>
+                                          <p:spTgt spid="4">
+                                            <p:txEl>
+                                              <p:pRg st="0" end="0"/>
+                                            </p:txEl>
+                                          </p:spTgt>
+                                        </p:tgtEl>
+                                      </p:cBhvr>
+                                    </p:animEffect>
+                                  </p:childTnLst>
+                                </p:cTn>
+                              </p:par>
+                            </p:childTnLst>
+                          </p:cTn>
+                        </p:par>
+                      </p:childTnLst>
+                    </p:cTn>
+                  </p:par>
+                  <p:par>
+                    <p:cTn id="8" fill="hold">
+                      <p:stCondLst>
+                        <p:cond delay="indefinite"/>
+                      </p:stCondLst>
+                      <p:childTnLst>
+                        <p:par>
+                          <p:cTn id="9" fill="hold">
+                            <p:stCondLst>
+                              <p:cond delay="0"/>
+                            </p:stCondLst>
+                            <p:childTnLst>
+                              <p:par>
+                                <p:cTn id="10" presetID="22" presetClass="entr" presetSubtype="4" fill="hold" nodeType="clickEffect">
+                                  <p:stCondLst>
+                                    <p:cond delay="0"/>
+                                  </p:stCondLst>
+                                  <p:childTnLst>
+                                    <p:set>
+                                      <p:cBhvr>
+                                        <p:cTn id="11" dur="1" fill="hold">
+                                          <p:stCondLst>
+                                            <p:cond delay="0"/>
+                                          </p:stCondLst>
+                                        </p:cTn>
+                                        <p:tgtEl>
+                                          <p:spTgt spid="4">
+                                            <p:txEl>
+                                              <p:pRg st="1" end="1"/>
+                                            </p:txEl>
+                                          </p:spTgt>
+                                        </p:tgtEl>
+                                        <p:attrNameLst>
+                                          <p:attrName>style.visibility</p:attrName>
+                                        </p:attrNameLst>
+                                      </p:cBhvr>
+                                      <p:to>
+                                        <p:strVal val="visible"/>
+                                      </p:to>
+                                    </p:set>
+                                    <p:animEffect transition="in" filter="wipe(down)">
+                                      <p:cBhvr>
+                                        <p:cTn id="12" dur="500"/>
+                                        <p:tgtEl>
+                                          <p:spTgt spid="4">
+                                            <p:txEl>
+                                              <p:pRg st="1" end="1"/>
+                                            </p:txEl>
+                                          </p:spTgt>
+                                        </p:tgtEl>
+                                      </p:cBhvr>
+                                    </p:animEffect>
+                                  </p:childTnLst>
+                                </p:cTn>
+                              </p:par>
+                            </p:childTnLst>
+                          </p:cTn>
+                        </p:par>
+                      </p:childTnLst>
+                    </p:cTn>
+                  </p:par>
+                  <p:par>
+                    <p:cTn id="13" fill="hold">
+                      <p:stCondLst>
+                        <p:cond delay="indefinite"/>
+                      </p:stCondLst>
+                      <p:childTnLst>
+                        <p:par>
+                          <p:cTn id="14" fill="hold">
+                            <p:stCondLst>
+                              <p:cond delay="0"/>
+                            </p:stCondLst>
+                            <p:childTnLst>
+                              <p:par>
+                                <p:cTn id="15" presetID="22" presetClass="entr" presetSubtype="4" fill="hold" nodeType="clickEffect">
+                                  <p:stCondLst>
+                                    <p:cond delay="0"/>
+                                  </p:stCondLst>
+                                  <p:childTnLst>
+                                    <p:set>
+                                      <p:cBhvr>
+                                        <p:cTn id="16" dur="1" fill="hold">
+                                          <p:stCondLst>
+                                            <p:cond delay="0"/>
+                                          </p:stCondLst>
+                                        </p:cTn>
+                                        <p:tgtEl>
+                                          <p:spTgt spid="4">
+                                            <p:txEl>
+                                              <p:pRg st="2" end="2"/>
+                                            </p:txEl>
+                                          </p:spTgt>
+                                        </p:tgtEl>
+                                        <p:attrNameLst>
+                                          <p:attrName>style.visibility</p:attrName>
+                                        </p:attrNameLst>
+                                      </p:cBhvr>
+                                      <p:to>
+                                        <p:strVal val="visible"/>
+                                      </p:to>
+                                    </p:set>
+                                    <p:animEffect transition="in" filter="wipe(down)">
+                                      <p:cBhvr>
+                                        <p:cTn id="17" dur="500"/>
+                                        <p:tgtEl>
+                                          <p:spTgt spid="4">
+                                            <p:txEl>
+                                              <p:pRg st="2" end="2"/>
+                                            </p:txEl>
+                                          </p:spTgt>
+                                        </p:tgtEl>
+                                      </p:cBhvr>
+                                    </p:animEffect>
+                                  </p:childTnLst>
+                                </p:cTn>
+                              </p:par>
+                            </p:childTnLst>
+                          </p:cTn>
+                        </p:par>
+                      </p:childTnLst>
+                    </p:cTn>
+                  </p:par>
+                </p:childTnLst>
+              </p:cTn>
+              <p:prevCondLst>
+                <p:cond evt="onPrev" delay="0">
+                  <p:tgtEl>
+                    <p:sldTgt/>
+                  </p:tgtEl>
+                </p:cond>
+              </p:prevCondLst>
+              <p:nextCondLst>
+                <p:cond evt="onNext" delay="0">
+                  <p:tgtEl>
+                    <p:sldTgt/>
+                  </p:tgtEl>
+                </p:cond>
+              </p:nextCondLst>
+            </p:seq>
+          </p:childTnLst>
+        </p:cTn>
+      </p:par>
+    </p:tnLst>
+  </p:timing>
+</p:sld>
+</file>
+
+<file path=ppt/slides/slide58.xml><?xml version="1.0" encoding="utf-8"?>
+<p:sld xmlns:a="http://schemas.openxmlformats.org/drawingml/2006/main" xmlns:r="http://schemas.openxmlformats.org/officeDocument/2006/relationships" xmlns:p="http://schemas.openxmlformats.org/presentationml/2006/main">
+  <p:cSld>
+    <p:bg>
+      <p:bgPr>
+        <a:blipFill dpi="0" rotWithShape="1">
+          <a:blip r:embed="rId3">
+            <a:lum/>
+          </a:blip>
+          <a:srcRect/>
+          <a:stretch>
+            <a:fillRect l="-1000" r="-1000"/>
+          </a:stretch>
+        </a:blipFill>
+        <a:effectLst/>
+      </p:bgPr>
+    </p:bg>
+    <p:spTree>
+      <p:nvGrpSpPr>
+        <p:cNvPr id="1" name=""/>
+        <p:cNvGrpSpPr/>
+        <p:nvPr/>
+      </p:nvGrpSpPr>
+      <p:grpSpPr>
+        <a:xfrm>
+          <a:off x="0" y="0"/>
+          <a:ext cx="0" cy="0"/>
+          <a:chOff x="0" y="0"/>
+          <a:chExt cx="0" cy="0"/>
+        </a:xfrm>
+      </p:grpSpPr>
+      <p:sp>
+        <p:nvSpPr>
+          <p:cNvPr id="3" name="Rectangle 2"/>
+          <p:cNvSpPr/>
+          <p:nvPr/>
+        </p:nvSpPr>
+        <p:spPr>
+          <a:xfrm>
+            <a:off x="685800" y="133350"/>
+            <a:ext cx="2185214" cy="307777"/>
           </a:xfrm>
           <a:prstGeom prst="rect">
             <a:avLst/>
           </a:prstGeom>
         </p:spPr>
-      </p:pic>
-      <p:pic>
-        <p:nvPicPr>
-          <p:cNvPr id="7" name="Picture 6">
+        <p:txBody>
+          <a:bodyPr wrap="none">
+            <a:spAutoFit/>
+          </a:bodyPr>
+          <a:lstStyle/>
+          <a:p>
+            <a:r>
+              <a:rPr lang="en-US" sz="1400" b="1" dirty="0">
+                <a:solidFill>
+                  <a:srgbClr val="0070C0"/>
+                </a:solidFill>
+                <a:latin typeface="Roboto" panose="02000000000000000000" pitchFamily="2" charset="0"/>
+                <a:ea typeface="Roboto" panose="02000000000000000000" pitchFamily="2" charset="0"/>
+              </a:rPr>
+              <a:t>State Lifecycle methods </a:t>
+            </a:r>
+          </a:p>
+        </p:txBody>
+      </p:sp>
+      <p:sp>
+        <p:nvSpPr>
+          <p:cNvPr id="5" name="TextBox 4">
             <a:extLst>
               <a:ext uri="{FF2B5EF4-FFF2-40B4-BE49-F238E27FC236}">
-                <a16:creationId xmlns:a16="http://schemas.microsoft.com/office/drawing/2014/main" id="{62C21280-F40D-3ED0-805E-21B9AAD3BDFA}"/>
+                <a16:creationId xmlns:a16="http://schemas.microsoft.com/office/drawing/2014/main" id="{F8466C4F-C663-16E9-A3A4-5E4BCC1922AB}"/>
               </a:ext>
             </a:extLst>
           </p:cNvPr>
-          <p:cNvPicPr>
-            <a:picLocks noChangeAspect="1"/>
-          </p:cNvPicPr>
+          <p:cNvSpPr txBox="1"/>
           <p:nvPr/>
-        </p:nvPicPr>
-        <p:blipFill>
-          <a:blip r:embed="rId5" cstate="print">
-            <a:extLst>
-              <a:ext uri="{28A0092B-C50C-407E-A947-70E740481C1C}">
-                <a14:useLocalDpi xmlns:a14="http://schemas.microsoft.com/office/drawing/2010/main" val="0"/>
-              </a:ext>
-            </a:extLst>
-          </a:blip>
-          <a:stretch>
-            <a:fillRect/>
-          </a:stretch>
-        </p:blipFill>
+        </p:nvSpPr>
         <p:spPr>
           <a:xfrm>
-            <a:off x="669131" y="819150"/>
-            <a:ext cx="2022440" cy="3867150"/>
+            <a:off x="381000" y="819150"/>
+            <a:ext cx="8229600" cy="2021066"/>
+          </a:xfrm>
+          <a:prstGeom prst="rect">
+            <a:avLst/>
+          </a:prstGeom>
+          <a:noFill/>
+        </p:spPr>
+        <p:txBody>
+          <a:bodyPr wrap="square">
+            <a:spAutoFit/>
+          </a:bodyPr>
+          <a:lstStyle/>
+          <a:p>
+            <a:r>
+              <a:rPr lang="en-US" sz="1600" b="1" u="sng" dirty="0" err="1">
+                <a:latin typeface="Roboto" panose="02000000000000000000" pitchFamily="2" charset="0"/>
+                <a:ea typeface="Roboto" panose="02000000000000000000" pitchFamily="2" charset="0"/>
+              </a:rPr>
+              <a:t>createState</a:t>
+            </a:r>
+            <a:r>
+              <a:rPr lang="en-US" sz="1600" b="1" u="sng" dirty="0">
+                <a:latin typeface="Roboto" panose="02000000000000000000" pitchFamily="2" charset="0"/>
+                <a:ea typeface="Roboto" panose="02000000000000000000" pitchFamily="2" charset="0"/>
+              </a:rPr>
+              <a:t>()</a:t>
+            </a:r>
+          </a:p>
+          <a:p>
+            <a:endParaRPr lang="en-US" sz="1600" dirty="0">
+              <a:latin typeface="Roboto" panose="02000000000000000000" pitchFamily="2" charset="0"/>
+              <a:ea typeface="Roboto" panose="02000000000000000000" pitchFamily="2" charset="0"/>
+            </a:endParaRPr>
+          </a:p>
+          <a:p>
+            <a:pPr marL="285750" indent="-285750">
+              <a:lnSpc>
+                <a:spcPct val="150000"/>
+              </a:lnSpc>
+              <a:buFont typeface="Arial" panose="020B0604020202020204" pitchFamily="34" charset="0"/>
+              <a:buChar char="•"/>
+            </a:pPr>
+            <a:r>
+              <a:rPr lang="en-US" sz="1600" dirty="0">
+                <a:latin typeface="Roboto" panose="02000000000000000000" pitchFamily="2" charset="0"/>
+                <a:ea typeface="Roboto" panose="02000000000000000000" pitchFamily="2" charset="0"/>
+              </a:rPr>
+              <a:t>This method creates a State object. This object is where all the mutable state for that widget is held.</a:t>
+            </a:r>
+          </a:p>
+          <a:p>
+            <a:pPr marL="285750" indent="-285750">
+              <a:lnSpc>
+                <a:spcPct val="150000"/>
+              </a:lnSpc>
+              <a:buFont typeface="Arial" panose="020B0604020202020204" pitchFamily="34" charset="0"/>
+              <a:buChar char="•"/>
+            </a:pPr>
+            <a:r>
+              <a:rPr lang="en-US" sz="1600" dirty="0">
+                <a:latin typeface="Roboto" panose="02000000000000000000" pitchFamily="2" charset="0"/>
+                <a:ea typeface="Roboto" panose="02000000000000000000" pitchFamily="2" charset="0"/>
+              </a:rPr>
+              <a:t>This step is not marked as a real step in the lifecycle, but it is important to know what is going on in the background.</a:t>
+            </a:r>
+          </a:p>
+        </p:txBody>
+      </p:sp>
+    </p:spTree>
+    <p:extLst>
+      <p:ext uri="{BB962C8B-B14F-4D97-AF65-F5344CB8AC3E}">
+        <p14:creationId xmlns:p14="http://schemas.microsoft.com/office/powerpoint/2010/main" val="96476604"/>
+      </p:ext>
+    </p:extLst>
+  </p:cSld>
+  <p:clrMapOvr>
+    <a:masterClrMapping/>
+  </p:clrMapOvr>
+</p:sld>
+</file>
+
+<file path=ppt/slides/slide59.xml><?xml version="1.0" encoding="utf-8"?>
+<p:sld xmlns:a="http://schemas.openxmlformats.org/drawingml/2006/main" xmlns:r="http://schemas.openxmlformats.org/officeDocument/2006/relationships" xmlns:p="http://schemas.openxmlformats.org/presentationml/2006/main">
+  <p:cSld>
+    <p:bg>
+      <p:bgPr>
+        <a:blipFill dpi="0" rotWithShape="1">
+          <a:blip r:embed="rId3">
+            <a:lum/>
+          </a:blip>
+          <a:srcRect/>
+          <a:stretch>
+            <a:fillRect l="-1000" r="-1000"/>
+          </a:stretch>
+        </a:blipFill>
+        <a:effectLst/>
+      </p:bgPr>
+    </p:bg>
+    <p:spTree>
+      <p:nvGrpSpPr>
+        <p:cNvPr id="1" name=""/>
+        <p:cNvGrpSpPr/>
+        <p:nvPr/>
+      </p:nvGrpSpPr>
+      <p:grpSpPr>
+        <a:xfrm>
+          <a:off x="0" y="0"/>
+          <a:ext cx="0" cy="0"/>
+          <a:chOff x="0" y="0"/>
+          <a:chExt cx="0" cy="0"/>
+        </a:xfrm>
+      </p:grpSpPr>
+      <p:sp>
+        <p:nvSpPr>
+          <p:cNvPr id="3" name="Rectangle 2"/>
+          <p:cNvSpPr/>
+          <p:nvPr/>
+        </p:nvSpPr>
+        <p:spPr>
+          <a:xfrm>
+            <a:off x="685800" y="133350"/>
+            <a:ext cx="2185214" cy="307777"/>
           </a:xfrm>
           <a:prstGeom prst="rect">
             <a:avLst/>
           </a:prstGeom>
         </p:spPr>
-      </p:pic>
+        <p:txBody>
+          <a:bodyPr wrap="none">
+            <a:spAutoFit/>
+          </a:bodyPr>
+          <a:lstStyle/>
+          <a:p>
+            <a:r>
+              <a:rPr lang="en-US" sz="1400" b="1" dirty="0">
+                <a:solidFill>
+                  <a:srgbClr val="0070C0"/>
+                </a:solidFill>
+                <a:latin typeface="Roboto" panose="02000000000000000000" pitchFamily="2" charset="0"/>
+                <a:ea typeface="Roboto" panose="02000000000000000000" pitchFamily="2" charset="0"/>
+              </a:rPr>
+              <a:t>State Lifecycle methods </a:t>
+            </a:r>
+          </a:p>
+        </p:txBody>
+      </p:sp>
+      <p:sp>
+        <p:nvSpPr>
+          <p:cNvPr id="5" name="TextBox 4">
+            <a:extLst>
+              <a:ext uri="{FF2B5EF4-FFF2-40B4-BE49-F238E27FC236}">
+                <a16:creationId xmlns:a16="http://schemas.microsoft.com/office/drawing/2014/main" id="{F8466C4F-C663-16E9-A3A4-5E4BCC1922AB}"/>
+              </a:ext>
+            </a:extLst>
+          </p:cNvPr>
+          <p:cNvSpPr txBox="1"/>
+          <p:nvPr/>
+        </p:nvSpPr>
+        <p:spPr>
+          <a:xfrm>
+            <a:off x="381000" y="819150"/>
+            <a:ext cx="8229600" cy="1651734"/>
+          </a:xfrm>
+          <a:prstGeom prst="rect">
+            <a:avLst/>
+          </a:prstGeom>
+          <a:noFill/>
+        </p:spPr>
+        <p:txBody>
+          <a:bodyPr wrap="square">
+            <a:spAutoFit/>
+          </a:bodyPr>
+          <a:lstStyle/>
+          <a:p>
+            <a:r>
+              <a:rPr lang="en-US" sz="1600" b="1" u="sng" dirty="0" err="1">
+                <a:latin typeface="Roboto" panose="02000000000000000000" pitchFamily="2" charset="0"/>
+                <a:ea typeface="Roboto" panose="02000000000000000000" pitchFamily="2" charset="0"/>
+              </a:rPr>
+              <a:t>initState</a:t>
+            </a:r>
+            <a:r>
+              <a:rPr lang="en-US" sz="1600" b="1" u="sng" dirty="0">
+                <a:latin typeface="Roboto" panose="02000000000000000000" pitchFamily="2" charset="0"/>
+                <a:ea typeface="Roboto" panose="02000000000000000000" pitchFamily="2" charset="0"/>
+              </a:rPr>
+              <a:t>()</a:t>
+            </a:r>
+          </a:p>
+          <a:p>
+            <a:endParaRPr lang="en-US" sz="1600" dirty="0">
+              <a:latin typeface="Roboto" panose="02000000000000000000" pitchFamily="2" charset="0"/>
+              <a:ea typeface="Roboto" panose="02000000000000000000" pitchFamily="2" charset="0"/>
+            </a:endParaRPr>
+          </a:p>
+          <a:p>
+            <a:pPr marL="285750" indent="-285750">
+              <a:lnSpc>
+                <a:spcPct val="150000"/>
+              </a:lnSpc>
+              <a:buFont typeface="Arial" panose="020B0604020202020204" pitchFamily="34" charset="0"/>
+              <a:buChar char="•"/>
+            </a:pPr>
+            <a:r>
+              <a:rPr lang="en-US" sz="1600" dirty="0">
+                <a:latin typeface="Roboto" panose="02000000000000000000" pitchFamily="2" charset="0"/>
+                <a:ea typeface="Roboto" panose="02000000000000000000" pitchFamily="2" charset="0"/>
+              </a:rPr>
+              <a:t>Automatically called only once, when the state object is created for the first time.</a:t>
+            </a:r>
+          </a:p>
+          <a:p>
+            <a:pPr marL="285750" indent="-285750">
+              <a:lnSpc>
+                <a:spcPct val="150000"/>
+              </a:lnSpc>
+              <a:buFont typeface="Arial" panose="020B0604020202020204" pitchFamily="34" charset="0"/>
+              <a:buChar char="•"/>
+            </a:pPr>
+            <a:r>
+              <a:rPr lang="en-US" sz="1600" dirty="0">
+                <a:latin typeface="Roboto" panose="02000000000000000000" pitchFamily="2" charset="0"/>
+                <a:ea typeface="Roboto" panose="02000000000000000000" pitchFamily="2" charset="0"/>
+              </a:rPr>
+              <a:t>Use this method to manage HTTP requests and subscribe to streams or any other object that could change the data on this widget.</a:t>
+            </a:r>
+          </a:p>
+        </p:txBody>
+      </p:sp>
     </p:spTree>
     <p:extLst>
       <p:ext uri="{BB962C8B-B14F-4D97-AF65-F5344CB8AC3E}">
-        <p14:creationId xmlns:p14="http://schemas.microsoft.com/office/powerpoint/2010/main" val="3042473990"/>
+        <p14:creationId xmlns:p14="http://schemas.microsoft.com/office/powerpoint/2010/main" val="2675000672"/>
       </p:ext>
     </p:extLst>
   </p:cSld>
@@ -20141,6 +22745,885 @@
       </p:par>
     </p:tnLst>
   </p:timing>
+</p:sld>
+</file>
+
+<file path=ppt/slides/slide60.xml><?xml version="1.0" encoding="utf-8"?>
+<p:sld xmlns:a="http://schemas.openxmlformats.org/drawingml/2006/main" xmlns:r="http://schemas.openxmlformats.org/officeDocument/2006/relationships" xmlns:p="http://schemas.openxmlformats.org/presentationml/2006/main">
+  <p:cSld>
+    <p:bg>
+      <p:bgPr>
+        <a:blipFill dpi="0" rotWithShape="1">
+          <a:blip r:embed="rId3">
+            <a:lum/>
+          </a:blip>
+          <a:srcRect/>
+          <a:stretch>
+            <a:fillRect l="-1000" r="-1000"/>
+          </a:stretch>
+        </a:blipFill>
+        <a:effectLst/>
+      </p:bgPr>
+    </p:bg>
+    <p:spTree>
+      <p:nvGrpSpPr>
+        <p:cNvPr id="1" name=""/>
+        <p:cNvGrpSpPr/>
+        <p:nvPr/>
+      </p:nvGrpSpPr>
+      <p:grpSpPr>
+        <a:xfrm>
+          <a:off x="0" y="0"/>
+          <a:ext cx="0" cy="0"/>
+          <a:chOff x="0" y="0"/>
+          <a:chExt cx="0" cy="0"/>
+        </a:xfrm>
+      </p:grpSpPr>
+      <p:sp>
+        <p:nvSpPr>
+          <p:cNvPr id="3" name="Rectangle 2"/>
+          <p:cNvSpPr/>
+          <p:nvPr/>
+        </p:nvSpPr>
+        <p:spPr>
+          <a:xfrm>
+            <a:off x="685800" y="133350"/>
+            <a:ext cx="2185214" cy="307777"/>
+          </a:xfrm>
+          <a:prstGeom prst="rect">
+            <a:avLst/>
+          </a:prstGeom>
+        </p:spPr>
+        <p:txBody>
+          <a:bodyPr wrap="none">
+            <a:spAutoFit/>
+          </a:bodyPr>
+          <a:lstStyle/>
+          <a:p>
+            <a:r>
+              <a:rPr lang="en-US" sz="1400" b="1" dirty="0">
+                <a:solidFill>
+                  <a:srgbClr val="0070C0"/>
+                </a:solidFill>
+                <a:latin typeface="Roboto" panose="02000000000000000000" pitchFamily="2" charset="0"/>
+                <a:ea typeface="Roboto" panose="02000000000000000000" pitchFamily="2" charset="0"/>
+              </a:rPr>
+              <a:t>State Lifecycle methods </a:t>
+            </a:r>
+          </a:p>
+        </p:txBody>
+      </p:sp>
+      <p:sp>
+        <p:nvSpPr>
+          <p:cNvPr id="5" name="TextBox 4">
+            <a:extLst>
+              <a:ext uri="{FF2B5EF4-FFF2-40B4-BE49-F238E27FC236}">
+                <a16:creationId xmlns:a16="http://schemas.microsoft.com/office/drawing/2014/main" id="{F8466C4F-C663-16E9-A3A4-5E4BCC1922AB}"/>
+              </a:ext>
+            </a:extLst>
+          </p:cNvPr>
+          <p:cNvSpPr txBox="1"/>
+          <p:nvPr/>
+        </p:nvSpPr>
+        <p:spPr>
+          <a:xfrm>
+            <a:off x="228600" y="819150"/>
+            <a:ext cx="8229600" cy="1282402"/>
+          </a:xfrm>
+          <a:prstGeom prst="rect">
+            <a:avLst/>
+          </a:prstGeom>
+          <a:noFill/>
+        </p:spPr>
+        <p:txBody>
+          <a:bodyPr wrap="square">
+            <a:spAutoFit/>
+          </a:bodyPr>
+          <a:lstStyle/>
+          <a:p>
+            <a:r>
+              <a:rPr lang="en-US" sz="1600" b="1" u="sng" dirty="0" err="1">
+                <a:latin typeface="Roboto" panose="02000000000000000000" pitchFamily="2" charset="0"/>
+                <a:ea typeface="Roboto" panose="02000000000000000000" pitchFamily="2" charset="0"/>
+              </a:rPr>
+              <a:t>didChangeDependencies</a:t>
+            </a:r>
+            <a:r>
+              <a:rPr lang="en-US" sz="1600" b="1" u="sng" dirty="0">
+                <a:latin typeface="Roboto" panose="02000000000000000000" pitchFamily="2" charset="0"/>
+                <a:ea typeface="Roboto" panose="02000000000000000000" pitchFamily="2" charset="0"/>
+              </a:rPr>
+              <a:t>()</a:t>
+            </a:r>
+          </a:p>
+          <a:p>
+            <a:endParaRPr lang="en-US" sz="1600" dirty="0">
+              <a:latin typeface="Roboto" panose="02000000000000000000" pitchFamily="2" charset="0"/>
+              <a:ea typeface="Roboto" panose="02000000000000000000" pitchFamily="2" charset="0"/>
+            </a:endParaRPr>
+          </a:p>
+          <a:p>
+            <a:pPr marL="285750" indent="-285750">
+              <a:lnSpc>
+                <a:spcPct val="150000"/>
+              </a:lnSpc>
+              <a:buFont typeface="Arial" panose="020B0604020202020204" pitchFamily="34" charset="0"/>
+              <a:buChar char="•"/>
+            </a:pPr>
+            <a:r>
+              <a:rPr lang="en-US" sz="1600" dirty="0">
+                <a:latin typeface="Roboto" panose="02000000000000000000" pitchFamily="2" charset="0"/>
+                <a:ea typeface="Roboto" panose="02000000000000000000" pitchFamily="2" charset="0"/>
+              </a:rPr>
+              <a:t>Framework will call this method immediately after the </a:t>
+            </a:r>
+            <a:r>
+              <a:rPr lang="en-US" sz="1600" b="1" dirty="0" err="1">
+                <a:latin typeface="Roboto" panose="02000000000000000000" pitchFamily="2" charset="0"/>
+                <a:ea typeface="Roboto" panose="02000000000000000000" pitchFamily="2" charset="0"/>
+              </a:rPr>
+              <a:t>initState</a:t>
+            </a:r>
+            <a:r>
+              <a:rPr lang="en-US" sz="1600" dirty="0">
+                <a:latin typeface="Roboto" panose="02000000000000000000" pitchFamily="2" charset="0"/>
+                <a:ea typeface="Roboto" panose="02000000000000000000" pitchFamily="2" charset="0"/>
+              </a:rPr>
+              <a:t>().</a:t>
+            </a:r>
+          </a:p>
+          <a:p>
+            <a:pPr marL="285750" indent="-285750">
+              <a:lnSpc>
+                <a:spcPct val="150000"/>
+              </a:lnSpc>
+              <a:buFont typeface="Arial" panose="020B0604020202020204" pitchFamily="34" charset="0"/>
+              <a:buChar char="•"/>
+            </a:pPr>
+            <a:r>
+              <a:rPr lang="en-US" sz="1600" dirty="0">
+                <a:latin typeface="Roboto" panose="02000000000000000000" pitchFamily="2" charset="0"/>
+                <a:ea typeface="Roboto" panose="02000000000000000000" pitchFamily="2" charset="0"/>
+              </a:rPr>
+              <a:t>The build method is always called after this method, so this method is rarely needed</a:t>
+            </a:r>
+          </a:p>
+        </p:txBody>
+      </p:sp>
+    </p:spTree>
+    <p:extLst>
+      <p:ext uri="{BB962C8B-B14F-4D97-AF65-F5344CB8AC3E}">
+        <p14:creationId xmlns:p14="http://schemas.microsoft.com/office/powerpoint/2010/main" val="3102205266"/>
+      </p:ext>
+    </p:extLst>
+  </p:cSld>
+  <p:clrMapOvr>
+    <a:masterClrMapping/>
+  </p:clrMapOvr>
+</p:sld>
+</file>
+
+<file path=ppt/slides/slide61.xml><?xml version="1.0" encoding="utf-8"?>
+<p:sld xmlns:a="http://schemas.openxmlformats.org/drawingml/2006/main" xmlns:r="http://schemas.openxmlformats.org/officeDocument/2006/relationships" xmlns:p="http://schemas.openxmlformats.org/presentationml/2006/main">
+  <p:cSld>
+    <p:bg>
+      <p:bgPr>
+        <a:blipFill dpi="0" rotWithShape="1">
+          <a:blip r:embed="rId3">
+            <a:lum/>
+          </a:blip>
+          <a:srcRect/>
+          <a:stretch>
+            <a:fillRect l="-1000" r="-1000"/>
+          </a:stretch>
+        </a:blipFill>
+        <a:effectLst/>
+      </p:bgPr>
+    </p:bg>
+    <p:spTree>
+      <p:nvGrpSpPr>
+        <p:cNvPr id="1" name=""/>
+        <p:cNvGrpSpPr/>
+        <p:nvPr/>
+      </p:nvGrpSpPr>
+      <p:grpSpPr>
+        <a:xfrm>
+          <a:off x="0" y="0"/>
+          <a:ext cx="0" cy="0"/>
+          <a:chOff x="0" y="0"/>
+          <a:chExt cx="0" cy="0"/>
+        </a:xfrm>
+      </p:grpSpPr>
+      <p:sp>
+        <p:nvSpPr>
+          <p:cNvPr id="3" name="Rectangle 2"/>
+          <p:cNvSpPr/>
+          <p:nvPr/>
+        </p:nvSpPr>
+        <p:spPr>
+          <a:xfrm>
+            <a:off x="685800" y="133350"/>
+            <a:ext cx="2185214" cy="307777"/>
+          </a:xfrm>
+          <a:prstGeom prst="rect">
+            <a:avLst/>
+          </a:prstGeom>
+        </p:spPr>
+        <p:txBody>
+          <a:bodyPr wrap="none">
+            <a:spAutoFit/>
+          </a:bodyPr>
+          <a:lstStyle/>
+          <a:p>
+            <a:r>
+              <a:rPr lang="en-US" sz="1400" b="1" dirty="0">
+                <a:solidFill>
+                  <a:srgbClr val="0070C0"/>
+                </a:solidFill>
+                <a:latin typeface="Roboto" panose="02000000000000000000" pitchFamily="2" charset="0"/>
+                <a:ea typeface="Roboto" panose="02000000000000000000" pitchFamily="2" charset="0"/>
+              </a:rPr>
+              <a:t>State Lifecycle methods </a:t>
+            </a:r>
+          </a:p>
+        </p:txBody>
+      </p:sp>
+      <p:sp>
+        <p:nvSpPr>
+          <p:cNvPr id="5" name="TextBox 4">
+            <a:extLst>
+              <a:ext uri="{FF2B5EF4-FFF2-40B4-BE49-F238E27FC236}">
+                <a16:creationId xmlns:a16="http://schemas.microsoft.com/office/drawing/2014/main" id="{F8466C4F-C663-16E9-A3A4-5E4BCC1922AB}"/>
+              </a:ext>
+            </a:extLst>
+          </p:cNvPr>
+          <p:cNvSpPr txBox="1"/>
+          <p:nvPr/>
+        </p:nvSpPr>
+        <p:spPr>
+          <a:xfrm>
+            <a:off x="228600" y="819150"/>
+            <a:ext cx="8229600" cy="2021066"/>
+          </a:xfrm>
+          <a:prstGeom prst="rect">
+            <a:avLst/>
+          </a:prstGeom>
+          <a:noFill/>
+        </p:spPr>
+        <p:txBody>
+          <a:bodyPr wrap="square">
+            <a:spAutoFit/>
+          </a:bodyPr>
+          <a:lstStyle/>
+          <a:p>
+            <a:r>
+              <a:rPr lang="en-US" sz="1600" b="1" u="sng" dirty="0">
+                <a:latin typeface="Roboto" panose="02000000000000000000" pitchFamily="2" charset="0"/>
+                <a:ea typeface="Roboto" panose="02000000000000000000" pitchFamily="2" charset="0"/>
+              </a:rPr>
+              <a:t>build()</a:t>
+            </a:r>
+          </a:p>
+          <a:p>
+            <a:endParaRPr lang="en-US" sz="1600" dirty="0">
+              <a:latin typeface="Roboto" panose="02000000000000000000" pitchFamily="2" charset="0"/>
+              <a:ea typeface="Roboto" panose="02000000000000000000" pitchFamily="2" charset="0"/>
+            </a:endParaRPr>
+          </a:p>
+          <a:p>
+            <a:pPr marL="285750" indent="-285750">
+              <a:lnSpc>
+                <a:spcPct val="150000"/>
+              </a:lnSpc>
+              <a:buFont typeface="Arial" panose="020B0604020202020204" pitchFamily="34" charset="0"/>
+              <a:buChar char="•"/>
+            </a:pPr>
+            <a:r>
+              <a:rPr lang="en-US" sz="1600" dirty="0">
+                <a:latin typeface="Roboto" panose="02000000000000000000" pitchFamily="2" charset="0"/>
+                <a:ea typeface="Roboto" panose="02000000000000000000" pitchFamily="2" charset="0"/>
+              </a:rPr>
+              <a:t>it will be called many times during the lifecycle, but the first time is after the </a:t>
+            </a:r>
+            <a:r>
+              <a:rPr lang="en-US" sz="1600" b="1" dirty="0" err="1">
+                <a:latin typeface="Roboto" panose="02000000000000000000" pitchFamily="2" charset="0"/>
+                <a:ea typeface="Roboto" panose="02000000000000000000" pitchFamily="2" charset="0"/>
+              </a:rPr>
+              <a:t>didChangeDependencies</a:t>
+            </a:r>
+            <a:r>
+              <a:rPr lang="en-US" sz="1600" dirty="0">
+                <a:latin typeface="Roboto" panose="02000000000000000000" pitchFamily="2" charset="0"/>
+                <a:ea typeface="Roboto" panose="02000000000000000000" pitchFamily="2" charset="0"/>
+              </a:rPr>
+              <a:t>() method. </a:t>
+            </a:r>
+          </a:p>
+          <a:p>
+            <a:pPr marL="285750" indent="-285750">
+              <a:lnSpc>
+                <a:spcPct val="150000"/>
+              </a:lnSpc>
+              <a:buFont typeface="Arial" panose="020B0604020202020204" pitchFamily="34" charset="0"/>
+              <a:buChar char="•"/>
+            </a:pPr>
+            <a:r>
+              <a:rPr lang="en-US" sz="1600" dirty="0">
+                <a:latin typeface="Roboto" panose="02000000000000000000" pitchFamily="2" charset="0"/>
+                <a:ea typeface="Roboto" panose="02000000000000000000" pitchFamily="2" charset="0"/>
+              </a:rPr>
+              <a:t>Whenever the widget that belongs to the state is updated, the framework will always execute this method </a:t>
+            </a:r>
+          </a:p>
+        </p:txBody>
+      </p:sp>
+    </p:spTree>
+    <p:extLst>
+      <p:ext uri="{BB962C8B-B14F-4D97-AF65-F5344CB8AC3E}">
+        <p14:creationId xmlns:p14="http://schemas.microsoft.com/office/powerpoint/2010/main" val="1624070909"/>
+      </p:ext>
+    </p:extLst>
+  </p:cSld>
+  <p:clrMapOvr>
+    <a:masterClrMapping/>
+  </p:clrMapOvr>
+</p:sld>
+</file>
+
+<file path=ppt/slides/slide62.xml><?xml version="1.0" encoding="utf-8"?>
+<p:sld xmlns:a="http://schemas.openxmlformats.org/drawingml/2006/main" xmlns:r="http://schemas.openxmlformats.org/officeDocument/2006/relationships" xmlns:p="http://schemas.openxmlformats.org/presentationml/2006/main">
+  <p:cSld>
+    <p:bg>
+      <p:bgPr>
+        <a:blipFill dpi="0" rotWithShape="1">
+          <a:blip r:embed="rId3">
+            <a:lum/>
+          </a:blip>
+          <a:srcRect/>
+          <a:stretch>
+            <a:fillRect l="-1000" r="-1000"/>
+          </a:stretch>
+        </a:blipFill>
+        <a:effectLst/>
+      </p:bgPr>
+    </p:bg>
+    <p:spTree>
+      <p:nvGrpSpPr>
+        <p:cNvPr id="1" name=""/>
+        <p:cNvGrpSpPr/>
+        <p:nvPr/>
+      </p:nvGrpSpPr>
+      <p:grpSpPr>
+        <a:xfrm>
+          <a:off x="0" y="0"/>
+          <a:ext cx="0" cy="0"/>
+          <a:chOff x="0" y="0"/>
+          <a:chExt cx="0" cy="0"/>
+        </a:xfrm>
+      </p:grpSpPr>
+      <p:sp>
+        <p:nvSpPr>
+          <p:cNvPr id="3" name="Rectangle 2"/>
+          <p:cNvSpPr/>
+          <p:nvPr/>
+        </p:nvSpPr>
+        <p:spPr>
+          <a:xfrm>
+            <a:off x="685800" y="133350"/>
+            <a:ext cx="2185214" cy="307777"/>
+          </a:xfrm>
+          <a:prstGeom prst="rect">
+            <a:avLst/>
+          </a:prstGeom>
+        </p:spPr>
+        <p:txBody>
+          <a:bodyPr wrap="none">
+            <a:spAutoFit/>
+          </a:bodyPr>
+          <a:lstStyle/>
+          <a:p>
+            <a:r>
+              <a:rPr lang="en-US" sz="1400" b="1" dirty="0">
+                <a:solidFill>
+                  <a:srgbClr val="0070C0"/>
+                </a:solidFill>
+                <a:latin typeface="Roboto" panose="02000000000000000000" pitchFamily="2" charset="0"/>
+                <a:ea typeface="Roboto" panose="02000000000000000000" pitchFamily="2" charset="0"/>
+              </a:rPr>
+              <a:t>State Lifecycle methods </a:t>
+            </a:r>
+          </a:p>
+        </p:txBody>
+      </p:sp>
+      <p:sp>
+        <p:nvSpPr>
+          <p:cNvPr id="5" name="TextBox 4">
+            <a:extLst>
+              <a:ext uri="{FF2B5EF4-FFF2-40B4-BE49-F238E27FC236}">
+                <a16:creationId xmlns:a16="http://schemas.microsoft.com/office/drawing/2014/main" id="{F8466C4F-C663-16E9-A3A4-5E4BCC1922AB}"/>
+              </a:ext>
+            </a:extLst>
+          </p:cNvPr>
+          <p:cNvSpPr txBox="1"/>
+          <p:nvPr/>
+        </p:nvSpPr>
+        <p:spPr>
+          <a:xfrm>
+            <a:off x="228600" y="819150"/>
+            <a:ext cx="8229600" cy="1282402"/>
+          </a:xfrm>
+          <a:prstGeom prst="rect">
+            <a:avLst/>
+          </a:prstGeom>
+          <a:noFill/>
+        </p:spPr>
+        <p:txBody>
+          <a:bodyPr wrap="square">
+            <a:spAutoFit/>
+          </a:bodyPr>
+          <a:lstStyle/>
+          <a:p>
+            <a:r>
+              <a:rPr lang="en-US" sz="1600" b="1" u="sng" dirty="0" err="1">
+                <a:latin typeface="Roboto" panose="02000000000000000000" pitchFamily="2" charset="0"/>
+                <a:ea typeface="Roboto" panose="02000000000000000000" pitchFamily="2" charset="0"/>
+              </a:rPr>
+              <a:t>setState</a:t>
+            </a:r>
+            <a:r>
+              <a:rPr lang="en-US" sz="1600" b="1" u="sng" dirty="0">
+                <a:latin typeface="Roboto" panose="02000000000000000000" pitchFamily="2" charset="0"/>
+                <a:ea typeface="Roboto" panose="02000000000000000000" pitchFamily="2" charset="0"/>
+              </a:rPr>
+              <a:t>()</a:t>
+            </a:r>
+          </a:p>
+          <a:p>
+            <a:endParaRPr lang="en-US" sz="1600" dirty="0">
+              <a:latin typeface="Roboto" panose="02000000000000000000" pitchFamily="2" charset="0"/>
+              <a:ea typeface="Roboto" panose="02000000000000000000" pitchFamily="2" charset="0"/>
+            </a:endParaRPr>
+          </a:p>
+          <a:p>
+            <a:pPr marL="285750" indent="-285750">
+              <a:lnSpc>
+                <a:spcPct val="150000"/>
+              </a:lnSpc>
+              <a:buFont typeface="Arial" panose="020B0604020202020204" pitchFamily="34" charset="0"/>
+              <a:buChar char="•"/>
+            </a:pPr>
+            <a:r>
+              <a:rPr lang="en-US" sz="1600" dirty="0">
+                <a:latin typeface="Roboto" panose="02000000000000000000" pitchFamily="2" charset="0"/>
+                <a:ea typeface="Roboto" panose="02000000000000000000" pitchFamily="2" charset="0"/>
+              </a:rPr>
+              <a:t>The </a:t>
+            </a:r>
+            <a:r>
+              <a:rPr lang="en-US" sz="1600" dirty="0" err="1">
+                <a:latin typeface="Roboto" panose="02000000000000000000" pitchFamily="2" charset="0"/>
+                <a:ea typeface="Roboto" panose="02000000000000000000" pitchFamily="2" charset="0"/>
+              </a:rPr>
+              <a:t>setState</a:t>
+            </a:r>
+            <a:r>
+              <a:rPr lang="en-US" sz="1600" dirty="0">
+                <a:latin typeface="Roboto" panose="02000000000000000000" pitchFamily="2" charset="0"/>
+                <a:ea typeface="Roboto" panose="02000000000000000000" pitchFamily="2" charset="0"/>
+              </a:rPr>
+              <a:t>() method notifies the framework that the internal state of the current object is changed, now it's time to update the view </a:t>
+            </a:r>
+          </a:p>
+        </p:txBody>
+      </p:sp>
+    </p:spTree>
+    <p:extLst>
+      <p:ext uri="{BB962C8B-B14F-4D97-AF65-F5344CB8AC3E}">
+        <p14:creationId xmlns:p14="http://schemas.microsoft.com/office/powerpoint/2010/main" val="1609000045"/>
+      </p:ext>
+    </p:extLst>
+  </p:cSld>
+  <p:clrMapOvr>
+    <a:masterClrMapping/>
+  </p:clrMapOvr>
+</p:sld>
+</file>
+
+<file path=ppt/slides/slide63.xml><?xml version="1.0" encoding="utf-8"?>
+<p:sld xmlns:a="http://schemas.openxmlformats.org/drawingml/2006/main" xmlns:r="http://schemas.openxmlformats.org/officeDocument/2006/relationships" xmlns:p="http://schemas.openxmlformats.org/presentationml/2006/main">
+  <p:cSld>
+    <p:bg>
+      <p:bgPr>
+        <a:blipFill dpi="0" rotWithShape="1">
+          <a:blip r:embed="rId3">
+            <a:lum/>
+          </a:blip>
+          <a:srcRect/>
+          <a:stretch>
+            <a:fillRect l="-1000" r="-1000"/>
+          </a:stretch>
+        </a:blipFill>
+        <a:effectLst/>
+      </p:bgPr>
+    </p:bg>
+    <p:spTree>
+      <p:nvGrpSpPr>
+        <p:cNvPr id="1" name=""/>
+        <p:cNvGrpSpPr/>
+        <p:nvPr/>
+      </p:nvGrpSpPr>
+      <p:grpSpPr>
+        <a:xfrm>
+          <a:off x="0" y="0"/>
+          <a:ext cx="0" cy="0"/>
+          <a:chOff x="0" y="0"/>
+          <a:chExt cx="0" cy="0"/>
+        </a:xfrm>
+      </p:grpSpPr>
+      <p:sp>
+        <p:nvSpPr>
+          <p:cNvPr id="3" name="Rectangle 2"/>
+          <p:cNvSpPr/>
+          <p:nvPr/>
+        </p:nvSpPr>
+        <p:spPr>
+          <a:xfrm>
+            <a:off x="685800" y="133350"/>
+            <a:ext cx="2335896" cy="307777"/>
+          </a:xfrm>
+          <a:prstGeom prst="rect">
+            <a:avLst/>
+          </a:prstGeom>
+        </p:spPr>
+        <p:txBody>
+          <a:bodyPr wrap="none">
+            <a:spAutoFit/>
+          </a:bodyPr>
+          <a:lstStyle/>
+          <a:p>
+            <a:r>
+              <a:rPr lang="en-US" sz="1400" b="1" dirty="0">
+                <a:solidFill>
+                  <a:srgbClr val="0070C0"/>
+                </a:solidFill>
+                <a:latin typeface="Roboto" panose="02000000000000000000" pitchFamily="2" charset="0"/>
+                <a:ea typeface="Roboto" panose="02000000000000000000" pitchFamily="2" charset="0"/>
+              </a:rPr>
+              <a:t>Lets Create A Counter App</a:t>
+            </a:r>
+          </a:p>
+        </p:txBody>
+      </p:sp>
+      <p:pic>
+        <p:nvPicPr>
+          <p:cNvPr id="4" name="Picture 3">
+            <a:extLst>
+              <a:ext uri="{FF2B5EF4-FFF2-40B4-BE49-F238E27FC236}">
+                <a16:creationId xmlns:a16="http://schemas.microsoft.com/office/drawing/2014/main" id="{CB096ED8-BB29-6E71-A1B5-8411551C180B}"/>
+              </a:ext>
+            </a:extLst>
+          </p:cNvPr>
+          <p:cNvPicPr>
+            <a:picLocks noChangeAspect="1"/>
+          </p:cNvPicPr>
+          <p:nvPr/>
+        </p:nvPicPr>
+        <p:blipFill rotWithShape="1">
+          <a:blip r:embed="rId4">
+            <a:extLst>
+              <a:ext uri="{28A0092B-C50C-407E-A947-70E740481C1C}">
+                <a14:useLocalDpi xmlns:a14="http://schemas.microsoft.com/office/drawing/2010/main" val="0"/>
+              </a:ext>
+            </a:extLst>
+          </a:blip>
+          <a:srcRect b="11860"/>
+          <a:stretch/>
+        </p:blipFill>
+        <p:spPr>
+          <a:xfrm>
+            <a:off x="3127752" y="1581150"/>
+            <a:ext cx="5254248" cy="1981199"/>
+          </a:xfrm>
+          <a:prstGeom prst="rect">
+            <a:avLst/>
+          </a:prstGeom>
+        </p:spPr>
+      </p:pic>
+      <p:pic>
+        <p:nvPicPr>
+          <p:cNvPr id="7" name="Picture 6">
+            <a:extLst>
+              <a:ext uri="{FF2B5EF4-FFF2-40B4-BE49-F238E27FC236}">
+                <a16:creationId xmlns:a16="http://schemas.microsoft.com/office/drawing/2014/main" id="{62C21280-F40D-3ED0-805E-21B9AAD3BDFA}"/>
+              </a:ext>
+            </a:extLst>
+          </p:cNvPr>
+          <p:cNvPicPr>
+            <a:picLocks noChangeAspect="1"/>
+          </p:cNvPicPr>
+          <p:nvPr/>
+        </p:nvPicPr>
+        <p:blipFill>
+          <a:blip r:embed="rId5" cstate="print">
+            <a:extLst>
+              <a:ext uri="{28A0092B-C50C-407E-A947-70E740481C1C}">
+                <a14:useLocalDpi xmlns:a14="http://schemas.microsoft.com/office/drawing/2010/main" val="0"/>
+              </a:ext>
+            </a:extLst>
+          </a:blip>
+          <a:stretch>
+            <a:fillRect/>
+          </a:stretch>
+        </p:blipFill>
+        <p:spPr>
+          <a:xfrm>
+            <a:off x="669131" y="819150"/>
+            <a:ext cx="2022440" cy="3867150"/>
+          </a:xfrm>
+          <a:prstGeom prst="rect">
+            <a:avLst/>
+          </a:prstGeom>
+        </p:spPr>
+      </p:pic>
+    </p:spTree>
+    <p:extLst>
+      <p:ext uri="{BB962C8B-B14F-4D97-AF65-F5344CB8AC3E}">
+        <p14:creationId xmlns:p14="http://schemas.microsoft.com/office/powerpoint/2010/main" val="3042473990"/>
+      </p:ext>
+    </p:extLst>
+  </p:cSld>
+  <p:clrMapOvr>
+    <a:masterClrMapping/>
+  </p:clrMapOvr>
+</p:sld>
+</file>
+
+<file path=ppt/slides/slide64.xml><?xml version="1.0" encoding="utf-8"?>
+<p:sld xmlns:a="http://schemas.openxmlformats.org/drawingml/2006/main" xmlns:r="http://schemas.openxmlformats.org/officeDocument/2006/relationships" xmlns:p="http://schemas.openxmlformats.org/presentationml/2006/main">
+  <p:cSld>
+    <p:bg>
+      <p:bgPr>
+        <a:blipFill dpi="0" rotWithShape="1">
+          <a:blip r:embed="rId3">
+            <a:lum/>
+          </a:blip>
+          <a:srcRect/>
+          <a:stretch>
+            <a:fillRect l="-1000" r="-1000"/>
+          </a:stretch>
+        </a:blipFill>
+        <a:effectLst/>
+      </p:bgPr>
+    </p:bg>
+    <p:spTree>
+      <p:nvGrpSpPr>
+        <p:cNvPr id="1" name=""/>
+        <p:cNvGrpSpPr/>
+        <p:nvPr/>
+      </p:nvGrpSpPr>
+      <p:grpSpPr>
+        <a:xfrm>
+          <a:off x="0" y="0"/>
+          <a:ext cx="0" cy="0"/>
+          <a:chOff x="0" y="0"/>
+          <a:chExt cx="0" cy="0"/>
+        </a:xfrm>
+      </p:grpSpPr>
+      <p:sp>
+        <p:nvSpPr>
+          <p:cNvPr id="3" name="Rectangle 2"/>
+          <p:cNvSpPr/>
+          <p:nvPr/>
+        </p:nvSpPr>
+        <p:spPr>
+          <a:xfrm>
+            <a:off x="685800" y="133350"/>
+            <a:ext cx="2443298" cy="307777"/>
+          </a:xfrm>
+          <a:prstGeom prst="rect">
+            <a:avLst/>
+          </a:prstGeom>
+        </p:spPr>
+        <p:txBody>
+          <a:bodyPr wrap="none">
+            <a:spAutoFit/>
+          </a:bodyPr>
+          <a:lstStyle/>
+          <a:p>
+            <a:r>
+              <a:rPr lang="en-US" sz="1400" b="1" dirty="0">
+                <a:solidFill>
+                  <a:srgbClr val="0070C0"/>
+                </a:solidFill>
+                <a:latin typeface="Roboto" panose="02000000000000000000" pitchFamily="2" charset="0"/>
+                <a:ea typeface="Roboto" panose="02000000000000000000" pitchFamily="2" charset="0"/>
+              </a:rPr>
+              <a:t>Lets Create Sum Calculator </a:t>
+            </a:r>
+          </a:p>
+        </p:txBody>
+      </p:sp>
+      <p:pic>
+        <p:nvPicPr>
+          <p:cNvPr id="5" name="Picture 4">
+            <a:extLst>
+              <a:ext uri="{FF2B5EF4-FFF2-40B4-BE49-F238E27FC236}">
+                <a16:creationId xmlns:a16="http://schemas.microsoft.com/office/drawing/2014/main" id="{D3914618-BA90-7897-5519-C386EC349543}"/>
+              </a:ext>
+            </a:extLst>
+          </p:cNvPr>
+          <p:cNvPicPr>
+            <a:picLocks noChangeAspect="1"/>
+          </p:cNvPicPr>
+          <p:nvPr/>
+        </p:nvPicPr>
+        <p:blipFill>
+          <a:blip r:embed="rId4" cstate="print">
+            <a:extLst>
+              <a:ext uri="{28A0092B-C50C-407E-A947-70E740481C1C}">
+                <a14:useLocalDpi xmlns:a14="http://schemas.microsoft.com/office/drawing/2010/main" val="0"/>
+              </a:ext>
+            </a:extLst>
+          </a:blip>
+          <a:stretch>
+            <a:fillRect/>
+          </a:stretch>
+        </p:blipFill>
+        <p:spPr>
+          <a:xfrm>
+            <a:off x="533400" y="895350"/>
+            <a:ext cx="1913899" cy="3867150"/>
+          </a:xfrm>
+          <a:prstGeom prst="rect">
+            <a:avLst/>
+          </a:prstGeom>
+        </p:spPr>
+      </p:pic>
+    </p:spTree>
+    <p:extLst>
+      <p:ext uri="{BB962C8B-B14F-4D97-AF65-F5344CB8AC3E}">
+        <p14:creationId xmlns:p14="http://schemas.microsoft.com/office/powerpoint/2010/main" val="432087342"/>
+      </p:ext>
+    </p:extLst>
+  </p:cSld>
+  <p:clrMapOvr>
+    <a:masterClrMapping/>
+  </p:clrMapOvr>
+</p:sld>
+</file>
+
+<file path=ppt/slides/slide65.xml><?xml version="1.0" encoding="utf-8"?>
+<p:sld xmlns:a="http://schemas.openxmlformats.org/drawingml/2006/main" xmlns:r="http://schemas.openxmlformats.org/officeDocument/2006/relationships" xmlns:p="http://schemas.openxmlformats.org/presentationml/2006/main">
+  <p:cSld>
+    <p:bg>
+      <p:bgPr>
+        <a:blipFill dpi="0" rotWithShape="1">
+          <a:blip r:embed="rId3">
+            <a:lum/>
+          </a:blip>
+          <a:srcRect/>
+          <a:stretch>
+            <a:fillRect l="-1000" r="-1000"/>
+          </a:stretch>
+        </a:blipFill>
+        <a:effectLst/>
+      </p:bgPr>
+    </p:bg>
+    <p:spTree>
+      <p:nvGrpSpPr>
+        <p:cNvPr id="1" name=""/>
+        <p:cNvGrpSpPr/>
+        <p:nvPr/>
+      </p:nvGrpSpPr>
+      <p:grpSpPr>
+        <a:xfrm>
+          <a:off x="0" y="0"/>
+          <a:ext cx="0" cy="0"/>
+          <a:chOff x="0" y="0"/>
+          <a:chExt cx="0" cy="0"/>
+        </a:xfrm>
+      </p:grpSpPr>
+      <p:sp>
+        <p:nvSpPr>
+          <p:cNvPr id="3" name="Rectangle 2"/>
+          <p:cNvSpPr/>
+          <p:nvPr/>
+        </p:nvSpPr>
+        <p:spPr>
+          <a:xfrm>
+            <a:off x="685800" y="133350"/>
+            <a:ext cx="1912703" cy="307777"/>
+          </a:xfrm>
+          <a:prstGeom prst="rect">
+            <a:avLst/>
+          </a:prstGeom>
+        </p:spPr>
+        <p:txBody>
+          <a:bodyPr wrap="none">
+            <a:spAutoFit/>
+          </a:bodyPr>
+          <a:lstStyle/>
+          <a:p>
+            <a:r>
+              <a:rPr lang="en-US" sz="1400" b="1" dirty="0">
+                <a:solidFill>
+                  <a:srgbClr val="0070C0"/>
+                </a:solidFill>
+                <a:latin typeface="Roboto" panose="02000000000000000000" pitchFamily="2" charset="0"/>
+                <a:ea typeface="Roboto" panose="02000000000000000000" pitchFamily="2" charset="0"/>
+              </a:rPr>
+              <a:t>Lets Create To do list</a:t>
+            </a:r>
+          </a:p>
+        </p:txBody>
+      </p:sp>
+      <p:pic>
+        <p:nvPicPr>
+          <p:cNvPr id="4" name="Picture 3">
+            <a:extLst>
+              <a:ext uri="{FF2B5EF4-FFF2-40B4-BE49-F238E27FC236}">
+                <a16:creationId xmlns:a16="http://schemas.microsoft.com/office/drawing/2014/main" id="{7416FD17-D267-A50F-FE37-6548B491C7E4}"/>
+              </a:ext>
+            </a:extLst>
+          </p:cNvPr>
+          <p:cNvPicPr>
+            <a:picLocks noChangeAspect="1"/>
+          </p:cNvPicPr>
+          <p:nvPr/>
+        </p:nvPicPr>
+        <p:blipFill>
+          <a:blip r:embed="rId4" cstate="print">
+            <a:extLst>
+              <a:ext uri="{28A0092B-C50C-407E-A947-70E740481C1C}">
+                <a14:useLocalDpi xmlns:a14="http://schemas.microsoft.com/office/drawing/2010/main" val="0"/>
+              </a:ext>
+            </a:extLst>
+          </a:blip>
+          <a:stretch>
+            <a:fillRect/>
+          </a:stretch>
+        </p:blipFill>
+        <p:spPr>
+          <a:xfrm>
+            <a:off x="609600" y="819150"/>
+            <a:ext cx="1883906" cy="4095750"/>
+          </a:xfrm>
+          <a:prstGeom prst="rect">
+            <a:avLst/>
+          </a:prstGeom>
+        </p:spPr>
+      </p:pic>
+    </p:spTree>
+    <p:extLst>
+      <p:ext uri="{BB962C8B-B14F-4D97-AF65-F5344CB8AC3E}">
+        <p14:creationId xmlns:p14="http://schemas.microsoft.com/office/powerpoint/2010/main" val="1115411159"/>
+      </p:ext>
+    </p:extLst>
+  </p:cSld>
+  <p:clrMapOvr>
+    <a:masterClrMapping/>
+  </p:clrMapOvr>
 </p:sld>
 </file>
 

--- a/Flutter/PPT/Slide.pptx
+++ b/Flutter/PPT/Slide.pptx
@@ -272,7 +272,7 @@
           <a:p>
             <a:fld id="{38EBF754-CDC4-4762-B81C-FDFA88BC1D35}" type="datetimeFigureOut">
               <a:rPr lang="en-US" smtClean="0"/>
-              <a:t>Tue</a:t>
+              <a:t>Sat</a:t>
             </a:fld>
             <a:endParaRPr lang="en-US"/>
           </a:p>
@@ -3995,7 +3995,7 @@
             <a:fld id="{1D8BD707-D9CF-40AE-B4C6-C98DA3205C09}" type="datetimeFigureOut">
               <a:rPr lang="en-US" smtClean="0"/>
               <a:pPr/>
-              <a:t>Tue</a:t>
+              <a:t>Sat</a:t>
             </a:fld>
             <a:endParaRPr lang="en-US"/>
           </a:p>
@@ -4160,7 +4160,7 @@
             <a:fld id="{1D8BD707-D9CF-40AE-B4C6-C98DA3205C09}" type="datetimeFigureOut">
               <a:rPr lang="en-US" smtClean="0"/>
               <a:pPr/>
-              <a:t>Tue</a:t>
+              <a:t>Sat</a:t>
             </a:fld>
             <a:endParaRPr lang="en-US"/>
           </a:p>
@@ -4335,7 +4335,7 @@
             <a:fld id="{1D8BD707-D9CF-40AE-B4C6-C98DA3205C09}" type="datetimeFigureOut">
               <a:rPr lang="en-US" smtClean="0"/>
               <a:pPr/>
-              <a:t>Tue</a:t>
+              <a:t>Sat</a:t>
             </a:fld>
             <a:endParaRPr lang="en-US"/>
           </a:p>
@@ -4500,7 +4500,7 @@
             <a:fld id="{1D8BD707-D9CF-40AE-B4C6-C98DA3205C09}" type="datetimeFigureOut">
               <a:rPr lang="en-US" smtClean="0"/>
               <a:pPr/>
-              <a:t>Tue</a:t>
+              <a:t>Sat</a:t>
             </a:fld>
             <a:endParaRPr lang="en-US"/>
           </a:p>
@@ -4742,7 +4742,7 @@
             <a:fld id="{1D8BD707-D9CF-40AE-B4C6-C98DA3205C09}" type="datetimeFigureOut">
               <a:rPr lang="en-US" smtClean="0"/>
               <a:pPr/>
-              <a:t>Tue</a:t>
+              <a:t>Sat</a:t>
             </a:fld>
             <a:endParaRPr lang="en-US"/>
           </a:p>
@@ -5024,7 +5024,7 @@
             <a:fld id="{1D8BD707-D9CF-40AE-B4C6-C98DA3205C09}" type="datetimeFigureOut">
               <a:rPr lang="en-US" smtClean="0"/>
               <a:pPr/>
-              <a:t>Tue</a:t>
+              <a:t>Sat</a:t>
             </a:fld>
             <a:endParaRPr lang="en-US"/>
           </a:p>
@@ -5440,7 +5440,7 @@
             <a:fld id="{1D8BD707-D9CF-40AE-B4C6-C98DA3205C09}" type="datetimeFigureOut">
               <a:rPr lang="en-US" smtClean="0"/>
               <a:pPr/>
-              <a:t>Tue</a:t>
+              <a:t>Sat</a:t>
             </a:fld>
             <a:endParaRPr lang="en-US"/>
           </a:p>
@@ -5554,7 +5554,7 @@
             <a:fld id="{1D8BD707-D9CF-40AE-B4C6-C98DA3205C09}" type="datetimeFigureOut">
               <a:rPr lang="en-US" smtClean="0"/>
               <a:pPr/>
-              <a:t>Tue</a:t>
+              <a:t>Sat</a:t>
             </a:fld>
             <a:endParaRPr lang="en-US"/>
           </a:p>
@@ -5646,7 +5646,7 @@
             <a:fld id="{1D8BD707-D9CF-40AE-B4C6-C98DA3205C09}" type="datetimeFigureOut">
               <a:rPr lang="en-US" smtClean="0"/>
               <a:pPr/>
-              <a:t>Tue</a:t>
+              <a:t>Sat</a:t>
             </a:fld>
             <a:endParaRPr lang="en-US"/>
           </a:p>
@@ -5918,7 +5918,7 @@
             <a:fld id="{1D8BD707-D9CF-40AE-B4C6-C98DA3205C09}" type="datetimeFigureOut">
               <a:rPr lang="en-US" smtClean="0"/>
               <a:pPr/>
-              <a:t>Tue</a:t>
+              <a:t>Sat</a:t>
             </a:fld>
             <a:endParaRPr lang="en-US"/>
           </a:p>
@@ -6167,7 +6167,7 @@
             <a:fld id="{1D8BD707-D9CF-40AE-B4C6-C98DA3205C09}" type="datetimeFigureOut">
               <a:rPr lang="en-US" smtClean="0"/>
               <a:pPr/>
-              <a:t>Tue</a:t>
+              <a:t>Sat</a:t>
             </a:fld>
             <a:endParaRPr lang="en-US"/>
           </a:p>
@@ -6384,7 +6384,7 @@
             <a:fld id="{1D8BD707-D9CF-40AE-B4C6-C98DA3205C09}" type="datetimeFigureOut">
               <a:rPr lang="en-US" smtClean="0"/>
               <a:pPr/>
-              <a:t>Tue</a:t>
+              <a:t>Sat</a:t>
             </a:fld>
             <a:endParaRPr lang="en-US"/>
           </a:p>

--- a/Flutter/PPT/Slide.pptx
+++ b/Flutter/PPT/Slide.pptx
@@ -272,7 +272,7 @@
           <a:p>
             <a:fld id="{38EBF754-CDC4-4762-B81C-FDFA88BC1D35}" type="datetimeFigureOut">
               <a:rPr lang="en-US" smtClean="0"/>
-              <a:t>Sat</a:t>
+              <a:t>12/14/2022</a:t>
             </a:fld>
             <a:endParaRPr lang="en-US"/>
           </a:p>
@@ -3995,7 +3995,7 @@
             <a:fld id="{1D8BD707-D9CF-40AE-B4C6-C98DA3205C09}" type="datetimeFigureOut">
               <a:rPr lang="en-US" smtClean="0"/>
               <a:pPr/>
-              <a:t>Sat</a:t>
+              <a:t>12/14/2022</a:t>
             </a:fld>
             <a:endParaRPr lang="en-US"/>
           </a:p>
@@ -4160,7 +4160,7 @@
             <a:fld id="{1D8BD707-D9CF-40AE-B4C6-C98DA3205C09}" type="datetimeFigureOut">
               <a:rPr lang="en-US" smtClean="0"/>
               <a:pPr/>
-              <a:t>Sat</a:t>
+              <a:t>12/14/2022</a:t>
             </a:fld>
             <a:endParaRPr lang="en-US"/>
           </a:p>
@@ -4335,7 +4335,7 @@
             <a:fld id="{1D8BD707-D9CF-40AE-B4C6-C98DA3205C09}" type="datetimeFigureOut">
               <a:rPr lang="en-US" smtClean="0"/>
               <a:pPr/>
-              <a:t>Sat</a:t>
+              <a:t>12/14/2022</a:t>
             </a:fld>
             <a:endParaRPr lang="en-US"/>
           </a:p>
@@ -4500,7 +4500,7 @@
             <a:fld id="{1D8BD707-D9CF-40AE-B4C6-C98DA3205C09}" type="datetimeFigureOut">
               <a:rPr lang="en-US" smtClean="0"/>
               <a:pPr/>
-              <a:t>Sat</a:t>
+              <a:t>12/14/2022</a:t>
             </a:fld>
             <a:endParaRPr lang="en-US"/>
           </a:p>
@@ -4742,7 +4742,7 @@
             <a:fld id="{1D8BD707-D9CF-40AE-B4C6-C98DA3205C09}" type="datetimeFigureOut">
               <a:rPr lang="en-US" smtClean="0"/>
               <a:pPr/>
-              <a:t>Sat</a:t>
+              <a:t>12/14/2022</a:t>
             </a:fld>
             <a:endParaRPr lang="en-US"/>
           </a:p>
@@ -5024,7 +5024,7 @@
             <a:fld id="{1D8BD707-D9CF-40AE-B4C6-C98DA3205C09}" type="datetimeFigureOut">
               <a:rPr lang="en-US" smtClean="0"/>
               <a:pPr/>
-              <a:t>Sat</a:t>
+              <a:t>12/14/2022</a:t>
             </a:fld>
             <a:endParaRPr lang="en-US"/>
           </a:p>
@@ -5440,7 +5440,7 @@
             <a:fld id="{1D8BD707-D9CF-40AE-B4C6-C98DA3205C09}" type="datetimeFigureOut">
               <a:rPr lang="en-US" smtClean="0"/>
               <a:pPr/>
-              <a:t>Sat</a:t>
+              <a:t>12/14/2022</a:t>
             </a:fld>
             <a:endParaRPr lang="en-US"/>
           </a:p>
@@ -5554,7 +5554,7 @@
             <a:fld id="{1D8BD707-D9CF-40AE-B4C6-C98DA3205C09}" type="datetimeFigureOut">
               <a:rPr lang="en-US" smtClean="0"/>
               <a:pPr/>
-              <a:t>Sat</a:t>
+              <a:t>12/14/2022</a:t>
             </a:fld>
             <a:endParaRPr lang="en-US"/>
           </a:p>
@@ -5646,7 +5646,7 @@
             <a:fld id="{1D8BD707-D9CF-40AE-B4C6-C98DA3205C09}" type="datetimeFigureOut">
               <a:rPr lang="en-US" smtClean="0"/>
               <a:pPr/>
-              <a:t>Sat</a:t>
+              <a:t>12/14/2022</a:t>
             </a:fld>
             <a:endParaRPr lang="en-US"/>
           </a:p>
@@ -5918,7 +5918,7 @@
             <a:fld id="{1D8BD707-D9CF-40AE-B4C6-C98DA3205C09}" type="datetimeFigureOut">
               <a:rPr lang="en-US" smtClean="0"/>
               <a:pPr/>
-              <a:t>Sat</a:t>
+              <a:t>12/14/2022</a:t>
             </a:fld>
             <a:endParaRPr lang="en-US"/>
           </a:p>
@@ -6167,7 +6167,7 @@
             <a:fld id="{1D8BD707-D9CF-40AE-B4C6-C98DA3205C09}" type="datetimeFigureOut">
               <a:rPr lang="en-US" smtClean="0"/>
               <a:pPr/>
-              <a:t>Sat</a:t>
+              <a:t>12/14/2022</a:t>
             </a:fld>
             <a:endParaRPr lang="en-US"/>
           </a:p>
@@ -6384,7 +6384,7 @@
             <a:fld id="{1D8BD707-D9CF-40AE-B4C6-C98DA3205C09}" type="datetimeFigureOut">
               <a:rPr lang="en-US" smtClean="0"/>
               <a:pPr/>
-              <a:t>Sat</a:t>
+              <a:t>12/14/2022</a:t>
             </a:fld>
             <a:endParaRPr lang="en-US"/>
           </a:p>
@@ -6868,7 +6868,7 @@
           <p:cNvPr id="4" name="Picture 3">
             <a:extLst>
               <a:ext uri="{FF2B5EF4-FFF2-40B4-BE49-F238E27FC236}">
-                <a16:creationId xmlns:a16="http://schemas.microsoft.com/office/drawing/2014/main" id="{F717AD2B-8CBD-D15F-2B82-C04AB4107C06}"/>
+                <a16:creationId xmlns="" xmlns:a16="http://schemas.microsoft.com/office/drawing/2014/main" id="{F717AD2B-8CBD-D15F-2B82-C04AB4107C06}"/>
               </a:ext>
             </a:extLst>
           </p:cNvPr>
@@ -6898,7 +6898,7 @@
           <p:cNvPr id="7" name="TextBox 6">
             <a:extLst>
               <a:ext uri="{FF2B5EF4-FFF2-40B4-BE49-F238E27FC236}">
-                <a16:creationId xmlns:a16="http://schemas.microsoft.com/office/drawing/2014/main" id="{D5175723-71CB-419F-22D4-E782F927EABB}"/>
+                <a16:creationId xmlns="" xmlns:a16="http://schemas.microsoft.com/office/drawing/2014/main" id="{D5175723-71CB-419F-22D4-E782F927EABB}"/>
               </a:ext>
             </a:extLst>
           </p:cNvPr>
@@ -7412,7 +7412,7 @@
           <p:cNvPr id="4" name="Picture 3">
             <a:extLst>
               <a:ext uri="{FF2B5EF4-FFF2-40B4-BE49-F238E27FC236}">
-                <a16:creationId xmlns:a16="http://schemas.microsoft.com/office/drawing/2014/main" id="{F717AD2B-8CBD-D15F-2B82-C04AB4107C06}"/>
+                <a16:creationId xmlns="" xmlns:a16="http://schemas.microsoft.com/office/drawing/2014/main" id="{F717AD2B-8CBD-D15F-2B82-C04AB4107C06}"/>
               </a:ext>
             </a:extLst>
           </p:cNvPr>
@@ -7442,7 +7442,7 @@
           <p:cNvPr id="5" name="TextBox 4">
             <a:extLst>
               <a:ext uri="{FF2B5EF4-FFF2-40B4-BE49-F238E27FC236}">
-                <a16:creationId xmlns:a16="http://schemas.microsoft.com/office/drawing/2014/main" id="{E0376106-D0E3-FDF1-30DD-702D60BB3347}"/>
+                <a16:creationId xmlns="" xmlns:a16="http://schemas.microsoft.com/office/drawing/2014/main" id="{E0376106-D0E3-FDF1-30DD-702D60BB3347}"/>
               </a:ext>
             </a:extLst>
           </p:cNvPr>
@@ -7901,7 +7901,7 @@
           <p:cNvPr id="4" name="Picture 3">
             <a:extLst>
               <a:ext uri="{FF2B5EF4-FFF2-40B4-BE49-F238E27FC236}">
-                <a16:creationId xmlns:a16="http://schemas.microsoft.com/office/drawing/2014/main" id="{F717AD2B-8CBD-D15F-2B82-C04AB4107C06}"/>
+                <a16:creationId xmlns="" xmlns:a16="http://schemas.microsoft.com/office/drawing/2014/main" id="{F717AD2B-8CBD-D15F-2B82-C04AB4107C06}"/>
               </a:ext>
             </a:extLst>
           </p:cNvPr>
@@ -7931,7 +7931,7 @@
           <p:cNvPr id="5" name="TextBox 4">
             <a:extLst>
               <a:ext uri="{FF2B5EF4-FFF2-40B4-BE49-F238E27FC236}">
-                <a16:creationId xmlns:a16="http://schemas.microsoft.com/office/drawing/2014/main" id="{E0376106-D0E3-FDF1-30DD-702D60BB3347}"/>
+                <a16:creationId xmlns="" xmlns:a16="http://schemas.microsoft.com/office/drawing/2014/main" id="{E0376106-D0E3-FDF1-30DD-702D60BB3347}"/>
               </a:ext>
             </a:extLst>
           </p:cNvPr>
@@ -8446,7 +8446,7 @@
           <p:cNvPr id="4" name="Picture 3">
             <a:extLst>
               <a:ext uri="{FF2B5EF4-FFF2-40B4-BE49-F238E27FC236}">
-                <a16:creationId xmlns:a16="http://schemas.microsoft.com/office/drawing/2014/main" id="{F717AD2B-8CBD-D15F-2B82-C04AB4107C06}"/>
+                <a16:creationId xmlns="" xmlns:a16="http://schemas.microsoft.com/office/drawing/2014/main" id="{F717AD2B-8CBD-D15F-2B82-C04AB4107C06}"/>
               </a:ext>
             </a:extLst>
           </p:cNvPr>
@@ -8476,7 +8476,7 @@
           <p:cNvPr id="5" name="TextBox 4">
             <a:extLst>
               <a:ext uri="{FF2B5EF4-FFF2-40B4-BE49-F238E27FC236}">
-                <a16:creationId xmlns:a16="http://schemas.microsoft.com/office/drawing/2014/main" id="{E0376106-D0E3-FDF1-30DD-702D60BB3347}"/>
+                <a16:creationId xmlns="" xmlns:a16="http://schemas.microsoft.com/office/drawing/2014/main" id="{E0376106-D0E3-FDF1-30DD-702D60BB3347}"/>
               </a:ext>
             </a:extLst>
           </p:cNvPr>
@@ -9075,7 +9075,7 @@
           <p:cNvPr id="4" name="Picture 3">
             <a:extLst>
               <a:ext uri="{FF2B5EF4-FFF2-40B4-BE49-F238E27FC236}">
-                <a16:creationId xmlns:a16="http://schemas.microsoft.com/office/drawing/2014/main" id="{F717AD2B-8CBD-D15F-2B82-C04AB4107C06}"/>
+                <a16:creationId xmlns="" xmlns:a16="http://schemas.microsoft.com/office/drawing/2014/main" id="{F717AD2B-8CBD-D15F-2B82-C04AB4107C06}"/>
               </a:ext>
             </a:extLst>
           </p:cNvPr>
@@ -9105,7 +9105,7 @@
           <p:cNvPr id="5" name="TextBox 4">
             <a:extLst>
               <a:ext uri="{FF2B5EF4-FFF2-40B4-BE49-F238E27FC236}">
-                <a16:creationId xmlns:a16="http://schemas.microsoft.com/office/drawing/2014/main" id="{E0376106-D0E3-FDF1-30DD-702D60BB3347}"/>
+                <a16:creationId xmlns="" xmlns:a16="http://schemas.microsoft.com/office/drawing/2014/main" id="{E0376106-D0E3-FDF1-30DD-702D60BB3347}"/>
               </a:ext>
             </a:extLst>
           </p:cNvPr>
@@ -9487,7 +9487,7 @@
           <p:cNvPr id="12" name="Picture 11">
             <a:extLst>
               <a:ext uri="{FF2B5EF4-FFF2-40B4-BE49-F238E27FC236}">
-                <a16:creationId xmlns:a16="http://schemas.microsoft.com/office/drawing/2014/main" id="{6246B09D-98C1-98DD-BB33-9626C6B27FE7}"/>
+                <a16:creationId xmlns="" xmlns:a16="http://schemas.microsoft.com/office/drawing/2014/main" id="{6246B09D-98C1-98DD-BB33-9626C6B27FE7}"/>
               </a:ext>
             </a:extLst>
           </p:cNvPr>
@@ -9528,7 +9528,7 @@
           <p:cNvPr id="14" name="Picture 13">
             <a:extLst>
               <a:ext uri="{FF2B5EF4-FFF2-40B4-BE49-F238E27FC236}">
-                <a16:creationId xmlns:a16="http://schemas.microsoft.com/office/drawing/2014/main" id="{851B748B-AAE4-A6FD-F0F9-7B9AE2CF6768}"/>
+                <a16:creationId xmlns="" xmlns:a16="http://schemas.microsoft.com/office/drawing/2014/main" id="{851B748B-AAE4-A6FD-F0F9-7B9AE2CF6768}"/>
               </a:ext>
             </a:extLst>
           </p:cNvPr>
@@ -9569,7 +9569,7 @@
           <p:cNvPr id="16" name="Picture 15">
             <a:extLst>
               <a:ext uri="{FF2B5EF4-FFF2-40B4-BE49-F238E27FC236}">
-                <a16:creationId xmlns:a16="http://schemas.microsoft.com/office/drawing/2014/main" id="{7C5719E1-FDB3-4006-5534-3DD54FC66EE3}"/>
+                <a16:creationId xmlns="" xmlns:a16="http://schemas.microsoft.com/office/drawing/2014/main" id="{7C5719E1-FDB3-4006-5534-3DD54FC66EE3}"/>
               </a:ext>
             </a:extLst>
           </p:cNvPr>
@@ -9610,7 +9610,7 @@
           <p:cNvPr id="18" name="Picture 17">
             <a:extLst>
               <a:ext uri="{FF2B5EF4-FFF2-40B4-BE49-F238E27FC236}">
-                <a16:creationId xmlns:a16="http://schemas.microsoft.com/office/drawing/2014/main" id="{C035E3BA-7831-8D3B-31DF-F238D800AEE2}"/>
+                <a16:creationId xmlns="" xmlns:a16="http://schemas.microsoft.com/office/drawing/2014/main" id="{C035E3BA-7831-8D3B-31DF-F238D800AEE2}"/>
               </a:ext>
             </a:extLst>
           </p:cNvPr>
@@ -9651,7 +9651,7 @@
           <p:cNvPr id="20" name="Picture 19">
             <a:extLst>
               <a:ext uri="{FF2B5EF4-FFF2-40B4-BE49-F238E27FC236}">
-                <a16:creationId xmlns:a16="http://schemas.microsoft.com/office/drawing/2014/main" id="{EB3FF892-51CD-C245-3C4D-F8880565EFBA}"/>
+                <a16:creationId xmlns="" xmlns:a16="http://schemas.microsoft.com/office/drawing/2014/main" id="{EB3FF892-51CD-C245-3C4D-F8880565EFBA}"/>
               </a:ext>
             </a:extLst>
           </p:cNvPr>
@@ -10065,7 +10065,7 @@
           <p:cNvPr id="6" name="Picture 5">
             <a:extLst>
               <a:ext uri="{FF2B5EF4-FFF2-40B4-BE49-F238E27FC236}">
-                <a16:creationId xmlns:a16="http://schemas.microsoft.com/office/drawing/2014/main" id="{5708D172-EB47-5B8C-A647-330A4FE1D937}"/>
+                <a16:creationId xmlns="" xmlns:a16="http://schemas.microsoft.com/office/drawing/2014/main" id="{5708D172-EB47-5B8C-A647-330A4FE1D937}"/>
               </a:ext>
             </a:extLst>
           </p:cNvPr>
@@ -10101,7 +10101,7 @@
           <p:cNvPr id="8" name="Picture 7">
             <a:extLst>
               <a:ext uri="{FF2B5EF4-FFF2-40B4-BE49-F238E27FC236}">
-                <a16:creationId xmlns:a16="http://schemas.microsoft.com/office/drawing/2014/main" id="{5069D928-ECC4-A54F-1464-4482D5ED954A}"/>
+                <a16:creationId xmlns="" xmlns:a16="http://schemas.microsoft.com/office/drawing/2014/main" id="{5069D928-ECC4-A54F-1464-4482D5ED954A}"/>
               </a:ext>
             </a:extLst>
           </p:cNvPr>
@@ -10215,7 +10215,7 @@
           <p:cNvPr id="2" name="TextBox 1">
             <a:extLst>
               <a:ext uri="{FF2B5EF4-FFF2-40B4-BE49-F238E27FC236}">
-                <a16:creationId xmlns:a16="http://schemas.microsoft.com/office/drawing/2014/main" id="{33336A0E-48F4-D7C9-BA40-DCEE411852B3}"/>
+                <a16:creationId xmlns="" xmlns:a16="http://schemas.microsoft.com/office/drawing/2014/main" id="{33336A0E-48F4-D7C9-BA40-DCEE411852B3}"/>
               </a:ext>
             </a:extLst>
           </p:cNvPr>
@@ -10250,7 +10250,7 @@
           <p:cNvPr id="7" name="TextBox 6">
             <a:extLst>
               <a:ext uri="{FF2B5EF4-FFF2-40B4-BE49-F238E27FC236}">
-                <a16:creationId xmlns:a16="http://schemas.microsoft.com/office/drawing/2014/main" id="{2E1A672D-122B-387B-5CC2-E216A5F7F2DB}"/>
+                <a16:creationId xmlns="" xmlns:a16="http://schemas.microsoft.com/office/drawing/2014/main" id="{2E1A672D-122B-387B-5CC2-E216A5F7F2DB}"/>
               </a:ext>
             </a:extLst>
           </p:cNvPr>
@@ -10297,7 +10297,7 @@
           <p:cNvPr id="9" name="TextBox 8">
             <a:extLst>
               <a:ext uri="{FF2B5EF4-FFF2-40B4-BE49-F238E27FC236}">
-                <a16:creationId xmlns:a16="http://schemas.microsoft.com/office/drawing/2014/main" id="{08C73998-4E41-B4AA-C27B-3062D8A3E62F}"/>
+                <a16:creationId xmlns="" xmlns:a16="http://schemas.microsoft.com/office/drawing/2014/main" id="{08C73998-4E41-B4AA-C27B-3062D8A3E62F}"/>
               </a:ext>
             </a:extLst>
           </p:cNvPr>
@@ -10352,7 +10352,7 @@
           <p:cNvPr id="10" name="TextBox 9">
             <a:extLst>
               <a:ext uri="{FF2B5EF4-FFF2-40B4-BE49-F238E27FC236}">
-                <a16:creationId xmlns:a16="http://schemas.microsoft.com/office/drawing/2014/main" id="{CB4A2AB9-ACD2-632E-C300-D664C5B27276}"/>
+                <a16:creationId xmlns="" xmlns:a16="http://schemas.microsoft.com/office/drawing/2014/main" id="{CB4A2AB9-ACD2-632E-C300-D664C5B27276}"/>
               </a:ext>
             </a:extLst>
           </p:cNvPr>
@@ -10415,7 +10415,7 @@
           <p:cNvPr id="11" name="TextBox 10">
             <a:extLst>
               <a:ext uri="{FF2B5EF4-FFF2-40B4-BE49-F238E27FC236}">
-                <a16:creationId xmlns:a16="http://schemas.microsoft.com/office/drawing/2014/main" id="{5B370E78-DD83-4D33-7AB8-D6427C836F2E}"/>
+                <a16:creationId xmlns="" xmlns:a16="http://schemas.microsoft.com/office/drawing/2014/main" id="{5B370E78-DD83-4D33-7AB8-D6427C836F2E}"/>
               </a:ext>
             </a:extLst>
           </p:cNvPr>
@@ -10462,7 +10462,7 @@
           <p:cNvPr id="12" name="TextBox 11">
             <a:extLst>
               <a:ext uri="{FF2B5EF4-FFF2-40B4-BE49-F238E27FC236}">
-                <a16:creationId xmlns:a16="http://schemas.microsoft.com/office/drawing/2014/main" id="{150A7265-F50D-D7AA-B93D-24535B4ADA11}"/>
+                <a16:creationId xmlns="" xmlns:a16="http://schemas.microsoft.com/office/drawing/2014/main" id="{150A7265-F50D-D7AA-B93D-24535B4ADA11}"/>
               </a:ext>
             </a:extLst>
           </p:cNvPr>
@@ -10943,7 +10943,7 @@
           <p:cNvPr id="2" name="TextBox 1">
             <a:extLst>
               <a:ext uri="{FF2B5EF4-FFF2-40B4-BE49-F238E27FC236}">
-                <a16:creationId xmlns:a16="http://schemas.microsoft.com/office/drawing/2014/main" id="{33336A0E-48F4-D7C9-BA40-DCEE411852B3}"/>
+                <a16:creationId xmlns="" xmlns:a16="http://schemas.microsoft.com/office/drawing/2014/main" id="{33336A0E-48F4-D7C9-BA40-DCEE411852B3}"/>
               </a:ext>
             </a:extLst>
           </p:cNvPr>
@@ -10978,7 +10978,7 @@
           <p:cNvPr id="8" name="Picture 7">
             <a:extLst>
               <a:ext uri="{FF2B5EF4-FFF2-40B4-BE49-F238E27FC236}">
-                <a16:creationId xmlns:a16="http://schemas.microsoft.com/office/drawing/2014/main" id="{92F96B93-507C-18C0-DE88-7CF1B4BB794C}"/>
+                <a16:creationId xmlns="" xmlns:a16="http://schemas.microsoft.com/office/drawing/2014/main" id="{92F96B93-507C-18C0-DE88-7CF1B4BB794C}"/>
               </a:ext>
             </a:extLst>
           </p:cNvPr>
@@ -11251,7 +11251,7 @@
           <p:cNvPr id="2" name="TextBox 1">
             <a:extLst>
               <a:ext uri="{FF2B5EF4-FFF2-40B4-BE49-F238E27FC236}">
-                <a16:creationId xmlns:a16="http://schemas.microsoft.com/office/drawing/2014/main" id="{33336A0E-48F4-D7C9-BA40-DCEE411852B3}"/>
+                <a16:creationId xmlns="" xmlns:a16="http://schemas.microsoft.com/office/drawing/2014/main" id="{33336A0E-48F4-D7C9-BA40-DCEE411852B3}"/>
               </a:ext>
             </a:extLst>
           </p:cNvPr>
@@ -11290,7 +11290,7 @@
           <p:cNvPr id="7" name="TextBox 6">
             <a:extLst>
               <a:ext uri="{FF2B5EF4-FFF2-40B4-BE49-F238E27FC236}">
-                <a16:creationId xmlns:a16="http://schemas.microsoft.com/office/drawing/2014/main" id="{D7D063EC-DC90-CF1F-D867-4FB476E2290A}"/>
+                <a16:creationId xmlns="" xmlns:a16="http://schemas.microsoft.com/office/drawing/2014/main" id="{D7D063EC-DC90-CF1F-D867-4FB476E2290A}"/>
               </a:ext>
             </a:extLst>
           </p:cNvPr>
@@ -11440,7 +11440,7 @@
           <p:cNvPr id="10" name="Picture 9">
             <a:extLst>
               <a:ext uri="{FF2B5EF4-FFF2-40B4-BE49-F238E27FC236}">
-                <a16:creationId xmlns:a16="http://schemas.microsoft.com/office/drawing/2014/main" id="{022A4660-53DF-4858-97A0-334CA1733DC0}"/>
+                <a16:creationId xmlns="" xmlns:a16="http://schemas.microsoft.com/office/drawing/2014/main" id="{022A4660-53DF-4858-97A0-334CA1733DC0}"/>
               </a:ext>
             </a:extLst>
           </p:cNvPr>
@@ -12225,7 +12225,7 @@
           <p:cNvPr id="7" name="TextBox 6">
             <a:extLst>
               <a:ext uri="{FF2B5EF4-FFF2-40B4-BE49-F238E27FC236}">
-                <a16:creationId xmlns:a16="http://schemas.microsoft.com/office/drawing/2014/main" id="{D7D063EC-DC90-CF1F-D867-4FB476E2290A}"/>
+                <a16:creationId xmlns="" xmlns:a16="http://schemas.microsoft.com/office/drawing/2014/main" id="{D7D063EC-DC90-CF1F-D867-4FB476E2290A}"/>
               </a:ext>
             </a:extLst>
           </p:cNvPr>
@@ -12280,7 +12280,7 @@
           <p:cNvPr id="5" name="Picture 4">
             <a:extLst>
               <a:ext uri="{FF2B5EF4-FFF2-40B4-BE49-F238E27FC236}">
-                <a16:creationId xmlns:a16="http://schemas.microsoft.com/office/drawing/2014/main" id="{60376970-5DA4-BACA-103C-32835A7A07E7}"/>
+                <a16:creationId xmlns="" xmlns:a16="http://schemas.microsoft.com/office/drawing/2014/main" id="{60376970-5DA4-BACA-103C-32835A7A07E7}"/>
               </a:ext>
             </a:extLst>
           </p:cNvPr>
@@ -12546,7 +12546,7 @@
           <p:cNvPr id="7" name="TextBox 6">
             <a:extLst>
               <a:ext uri="{FF2B5EF4-FFF2-40B4-BE49-F238E27FC236}">
-                <a16:creationId xmlns:a16="http://schemas.microsoft.com/office/drawing/2014/main" id="{D7D063EC-DC90-CF1F-D867-4FB476E2290A}"/>
+                <a16:creationId xmlns="" xmlns:a16="http://schemas.microsoft.com/office/drawing/2014/main" id="{D7D063EC-DC90-CF1F-D867-4FB476E2290A}"/>
               </a:ext>
             </a:extLst>
           </p:cNvPr>
@@ -12614,7 +12614,7 @@
           <p:cNvPr id="4" name="Picture 3">
             <a:extLst>
               <a:ext uri="{FF2B5EF4-FFF2-40B4-BE49-F238E27FC236}">
-                <a16:creationId xmlns:a16="http://schemas.microsoft.com/office/drawing/2014/main" id="{D06DCC9F-8B06-83BC-FF3E-BAC5AB2064AB}"/>
+                <a16:creationId xmlns="" xmlns:a16="http://schemas.microsoft.com/office/drawing/2014/main" id="{D06DCC9F-8B06-83BC-FF3E-BAC5AB2064AB}"/>
               </a:ext>
             </a:extLst>
           </p:cNvPr>
@@ -12940,7 +12940,7 @@
           <p:cNvPr id="5" name="Picture 4">
             <a:extLst>
               <a:ext uri="{FF2B5EF4-FFF2-40B4-BE49-F238E27FC236}">
-                <a16:creationId xmlns:a16="http://schemas.microsoft.com/office/drawing/2014/main" id="{97C2BD1D-F1E8-021D-1A45-75E1ED111CA6}"/>
+                <a16:creationId xmlns="" xmlns:a16="http://schemas.microsoft.com/office/drawing/2014/main" id="{97C2BD1D-F1E8-021D-1A45-75E1ED111CA6}"/>
               </a:ext>
             </a:extLst>
           </p:cNvPr>
@@ -13054,7 +13054,7 @@
           <p:cNvPr id="4" name="Picture 3">
             <a:extLst>
               <a:ext uri="{FF2B5EF4-FFF2-40B4-BE49-F238E27FC236}">
-                <a16:creationId xmlns:a16="http://schemas.microsoft.com/office/drawing/2014/main" id="{79A97B1A-1DC6-EF75-866C-9D7AF6C2CB63}"/>
+                <a16:creationId xmlns="" xmlns:a16="http://schemas.microsoft.com/office/drawing/2014/main" id="{79A97B1A-1DC6-EF75-866C-9D7AF6C2CB63}"/>
               </a:ext>
             </a:extLst>
           </p:cNvPr>
@@ -13167,7 +13167,7 @@
           <p:cNvPr id="5" name="Picture 4">
             <a:extLst>
               <a:ext uri="{FF2B5EF4-FFF2-40B4-BE49-F238E27FC236}">
-                <a16:creationId xmlns:a16="http://schemas.microsoft.com/office/drawing/2014/main" id="{F7C982F1-4AB9-554F-2F70-41D2A04AF6C3}"/>
+                <a16:creationId xmlns="" xmlns:a16="http://schemas.microsoft.com/office/drawing/2014/main" id="{F7C982F1-4AB9-554F-2F70-41D2A04AF6C3}"/>
               </a:ext>
             </a:extLst>
           </p:cNvPr>
@@ -13275,7 +13275,7 @@
           <p:cNvPr id="4" name="Picture 3">
             <a:extLst>
               <a:ext uri="{FF2B5EF4-FFF2-40B4-BE49-F238E27FC236}">
-                <a16:creationId xmlns:a16="http://schemas.microsoft.com/office/drawing/2014/main" id="{3DBE506A-94AE-C268-3156-5A3B8F867F99}"/>
+                <a16:creationId xmlns="" xmlns:a16="http://schemas.microsoft.com/office/drawing/2014/main" id="{3DBE506A-94AE-C268-3156-5A3B8F867F99}"/>
               </a:ext>
             </a:extLst>
           </p:cNvPr>
@@ -13311,7 +13311,7 @@
           <p:cNvPr id="7" name="TextBox 6">
             <a:extLst>
               <a:ext uri="{FF2B5EF4-FFF2-40B4-BE49-F238E27FC236}">
-                <a16:creationId xmlns:a16="http://schemas.microsoft.com/office/drawing/2014/main" id="{EC22761B-80B8-2156-C448-780E921DCFEE}"/>
+                <a16:creationId xmlns="" xmlns:a16="http://schemas.microsoft.com/office/drawing/2014/main" id="{EC22761B-80B8-2156-C448-780E921DCFEE}"/>
               </a:ext>
             </a:extLst>
           </p:cNvPr>
@@ -13428,7 +13428,7 @@
           <p:cNvPr id="8" name="Picture 7">
             <a:extLst>
               <a:ext uri="{FF2B5EF4-FFF2-40B4-BE49-F238E27FC236}">
-                <a16:creationId xmlns:a16="http://schemas.microsoft.com/office/drawing/2014/main" id="{1E26BDB8-A578-38DB-FDEF-453F241AEBE1}"/>
+                <a16:creationId xmlns="" xmlns:a16="http://schemas.microsoft.com/office/drawing/2014/main" id="{1E26BDB8-A578-38DB-FDEF-453F241AEBE1}"/>
               </a:ext>
             </a:extLst>
           </p:cNvPr>
@@ -13458,7 +13458,7 @@
           <p:cNvPr id="10" name="Picture 9">
             <a:extLst>
               <a:ext uri="{FF2B5EF4-FFF2-40B4-BE49-F238E27FC236}">
-                <a16:creationId xmlns:a16="http://schemas.microsoft.com/office/drawing/2014/main" id="{1CAFA705-1F8D-7111-83BD-A270C1FCF533}"/>
+                <a16:creationId xmlns="" xmlns:a16="http://schemas.microsoft.com/office/drawing/2014/main" id="{1CAFA705-1F8D-7111-83BD-A270C1FCF533}"/>
               </a:ext>
             </a:extLst>
           </p:cNvPr>
@@ -13566,7 +13566,7 @@
           <p:cNvPr id="4" name="Picture 3">
             <a:extLst>
               <a:ext uri="{FF2B5EF4-FFF2-40B4-BE49-F238E27FC236}">
-                <a16:creationId xmlns:a16="http://schemas.microsoft.com/office/drawing/2014/main" id="{905C41C8-D0A6-5DA9-56FC-6301C841F1FE}"/>
+                <a16:creationId xmlns="" xmlns:a16="http://schemas.microsoft.com/office/drawing/2014/main" id="{905C41C8-D0A6-5DA9-56FC-6301C841F1FE}"/>
               </a:ext>
             </a:extLst>
           </p:cNvPr>
@@ -13596,7 +13596,7 @@
           <p:cNvPr id="6" name="Picture 5">
             <a:extLst>
               <a:ext uri="{FF2B5EF4-FFF2-40B4-BE49-F238E27FC236}">
-                <a16:creationId xmlns:a16="http://schemas.microsoft.com/office/drawing/2014/main" id="{4639EF87-777D-A9B4-7740-BEB565F2FF80}"/>
+                <a16:creationId xmlns="" xmlns:a16="http://schemas.microsoft.com/office/drawing/2014/main" id="{4639EF87-777D-A9B4-7740-BEB565F2FF80}"/>
               </a:ext>
             </a:extLst>
           </p:cNvPr>
@@ -13704,7 +13704,7 @@
           <p:cNvPr id="4" name="Picture 3">
             <a:extLst>
               <a:ext uri="{FF2B5EF4-FFF2-40B4-BE49-F238E27FC236}">
-                <a16:creationId xmlns:a16="http://schemas.microsoft.com/office/drawing/2014/main" id="{41937AAE-ED1D-97B1-956C-52F3280CBB74}"/>
+                <a16:creationId xmlns="" xmlns:a16="http://schemas.microsoft.com/office/drawing/2014/main" id="{41937AAE-ED1D-97B1-956C-52F3280CBB74}"/>
               </a:ext>
             </a:extLst>
           </p:cNvPr>
@@ -13740,7 +13740,7 @@
           <p:cNvPr id="5" name="TextBox 4">
             <a:extLst>
               <a:ext uri="{FF2B5EF4-FFF2-40B4-BE49-F238E27FC236}">
-                <a16:creationId xmlns:a16="http://schemas.microsoft.com/office/drawing/2014/main" id="{4C95C56A-D984-5F7B-09AE-27F0B4CF4E99}"/>
+                <a16:creationId xmlns="" xmlns:a16="http://schemas.microsoft.com/office/drawing/2014/main" id="{4C95C56A-D984-5F7B-09AE-27F0B4CF4E99}"/>
               </a:ext>
             </a:extLst>
           </p:cNvPr>
@@ -14099,7 +14099,7 @@
           <p:cNvPr id="6" name="Picture 5">
             <a:extLst>
               <a:ext uri="{FF2B5EF4-FFF2-40B4-BE49-F238E27FC236}">
-                <a16:creationId xmlns:a16="http://schemas.microsoft.com/office/drawing/2014/main" id="{618A09A0-9AA3-412C-3A36-AE296A89CB10}"/>
+                <a16:creationId xmlns="" xmlns:a16="http://schemas.microsoft.com/office/drawing/2014/main" id="{618A09A0-9AA3-412C-3A36-AE296A89CB10}"/>
               </a:ext>
             </a:extLst>
           </p:cNvPr>
@@ -14404,7 +14404,7 @@
           <p:cNvPr id="4" name="Picture 3">
             <a:extLst>
               <a:ext uri="{FF2B5EF4-FFF2-40B4-BE49-F238E27FC236}">
-                <a16:creationId xmlns:a16="http://schemas.microsoft.com/office/drawing/2014/main" id="{3FDB99FC-7775-152A-2532-558FCE4A761A}"/>
+                <a16:creationId xmlns="" xmlns:a16="http://schemas.microsoft.com/office/drawing/2014/main" id="{3FDB99FC-7775-152A-2532-558FCE4A761A}"/>
               </a:ext>
             </a:extLst>
           </p:cNvPr>
@@ -14518,7 +14518,7 @@
           <p:cNvPr id="5" name="Picture 4">
             <a:extLst>
               <a:ext uri="{FF2B5EF4-FFF2-40B4-BE49-F238E27FC236}">
-                <a16:creationId xmlns:a16="http://schemas.microsoft.com/office/drawing/2014/main" id="{770662F7-9D96-D8B8-A127-5CF4E1FCB2E3}"/>
+                <a16:creationId xmlns="" xmlns:a16="http://schemas.microsoft.com/office/drawing/2014/main" id="{770662F7-9D96-D8B8-A127-5CF4E1FCB2E3}"/>
               </a:ext>
             </a:extLst>
           </p:cNvPr>
@@ -14554,7 +14554,7 @@
           <p:cNvPr id="8" name="TextBox 7">
             <a:extLst>
               <a:ext uri="{FF2B5EF4-FFF2-40B4-BE49-F238E27FC236}">
-                <a16:creationId xmlns:a16="http://schemas.microsoft.com/office/drawing/2014/main" id="{85280BAB-4788-5FCA-5012-F8415570676E}"/>
+                <a16:creationId xmlns="" xmlns:a16="http://schemas.microsoft.com/office/drawing/2014/main" id="{85280BAB-4788-5FCA-5012-F8415570676E}"/>
               </a:ext>
             </a:extLst>
           </p:cNvPr>
@@ -15071,7 +15071,7 @@
           <p:cNvPr id="8" name="TextBox 7">
             <a:extLst>
               <a:ext uri="{FF2B5EF4-FFF2-40B4-BE49-F238E27FC236}">
-                <a16:creationId xmlns:a16="http://schemas.microsoft.com/office/drawing/2014/main" id="{85280BAB-4788-5FCA-5012-F8415570676E}"/>
+                <a16:creationId xmlns="" xmlns:a16="http://schemas.microsoft.com/office/drawing/2014/main" id="{85280BAB-4788-5FCA-5012-F8415570676E}"/>
               </a:ext>
             </a:extLst>
           </p:cNvPr>
@@ -15175,7 +15175,7 @@
           <p:cNvPr id="7" name="Picture 6">
             <a:extLst>
               <a:ext uri="{FF2B5EF4-FFF2-40B4-BE49-F238E27FC236}">
-                <a16:creationId xmlns:a16="http://schemas.microsoft.com/office/drawing/2014/main" id="{F5420F95-591C-6211-8269-36C47FECC2CF}"/>
+                <a16:creationId xmlns="" xmlns:a16="http://schemas.microsoft.com/office/drawing/2014/main" id="{F5420F95-591C-6211-8269-36C47FECC2CF}"/>
               </a:ext>
             </a:extLst>
           </p:cNvPr>
@@ -15624,7 +15624,7 @@
           <p:cNvPr id="4" name="Picture 3">
             <a:extLst>
               <a:ext uri="{FF2B5EF4-FFF2-40B4-BE49-F238E27FC236}">
-                <a16:creationId xmlns:a16="http://schemas.microsoft.com/office/drawing/2014/main" id="{84666911-E526-542B-1294-6AC7FC76C70F}"/>
+                <a16:creationId xmlns="" xmlns:a16="http://schemas.microsoft.com/office/drawing/2014/main" id="{84666911-E526-542B-1294-6AC7FC76C70F}"/>
               </a:ext>
             </a:extLst>
           </p:cNvPr>
@@ -15738,7 +15738,7 @@
           <p:cNvPr id="5" name="Picture 4">
             <a:extLst>
               <a:ext uri="{FF2B5EF4-FFF2-40B4-BE49-F238E27FC236}">
-                <a16:creationId xmlns:a16="http://schemas.microsoft.com/office/drawing/2014/main" id="{05D779F2-ECDC-B17A-D7D3-19CF556738FF}"/>
+                <a16:creationId xmlns="" xmlns:a16="http://schemas.microsoft.com/office/drawing/2014/main" id="{05D779F2-ECDC-B17A-D7D3-19CF556738FF}"/>
               </a:ext>
             </a:extLst>
           </p:cNvPr>
@@ -15774,7 +15774,7 @@
           <p:cNvPr id="7" name="Picture 6">
             <a:extLst>
               <a:ext uri="{FF2B5EF4-FFF2-40B4-BE49-F238E27FC236}">
-                <a16:creationId xmlns:a16="http://schemas.microsoft.com/office/drawing/2014/main" id="{FF7D91B3-017D-6603-AF9F-9871AC43A9E9}"/>
+                <a16:creationId xmlns="" xmlns:a16="http://schemas.microsoft.com/office/drawing/2014/main" id="{FF7D91B3-017D-6603-AF9F-9871AC43A9E9}"/>
               </a:ext>
             </a:extLst>
           </p:cNvPr>
@@ -15888,7 +15888,7 @@
           <p:cNvPr id="4" name="Picture 3">
             <a:extLst>
               <a:ext uri="{FF2B5EF4-FFF2-40B4-BE49-F238E27FC236}">
-                <a16:creationId xmlns:a16="http://schemas.microsoft.com/office/drawing/2014/main" id="{1516477E-148A-EE26-D515-B9BA1710E7F9}"/>
+                <a16:creationId xmlns="" xmlns:a16="http://schemas.microsoft.com/office/drawing/2014/main" id="{1516477E-148A-EE26-D515-B9BA1710E7F9}"/>
               </a:ext>
             </a:extLst>
           </p:cNvPr>
@@ -16002,7 +16002,7 @@
           <p:cNvPr id="5" name="Picture 4">
             <a:extLst>
               <a:ext uri="{FF2B5EF4-FFF2-40B4-BE49-F238E27FC236}">
-                <a16:creationId xmlns:a16="http://schemas.microsoft.com/office/drawing/2014/main" id="{A6AD9895-2B9C-AAE2-BB3E-1A40E3614484}"/>
+                <a16:creationId xmlns="" xmlns:a16="http://schemas.microsoft.com/office/drawing/2014/main" id="{A6AD9895-2B9C-AAE2-BB3E-1A40E3614484}"/>
               </a:ext>
             </a:extLst>
           </p:cNvPr>
@@ -16116,7 +16116,7 @@
           <p:cNvPr id="4" name="Picture 3">
             <a:extLst>
               <a:ext uri="{FF2B5EF4-FFF2-40B4-BE49-F238E27FC236}">
-                <a16:creationId xmlns:a16="http://schemas.microsoft.com/office/drawing/2014/main" id="{08B9380D-623A-8501-15AA-8CF1496C211F}"/>
+                <a16:creationId xmlns="" xmlns:a16="http://schemas.microsoft.com/office/drawing/2014/main" id="{08B9380D-623A-8501-15AA-8CF1496C211F}"/>
               </a:ext>
             </a:extLst>
           </p:cNvPr>
@@ -16230,7 +16230,7 @@
           <p:cNvPr id="5" name="Picture 4">
             <a:extLst>
               <a:ext uri="{FF2B5EF4-FFF2-40B4-BE49-F238E27FC236}">
-                <a16:creationId xmlns:a16="http://schemas.microsoft.com/office/drawing/2014/main" id="{9E65409B-925D-39D7-8A28-CD9680904EE5}"/>
+                <a16:creationId xmlns="" xmlns:a16="http://schemas.microsoft.com/office/drawing/2014/main" id="{9E65409B-925D-39D7-8A28-CD9680904EE5}"/>
               </a:ext>
             </a:extLst>
           </p:cNvPr>
@@ -18808,7 +18808,7 @@
           <p:cNvPr id="5" name="Picture 4">
             <a:extLst>
               <a:ext uri="{FF2B5EF4-FFF2-40B4-BE49-F238E27FC236}">
-                <a16:creationId xmlns:a16="http://schemas.microsoft.com/office/drawing/2014/main" id="{1AF394B3-AE3D-92C4-4F49-6938ECF5C951}"/>
+                <a16:creationId xmlns="" xmlns:a16="http://schemas.microsoft.com/office/drawing/2014/main" id="{1AF394B3-AE3D-92C4-4F49-6938ECF5C951}"/>
               </a:ext>
             </a:extLst>
           </p:cNvPr>
@@ -18922,7 +18922,7 @@
           <p:cNvPr id="4" name="Picture 3">
             <a:extLst>
               <a:ext uri="{FF2B5EF4-FFF2-40B4-BE49-F238E27FC236}">
-                <a16:creationId xmlns:a16="http://schemas.microsoft.com/office/drawing/2014/main" id="{5FB41018-5DE1-556E-C57C-E2FB4C283DFC}"/>
+                <a16:creationId xmlns="" xmlns:a16="http://schemas.microsoft.com/office/drawing/2014/main" id="{5FB41018-5DE1-556E-C57C-E2FB4C283DFC}"/>
               </a:ext>
             </a:extLst>
           </p:cNvPr>
@@ -18958,7 +18958,7 @@
           <p:cNvPr id="7" name="Picture 6">
             <a:extLst>
               <a:ext uri="{FF2B5EF4-FFF2-40B4-BE49-F238E27FC236}">
-                <a16:creationId xmlns:a16="http://schemas.microsoft.com/office/drawing/2014/main" id="{32B8EF49-736C-11D1-217C-2488A5D34A07}"/>
+                <a16:creationId xmlns="" xmlns:a16="http://schemas.microsoft.com/office/drawing/2014/main" id="{32B8EF49-736C-11D1-217C-2488A5D34A07}"/>
               </a:ext>
             </a:extLst>
           </p:cNvPr>
@@ -18994,7 +18994,7 @@
           <p:cNvPr id="9" name="Picture 8">
             <a:extLst>
               <a:ext uri="{FF2B5EF4-FFF2-40B4-BE49-F238E27FC236}">
-                <a16:creationId xmlns:a16="http://schemas.microsoft.com/office/drawing/2014/main" id="{1FB53741-C6E1-50E2-5033-8AF050E31A40}"/>
+                <a16:creationId xmlns="" xmlns:a16="http://schemas.microsoft.com/office/drawing/2014/main" id="{1FB53741-C6E1-50E2-5033-8AF050E31A40}"/>
               </a:ext>
             </a:extLst>
           </p:cNvPr>
@@ -19108,7 +19108,7 @@
           <p:cNvPr id="5" name="Picture 4">
             <a:extLst>
               <a:ext uri="{FF2B5EF4-FFF2-40B4-BE49-F238E27FC236}">
-                <a16:creationId xmlns:a16="http://schemas.microsoft.com/office/drawing/2014/main" id="{93D74D93-F51C-FE12-F3F5-FB1760BA7A14}"/>
+                <a16:creationId xmlns="" xmlns:a16="http://schemas.microsoft.com/office/drawing/2014/main" id="{93D74D93-F51C-FE12-F3F5-FB1760BA7A14}"/>
               </a:ext>
             </a:extLst>
           </p:cNvPr>
@@ -19222,7 +19222,7 @@
           <p:cNvPr id="4" name="Picture 3">
             <a:extLst>
               <a:ext uri="{FF2B5EF4-FFF2-40B4-BE49-F238E27FC236}">
-                <a16:creationId xmlns:a16="http://schemas.microsoft.com/office/drawing/2014/main" id="{816404E5-6BED-E74F-ACAC-15CF2F35594D}"/>
+                <a16:creationId xmlns="" xmlns:a16="http://schemas.microsoft.com/office/drawing/2014/main" id="{816404E5-6BED-E74F-ACAC-15CF2F35594D}"/>
               </a:ext>
             </a:extLst>
           </p:cNvPr>
@@ -19336,7 +19336,7 @@
           <p:cNvPr id="5" name="Picture 4">
             <a:extLst>
               <a:ext uri="{FF2B5EF4-FFF2-40B4-BE49-F238E27FC236}">
-                <a16:creationId xmlns:a16="http://schemas.microsoft.com/office/drawing/2014/main" id="{D955F809-7A23-8733-0061-03016707C59B}"/>
+                <a16:creationId xmlns="" xmlns:a16="http://schemas.microsoft.com/office/drawing/2014/main" id="{D955F809-7A23-8733-0061-03016707C59B}"/>
               </a:ext>
             </a:extLst>
           </p:cNvPr>
@@ -19527,7 +19527,7 @@
           <p:cNvPr id="4" name="Picture 3">
             <a:extLst>
               <a:ext uri="{FF2B5EF4-FFF2-40B4-BE49-F238E27FC236}">
-                <a16:creationId xmlns:a16="http://schemas.microsoft.com/office/drawing/2014/main" id="{3A60D467-9335-D260-C03A-BE9A10801B85}"/>
+                <a16:creationId xmlns="" xmlns:a16="http://schemas.microsoft.com/office/drawing/2014/main" id="{3A60D467-9335-D260-C03A-BE9A10801B85}"/>
               </a:ext>
             </a:extLst>
           </p:cNvPr>
@@ -19557,7 +19557,7 @@
           <p:cNvPr id="7" name="Picture 6">
             <a:extLst>
               <a:ext uri="{FF2B5EF4-FFF2-40B4-BE49-F238E27FC236}">
-                <a16:creationId xmlns:a16="http://schemas.microsoft.com/office/drawing/2014/main" id="{67D9C20A-4DA7-2386-01C3-0BBABFBA31C4}"/>
+                <a16:creationId xmlns="" xmlns:a16="http://schemas.microsoft.com/office/drawing/2014/main" id="{67D9C20A-4DA7-2386-01C3-0BBABFBA31C4}"/>
               </a:ext>
             </a:extLst>
           </p:cNvPr>
@@ -19800,7 +19800,7 @@
           <p:cNvPr id="15" name="Group 14">
             <a:extLst>
               <a:ext uri="{FF2B5EF4-FFF2-40B4-BE49-F238E27FC236}">
-                <a16:creationId xmlns:a16="http://schemas.microsoft.com/office/drawing/2014/main" id="{025D4CAE-8954-BF27-ED52-A64A294DAC78}"/>
+                <a16:creationId xmlns="" xmlns:a16="http://schemas.microsoft.com/office/drawing/2014/main" id="{025D4CAE-8954-BF27-ED52-A64A294DAC78}"/>
               </a:ext>
             </a:extLst>
           </p:cNvPr>
@@ -19820,7 +19820,7 @@
             <p:cNvPr id="10" name="Rectangle 9">
               <a:extLst>
                 <a:ext uri="{FF2B5EF4-FFF2-40B4-BE49-F238E27FC236}">
-                  <a16:creationId xmlns:a16="http://schemas.microsoft.com/office/drawing/2014/main" id="{067C39AB-C7DC-AE80-0A78-144C30B64B34}"/>
+                  <a16:creationId xmlns="" xmlns:a16="http://schemas.microsoft.com/office/drawing/2014/main" id="{067C39AB-C7DC-AE80-0A78-144C30B64B34}"/>
                 </a:ext>
               </a:extLst>
             </p:cNvPr>
@@ -19867,7 +19867,7 @@
             <p:cNvPr id="9" name="Picture 8">
               <a:extLst>
                 <a:ext uri="{FF2B5EF4-FFF2-40B4-BE49-F238E27FC236}">
-                  <a16:creationId xmlns:a16="http://schemas.microsoft.com/office/drawing/2014/main" id="{66620AEE-B860-E5B0-7F70-10EEDF83901A}"/>
+                  <a16:creationId xmlns="" xmlns:a16="http://schemas.microsoft.com/office/drawing/2014/main" id="{66620AEE-B860-E5B0-7F70-10EEDF83901A}"/>
                 </a:ext>
               </a:extLst>
             </p:cNvPr>
@@ -19904,7 +19904,7 @@
           <p:cNvPr id="16" name="Group 15">
             <a:extLst>
               <a:ext uri="{FF2B5EF4-FFF2-40B4-BE49-F238E27FC236}">
-                <a16:creationId xmlns:a16="http://schemas.microsoft.com/office/drawing/2014/main" id="{17DA453E-DB67-6FDF-A883-B37C56EBD52F}"/>
+                <a16:creationId xmlns="" xmlns:a16="http://schemas.microsoft.com/office/drawing/2014/main" id="{17DA453E-DB67-6FDF-A883-B37C56EBD52F}"/>
               </a:ext>
             </a:extLst>
           </p:cNvPr>
@@ -19924,7 +19924,7 @@
             <p:cNvPr id="7" name="Picture 6">
               <a:extLst>
                 <a:ext uri="{FF2B5EF4-FFF2-40B4-BE49-F238E27FC236}">
-                  <a16:creationId xmlns:a16="http://schemas.microsoft.com/office/drawing/2014/main" id="{5ADD6B69-6EE6-CB91-9279-C54131D6B236}"/>
+                  <a16:creationId xmlns="" xmlns:a16="http://schemas.microsoft.com/office/drawing/2014/main" id="{5ADD6B69-6EE6-CB91-9279-C54131D6B236}"/>
                 </a:ext>
               </a:extLst>
             </p:cNvPr>
@@ -19960,7 +19960,7 @@
             <p:cNvPr id="13" name="Rectangle 12">
               <a:extLst>
                 <a:ext uri="{FF2B5EF4-FFF2-40B4-BE49-F238E27FC236}">
-                  <a16:creationId xmlns:a16="http://schemas.microsoft.com/office/drawing/2014/main" id="{4881E675-2DEC-772C-6D68-3095B83DCF1F}"/>
+                  <a16:creationId xmlns="" xmlns:a16="http://schemas.microsoft.com/office/drawing/2014/main" id="{4881E675-2DEC-772C-6D68-3095B83DCF1F}"/>
                 </a:ext>
               </a:extLst>
             </p:cNvPr>
@@ -20008,7 +20008,7 @@
           <p:cNvPr id="17" name="TextBox 16">
             <a:extLst>
               <a:ext uri="{FF2B5EF4-FFF2-40B4-BE49-F238E27FC236}">
-                <a16:creationId xmlns:a16="http://schemas.microsoft.com/office/drawing/2014/main" id="{2D58EC4C-C850-23E1-B70C-79E12CB88261}"/>
+                <a16:creationId xmlns="" xmlns:a16="http://schemas.microsoft.com/office/drawing/2014/main" id="{2D58EC4C-C850-23E1-B70C-79E12CB88261}"/>
               </a:ext>
             </a:extLst>
           </p:cNvPr>
@@ -20822,7 +20822,7 @@
           <p:cNvPr id="5" name="TextBox 4">
             <a:extLst>
               <a:ext uri="{FF2B5EF4-FFF2-40B4-BE49-F238E27FC236}">
-                <a16:creationId xmlns:a16="http://schemas.microsoft.com/office/drawing/2014/main" id="{4E8D93C3-540D-3372-1181-A2DCB717FB24}"/>
+                <a16:creationId xmlns="" xmlns:a16="http://schemas.microsoft.com/office/drawing/2014/main" id="{4E8D93C3-540D-3372-1181-A2DCB717FB24}"/>
               </a:ext>
             </a:extLst>
           </p:cNvPr>
@@ -21122,7 +21122,7 @@
           <p:cNvPr id="4" name="Picture 3">
             <a:extLst>
               <a:ext uri="{FF2B5EF4-FFF2-40B4-BE49-F238E27FC236}">
-                <a16:creationId xmlns:a16="http://schemas.microsoft.com/office/drawing/2014/main" id="{3FFE0E28-8C1C-3AD7-AE8C-7AF3FAA1EC25}"/>
+                <a16:creationId xmlns="" xmlns:a16="http://schemas.microsoft.com/office/drawing/2014/main" id="{3FFE0E28-8C1C-3AD7-AE8C-7AF3FAA1EC25}"/>
               </a:ext>
             </a:extLst>
           </p:cNvPr>
@@ -21319,7 +21319,7 @@
           <p:cNvPr id="5" name="Picture 4">
             <a:extLst>
               <a:ext uri="{FF2B5EF4-FFF2-40B4-BE49-F238E27FC236}">
-                <a16:creationId xmlns:a16="http://schemas.microsoft.com/office/drawing/2014/main" id="{6F0A7594-E459-EA82-AFA9-90AFE17C5207}"/>
+                <a16:creationId xmlns="" xmlns:a16="http://schemas.microsoft.com/office/drawing/2014/main" id="{6F0A7594-E459-EA82-AFA9-90AFE17C5207}"/>
               </a:ext>
             </a:extLst>
           </p:cNvPr>
@@ -21515,7 +21515,7 @@
           <p:cNvPr id="4" name="Picture 3">
             <a:extLst>
               <a:ext uri="{FF2B5EF4-FFF2-40B4-BE49-F238E27FC236}">
-                <a16:creationId xmlns:a16="http://schemas.microsoft.com/office/drawing/2014/main" id="{08D8472E-6583-52E3-1AE0-C60F758D0D66}"/>
+                <a16:creationId xmlns="" xmlns:a16="http://schemas.microsoft.com/office/drawing/2014/main" id="{08D8472E-6583-52E3-1AE0-C60F758D0D66}"/>
               </a:ext>
             </a:extLst>
           </p:cNvPr>
@@ -21711,7 +21711,7 @@
           <p:cNvPr id="5" name="Picture 4">
             <a:extLst>
               <a:ext uri="{FF2B5EF4-FFF2-40B4-BE49-F238E27FC236}">
-                <a16:creationId xmlns:a16="http://schemas.microsoft.com/office/drawing/2014/main" id="{C805F50E-95DD-2CC7-FD26-D2F4EDCCB43F}"/>
+                <a16:creationId xmlns="" xmlns:a16="http://schemas.microsoft.com/office/drawing/2014/main" id="{C805F50E-95DD-2CC7-FD26-D2F4EDCCB43F}"/>
               </a:ext>
             </a:extLst>
           </p:cNvPr>
@@ -21824,7 +21824,7 @@
           <p:cNvPr id="5" name="Picture 4">
             <a:extLst>
               <a:ext uri="{FF2B5EF4-FFF2-40B4-BE49-F238E27FC236}">
-                <a16:creationId xmlns:a16="http://schemas.microsoft.com/office/drawing/2014/main" id="{C805F50E-95DD-2CC7-FD26-D2F4EDCCB43F}"/>
+                <a16:creationId xmlns="" xmlns:a16="http://schemas.microsoft.com/office/drawing/2014/main" id="{C805F50E-95DD-2CC7-FD26-D2F4EDCCB43F}"/>
               </a:ext>
             </a:extLst>
           </p:cNvPr>
@@ -21937,7 +21937,7 @@
           <p:cNvPr id="4" name="TextBox 3">
             <a:extLst>
               <a:ext uri="{FF2B5EF4-FFF2-40B4-BE49-F238E27FC236}">
-                <a16:creationId xmlns:a16="http://schemas.microsoft.com/office/drawing/2014/main" id="{70D32D1E-932B-167B-9082-DA7013F1DC2C}"/>
+                <a16:creationId xmlns="" xmlns:a16="http://schemas.microsoft.com/office/drawing/2014/main" id="{70D32D1E-932B-167B-9082-DA7013F1DC2C}"/>
               </a:ext>
             </a:extLst>
           </p:cNvPr>
@@ -22305,7 +22305,7 @@
           <p:cNvPr id="5" name="TextBox 4">
             <a:extLst>
               <a:ext uri="{FF2B5EF4-FFF2-40B4-BE49-F238E27FC236}">
-                <a16:creationId xmlns:a16="http://schemas.microsoft.com/office/drawing/2014/main" id="{F8466C4F-C663-16E9-A3A4-5E4BCC1922AB}"/>
+                <a16:creationId xmlns="" xmlns:a16="http://schemas.microsoft.com/office/drawing/2014/main" id="{F8466C4F-C663-16E9-A3A4-5E4BCC1922AB}"/>
               </a:ext>
             </a:extLst>
           </p:cNvPr>
@@ -22466,7 +22466,7 @@
           <p:cNvPr id="5" name="TextBox 4">
             <a:extLst>
               <a:ext uri="{FF2B5EF4-FFF2-40B4-BE49-F238E27FC236}">
-                <a16:creationId xmlns:a16="http://schemas.microsoft.com/office/drawing/2014/main" id="{F8466C4F-C663-16E9-A3A4-5E4BCC1922AB}"/>
+                <a16:creationId xmlns="" xmlns:a16="http://schemas.microsoft.com/office/drawing/2014/main" id="{F8466C4F-C663-16E9-A3A4-5E4BCC1922AB}"/>
               </a:ext>
             </a:extLst>
           </p:cNvPr>
@@ -22627,7 +22627,7 @@
           <p:cNvPr id="5" name="Picture 4">
             <a:extLst>
               <a:ext uri="{FF2B5EF4-FFF2-40B4-BE49-F238E27FC236}">
-                <a16:creationId xmlns:a16="http://schemas.microsoft.com/office/drawing/2014/main" id="{653C8343-D5F6-5904-F4D0-B742B97D78A8}"/>
+                <a16:creationId xmlns="" xmlns:a16="http://schemas.microsoft.com/office/drawing/2014/main" id="{653C8343-D5F6-5904-F4D0-B742B97D78A8}"/>
               </a:ext>
             </a:extLst>
           </p:cNvPr>
@@ -22818,7 +22818,7 @@
           <p:cNvPr id="5" name="TextBox 4">
             <a:extLst>
               <a:ext uri="{FF2B5EF4-FFF2-40B4-BE49-F238E27FC236}">
-                <a16:creationId xmlns:a16="http://schemas.microsoft.com/office/drawing/2014/main" id="{F8466C4F-C663-16E9-A3A4-5E4BCC1922AB}"/>
+                <a16:creationId xmlns="" xmlns:a16="http://schemas.microsoft.com/office/drawing/2014/main" id="{F8466C4F-C663-16E9-A3A4-5E4BCC1922AB}"/>
               </a:ext>
             </a:extLst>
           </p:cNvPr>
@@ -22993,7 +22993,7 @@
           <p:cNvPr id="5" name="TextBox 4">
             <a:extLst>
               <a:ext uri="{FF2B5EF4-FFF2-40B4-BE49-F238E27FC236}">
-                <a16:creationId xmlns:a16="http://schemas.microsoft.com/office/drawing/2014/main" id="{F8466C4F-C663-16E9-A3A4-5E4BCC1922AB}"/>
+                <a16:creationId xmlns="" xmlns:a16="http://schemas.microsoft.com/office/drawing/2014/main" id="{F8466C4F-C663-16E9-A3A4-5E4BCC1922AB}"/>
               </a:ext>
             </a:extLst>
           </p:cNvPr>
@@ -23161,7 +23161,7 @@
           <p:cNvPr id="5" name="TextBox 4">
             <a:extLst>
               <a:ext uri="{FF2B5EF4-FFF2-40B4-BE49-F238E27FC236}">
-                <a16:creationId xmlns:a16="http://schemas.microsoft.com/office/drawing/2014/main" id="{F8466C4F-C663-16E9-A3A4-5E4BCC1922AB}"/>
+                <a16:creationId xmlns="" xmlns:a16="http://schemas.microsoft.com/office/drawing/2014/main" id="{F8466C4F-C663-16E9-A3A4-5E4BCC1922AB}"/>
               </a:ext>
             </a:extLst>
           </p:cNvPr>
@@ -23320,7 +23320,7 @@
           <p:cNvPr id="4" name="Picture 3">
             <a:extLst>
               <a:ext uri="{FF2B5EF4-FFF2-40B4-BE49-F238E27FC236}">
-                <a16:creationId xmlns:a16="http://schemas.microsoft.com/office/drawing/2014/main" id="{CB096ED8-BB29-6E71-A1B5-8411551C180B}"/>
+                <a16:creationId xmlns="" xmlns:a16="http://schemas.microsoft.com/office/drawing/2014/main" id="{CB096ED8-BB29-6E71-A1B5-8411551C180B}"/>
               </a:ext>
             </a:extLst>
           </p:cNvPr>
@@ -23355,7 +23355,7 @@
           <p:cNvPr id="7" name="Picture 6">
             <a:extLst>
               <a:ext uri="{FF2B5EF4-FFF2-40B4-BE49-F238E27FC236}">
-                <a16:creationId xmlns:a16="http://schemas.microsoft.com/office/drawing/2014/main" id="{62C21280-F40D-3ED0-805E-21B9AAD3BDFA}"/>
+                <a16:creationId xmlns="" xmlns:a16="http://schemas.microsoft.com/office/drawing/2014/main" id="{62C21280-F40D-3ED0-805E-21B9AAD3BDFA}"/>
               </a:ext>
             </a:extLst>
           </p:cNvPr>
@@ -23469,7 +23469,7 @@
           <p:cNvPr id="5" name="Picture 4">
             <a:extLst>
               <a:ext uri="{FF2B5EF4-FFF2-40B4-BE49-F238E27FC236}">
-                <a16:creationId xmlns:a16="http://schemas.microsoft.com/office/drawing/2014/main" id="{D3914618-BA90-7897-5519-C386EC349543}"/>
+                <a16:creationId xmlns="" xmlns:a16="http://schemas.microsoft.com/office/drawing/2014/main" id="{D3914618-BA90-7897-5519-C386EC349543}"/>
               </a:ext>
             </a:extLst>
           </p:cNvPr>
@@ -23583,7 +23583,7 @@
           <p:cNvPr id="4" name="Picture 3">
             <a:extLst>
               <a:ext uri="{FF2B5EF4-FFF2-40B4-BE49-F238E27FC236}">
-                <a16:creationId xmlns:a16="http://schemas.microsoft.com/office/drawing/2014/main" id="{7416FD17-D267-A50F-FE37-6548B491C7E4}"/>
+                <a16:creationId xmlns="" xmlns:a16="http://schemas.microsoft.com/office/drawing/2014/main" id="{7416FD17-D267-A50F-FE37-6548B491C7E4}"/>
               </a:ext>
             </a:extLst>
           </p:cNvPr>
@@ -23697,7 +23697,7 @@
           <p:cNvPr id="4" name="Picture 3">
             <a:extLst>
               <a:ext uri="{FF2B5EF4-FFF2-40B4-BE49-F238E27FC236}">
-                <a16:creationId xmlns:a16="http://schemas.microsoft.com/office/drawing/2014/main" id="{F717AD2B-8CBD-D15F-2B82-C04AB4107C06}"/>
+                <a16:creationId xmlns="" xmlns:a16="http://schemas.microsoft.com/office/drawing/2014/main" id="{F717AD2B-8CBD-D15F-2B82-C04AB4107C06}"/>
               </a:ext>
             </a:extLst>
           </p:cNvPr>
@@ -23727,7 +23727,7 @@
           <p:cNvPr id="7" name="TextBox 6">
             <a:extLst>
               <a:ext uri="{FF2B5EF4-FFF2-40B4-BE49-F238E27FC236}">
-                <a16:creationId xmlns:a16="http://schemas.microsoft.com/office/drawing/2014/main" id="{D5175723-71CB-419F-22D4-E782F927EABB}"/>
+                <a16:creationId xmlns="" xmlns:a16="http://schemas.microsoft.com/office/drawing/2014/main" id="{D5175723-71CB-419F-22D4-E782F927EABB}"/>
               </a:ext>
             </a:extLst>
           </p:cNvPr>
@@ -23840,7 +23840,7 @@
           <p:cNvPr id="8" name="TextBox 7">
             <a:extLst>
               <a:ext uri="{FF2B5EF4-FFF2-40B4-BE49-F238E27FC236}">
-                <a16:creationId xmlns:a16="http://schemas.microsoft.com/office/drawing/2014/main" id="{4F22F4DE-524C-33BC-37B4-FD21A97F55E8}"/>
+                <a16:creationId xmlns="" xmlns:a16="http://schemas.microsoft.com/office/drawing/2014/main" id="{4F22F4DE-524C-33BC-37B4-FD21A97F55E8}"/>
               </a:ext>
             </a:extLst>
           </p:cNvPr>
@@ -24736,7 +24736,7 @@
           <p:cNvPr id="4" name="Picture 3">
             <a:extLst>
               <a:ext uri="{FF2B5EF4-FFF2-40B4-BE49-F238E27FC236}">
-                <a16:creationId xmlns:a16="http://schemas.microsoft.com/office/drawing/2014/main" id="{F717AD2B-8CBD-D15F-2B82-C04AB4107C06}"/>
+                <a16:creationId xmlns="" xmlns:a16="http://schemas.microsoft.com/office/drawing/2014/main" id="{F717AD2B-8CBD-D15F-2B82-C04AB4107C06}"/>
               </a:ext>
             </a:extLst>
           </p:cNvPr>
@@ -24766,7 +24766,7 @@
           <p:cNvPr id="7" name="TextBox 6">
             <a:extLst>
               <a:ext uri="{FF2B5EF4-FFF2-40B4-BE49-F238E27FC236}">
-                <a16:creationId xmlns:a16="http://schemas.microsoft.com/office/drawing/2014/main" id="{D5175723-71CB-419F-22D4-E782F927EABB}"/>
+                <a16:creationId xmlns="" xmlns:a16="http://schemas.microsoft.com/office/drawing/2014/main" id="{D5175723-71CB-419F-22D4-E782F927EABB}"/>
               </a:ext>
             </a:extLst>
           </p:cNvPr>
@@ -25456,7 +25456,7 @@
           <p:cNvPr id="4" name="Picture 3">
             <a:extLst>
               <a:ext uri="{FF2B5EF4-FFF2-40B4-BE49-F238E27FC236}">
-                <a16:creationId xmlns:a16="http://schemas.microsoft.com/office/drawing/2014/main" id="{F717AD2B-8CBD-D15F-2B82-C04AB4107C06}"/>
+                <a16:creationId xmlns="" xmlns:a16="http://schemas.microsoft.com/office/drawing/2014/main" id="{F717AD2B-8CBD-D15F-2B82-C04AB4107C06}"/>
               </a:ext>
             </a:extLst>
           </p:cNvPr>
@@ -25486,7 +25486,7 @@
           <p:cNvPr id="7" name="TextBox 6">
             <a:extLst>
               <a:ext uri="{FF2B5EF4-FFF2-40B4-BE49-F238E27FC236}">
-                <a16:creationId xmlns:a16="http://schemas.microsoft.com/office/drawing/2014/main" id="{D5175723-71CB-419F-22D4-E782F927EABB}"/>
+                <a16:creationId xmlns="" xmlns:a16="http://schemas.microsoft.com/office/drawing/2014/main" id="{D5175723-71CB-419F-22D4-E782F927EABB}"/>
               </a:ext>
             </a:extLst>
           </p:cNvPr>
